--- a/matlabMeas/TiffanyMeasurementFunctions/IDC/ConnectionLayout.pptx
+++ b/matlabMeas/TiffanyMeasurementFunctions/IDC/ConnectionLayout.pptx
@@ -5,8 +5,10 @@
     <p:sldMasterId id="2147483648" r:id="rId1"/>
   </p:sldMasterIdLst>
   <p:sldIdLst>
-    <p:sldId id="256" r:id="rId2"/>
-    <p:sldId id="257" r:id="rId3"/>
+    <p:sldId id="258" r:id="rId2"/>
+    <p:sldId id="259" r:id="rId3"/>
+    <p:sldId id="257" r:id="rId4"/>
+    <p:sldId id="260" r:id="rId5"/>
   </p:sldIdLst>
   <p:sldSz cx="12192000" cy="6858000"/>
   <p:notesSz cx="6858000" cy="9144000"/>
@@ -260,7 +262,7 @@
           <a:p>
             <a:fld id="{47ABD26D-D221-4902-BE5F-0AA58C118E78}" type="datetimeFigureOut">
               <a:rPr lang="en-US" smtClean="0"/>
-              <a:t>12/12/2022</a:t>
+              <a:t>3/15/2023</a:t>
             </a:fld>
             <a:endParaRPr lang="en-US"/>
           </a:p>
@@ -458,7 +460,7 @@
           <a:p>
             <a:fld id="{47ABD26D-D221-4902-BE5F-0AA58C118E78}" type="datetimeFigureOut">
               <a:rPr lang="en-US" smtClean="0"/>
-              <a:t>12/12/2022</a:t>
+              <a:t>3/15/2023</a:t>
             </a:fld>
             <a:endParaRPr lang="en-US"/>
           </a:p>
@@ -666,7 +668,7 @@
           <a:p>
             <a:fld id="{47ABD26D-D221-4902-BE5F-0AA58C118E78}" type="datetimeFigureOut">
               <a:rPr lang="en-US" smtClean="0"/>
-              <a:t>12/12/2022</a:t>
+              <a:t>3/15/2023</a:t>
             </a:fld>
             <a:endParaRPr lang="en-US"/>
           </a:p>
@@ -864,7 +866,7 @@
           <a:p>
             <a:fld id="{47ABD26D-D221-4902-BE5F-0AA58C118E78}" type="datetimeFigureOut">
               <a:rPr lang="en-US" smtClean="0"/>
-              <a:t>12/12/2022</a:t>
+              <a:t>3/15/2023</a:t>
             </a:fld>
             <a:endParaRPr lang="en-US"/>
           </a:p>
@@ -1139,7 +1141,7 @@
           <a:p>
             <a:fld id="{47ABD26D-D221-4902-BE5F-0AA58C118E78}" type="datetimeFigureOut">
               <a:rPr lang="en-US" smtClean="0"/>
-              <a:t>12/12/2022</a:t>
+              <a:t>3/15/2023</a:t>
             </a:fld>
             <a:endParaRPr lang="en-US"/>
           </a:p>
@@ -1404,7 +1406,7 @@
           <a:p>
             <a:fld id="{47ABD26D-D221-4902-BE5F-0AA58C118E78}" type="datetimeFigureOut">
               <a:rPr lang="en-US" smtClean="0"/>
-              <a:t>12/12/2022</a:t>
+              <a:t>3/15/2023</a:t>
             </a:fld>
             <a:endParaRPr lang="en-US"/>
           </a:p>
@@ -1816,7 +1818,7 @@
           <a:p>
             <a:fld id="{47ABD26D-D221-4902-BE5F-0AA58C118E78}" type="datetimeFigureOut">
               <a:rPr lang="en-US" smtClean="0"/>
-              <a:t>12/12/2022</a:t>
+              <a:t>3/15/2023</a:t>
             </a:fld>
             <a:endParaRPr lang="en-US"/>
           </a:p>
@@ -1957,7 +1959,7 @@
           <a:p>
             <a:fld id="{47ABD26D-D221-4902-BE5F-0AA58C118E78}" type="datetimeFigureOut">
               <a:rPr lang="en-US" smtClean="0"/>
-              <a:t>12/12/2022</a:t>
+              <a:t>3/15/2023</a:t>
             </a:fld>
             <a:endParaRPr lang="en-US"/>
           </a:p>
@@ -2070,7 +2072,7 @@
           <a:p>
             <a:fld id="{47ABD26D-D221-4902-BE5F-0AA58C118E78}" type="datetimeFigureOut">
               <a:rPr lang="en-US" smtClean="0"/>
-              <a:t>12/12/2022</a:t>
+              <a:t>3/15/2023</a:t>
             </a:fld>
             <a:endParaRPr lang="en-US"/>
           </a:p>
@@ -2381,7 +2383,7 @@
           <a:p>
             <a:fld id="{47ABD26D-D221-4902-BE5F-0AA58C118E78}" type="datetimeFigureOut">
               <a:rPr lang="en-US" smtClean="0"/>
-              <a:t>12/12/2022</a:t>
+              <a:t>3/15/2023</a:t>
             </a:fld>
             <a:endParaRPr lang="en-US"/>
           </a:p>
@@ -2669,7 +2671,7 @@
           <a:p>
             <a:fld id="{47ABD26D-D221-4902-BE5F-0AA58C118E78}" type="datetimeFigureOut">
               <a:rPr lang="en-US" smtClean="0"/>
-              <a:t>12/12/2022</a:t>
+              <a:t>3/15/2023</a:t>
             </a:fld>
             <a:endParaRPr lang="en-US"/>
           </a:p>
@@ -2910,7 +2912,7 @@
           <a:p>
             <a:fld id="{47ABD26D-D221-4902-BE5F-0AA58C118E78}" type="datetimeFigureOut">
               <a:rPr lang="en-US" smtClean="0"/>
-              <a:t>12/12/2022</a:t>
+              <a:t>3/15/2023</a:t>
             </a:fld>
             <a:endParaRPr lang="en-US"/>
           </a:p>
@@ -3329,6 +3331,92 @@
       </p:grpSpPr>
       <p:sp>
         <p:nvSpPr>
+          <p:cNvPr id="2" name="Title 1">
+            <a:extLst>
+              <a:ext uri="{FF2B5EF4-FFF2-40B4-BE49-F238E27FC236}">
+                <a16:creationId xmlns:a16="http://schemas.microsoft.com/office/drawing/2014/main" id="{BA910551-DAAF-D4D4-1AE3-6E02B44C8997}"/>
+              </a:ext>
+            </a:extLst>
+          </p:cNvPr>
+          <p:cNvSpPr>
+            <a:spLocks noGrp="1"/>
+          </p:cNvSpPr>
+          <p:nvPr>
+            <p:ph type="ctrTitle"/>
+          </p:nvPr>
+        </p:nvSpPr>
+        <p:spPr/>
+        <p:txBody>
+          <a:bodyPr/>
+          <a:lstStyle/>
+          <a:p>
+            <a:r>
+              <a:rPr lang="en-US" dirty="0"/>
+              <a:t>Connection Layout</a:t>
+            </a:r>
+          </a:p>
+        </p:txBody>
+      </p:sp>
+      <p:sp>
+        <p:nvSpPr>
+          <p:cNvPr id="3" name="Subtitle 2">
+            <a:extLst>
+              <a:ext uri="{FF2B5EF4-FFF2-40B4-BE49-F238E27FC236}">
+                <a16:creationId xmlns:a16="http://schemas.microsoft.com/office/drawing/2014/main" id="{E9AFCB68-D6A2-A60F-E763-7459BA6EE4E8}"/>
+              </a:ext>
+            </a:extLst>
+          </p:cNvPr>
+          <p:cNvSpPr>
+            <a:spLocks noGrp="1"/>
+          </p:cNvSpPr>
+          <p:nvPr>
+            <p:ph type="subTitle" idx="1"/>
+          </p:nvPr>
+        </p:nvSpPr>
+        <p:spPr/>
+        <p:txBody>
+          <a:bodyPr/>
+          <a:lstStyle/>
+          <a:p>
+            <a:r>
+              <a:rPr lang="en-US" dirty="0"/>
+              <a:t>Tiffany Liu 03/15/2023</a:t>
+            </a:r>
+          </a:p>
+        </p:txBody>
+      </p:sp>
+    </p:spTree>
+    <p:extLst>
+      <p:ext uri="{BB962C8B-B14F-4D97-AF65-F5344CB8AC3E}">
+        <p14:creationId xmlns:p14="http://schemas.microsoft.com/office/powerpoint/2010/main" val="2246751997"/>
+      </p:ext>
+    </p:extLst>
+  </p:cSld>
+  <p:clrMapOvr>
+    <a:masterClrMapping/>
+  </p:clrMapOvr>
+</p:sld>
+</file>
+
+<file path=ppt/slides/slide2.xml><?xml version="1.0" encoding="utf-8"?>
+<p:sld xmlns:a="http://schemas.openxmlformats.org/drawingml/2006/main" xmlns:r="http://schemas.openxmlformats.org/officeDocument/2006/relationships" xmlns:p="http://schemas.openxmlformats.org/presentationml/2006/main">
+  <p:cSld>
+    <p:spTree>
+      <p:nvGrpSpPr>
+        <p:cNvPr id="1" name=""/>
+        <p:cNvGrpSpPr/>
+        <p:nvPr/>
+      </p:nvGrpSpPr>
+      <p:grpSpPr>
+        <a:xfrm>
+          <a:off x="0" y="0"/>
+          <a:ext cx="0" cy="0"/>
+          <a:chOff x="0" y="0"/>
+          <a:chExt cx="0" cy="0"/>
+        </a:xfrm>
+      </p:grpSpPr>
+      <p:sp>
+        <p:nvSpPr>
           <p:cNvPr id="4" name="Oval 3">
             <a:extLst>
               <a:ext uri="{FF2B5EF4-FFF2-40B4-BE49-F238E27FC236}">
@@ -3745,6 +3833,11 @@
           <a:prstGeom prst="ellipse">
             <a:avLst/>
           </a:prstGeom>
+          <a:solidFill>
+            <a:schemeClr val="bg2">
+              <a:lumMod val="10000"/>
+            </a:schemeClr>
+          </a:solidFill>
         </p:spPr>
         <p:style>
           <a:lnRef idx="2">
@@ -3921,6 +4014,9 @@
           <a:prstGeom prst="ellipse">
             <a:avLst/>
           </a:prstGeom>
+          <a:solidFill>
+            <a:schemeClr val="tx1"/>
+          </a:solidFill>
         </p:spPr>
         <p:style>
           <a:lnRef idx="2">
@@ -4844,7 +4940,7 @@
           <a:p>
             <a:r>
               <a:rPr lang="en-US" dirty="0"/>
-              <a:t>17         B5                      GND       10         22                        9		 </a:t>
+              <a:t>17         B5*                   GND       10         22                        6*		 </a:t>
             </a:r>
           </a:p>
         </p:txBody>
@@ -4887,7 +4983,7 @@
                   <a:srgbClr val="FF0000"/>
                 </a:solidFill>
               </a:rPr>
-              <a:t>IDC+                   IDC-</a:t>
+              <a:t>IDC-                   IDC+</a:t>
             </a:r>
             <a:r>
               <a:rPr lang="en-US" dirty="0"/>
@@ -4910,8 +5006,8 @@
         </p:nvSpPr>
         <p:spPr>
           <a:xfrm>
-            <a:off x="3251200" y="6176965"/>
-            <a:ext cx="5664201" cy="646331"/>
+            <a:off x="3251201" y="6176965"/>
+            <a:ext cx="5568060" cy="369332"/>
           </a:xfrm>
           <a:prstGeom prst="rect">
             <a:avLst/>
@@ -4934,12 +5030,9 @@
                   <a:srgbClr val="FF0000"/>
                 </a:solidFill>
               </a:rPr>
-              <a:t>IDC+                   	           IDC-</a:t>
-            </a:r>
-            <a:r>
-              <a:rPr lang="en-US" dirty="0"/>
-              <a:t>			 </a:t>
-            </a:r>
+              <a:t>IDC-                   	           IDC+</a:t>
+            </a:r>
+            <a:endParaRPr lang="en-US" dirty="0"/>
           </a:p>
         </p:txBody>
       </p:sp>
@@ -5260,8 +5353,8 @@
         </p:nvSpPr>
         <p:spPr>
           <a:xfrm>
-            <a:off x="9526318" y="1264134"/>
-            <a:ext cx="889960" cy="4247317"/>
+            <a:off x="9526317" y="1264134"/>
+            <a:ext cx="2207931" cy="4247317"/>
           </a:xfrm>
           <a:prstGeom prst="rect">
             <a:avLst/>
@@ -5303,7 +5396,7 @@
           <a:p>
             <a:r>
               <a:rPr lang="en-US" dirty="0"/>
-              <a:t>B6</a:t>
+              <a:t>B7</a:t>
             </a:r>
           </a:p>
           <a:p>
@@ -5339,7 +5432,11 @@
           <a:p>
             <a:r>
               <a:rPr lang="en-US" dirty="0"/>
-              <a:t>B7 </a:t>
+              <a:t>B6 </a:t>
+            </a:r>
+            <a:r>
+              <a:rPr lang="en-US" sz="1000" i="1" dirty="0"/>
+              <a:t>(large capacitance to B7 and B3) </a:t>
             </a:r>
           </a:p>
         </p:txBody>
@@ -5471,8 +5568,8 @@
         </p:nvSpPr>
         <p:spPr>
           <a:xfrm>
-            <a:off x="10078644" y="1268717"/>
-            <a:ext cx="889960" cy="4247317"/>
+            <a:off x="10423403" y="1282620"/>
+            <a:ext cx="1589001" cy="4431983"/>
           </a:xfrm>
           <a:prstGeom prst="rect">
             <a:avLst/>
@@ -5485,84 +5582,85 @@
           </a:bodyPr>
           <a:lstStyle/>
           <a:p>
-            <a:pPr algn="ctr"/>
             <a:r>
               <a:rPr lang="en-US" dirty="0"/>
               <a:t>1</a:t>
             </a:r>
           </a:p>
           <a:p>
-            <a:pPr algn="ctr"/>
             <a:endParaRPr lang="en-US" dirty="0"/>
           </a:p>
           <a:p>
-            <a:pPr algn="ctr"/>
             <a:r>
               <a:rPr lang="en-US" dirty="0"/>
               <a:t>SR830</a:t>
             </a:r>
           </a:p>
           <a:p>
-            <a:pPr algn="ctr"/>
             <a:endParaRPr lang="en-US" dirty="0"/>
           </a:p>
           <a:p>
-            <a:pPr algn="ctr"/>
             <a:r>
               <a:rPr lang="en-US" dirty="0"/>
               <a:t>16</a:t>
             </a:r>
           </a:p>
           <a:p>
-            <a:pPr algn="ctr"/>
             <a:endParaRPr lang="en-US" dirty="0"/>
           </a:p>
           <a:p>
-            <a:pPr algn="ctr"/>
             <a:r>
               <a:rPr lang="en-US" dirty="0"/>
               <a:t>SR830</a:t>
             </a:r>
           </a:p>
           <a:p>
-            <a:pPr algn="ctr"/>
             <a:endParaRPr lang="en-US" dirty="0"/>
           </a:p>
           <a:p>
-            <a:pPr algn="ctr"/>
             <a:r>
               <a:rPr lang="en-US" dirty="0"/>
               <a:t>14</a:t>
             </a:r>
           </a:p>
           <a:p>
-            <a:pPr algn="ctr"/>
             <a:endParaRPr lang="en-US" dirty="0"/>
           </a:p>
           <a:p>
-            <a:pPr algn="ctr"/>
-            <a:r>
-              <a:rPr lang="en-US" dirty="0"/>
-              <a:t>13</a:t>
-            </a:r>
-          </a:p>
-          <a:p>
-            <a:pPr algn="ctr"/>
+            <a:r>
+              <a:rPr lang="en-US" sz="1500" dirty="0"/>
+              <a:t>15 (</a:t>
+            </a:r>
+            <a:r>
+              <a:rPr lang="en-US" sz="1500" dirty="0" err="1"/>
+              <a:t>open,ay</a:t>
+            </a:r>
+            <a:r>
+              <a:rPr lang="en-US" sz="1500" dirty="0"/>
+              <a:t>)/23 (</a:t>
+            </a:r>
+            <a:r>
+              <a:rPr lang="en-US" sz="1500" dirty="0" err="1"/>
+              <a:t>close,ax</a:t>
+            </a:r>
+            <a:r>
+              <a:rPr lang="en-US" sz="1500" dirty="0"/>
+              <a:t>)</a:t>
+            </a:r>
+          </a:p>
+          <a:p>
             <a:endParaRPr lang="en-US" dirty="0"/>
           </a:p>
           <a:p>
-            <a:pPr algn="ctr"/>
             <a:r>
               <a:rPr lang="en-US" dirty="0"/>
               <a:t>1</a:t>
             </a:r>
           </a:p>
           <a:p>
-            <a:pPr algn="ctr"/>
             <a:endParaRPr lang="en-US" dirty="0"/>
           </a:p>
           <a:p>
-            <a:pPr algn="ctr"/>
             <a:r>
               <a:rPr lang="en-US" dirty="0"/>
               <a:t> </a:t>
@@ -5584,8 +5682,8 @@
         </p:nvSpPr>
         <p:spPr>
           <a:xfrm>
-            <a:off x="880161" y="1335916"/>
-            <a:ext cx="889960" cy="4247317"/>
+            <a:off x="179596" y="1335916"/>
+            <a:ext cx="1590525" cy="4431983"/>
           </a:xfrm>
           <a:prstGeom prst="rect">
             <a:avLst/>
@@ -5598,81 +5696,104 @@
           </a:bodyPr>
           <a:lstStyle/>
           <a:p>
-            <a:pPr algn="ctr"/>
+            <a:pPr algn="r"/>
             <a:endParaRPr lang="en-US" dirty="0"/>
           </a:p>
           <a:p>
-            <a:pPr algn="ctr"/>
+            <a:pPr algn="r"/>
             <a:endParaRPr lang="en-US" dirty="0"/>
           </a:p>
           <a:p>
-            <a:pPr algn="ctr"/>
+            <a:pPr algn="r"/>
             <a:r>
               <a:rPr lang="en-US" dirty="0"/>
               <a:t>3</a:t>
             </a:r>
           </a:p>
           <a:p>
-            <a:pPr algn="ctr"/>
+            <a:pPr algn="r"/>
             <a:endParaRPr lang="en-US" dirty="0"/>
           </a:p>
           <a:p>
-            <a:pPr algn="ctr"/>
+            <a:pPr algn="r"/>
             <a:r>
               <a:rPr lang="en-US" dirty="0"/>
               <a:t>SR830</a:t>
             </a:r>
           </a:p>
           <a:p>
-            <a:pPr algn="ctr"/>
+            <a:pPr algn="r"/>
             <a:endParaRPr lang="en-US" dirty="0"/>
           </a:p>
           <a:p>
-            <a:pPr algn="ctr"/>
+            <a:pPr algn="r"/>
             <a:r>
               <a:rPr lang="en-US" dirty="0"/>
               <a:t>20</a:t>
             </a:r>
           </a:p>
           <a:p>
-            <a:pPr algn="ctr"/>
+            <a:pPr algn="r"/>
             <a:endParaRPr lang="en-US" dirty="0"/>
           </a:p>
           <a:p>
-            <a:pPr algn="ctr"/>
+            <a:pPr algn="r"/>
             <a:r>
               <a:rPr lang="en-US" dirty="0"/>
               <a:t>SR830</a:t>
             </a:r>
           </a:p>
           <a:p>
-            <a:pPr algn="ctr"/>
+            <a:pPr algn="r"/>
             <a:endParaRPr lang="en-US" dirty="0"/>
           </a:p>
           <a:p>
-            <a:pPr algn="ctr"/>
+            <a:pPr algn="r"/>
             <a:r>
               <a:rPr lang="en-US" dirty="0"/>
               <a:t>18</a:t>
             </a:r>
           </a:p>
           <a:p>
-            <a:pPr algn="ctr"/>
+            <a:pPr algn="r"/>
             <a:endParaRPr lang="en-US" dirty="0"/>
           </a:p>
           <a:p>
-            <a:pPr algn="ctr"/>
-            <a:r>
-              <a:rPr lang="en-US" dirty="0"/>
-              <a:t>15</a:t>
-            </a:r>
-          </a:p>
-          <a:p>
-            <a:pPr algn="ctr"/>
+            <a:pPr algn="r"/>
+            <a:r>
+              <a:rPr lang="en-US" sz="1500" dirty="0"/>
+              <a:t>13(</a:t>
+            </a:r>
+            <a:r>
+              <a:rPr lang="en-US" sz="1500" dirty="0" err="1"/>
+              <a:t>open,ay</a:t>
+            </a:r>
+            <a:r>
+              <a:rPr lang="en-US" sz="1500" dirty="0"/>
+              <a:t>)/21</a:t>
+            </a:r>
+          </a:p>
+          <a:p>
+            <a:pPr algn="r"/>
+            <a:r>
+              <a:rPr lang="en-US" sz="1500" dirty="0"/>
+              <a:t>(</a:t>
+            </a:r>
+            <a:r>
+              <a:rPr lang="en-US" sz="1500" dirty="0" err="1"/>
+              <a:t>close,ax</a:t>
+            </a:r>
+            <a:r>
+              <a:rPr lang="en-US" sz="1500" dirty="0"/>
+              <a:t>)</a:t>
+            </a:r>
+          </a:p>
+          <a:p>
+            <a:pPr algn="r"/>
             <a:endParaRPr lang="en-US" dirty="0"/>
           </a:p>
           <a:p>
-            <a:pPr algn="ctr"/>
+            <a:pPr algn="r"/>
             <a:r>
               <a:rPr lang="en-US" dirty="0"/>
               <a:t>3 </a:t>
@@ -6107,8 +6228,8 @@
         </p:nvSpPr>
         <p:spPr>
           <a:xfrm>
-            <a:off x="-25401" y="6226371"/>
-            <a:ext cx="7168316" cy="923330"/>
+            <a:off x="-40741" y="5943537"/>
+            <a:ext cx="6614780" cy="1200329"/>
           </a:xfrm>
           <a:prstGeom prst="rect">
             <a:avLst/>
@@ -6123,11 +6244,21 @@
           <a:p>
             <a:r>
               <a:rPr lang="en-US" dirty="0" err="1"/>
-              <a:t>BiasC</a:t>
-            </a:r>
-            <a:r>
-              <a:rPr lang="en-US" dirty="0"/>
-              <a:t> = 22 (goes to filter box)</a:t>
+              <a:t>STIBiasC</a:t>
+            </a:r>
+            <a:r>
+              <a:rPr lang="en-US" dirty="0"/>
+              <a:t>  = 2 (STI bias tee box)</a:t>
+            </a:r>
+          </a:p>
+          <a:p>
+            <a:r>
+              <a:rPr lang="en-US" dirty="0" err="1"/>
+              <a:t>STOBiasC</a:t>
+            </a:r>
+            <a:r>
+              <a:rPr lang="en-US" dirty="0"/>
+              <a:t> = 22 ( STO bias tee box)</a:t>
             </a:r>
           </a:p>
           <a:p>
@@ -6342,7 +6473,7 @@
         </p:nvSpPr>
         <p:spPr>
           <a:xfrm>
-            <a:off x="6757836" y="4079568"/>
+            <a:off x="6757836" y="4066868"/>
             <a:ext cx="1187574" cy="369332"/>
           </a:xfrm>
           <a:prstGeom prst="rect">
@@ -6358,7 +6489,7 @@
           <a:p>
             <a:r>
               <a:rPr lang="en-US" dirty="0"/>
-              <a:t>6</a:t>
+              <a:t>9</a:t>
             </a:r>
           </a:p>
         </p:txBody>
@@ -6433,10 +6564,256 @@
           </a:p>
         </p:txBody>
       </p:sp>
+      <p:sp>
+        <p:nvSpPr>
+          <p:cNvPr id="21" name="TextBox 20">
+            <a:extLst>
+              <a:ext uri="{FF2B5EF4-FFF2-40B4-BE49-F238E27FC236}">
+                <a16:creationId xmlns:a16="http://schemas.microsoft.com/office/drawing/2014/main" id="{9055C5A6-130D-B8E5-3320-046C9647C5A7}"/>
+              </a:ext>
+            </a:extLst>
+          </p:cNvPr>
+          <p:cNvSpPr txBox="1"/>
+          <p:nvPr/>
+        </p:nvSpPr>
+        <p:spPr>
+          <a:xfrm>
+            <a:off x="3954032" y="4194762"/>
+            <a:ext cx="1811322" cy="246221"/>
+          </a:xfrm>
+          <a:prstGeom prst="rect">
+            <a:avLst/>
+          </a:prstGeom>
+          <a:noFill/>
+        </p:spPr>
+        <p:txBody>
+          <a:bodyPr wrap="square" rtlCol="0">
+            <a:spAutoFit/>
+          </a:bodyPr>
+          <a:lstStyle/>
+          <a:p>
+            <a:r>
+              <a:rPr lang="en-US" sz="1000" dirty="0"/>
+              <a:t>*when connecting do 2 with 20</a:t>
+            </a:r>
+          </a:p>
+        </p:txBody>
+      </p:sp>
+      <p:sp>
+        <p:nvSpPr>
+          <p:cNvPr id="27" name="TextBox 26">
+            <a:extLst>
+              <a:ext uri="{FF2B5EF4-FFF2-40B4-BE49-F238E27FC236}">
+                <a16:creationId xmlns:a16="http://schemas.microsoft.com/office/drawing/2014/main" id="{6BBE9B9B-AD3A-5BF2-C640-172A50835C57}"/>
+              </a:ext>
+            </a:extLst>
+          </p:cNvPr>
+          <p:cNvSpPr txBox="1"/>
+          <p:nvPr/>
+        </p:nvSpPr>
+        <p:spPr>
+          <a:xfrm>
+            <a:off x="104143" y="26340"/>
+            <a:ext cx="2684794" cy="369332"/>
+          </a:xfrm>
+          <a:prstGeom prst="rect">
+            <a:avLst/>
+          </a:prstGeom>
+          <a:noFill/>
+        </p:spPr>
+        <p:txBody>
+          <a:bodyPr wrap="square" rtlCol="0">
+            <a:spAutoFit/>
+          </a:bodyPr>
+          <a:lstStyle/>
+          <a:p>
+            <a:r>
+              <a:rPr lang="en-US" b="1" i="1" u="sng" dirty="0"/>
+              <a:t>SMALL GLASS DEWAR</a:t>
+            </a:r>
+          </a:p>
+        </p:txBody>
+      </p:sp>
+      <p:sp>
+        <p:nvSpPr>
+          <p:cNvPr id="64" name="TextBox 63">
+            <a:extLst>
+              <a:ext uri="{FF2B5EF4-FFF2-40B4-BE49-F238E27FC236}">
+                <a16:creationId xmlns:a16="http://schemas.microsoft.com/office/drawing/2014/main" id="{3FE796FF-B6D2-E4E1-C4AB-6582BA750C29}"/>
+              </a:ext>
+            </a:extLst>
+          </p:cNvPr>
+          <p:cNvSpPr txBox="1"/>
+          <p:nvPr/>
+        </p:nvSpPr>
+        <p:spPr>
+          <a:xfrm>
+            <a:off x="7670800" y="5739682"/>
+            <a:ext cx="4485741" cy="1477328"/>
+          </a:xfrm>
+          <a:prstGeom prst="rect">
+            <a:avLst/>
+          </a:prstGeom>
+          <a:noFill/>
+        </p:spPr>
+        <p:txBody>
+          <a:bodyPr wrap="square" rtlCol="0">
+            <a:spAutoFit/>
+          </a:bodyPr>
+          <a:lstStyle/>
+          <a:p>
+            <a:pPr algn="r"/>
+            <a:r>
+              <a:rPr lang="en-US" dirty="0" err="1"/>
+              <a:t>STIBiasE</a:t>
+            </a:r>
+            <a:r>
+              <a:rPr lang="en-US" dirty="0"/>
+              <a:t>  = 11  (STI bias tee box)</a:t>
+            </a:r>
+          </a:p>
+          <a:p>
+            <a:pPr algn="r"/>
+            <a:r>
+              <a:rPr lang="en-US" dirty="0" err="1"/>
+              <a:t>STOBiasE</a:t>
+            </a:r>
+            <a:r>
+              <a:rPr lang="en-US" dirty="0"/>
+              <a:t>= 24 ( STO bias tee box)</a:t>
+            </a:r>
+          </a:p>
+          <a:p>
+            <a:pPr algn="r"/>
+            <a:r>
+              <a:rPr lang="en-US" dirty="0"/>
+              <a:t> </a:t>
+            </a:r>
+            <a:r>
+              <a:rPr lang="en-US" dirty="0" err="1"/>
+              <a:t>doorE</a:t>
+            </a:r>
+            <a:r>
+              <a:rPr lang="en-US" dirty="0"/>
+              <a:t>/</a:t>
+            </a:r>
+            <a:r>
+              <a:rPr lang="en-US" dirty="0" err="1"/>
+              <a:t>C_close</a:t>
+            </a:r>
+            <a:r>
+              <a:rPr lang="en-US" dirty="0"/>
+              <a:t> = ax</a:t>
+            </a:r>
+          </a:p>
+          <a:p>
+            <a:pPr algn="r"/>
+            <a:r>
+              <a:rPr lang="en-US" dirty="0" err="1"/>
+              <a:t>doorE</a:t>
+            </a:r>
+            <a:r>
+              <a:rPr lang="en-US" dirty="0"/>
+              <a:t>/</a:t>
+            </a:r>
+            <a:r>
+              <a:rPr lang="en-US" dirty="0" err="1"/>
+              <a:t>C_open</a:t>
+            </a:r>
+            <a:r>
+              <a:rPr lang="en-US" dirty="0"/>
+              <a:t> = ay  </a:t>
+            </a:r>
+          </a:p>
+          <a:p>
+            <a:pPr algn="r"/>
+            <a:endParaRPr lang="en-US" dirty="0"/>
+          </a:p>
+        </p:txBody>
+      </p:sp>
+      <p:sp>
+        <p:nvSpPr>
+          <p:cNvPr id="65" name="TextBox 64">
+            <a:extLst>
+              <a:ext uri="{FF2B5EF4-FFF2-40B4-BE49-F238E27FC236}">
+                <a16:creationId xmlns:a16="http://schemas.microsoft.com/office/drawing/2014/main" id="{79BED5C2-6A3E-3E84-980A-6B4724F12F7D}"/>
+              </a:ext>
+            </a:extLst>
+          </p:cNvPr>
+          <p:cNvSpPr txBox="1"/>
+          <p:nvPr/>
+        </p:nvSpPr>
+        <p:spPr>
+          <a:xfrm>
+            <a:off x="4203668" y="4549819"/>
+            <a:ext cx="3556000" cy="369332"/>
+          </a:xfrm>
+          <a:prstGeom prst="rect">
+            <a:avLst/>
+          </a:prstGeom>
+          <a:noFill/>
+        </p:spPr>
+        <p:txBody>
+          <a:bodyPr wrap="square" rtlCol="0">
+            <a:spAutoFit/>
+          </a:bodyPr>
+          <a:lstStyle/>
+          <a:p>
+            <a:r>
+              <a:rPr lang="en-US" dirty="0"/>
+              <a:t>Aux 3,4=Vee, 10=Vee, Aux 1,2=</a:t>
+            </a:r>
+            <a:r>
+              <a:rPr lang="en-US" dirty="0" err="1"/>
+              <a:t>Vdd</a:t>
+            </a:r>
+            <a:endParaRPr lang="en-US" dirty="0"/>
+          </a:p>
+        </p:txBody>
+      </p:sp>
+      <p:sp>
+        <p:nvSpPr>
+          <p:cNvPr id="70" name="TextBox 69">
+            <a:extLst>
+              <a:ext uri="{FF2B5EF4-FFF2-40B4-BE49-F238E27FC236}">
+                <a16:creationId xmlns:a16="http://schemas.microsoft.com/office/drawing/2014/main" id="{8C0469EE-DBC4-3BA6-A0D2-B839862DF23D}"/>
+              </a:ext>
+            </a:extLst>
+          </p:cNvPr>
+          <p:cNvSpPr txBox="1"/>
+          <p:nvPr/>
+        </p:nvSpPr>
+        <p:spPr>
+          <a:xfrm>
+            <a:off x="7785952" y="6528307"/>
+            <a:ext cx="1669215" cy="246221"/>
+          </a:xfrm>
+          <a:prstGeom prst="rect">
+            <a:avLst/>
+          </a:prstGeom>
+          <a:noFill/>
+        </p:spPr>
+        <p:txBody>
+          <a:bodyPr wrap="square" rtlCol="0">
+            <a:spAutoFit/>
+          </a:bodyPr>
+          <a:lstStyle/>
+          <a:p>
+            <a:r>
+              <a:rPr lang="en-US" sz="1000" dirty="0">
+                <a:highlight>
+                  <a:srgbClr val="FFFF00"/>
+                </a:highlight>
+              </a:rPr>
+              <a:t>* Short to ground</a:t>
+            </a:r>
+          </a:p>
+        </p:txBody>
+      </p:sp>
     </p:spTree>
     <p:extLst>
       <p:ext uri="{BB962C8B-B14F-4D97-AF65-F5344CB8AC3E}">
-        <p14:creationId xmlns:p14="http://schemas.microsoft.com/office/powerpoint/2010/main" val="878801359"/>
+        <p14:creationId xmlns:p14="http://schemas.microsoft.com/office/powerpoint/2010/main" val="838417884"/>
       </p:ext>
     </p:extLst>
   </p:cSld>
@@ -6446,7 +6823,7 @@
 </p:sld>
 </file>
 
-<file path=ppt/slides/slide2.xml><?xml version="1.0" encoding="utf-8"?>
+<file path=ppt/slides/slide3.xml><?xml version="1.0" encoding="utf-8"?>
 <p:sld xmlns:a="http://schemas.openxmlformats.org/drawingml/2006/main" xmlns:r="http://schemas.openxmlformats.org/officeDocument/2006/relationships" xmlns:p="http://schemas.openxmlformats.org/presentationml/2006/main">
   <p:cSld>
     <p:spTree>
@@ -6575,13 +6952,8 @@
           <a:p>
             <a:r>
               <a:rPr lang="en-US" dirty="0"/>
-              <a:t>Think about using much smaller voltages, see how it looks like in walk on </a:t>
-            </a:r>
-            <a:r>
-              <a:rPr lang="en-US"/>
-              <a:t>spheres calculation</a:t>
-            </a:r>
-            <a:endParaRPr lang="en-US" dirty="0"/>
+              <a:t>Think about using much smaller voltages, see how it looks like in walk on spheres calculation</a:t>
+            </a:r>
           </a:p>
         </p:txBody>
       </p:sp>
@@ -6589,6 +6961,3454 @@
     <p:extLst>
       <p:ext uri="{BB962C8B-B14F-4D97-AF65-F5344CB8AC3E}">
         <p14:creationId xmlns:p14="http://schemas.microsoft.com/office/powerpoint/2010/main" val="3986891002"/>
+      </p:ext>
+    </p:extLst>
+  </p:cSld>
+  <p:clrMapOvr>
+    <a:masterClrMapping/>
+  </p:clrMapOvr>
+</p:sld>
+</file>
+
+<file path=ppt/slides/slide4.xml><?xml version="1.0" encoding="utf-8"?>
+<p:sld xmlns:a="http://schemas.openxmlformats.org/drawingml/2006/main" xmlns:r="http://schemas.openxmlformats.org/officeDocument/2006/relationships" xmlns:p="http://schemas.openxmlformats.org/presentationml/2006/main">
+  <p:cSld>
+    <p:spTree>
+      <p:nvGrpSpPr>
+        <p:cNvPr id="1" name=""/>
+        <p:cNvGrpSpPr/>
+        <p:nvPr/>
+      </p:nvGrpSpPr>
+      <p:grpSpPr>
+        <a:xfrm>
+          <a:off x="0" y="0"/>
+          <a:ext cx="0" cy="0"/>
+          <a:chOff x="0" y="0"/>
+          <a:chExt cx="0" cy="0"/>
+        </a:xfrm>
+      </p:grpSpPr>
+      <p:sp>
+        <p:nvSpPr>
+          <p:cNvPr id="4" name="Oval 3">
+            <a:extLst>
+              <a:ext uri="{FF2B5EF4-FFF2-40B4-BE49-F238E27FC236}">
+                <a16:creationId xmlns:a16="http://schemas.microsoft.com/office/drawing/2014/main" id="{D946A18F-56A6-3E1F-B3E0-65F70E8F53A8}"/>
+              </a:ext>
+            </a:extLst>
+          </p:cNvPr>
+          <p:cNvSpPr/>
+          <p:nvPr/>
+        </p:nvSpPr>
+        <p:spPr>
+          <a:xfrm>
+            <a:off x="3873500" y="571501"/>
+            <a:ext cx="424615" cy="419100"/>
+          </a:xfrm>
+          <a:prstGeom prst="ellipse">
+            <a:avLst/>
+          </a:prstGeom>
+        </p:spPr>
+        <p:style>
+          <a:lnRef idx="2">
+            <a:schemeClr val="accent6"/>
+          </a:lnRef>
+          <a:fillRef idx="1">
+            <a:schemeClr val="lt1"/>
+          </a:fillRef>
+          <a:effectRef idx="0">
+            <a:schemeClr val="accent6"/>
+          </a:effectRef>
+          <a:fontRef idx="minor">
+            <a:schemeClr val="dk1"/>
+          </a:fontRef>
+        </p:style>
+        <p:txBody>
+          <a:bodyPr rtlCol="0" anchor="ctr"/>
+          <a:lstStyle/>
+          <a:p>
+            <a:pPr algn="ctr"/>
+            <a:endParaRPr lang="en-US"/>
+          </a:p>
+        </p:txBody>
+      </p:sp>
+      <p:sp>
+        <p:nvSpPr>
+          <p:cNvPr id="5" name="Oval 4">
+            <a:extLst>
+              <a:ext uri="{FF2B5EF4-FFF2-40B4-BE49-F238E27FC236}">
+                <a16:creationId xmlns:a16="http://schemas.microsoft.com/office/drawing/2014/main" id="{F3FB28C8-CF1C-9BDD-1C55-1B673B50A7D0}"/>
+              </a:ext>
+            </a:extLst>
+          </p:cNvPr>
+          <p:cNvSpPr/>
+          <p:nvPr/>
+        </p:nvSpPr>
+        <p:spPr>
+          <a:xfrm>
+            <a:off x="4584700" y="571501"/>
+            <a:ext cx="424615" cy="419100"/>
+          </a:xfrm>
+          <a:prstGeom prst="ellipse">
+            <a:avLst/>
+          </a:prstGeom>
+        </p:spPr>
+        <p:style>
+          <a:lnRef idx="2">
+            <a:schemeClr val="accent6"/>
+          </a:lnRef>
+          <a:fillRef idx="1">
+            <a:schemeClr val="lt1"/>
+          </a:fillRef>
+          <a:effectRef idx="0">
+            <a:schemeClr val="accent6"/>
+          </a:effectRef>
+          <a:fontRef idx="minor">
+            <a:schemeClr val="dk1"/>
+          </a:fontRef>
+        </p:style>
+        <p:txBody>
+          <a:bodyPr rtlCol="0" anchor="ctr"/>
+          <a:lstStyle/>
+          <a:p>
+            <a:pPr algn="ctr"/>
+            <a:endParaRPr lang="en-US"/>
+          </a:p>
+        </p:txBody>
+      </p:sp>
+      <p:sp>
+        <p:nvSpPr>
+          <p:cNvPr id="6" name="Oval 5">
+            <a:extLst>
+              <a:ext uri="{FF2B5EF4-FFF2-40B4-BE49-F238E27FC236}">
+                <a16:creationId xmlns:a16="http://schemas.microsoft.com/office/drawing/2014/main" id="{3CA3BA78-56C2-F192-D969-3F1044FC5BFC}"/>
+              </a:ext>
+            </a:extLst>
+          </p:cNvPr>
+          <p:cNvSpPr/>
+          <p:nvPr/>
+        </p:nvSpPr>
+        <p:spPr>
+          <a:xfrm>
+            <a:off x="5295900" y="571501"/>
+            <a:ext cx="424615" cy="419100"/>
+          </a:xfrm>
+          <a:prstGeom prst="ellipse">
+            <a:avLst/>
+          </a:prstGeom>
+          <a:solidFill>
+            <a:schemeClr val="bg1"/>
+          </a:solidFill>
+          <a:ln>
+            <a:solidFill>
+              <a:schemeClr val="accent6"/>
+            </a:solidFill>
+          </a:ln>
+        </p:spPr>
+        <p:style>
+          <a:lnRef idx="2">
+            <a:schemeClr val="dk1">
+              <a:shade val="50000"/>
+            </a:schemeClr>
+          </a:lnRef>
+          <a:fillRef idx="1">
+            <a:schemeClr val="dk1"/>
+          </a:fillRef>
+          <a:effectRef idx="0">
+            <a:schemeClr val="dk1"/>
+          </a:effectRef>
+          <a:fontRef idx="minor">
+            <a:schemeClr val="lt1"/>
+          </a:fontRef>
+        </p:style>
+        <p:txBody>
+          <a:bodyPr rtlCol="0" anchor="ctr"/>
+          <a:lstStyle/>
+          <a:p>
+            <a:pPr algn="ctr"/>
+            <a:endParaRPr lang="en-US"/>
+          </a:p>
+        </p:txBody>
+      </p:sp>
+      <p:sp>
+        <p:nvSpPr>
+          <p:cNvPr id="7" name="Oval 6">
+            <a:extLst>
+              <a:ext uri="{FF2B5EF4-FFF2-40B4-BE49-F238E27FC236}">
+                <a16:creationId xmlns:a16="http://schemas.microsoft.com/office/drawing/2014/main" id="{5DBFB21A-DF21-F1E9-AF67-A1BF4805C81A}"/>
+              </a:ext>
+            </a:extLst>
+          </p:cNvPr>
+          <p:cNvSpPr/>
+          <p:nvPr/>
+        </p:nvSpPr>
+        <p:spPr>
+          <a:xfrm>
+            <a:off x="6007100" y="571501"/>
+            <a:ext cx="424615" cy="419100"/>
+          </a:xfrm>
+          <a:prstGeom prst="ellipse">
+            <a:avLst/>
+          </a:prstGeom>
+        </p:spPr>
+        <p:style>
+          <a:lnRef idx="2">
+            <a:schemeClr val="accent6"/>
+          </a:lnRef>
+          <a:fillRef idx="1">
+            <a:schemeClr val="lt1"/>
+          </a:fillRef>
+          <a:effectRef idx="0">
+            <a:schemeClr val="accent6"/>
+          </a:effectRef>
+          <a:fontRef idx="minor">
+            <a:schemeClr val="dk1"/>
+          </a:fontRef>
+        </p:style>
+        <p:txBody>
+          <a:bodyPr rtlCol="0" anchor="ctr"/>
+          <a:lstStyle/>
+          <a:p>
+            <a:pPr algn="ctr"/>
+            <a:endParaRPr lang="en-US"/>
+          </a:p>
+        </p:txBody>
+      </p:sp>
+      <p:sp>
+        <p:nvSpPr>
+          <p:cNvPr id="8" name="Oval 7">
+            <a:extLst>
+              <a:ext uri="{FF2B5EF4-FFF2-40B4-BE49-F238E27FC236}">
+                <a16:creationId xmlns:a16="http://schemas.microsoft.com/office/drawing/2014/main" id="{F0050BE3-0855-E87D-8C27-54E0E1827C1A}"/>
+              </a:ext>
+            </a:extLst>
+          </p:cNvPr>
+          <p:cNvSpPr/>
+          <p:nvPr/>
+        </p:nvSpPr>
+        <p:spPr>
+          <a:xfrm>
+            <a:off x="6718300" y="571501"/>
+            <a:ext cx="424615" cy="419100"/>
+          </a:xfrm>
+          <a:prstGeom prst="ellipse">
+            <a:avLst/>
+          </a:prstGeom>
+        </p:spPr>
+        <p:style>
+          <a:lnRef idx="2">
+            <a:schemeClr val="accent6"/>
+          </a:lnRef>
+          <a:fillRef idx="1">
+            <a:schemeClr val="lt1"/>
+          </a:fillRef>
+          <a:effectRef idx="0">
+            <a:schemeClr val="accent6"/>
+          </a:effectRef>
+          <a:fontRef idx="minor">
+            <a:schemeClr val="dk1"/>
+          </a:fontRef>
+        </p:style>
+        <p:txBody>
+          <a:bodyPr rtlCol="0" anchor="ctr"/>
+          <a:lstStyle/>
+          <a:p>
+            <a:pPr algn="ctr"/>
+            <a:endParaRPr lang="en-US"/>
+          </a:p>
+        </p:txBody>
+      </p:sp>
+      <p:sp>
+        <p:nvSpPr>
+          <p:cNvPr id="9" name="Oval 8">
+            <a:extLst>
+              <a:ext uri="{FF2B5EF4-FFF2-40B4-BE49-F238E27FC236}">
+                <a16:creationId xmlns:a16="http://schemas.microsoft.com/office/drawing/2014/main" id="{181329B8-59F0-BCDE-4A7A-08F539374242}"/>
+              </a:ext>
+            </a:extLst>
+          </p:cNvPr>
+          <p:cNvSpPr/>
+          <p:nvPr/>
+        </p:nvSpPr>
+        <p:spPr>
+          <a:xfrm>
+            <a:off x="7429500" y="571501"/>
+            <a:ext cx="424615" cy="419100"/>
+          </a:xfrm>
+          <a:prstGeom prst="ellipse">
+            <a:avLst/>
+          </a:prstGeom>
+        </p:spPr>
+        <p:style>
+          <a:lnRef idx="2">
+            <a:schemeClr val="accent6"/>
+          </a:lnRef>
+          <a:fillRef idx="1">
+            <a:schemeClr val="lt1"/>
+          </a:fillRef>
+          <a:effectRef idx="0">
+            <a:schemeClr val="accent6"/>
+          </a:effectRef>
+          <a:fontRef idx="minor">
+            <a:schemeClr val="dk1"/>
+          </a:fontRef>
+        </p:style>
+        <p:txBody>
+          <a:bodyPr rtlCol="0" anchor="ctr"/>
+          <a:lstStyle/>
+          <a:p>
+            <a:pPr algn="ctr"/>
+            <a:endParaRPr lang="en-US"/>
+          </a:p>
+        </p:txBody>
+      </p:sp>
+      <p:sp>
+        <p:nvSpPr>
+          <p:cNvPr id="10" name="Oval 9">
+            <a:extLst>
+              <a:ext uri="{FF2B5EF4-FFF2-40B4-BE49-F238E27FC236}">
+                <a16:creationId xmlns:a16="http://schemas.microsoft.com/office/drawing/2014/main" id="{01A29324-227D-CE00-879E-253419DB7FF5}"/>
+              </a:ext>
+            </a:extLst>
+          </p:cNvPr>
+          <p:cNvSpPr/>
+          <p:nvPr/>
+        </p:nvSpPr>
+        <p:spPr>
+          <a:xfrm>
+            <a:off x="3162300" y="571501"/>
+            <a:ext cx="424615" cy="419100"/>
+          </a:xfrm>
+          <a:prstGeom prst="ellipse">
+            <a:avLst/>
+          </a:prstGeom>
+        </p:spPr>
+        <p:style>
+          <a:lnRef idx="2">
+            <a:schemeClr val="accent6"/>
+          </a:lnRef>
+          <a:fillRef idx="1">
+            <a:schemeClr val="lt1"/>
+          </a:fillRef>
+          <a:effectRef idx="0">
+            <a:schemeClr val="accent6"/>
+          </a:effectRef>
+          <a:fontRef idx="minor">
+            <a:schemeClr val="dk1"/>
+          </a:fontRef>
+        </p:style>
+        <p:txBody>
+          <a:bodyPr rtlCol="0" anchor="ctr"/>
+          <a:lstStyle/>
+          <a:p>
+            <a:pPr algn="ctr"/>
+            <a:endParaRPr lang="en-US"/>
+          </a:p>
+        </p:txBody>
+      </p:sp>
+      <p:sp>
+        <p:nvSpPr>
+          <p:cNvPr id="11" name="Oval 10">
+            <a:extLst>
+              <a:ext uri="{FF2B5EF4-FFF2-40B4-BE49-F238E27FC236}">
+                <a16:creationId xmlns:a16="http://schemas.microsoft.com/office/drawing/2014/main" id="{E0DCA490-C29E-4DBF-0ACF-D7AF1CD3F1AA}"/>
+              </a:ext>
+            </a:extLst>
+          </p:cNvPr>
+          <p:cNvSpPr/>
+          <p:nvPr/>
+        </p:nvSpPr>
+        <p:spPr>
+          <a:xfrm>
+            <a:off x="8140700" y="571501"/>
+            <a:ext cx="424615" cy="419100"/>
+          </a:xfrm>
+          <a:prstGeom prst="ellipse">
+            <a:avLst/>
+          </a:prstGeom>
+          <a:solidFill>
+            <a:schemeClr val="tx1"/>
+          </a:solidFill>
+        </p:spPr>
+        <p:style>
+          <a:lnRef idx="2">
+            <a:schemeClr val="accent6"/>
+          </a:lnRef>
+          <a:fillRef idx="1">
+            <a:schemeClr val="lt1"/>
+          </a:fillRef>
+          <a:effectRef idx="0">
+            <a:schemeClr val="accent6"/>
+          </a:effectRef>
+          <a:fontRef idx="minor">
+            <a:schemeClr val="dk1"/>
+          </a:fontRef>
+        </p:style>
+        <p:txBody>
+          <a:bodyPr rtlCol="0" anchor="ctr"/>
+          <a:lstStyle/>
+          <a:p>
+            <a:pPr algn="ctr"/>
+            <a:endParaRPr lang="en-US"/>
+          </a:p>
+        </p:txBody>
+      </p:sp>
+      <p:sp>
+        <p:nvSpPr>
+          <p:cNvPr id="12" name="Oval 11">
+            <a:extLst>
+              <a:ext uri="{FF2B5EF4-FFF2-40B4-BE49-F238E27FC236}">
+                <a16:creationId xmlns:a16="http://schemas.microsoft.com/office/drawing/2014/main" id="{49824087-58B9-8764-C46D-1F9401874CE3}"/>
+              </a:ext>
+            </a:extLst>
+          </p:cNvPr>
+          <p:cNvSpPr/>
+          <p:nvPr/>
+        </p:nvSpPr>
+        <p:spPr>
+          <a:xfrm>
+            <a:off x="3962400" y="5740399"/>
+            <a:ext cx="424615" cy="419100"/>
+          </a:xfrm>
+          <a:prstGeom prst="ellipse">
+            <a:avLst/>
+          </a:prstGeom>
+        </p:spPr>
+        <p:style>
+          <a:lnRef idx="2">
+            <a:schemeClr val="accent6"/>
+          </a:lnRef>
+          <a:fillRef idx="1">
+            <a:schemeClr val="lt1"/>
+          </a:fillRef>
+          <a:effectRef idx="0">
+            <a:schemeClr val="accent6"/>
+          </a:effectRef>
+          <a:fontRef idx="minor">
+            <a:schemeClr val="dk1"/>
+          </a:fontRef>
+        </p:style>
+        <p:txBody>
+          <a:bodyPr rtlCol="0" anchor="ctr"/>
+          <a:lstStyle/>
+          <a:p>
+            <a:pPr algn="ctr"/>
+            <a:endParaRPr lang="en-US"/>
+          </a:p>
+        </p:txBody>
+      </p:sp>
+      <p:sp>
+        <p:nvSpPr>
+          <p:cNvPr id="13" name="Oval 12">
+            <a:extLst>
+              <a:ext uri="{FF2B5EF4-FFF2-40B4-BE49-F238E27FC236}">
+                <a16:creationId xmlns:a16="http://schemas.microsoft.com/office/drawing/2014/main" id="{EDB51181-2DFB-AFDE-3975-F4BE6272F50C}"/>
+              </a:ext>
+            </a:extLst>
+          </p:cNvPr>
+          <p:cNvSpPr/>
+          <p:nvPr/>
+        </p:nvSpPr>
+        <p:spPr>
+          <a:xfrm>
+            <a:off x="4673600" y="5740399"/>
+            <a:ext cx="424615" cy="419100"/>
+          </a:xfrm>
+          <a:prstGeom prst="ellipse">
+            <a:avLst/>
+          </a:prstGeom>
+        </p:spPr>
+        <p:style>
+          <a:lnRef idx="2">
+            <a:schemeClr val="accent6"/>
+          </a:lnRef>
+          <a:fillRef idx="1">
+            <a:schemeClr val="lt1"/>
+          </a:fillRef>
+          <a:effectRef idx="0">
+            <a:schemeClr val="accent6"/>
+          </a:effectRef>
+          <a:fontRef idx="minor">
+            <a:schemeClr val="dk1"/>
+          </a:fontRef>
+        </p:style>
+        <p:txBody>
+          <a:bodyPr rtlCol="0" anchor="ctr"/>
+          <a:lstStyle/>
+          <a:p>
+            <a:pPr algn="ctr"/>
+            <a:endParaRPr lang="en-US"/>
+          </a:p>
+        </p:txBody>
+      </p:sp>
+      <p:sp>
+        <p:nvSpPr>
+          <p:cNvPr id="14" name="Oval 13">
+            <a:extLst>
+              <a:ext uri="{FF2B5EF4-FFF2-40B4-BE49-F238E27FC236}">
+                <a16:creationId xmlns:a16="http://schemas.microsoft.com/office/drawing/2014/main" id="{AF4D38FB-F537-BF95-B77D-220C307160F8}"/>
+              </a:ext>
+            </a:extLst>
+          </p:cNvPr>
+          <p:cNvSpPr/>
+          <p:nvPr/>
+        </p:nvSpPr>
+        <p:spPr>
+          <a:xfrm>
+            <a:off x="5384800" y="5740399"/>
+            <a:ext cx="424615" cy="419100"/>
+          </a:xfrm>
+          <a:prstGeom prst="ellipse">
+            <a:avLst/>
+          </a:prstGeom>
+        </p:spPr>
+        <p:style>
+          <a:lnRef idx="2">
+            <a:schemeClr val="accent6"/>
+          </a:lnRef>
+          <a:fillRef idx="1">
+            <a:schemeClr val="lt1"/>
+          </a:fillRef>
+          <a:effectRef idx="0">
+            <a:schemeClr val="accent6"/>
+          </a:effectRef>
+          <a:fontRef idx="minor">
+            <a:schemeClr val="dk1"/>
+          </a:fontRef>
+        </p:style>
+        <p:txBody>
+          <a:bodyPr rtlCol="0" anchor="ctr"/>
+          <a:lstStyle/>
+          <a:p>
+            <a:pPr algn="ctr"/>
+            <a:endParaRPr lang="en-US"/>
+          </a:p>
+        </p:txBody>
+      </p:sp>
+      <p:sp>
+        <p:nvSpPr>
+          <p:cNvPr id="15" name="Oval 14">
+            <a:extLst>
+              <a:ext uri="{FF2B5EF4-FFF2-40B4-BE49-F238E27FC236}">
+                <a16:creationId xmlns:a16="http://schemas.microsoft.com/office/drawing/2014/main" id="{1213FAAB-0755-E1BF-9418-BD274DA6E407}"/>
+              </a:ext>
+            </a:extLst>
+          </p:cNvPr>
+          <p:cNvSpPr/>
+          <p:nvPr/>
+        </p:nvSpPr>
+        <p:spPr>
+          <a:xfrm>
+            <a:off x="6096000" y="5740399"/>
+            <a:ext cx="424615" cy="419100"/>
+          </a:xfrm>
+          <a:prstGeom prst="ellipse">
+            <a:avLst/>
+          </a:prstGeom>
+          <a:solidFill>
+            <a:schemeClr val="tx1"/>
+          </a:solidFill>
+        </p:spPr>
+        <p:style>
+          <a:lnRef idx="2">
+            <a:schemeClr val="accent6"/>
+          </a:lnRef>
+          <a:fillRef idx="1">
+            <a:schemeClr val="lt1"/>
+          </a:fillRef>
+          <a:effectRef idx="0">
+            <a:schemeClr val="accent6"/>
+          </a:effectRef>
+          <a:fontRef idx="minor">
+            <a:schemeClr val="dk1"/>
+          </a:fontRef>
+        </p:style>
+        <p:txBody>
+          <a:bodyPr rtlCol="0" anchor="ctr"/>
+          <a:lstStyle/>
+          <a:p>
+            <a:pPr algn="ctr"/>
+            <a:endParaRPr lang="en-US"/>
+          </a:p>
+        </p:txBody>
+      </p:sp>
+      <p:sp>
+        <p:nvSpPr>
+          <p:cNvPr id="16" name="Oval 15">
+            <a:extLst>
+              <a:ext uri="{FF2B5EF4-FFF2-40B4-BE49-F238E27FC236}">
+                <a16:creationId xmlns:a16="http://schemas.microsoft.com/office/drawing/2014/main" id="{4FFB33ED-AA84-CB81-98CE-E7B6947B3FA7}"/>
+              </a:ext>
+            </a:extLst>
+          </p:cNvPr>
+          <p:cNvSpPr/>
+          <p:nvPr/>
+        </p:nvSpPr>
+        <p:spPr>
+          <a:xfrm>
+            <a:off x="6807200" y="5740399"/>
+            <a:ext cx="424615" cy="419100"/>
+          </a:xfrm>
+          <a:prstGeom prst="ellipse">
+            <a:avLst/>
+          </a:prstGeom>
+        </p:spPr>
+        <p:style>
+          <a:lnRef idx="2">
+            <a:schemeClr val="accent6"/>
+          </a:lnRef>
+          <a:fillRef idx="1">
+            <a:schemeClr val="lt1"/>
+          </a:fillRef>
+          <a:effectRef idx="0">
+            <a:schemeClr val="accent6"/>
+          </a:effectRef>
+          <a:fontRef idx="minor">
+            <a:schemeClr val="dk1"/>
+          </a:fontRef>
+        </p:style>
+        <p:txBody>
+          <a:bodyPr rtlCol="0" anchor="ctr"/>
+          <a:lstStyle/>
+          <a:p>
+            <a:pPr algn="ctr"/>
+            <a:endParaRPr lang="en-US"/>
+          </a:p>
+        </p:txBody>
+      </p:sp>
+      <p:sp>
+        <p:nvSpPr>
+          <p:cNvPr id="17" name="Oval 16">
+            <a:extLst>
+              <a:ext uri="{FF2B5EF4-FFF2-40B4-BE49-F238E27FC236}">
+                <a16:creationId xmlns:a16="http://schemas.microsoft.com/office/drawing/2014/main" id="{684B7A9B-5303-1740-8C42-81E3C6F16EAC}"/>
+              </a:ext>
+            </a:extLst>
+          </p:cNvPr>
+          <p:cNvSpPr/>
+          <p:nvPr/>
+        </p:nvSpPr>
+        <p:spPr>
+          <a:xfrm>
+            <a:off x="7518400" y="5740399"/>
+            <a:ext cx="424615" cy="419100"/>
+          </a:xfrm>
+          <a:prstGeom prst="ellipse">
+            <a:avLst/>
+          </a:prstGeom>
+        </p:spPr>
+        <p:style>
+          <a:lnRef idx="2">
+            <a:schemeClr val="accent6"/>
+          </a:lnRef>
+          <a:fillRef idx="1">
+            <a:schemeClr val="lt1"/>
+          </a:fillRef>
+          <a:effectRef idx="0">
+            <a:schemeClr val="accent6"/>
+          </a:effectRef>
+          <a:fontRef idx="minor">
+            <a:schemeClr val="dk1"/>
+          </a:fontRef>
+        </p:style>
+        <p:txBody>
+          <a:bodyPr rtlCol="0" anchor="ctr"/>
+          <a:lstStyle/>
+          <a:p>
+            <a:pPr algn="ctr"/>
+            <a:endParaRPr lang="en-US"/>
+          </a:p>
+        </p:txBody>
+      </p:sp>
+      <p:sp>
+        <p:nvSpPr>
+          <p:cNvPr id="18" name="Oval 17">
+            <a:extLst>
+              <a:ext uri="{FF2B5EF4-FFF2-40B4-BE49-F238E27FC236}">
+                <a16:creationId xmlns:a16="http://schemas.microsoft.com/office/drawing/2014/main" id="{C7835D10-DE2D-E6D3-4180-95177CBF0BB4}"/>
+              </a:ext>
+            </a:extLst>
+          </p:cNvPr>
+          <p:cNvSpPr/>
+          <p:nvPr/>
+        </p:nvSpPr>
+        <p:spPr>
+          <a:xfrm>
+            <a:off x="3251200" y="5740399"/>
+            <a:ext cx="424615" cy="419100"/>
+          </a:xfrm>
+          <a:prstGeom prst="ellipse">
+            <a:avLst/>
+          </a:prstGeom>
+        </p:spPr>
+        <p:style>
+          <a:lnRef idx="2">
+            <a:schemeClr val="accent6"/>
+          </a:lnRef>
+          <a:fillRef idx="1">
+            <a:schemeClr val="lt1"/>
+          </a:fillRef>
+          <a:effectRef idx="0">
+            <a:schemeClr val="accent6"/>
+          </a:effectRef>
+          <a:fontRef idx="minor">
+            <a:schemeClr val="dk1"/>
+          </a:fontRef>
+        </p:style>
+        <p:txBody>
+          <a:bodyPr rtlCol="0" anchor="ctr"/>
+          <a:lstStyle/>
+          <a:p>
+            <a:pPr algn="ctr"/>
+            <a:endParaRPr lang="en-US"/>
+          </a:p>
+        </p:txBody>
+      </p:sp>
+      <p:sp>
+        <p:nvSpPr>
+          <p:cNvPr id="19" name="Oval 18">
+            <a:extLst>
+              <a:ext uri="{FF2B5EF4-FFF2-40B4-BE49-F238E27FC236}">
+                <a16:creationId xmlns:a16="http://schemas.microsoft.com/office/drawing/2014/main" id="{9C4B91F7-E687-AAD8-AA23-6D3E8EF7FD04}"/>
+              </a:ext>
+            </a:extLst>
+          </p:cNvPr>
+          <p:cNvSpPr/>
+          <p:nvPr/>
+        </p:nvSpPr>
+        <p:spPr>
+          <a:xfrm>
+            <a:off x="8229600" y="5740399"/>
+            <a:ext cx="424615" cy="419100"/>
+          </a:xfrm>
+          <a:prstGeom prst="ellipse">
+            <a:avLst/>
+          </a:prstGeom>
+          <a:solidFill>
+            <a:schemeClr val="tx1"/>
+          </a:solidFill>
+        </p:spPr>
+        <p:style>
+          <a:lnRef idx="2">
+            <a:schemeClr val="accent6"/>
+          </a:lnRef>
+          <a:fillRef idx="1">
+            <a:schemeClr val="lt1"/>
+          </a:fillRef>
+          <a:effectRef idx="0">
+            <a:schemeClr val="accent6"/>
+          </a:effectRef>
+          <a:fontRef idx="minor">
+            <a:schemeClr val="dk1"/>
+          </a:fontRef>
+        </p:style>
+        <p:txBody>
+          <a:bodyPr rtlCol="0" anchor="ctr"/>
+          <a:lstStyle/>
+          <a:p>
+            <a:pPr algn="ctr"/>
+            <a:endParaRPr lang="en-US"/>
+          </a:p>
+        </p:txBody>
+      </p:sp>
+      <p:grpSp>
+        <p:nvGrpSpPr>
+          <p:cNvPr id="36" name="Group 35">
+            <a:extLst>
+              <a:ext uri="{FF2B5EF4-FFF2-40B4-BE49-F238E27FC236}">
+                <a16:creationId xmlns:a16="http://schemas.microsoft.com/office/drawing/2014/main" id="{3CE5FC02-00C9-95F6-75CF-8DDC4F4F2AF1}"/>
+              </a:ext>
+            </a:extLst>
+          </p:cNvPr>
+          <p:cNvGrpSpPr/>
+          <p:nvPr/>
+        </p:nvGrpSpPr>
+        <p:grpSpPr>
+          <a:xfrm rot="5400000">
+            <a:off x="413288" y="3307243"/>
+            <a:ext cx="4054057" cy="313073"/>
+            <a:chOff x="1034215" y="2133601"/>
+            <a:chExt cx="5403015" cy="419100"/>
+          </a:xfrm>
+        </p:grpSpPr>
+        <p:sp>
+          <p:nvSpPr>
+            <p:cNvPr id="28" name="Oval 27">
+              <a:extLst>
+                <a:ext uri="{FF2B5EF4-FFF2-40B4-BE49-F238E27FC236}">
+                  <a16:creationId xmlns:a16="http://schemas.microsoft.com/office/drawing/2014/main" id="{24254E5C-BBB2-5177-6FA6-3A8D7BC993CB}"/>
+                </a:ext>
+              </a:extLst>
+            </p:cNvPr>
+            <p:cNvSpPr/>
+            <p:nvPr/>
+          </p:nvSpPr>
+          <p:spPr>
+            <a:xfrm>
+              <a:off x="1745415" y="2133601"/>
+              <a:ext cx="424615" cy="419100"/>
+            </a:xfrm>
+            <a:prstGeom prst="ellipse">
+              <a:avLst/>
+            </a:prstGeom>
+          </p:spPr>
+          <p:style>
+            <a:lnRef idx="2">
+              <a:schemeClr val="accent6"/>
+            </a:lnRef>
+            <a:fillRef idx="1">
+              <a:schemeClr val="lt1"/>
+            </a:fillRef>
+            <a:effectRef idx="0">
+              <a:schemeClr val="accent6"/>
+            </a:effectRef>
+            <a:fontRef idx="minor">
+              <a:schemeClr val="dk1"/>
+            </a:fontRef>
+          </p:style>
+          <p:txBody>
+            <a:bodyPr rtlCol="0" anchor="ctr"/>
+            <a:lstStyle/>
+            <a:p>
+              <a:pPr algn="ctr"/>
+              <a:endParaRPr lang="en-US"/>
+            </a:p>
+          </p:txBody>
+        </p:sp>
+        <p:sp>
+          <p:nvSpPr>
+            <p:cNvPr id="29" name="Oval 28">
+              <a:extLst>
+                <a:ext uri="{FF2B5EF4-FFF2-40B4-BE49-F238E27FC236}">
+                  <a16:creationId xmlns:a16="http://schemas.microsoft.com/office/drawing/2014/main" id="{65A051B9-F27B-4ED2-5B2C-4BE88698023E}"/>
+                </a:ext>
+              </a:extLst>
+            </p:cNvPr>
+            <p:cNvSpPr/>
+            <p:nvPr/>
+          </p:nvSpPr>
+          <p:spPr>
+            <a:xfrm>
+              <a:off x="2456615" y="2133601"/>
+              <a:ext cx="424615" cy="419100"/>
+            </a:xfrm>
+            <a:prstGeom prst="ellipse">
+              <a:avLst/>
+            </a:prstGeom>
+          </p:spPr>
+          <p:style>
+            <a:lnRef idx="2">
+              <a:schemeClr val="accent6"/>
+            </a:lnRef>
+            <a:fillRef idx="1">
+              <a:schemeClr val="lt1"/>
+            </a:fillRef>
+            <a:effectRef idx="0">
+              <a:schemeClr val="accent6"/>
+            </a:effectRef>
+            <a:fontRef idx="minor">
+              <a:schemeClr val="dk1"/>
+            </a:fontRef>
+          </p:style>
+          <p:txBody>
+            <a:bodyPr rtlCol="0" anchor="ctr"/>
+            <a:lstStyle/>
+            <a:p>
+              <a:pPr algn="ctr"/>
+              <a:endParaRPr lang="en-US"/>
+            </a:p>
+          </p:txBody>
+        </p:sp>
+        <p:sp>
+          <p:nvSpPr>
+            <p:cNvPr id="30" name="Oval 29">
+              <a:extLst>
+                <a:ext uri="{FF2B5EF4-FFF2-40B4-BE49-F238E27FC236}">
+                  <a16:creationId xmlns:a16="http://schemas.microsoft.com/office/drawing/2014/main" id="{2EAD5F0D-CB57-D59B-5502-E4857248F2F1}"/>
+                </a:ext>
+              </a:extLst>
+            </p:cNvPr>
+            <p:cNvSpPr/>
+            <p:nvPr/>
+          </p:nvSpPr>
+          <p:spPr>
+            <a:xfrm>
+              <a:off x="3167815" y="2133601"/>
+              <a:ext cx="424615" cy="419100"/>
+            </a:xfrm>
+            <a:prstGeom prst="ellipse">
+              <a:avLst/>
+            </a:prstGeom>
+          </p:spPr>
+          <p:style>
+            <a:lnRef idx="2">
+              <a:schemeClr val="accent6"/>
+            </a:lnRef>
+            <a:fillRef idx="1">
+              <a:schemeClr val="lt1"/>
+            </a:fillRef>
+            <a:effectRef idx="0">
+              <a:schemeClr val="accent6"/>
+            </a:effectRef>
+            <a:fontRef idx="minor">
+              <a:schemeClr val="dk1"/>
+            </a:fontRef>
+          </p:style>
+          <p:txBody>
+            <a:bodyPr rtlCol="0" anchor="ctr"/>
+            <a:lstStyle/>
+            <a:p>
+              <a:pPr algn="ctr"/>
+              <a:endParaRPr lang="en-US"/>
+            </a:p>
+          </p:txBody>
+        </p:sp>
+        <p:sp>
+          <p:nvSpPr>
+            <p:cNvPr id="31" name="Oval 30">
+              <a:extLst>
+                <a:ext uri="{FF2B5EF4-FFF2-40B4-BE49-F238E27FC236}">
+                  <a16:creationId xmlns:a16="http://schemas.microsoft.com/office/drawing/2014/main" id="{44246A56-B627-B10B-9A08-EF7C76212F2D}"/>
+                </a:ext>
+              </a:extLst>
+            </p:cNvPr>
+            <p:cNvSpPr/>
+            <p:nvPr/>
+          </p:nvSpPr>
+          <p:spPr>
+            <a:xfrm>
+              <a:off x="3879015" y="2133601"/>
+              <a:ext cx="424615" cy="419100"/>
+            </a:xfrm>
+            <a:prstGeom prst="ellipse">
+              <a:avLst/>
+            </a:prstGeom>
+          </p:spPr>
+          <p:style>
+            <a:lnRef idx="2">
+              <a:schemeClr val="accent6"/>
+            </a:lnRef>
+            <a:fillRef idx="1">
+              <a:schemeClr val="lt1"/>
+            </a:fillRef>
+            <a:effectRef idx="0">
+              <a:schemeClr val="accent6"/>
+            </a:effectRef>
+            <a:fontRef idx="minor">
+              <a:schemeClr val="dk1"/>
+            </a:fontRef>
+          </p:style>
+          <p:txBody>
+            <a:bodyPr rtlCol="0" anchor="ctr"/>
+            <a:lstStyle/>
+            <a:p>
+              <a:pPr algn="ctr"/>
+              <a:endParaRPr lang="en-US"/>
+            </a:p>
+          </p:txBody>
+        </p:sp>
+        <p:sp>
+          <p:nvSpPr>
+            <p:cNvPr id="32" name="Oval 31">
+              <a:extLst>
+                <a:ext uri="{FF2B5EF4-FFF2-40B4-BE49-F238E27FC236}">
+                  <a16:creationId xmlns:a16="http://schemas.microsoft.com/office/drawing/2014/main" id="{8577414A-0CE3-C06D-27AD-0ECFDF0E7713}"/>
+                </a:ext>
+              </a:extLst>
+            </p:cNvPr>
+            <p:cNvSpPr/>
+            <p:nvPr/>
+          </p:nvSpPr>
+          <p:spPr>
+            <a:xfrm>
+              <a:off x="4590215" y="2133601"/>
+              <a:ext cx="424615" cy="419100"/>
+            </a:xfrm>
+            <a:prstGeom prst="ellipse">
+              <a:avLst/>
+            </a:prstGeom>
+          </p:spPr>
+          <p:style>
+            <a:lnRef idx="2">
+              <a:schemeClr val="accent6"/>
+            </a:lnRef>
+            <a:fillRef idx="1">
+              <a:schemeClr val="lt1"/>
+            </a:fillRef>
+            <a:effectRef idx="0">
+              <a:schemeClr val="accent6"/>
+            </a:effectRef>
+            <a:fontRef idx="minor">
+              <a:schemeClr val="dk1"/>
+            </a:fontRef>
+          </p:style>
+          <p:txBody>
+            <a:bodyPr rtlCol="0" anchor="ctr"/>
+            <a:lstStyle/>
+            <a:p>
+              <a:pPr algn="ctr"/>
+              <a:endParaRPr lang="en-US"/>
+            </a:p>
+          </p:txBody>
+        </p:sp>
+        <p:sp>
+          <p:nvSpPr>
+            <p:cNvPr id="33" name="Oval 32">
+              <a:extLst>
+                <a:ext uri="{FF2B5EF4-FFF2-40B4-BE49-F238E27FC236}">
+                  <a16:creationId xmlns:a16="http://schemas.microsoft.com/office/drawing/2014/main" id="{5D994F0B-7F87-B28B-B4D7-AF66D50386EC}"/>
+                </a:ext>
+              </a:extLst>
+            </p:cNvPr>
+            <p:cNvSpPr/>
+            <p:nvPr/>
+          </p:nvSpPr>
+          <p:spPr>
+            <a:xfrm>
+              <a:off x="5301415" y="2133601"/>
+              <a:ext cx="424615" cy="419100"/>
+            </a:xfrm>
+            <a:prstGeom prst="ellipse">
+              <a:avLst/>
+            </a:prstGeom>
+          </p:spPr>
+          <p:style>
+            <a:lnRef idx="2">
+              <a:schemeClr val="accent6"/>
+            </a:lnRef>
+            <a:fillRef idx="1">
+              <a:schemeClr val="lt1"/>
+            </a:fillRef>
+            <a:effectRef idx="0">
+              <a:schemeClr val="accent6"/>
+            </a:effectRef>
+            <a:fontRef idx="minor">
+              <a:schemeClr val="dk1"/>
+            </a:fontRef>
+          </p:style>
+          <p:txBody>
+            <a:bodyPr rtlCol="0" anchor="ctr"/>
+            <a:lstStyle/>
+            <a:p>
+              <a:pPr algn="ctr"/>
+              <a:endParaRPr lang="en-US"/>
+            </a:p>
+          </p:txBody>
+        </p:sp>
+        <p:sp>
+          <p:nvSpPr>
+            <p:cNvPr id="34" name="Oval 33">
+              <a:extLst>
+                <a:ext uri="{FF2B5EF4-FFF2-40B4-BE49-F238E27FC236}">
+                  <a16:creationId xmlns:a16="http://schemas.microsoft.com/office/drawing/2014/main" id="{A8D44F9D-E613-7CF8-8CBB-E1F8A56D9B00}"/>
+                </a:ext>
+              </a:extLst>
+            </p:cNvPr>
+            <p:cNvSpPr/>
+            <p:nvPr/>
+          </p:nvSpPr>
+          <p:spPr>
+            <a:xfrm>
+              <a:off x="1034215" y="2133601"/>
+              <a:ext cx="424615" cy="419100"/>
+            </a:xfrm>
+            <a:prstGeom prst="ellipse">
+              <a:avLst/>
+            </a:prstGeom>
+            <a:solidFill>
+              <a:schemeClr val="tx1"/>
+            </a:solidFill>
+            <a:ln>
+              <a:solidFill>
+                <a:schemeClr val="tx1"/>
+              </a:solidFill>
+            </a:ln>
+          </p:spPr>
+          <p:style>
+            <a:lnRef idx="2">
+              <a:schemeClr val="accent6"/>
+            </a:lnRef>
+            <a:fillRef idx="1">
+              <a:schemeClr val="lt1"/>
+            </a:fillRef>
+            <a:effectRef idx="0">
+              <a:schemeClr val="accent6"/>
+            </a:effectRef>
+            <a:fontRef idx="minor">
+              <a:schemeClr val="dk1"/>
+            </a:fontRef>
+          </p:style>
+          <p:txBody>
+            <a:bodyPr rtlCol="0" anchor="ctr"/>
+            <a:lstStyle/>
+            <a:p>
+              <a:pPr algn="ctr"/>
+              <a:endParaRPr lang="en-US"/>
+            </a:p>
+          </p:txBody>
+        </p:sp>
+        <p:sp>
+          <p:nvSpPr>
+            <p:cNvPr id="35" name="Oval 34">
+              <a:extLst>
+                <a:ext uri="{FF2B5EF4-FFF2-40B4-BE49-F238E27FC236}">
+                  <a16:creationId xmlns:a16="http://schemas.microsoft.com/office/drawing/2014/main" id="{ED760614-7D16-1E43-8088-FD0208D4FF50}"/>
+                </a:ext>
+              </a:extLst>
+            </p:cNvPr>
+            <p:cNvSpPr/>
+            <p:nvPr/>
+          </p:nvSpPr>
+          <p:spPr>
+            <a:xfrm>
+              <a:off x="6012615" y="2133601"/>
+              <a:ext cx="424615" cy="419100"/>
+            </a:xfrm>
+            <a:prstGeom prst="ellipse">
+              <a:avLst/>
+            </a:prstGeom>
+          </p:spPr>
+          <p:style>
+            <a:lnRef idx="2">
+              <a:schemeClr val="accent6"/>
+            </a:lnRef>
+            <a:fillRef idx="1">
+              <a:schemeClr val="lt1"/>
+            </a:fillRef>
+            <a:effectRef idx="0">
+              <a:schemeClr val="accent6"/>
+            </a:effectRef>
+            <a:fontRef idx="minor">
+              <a:schemeClr val="dk1"/>
+            </a:fontRef>
+          </p:style>
+          <p:txBody>
+            <a:bodyPr rtlCol="0" anchor="ctr"/>
+            <a:lstStyle/>
+            <a:p>
+              <a:pPr algn="ctr"/>
+              <a:endParaRPr lang="en-US"/>
+            </a:p>
+          </p:txBody>
+        </p:sp>
+      </p:grpSp>
+      <p:grpSp>
+        <p:nvGrpSpPr>
+          <p:cNvPr id="37" name="Group 36">
+            <a:extLst>
+              <a:ext uri="{FF2B5EF4-FFF2-40B4-BE49-F238E27FC236}">
+                <a16:creationId xmlns:a16="http://schemas.microsoft.com/office/drawing/2014/main" id="{C0D96DB3-A44F-3941-A3FA-9C0890745CA1}"/>
+              </a:ext>
+            </a:extLst>
+          </p:cNvPr>
+          <p:cNvGrpSpPr/>
+          <p:nvPr/>
+        </p:nvGrpSpPr>
+        <p:grpSpPr>
+          <a:xfrm rot="5400000">
+            <a:off x="7235407" y="3218493"/>
+            <a:ext cx="4054057" cy="313073"/>
+            <a:chOff x="1034215" y="2133601"/>
+            <a:chExt cx="5403015" cy="419100"/>
+          </a:xfrm>
+        </p:grpSpPr>
+        <p:sp>
+          <p:nvSpPr>
+            <p:cNvPr id="38" name="Oval 37">
+              <a:extLst>
+                <a:ext uri="{FF2B5EF4-FFF2-40B4-BE49-F238E27FC236}">
+                  <a16:creationId xmlns:a16="http://schemas.microsoft.com/office/drawing/2014/main" id="{F743CD9A-E473-D645-F2C6-EA612DF16D7E}"/>
+                </a:ext>
+              </a:extLst>
+            </p:cNvPr>
+            <p:cNvSpPr/>
+            <p:nvPr/>
+          </p:nvSpPr>
+          <p:spPr>
+            <a:xfrm>
+              <a:off x="1745415" y="2133601"/>
+              <a:ext cx="424615" cy="419100"/>
+            </a:xfrm>
+            <a:prstGeom prst="ellipse">
+              <a:avLst/>
+            </a:prstGeom>
+          </p:spPr>
+          <p:style>
+            <a:lnRef idx="2">
+              <a:schemeClr val="accent6"/>
+            </a:lnRef>
+            <a:fillRef idx="1">
+              <a:schemeClr val="lt1"/>
+            </a:fillRef>
+            <a:effectRef idx="0">
+              <a:schemeClr val="accent6"/>
+            </a:effectRef>
+            <a:fontRef idx="minor">
+              <a:schemeClr val="dk1"/>
+            </a:fontRef>
+          </p:style>
+          <p:txBody>
+            <a:bodyPr rtlCol="0" anchor="ctr"/>
+            <a:lstStyle/>
+            <a:p>
+              <a:pPr algn="ctr"/>
+              <a:endParaRPr lang="en-US"/>
+            </a:p>
+          </p:txBody>
+        </p:sp>
+        <p:sp>
+          <p:nvSpPr>
+            <p:cNvPr id="39" name="Oval 38">
+              <a:extLst>
+                <a:ext uri="{FF2B5EF4-FFF2-40B4-BE49-F238E27FC236}">
+                  <a16:creationId xmlns:a16="http://schemas.microsoft.com/office/drawing/2014/main" id="{85BFE881-4086-0912-FB71-FF62B3541EEF}"/>
+                </a:ext>
+              </a:extLst>
+            </p:cNvPr>
+            <p:cNvSpPr/>
+            <p:nvPr/>
+          </p:nvSpPr>
+          <p:spPr>
+            <a:xfrm>
+              <a:off x="2456615" y="2133601"/>
+              <a:ext cx="424615" cy="419100"/>
+            </a:xfrm>
+            <a:prstGeom prst="ellipse">
+              <a:avLst/>
+            </a:prstGeom>
+          </p:spPr>
+          <p:style>
+            <a:lnRef idx="2">
+              <a:schemeClr val="accent6"/>
+            </a:lnRef>
+            <a:fillRef idx="1">
+              <a:schemeClr val="lt1"/>
+            </a:fillRef>
+            <a:effectRef idx="0">
+              <a:schemeClr val="accent6"/>
+            </a:effectRef>
+            <a:fontRef idx="minor">
+              <a:schemeClr val="dk1"/>
+            </a:fontRef>
+          </p:style>
+          <p:txBody>
+            <a:bodyPr rtlCol="0" anchor="ctr"/>
+            <a:lstStyle/>
+            <a:p>
+              <a:pPr algn="ctr"/>
+              <a:endParaRPr lang="en-US"/>
+            </a:p>
+          </p:txBody>
+        </p:sp>
+        <p:sp>
+          <p:nvSpPr>
+            <p:cNvPr id="40" name="Oval 39">
+              <a:extLst>
+                <a:ext uri="{FF2B5EF4-FFF2-40B4-BE49-F238E27FC236}">
+                  <a16:creationId xmlns:a16="http://schemas.microsoft.com/office/drawing/2014/main" id="{3B391D59-9ADE-5A3A-5C3E-59BC58241796}"/>
+                </a:ext>
+              </a:extLst>
+            </p:cNvPr>
+            <p:cNvSpPr/>
+            <p:nvPr/>
+          </p:nvSpPr>
+          <p:spPr>
+            <a:xfrm>
+              <a:off x="3167815" y="2133601"/>
+              <a:ext cx="424615" cy="419100"/>
+            </a:xfrm>
+            <a:prstGeom prst="ellipse">
+              <a:avLst/>
+            </a:prstGeom>
+          </p:spPr>
+          <p:style>
+            <a:lnRef idx="2">
+              <a:schemeClr val="accent6"/>
+            </a:lnRef>
+            <a:fillRef idx="1">
+              <a:schemeClr val="lt1"/>
+            </a:fillRef>
+            <a:effectRef idx="0">
+              <a:schemeClr val="accent6"/>
+            </a:effectRef>
+            <a:fontRef idx="minor">
+              <a:schemeClr val="dk1"/>
+            </a:fontRef>
+          </p:style>
+          <p:txBody>
+            <a:bodyPr rtlCol="0" anchor="ctr"/>
+            <a:lstStyle/>
+            <a:p>
+              <a:pPr algn="ctr"/>
+              <a:endParaRPr lang="en-US"/>
+            </a:p>
+          </p:txBody>
+        </p:sp>
+        <p:sp>
+          <p:nvSpPr>
+            <p:cNvPr id="41" name="Oval 40">
+              <a:extLst>
+                <a:ext uri="{FF2B5EF4-FFF2-40B4-BE49-F238E27FC236}">
+                  <a16:creationId xmlns:a16="http://schemas.microsoft.com/office/drawing/2014/main" id="{08965723-F3A5-0BCE-1C2A-00AF57F09EE0}"/>
+                </a:ext>
+              </a:extLst>
+            </p:cNvPr>
+            <p:cNvSpPr/>
+            <p:nvPr/>
+          </p:nvSpPr>
+          <p:spPr>
+            <a:xfrm>
+              <a:off x="3879015" y="2133601"/>
+              <a:ext cx="424615" cy="419100"/>
+            </a:xfrm>
+            <a:prstGeom prst="ellipse">
+              <a:avLst/>
+            </a:prstGeom>
+          </p:spPr>
+          <p:style>
+            <a:lnRef idx="2">
+              <a:schemeClr val="accent6"/>
+            </a:lnRef>
+            <a:fillRef idx="1">
+              <a:schemeClr val="lt1"/>
+            </a:fillRef>
+            <a:effectRef idx="0">
+              <a:schemeClr val="accent6"/>
+            </a:effectRef>
+            <a:fontRef idx="minor">
+              <a:schemeClr val="dk1"/>
+            </a:fontRef>
+          </p:style>
+          <p:txBody>
+            <a:bodyPr rtlCol="0" anchor="ctr"/>
+            <a:lstStyle/>
+            <a:p>
+              <a:pPr algn="ctr"/>
+              <a:endParaRPr lang="en-US"/>
+            </a:p>
+          </p:txBody>
+        </p:sp>
+        <p:sp>
+          <p:nvSpPr>
+            <p:cNvPr id="42" name="Oval 41">
+              <a:extLst>
+                <a:ext uri="{FF2B5EF4-FFF2-40B4-BE49-F238E27FC236}">
+                  <a16:creationId xmlns:a16="http://schemas.microsoft.com/office/drawing/2014/main" id="{F3559ACB-D6A3-DA41-841A-3EAB0F78A3C7}"/>
+                </a:ext>
+              </a:extLst>
+            </p:cNvPr>
+            <p:cNvSpPr/>
+            <p:nvPr/>
+          </p:nvSpPr>
+          <p:spPr>
+            <a:xfrm>
+              <a:off x="4590215" y="2133601"/>
+              <a:ext cx="424615" cy="419100"/>
+            </a:xfrm>
+            <a:prstGeom prst="ellipse">
+              <a:avLst/>
+            </a:prstGeom>
+          </p:spPr>
+          <p:style>
+            <a:lnRef idx="2">
+              <a:schemeClr val="accent6"/>
+            </a:lnRef>
+            <a:fillRef idx="1">
+              <a:schemeClr val="lt1"/>
+            </a:fillRef>
+            <a:effectRef idx="0">
+              <a:schemeClr val="accent6"/>
+            </a:effectRef>
+            <a:fontRef idx="minor">
+              <a:schemeClr val="dk1"/>
+            </a:fontRef>
+          </p:style>
+          <p:txBody>
+            <a:bodyPr rtlCol="0" anchor="ctr"/>
+            <a:lstStyle/>
+            <a:p>
+              <a:pPr algn="ctr"/>
+              <a:endParaRPr lang="en-US"/>
+            </a:p>
+          </p:txBody>
+        </p:sp>
+        <p:sp>
+          <p:nvSpPr>
+            <p:cNvPr id="43" name="Oval 42">
+              <a:extLst>
+                <a:ext uri="{FF2B5EF4-FFF2-40B4-BE49-F238E27FC236}">
+                  <a16:creationId xmlns:a16="http://schemas.microsoft.com/office/drawing/2014/main" id="{29EC8BB1-F54A-0B1F-4F7F-63455903E5DD}"/>
+                </a:ext>
+              </a:extLst>
+            </p:cNvPr>
+            <p:cNvSpPr/>
+            <p:nvPr/>
+          </p:nvSpPr>
+          <p:spPr>
+            <a:xfrm>
+              <a:off x="5301415" y="2133601"/>
+              <a:ext cx="424615" cy="419100"/>
+            </a:xfrm>
+            <a:prstGeom prst="ellipse">
+              <a:avLst/>
+            </a:prstGeom>
+          </p:spPr>
+          <p:style>
+            <a:lnRef idx="2">
+              <a:schemeClr val="accent6"/>
+            </a:lnRef>
+            <a:fillRef idx="1">
+              <a:schemeClr val="lt1"/>
+            </a:fillRef>
+            <a:effectRef idx="0">
+              <a:schemeClr val="accent6"/>
+            </a:effectRef>
+            <a:fontRef idx="minor">
+              <a:schemeClr val="dk1"/>
+            </a:fontRef>
+          </p:style>
+          <p:txBody>
+            <a:bodyPr rtlCol="0" anchor="ctr"/>
+            <a:lstStyle/>
+            <a:p>
+              <a:pPr algn="ctr"/>
+              <a:endParaRPr lang="en-US"/>
+            </a:p>
+          </p:txBody>
+        </p:sp>
+        <p:sp>
+          <p:nvSpPr>
+            <p:cNvPr id="44" name="Oval 43">
+              <a:extLst>
+                <a:ext uri="{FF2B5EF4-FFF2-40B4-BE49-F238E27FC236}">
+                  <a16:creationId xmlns:a16="http://schemas.microsoft.com/office/drawing/2014/main" id="{D638A7A5-A645-4994-2ED6-E509C50AE6AC}"/>
+                </a:ext>
+              </a:extLst>
+            </p:cNvPr>
+            <p:cNvSpPr/>
+            <p:nvPr/>
+          </p:nvSpPr>
+          <p:spPr>
+            <a:xfrm>
+              <a:off x="1034215" y="2133601"/>
+              <a:ext cx="424615" cy="419100"/>
+            </a:xfrm>
+            <a:prstGeom prst="ellipse">
+              <a:avLst/>
+            </a:prstGeom>
+          </p:spPr>
+          <p:style>
+            <a:lnRef idx="2">
+              <a:schemeClr val="accent6"/>
+            </a:lnRef>
+            <a:fillRef idx="1">
+              <a:schemeClr val="lt1"/>
+            </a:fillRef>
+            <a:effectRef idx="0">
+              <a:schemeClr val="accent6"/>
+            </a:effectRef>
+            <a:fontRef idx="minor">
+              <a:schemeClr val="dk1"/>
+            </a:fontRef>
+          </p:style>
+          <p:txBody>
+            <a:bodyPr rtlCol="0" anchor="ctr"/>
+            <a:lstStyle/>
+            <a:p>
+              <a:pPr algn="ctr"/>
+              <a:endParaRPr lang="en-US"/>
+            </a:p>
+          </p:txBody>
+        </p:sp>
+        <p:sp>
+          <p:nvSpPr>
+            <p:cNvPr id="45" name="Oval 44">
+              <a:extLst>
+                <a:ext uri="{FF2B5EF4-FFF2-40B4-BE49-F238E27FC236}">
+                  <a16:creationId xmlns:a16="http://schemas.microsoft.com/office/drawing/2014/main" id="{6E4BB029-8C4A-7760-F2B4-18E7E54DFE07}"/>
+                </a:ext>
+              </a:extLst>
+            </p:cNvPr>
+            <p:cNvSpPr/>
+            <p:nvPr/>
+          </p:nvSpPr>
+          <p:spPr>
+            <a:xfrm>
+              <a:off x="6012615" y="2133601"/>
+              <a:ext cx="424615" cy="419100"/>
+            </a:xfrm>
+            <a:prstGeom prst="ellipse">
+              <a:avLst/>
+            </a:prstGeom>
+            <a:solidFill>
+              <a:schemeClr val="tx1"/>
+            </a:solidFill>
+          </p:spPr>
+          <p:style>
+            <a:lnRef idx="2">
+              <a:schemeClr val="accent6"/>
+            </a:lnRef>
+            <a:fillRef idx="1">
+              <a:schemeClr val="lt1"/>
+            </a:fillRef>
+            <a:effectRef idx="0">
+              <a:schemeClr val="accent6"/>
+            </a:effectRef>
+            <a:fontRef idx="minor">
+              <a:schemeClr val="dk1"/>
+            </a:fontRef>
+          </p:style>
+          <p:txBody>
+            <a:bodyPr rtlCol="0" anchor="ctr"/>
+            <a:lstStyle/>
+            <a:p>
+              <a:pPr algn="ctr"/>
+              <a:endParaRPr lang="en-US"/>
+            </a:p>
+          </p:txBody>
+        </p:sp>
+      </p:grpSp>
+      <p:sp>
+        <p:nvSpPr>
+          <p:cNvPr id="46" name="TextBox 45">
+            <a:extLst>
+              <a:ext uri="{FF2B5EF4-FFF2-40B4-BE49-F238E27FC236}">
+                <a16:creationId xmlns:a16="http://schemas.microsoft.com/office/drawing/2014/main" id="{C8FD051D-AAD8-B25F-A53F-BD7A4EDBF69E}"/>
+              </a:ext>
+            </a:extLst>
+          </p:cNvPr>
+          <p:cNvSpPr txBox="1"/>
+          <p:nvPr/>
+        </p:nvSpPr>
+        <p:spPr>
+          <a:xfrm>
+            <a:off x="3136903" y="977066"/>
+            <a:ext cx="6614780" cy="369332"/>
+          </a:xfrm>
+          <a:prstGeom prst="rect">
+            <a:avLst/>
+          </a:prstGeom>
+          <a:noFill/>
+        </p:spPr>
+        <p:txBody>
+          <a:bodyPr wrap="square" rtlCol="0">
+            <a:spAutoFit/>
+          </a:bodyPr>
+          <a:lstStyle/>
+          <a:p>
+            <a:r>
+              <a:rPr lang="en-US" dirty="0"/>
+              <a:t>B1          2           B2          4           B3	6          18       		 </a:t>
+            </a:r>
+          </a:p>
+        </p:txBody>
+      </p:sp>
+      <p:sp>
+        <p:nvSpPr>
+          <p:cNvPr id="47" name="TextBox 46">
+            <a:extLst>
+              <a:ext uri="{FF2B5EF4-FFF2-40B4-BE49-F238E27FC236}">
+                <a16:creationId xmlns:a16="http://schemas.microsoft.com/office/drawing/2014/main" id="{5663A991-6DC8-6051-48F4-41292356968D}"/>
+              </a:ext>
+            </a:extLst>
+          </p:cNvPr>
+          <p:cNvSpPr txBox="1"/>
+          <p:nvPr/>
+        </p:nvSpPr>
+        <p:spPr>
+          <a:xfrm>
+            <a:off x="3225925" y="5404401"/>
+            <a:ext cx="6614780" cy="369332"/>
+          </a:xfrm>
+          <a:prstGeom prst="rect">
+            <a:avLst/>
+          </a:prstGeom>
+          <a:noFill/>
+        </p:spPr>
+        <p:txBody>
+          <a:bodyPr wrap="square" rtlCol="0">
+            <a:spAutoFit/>
+          </a:bodyPr>
+          <a:lstStyle/>
+          <a:p>
+            <a:r>
+              <a:rPr lang="en-US" dirty="0"/>
+              <a:t>B7           8          20         10                       11         12               		 </a:t>
+            </a:r>
+          </a:p>
+        </p:txBody>
+      </p:sp>
+      <p:sp>
+        <p:nvSpPr>
+          <p:cNvPr id="49" name="TextBox 48">
+            <a:extLst>
+              <a:ext uri="{FF2B5EF4-FFF2-40B4-BE49-F238E27FC236}">
+                <a16:creationId xmlns:a16="http://schemas.microsoft.com/office/drawing/2014/main" id="{2D4188AC-43CA-20FA-CCE8-4B001BC0C81D}"/>
+              </a:ext>
+            </a:extLst>
+          </p:cNvPr>
+          <p:cNvSpPr txBox="1"/>
+          <p:nvPr/>
+        </p:nvSpPr>
+        <p:spPr>
+          <a:xfrm>
+            <a:off x="3146010" y="239520"/>
+            <a:ext cx="6614780" cy="369332"/>
+          </a:xfrm>
+          <a:prstGeom prst="rect">
+            <a:avLst/>
+          </a:prstGeom>
+          <a:noFill/>
+        </p:spPr>
+        <p:txBody>
+          <a:bodyPr wrap="square" rtlCol="0">
+            <a:spAutoFit/>
+          </a:bodyPr>
+          <a:lstStyle/>
+          <a:p>
+            <a:r>
+              <a:rPr lang="en-US" dirty="0"/>
+              <a:t>	         </a:t>
+            </a:r>
+            <a:r>
+              <a:rPr lang="en-US" dirty="0">
+                <a:solidFill>
+                  <a:srgbClr val="FF0000"/>
+                </a:solidFill>
+              </a:rPr>
+              <a:t>IDC-                   IDC+</a:t>
+            </a:r>
+            <a:r>
+              <a:rPr lang="en-US" dirty="0"/>
+              <a:t>			 </a:t>
+            </a:r>
+          </a:p>
+        </p:txBody>
+      </p:sp>
+      <p:sp>
+        <p:nvSpPr>
+          <p:cNvPr id="50" name="TextBox 49">
+            <a:extLst>
+              <a:ext uri="{FF2B5EF4-FFF2-40B4-BE49-F238E27FC236}">
+                <a16:creationId xmlns:a16="http://schemas.microsoft.com/office/drawing/2014/main" id="{CAFF5267-6030-9F90-6558-A08F12C7D21A}"/>
+              </a:ext>
+            </a:extLst>
+          </p:cNvPr>
+          <p:cNvSpPr txBox="1"/>
+          <p:nvPr/>
+        </p:nvSpPr>
+        <p:spPr>
+          <a:xfrm>
+            <a:off x="4584699" y="6176965"/>
+            <a:ext cx="5281281" cy="646331"/>
+          </a:xfrm>
+          <a:prstGeom prst="rect">
+            <a:avLst/>
+          </a:prstGeom>
+          <a:noFill/>
+        </p:spPr>
+        <p:txBody>
+          <a:bodyPr wrap="square" rtlCol="0">
+            <a:spAutoFit/>
+          </a:bodyPr>
+          <a:lstStyle/>
+          <a:p>
+            <a:r>
+              <a:rPr lang="en-US" dirty="0"/>
+              <a:t>	          </a:t>
+            </a:r>
+            <a:r>
+              <a:rPr lang="en-US" dirty="0">
+                <a:solidFill>
+                  <a:srgbClr val="FF0000"/>
+                </a:solidFill>
+              </a:rPr>
+              <a:t>IDC-                                  IDC+</a:t>
+            </a:r>
+            <a:r>
+              <a:rPr lang="en-US" dirty="0"/>
+              <a:t>			 </a:t>
+            </a:r>
+          </a:p>
+        </p:txBody>
+      </p:sp>
+      <p:sp>
+        <p:nvSpPr>
+          <p:cNvPr id="51" name="TextBox 50">
+            <a:extLst>
+              <a:ext uri="{FF2B5EF4-FFF2-40B4-BE49-F238E27FC236}">
+                <a16:creationId xmlns:a16="http://schemas.microsoft.com/office/drawing/2014/main" id="{750DDA59-47DA-96FE-AFAE-23E66737628F}"/>
+              </a:ext>
+            </a:extLst>
+          </p:cNvPr>
+          <p:cNvSpPr txBox="1"/>
+          <p:nvPr/>
+        </p:nvSpPr>
+        <p:spPr>
+          <a:xfrm>
+            <a:off x="2663407" y="1904740"/>
+            <a:ext cx="889960" cy="4247317"/>
+          </a:xfrm>
+          <a:prstGeom prst="rect">
+            <a:avLst/>
+          </a:prstGeom>
+          <a:noFill/>
+        </p:spPr>
+        <p:txBody>
+          <a:bodyPr wrap="square" rtlCol="0">
+            <a:spAutoFit/>
+          </a:bodyPr>
+          <a:lstStyle/>
+          <a:p>
+            <a:r>
+              <a:rPr lang="en-US" dirty="0">
+                <a:solidFill>
+                  <a:srgbClr val="FF0000"/>
+                </a:solidFill>
+              </a:rPr>
+              <a:t>TF</a:t>
+            </a:r>
+          </a:p>
+          <a:p>
+            <a:endParaRPr lang="en-US" dirty="0">
+              <a:solidFill>
+                <a:srgbClr val="FF0000"/>
+              </a:solidFill>
+            </a:endParaRPr>
+          </a:p>
+          <a:p>
+            <a:r>
+              <a:rPr lang="en-US" dirty="0">
+                <a:solidFill>
+                  <a:srgbClr val="FF0000"/>
+                </a:solidFill>
+              </a:rPr>
+              <a:t>STI</a:t>
+            </a:r>
+          </a:p>
+          <a:p>
+            <a:endParaRPr lang="en-US" dirty="0">
+              <a:solidFill>
+                <a:srgbClr val="FF0000"/>
+              </a:solidFill>
+            </a:endParaRPr>
+          </a:p>
+          <a:p>
+            <a:r>
+              <a:rPr lang="en-US" dirty="0">
+                <a:solidFill>
+                  <a:srgbClr val="FF0000"/>
+                </a:solidFill>
+              </a:rPr>
+              <a:t>STM</a:t>
+            </a:r>
+          </a:p>
+          <a:p>
+            <a:endParaRPr lang="en-US" dirty="0">
+              <a:solidFill>
+                <a:srgbClr val="FF0000"/>
+              </a:solidFill>
+            </a:endParaRPr>
+          </a:p>
+          <a:p>
+            <a:r>
+              <a:rPr lang="en-US" dirty="0">
+                <a:solidFill>
+                  <a:srgbClr val="FF0000"/>
+                </a:solidFill>
+              </a:rPr>
+              <a:t>STO</a:t>
+            </a:r>
+          </a:p>
+          <a:p>
+            <a:endParaRPr lang="en-US" dirty="0">
+              <a:solidFill>
+                <a:srgbClr val="FF0000"/>
+              </a:solidFill>
+            </a:endParaRPr>
+          </a:p>
+          <a:p>
+            <a:r>
+              <a:rPr lang="en-US" dirty="0">
+                <a:solidFill>
+                  <a:srgbClr val="FF0000"/>
+                </a:solidFill>
+              </a:rPr>
+              <a:t>TOP</a:t>
+            </a:r>
+          </a:p>
+          <a:p>
+            <a:endParaRPr lang="en-US" dirty="0">
+              <a:solidFill>
+                <a:srgbClr val="FF0000"/>
+              </a:solidFill>
+            </a:endParaRPr>
+          </a:p>
+          <a:p>
+            <a:r>
+              <a:rPr lang="en-US" dirty="0">
+                <a:solidFill>
+                  <a:srgbClr val="FF0000"/>
+                </a:solidFill>
+              </a:rPr>
+              <a:t>DOOR</a:t>
+            </a:r>
+          </a:p>
+          <a:p>
+            <a:endParaRPr lang="en-US" dirty="0">
+              <a:solidFill>
+                <a:srgbClr val="FF0000"/>
+              </a:solidFill>
+            </a:endParaRPr>
+          </a:p>
+          <a:p>
+            <a:r>
+              <a:rPr lang="en-US" dirty="0">
+                <a:solidFill>
+                  <a:srgbClr val="FF0000"/>
+                </a:solidFill>
+              </a:rPr>
+              <a:t>TF</a:t>
+            </a:r>
+            <a:r>
+              <a:rPr lang="en-US" dirty="0"/>
+              <a:t>		 </a:t>
+            </a:r>
+          </a:p>
+        </p:txBody>
+      </p:sp>
+      <p:sp>
+        <p:nvSpPr>
+          <p:cNvPr id="52" name="TextBox 51">
+            <a:extLst>
+              <a:ext uri="{FF2B5EF4-FFF2-40B4-BE49-F238E27FC236}">
+                <a16:creationId xmlns:a16="http://schemas.microsoft.com/office/drawing/2014/main" id="{80C36223-0CDE-C763-8732-6B71FA4411DE}"/>
+              </a:ext>
+            </a:extLst>
+          </p:cNvPr>
+          <p:cNvSpPr txBox="1"/>
+          <p:nvPr/>
+        </p:nvSpPr>
+        <p:spPr>
+          <a:xfrm>
+            <a:off x="8193655" y="1299766"/>
+            <a:ext cx="889960" cy="4247317"/>
+          </a:xfrm>
+          <a:prstGeom prst="rect">
+            <a:avLst/>
+          </a:prstGeom>
+          <a:noFill/>
+        </p:spPr>
+        <p:txBody>
+          <a:bodyPr wrap="square" rtlCol="0">
+            <a:spAutoFit/>
+          </a:bodyPr>
+          <a:lstStyle/>
+          <a:p>
+            <a:pPr algn="r"/>
+            <a:r>
+              <a:rPr lang="en-US" dirty="0">
+                <a:solidFill>
+                  <a:srgbClr val="FF0000"/>
+                </a:solidFill>
+              </a:rPr>
+              <a:t>TF</a:t>
+            </a:r>
+          </a:p>
+          <a:p>
+            <a:pPr algn="r"/>
+            <a:endParaRPr lang="en-US" dirty="0">
+              <a:solidFill>
+                <a:srgbClr val="FF0000"/>
+              </a:solidFill>
+            </a:endParaRPr>
+          </a:p>
+          <a:p>
+            <a:pPr algn="r"/>
+            <a:r>
+              <a:rPr lang="en-US" dirty="0">
+                <a:solidFill>
+                  <a:srgbClr val="FF0000"/>
+                </a:solidFill>
+              </a:rPr>
+              <a:t>STI</a:t>
+            </a:r>
+          </a:p>
+          <a:p>
+            <a:pPr algn="r"/>
+            <a:endParaRPr lang="en-US" dirty="0">
+              <a:solidFill>
+                <a:srgbClr val="FF0000"/>
+              </a:solidFill>
+            </a:endParaRPr>
+          </a:p>
+          <a:p>
+            <a:pPr algn="r"/>
+            <a:r>
+              <a:rPr lang="en-US" dirty="0">
+                <a:solidFill>
+                  <a:srgbClr val="FF0000"/>
+                </a:solidFill>
+              </a:rPr>
+              <a:t>STM</a:t>
+            </a:r>
+          </a:p>
+          <a:p>
+            <a:pPr algn="r"/>
+            <a:endParaRPr lang="en-US" dirty="0">
+              <a:solidFill>
+                <a:srgbClr val="FF0000"/>
+              </a:solidFill>
+            </a:endParaRPr>
+          </a:p>
+          <a:p>
+            <a:pPr algn="r"/>
+            <a:r>
+              <a:rPr lang="en-US" dirty="0">
+                <a:solidFill>
+                  <a:srgbClr val="FF0000"/>
+                </a:solidFill>
+              </a:rPr>
+              <a:t>STO</a:t>
+            </a:r>
+          </a:p>
+          <a:p>
+            <a:pPr algn="r"/>
+            <a:endParaRPr lang="en-US" dirty="0">
+              <a:solidFill>
+                <a:srgbClr val="FF0000"/>
+              </a:solidFill>
+            </a:endParaRPr>
+          </a:p>
+          <a:p>
+            <a:pPr algn="r"/>
+            <a:r>
+              <a:rPr lang="en-US" dirty="0">
+                <a:solidFill>
+                  <a:srgbClr val="FF0000"/>
+                </a:solidFill>
+              </a:rPr>
+              <a:t>TOP</a:t>
+            </a:r>
+          </a:p>
+          <a:p>
+            <a:pPr algn="r"/>
+            <a:endParaRPr lang="en-US" dirty="0">
+              <a:solidFill>
+                <a:srgbClr val="FF0000"/>
+              </a:solidFill>
+            </a:endParaRPr>
+          </a:p>
+          <a:p>
+            <a:pPr algn="r"/>
+            <a:r>
+              <a:rPr lang="en-US" dirty="0">
+                <a:solidFill>
+                  <a:srgbClr val="FF0000"/>
+                </a:solidFill>
+              </a:rPr>
+              <a:t>DOOR</a:t>
+            </a:r>
+          </a:p>
+          <a:p>
+            <a:pPr algn="r"/>
+            <a:endParaRPr lang="en-US" dirty="0">
+              <a:solidFill>
+                <a:srgbClr val="FF0000"/>
+              </a:solidFill>
+            </a:endParaRPr>
+          </a:p>
+          <a:p>
+            <a:pPr algn="r"/>
+            <a:r>
+              <a:rPr lang="en-US" dirty="0">
+                <a:solidFill>
+                  <a:srgbClr val="FF0000"/>
+                </a:solidFill>
+              </a:rPr>
+              <a:t>TF</a:t>
+            </a:r>
+            <a:r>
+              <a:rPr lang="en-US" dirty="0"/>
+              <a:t>		 </a:t>
+            </a:r>
+          </a:p>
+        </p:txBody>
+      </p:sp>
+      <p:sp>
+        <p:nvSpPr>
+          <p:cNvPr id="53" name="TextBox 52">
+            <a:extLst>
+              <a:ext uri="{FF2B5EF4-FFF2-40B4-BE49-F238E27FC236}">
+                <a16:creationId xmlns:a16="http://schemas.microsoft.com/office/drawing/2014/main" id="{C325867C-4F2B-F64A-4F4B-053203657387}"/>
+              </a:ext>
+            </a:extLst>
+          </p:cNvPr>
+          <p:cNvSpPr txBox="1"/>
+          <p:nvPr/>
+        </p:nvSpPr>
+        <p:spPr>
+          <a:xfrm>
+            <a:off x="9526317" y="1264134"/>
+            <a:ext cx="2207931" cy="3970318"/>
+          </a:xfrm>
+          <a:prstGeom prst="rect">
+            <a:avLst/>
+          </a:prstGeom>
+          <a:noFill/>
+        </p:spPr>
+        <p:txBody>
+          <a:bodyPr wrap="square" rtlCol="0">
+            <a:spAutoFit/>
+          </a:bodyPr>
+          <a:lstStyle/>
+          <a:p>
+            <a:r>
+              <a:rPr lang="en-US" dirty="0"/>
+              <a:t>B4</a:t>
+            </a:r>
+          </a:p>
+          <a:p>
+            <a:endParaRPr lang="en-US" dirty="0"/>
+          </a:p>
+          <a:p>
+            <a:r>
+              <a:rPr lang="en-US" dirty="0"/>
+              <a:t>7</a:t>
+            </a:r>
+          </a:p>
+          <a:p>
+            <a:endParaRPr lang="en-US" dirty="0"/>
+          </a:p>
+          <a:p>
+            <a:r>
+              <a:rPr lang="en-US" dirty="0"/>
+              <a:t>B5</a:t>
+            </a:r>
+          </a:p>
+          <a:p>
+            <a:endParaRPr lang="en-US" dirty="0"/>
+          </a:p>
+          <a:p>
+            <a:r>
+              <a:rPr lang="en-US" dirty="0"/>
+              <a:t>21</a:t>
+            </a:r>
+          </a:p>
+          <a:p>
+            <a:endParaRPr lang="en-US" dirty="0"/>
+          </a:p>
+          <a:p>
+            <a:r>
+              <a:rPr lang="en-US" dirty="0"/>
+              <a:t>B6</a:t>
+            </a:r>
+          </a:p>
+          <a:p>
+            <a:endParaRPr lang="en-US" dirty="0"/>
+          </a:p>
+          <a:p>
+            <a:r>
+              <a:rPr lang="en-US" dirty="0"/>
+              <a:t>9</a:t>
+            </a:r>
+          </a:p>
+          <a:p>
+            <a:endParaRPr lang="en-US" dirty="0"/>
+          </a:p>
+          <a:p>
+            <a:r>
+              <a:rPr lang="en-US" dirty="0"/>
+              <a:t>23</a:t>
+            </a:r>
+          </a:p>
+          <a:p>
+            <a:endParaRPr lang="en-US" dirty="0"/>
+          </a:p>
+        </p:txBody>
+      </p:sp>
+      <p:sp>
+        <p:nvSpPr>
+          <p:cNvPr id="54" name="TextBox 53">
+            <a:extLst>
+              <a:ext uri="{FF2B5EF4-FFF2-40B4-BE49-F238E27FC236}">
+                <a16:creationId xmlns:a16="http://schemas.microsoft.com/office/drawing/2014/main" id="{9E06F266-7A01-5744-9437-CBD50A1E4612}"/>
+              </a:ext>
+            </a:extLst>
+          </p:cNvPr>
+          <p:cNvSpPr txBox="1"/>
+          <p:nvPr/>
+        </p:nvSpPr>
+        <p:spPr>
+          <a:xfrm>
+            <a:off x="1321433" y="1348001"/>
+            <a:ext cx="889960" cy="4247317"/>
+          </a:xfrm>
+          <a:prstGeom prst="rect">
+            <a:avLst/>
+          </a:prstGeom>
+          <a:noFill/>
+        </p:spPr>
+        <p:txBody>
+          <a:bodyPr wrap="square" rtlCol="0">
+            <a:spAutoFit/>
+          </a:bodyPr>
+          <a:lstStyle/>
+          <a:p>
+            <a:pPr algn="r"/>
+            <a:endParaRPr lang="en-US" dirty="0"/>
+          </a:p>
+          <a:p>
+            <a:pPr algn="r"/>
+            <a:endParaRPr lang="en-US" dirty="0"/>
+          </a:p>
+          <a:p>
+            <a:pPr algn="r"/>
+            <a:r>
+              <a:rPr lang="en-US" dirty="0"/>
+              <a:t>19</a:t>
+            </a:r>
+          </a:p>
+          <a:p>
+            <a:pPr algn="r"/>
+            <a:endParaRPr lang="en-US" dirty="0"/>
+          </a:p>
+          <a:p>
+            <a:pPr algn="r"/>
+            <a:r>
+              <a:rPr lang="en-US" dirty="0"/>
+              <a:t>5</a:t>
+            </a:r>
+          </a:p>
+          <a:p>
+            <a:pPr algn="r"/>
+            <a:endParaRPr lang="en-US" dirty="0"/>
+          </a:p>
+          <a:p>
+            <a:pPr algn="r"/>
+            <a:r>
+              <a:rPr lang="en-US" dirty="0"/>
+              <a:t>A3</a:t>
+            </a:r>
+          </a:p>
+          <a:p>
+            <a:pPr algn="r"/>
+            <a:endParaRPr lang="en-US" dirty="0"/>
+          </a:p>
+          <a:p>
+            <a:pPr algn="r"/>
+            <a:r>
+              <a:rPr lang="en-US" dirty="0"/>
+              <a:t>3</a:t>
+            </a:r>
+          </a:p>
+          <a:p>
+            <a:pPr algn="r"/>
+            <a:endParaRPr lang="en-US" dirty="0"/>
+          </a:p>
+          <a:p>
+            <a:pPr algn="r"/>
+            <a:r>
+              <a:rPr lang="en-US" dirty="0"/>
+              <a:t>A2</a:t>
+            </a:r>
+          </a:p>
+          <a:p>
+            <a:pPr algn="r"/>
+            <a:endParaRPr lang="en-US" dirty="0"/>
+          </a:p>
+          <a:p>
+            <a:pPr algn="r"/>
+            <a:r>
+              <a:rPr lang="en-US" dirty="0"/>
+              <a:t>1</a:t>
+            </a:r>
+          </a:p>
+          <a:p>
+            <a:pPr algn="r"/>
+            <a:endParaRPr lang="en-US" dirty="0"/>
+          </a:p>
+          <a:p>
+            <a:pPr algn="r"/>
+            <a:r>
+              <a:rPr lang="en-US" dirty="0"/>
+              <a:t>A1 </a:t>
+            </a:r>
+          </a:p>
+        </p:txBody>
+      </p:sp>
+      <p:sp>
+        <p:nvSpPr>
+          <p:cNvPr id="57" name="TextBox 56">
+            <a:extLst>
+              <a:ext uri="{FF2B5EF4-FFF2-40B4-BE49-F238E27FC236}">
+                <a16:creationId xmlns:a16="http://schemas.microsoft.com/office/drawing/2014/main" id="{8CB6E8DC-60A8-157A-FAE6-9080B8AA5521}"/>
+              </a:ext>
+            </a:extLst>
+          </p:cNvPr>
+          <p:cNvSpPr txBox="1"/>
+          <p:nvPr/>
+        </p:nvSpPr>
+        <p:spPr>
+          <a:xfrm>
+            <a:off x="9526324" y="242766"/>
+            <a:ext cx="1228367" cy="477054"/>
+          </a:xfrm>
+          <a:prstGeom prst="rect">
+            <a:avLst/>
+          </a:prstGeom>
+          <a:noFill/>
+        </p:spPr>
+        <p:txBody>
+          <a:bodyPr wrap="square" rtlCol="0">
+            <a:spAutoFit/>
+          </a:bodyPr>
+          <a:lstStyle/>
+          <a:p>
+            <a:r>
+              <a:rPr lang="en-US" sz="2500" b="1" dirty="0"/>
+              <a:t>Emitter </a:t>
+            </a:r>
+          </a:p>
+        </p:txBody>
+      </p:sp>
+      <p:sp>
+        <p:nvSpPr>
+          <p:cNvPr id="58" name="TextBox 57">
+            <a:extLst>
+              <a:ext uri="{FF2B5EF4-FFF2-40B4-BE49-F238E27FC236}">
+                <a16:creationId xmlns:a16="http://schemas.microsoft.com/office/drawing/2014/main" id="{B0F09814-8233-60F9-F849-9688132D266F}"/>
+              </a:ext>
+            </a:extLst>
+          </p:cNvPr>
+          <p:cNvSpPr txBox="1"/>
+          <p:nvPr/>
+        </p:nvSpPr>
+        <p:spPr>
+          <a:xfrm>
+            <a:off x="10034981" y="871170"/>
+            <a:ext cx="1005936" cy="323165"/>
+          </a:xfrm>
+          <a:prstGeom prst="rect">
+            <a:avLst/>
+          </a:prstGeom>
+          <a:noFill/>
+        </p:spPr>
+        <p:txBody>
+          <a:bodyPr wrap="square" rtlCol="0">
+            <a:spAutoFit/>
+          </a:bodyPr>
+          <a:lstStyle/>
+          <a:p>
+            <a:pPr algn="ctr"/>
+            <a:r>
+              <a:rPr lang="en-US" sz="1500" u="sng" dirty="0"/>
+              <a:t>DAC</a:t>
+            </a:r>
+          </a:p>
+        </p:txBody>
+      </p:sp>
+      <p:sp>
+        <p:nvSpPr>
+          <p:cNvPr id="59" name="TextBox 58">
+            <a:extLst>
+              <a:ext uri="{FF2B5EF4-FFF2-40B4-BE49-F238E27FC236}">
+                <a16:creationId xmlns:a16="http://schemas.microsoft.com/office/drawing/2014/main" id="{5F4F476E-9695-1579-9290-DEBFF602063D}"/>
+              </a:ext>
+            </a:extLst>
+          </p:cNvPr>
+          <p:cNvSpPr txBox="1"/>
+          <p:nvPr/>
+        </p:nvSpPr>
+        <p:spPr>
+          <a:xfrm>
+            <a:off x="1446540" y="871853"/>
+            <a:ext cx="1150313" cy="553998"/>
+          </a:xfrm>
+          <a:prstGeom prst="rect">
+            <a:avLst/>
+          </a:prstGeom>
+          <a:noFill/>
+        </p:spPr>
+        <p:txBody>
+          <a:bodyPr wrap="square" rtlCol="0">
+            <a:spAutoFit/>
+          </a:bodyPr>
+          <a:lstStyle/>
+          <a:p>
+            <a:pPr algn="ctr"/>
+            <a:r>
+              <a:rPr lang="en-US" sz="1500" u="sng" dirty="0">
+                <a:highlight>
+                  <a:srgbClr val="FFFF00"/>
+                </a:highlight>
+              </a:rPr>
+              <a:t>Breakout Box</a:t>
+            </a:r>
+          </a:p>
+        </p:txBody>
+      </p:sp>
+      <p:sp>
+        <p:nvSpPr>
+          <p:cNvPr id="60" name="TextBox 59">
+            <a:extLst>
+              <a:ext uri="{FF2B5EF4-FFF2-40B4-BE49-F238E27FC236}">
+                <a16:creationId xmlns:a16="http://schemas.microsoft.com/office/drawing/2014/main" id="{5048B5D2-D522-E12D-4EC9-4A0331B97853}"/>
+              </a:ext>
+            </a:extLst>
+          </p:cNvPr>
+          <p:cNvSpPr txBox="1"/>
+          <p:nvPr/>
+        </p:nvSpPr>
+        <p:spPr>
+          <a:xfrm>
+            <a:off x="798728" y="933889"/>
+            <a:ext cx="1005936" cy="323165"/>
+          </a:xfrm>
+          <a:prstGeom prst="rect">
+            <a:avLst/>
+          </a:prstGeom>
+          <a:noFill/>
+        </p:spPr>
+        <p:txBody>
+          <a:bodyPr wrap="square" rtlCol="0">
+            <a:spAutoFit/>
+          </a:bodyPr>
+          <a:lstStyle/>
+          <a:p>
+            <a:pPr algn="ctr"/>
+            <a:r>
+              <a:rPr lang="en-US" sz="1500" u="sng" dirty="0"/>
+              <a:t>DAC</a:t>
+            </a:r>
+          </a:p>
+        </p:txBody>
+      </p:sp>
+      <p:sp>
+        <p:nvSpPr>
+          <p:cNvPr id="61" name="TextBox 60">
+            <a:extLst>
+              <a:ext uri="{FF2B5EF4-FFF2-40B4-BE49-F238E27FC236}">
+                <a16:creationId xmlns:a16="http://schemas.microsoft.com/office/drawing/2014/main" id="{1181AB07-17F0-53A1-3A3A-59B745C0091C}"/>
+              </a:ext>
+            </a:extLst>
+          </p:cNvPr>
+          <p:cNvSpPr txBox="1"/>
+          <p:nvPr/>
+        </p:nvSpPr>
+        <p:spPr>
+          <a:xfrm>
+            <a:off x="9141420" y="761010"/>
+            <a:ext cx="1150313" cy="553998"/>
+          </a:xfrm>
+          <a:prstGeom prst="rect">
+            <a:avLst/>
+          </a:prstGeom>
+          <a:noFill/>
+        </p:spPr>
+        <p:txBody>
+          <a:bodyPr wrap="square" rtlCol="0">
+            <a:spAutoFit/>
+          </a:bodyPr>
+          <a:lstStyle/>
+          <a:p>
+            <a:pPr algn="ctr"/>
+            <a:r>
+              <a:rPr lang="en-US" sz="1500" u="sng" dirty="0">
+                <a:highlight>
+                  <a:srgbClr val="FFFF00"/>
+                </a:highlight>
+              </a:rPr>
+              <a:t>Breakout Box</a:t>
+            </a:r>
+          </a:p>
+        </p:txBody>
+      </p:sp>
+      <p:sp>
+        <p:nvSpPr>
+          <p:cNvPr id="62" name="TextBox 61">
+            <a:extLst>
+              <a:ext uri="{FF2B5EF4-FFF2-40B4-BE49-F238E27FC236}">
+                <a16:creationId xmlns:a16="http://schemas.microsoft.com/office/drawing/2014/main" id="{B09A44DC-882D-1D8F-AF51-2ECEF249B540}"/>
+              </a:ext>
+            </a:extLst>
+          </p:cNvPr>
+          <p:cNvSpPr txBox="1"/>
+          <p:nvPr/>
+        </p:nvSpPr>
+        <p:spPr>
+          <a:xfrm>
+            <a:off x="1168098" y="376016"/>
+            <a:ext cx="1707196" cy="477054"/>
+          </a:xfrm>
+          <a:prstGeom prst="rect">
+            <a:avLst/>
+          </a:prstGeom>
+          <a:noFill/>
+        </p:spPr>
+        <p:txBody>
+          <a:bodyPr wrap="square" rtlCol="0">
+            <a:spAutoFit/>
+          </a:bodyPr>
+          <a:lstStyle/>
+          <a:p>
+            <a:r>
+              <a:rPr lang="en-US" sz="2500" b="1" dirty="0"/>
+              <a:t>Collector </a:t>
+            </a:r>
+          </a:p>
+        </p:txBody>
+      </p:sp>
+      <p:sp>
+        <p:nvSpPr>
+          <p:cNvPr id="2" name="TextBox 1">
+            <a:extLst>
+              <a:ext uri="{FF2B5EF4-FFF2-40B4-BE49-F238E27FC236}">
+                <a16:creationId xmlns:a16="http://schemas.microsoft.com/office/drawing/2014/main" id="{3CE2F2D1-1F93-2858-CCB9-6A3603B1EB63}"/>
+              </a:ext>
+            </a:extLst>
+          </p:cNvPr>
+          <p:cNvSpPr txBox="1"/>
+          <p:nvPr/>
+        </p:nvSpPr>
+        <p:spPr>
+          <a:xfrm>
+            <a:off x="4554711" y="1264082"/>
+            <a:ext cx="2163589" cy="646331"/>
+          </a:xfrm>
+          <a:prstGeom prst="rect">
+            <a:avLst/>
+          </a:prstGeom>
+          <a:noFill/>
+        </p:spPr>
+        <p:txBody>
+          <a:bodyPr wrap="square" rtlCol="0">
+            <a:spAutoFit/>
+          </a:bodyPr>
+          <a:lstStyle/>
+          <a:p>
+            <a:r>
+              <a:rPr lang="en-US" dirty="0"/>
+              <a:t>12	           8			</a:t>
+            </a:r>
+          </a:p>
+        </p:txBody>
+      </p:sp>
+      <p:sp>
+        <p:nvSpPr>
+          <p:cNvPr id="3" name="TextBox 2">
+            <a:extLst>
+              <a:ext uri="{FF2B5EF4-FFF2-40B4-BE49-F238E27FC236}">
+                <a16:creationId xmlns:a16="http://schemas.microsoft.com/office/drawing/2014/main" id="{9C27952F-FDE3-0977-7C48-77A1F0B715D9}"/>
+              </a:ext>
+            </a:extLst>
+          </p:cNvPr>
+          <p:cNvSpPr txBox="1"/>
+          <p:nvPr/>
+        </p:nvSpPr>
+        <p:spPr>
+          <a:xfrm>
+            <a:off x="3975875" y="2444561"/>
+            <a:ext cx="1187574" cy="369332"/>
+          </a:xfrm>
+          <a:prstGeom prst="rect">
+            <a:avLst/>
+          </a:prstGeom>
+          <a:noFill/>
+        </p:spPr>
+        <p:txBody>
+          <a:bodyPr wrap="square" rtlCol="0">
+            <a:spAutoFit/>
+          </a:bodyPr>
+          <a:lstStyle/>
+          <a:p>
+            <a:r>
+              <a:rPr lang="en-US" dirty="0"/>
+              <a:t>14, 16</a:t>
+            </a:r>
+          </a:p>
+        </p:txBody>
+      </p:sp>
+      <p:sp>
+        <p:nvSpPr>
+          <p:cNvPr id="20" name="Rectangle 19">
+            <a:extLst>
+              <a:ext uri="{FF2B5EF4-FFF2-40B4-BE49-F238E27FC236}">
+                <a16:creationId xmlns:a16="http://schemas.microsoft.com/office/drawing/2014/main" id="{C1643F35-E1BE-4EB7-E630-B306BC4C020A}"/>
+              </a:ext>
+            </a:extLst>
+          </p:cNvPr>
+          <p:cNvSpPr/>
+          <p:nvPr/>
+        </p:nvSpPr>
+        <p:spPr>
+          <a:xfrm>
+            <a:off x="4298115" y="3267513"/>
+            <a:ext cx="1086685" cy="927249"/>
+          </a:xfrm>
+          <a:prstGeom prst="rect">
+            <a:avLst/>
+          </a:prstGeom>
+          <a:ln>
+            <a:solidFill>
+              <a:schemeClr val="tx1"/>
+            </a:solidFill>
+          </a:ln>
+        </p:spPr>
+        <p:style>
+          <a:lnRef idx="2">
+            <a:schemeClr val="accent6"/>
+          </a:lnRef>
+          <a:fillRef idx="1">
+            <a:schemeClr val="lt1"/>
+          </a:fillRef>
+          <a:effectRef idx="0">
+            <a:schemeClr val="accent6"/>
+          </a:effectRef>
+          <a:fontRef idx="minor">
+            <a:schemeClr val="dk1"/>
+          </a:fontRef>
+        </p:style>
+        <p:txBody>
+          <a:bodyPr rtlCol="0" anchor="ctr"/>
+          <a:lstStyle/>
+          <a:p>
+            <a:pPr algn="ctr"/>
+            <a:endParaRPr lang="en-US"/>
+          </a:p>
+        </p:txBody>
+      </p:sp>
+      <p:cxnSp>
+        <p:nvCxnSpPr>
+          <p:cNvPr id="22" name="Straight Connector 21">
+            <a:extLst>
+              <a:ext uri="{FF2B5EF4-FFF2-40B4-BE49-F238E27FC236}">
+                <a16:creationId xmlns:a16="http://schemas.microsoft.com/office/drawing/2014/main" id="{E81C3B4B-2CDE-5A4A-BF94-EE1F6445693D}"/>
+              </a:ext>
+            </a:extLst>
+          </p:cNvPr>
+          <p:cNvCxnSpPr/>
+          <p:nvPr/>
+        </p:nvCxnSpPr>
+        <p:spPr>
+          <a:xfrm flipV="1">
+            <a:off x="4298115" y="2822626"/>
+            <a:ext cx="0" cy="444887"/>
+          </a:xfrm>
+          <a:prstGeom prst="line">
+            <a:avLst/>
+          </a:prstGeom>
+        </p:spPr>
+        <p:style>
+          <a:lnRef idx="1">
+            <a:schemeClr val="dk1"/>
+          </a:lnRef>
+          <a:fillRef idx="0">
+            <a:schemeClr val="dk1"/>
+          </a:fillRef>
+          <a:effectRef idx="0">
+            <a:schemeClr val="dk1"/>
+          </a:effectRef>
+          <a:fontRef idx="minor">
+            <a:schemeClr val="tx1"/>
+          </a:fontRef>
+        </p:style>
+      </p:cxnSp>
+      <p:cxnSp>
+        <p:nvCxnSpPr>
+          <p:cNvPr id="23" name="Straight Connector 22">
+            <a:extLst>
+              <a:ext uri="{FF2B5EF4-FFF2-40B4-BE49-F238E27FC236}">
+                <a16:creationId xmlns:a16="http://schemas.microsoft.com/office/drawing/2014/main" id="{67918EA7-1EDA-C618-0191-23ACB6650403}"/>
+              </a:ext>
+            </a:extLst>
+          </p:cNvPr>
+          <p:cNvCxnSpPr/>
+          <p:nvPr/>
+        </p:nvCxnSpPr>
+        <p:spPr>
+          <a:xfrm flipV="1">
+            <a:off x="5384800" y="2815216"/>
+            <a:ext cx="0" cy="444887"/>
+          </a:xfrm>
+          <a:prstGeom prst="line">
+            <a:avLst/>
+          </a:prstGeom>
+        </p:spPr>
+        <p:style>
+          <a:lnRef idx="1">
+            <a:schemeClr val="dk1"/>
+          </a:lnRef>
+          <a:fillRef idx="0">
+            <a:schemeClr val="dk1"/>
+          </a:fillRef>
+          <a:effectRef idx="0">
+            <a:schemeClr val="dk1"/>
+          </a:effectRef>
+          <a:fontRef idx="minor">
+            <a:schemeClr val="tx1"/>
+          </a:fontRef>
+        </p:style>
+      </p:cxnSp>
+      <p:sp>
+        <p:nvSpPr>
+          <p:cNvPr id="24" name="TextBox 23">
+            <a:extLst>
+              <a:ext uri="{FF2B5EF4-FFF2-40B4-BE49-F238E27FC236}">
+                <a16:creationId xmlns:a16="http://schemas.microsoft.com/office/drawing/2014/main" id="{AE468BB3-142E-54E1-6877-1F16AEC38D8B}"/>
+              </a:ext>
+            </a:extLst>
+          </p:cNvPr>
+          <p:cNvSpPr txBox="1"/>
+          <p:nvPr/>
+        </p:nvSpPr>
+        <p:spPr>
+          <a:xfrm>
+            <a:off x="35458" y="5886387"/>
+            <a:ext cx="6771741" cy="1200329"/>
+          </a:xfrm>
+          <a:prstGeom prst="rect">
+            <a:avLst/>
+          </a:prstGeom>
+          <a:noFill/>
+        </p:spPr>
+        <p:txBody>
+          <a:bodyPr wrap="square" rtlCol="0">
+            <a:spAutoFit/>
+          </a:bodyPr>
+          <a:lstStyle/>
+          <a:p>
+            <a:r>
+              <a:rPr lang="en-US" dirty="0" err="1"/>
+              <a:t>STIBiasC</a:t>
+            </a:r>
+            <a:r>
+              <a:rPr lang="en-US" dirty="0"/>
+              <a:t>  = 2 (STI bias tee box)</a:t>
+            </a:r>
+          </a:p>
+          <a:p>
+            <a:r>
+              <a:rPr lang="en-US" dirty="0" err="1"/>
+              <a:t>STOBiasC</a:t>
+            </a:r>
+            <a:r>
+              <a:rPr lang="en-US" dirty="0"/>
+              <a:t> = 22 ( STO bias tee box)</a:t>
+            </a:r>
+          </a:p>
+          <a:p>
+            <a:r>
+              <a:rPr lang="en-US" dirty="0"/>
+              <a:t>Filament top plate DAC = 5, </a:t>
+            </a:r>
+            <a:r>
+              <a:rPr lang="en-US" sz="1500" dirty="0"/>
+              <a:t>note: don’t use DAC port 17 (short to ground)</a:t>
+            </a:r>
+          </a:p>
+          <a:p>
+            <a:endParaRPr lang="en-US" dirty="0"/>
+          </a:p>
+        </p:txBody>
+      </p:sp>
+      <p:sp>
+        <p:nvSpPr>
+          <p:cNvPr id="25" name="TextBox 24">
+            <a:extLst>
+              <a:ext uri="{FF2B5EF4-FFF2-40B4-BE49-F238E27FC236}">
+                <a16:creationId xmlns:a16="http://schemas.microsoft.com/office/drawing/2014/main" id="{71E5A285-8E9D-1377-F645-830EB876F87C}"/>
+              </a:ext>
+            </a:extLst>
+          </p:cNvPr>
+          <p:cNvSpPr txBox="1"/>
+          <p:nvPr/>
+        </p:nvSpPr>
+        <p:spPr>
+          <a:xfrm>
+            <a:off x="4992170" y="2464454"/>
+            <a:ext cx="1187574" cy="369332"/>
+          </a:xfrm>
+          <a:prstGeom prst="rect">
+            <a:avLst/>
+          </a:prstGeom>
+          <a:noFill/>
+        </p:spPr>
+        <p:txBody>
+          <a:bodyPr wrap="square" rtlCol="0">
+            <a:spAutoFit/>
+          </a:bodyPr>
+          <a:lstStyle/>
+          <a:p>
+            <a:r>
+              <a:rPr lang="en-US" dirty="0"/>
+              <a:t>15,17</a:t>
+            </a:r>
+          </a:p>
+        </p:txBody>
+      </p:sp>
+      <p:cxnSp>
+        <p:nvCxnSpPr>
+          <p:cNvPr id="26" name="Straight Connector 25">
+            <a:extLst>
+              <a:ext uri="{FF2B5EF4-FFF2-40B4-BE49-F238E27FC236}">
+                <a16:creationId xmlns:a16="http://schemas.microsoft.com/office/drawing/2014/main" id="{50CFE8E3-E1A3-4895-8585-DB71816B711A}"/>
+              </a:ext>
+            </a:extLst>
+          </p:cNvPr>
+          <p:cNvCxnSpPr>
+            <a:cxnSpLocks/>
+          </p:cNvCxnSpPr>
+          <p:nvPr/>
+        </p:nvCxnSpPr>
+        <p:spPr>
+          <a:xfrm flipV="1">
+            <a:off x="6257507" y="2936776"/>
+            <a:ext cx="0" cy="730471"/>
+          </a:xfrm>
+          <a:prstGeom prst="line">
+            <a:avLst/>
+          </a:prstGeom>
+        </p:spPr>
+        <p:style>
+          <a:lnRef idx="1">
+            <a:schemeClr val="dk1"/>
+          </a:lnRef>
+          <a:fillRef idx="0">
+            <a:schemeClr val="dk1"/>
+          </a:fillRef>
+          <a:effectRef idx="0">
+            <a:schemeClr val="dk1"/>
+          </a:effectRef>
+          <a:fontRef idx="minor">
+            <a:schemeClr val="tx1"/>
+          </a:fontRef>
+        </p:style>
+      </p:cxnSp>
+      <p:cxnSp>
+        <p:nvCxnSpPr>
+          <p:cNvPr id="48" name="Straight Connector 47">
+            <a:extLst>
+              <a:ext uri="{FF2B5EF4-FFF2-40B4-BE49-F238E27FC236}">
+                <a16:creationId xmlns:a16="http://schemas.microsoft.com/office/drawing/2014/main" id="{C07DA571-72DA-1D97-DB7D-290855F5E667}"/>
+              </a:ext>
+            </a:extLst>
+          </p:cNvPr>
+          <p:cNvCxnSpPr>
+            <a:cxnSpLocks/>
+          </p:cNvCxnSpPr>
+          <p:nvPr/>
+        </p:nvCxnSpPr>
+        <p:spPr>
+          <a:xfrm flipV="1">
+            <a:off x="7556500" y="2920267"/>
+            <a:ext cx="0" cy="730471"/>
+          </a:xfrm>
+          <a:prstGeom prst="line">
+            <a:avLst/>
+          </a:prstGeom>
+        </p:spPr>
+        <p:style>
+          <a:lnRef idx="1">
+            <a:schemeClr val="dk1"/>
+          </a:lnRef>
+          <a:fillRef idx="0">
+            <a:schemeClr val="dk1"/>
+          </a:fillRef>
+          <a:effectRef idx="0">
+            <a:schemeClr val="dk1"/>
+          </a:effectRef>
+          <a:fontRef idx="minor">
+            <a:schemeClr val="tx1"/>
+          </a:fontRef>
+        </p:style>
+      </p:cxnSp>
+      <p:cxnSp>
+        <p:nvCxnSpPr>
+          <p:cNvPr id="63" name="Straight Connector 62">
+            <a:extLst>
+              <a:ext uri="{FF2B5EF4-FFF2-40B4-BE49-F238E27FC236}">
+                <a16:creationId xmlns:a16="http://schemas.microsoft.com/office/drawing/2014/main" id="{A9947C84-3433-012B-5A2A-CC7CD67ED071}"/>
+              </a:ext>
+            </a:extLst>
+          </p:cNvPr>
+          <p:cNvCxnSpPr>
+            <a:cxnSpLocks/>
+          </p:cNvCxnSpPr>
+          <p:nvPr/>
+        </p:nvCxnSpPr>
+        <p:spPr>
+          <a:xfrm>
+            <a:off x="6257507" y="3654224"/>
+            <a:ext cx="1307382" cy="0"/>
+          </a:xfrm>
+          <a:prstGeom prst="line">
+            <a:avLst/>
+          </a:prstGeom>
+        </p:spPr>
+        <p:style>
+          <a:lnRef idx="1">
+            <a:schemeClr val="dk1"/>
+          </a:lnRef>
+          <a:fillRef idx="0">
+            <a:schemeClr val="dk1"/>
+          </a:fillRef>
+          <a:effectRef idx="0">
+            <a:schemeClr val="dk1"/>
+          </a:effectRef>
+          <a:fontRef idx="minor">
+            <a:schemeClr val="tx1"/>
+          </a:fontRef>
+        </p:style>
+      </p:cxnSp>
+      <p:cxnSp>
+        <p:nvCxnSpPr>
+          <p:cNvPr id="66" name="Straight Connector 65">
+            <a:extLst>
+              <a:ext uri="{FF2B5EF4-FFF2-40B4-BE49-F238E27FC236}">
+                <a16:creationId xmlns:a16="http://schemas.microsoft.com/office/drawing/2014/main" id="{120E34FC-5BEC-E7DB-E058-549041E4555A}"/>
+              </a:ext>
+            </a:extLst>
+          </p:cNvPr>
+          <p:cNvCxnSpPr>
+            <a:cxnSpLocks/>
+          </p:cNvCxnSpPr>
+          <p:nvPr/>
+        </p:nvCxnSpPr>
+        <p:spPr>
+          <a:xfrm>
+            <a:off x="6219407" y="4104933"/>
+            <a:ext cx="1307382" cy="0"/>
+          </a:xfrm>
+          <a:prstGeom prst="line">
+            <a:avLst/>
+          </a:prstGeom>
+        </p:spPr>
+        <p:style>
+          <a:lnRef idx="1">
+            <a:schemeClr val="dk1"/>
+          </a:lnRef>
+          <a:fillRef idx="0">
+            <a:schemeClr val="dk1"/>
+          </a:fillRef>
+          <a:effectRef idx="0">
+            <a:schemeClr val="dk1"/>
+          </a:effectRef>
+          <a:fontRef idx="minor">
+            <a:schemeClr val="tx1"/>
+          </a:fontRef>
+        </p:style>
+      </p:cxnSp>
+      <p:sp>
+        <p:nvSpPr>
+          <p:cNvPr id="67" name="TextBox 66">
+            <a:extLst>
+              <a:ext uri="{FF2B5EF4-FFF2-40B4-BE49-F238E27FC236}">
+                <a16:creationId xmlns:a16="http://schemas.microsoft.com/office/drawing/2014/main" id="{EC72F5F2-3503-1689-F9E8-0EAF6FCCC962}"/>
+              </a:ext>
+            </a:extLst>
+          </p:cNvPr>
+          <p:cNvSpPr txBox="1"/>
+          <p:nvPr/>
+        </p:nvSpPr>
+        <p:spPr>
+          <a:xfrm>
+            <a:off x="6757836" y="4079568"/>
+            <a:ext cx="1187574" cy="369332"/>
+          </a:xfrm>
+          <a:prstGeom prst="rect">
+            <a:avLst/>
+          </a:prstGeom>
+          <a:noFill/>
+        </p:spPr>
+        <p:txBody>
+          <a:bodyPr wrap="square" rtlCol="0">
+            <a:spAutoFit/>
+          </a:bodyPr>
+          <a:lstStyle/>
+          <a:p>
+            <a:r>
+              <a:rPr lang="en-US" dirty="0"/>
+              <a:t>22</a:t>
+            </a:r>
+          </a:p>
+        </p:txBody>
+      </p:sp>
+      <p:sp>
+        <p:nvSpPr>
+          <p:cNvPr id="68" name="TextBox 67">
+            <a:extLst>
+              <a:ext uri="{FF2B5EF4-FFF2-40B4-BE49-F238E27FC236}">
+                <a16:creationId xmlns:a16="http://schemas.microsoft.com/office/drawing/2014/main" id="{9C2D1685-CD60-5ED3-7552-84A198E58E18}"/>
+              </a:ext>
+            </a:extLst>
+          </p:cNvPr>
+          <p:cNvSpPr txBox="1"/>
+          <p:nvPr/>
+        </p:nvSpPr>
+        <p:spPr>
+          <a:xfrm>
+            <a:off x="6133374" y="2517108"/>
+            <a:ext cx="508248" cy="369332"/>
+          </a:xfrm>
+          <a:prstGeom prst="rect">
+            <a:avLst/>
+          </a:prstGeom>
+          <a:noFill/>
+        </p:spPr>
+        <p:txBody>
+          <a:bodyPr wrap="square" rtlCol="0">
+            <a:spAutoFit/>
+          </a:bodyPr>
+          <a:lstStyle/>
+          <a:p>
+            <a:r>
+              <a:rPr lang="en-US" dirty="0"/>
+              <a:t>24</a:t>
+            </a:r>
+          </a:p>
+        </p:txBody>
+      </p:sp>
+      <p:sp>
+        <p:nvSpPr>
+          <p:cNvPr id="69" name="TextBox 68">
+            <a:extLst>
+              <a:ext uri="{FF2B5EF4-FFF2-40B4-BE49-F238E27FC236}">
+                <a16:creationId xmlns:a16="http://schemas.microsoft.com/office/drawing/2014/main" id="{CDBD7B68-9356-58BB-9F64-63A2B118A252}"/>
+              </a:ext>
+            </a:extLst>
+          </p:cNvPr>
+          <p:cNvSpPr txBox="1"/>
+          <p:nvPr/>
+        </p:nvSpPr>
+        <p:spPr>
+          <a:xfrm>
+            <a:off x="7398711" y="2517108"/>
+            <a:ext cx="508247" cy="369332"/>
+          </a:xfrm>
+          <a:prstGeom prst="rect">
+            <a:avLst/>
+          </a:prstGeom>
+          <a:noFill/>
+        </p:spPr>
+        <p:txBody>
+          <a:bodyPr wrap="square" rtlCol="0">
+            <a:spAutoFit/>
+          </a:bodyPr>
+          <a:lstStyle/>
+          <a:p>
+            <a:r>
+              <a:rPr lang="en-US" dirty="0"/>
+              <a:t>13</a:t>
+            </a:r>
+          </a:p>
+        </p:txBody>
+      </p:sp>
+      <p:sp>
+        <p:nvSpPr>
+          <p:cNvPr id="21" name="TextBox 20">
+            <a:extLst>
+              <a:ext uri="{FF2B5EF4-FFF2-40B4-BE49-F238E27FC236}">
+                <a16:creationId xmlns:a16="http://schemas.microsoft.com/office/drawing/2014/main" id="{9055C5A6-130D-B8E5-3320-046C9647C5A7}"/>
+              </a:ext>
+            </a:extLst>
+          </p:cNvPr>
+          <p:cNvSpPr txBox="1"/>
+          <p:nvPr/>
+        </p:nvSpPr>
+        <p:spPr>
+          <a:xfrm>
+            <a:off x="3879015" y="4206607"/>
+            <a:ext cx="2038161" cy="246221"/>
+          </a:xfrm>
+          <a:prstGeom prst="rect">
+            <a:avLst/>
+          </a:prstGeom>
+          <a:noFill/>
+        </p:spPr>
+        <p:txBody>
+          <a:bodyPr wrap="square" rtlCol="0">
+            <a:spAutoFit/>
+          </a:bodyPr>
+          <a:lstStyle/>
+          <a:p>
+            <a:r>
+              <a:rPr lang="en-US" sz="1000" dirty="0"/>
+              <a:t>*when connecting do 14 with 15</a:t>
+            </a:r>
+          </a:p>
+        </p:txBody>
+      </p:sp>
+      <p:sp>
+        <p:nvSpPr>
+          <p:cNvPr id="27" name="TextBox 26">
+            <a:extLst>
+              <a:ext uri="{FF2B5EF4-FFF2-40B4-BE49-F238E27FC236}">
+                <a16:creationId xmlns:a16="http://schemas.microsoft.com/office/drawing/2014/main" id="{6BBE9B9B-AD3A-5BF2-C640-172A50835C57}"/>
+              </a:ext>
+            </a:extLst>
+          </p:cNvPr>
+          <p:cNvSpPr txBox="1"/>
+          <p:nvPr/>
+        </p:nvSpPr>
+        <p:spPr>
+          <a:xfrm>
+            <a:off x="4932311" y="1924349"/>
+            <a:ext cx="2650392" cy="400110"/>
+          </a:xfrm>
+          <a:prstGeom prst="rect">
+            <a:avLst/>
+          </a:prstGeom>
+          <a:noFill/>
+        </p:spPr>
+        <p:txBody>
+          <a:bodyPr wrap="square" rtlCol="0">
+            <a:spAutoFit/>
+          </a:bodyPr>
+          <a:lstStyle/>
+          <a:p>
+            <a:r>
+              <a:rPr lang="en-US" sz="2000" b="1" i="1" u="sng" dirty="0">
+                <a:solidFill>
+                  <a:srgbClr val="FF0000"/>
+                </a:solidFill>
+              </a:rPr>
+              <a:t>BIG</a:t>
+            </a:r>
+            <a:r>
+              <a:rPr lang="en-US" sz="2000" b="1" i="1" u="sng" dirty="0"/>
+              <a:t> </a:t>
+            </a:r>
+            <a:r>
+              <a:rPr lang="en-US" sz="2000" b="1" i="1" u="sng" dirty="0">
+                <a:solidFill>
+                  <a:schemeClr val="accent4"/>
+                </a:solidFill>
+              </a:rPr>
+              <a:t>GL</a:t>
+            </a:r>
+            <a:r>
+              <a:rPr lang="en-US" sz="2000" b="1" i="1" u="sng" dirty="0">
+                <a:solidFill>
+                  <a:schemeClr val="accent6"/>
+                </a:solidFill>
+              </a:rPr>
+              <a:t>ASS</a:t>
+            </a:r>
+            <a:r>
+              <a:rPr lang="en-US" sz="2000" b="1" i="1" u="sng" dirty="0"/>
+              <a:t> </a:t>
+            </a:r>
+            <a:r>
+              <a:rPr lang="en-US" sz="2000" b="1" i="1" u="sng" dirty="0">
+                <a:solidFill>
+                  <a:srgbClr val="0070C0"/>
+                </a:solidFill>
+              </a:rPr>
+              <a:t>DEW</a:t>
+            </a:r>
+            <a:r>
+              <a:rPr lang="en-US" sz="2000" b="1" i="1" u="sng" dirty="0">
+                <a:solidFill>
+                  <a:srgbClr val="7030A0"/>
+                </a:solidFill>
+              </a:rPr>
+              <a:t>AR</a:t>
+            </a:r>
+          </a:p>
+        </p:txBody>
+      </p:sp>
+      <p:sp>
+        <p:nvSpPr>
+          <p:cNvPr id="64" name="TextBox 63">
+            <a:extLst>
+              <a:ext uri="{FF2B5EF4-FFF2-40B4-BE49-F238E27FC236}">
+                <a16:creationId xmlns:a16="http://schemas.microsoft.com/office/drawing/2014/main" id="{1ED8529A-6A45-CE3F-3050-331B38E4B658}"/>
+              </a:ext>
+            </a:extLst>
+          </p:cNvPr>
+          <p:cNvSpPr txBox="1"/>
+          <p:nvPr/>
+        </p:nvSpPr>
+        <p:spPr>
+          <a:xfrm>
+            <a:off x="4202648" y="4577597"/>
+            <a:ext cx="3556000" cy="369332"/>
+          </a:xfrm>
+          <a:prstGeom prst="rect">
+            <a:avLst/>
+          </a:prstGeom>
+          <a:noFill/>
+        </p:spPr>
+        <p:txBody>
+          <a:bodyPr wrap="square" rtlCol="0">
+            <a:spAutoFit/>
+          </a:bodyPr>
+          <a:lstStyle/>
+          <a:p>
+            <a:r>
+              <a:rPr lang="en-US" dirty="0"/>
+              <a:t>Aux 3,4=Vee, 10=Vee, Aux 1,2=</a:t>
+            </a:r>
+            <a:r>
+              <a:rPr lang="en-US" dirty="0" err="1"/>
+              <a:t>Vdd</a:t>
+            </a:r>
+            <a:endParaRPr lang="en-US" dirty="0"/>
+          </a:p>
+        </p:txBody>
+      </p:sp>
+      <p:sp>
+        <p:nvSpPr>
+          <p:cNvPr id="65" name="TextBox 64">
+            <a:extLst>
+              <a:ext uri="{FF2B5EF4-FFF2-40B4-BE49-F238E27FC236}">
+                <a16:creationId xmlns:a16="http://schemas.microsoft.com/office/drawing/2014/main" id="{56C89D17-099C-4085-DD12-BBC2BF6019A9}"/>
+              </a:ext>
+            </a:extLst>
+          </p:cNvPr>
+          <p:cNvSpPr txBox="1"/>
+          <p:nvPr/>
+        </p:nvSpPr>
+        <p:spPr>
+          <a:xfrm>
+            <a:off x="7670800" y="5739682"/>
+            <a:ext cx="4485741" cy="1477328"/>
+          </a:xfrm>
+          <a:prstGeom prst="rect">
+            <a:avLst/>
+          </a:prstGeom>
+          <a:noFill/>
+        </p:spPr>
+        <p:txBody>
+          <a:bodyPr wrap="square" rtlCol="0">
+            <a:spAutoFit/>
+          </a:bodyPr>
+          <a:lstStyle/>
+          <a:p>
+            <a:pPr algn="r"/>
+            <a:r>
+              <a:rPr lang="en-US" dirty="0" err="1"/>
+              <a:t>STIBiasE</a:t>
+            </a:r>
+            <a:r>
+              <a:rPr lang="en-US" dirty="0"/>
+              <a:t>  = 11  (STI bias tee box)</a:t>
+            </a:r>
+          </a:p>
+          <a:p>
+            <a:pPr algn="r"/>
+            <a:r>
+              <a:rPr lang="en-US" dirty="0" err="1"/>
+              <a:t>STOBiasE</a:t>
+            </a:r>
+            <a:r>
+              <a:rPr lang="en-US" dirty="0"/>
+              <a:t>= 24 ( STO bias tee box)</a:t>
+            </a:r>
+          </a:p>
+          <a:p>
+            <a:pPr algn="r"/>
+            <a:r>
+              <a:rPr lang="en-US" dirty="0"/>
+              <a:t> </a:t>
+            </a:r>
+            <a:r>
+              <a:rPr lang="en-US" dirty="0" err="1"/>
+              <a:t>doorE</a:t>
+            </a:r>
+            <a:r>
+              <a:rPr lang="en-US" dirty="0"/>
+              <a:t>/</a:t>
+            </a:r>
+            <a:r>
+              <a:rPr lang="en-US" dirty="0" err="1"/>
+              <a:t>C_close</a:t>
+            </a:r>
+            <a:r>
+              <a:rPr lang="en-US" dirty="0"/>
+              <a:t> = ax</a:t>
+            </a:r>
+          </a:p>
+          <a:p>
+            <a:pPr algn="r"/>
+            <a:r>
+              <a:rPr lang="en-US" dirty="0" err="1"/>
+              <a:t>doorE</a:t>
+            </a:r>
+            <a:r>
+              <a:rPr lang="en-US" dirty="0"/>
+              <a:t>/</a:t>
+            </a:r>
+            <a:r>
+              <a:rPr lang="en-US" dirty="0" err="1"/>
+              <a:t>C_open</a:t>
+            </a:r>
+            <a:r>
+              <a:rPr lang="en-US" dirty="0"/>
+              <a:t> = ay  </a:t>
+            </a:r>
+          </a:p>
+          <a:p>
+            <a:pPr algn="r"/>
+            <a:endParaRPr lang="en-US" dirty="0"/>
+          </a:p>
+        </p:txBody>
+      </p:sp>
+      <p:sp>
+        <p:nvSpPr>
+          <p:cNvPr id="70" name="TextBox 69">
+            <a:extLst>
+              <a:ext uri="{FF2B5EF4-FFF2-40B4-BE49-F238E27FC236}">
+                <a16:creationId xmlns:a16="http://schemas.microsoft.com/office/drawing/2014/main" id="{1ACC9F3D-62FE-3BFF-4513-8CEC05C3F8DA}"/>
+              </a:ext>
+            </a:extLst>
+          </p:cNvPr>
+          <p:cNvSpPr txBox="1"/>
+          <p:nvPr/>
+        </p:nvSpPr>
+        <p:spPr>
+          <a:xfrm>
+            <a:off x="179596" y="1377481"/>
+            <a:ext cx="1590525" cy="4247317"/>
+          </a:xfrm>
+          <a:prstGeom prst="rect">
+            <a:avLst/>
+          </a:prstGeom>
+          <a:noFill/>
+        </p:spPr>
+        <p:txBody>
+          <a:bodyPr wrap="square" rtlCol="0">
+            <a:spAutoFit/>
+          </a:bodyPr>
+          <a:lstStyle/>
+          <a:p>
+            <a:pPr algn="r"/>
+            <a:endParaRPr lang="en-US" dirty="0"/>
+          </a:p>
+          <a:p>
+            <a:pPr algn="r"/>
+            <a:endParaRPr lang="en-US" dirty="0"/>
+          </a:p>
+          <a:p>
+            <a:pPr algn="r"/>
+            <a:r>
+              <a:rPr lang="en-US" sz="1700" dirty="0"/>
+              <a:t>3</a:t>
+            </a:r>
+          </a:p>
+          <a:p>
+            <a:pPr algn="r"/>
+            <a:endParaRPr lang="en-US" sz="1700" dirty="0"/>
+          </a:p>
+          <a:p>
+            <a:pPr algn="r"/>
+            <a:r>
+              <a:rPr lang="en-US" sz="1700" dirty="0"/>
+              <a:t>SR830</a:t>
+            </a:r>
+          </a:p>
+          <a:p>
+            <a:pPr algn="r"/>
+            <a:endParaRPr lang="en-US" sz="1700" dirty="0"/>
+          </a:p>
+          <a:p>
+            <a:pPr algn="r"/>
+            <a:r>
+              <a:rPr lang="en-US" sz="1700" dirty="0"/>
+              <a:t>20</a:t>
+            </a:r>
+          </a:p>
+          <a:p>
+            <a:pPr algn="r"/>
+            <a:endParaRPr lang="en-US" sz="1700" dirty="0"/>
+          </a:p>
+          <a:p>
+            <a:pPr algn="r"/>
+            <a:r>
+              <a:rPr lang="en-US" sz="1700" dirty="0"/>
+              <a:t>SR830</a:t>
+            </a:r>
+          </a:p>
+          <a:p>
+            <a:pPr algn="r"/>
+            <a:endParaRPr lang="en-US" sz="1700" dirty="0"/>
+          </a:p>
+          <a:p>
+            <a:pPr algn="r"/>
+            <a:r>
+              <a:rPr lang="en-US" sz="1700" dirty="0"/>
+              <a:t>18</a:t>
+            </a:r>
+          </a:p>
+          <a:p>
+            <a:pPr algn="r"/>
+            <a:endParaRPr lang="en-US" dirty="0"/>
+          </a:p>
+          <a:p>
+            <a:pPr algn="r"/>
+            <a:r>
+              <a:rPr lang="en-US" sz="1400" dirty="0"/>
+              <a:t>13(</a:t>
+            </a:r>
+            <a:r>
+              <a:rPr lang="en-US" sz="1400" dirty="0" err="1"/>
+              <a:t>open,ay</a:t>
+            </a:r>
+            <a:r>
+              <a:rPr lang="en-US" sz="1400" dirty="0"/>
+              <a:t>)/21</a:t>
+            </a:r>
+          </a:p>
+          <a:p>
+            <a:pPr algn="r"/>
+            <a:r>
+              <a:rPr lang="en-US" sz="1400" dirty="0"/>
+              <a:t>(</a:t>
+            </a:r>
+            <a:r>
+              <a:rPr lang="en-US" sz="1400" dirty="0" err="1"/>
+              <a:t>close,ax</a:t>
+            </a:r>
+            <a:r>
+              <a:rPr lang="en-US" sz="1400" dirty="0"/>
+              <a:t>)</a:t>
+            </a:r>
+          </a:p>
+          <a:p>
+            <a:pPr algn="r"/>
+            <a:endParaRPr lang="en-US" sz="1700" dirty="0"/>
+          </a:p>
+          <a:p>
+            <a:pPr algn="r"/>
+            <a:r>
+              <a:rPr lang="en-US" sz="1700" dirty="0"/>
+              <a:t>3</a:t>
+            </a:r>
+            <a:r>
+              <a:rPr lang="en-US" dirty="0"/>
+              <a:t> </a:t>
+            </a:r>
+          </a:p>
+        </p:txBody>
+      </p:sp>
+      <p:sp>
+        <p:nvSpPr>
+          <p:cNvPr id="71" name="TextBox 70">
+            <a:extLst>
+              <a:ext uri="{FF2B5EF4-FFF2-40B4-BE49-F238E27FC236}">
+                <a16:creationId xmlns:a16="http://schemas.microsoft.com/office/drawing/2014/main" id="{4F9F86E9-1358-9BDD-2776-D7010AB94446}"/>
+              </a:ext>
+            </a:extLst>
+          </p:cNvPr>
+          <p:cNvSpPr txBox="1"/>
+          <p:nvPr/>
+        </p:nvSpPr>
+        <p:spPr>
+          <a:xfrm>
+            <a:off x="10089720" y="1270216"/>
+            <a:ext cx="2115457" cy="4201150"/>
+          </a:xfrm>
+          <a:prstGeom prst="rect">
+            <a:avLst/>
+          </a:prstGeom>
+          <a:noFill/>
+        </p:spPr>
+        <p:txBody>
+          <a:bodyPr wrap="square" rtlCol="0">
+            <a:spAutoFit/>
+          </a:bodyPr>
+          <a:lstStyle/>
+          <a:p>
+            <a:r>
+              <a:rPr lang="en-US" dirty="0"/>
+              <a:t>1</a:t>
+            </a:r>
+          </a:p>
+          <a:p>
+            <a:endParaRPr lang="en-US" dirty="0"/>
+          </a:p>
+          <a:p>
+            <a:r>
+              <a:rPr lang="en-US" dirty="0"/>
+              <a:t>SR830</a:t>
+            </a:r>
+          </a:p>
+          <a:p>
+            <a:endParaRPr lang="en-US" dirty="0"/>
+          </a:p>
+          <a:p>
+            <a:r>
+              <a:rPr lang="en-US" dirty="0"/>
+              <a:t>16</a:t>
+            </a:r>
+          </a:p>
+          <a:p>
+            <a:endParaRPr lang="en-US" dirty="0"/>
+          </a:p>
+          <a:p>
+            <a:r>
+              <a:rPr lang="en-US" dirty="0"/>
+              <a:t>SR830</a:t>
+            </a:r>
+          </a:p>
+          <a:p>
+            <a:endParaRPr lang="en-US" dirty="0"/>
+          </a:p>
+          <a:p>
+            <a:r>
+              <a:rPr lang="en-US" dirty="0"/>
+              <a:t>14</a:t>
+            </a:r>
+          </a:p>
+          <a:p>
+            <a:endParaRPr lang="en-US" dirty="0"/>
+          </a:p>
+          <a:p>
+            <a:r>
+              <a:rPr lang="en-US" sz="1500" dirty="0"/>
+              <a:t>15(</a:t>
+            </a:r>
+            <a:r>
+              <a:rPr lang="en-US" sz="1500" dirty="0" err="1"/>
+              <a:t>open,ay</a:t>
+            </a:r>
+            <a:r>
+              <a:rPr lang="en-US" sz="1500" dirty="0"/>
+              <a:t>)/23(</a:t>
+            </a:r>
+            <a:r>
+              <a:rPr lang="en-US" sz="1500" dirty="0" err="1"/>
+              <a:t>close,ax</a:t>
+            </a:r>
+            <a:r>
+              <a:rPr lang="en-US" sz="1500" dirty="0"/>
+              <a:t>)</a:t>
+            </a:r>
+          </a:p>
+          <a:p>
+            <a:endParaRPr lang="en-US" dirty="0"/>
+          </a:p>
+          <a:p>
+            <a:r>
+              <a:rPr lang="en-US" dirty="0"/>
+              <a:t>1</a:t>
+            </a:r>
+          </a:p>
+          <a:p>
+            <a:endParaRPr lang="en-US" dirty="0"/>
+          </a:p>
+          <a:p>
+            <a:r>
+              <a:rPr lang="en-US" dirty="0"/>
+              <a:t> </a:t>
+            </a:r>
+          </a:p>
+        </p:txBody>
+      </p:sp>
+    </p:spTree>
+    <p:extLst>
+      <p:ext uri="{BB962C8B-B14F-4D97-AF65-F5344CB8AC3E}">
+        <p14:creationId xmlns:p14="http://schemas.microsoft.com/office/powerpoint/2010/main" val="1527714014"/>
       </p:ext>
     </p:extLst>
   </p:cSld>

--- a/matlabMeas/TiffanyMeasurementFunctions/IDC/ConnectionLayout.pptx
+++ b/matlabMeas/TiffanyMeasurementFunctions/IDC/ConnectionLayout.pptx
@@ -9,6 +9,7 @@
     <p:sldId id="259" r:id="rId3"/>
     <p:sldId id="257" r:id="rId4"/>
     <p:sldId id="260" r:id="rId5"/>
+    <p:sldId id="261" r:id="rId6"/>
   </p:sldIdLst>
   <p:sldSz cx="12192000" cy="6858000"/>
   <p:notesSz cx="6858000" cy="9144000"/>
@@ -262,7 +263,7 @@
           <a:p>
             <a:fld id="{47ABD26D-D221-4902-BE5F-0AA58C118E78}" type="datetimeFigureOut">
               <a:rPr lang="en-US" smtClean="0"/>
-              <a:t>3/15/2023</a:t>
+              <a:t>3/21/2023</a:t>
             </a:fld>
             <a:endParaRPr lang="en-US"/>
           </a:p>
@@ -460,7 +461,7 @@
           <a:p>
             <a:fld id="{47ABD26D-D221-4902-BE5F-0AA58C118E78}" type="datetimeFigureOut">
               <a:rPr lang="en-US" smtClean="0"/>
-              <a:t>3/15/2023</a:t>
+              <a:t>3/21/2023</a:t>
             </a:fld>
             <a:endParaRPr lang="en-US"/>
           </a:p>
@@ -668,7 +669,7 @@
           <a:p>
             <a:fld id="{47ABD26D-D221-4902-BE5F-0AA58C118E78}" type="datetimeFigureOut">
               <a:rPr lang="en-US" smtClean="0"/>
-              <a:t>3/15/2023</a:t>
+              <a:t>3/21/2023</a:t>
             </a:fld>
             <a:endParaRPr lang="en-US"/>
           </a:p>
@@ -866,7 +867,7 @@
           <a:p>
             <a:fld id="{47ABD26D-D221-4902-BE5F-0AA58C118E78}" type="datetimeFigureOut">
               <a:rPr lang="en-US" smtClean="0"/>
-              <a:t>3/15/2023</a:t>
+              <a:t>3/21/2023</a:t>
             </a:fld>
             <a:endParaRPr lang="en-US"/>
           </a:p>
@@ -1141,7 +1142,7 @@
           <a:p>
             <a:fld id="{47ABD26D-D221-4902-BE5F-0AA58C118E78}" type="datetimeFigureOut">
               <a:rPr lang="en-US" smtClean="0"/>
-              <a:t>3/15/2023</a:t>
+              <a:t>3/21/2023</a:t>
             </a:fld>
             <a:endParaRPr lang="en-US"/>
           </a:p>
@@ -1406,7 +1407,7 @@
           <a:p>
             <a:fld id="{47ABD26D-D221-4902-BE5F-0AA58C118E78}" type="datetimeFigureOut">
               <a:rPr lang="en-US" smtClean="0"/>
-              <a:t>3/15/2023</a:t>
+              <a:t>3/21/2023</a:t>
             </a:fld>
             <a:endParaRPr lang="en-US"/>
           </a:p>
@@ -1818,7 +1819,7 @@
           <a:p>
             <a:fld id="{47ABD26D-D221-4902-BE5F-0AA58C118E78}" type="datetimeFigureOut">
               <a:rPr lang="en-US" smtClean="0"/>
-              <a:t>3/15/2023</a:t>
+              <a:t>3/21/2023</a:t>
             </a:fld>
             <a:endParaRPr lang="en-US"/>
           </a:p>
@@ -1959,7 +1960,7 @@
           <a:p>
             <a:fld id="{47ABD26D-D221-4902-BE5F-0AA58C118E78}" type="datetimeFigureOut">
               <a:rPr lang="en-US" smtClean="0"/>
-              <a:t>3/15/2023</a:t>
+              <a:t>3/21/2023</a:t>
             </a:fld>
             <a:endParaRPr lang="en-US"/>
           </a:p>
@@ -2072,7 +2073,7 @@
           <a:p>
             <a:fld id="{47ABD26D-D221-4902-BE5F-0AA58C118E78}" type="datetimeFigureOut">
               <a:rPr lang="en-US" smtClean="0"/>
-              <a:t>3/15/2023</a:t>
+              <a:t>3/21/2023</a:t>
             </a:fld>
             <a:endParaRPr lang="en-US"/>
           </a:p>
@@ -2383,7 +2384,7 @@
           <a:p>
             <a:fld id="{47ABD26D-D221-4902-BE5F-0AA58C118E78}" type="datetimeFigureOut">
               <a:rPr lang="en-US" smtClean="0"/>
-              <a:t>3/15/2023</a:t>
+              <a:t>3/21/2023</a:t>
             </a:fld>
             <a:endParaRPr lang="en-US"/>
           </a:p>
@@ -2671,7 +2672,7 @@
           <a:p>
             <a:fld id="{47ABD26D-D221-4902-BE5F-0AA58C118E78}" type="datetimeFigureOut">
               <a:rPr lang="en-US" smtClean="0"/>
-              <a:t>3/15/2023</a:t>
+              <a:t>3/21/2023</a:t>
             </a:fld>
             <a:endParaRPr lang="en-US"/>
           </a:p>
@@ -2912,7 +2913,7 @@
           <a:p>
             <a:fld id="{47ABD26D-D221-4902-BE5F-0AA58C118E78}" type="datetimeFigureOut">
               <a:rPr lang="en-US" smtClean="0"/>
-              <a:t>3/15/2023</a:t>
+              <a:t>3/21/2023</a:t>
             </a:fld>
             <a:endParaRPr lang="en-US"/>
           </a:p>
@@ -10418,6 +10419,3462 @@
 </p:sld>
 </file>
 
+<file path=ppt/slides/slide5.xml><?xml version="1.0" encoding="utf-8"?>
+<p:sld xmlns:a="http://schemas.openxmlformats.org/drawingml/2006/main" xmlns:r="http://schemas.openxmlformats.org/officeDocument/2006/relationships" xmlns:p="http://schemas.openxmlformats.org/presentationml/2006/main">
+  <p:cSld>
+    <p:spTree>
+      <p:nvGrpSpPr>
+        <p:cNvPr id="1" name=""/>
+        <p:cNvGrpSpPr/>
+        <p:nvPr/>
+      </p:nvGrpSpPr>
+      <p:grpSpPr>
+        <a:xfrm>
+          <a:off x="0" y="0"/>
+          <a:ext cx="0" cy="0"/>
+          <a:chOff x="0" y="0"/>
+          <a:chExt cx="0" cy="0"/>
+        </a:xfrm>
+      </p:grpSpPr>
+      <p:sp>
+        <p:nvSpPr>
+          <p:cNvPr id="4" name="Oval 3">
+            <a:extLst>
+              <a:ext uri="{FF2B5EF4-FFF2-40B4-BE49-F238E27FC236}">
+                <a16:creationId xmlns:a16="http://schemas.microsoft.com/office/drawing/2014/main" id="{D946A18F-56A6-3E1F-B3E0-65F70E8F53A8}"/>
+              </a:ext>
+            </a:extLst>
+          </p:cNvPr>
+          <p:cNvSpPr/>
+          <p:nvPr/>
+        </p:nvSpPr>
+        <p:spPr>
+          <a:xfrm>
+            <a:off x="3873500" y="571501"/>
+            <a:ext cx="424615" cy="419100"/>
+          </a:xfrm>
+          <a:prstGeom prst="ellipse">
+            <a:avLst/>
+          </a:prstGeom>
+        </p:spPr>
+        <p:style>
+          <a:lnRef idx="2">
+            <a:schemeClr val="accent6"/>
+          </a:lnRef>
+          <a:fillRef idx="1">
+            <a:schemeClr val="lt1"/>
+          </a:fillRef>
+          <a:effectRef idx="0">
+            <a:schemeClr val="accent6"/>
+          </a:effectRef>
+          <a:fontRef idx="minor">
+            <a:schemeClr val="dk1"/>
+          </a:fontRef>
+        </p:style>
+        <p:txBody>
+          <a:bodyPr rtlCol="0" anchor="ctr"/>
+          <a:lstStyle/>
+          <a:p>
+            <a:pPr algn="ctr"/>
+            <a:endParaRPr lang="en-US"/>
+          </a:p>
+        </p:txBody>
+      </p:sp>
+      <p:sp>
+        <p:nvSpPr>
+          <p:cNvPr id="5" name="Oval 4">
+            <a:extLst>
+              <a:ext uri="{FF2B5EF4-FFF2-40B4-BE49-F238E27FC236}">
+                <a16:creationId xmlns:a16="http://schemas.microsoft.com/office/drawing/2014/main" id="{F3FB28C8-CF1C-9BDD-1C55-1B673B50A7D0}"/>
+              </a:ext>
+            </a:extLst>
+          </p:cNvPr>
+          <p:cNvSpPr/>
+          <p:nvPr/>
+        </p:nvSpPr>
+        <p:spPr>
+          <a:xfrm>
+            <a:off x="4584700" y="571501"/>
+            <a:ext cx="424615" cy="419100"/>
+          </a:xfrm>
+          <a:prstGeom prst="ellipse">
+            <a:avLst/>
+          </a:prstGeom>
+        </p:spPr>
+        <p:style>
+          <a:lnRef idx="2">
+            <a:schemeClr val="accent6"/>
+          </a:lnRef>
+          <a:fillRef idx="1">
+            <a:schemeClr val="lt1"/>
+          </a:fillRef>
+          <a:effectRef idx="0">
+            <a:schemeClr val="accent6"/>
+          </a:effectRef>
+          <a:fontRef idx="minor">
+            <a:schemeClr val="dk1"/>
+          </a:fontRef>
+        </p:style>
+        <p:txBody>
+          <a:bodyPr rtlCol="0" anchor="ctr"/>
+          <a:lstStyle/>
+          <a:p>
+            <a:pPr algn="ctr"/>
+            <a:endParaRPr lang="en-US"/>
+          </a:p>
+        </p:txBody>
+      </p:sp>
+      <p:sp>
+        <p:nvSpPr>
+          <p:cNvPr id="6" name="Oval 5">
+            <a:extLst>
+              <a:ext uri="{FF2B5EF4-FFF2-40B4-BE49-F238E27FC236}">
+                <a16:creationId xmlns:a16="http://schemas.microsoft.com/office/drawing/2014/main" id="{3CA3BA78-56C2-F192-D969-3F1044FC5BFC}"/>
+              </a:ext>
+            </a:extLst>
+          </p:cNvPr>
+          <p:cNvSpPr/>
+          <p:nvPr/>
+        </p:nvSpPr>
+        <p:spPr>
+          <a:xfrm>
+            <a:off x="5295900" y="571501"/>
+            <a:ext cx="424615" cy="419100"/>
+          </a:xfrm>
+          <a:prstGeom prst="ellipse">
+            <a:avLst/>
+          </a:prstGeom>
+          <a:solidFill>
+            <a:schemeClr val="bg1"/>
+          </a:solidFill>
+          <a:ln>
+            <a:solidFill>
+              <a:schemeClr val="accent6"/>
+            </a:solidFill>
+          </a:ln>
+        </p:spPr>
+        <p:style>
+          <a:lnRef idx="2">
+            <a:schemeClr val="dk1">
+              <a:shade val="50000"/>
+            </a:schemeClr>
+          </a:lnRef>
+          <a:fillRef idx="1">
+            <a:schemeClr val="dk1"/>
+          </a:fillRef>
+          <a:effectRef idx="0">
+            <a:schemeClr val="dk1"/>
+          </a:effectRef>
+          <a:fontRef idx="minor">
+            <a:schemeClr val="lt1"/>
+          </a:fontRef>
+        </p:style>
+        <p:txBody>
+          <a:bodyPr rtlCol="0" anchor="ctr"/>
+          <a:lstStyle/>
+          <a:p>
+            <a:pPr algn="ctr"/>
+            <a:endParaRPr lang="en-US"/>
+          </a:p>
+        </p:txBody>
+      </p:sp>
+      <p:sp>
+        <p:nvSpPr>
+          <p:cNvPr id="7" name="Oval 6">
+            <a:extLst>
+              <a:ext uri="{FF2B5EF4-FFF2-40B4-BE49-F238E27FC236}">
+                <a16:creationId xmlns:a16="http://schemas.microsoft.com/office/drawing/2014/main" id="{5DBFB21A-DF21-F1E9-AF67-A1BF4805C81A}"/>
+              </a:ext>
+            </a:extLst>
+          </p:cNvPr>
+          <p:cNvSpPr/>
+          <p:nvPr/>
+        </p:nvSpPr>
+        <p:spPr>
+          <a:xfrm>
+            <a:off x="6007100" y="571501"/>
+            <a:ext cx="424615" cy="419100"/>
+          </a:xfrm>
+          <a:prstGeom prst="ellipse">
+            <a:avLst/>
+          </a:prstGeom>
+        </p:spPr>
+        <p:style>
+          <a:lnRef idx="2">
+            <a:schemeClr val="accent6"/>
+          </a:lnRef>
+          <a:fillRef idx="1">
+            <a:schemeClr val="lt1"/>
+          </a:fillRef>
+          <a:effectRef idx="0">
+            <a:schemeClr val="accent6"/>
+          </a:effectRef>
+          <a:fontRef idx="minor">
+            <a:schemeClr val="dk1"/>
+          </a:fontRef>
+        </p:style>
+        <p:txBody>
+          <a:bodyPr rtlCol="0" anchor="ctr"/>
+          <a:lstStyle/>
+          <a:p>
+            <a:pPr algn="ctr"/>
+            <a:endParaRPr lang="en-US"/>
+          </a:p>
+        </p:txBody>
+      </p:sp>
+      <p:sp>
+        <p:nvSpPr>
+          <p:cNvPr id="8" name="Oval 7">
+            <a:extLst>
+              <a:ext uri="{FF2B5EF4-FFF2-40B4-BE49-F238E27FC236}">
+                <a16:creationId xmlns:a16="http://schemas.microsoft.com/office/drawing/2014/main" id="{F0050BE3-0855-E87D-8C27-54E0E1827C1A}"/>
+              </a:ext>
+            </a:extLst>
+          </p:cNvPr>
+          <p:cNvSpPr/>
+          <p:nvPr/>
+        </p:nvSpPr>
+        <p:spPr>
+          <a:xfrm>
+            <a:off x="6718300" y="571501"/>
+            <a:ext cx="424615" cy="419100"/>
+          </a:xfrm>
+          <a:prstGeom prst="ellipse">
+            <a:avLst/>
+          </a:prstGeom>
+        </p:spPr>
+        <p:style>
+          <a:lnRef idx="2">
+            <a:schemeClr val="accent6"/>
+          </a:lnRef>
+          <a:fillRef idx="1">
+            <a:schemeClr val="lt1"/>
+          </a:fillRef>
+          <a:effectRef idx="0">
+            <a:schemeClr val="accent6"/>
+          </a:effectRef>
+          <a:fontRef idx="minor">
+            <a:schemeClr val="dk1"/>
+          </a:fontRef>
+        </p:style>
+        <p:txBody>
+          <a:bodyPr rtlCol="0" anchor="ctr"/>
+          <a:lstStyle/>
+          <a:p>
+            <a:pPr algn="ctr"/>
+            <a:endParaRPr lang="en-US"/>
+          </a:p>
+        </p:txBody>
+      </p:sp>
+      <p:sp>
+        <p:nvSpPr>
+          <p:cNvPr id="9" name="Oval 8">
+            <a:extLst>
+              <a:ext uri="{FF2B5EF4-FFF2-40B4-BE49-F238E27FC236}">
+                <a16:creationId xmlns:a16="http://schemas.microsoft.com/office/drawing/2014/main" id="{181329B8-59F0-BCDE-4A7A-08F539374242}"/>
+              </a:ext>
+            </a:extLst>
+          </p:cNvPr>
+          <p:cNvSpPr/>
+          <p:nvPr/>
+        </p:nvSpPr>
+        <p:spPr>
+          <a:xfrm>
+            <a:off x="7429500" y="571501"/>
+            <a:ext cx="424615" cy="419100"/>
+          </a:xfrm>
+          <a:prstGeom prst="ellipse">
+            <a:avLst/>
+          </a:prstGeom>
+        </p:spPr>
+        <p:style>
+          <a:lnRef idx="2">
+            <a:schemeClr val="accent6"/>
+          </a:lnRef>
+          <a:fillRef idx="1">
+            <a:schemeClr val="lt1"/>
+          </a:fillRef>
+          <a:effectRef idx="0">
+            <a:schemeClr val="accent6"/>
+          </a:effectRef>
+          <a:fontRef idx="minor">
+            <a:schemeClr val="dk1"/>
+          </a:fontRef>
+        </p:style>
+        <p:txBody>
+          <a:bodyPr rtlCol="0" anchor="ctr"/>
+          <a:lstStyle/>
+          <a:p>
+            <a:pPr algn="ctr"/>
+            <a:endParaRPr lang="en-US"/>
+          </a:p>
+        </p:txBody>
+      </p:sp>
+      <p:sp>
+        <p:nvSpPr>
+          <p:cNvPr id="10" name="Oval 9">
+            <a:extLst>
+              <a:ext uri="{FF2B5EF4-FFF2-40B4-BE49-F238E27FC236}">
+                <a16:creationId xmlns:a16="http://schemas.microsoft.com/office/drawing/2014/main" id="{01A29324-227D-CE00-879E-253419DB7FF5}"/>
+              </a:ext>
+            </a:extLst>
+          </p:cNvPr>
+          <p:cNvSpPr/>
+          <p:nvPr/>
+        </p:nvSpPr>
+        <p:spPr>
+          <a:xfrm>
+            <a:off x="3162300" y="571501"/>
+            <a:ext cx="424615" cy="419100"/>
+          </a:xfrm>
+          <a:prstGeom prst="ellipse">
+            <a:avLst/>
+          </a:prstGeom>
+        </p:spPr>
+        <p:style>
+          <a:lnRef idx="2">
+            <a:schemeClr val="accent6"/>
+          </a:lnRef>
+          <a:fillRef idx="1">
+            <a:schemeClr val="lt1"/>
+          </a:fillRef>
+          <a:effectRef idx="0">
+            <a:schemeClr val="accent6"/>
+          </a:effectRef>
+          <a:fontRef idx="minor">
+            <a:schemeClr val="dk1"/>
+          </a:fontRef>
+        </p:style>
+        <p:txBody>
+          <a:bodyPr rtlCol="0" anchor="ctr"/>
+          <a:lstStyle/>
+          <a:p>
+            <a:pPr algn="ctr"/>
+            <a:endParaRPr lang="en-US"/>
+          </a:p>
+        </p:txBody>
+      </p:sp>
+      <p:sp>
+        <p:nvSpPr>
+          <p:cNvPr id="11" name="Oval 10">
+            <a:extLst>
+              <a:ext uri="{FF2B5EF4-FFF2-40B4-BE49-F238E27FC236}">
+                <a16:creationId xmlns:a16="http://schemas.microsoft.com/office/drawing/2014/main" id="{E0DCA490-C29E-4DBF-0ACF-D7AF1CD3F1AA}"/>
+              </a:ext>
+            </a:extLst>
+          </p:cNvPr>
+          <p:cNvSpPr/>
+          <p:nvPr/>
+        </p:nvSpPr>
+        <p:spPr>
+          <a:xfrm>
+            <a:off x="8140700" y="571501"/>
+            <a:ext cx="424615" cy="419100"/>
+          </a:xfrm>
+          <a:prstGeom prst="ellipse">
+            <a:avLst/>
+          </a:prstGeom>
+          <a:solidFill>
+            <a:schemeClr val="tx1"/>
+          </a:solidFill>
+        </p:spPr>
+        <p:style>
+          <a:lnRef idx="2">
+            <a:schemeClr val="accent6"/>
+          </a:lnRef>
+          <a:fillRef idx="1">
+            <a:schemeClr val="lt1"/>
+          </a:fillRef>
+          <a:effectRef idx="0">
+            <a:schemeClr val="accent6"/>
+          </a:effectRef>
+          <a:fontRef idx="minor">
+            <a:schemeClr val="dk1"/>
+          </a:fontRef>
+        </p:style>
+        <p:txBody>
+          <a:bodyPr rtlCol="0" anchor="ctr"/>
+          <a:lstStyle/>
+          <a:p>
+            <a:pPr algn="ctr"/>
+            <a:endParaRPr lang="en-US"/>
+          </a:p>
+        </p:txBody>
+      </p:sp>
+      <p:sp>
+        <p:nvSpPr>
+          <p:cNvPr id="12" name="Oval 11">
+            <a:extLst>
+              <a:ext uri="{FF2B5EF4-FFF2-40B4-BE49-F238E27FC236}">
+                <a16:creationId xmlns:a16="http://schemas.microsoft.com/office/drawing/2014/main" id="{49824087-58B9-8764-C46D-1F9401874CE3}"/>
+              </a:ext>
+            </a:extLst>
+          </p:cNvPr>
+          <p:cNvSpPr/>
+          <p:nvPr/>
+        </p:nvSpPr>
+        <p:spPr>
+          <a:xfrm>
+            <a:off x="3962400" y="5740399"/>
+            <a:ext cx="424615" cy="419100"/>
+          </a:xfrm>
+          <a:prstGeom prst="ellipse">
+            <a:avLst/>
+          </a:prstGeom>
+        </p:spPr>
+        <p:style>
+          <a:lnRef idx="2">
+            <a:schemeClr val="accent6"/>
+          </a:lnRef>
+          <a:fillRef idx="1">
+            <a:schemeClr val="lt1"/>
+          </a:fillRef>
+          <a:effectRef idx="0">
+            <a:schemeClr val="accent6"/>
+          </a:effectRef>
+          <a:fontRef idx="minor">
+            <a:schemeClr val="dk1"/>
+          </a:fontRef>
+        </p:style>
+        <p:txBody>
+          <a:bodyPr rtlCol="0" anchor="ctr"/>
+          <a:lstStyle/>
+          <a:p>
+            <a:pPr algn="ctr"/>
+            <a:endParaRPr lang="en-US"/>
+          </a:p>
+        </p:txBody>
+      </p:sp>
+      <p:sp>
+        <p:nvSpPr>
+          <p:cNvPr id="13" name="Oval 12">
+            <a:extLst>
+              <a:ext uri="{FF2B5EF4-FFF2-40B4-BE49-F238E27FC236}">
+                <a16:creationId xmlns:a16="http://schemas.microsoft.com/office/drawing/2014/main" id="{EDB51181-2DFB-AFDE-3975-F4BE6272F50C}"/>
+              </a:ext>
+            </a:extLst>
+          </p:cNvPr>
+          <p:cNvSpPr/>
+          <p:nvPr/>
+        </p:nvSpPr>
+        <p:spPr>
+          <a:xfrm>
+            <a:off x="4673600" y="5740399"/>
+            <a:ext cx="424615" cy="419100"/>
+          </a:xfrm>
+          <a:prstGeom prst="ellipse">
+            <a:avLst/>
+          </a:prstGeom>
+        </p:spPr>
+        <p:style>
+          <a:lnRef idx="2">
+            <a:schemeClr val="accent6"/>
+          </a:lnRef>
+          <a:fillRef idx="1">
+            <a:schemeClr val="lt1"/>
+          </a:fillRef>
+          <a:effectRef idx="0">
+            <a:schemeClr val="accent6"/>
+          </a:effectRef>
+          <a:fontRef idx="minor">
+            <a:schemeClr val="dk1"/>
+          </a:fontRef>
+        </p:style>
+        <p:txBody>
+          <a:bodyPr rtlCol="0" anchor="ctr"/>
+          <a:lstStyle/>
+          <a:p>
+            <a:pPr algn="ctr"/>
+            <a:endParaRPr lang="en-US"/>
+          </a:p>
+        </p:txBody>
+      </p:sp>
+      <p:sp>
+        <p:nvSpPr>
+          <p:cNvPr id="14" name="Oval 13">
+            <a:extLst>
+              <a:ext uri="{FF2B5EF4-FFF2-40B4-BE49-F238E27FC236}">
+                <a16:creationId xmlns:a16="http://schemas.microsoft.com/office/drawing/2014/main" id="{AF4D38FB-F537-BF95-B77D-220C307160F8}"/>
+              </a:ext>
+            </a:extLst>
+          </p:cNvPr>
+          <p:cNvSpPr/>
+          <p:nvPr/>
+        </p:nvSpPr>
+        <p:spPr>
+          <a:xfrm>
+            <a:off x="5384800" y="5740399"/>
+            <a:ext cx="424615" cy="419100"/>
+          </a:xfrm>
+          <a:prstGeom prst="ellipse">
+            <a:avLst/>
+          </a:prstGeom>
+        </p:spPr>
+        <p:style>
+          <a:lnRef idx="2">
+            <a:schemeClr val="accent6"/>
+          </a:lnRef>
+          <a:fillRef idx="1">
+            <a:schemeClr val="lt1"/>
+          </a:fillRef>
+          <a:effectRef idx="0">
+            <a:schemeClr val="accent6"/>
+          </a:effectRef>
+          <a:fontRef idx="minor">
+            <a:schemeClr val="dk1"/>
+          </a:fontRef>
+        </p:style>
+        <p:txBody>
+          <a:bodyPr rtlCol="0" anchor="ctr"/>
+          <a:lstStyle/>
+          <a:p>
+            <a:pPr algn="ctr"/>
+            <a:endParaRPr lang="en-US"/>
+          </a:p>
+        </p:txBody>
+      </p:sp>
+      <p:sp>
+        <p:nvSpPr>
+          <p:cNvPr id="15" name="Oval 14">
+            <a:extLst>
+              <a:ext uri="{FF2B5EF4-FFF2-40B4-BE49-F238E27FC236}">
+                <a16:creationId xmlns:a16="http://schemas.microsoft.com/office/drawing/2014/main" id="{1213FAAB-0755-E1BF-9418-BD274DA6E407}"/>
+              </a:ext>
+            </a:extLst>
+          </p:cNvPr>
+          <p:cNvSpPr/>
+          <p:nvPr/>
+        </p:nvSpPr>
+        <p:spPr>
+          <a:xfrm>
+            <a:off x="6096000" y="5740399"/>
+            <a:ext cx="424615" cy="419100"/>
+          </a:xfrm>
+          <a:prstGeom prst="ellipse">
+            <a:avLst/>
+          </a:prstGeom>
+          <a:solidFill>
+            <a:schemeClr val="tx1"/>
+          </a:solidFill>
+        </p:spPr>
+        <p:style>
+          <a:lnRef idx="2">
+            <a:schemeClr val="accent6"/>
+          </a:lnRef>
+          <a:fillRef idx="1">
+            <a:schemeClr val="lt1"/>
+          </a:fillRef>
+          <a:effectRef idx="0">
+            <a:schemeClr val="accent6"/>
+          </a:effectRef>
+          <a:fontRef idx="minor">
+            <a:schemeClr val="dk1"/>
+          </a:fontRef>
+        </p:style>
+        <p:txBody>
+          <a:bodyPr rtlCol="0" anchor="ctr"/>
+          <a:lstStyle/>
+          <a:p>
+            <a:pPr algn="ctr"/>
+            <a:endParaRPr lang="en-US"/>
+          </a:p>
+        </p:txBody>
+      </p:sp>
+      <p:sp>
+        <p:nvSpPr>
+          <p:cNvPr id="16" name="Oval 15">
+            <a:extLst>
+              <a:ext uri="{FF2B5EF4-FFF2-40B4-BE49-F238E27FC236}">
+                <a16:creationId xmlns:a16="http://schemas.microsoft.com/office/drawing/2014/main" id="{4FFB33ED-AA84-CB81-98CE-E7B6947B3FA7}"/>
+              </a:ext>
+            </a:extLst>
+          </p:cNvPr>
+          <p:cNvSpPr/>
+          <p:nvPr/>
+        </p:nvSpPr>
+        <p:spPr>
+          <a:xfrm>
+            <a:off x="6807200" y="5740399"/>
+            <a:ext cx="424615" cy="419100"/>
+          </a:xfrm>
+          <a:prstGeom prst="ellipse">
+            <a:avLst/>
+          </a:prstGeom>
+        </p:spPr>
+        <p:style>
+          <a:lnRef idx="2">
+            <a:schemeClr val="accent6"/>
+          </a:lnRef>
+          <a:fillRef idx="1">
+            <a:schemeClr val="lt1"/>
+          </a:fillRef>
+          <a:effectRef idx="0">
+            <a:schemeClr val="accent6"/>
+          </a:effectRef>
+          <a:fontRef idx="minor">
+            <a:schemeClr val="dk1"/>
+          </a:fontRef>
+        </p:style>
+        <p:txBody>
+          <a:bodyPr rtlCol="0" anchor="ctr"/>
+          <a:lstStyle/>
+          <a:p>
+            <a:pPr algn="ctr"/>
+            <a:endParaRPr lang="en-US"/>
+          </a:p>
+        </p:txBody>
+      </p:sp>
+      <p:sp>
+        <p:nvSpPr>
+          <p:cNvPr id="17" name="Oval 16">
+            <a:extLst>
+              <a:ext uri="{FF2B5EF4-FFF2-40B4-BE49-F238E27FC236}">
+                <a16:creationId xmlns:a16="http://schemas.microsoft.com/office/drawing/2014/main" id="{684B7A9B-5303-1740-8C42-81E3C6F16EAC}"/>
+              </a:ext>
+            </a:extLst>
+          </p:cNvPr>
+          <p:cNvSpPr/>
+          <p:nvPr/>
+        </p:nvSpPr>
+        <p:spPr>
+          <a:xfrm>
+            <a:off x="7518400" y="5740399"/>
+            <a:ext cx="424615" cy="419100"/>
+          </a:xfrm>
+          <a:prstGeom prst="ellipse">
+            <a:avLst/>
+          </a:prstGeom>
+        </p:spPr>
+        <p:style>
+          <a:lnRef idx="2">
+            <a:schemeClr val="accent6"/>
+          </a:lnRef>
+          <a:fillRef idx="1">
+            <a:schemeClr val="lt1"/>
+          </a:fillRef>
+          <a:effectRef idx="0">
+            <a:schemeClr val="accent6"/>
+          </a:effectRef>
+          <a:fontRef idx="minor">
+            <a:schemeClr val="dk1"/>
+          </a:fontRef>
+        </p:style>
+        <p:txBody>
+          <a:bodyPr rtlCol="0" anchor="ctr"/>
+          <a:lstStyle/>
+          <a:p>
+            <a:pPr algn="ctr"/>
+            <a:endParaRPr lang="en-US"/>
+          </a:p>
+        </p:txBody>
+      </p:sp>
+      <p:sp>
+        <p:nvSpPr>
+          <p:cNvPr id="18" name="Oval 17">
+            <a:extLst>
+              <a:ext uri="{FF2B5EF4-FFF2-40B4-BE49-F238E27FC236}">
+                <a16:creationId xmlns:a16="http://schemas.microsoft.com/office/drawing/2014/main" id="{C7835D10-DE2D-E6D3-4180-95177CBF0BB4}"/>
+              </a:ext>
+            </a:extLst>
+          </p:cNvPr>
+          <p:cNvSpPr/>
+          <p:nvPr/>
+        </p:nvSpPr>
+        <p:spPr>
+          <a:xfrm>
+            <a:off x="3251200" y="5740399"/>
+            <a:ext cx="424615" cy="419100"/>
+          </a:xfrm>
+          <a:prstGeom prst="ellipse">
+            <a:avLst/>
+          </a:prstGeom>
+        </p:spPr>
+        <p:style>
+          <a:lnRef idx="2">
+            <a:schemeClr val="accent6"/>
+          </a:lnRef>
+          <a:fillRef idx="1">
+            <a:schemeClr val="lt1"/>
+          </a:fillRef>
+          <a:effectRef idx="0">
+            <a:schemeClr val="accent6"/>
+          </a:effectRef>
+          <a:fontRef idx="minor">
+            <a:schemeClr val="dk1"/>
+          </a:fontRef>
+        </p:style>
+        <p:txBody>
+          <a:bodyPr rtlCol="0" anchor="ctr"/>
+          <a:lstStyle/>
+          <a:p>
+            <a:pPr algn="ctr"/>
+            <a:endParaRPr lang="en-US"/>
+          </a:p>
+        </p:txBody>
+      </p:sp>
+      <p:sp>
+        <p:nvSpPr>
+          <p:cNvPr id="19" name="Oval 18">
+            <a:extLst>
+              <a:ext uri="{FF2B5EF4-FFF2-40B4-BE49-F238E27FC236}">
+                <a16:creationId xmlns:a16="http://schemas.microsoft.com/office/drawing/2014/main" id="{9C4B91F7-E687-AAD8-AA23-6D3E8EF7FD04}"/>
+              </a:ext>
+            </a:extLst>
+          </p:cNvPr>
+          <p:cNvSpPr/>
+          <p:nvPr/>
+        </p:nvSpPr>
+        <p:spPr>
+          <a:xfrm>
+            <a:off x="8229600" y="5740399"/>
+            <a:ext cx="424615" cy="419100"/>
+          </a:xfrm>
+          <a:prstGeom prst="ellipse">
+            <a:avLst/>
+          </a:prstGeom>
+          <a:solidFill>
+            <a:schemeClr val="tx1"/>
+          </a:solidFill>
+        </p:spPr>
+        <p:style>
+          <a:lnRef idx="2">
+            <a:schemeClr val="accent6"/>
+          </a:lnRef>
+          <a:fillRef idx="1">
+            <a:schemeClr val="lt1"/>
+          </a:fillRef>
+          <a:effectRef idx="0">
+            <a:schemeClr val="accent6"/>
+          </a:effectRef>
+          <a:fontRef idx="minor">
+            <a:schemeClr val="dk1"/>
+          </a:fontRef>
+        </p:style>
+        <p:txBody>
+          <a:bodyPr rtlCol="0" anchor="ctr"/>
+          <a:lstStyle/>
+          <a:p>
+            <a:pPr algn="ctr"/>
+            <a:endParaRPr lang="en-US"/>
+          </a:p>
+        </p:txBody>
+      </p:sp>
+      <p:grpSp>
+        <p:nvGrpSpPr>
+          <p:cNvPr id="36" name="Group 35">
+            <a:extLst>
+              <a:ext uri="{FF2B5EF4-FFF2-40B4-BE49-F238E27FC236}">
+                <a16:creationId xmlns:a16="http://schemas.microsoft.com/office/drawing/2014/main" id="{3CE5FC02-00C9-95F6-75CF-8DDC4F4F2AF1}"/>
+              </a:ext>
+            </a:extLst>
+          </p:cNvPr>
+          <p:cNvGrpSpPr/>
+          <p:nvPr/>
+        </p:nvGrpSpPr>
+        <p:grpSpPr>
+          <a:xfrm rot="5400000">
+            <a:off x="413288" y="3307243"/>
+            <a:ext cx="4054057" cy="313073"/>
+            <a:chOff x="1034215" y="2133601"/>
+            <a:chExt cx="5403015" cy="419100"/>
+          </a:xfrm>
+        </p:grpSpPr>
+        <p:sp>
+          <p:nvSpPr>
+            <p:cNvPr id="28" name="Oval 27">
+              <a:extLst>
+                <a:ext uri="{FF2B5EF4-FFF2-40B4-BE49-F238E27FC236}">
+                  <a16:creationId xmlns:a16="http://schemas.microsoft.com/office/drawing/2014/main" id="{24254E5C-BBB2-5177-6FA6-3A8D7BC993CB}"/>
+                </a:ext>
+              </a:extLst>
+            </p:cNvPr>
+            <p:cNvSpPr/>
+            <p:nvPr/>
+          </p:nvSpPr>
+          <p:spPr>
+            <a:xfrm>
+              <a:off x="1745415" y="2133601"/>
+              <a:ext cx="424615" cy="419100"/>
+            </a:xfrm>
+            <a:prstGeom prst="ellipse">
+              <a:avLst/>
+            </a:prstGeom>
+          </p:spPr>
+          <p:style>
+            <a:lnRef idx="2">
+              <a:schemeClr val="accent6"/>
+            </a:lnRef>
+            <a:fillRef idx="1">
+              <a:schemeClr val="lt1"/>
+            </a:fillRef>
+            <a:effectRef idx="0">
+              <a:schemeClr val="accent6"/>
+            </a:effectRef>
+            <a:fontRef idx="minor">
+              <a:schemeClr val="dk1"/>
+            </a:fontRef>
+          </p:style>
+          <p:txBody>
+            <a:bodyPr rtlCol="0" anchor="ctr"/>
+            <a:lstStyle/>
+            <a:p>
+              <a:pPr algn="ctr"/>
+              <a:endParaRPr lang="en-US"/>
+            </a:p>
+          </p:txBody>
+        </p:sp>
+        <p:sp>
+          <p:nvSpPr>
+            <p:cNvPr id="29" name="Oval 28">
+              <a:extLst>
+                <a:ext uri="{FF2B5EF4-FFF2-40B4-BE49-F238E27FC236}">
+                  <a16:creationId xmlns:a16="http://schemas.microsoft.com/office/drawing/2014/main" id="{65A051B9-F27B-4ED2-5B2C-4BE88698023E}"/>
+                </a:ext>
+              </a:extLst>
+            </p:cNvPr>
+            <p:cNvSpPr/>
+            <p:nvPr/>
+          </p:nvSpPr>
+          <p:spPr>
+            <a:xfrm>
+              <a:off x="2456615" y="2133601"/>
+              <a:ext cx="424615" cy="419100"/>
+            </a:xfrm>
+            <a:prstGeom prst="ellipse">
+              <a:avLst/>
+            </a:prstGeom>
+          </p:spPr>
+          <p:style>
+            <a:lnRef idx="2">
+              <a:schemeClr val="accent6"/>
+            </a:lnRef>
+            <a:fillRef idx="1">
+              <a:schemeClr val="lt1"/>
+            </a:fillRef>
+            <a:effectRef idx="0">
+              <a:schemeClr val="accent6"/>
+            </a:effectRef>
+            <a:fontRef idx="minor">
+              <a:schemeClr val="dk1"/>
+            </a:fontRef>
+          </p:style>
+          <p:txBody>
+            <a:bodyPr rtlCol="0" anchor="ctr"/>
+            <a:lstStyle/>
+            <a:p>
+              <a:pPr algn="ctr"/>
+              <a:endParaRPr lang="en-US"/>
+            </a:p>
+          </p:txBody>
+        </p:sp>
+        <p:sp>
+          <p:nvSpPr>
+            <p:cNvPr id="30" name="Oval 29">
+              <a:extLst>
+                <a:ext uri="{FF2B5EF4-FFF2-40B4-BE49-F238E27FC236}">
+                  <a16:creationId xmlns:a16="http://schemas.microsoft.com/office/drawing/2014/main" id="{2EAD5F0D-CB57-D59B-5502-E4857248F2F1}"/>
+                </a:ext>
+              </a:extLst>
+            </p:cNvPr>
+            <p:cNvSpPr/>
+            <p:nvPr/>
+          </p:nvSpPr>
+          <p:spPr>
+            <a:xfrm>
+              <a:off x="3167815" y="2133601"/>
+              <a:ext cx="424615" cy="419100"/>
+            </a:xfrm>
+            <a:prstGeom prst="ellipse">
+              <a:avLst/>
+            </a:prstGeom>
+          </p:spPr>
+          <p:style>
+            <a:lnRef idx="2">
+              <a:schemeClr val="accent6"/>
+            </a:lnRef>
+            <a:fillRef idx="1">
+              <a:schemeClr val="lt1"/>
+            </a:fillRef>
+            <a:effectRef idx="0">
+              <a:schemeClr val="accent6"/>
+            </a:effectRef>
+            <a:fontRef idx="minor">
+              <a:schemeClr val="dk1"/>
+            </a:fontRef>
+          </p:style>
+          <p:txBody>
+            <a:bodyPr rtlCol="0" anchor="ctr"/>
+            <a:lstStyle/>
+            <a:p>
+              <a:pPr algn="ctr"/>
+              <a:endParaRPr lang="en-US"/>
+            </a:p>
+          </p:txBody>
+        </p:sp>
+        <p:sp>
+          <p:nvSpPr>
+            <p:cNvPr id="31" name="Oval 30">
+              <a:extLst>
+                <a:ext uri="{FF2B5EF4-FFF2-40B4-BE49-F238E27FC236}">
+                  <a16:creationId xmlns:a16="http://schemas.microsoft.com/office/drawing/2014/main" id="{44246A56-B627-B10B-9A08-EF7C76212F2D}"/>
+                </a:ext>
+              </a:extLst>
+            </p:cNvPr>
+            <p:cNvSpPr/>
+            <p:nvPr/>
+          </p:nvSpPr>
+          <p:spPr>
+            <a:xfrm>
+              <a:off x="3879015" y="2133601"/>
+              <a:ext cx="424615" cy="419100"/>
+            </a:xfrm>
+            <a:prstGeom prst="ellipse">
+              <a:avLst/>
+            </a:prstGeom>
+          </p:spPr>
+          <p:style>
+            <a:lnRef idx="2">
+              <a:schemeClr val="accent6"/>
+            </a:lnRef>
+            <a:fillRef idx="1">
+              <a:schemeClr val="lt1"/>
+            </a:fillRef>
+            <a:effectRef idx="0">
+              <a:schemeClr val="accent6"/>
+            </a:effectRef>
+            <a:fontRef idx="minor">
+              <a:schemeClr val="dk1"/>
+            </a:fontRef>
+          </p:style>
+          <p:txBody>
+            <a:bodyPr rtlCol="0" anchor="ctr"/>
+            <a:lstStyle/>
+            <a:p>
+              <a:pPr algn="ctr"/>
+              <a:endParaRPr lang="en-US"/>
+            </a:p>
+          </p:txBody>
+        </p:sp>
+        <p:sp>
+          <p:nvSpPr>
+            <p:cNvPr id="32" name="Oval 31">
+              <a:extLst>
+                <a:ext uri="{FF2B5EF4-FFF2-40B4-BE49-F238E27FC236}">
+                  <a16:creationId xmlns:a16="http://schemas.microsoft.com/office/drawing/2014/main" id="{8577414A-0CE3-C06D-27AD-0ECFDF0E7713}"/>
+                </a:ext>
+              </a:extLst>
+            </p:cNvPr>
+            <p:cNvSpPr/>
+            <p:nvPr/>
+          </p:nvSpPr>
+          <p:spPr>
+            <a:xfrm>
+              <a:off x="4590215" y="2133601"/>
+              <a:ext cx="424615" cy="419100"/>
+            </a:xfrm>
+            <a:prstGeom prst="ellipse">
+              <a:avLst/>
+            </a:prstGeom>
+          </p:spPr>
+          <p:style>
+            <a:lnRef idx="2">
+              <a:schemeClr val="accent6"/>
+            </a:lnRef>
+            <a:fillRef idx="1">
+              <a:schemeClr val="lt1"/>
+            </a:fillRef>
+            <a:effectRef idx="0">
+              <a:schemeClr val="accent6"/>
+            </a:effectRef>
+            <a:fontRef idx="minor">
+              <a:schemeClr val="dk1"/>
+            </a:fontRef>
+          </p:style>
+          <p:txBody>
+            <a:bodyPr rtlCol="0" anchor="ctr"/>
+            <a:lstStyle/>
+            <a:p>
+              <a:pPr algn="ctr"/>
+              <a:endParaRPr lang="en-US"/>
+            </a:p>
+          </p:txBody>
+        </p:sp>
+        <p:sp>
+          <p:nvSpPr>
+            <p:cNvPr id="33" name="Oval 32">
+              <a:extLst>
+                <a:ext uri="{FF2B5EF4-FFF2-40B4-BE49-F238E27FC236}">
+                  <a16:creationId xmlns:a16="http://schemas.microsoft.com/office/drawing/2014/main" id="{5D994F0B-7F87-B28B-B4D7-AF66D50386EC}"/>
+                </a:ext>
+              </a:extLst>
+            </p:cNvPr>
+            <p:cNvSpPr/>
+            <p:nvPr/>
+          </p:nvSpPr>
+          <p:spPr>
+            <a:xfrm>
+              <a:off x="5301415" y="2133601"/>
+              <a:ext cx="424615" cy="419100"/>
+            </a:xfrm>
+            <a:prstGeom prst="ellipse">
+              <a:avLst/>
+            </a:prstGeom>
+          </p:spPr>
+          <p:style>
+            <a:lnRef idx="2">
+              <a:schemeClr val="accent6"/>
+            </a:lnRef>
+            <a:fillRef idx="1">
+              <a:schemeClr val="lt1"/>
+            </a:fillRef>
+            <a:effectRef idx="0">
+              <a:schemeClr val="accent6"/>
+            </a:effectRef>
+            <a:fontRef idx="minor">
+              <a:schemeClr val="dk1"/>
+            </a:fontRef>
+          </p:style>
+          <p:txBody>
+            <a:bodyPr rtlCol="0" anchor="ctr"/>
+            <a:lstStyle/>
+            <a:p>
+              <a:pPr algn="ctr"/>
+              <a:endParaRPr lang="en-US"/>
+            </a:p>
+          </p:txBody>
+        </p:sp>
+        <p:sp>
+          <p:nvSpPr>
+            <p:cNvPr id="34" name="Oval 33">
+              <a:extLst>
+                <a:ext uri="{FF2B5EF4-FFF2-40B4-BE49-F238E27FC236}">
+                  <a16:creationId xmlns:a16="http://schemas.microsoft.com/office/drawing/2014/main" id="{A8D44F9D-E613-7CF8-8CBB-E1F8A56D9B00}"/>
+                </a:ext>
+              </a:extLst>
+            </p:cNvPr>
+            <p:cNvSpPr/>
+            <p:nvPr/>
+          </p:nvSpPr>
+          <p:spPr>
+            <a:xfrm>
+              <a:off x="1034215" y="2133601"/>
+              <a:ext cx="424615" cy="419100"/>
+            </a:xfrm>
+            <a:prstGeom prst="ellipse">
+              <a:avLst/>
+            </a:prstGeom>
+            <a:solidFill>
+              <a:schemeClr val="tx1"/>
+            </a:solidFill>
+            <a:ln>
+              <a:solidFill>
+                <a:schemeClr val="tx1"/>
+              </a:solidFill>
+            </a:ln>
+          </p:spPr>
+          <p:style>
+            <a:lnRef idx="2">
+              <a:schemeClr val="accent6"/>
+            </a:lnRef>
+            <a:fillRef idx="1">
+              <a:schemeClr val="lt1"/>
+            </a:fillRef>
+            <a:effectRef idx="0">
+              <a:schemeClr val="accent6"/>
+            </a:effectRef>
+            <a:fontRef idx="minor">
+              <a:schemeClr val="dk1"/>
+            </a:fontRef>
+          </p:style>
+          <p:txBody>
+            <a:bodyPr rtlCol="0" anchor="ctr"/>
+            <a:lstStyle/>
+            <a:p>
+              <a:pPr algn="ctr"/>
+              <a:endParaRPr lang="en-US"/>
+            </a:p>
+          </p:txBody>
+        </p:sp>
+        <p:sp>
+          <p:nvSpPr>
+            <p:cNvPr id="35" name="Oval 34">
+              <a:extLst>
+                <a:ext uri="{FF2B5EF4-FFF2-40B4-BE49-F238E27FC236}">
+                  <a16:creationId xmlns:a16="http://schemas.microsoft.com/office/drawing/2014/main" id="{ED760614-7D16-1E43-8088-FD0208D4FF50}"/>
+                </a:ext>
+              </a:extLst>
+            </p:cNvPr>
+            <p:cNvSpPr/>
+            <p:nvPr/>
+          </p:nvSpPr>
+          <p:spPr>
+            <a:xfrm>
+              <a:off x="6012615" y="2133601"/>
+              <a:ext cx="424615" cy="419100"/>
+            </a:xfrm>
+            <a:prstGeom prst="ellipse">
+              <a:avLst/>
+            </a:prstGeom>
+          </p:spPr>
+          <p:style>
+            <a:lnRef idx="2">
+              <a:schemeClr val="accent6"/>
+            </a:lnRef>
+            <a:fillRef idx="1">
+              <a:schemeClr val="lt1"/>
+            </a:fillRef>
+            <a:effectRef idx="0">
+              <a:schemeClr val="accent6"/>
+            </a:effectRef>
+            <a:fontRef idx="minor">
+              <a:schemeClr val="dk1"/>
+            </a:fontRef>
+          </p:style>
+          <p:txBody>
+            <a:bodyPr rtlCol="0" anchor="ctr"/>
+            <a:lstStyle/>
+            <a:p>
+              <a:pPr algn="ctr"/>
+              <a:endParaRPr lang="en-US"/>
+            </a:p>
+          </p:txBody>
+        </p:sp>
+      </p:grpSp>
+      <p:grpSp>
+        <p:nvGrpSpPr>
+          <p:cNvPr id="37" name="Group 36">
+            <a:extLst>
+              <a:ext uri="{FF2B5EF4-FFF2-40B4-BE49-F238E27FC236}">
+                <a16:creationId xmlns:a16="http://schemas.microsoft.com/office/drawing/2014/main" id="{C0D96DB3-A44F-3941-A3FA-9C0890745CA1}"/>
+              </a:ext>
+            </a:extLst>
+          </p:cNvPr>
+          <p:cNvGrpSpPr/>
+          <p:nvPr/>
+        </p:nvGrpSpPr>
+        <p:grpSpPr>
+          <a:xfrm rot="5400000">
+            <a:off x="7235407" y="3218493"/>
+            <a:ext cx="4054057" cy="313073"/>
+            <a:chOff x="1034215" y="2133601"/>
+            <a:chExt cx="5403015" cy="419100"/>
+          </a:xfrm>
+        </p:grpSpPr>
+        <p:sp>
+          <p:nvSpPr>
+            <p:cNvPr id="38" name="Oval 37">
+              <a:extLst>
+                <a:ext uri="{FF2B5EF4-FFF2-40B4-BE49-F238E27FC236}">
+                  <a16:creationId xmlns:a16="http://schemas.microsoft.com/office/drawing/2014/main" id="{F743CD9A-E473-D645-F2C6-EA612DF16D7E}"/>
+                </a:ext>
+              </a:extLst>
+            </p:cNvPr>
+            <p:cNvSpPr/>
+            <p:nvPr/>
+          </p:nvSpPr>
+          <p:spPr>
+            <a:xfrm>
+              <a:off x="1745415" y="2133601"/>
+              <a:ext cx="424615" cy="419100"/>
+            </a:xfrm>
+            <a:prstGeom prst="ellipse">
+              <a:avLst/>
+            </a:prstGeom>
+          </p:spPr>
+          <p:style>
+            <a:lnRef idx="2">
+              <a:schemeClr val="accent6"/>
+            </a:lnRef>
+            <a:fillRef idx="1">
+              <a:schemeClr val="lt1"/>
+            </a:fillRef>
+            <a:effectRef idx="0">
+              <a:schemeClr val="accent6"/>
+            </a:effectRef>
+            <a:fontRef idx="minor">
+              <a:schemeClr val="dk1"/>
+            </a:fontRef>
+          </p:style>
+          <p:txBody>
+            <a:bodyPr rtlCol="0" anchor="ctr"/>
+            <a:lstStyle/>
+            <a:p>
+              <a:pPr algn="ctr"/>
+              <a:endParaRPr lang="en-US"/>
+            </a:p>
+          </p:txBody>
+        </p:sp>
+        <p:sp>
+          <p:nvSpPr>
+            <p:cNvPr id="39" name="Oval 38">
+              <a:extLst>
+                <a:ext uri="{FF2B5EF4-FFF2-40B4-BE49-F238E27FC236}">
+                  <a16:creationId xmlns:a16="http://schemas.microsoft.com/office/drawing/2014/main" id="{85BFE881-4086-0912-FB71-FF62B3541EEF}"/>
+                </a:ext>
+              </a:extLst>
+            </p:cNvPr>
+            <p:cNvSpPr/>
+            <p:nvPr/>
+          </p:nvSpPr>
+          <p:spPr>
+            <a:xfrm>
+              <a:off x="2456615" y="2133601"/>
+              <a:ext cx="424615" cy="419100"/>
+            </a:xfrm>
+            <a:prstGeom prst="ellipse">
+              <a:avLst/>
+            </a:prstGeom>
+          </p:spPr>
+          <p:style>
+            <a:lnRef idx="2">
+              <a:schemeClr val="accent6"/>
+            </a:lnRef>
+            <a:fillRef idx="1">
+              <a:schemeClr val="lt1"/>
+            </a:fillRef>
+            <a:effectRef idx="0">
+              <a:schemeClr val="accent6"/>
+            </a:effectRef>
+            <a:fontRef idx="minor">
+              <a:schemeClr val="dk1"/>
+            </a:fontRef>
+          </p:style>
+          <p:txBody>
+            <a:bodyPr rtlCol="0" anchor="ctr"/>
+            <a:lstStyle/>
+            <a:p>
+              <a:pPr algn="ctr"/>
+              <a:endParaRPr lang="en-US"/>
+            </a:p>
+          </p:txBody>
+        </p:sp>
+        <p:sp>
+          <p:nvSpPr>
+            <p:cNvPr id="40" name="Oval 39">
+              <a:extLst>
+                <a:ext uri="{FF2B5EF4-FFF2-40B4-BE49-F238E27FC236}">
+                  <a16:creationId xmlns:a16="http://schemas.microsoft.com/office/drawing/2014/main" id="{3B391D59-9ADE-5A3A-5C3E-59BC58241796}"/>
+                </a:ext>
+              </a:extLst>
+            </p:cNvPr>
+            <p:cNvSpPr/>
+            <p:nvPr/>
+          </p:nvSpPr>
+          <p:spPr>
+            <a:xfrm>
+              <a:off x="3167815" y="2133601"/>
+              <a:ext cx="424615" cy="419100"/>
+            </a:xfrm>
+            <a:prstGeom prst="ellipse">
+              <a:avLst/>
+            </a:prstGeom>
+          </p:spPr>
+          <p:style>
+            <a:lnRef idx="2">
+              <a:schemeClr val="accent6"/>
+            </a:lnRef>
+            <a:fillRef idx="1">
+              <a:schemeClr val="lt1"/>
+            </a:fillRef>
+            <a:effectRef idx="0">
+              <a:schemeClr val="accent6"/>
+            </a:effectRef>
+            <a:fontRef idx="minor">
+              <a:schemeClr val="dk1"/>
+            </a:fontRef>
+          </p:style>
+          <p:txBody>
+            <a:bodyPr rtlCol="0" anchor="ctr"/>
+            <a:lstStyle/>
+            <a:p>
+              <a:pPr algn="ctr"/>
+              <a:endParaRPr lang="en-US"/>
+            </a:p>
+          </p:txBody>
+        </p:sp>
+        <p:sp>
+          <p:nvSpPr>
+            <p:cNvPr id="41" name="Oval 40">
+              <a:extLst>
+                <a:ext uri="{FF2B5EF4-FFF2-40B4-BE49-F238E27FC236}">
+                  <a16:creationId xmlns:a16="http://schemas.microsoft.com/office/drawing/2014/main" id="{08965723-F3A5-0BCE-1C2A-00AF57F09EE0}"/>
+                </a:ext>
+              </a:extLst>
+            </p:cNvPr>
+            <p:cNvSpPr/>
+            <p:nvPr/>
+          </p:nvSpPr>
+          <p:spPr>
+            <a:xfrm>
+              <a:off x="3879015" y="2133601"/>
+              <a:ext cx="424615" cy="419100"/>
+            </a:xfrm>
+            <a:prstGeom prst="ellipse">
+              <a:avLst/>
+            </a:prstGeom>
+          </p:spPr>
+          <p:style>
+            <a:lnRef idx="2">
+              <a:schemeClr val="accent6"/>
+            </a:lnRef>
+            <a:fillRef idx="1">
+              <a:schemeClr val="lt1"/>
+            </a:fillRef>
+            <a:effectRef idx="0">
+              <a:schemeClr val="accent6"/>
+            </a:effectRef>
+            <a:fontRef idx="minor">
+              <a:schemeClr val="dk1"/>
+            </a:fontRef>
+          </p:style>
+          <p:txBody>
+            <a:bodyPr rtlCol="0" anchor="ctr"/>
+            <a:lstStyle/>
+            <a:p>
+              <a:pPr algn="ctr"/>
+              <a:endParaRPr lang="en-US"/>
+            </a:p>
+          </p:txBody>
+        </p:sp>
+        <p:sp>
+          <p:nvSpPr>
+            <p:cNvPr id="42" name="Oval 41">
+              <a:extLst>
+                <a:ext uri="{FF2B5EF4-FFF2-40B4-BE49-F238E27FC236}">
+                  <a16:creationId xmlns:a16="http://schemas.microsoft.com/office/drawing/2014/main" id="{F3559ACB-D6A3-DA41-841A-3EAB0F78A3C7}"/>
+                </a:ext>
+              </a:extLst>
+            </p:cNvPr>
+            <p:cNvSpPr/>
+            <p:nvPr/>
+          </p:nvSpPr>
+          <p:spPr>
+            <a:xfrm>
+              <a:off x="4590215" y="2133601"/>
+              <a:ext cx="424615" cy="419100"/>
+            </a:xfrm>
+            <a:prstGeom prst="ellipse">
+              <a:avLst/>
+            </a:prstGeom>
+          </p:spPr>
+          <p:style>
+            <a:lnRef idx="2">
+              <a:schemeClr val="accent6"/>
+            </a:lnRef>
+            <a:fillRef idx="1">
+              <a:schemeClr val="lt1"/>
+            </a:fillRef>
+            <a:effectRef idx="0">
+              <a:schemeClr val="accent6"/>
+            </a:effectRef>
+            <a:fontRef idx="minor">
+              <a:schemeClr val="dk1"/>
+            </a:fontRef>
+          </p:style>
+          <p:txBody>
+            <a:bodyPr rtlCol="0" anchor="ctr"/>
+            <a:lstStyle/>
+            <a:p>
+              <a:pPr algn="ctr"/>
+              <a:endParaRPr lang="en-US"/>
+            </a:p>
+          </p:txBody>
+        </p:sp>
+        <p:sp>
+          <p:nvSpPr>
+            <p:cNvPr id="43" name="Oval 42">
+              <a:extLst>
+                <a:ext uri="{FF2B5EF4-FFF2-40B4-BE49-F238E27FC236}">
+                  <a16:creationId xmlns:a16="http://schemas.microsoft.com/office/drawing/2014/main" id="{29EC8BB1-F54A-0B1F-4F7F-63455903E5DD}"/>
+                </a:ext>
+              </a:extLst>
+            </p:cNvPr>
+            <p:cNvSpPr/>
+            <p:nvPr/>
+          </p:nvSpPr>
+          <p:spPr>
+            <a:xfrm>
+              <a:off x="5301415" y="2133601"/>
+              <a:ext cx="424615" cy="419100"/>
+            </a:xfrm>
+            <a:prstGeom prst="ellipse">
+              <a:avLst/>
+            </a:prstGeom>
+          </p:spPr>
+          <p:style>
+            <a:lnRef idx="2">
+              <a:schemeClr val="accent6"/>
+            </a:lnRef>
+            <a:fillRef idx="1">
+              <a:schemeClr val="lt1"/>
+            </a:fillRef>
+            <a:effectRef idx="0">
+              <a:schemeClr val="accent6"/>
+            </a:effectRef>
+            <a:fontRef idx="minor">
+              <a:schemeClr val="dk1"/>
+            </a:fontRef>
+          </p:style>
+          <p:txBody>
+            <a:bodyPr rtlCol="0" anchor="ctr"/>
+            <a:lstStyle/>
+            <a:p>
+              <a:pPr algn="ctr"/>
+              <a:endParaRPr lang="en-US"/>
+            </a:p>
+          </p:txBody>
+        </p:sp>
+        <p:sp>
+          <p:nvSpPr>
+            <p:cNvPr id="44" name="Oval 43">
+              <a:extLst>
+                <a:ext uri="{FF2B5EF4-FFF2-40B4-BE49-F238E27FC236}">
+                  <a16:creationId xmlns:a16="http://schemas.microsoft.com/office/drawing/2014/main" id="{D638A7A5-A645-4994-2ED6-E509C50AE6AC}"/>
+                </a:ext>
+              </a:extLst>
+            </p:cNvPr>
+            <p:cNvSpPr/>
+            <p:nvPr/>
+          </p:nvSpPr>
+          <p:spPr>
+            <a:xfrm>
+              <a:off x="1034215" y="2133601"/>
+              <a:ext cx="424615" cy="419100"/>
+            </a:xfrm>
+            <a:prstGeom prst="ellipse">
+              <a:avLst/>
+            </a:prstGeom>
+          </p:spPr>
+          <p:style>
+            <a:lnRef idx="2">
+              <a:schemeClr val="accent6"/>
+            </a:lnRef>
+            <a:fillRef idx="1">
+              <a:schemeClr val="lt1"/>
+            </a:fillRef>
+            <a:effectRef idx="0">
+              <a:schemeClr val="accent6"/>
+            </a:effectRef>
+            <a:fontRef idx="minor">
+              <a:schemeClr val="dk1"/>
+            </a:fontRef>
+          </p:style>
+          <p:txBody>
+            <a:bodyPr rtlCol="0" anchor="ctr"/>
+            <a:lstStyle/>
+            <a:p>
+              <a:pPr algn="ctr"/>
+              <a:endParaRPr lang="en-US"/>
+            </a:p>
+          </p:txBody>
+        </p:sp>
+        <p:sp>
+          <p:nvSpPr>
+            <p:cNvPr id="45" name="Oval 44">
+              <a:extLst>
+                <a:ext uri="{FF2B5EF4-FFF2-40B4-BE49-F238E27FC236}">
+                  <a16:creationId xmlns:a16="http://schemas.microsoft.com/office/drawing/2014/main" id="{6E4BB029-8C4A-7760-F2B4-18E7E54DFE07}"/>
+                </a:ext>
+              </a:extLst>
+            </p:cNvPr>
+            <p:cNvSpPr/>
+            <p:nvPr/>
+          </p:nvSpPr>
+          <p:spPr>
+            <a:xfrm>
+              <a:off x="6012615" y="2133601"/>
+              <a:ext cx="424615" cy="419100"/>
+            </a:xfrm>
+            <a:prstGeom prst="ellipse">
+              <a:avLst/>
+            </a:prstGeom>
+            <a:solidFill>
+              <a:schemeClr val="tx1"/>
+            </a:solidFill>
+          </p:spPr>
+          <p:style>
+            <a:lnRef idx="2">
+              <a:schemeClr val="accent6"/>
+            </a:lnRef>
+            <a:fillRef idx="1">
+              <a:schemeClr val="lt1"/>
+            </a:fillRef>
+            <a:effectRef idx="0">
+              <a:schemeClr val="accent6"/>
+            </a:effectRef>
+            <a:fontRef idx="minor">
+              <a:schemeClr val="dk1"/>
+            </a:fontRef>
+          </p:style>
+          <p:txBody>
+            <a:bodyPr rtlCol="0" anchor="ctr"/>
+            <a:lstStyle/>
+            <a:p>
+              <a:pPr algn="ctr"/>
+              <a:endParaRPr lang="en-US"/>
+            </a:p>
+          </p:txBody>
+        </p:sp>
+      </p:grpSp>
+      <p:sp>
+        <p:nvSpPr>
+          <p:cNvPr id="46" name="TextBox 45">
+            <a:extLst>
+              <a:ext uri="{FF2B5EF4-FFF2-40B4-BE49-F238E27FC236}">
+                <a16:creationId xmlns:a16="http://schemas.microsoft.com/office/drawing/2014/main" id="{C8FD051D-AAD8-B25F-A53F-BD7A4EDBF69E}"/>
+              </a:ext>
+            </a:extLst>
+          </p:cNvPr>
+          <p:cNvSpPr txBox="1"/>
+          <p:nvPr/>
+        </p:nvSpPr>
+        <p:spPr>
+          <a:xfrm>
+            <a:off x="3136903" y="977066"/>
+            <a:ext cx="6614780" cy="369332"/>
+          </a:xfrm>
+          <a:prstGeom prst="rect">
+            <a:avLst/>
+          </a:prstGeom>
+          <a:noFill/>
+        </p:spPr>
+        <p:txBody>
+          <a:bodyPr wrap="square" rtlCol="0">
+            <a:spAutoFit/>
+          </a:bodyPr>
+          <a:lstStyle/>
+          <a:p>
+            <a:r>
+              <a:rPr lang="en-US" dirty="0"/>
+              <a:t>B2          2           A2          4           B5	6          18       		 </a:t>
+            </a:r>
+          </a:p>
+        </p:txBody>
+      </p:sp>
+      <p:sp>
+        <p:nvSpPr>
+          <p:cNvPr id="47" name="TextBox 46">
+            <a:extLst>
+              <a:ext uri="{FF2B5EF4-FFF2-40B4-BE49-F238E27FC236}">
+                <a16:creationId xmlns:a16="http://schemas.microsoft.com/office/drawing/2014/main" id="{5663A991-6DC8-6051-48F4-41292356968D}"/>
+              </a:ext>
+            </a:extLst>
+          </p:cNvPr>
+          <p:cNvSpPr txBox="1"/>
+          <p:nvPr/>
+        </p:nvSpPr>
+        <p:spPr>
+          <a:xfrm>
+            <a:off x="3225925" y="5404401"/>
+            <a:ext cx="6614780" cy="369332"/>
+          </a:xfrm>
+          <a:prstGeom prst="rect">
+            <a:avLst/>
+          </a:prstGeom>
+          <a:noFill/>
+        </p:spPr>
+        <p:txBody>
+          <a:bodyPr wrap="square" rtlCol="0">
+            <a:spAutoFit/>
+          </a:bodyPr>
+          <a:lstStyle/>
+          <a:p>
+            <a:r>
+              <a:rPr lang="en-US" dirty="0"/>
+              <a:t>B7           8          20         10                       11         12               		 </a:t>
+            </a:r>
+          </a:p>
+        </p:txBody>
+      </p:sp>
+      <p:sp>
+        <p:nvSpPr>
+          <p:cNvPr id="49" name="TextBox 48">
+            <a:extLst>
+              <a:ext uri="{FF2B5EF4-FFF2-40B4-BE49-F238E27FC236}">
+                <a16:creationId xmlns:a16="http://schemas.microsoft.com/office/drawing/2014/main" id="{2D4188AC-43CA-20FA-CCE8-4B001BC0C81D}"/>
+              </a:ext>
+            </a:extLst>
+          </p:cNvPr>
+          <p:cNvSpPr txBox="1"/>
+          <p:nvPr/>
+        </p:nvSpPr>
+        <p:spPr>
+          <a:xfrm>
+            <a:off x="3146010" y="239520"/>
+            <a:ext cx="6614780" cy="369332"/>
+          </a:xfrm>
+          <a:prstGeom prst="rect">
+            <a:avLst/>
+          </a:prstGeom>
+          <a:noFill/>
+        </p:spPr>
+        <p:txBody>
+          <a:bodyPr wrap="square" rtlCol="0">
+            <a:spAutoFit/>
+          </a:bodyPr>
+          <a:lstStyle/>
+          <a:p>
+            <a:r>
+              <a:rPr lang="en-US" dirty="0"/>
+              <a:t>	         </a:t>
+            </a:r>
+            <a:r>
+              <a:rPr lang="en-US" dirty="0">
+                <a:solidFill>
+                  <a:srgbClr val="FF0000"/>
+                </a:solidFill>
+              </a:rPr>
+              <a:t>IDC-                   IDC+</a:t>
+            </a:r>
+            <a:r>
+              <a:rPr lang="en-US" dirty="0"/>
+              <a:t>			 </a:t>
+            </a:r>
+          </a:p>
+        </p:txBody>
+      </p:sp>
+      <p:sp>
+        <p:nvSpPr>
+          <p:cNvPr id="50" name="TextBox 49">
+            <a:extLst>
+              <a:ext uri="{FF2B5EF4-FFF2-40B4-BE49-F238E27FC236}">
+                <a16:creationId xmlns:a16="http://schemas.microsoft.com/office/drawing/2014/main" id="{CAFF5267-6030-9F90-6558-A08F12C7D21A}"/>
+              </a:ext>
+            </a:extLst>
+          </p:cNvPr>
+          <p:cNvSpPr txBox="1"/>
+          <p:nvPr/>
+        </p:nvSpPr>
+        <p:spPr>
+          <a:xfrm>
+            <a:off x="4584699" y="6176965"/>
+            <a:ext cx="5281281" cy="646331"/>
+          </a:xfrm>
+          <a:prstGeom prst="rect">
+            <a:avLst/>
+          </a:prstGeom>
+          <a:noFill/>
+        </p:spPr>
+        <p:txBody>
+          <a:bodyPr wrap="square" rtlCol="0">
+            <a:spAutoFit/>
+          </a:bodyPr>
+          <a:lstStyle/>
+          <a:p>
+            <a:r>
+              <a:rPr lang="en-US" dirty="0"/>
+              <a:t>	          </a:t>
+            </a:r>
+            <a:r>
+              <a:rPr lang="en-US" dirty="0">
+                <a:solidFill>
+                  <a:srgbClr val="FF0000"/>
+                </a:solidFill>
+              </a:rPr>
+              <a:t>IDC-                                  IDC+</a:t>
+            </a:r>
+            <a:r>
+              <a:rPr lang="en-US" dirty="0"/>
+              <a:t>			 </a:t>
+            </a:r>
+          </a:p>
+        </p:txBody>
+      </p:sp>
+      <p:sp>
+        <p:nvSpPr>
+          <p:cNvPr id="51" name="TextBox 50">
+            <a:extLst>
+              <a:ext uri="{FF2B5EF4-FFF2-40B4-BE49-F238E27FC236}">
+                <a16:creationId xmlns:a16="http://schemas.microsoft.com/office/drawing/2014/main" id="{750DDA59-47DA-96FE-AFAE-23E66737628F}"/>
+              </a:ext>
+            </a:extLst>
+          </p:cNvPr>
+          <p:cNvSpPr txBox="1"/>
+          <p:nvPr/>
+        </p:nvSpPr>
+        <p:spPr>
+          <a:xfrm>
+            <a:off x="2663407" y="1904740"/>
+            <a:ext cx="889960" cy="4247317"/>
+          </a:xfrm>
+          <a:prstGeom prst="rect">
+            <a:avLst/>
+          </a:prstGeom>
+          <a:noFill/>
+        </p:spPr>
+        <p:txBody>
+          <a:bodyPr wrap="square" rtlCol="0">
+            <a:spAutoFit/>
+          </a:bodyPr>
+          <a:lstStyle/>
+          <a:p>
+            <a:r>
+              <a:rPr lang="en-US" dirty="0">
+                <a:solidFill>
+                  <a:srgbClr val="FF0000"/>
+                </a:solidFill>
+              </a:rPr>
+              <a:t>TF</a:t>
+            </a:r>
+          </a:p>
+          <a:p>
+            <a:endParaRPr lang="en-US" dirty="0">
+              <a:solidFill>
+                <a:srgbClr val="FF0000"/>
+              </a:solidFill>
+            </a:endParaRPr>
+          </a:p>
+          <a:p>
+            <a:r>
+              <a:rPr lang="en-US" dirty="0">
+                <a:solidFill>
+                  <a:srgbClr val="FF0000"/>
+                </a:solidFill>
+              </a:rPr>
+              <a:t>STI</a:t>
+            </a:r>
+          </a:p>
+          <a:p>
+            <a:endParaRPr lang="en-US" dirty="0">
+              <a:solidFill>
+                <a:srgbClr val="FF0000"/>
+              </a:solidFill>
+            </a:endParaRPr>
+          </a:p>
+          <a:p>
+            <a:r>
+              <a:rPr lang="en-US" dirty="0">
+                <a:solidFill>
+                  <a:srgbClr val="FF0000"/>
+                </a:solidFill>
+              </a:rPr>
+              <a:t>STM</a:t>
+            </a:r>
+          </a:p>
+          <a:p>
+            <a:endParaRPr lang="en-US" dirty="0">
+              <a:solidFill>
+                <a:srgbClr val="FF0000"/>
+              </a:solidFill>
+            </a:endParaRPr>
+          </a:p>
+          <a:p>
+            <a:r>
+              <a:rPr lang="en-US" dirty="0">
+                <a:solidFill>
+                  <a:srgbClr val="FF0000"/>
+                </a:solidFill>
+              </a:rPr>
+              <a:t>STO</a:t>
+            </a:r>
+          </a:p>
+          <a:p>
+            <a:endParaRPr lang="en-US" dirty="0">
+              <a:solidFill>
+                <a:srgbClr val="FF0000"/>
+              </a:solidFill>
+            </a:endParaRPr>
+          </a:p>
+          <a:p>
+            <a:r>
+              <a:rPr lang="en-US" dirty="0">
+                <a:solidFill>
+                  <a:srgbClr val="FF0000"/>
+                </a:solidFill>
+              </a:rPr>
+              <a:t>TOP</a:t>
+            </a:r>
+          </a:p>
+          <a:p>
+            <a:endParaRPr lang="en-US" dirty="0">
+              <a:solidFill>
+                <a:srgbClr val="FF0000"/>
+              </a:solidFill>
+            </a:endParaRPr>
+          </a:p>
+          <a:p>
+            <a:r>
+              <a:rPr lang="en-US" dirty="0">
+                <a:solidFill>
+                  <a:srgbClr val="FF0000"/>
+                </a:solidFill>
+              </a:rPr>
+              <a:t>DOOR</a:t>
+            </a:r>
+          </a:p>
+          <a:p>
+            <a:endParaRPr lang="en-US" dirty="0">
+              <a:solidFill>
+                <a:srgbClr val="FF0000"/>
+              </a:solidFill>
+            </a:endParaRPr>
+          </a:p>
+          <a:p>
+            <a:r>
+              <a:rPr lang="en-US" dirty="0">
+                <a:solidFill>
+                  <a:srgbClr val="FF0000"/>
+                </a:solidFill>
+              </a:rPr>
+              <a:t>TF</a:t>
+            </a:r>
+            <a:r>
+              <a:rPr lang="en-US" dirty="0"/>
+              <a:t>		 </a:t>
+            </a:r>
+          </a:p>
+        </p:txBody>
+      </p:sp>
+      <p:sp>
+        <p:nvSpPr>
+          <p:cNvPr id="52" name="TextBox 51">
+            <a:extLst>
+              <a:ext uri="{FF2B5EF4-FFF2-40B4-BE49-F238E27FC236}">
+                <a16:creationId xmlns:a16="http://schemas.microsoft.com/office/drawing/2014/main" id="{80C36223-0CDE-C763-8732-6B71FA4411DE}"/>
+              </a:ext>
+            </a:extLst>
+          </p:cNvPr>
+          <p:cNvSpPr txBox="1"/>
+          <p:nvPr/>
+        </p:nvSpPr>
+        <p:spPr>
+          <a:xfrm>
+            <a:off x="8193655" y="1299766"/>
+            <a:ext cx="889960" cy="4247317"/>
+          </a:xfrm>
+          <a:prstGeom prst="rect">
+            <a:avLst/>
+          </a:prstGeom>
+          <a:noFill/>
+        </p:spPr>
+        <p:txBody>
+          <a:bodyPr wrap="square" rtlCol="0">
+            <a:spAutoFit/>
+          </a:bodyPr>
+          <a:lstStyle/>
+          <a:p>
+            <a:pPr algn="r"/>
+            <a:r>
+              <a:rPr lang="en-US" dirty="0">
+                <a:solidFill>
+                  <a:srgbClr val="FF0000"/>
+                </a:solidFill>
+              </a:rPr>
+              <a:t>TF</a:t>
+            </a:r>
+          </a:p>
+          <a:p>
+            <a:pPr algn="r"/>
+            <a:endParaRPr lang="en-US" dirty="0">
+              <a:solidFill>
+                <a:srgbClr val="FF0000"/>
+              </a:solidFill>
+            </a:endParaRPr>
+          </a:p>
+          <a:p>
+            <a:pPr algn="r"/>
+            <a:r>
+              <a:rPr lang="en-US" dirty="0">
+                <a:solidFill>
+                  <a:srgbClr val="FF0000"/>
+                </a:solidFill>
+              </a:rPr>
+              <a:t>STI</a:t>
+            </a:r>
+          </a:p>
+          <a:p>
+            <a:pPr algn="r"/>
+            <a:endParaRPr lang="en-US" dirty="0">
+              <a:solidFill>
+                <a:srgbClr val="FF0000"/>
+              </a:solidFill>
+            </a:endParaRPr>
+          </a:p>
+          <a:p>
+            <a:pPr algn="r"/>
+            <a:r>
+              <a:rPr lang="en-US" dirty="0">
+                <a:solidFill>
+                  <a:srgbClr val="FF0000"/>
+                </a:solidFill>
+              </a:rPr>
+              <a:t>STM</a:t>
+            </a:r>
+          </a:p>
+          <a:p>
+            <a:pPr algn="r"/>
+            <a:endParaRPr lang="en-US" dirty="0">
+              <a:solidFill>
+                <a:srgbClr val="FF0000"/>
+              </a:solidFill>
+            </a:endParaRPr>
+          </a:p>
+          <a:p>
+            <a:pPr algn="r"/>
+            <a:r>
+              <a:rPr lang="en-US" dirty="0">
+                <a:solidFill>
+                  <a:srgbClr val="FF0000"/>
+                </a:solidFill>
+              </a:rPr>
+              <a:t>STO</a:t>
+            </a:r>
+          </a:p>
+          <a:p>
+            <a:pPr algn="r"/>
+            <a:endParaRPr lang="en-US" dirty="0">
+              <a:solidFill>
+                <a:srgbClr val="FF0000"/>
+              </a:solidFill>
+            </a:endParaRPr>
+          </a:p>
+          <a:p>
+            <a:pPr algn="r"/>
+            <a:r>
+              <a:rPr lang="en-US" dirty="0">
+                <a:solidFill>
+                  <a:srgbClr val="FF0000"/>
+                </a:solidFill>
+              </a:rPr>
+              <a:t>TOP</a:t>
+            </a:r>
+          </a:p>
+          <a:p>
+            <a:pPr algn="r"/>
+            <a:endParaRPr lang="en-US" dirty="0">
+              <a:solidFill>
+                <a:srgbClr val="FF0000"/>
+              </a:solidFill>
+            </a:endParaRPr>
+          </a:p>
+          <a:p>
+            <a:pPr algn="r"/>
+            <a:r>
+              <a:rPr lang="en-US" dirty="0">
+                <a:solidFill>
+                  <a:srgbClr val="FF0000"/>
+                </a:solidFill>
+              </a:rPr>
+              <a:t>DOOR</a:t>
+            </a:r>
+          </a:p>
+          <a:p>
+            <a:pPr algn="r"/>
+            <a:endParaRPr lang="en-US" dirty="0">
+              <a:solidFill>
+                <a:srgbClr val="FF0000"/>
+              </a:solidFill>
+            </a:endParaRPr>
+          </a:p>
+          <a:p>
+            <a:pPr algn="r"/>
+            <a:r>
+              <a:rPr lang="en-US" dirty="0">
+                <a:solidFill>
+                  <a:srgbClr val="FF0000"/>
+                </a:solidFill>
+              </a:rPr>
+              <a:t>TF</a:t>
+            </a:r>
+            <a:r>
+              <a:rPr lang="en-US" dirty="0"/>
+              <a:t>		 </a:t>
+            </a:r>
+          </a:p>
+        </p:txBody>
+      </p:sp>
+      <p:sp>
+        <p:nvSpPr>
+          <p:cNvPr id="53" name="TextBox 52">
+            <a:extLst>
+              <a:ext uri="{FF2B5EF4-FFF2-40B4-BE49-F238E27FC236}">
+                <a16:creationId xmlns:a16="http://schemas.microsoft.com/office/drawing/2014/main" id="{C325867C-4F2B-F64A-4F4B-053203657387}"/>
+              </a:ext>
+            </a:extLst>
+          </p:cNvPr>
+          <p:cNvSpPr txBox="1"/>
+          <p:nvPr/>
+        </p:nvSpPr>
+        <p:spPr>
+          <a:xfrm>
+            <a:off x="9526317" y="1264134"/>
+            <a:ext cx="2207931" cy="3970318"/>
+          </a:xfrm>
+          <a:prstGeom prst="rect">
+            <a:avLst/>
+          </a:prstGeom>
+          <a:noFill/>
+        </p:spPr>
+        <p:txBody>
+          <a:bodyPr wrap="square" rtlCol="0">
+            <a:spAutoFit/>
+          </a:bodyPr>
+          <a:lstStyle/>
+          <a:p>
+            <a:r>
+              <a:rPr lang="en-US" dirty="0"/>
+              <a:t>B3</a:t>
+            </a:r>
+          </a:p>
+          <a:p>
+            <a:endParaRPr lang="en-US" dirty="0"/>
+          </a:p>
+          <a:p>
+            <a:r>
+              <a:rPr lang="en-US" dirty="0"/>
+              <a:t>7</a:t>
+            </a:r>
+          </a:p>
+          <a:p>
+            <a:endParaRPr lang="en-US" dirty="0"/>
+          </a:p>
+          <a:p>
+            <a:r>
+              <a:rPr lang="en-US" dirty="0"/>
+              <a:t>A3</a:t>
+            </a:r>
+          </a:p>
+          <a:p>
+            <a:endParaRPr lang="en-US" dirty="0"/>
+          </a:p>
+          <a:p>
+            <a:r>
+              <a:rPr lang="en-US" dirty="0"/>
+              <a:t>21</a:t>
+            </a:r>
+          </a:p>
+          <a:p>
+            <a:endParaRPr lang="en-US" dirty="0"/>
+          </a:p>
+          <a:p>
+            <a:r>
+              <a:rPr lang="en-US" dirty="0"/>
+              <a:t>B6</a:t>
+            </a:r>
+          </a:p>
+          <a:p>
+            <a:endParaRPr lang="en-US" dirty="0"/>
+          </a:p>
+          <a:p>
+            <a:r>
+              <a:rPr lang="en-US" dirty="0"/>
+              <a:t>9</a:t>
+            </a:r>
+          </a:p>
+          <a:p>
+            <a:endParaRPr lang="en-US" dirty="0"/>
+          </a:p>
+          <a:p>
+            <a:r>
+              <a:rPr lang="en-US" dirty="0"/>
+              <a:t>23</a:t>
+            </a:r>
+          </a:p>
+          <a:p>
+            <a:endParaRPr lang="en-US" dirty="0"/>
+          </a:p>
+        </p:txBody>
+      </p:sp>
+      <p:sp>
+        <p:nvSpPr>
+          <p:cNvPr id="54" name="TextBox 53">
+            <a:extLst>
+              <a:ext uri="{FF2B5EF4-FFF2-40B4-BE49-F238E27FC236}">
+                <a16:creationId xmlns:a16="http://schemas.microsoft.com/office/drawing/2014/main" id="{9E06F266-7A01-5744-9437-CBD50A1E4612}"/>
+              </a:ext>
+            </a:extLst>
+          </p:cNvPr>
+          <p:cNvSpPr txBox="1"/>
+          <p:nvPr/>
+        </p:nvSpPr>
+        <p:spPr>
+          <a:xfrm>
+            <a:off x="1321433" y="1348001"/>
+            <a:ext cx="889960" cy="4247317"/>
+          </a:xfrm>
+          <a:prstGeom prst="rect">
+            <a:avLst/>
+          </a:prstGeom>
+          <a:noFill/>
+        </p:spPr>
+        <p:txBody>
+          <a:bodyPr wrap="square" rtlCol="0">
+            <a:spAutoFit/>
+          </a:bodyPr>
+          <a:lstStyle/>
+          <a:p>
+            <a:pPr algn="r"/>
+            <a:endParaRPr lang="en-US" dirty="0"/>
+          </a:p>
+          <a:p>
+            <a:pPr algn="r"/>
+            <a:endParaRPr lang="en-US" dirty="0"/>
+          </a:p>
+          <a:p>
+            <a:pPr algn="r"/>
+            <a:r>
+              <a:rPr lang="en-US" dirty="0"/>
+              <a:t>19</a:t>
+            </a:r>
+          </a:p>
+          <a:p>
+            <a:pPr algn="r"/>
+            <a:endParaRPr lang="en-US" dirty="0"/>
+          </a:p>
+          <a:p>
+            <a:pPr algn="r"/>
+            <a:r>
+              <a:rPr lang="en-US" dirty="0"/>
+              <a:t>5</a:t>
+            </a:r>
+          </a:p>
+          <a:p>
+            <a:pPr algn="r"/>
+            <a:endParaRPr lang="en-US" dirty="0"/>
+          </a:p>
+          <a:p>
+            <a:pPr algn="r"/>
+            <a:r>
+              <a:rPr lang="en-US" dirty="0"/>
+              <a:t>B4</a:t>
+            </a:r>
+          </a:p>
+          <a:p>
+            <a:pPr algn="r"/>
+            <a:endParaRPr lang="en-US" dirty="0"/>
+          </a:p>
+          <a:p>
+            <a:pPr algn="r"/>
+            <a:r>
+              <a:rPr lang="en-US" dirty="0"/>
+              <a:t>3</a:t>
+            </a:r>
+          </a:p>
+          <a:p>
+            <a:pPr algn="r"/>
+            <a:endParaRPr lang="en-US" dirty="0"/>
+          </a:p>
+          <a:p>
+            <a:pPr algn="r"/>
+            <a:r>
+              <a:rPr lang="en-US" dirty="0"/>
+              <a:t>A1</a:t>
+            </a:r>
+          </a:p>
+          <a:p>
+            <a:pPr algn="r"/>
+            <a:endParaRPr lang="en-US" dirty="0"/>
+          </a:p>
+          <a:p>
+            <a:pPr algn="r"/>
+            <a:r>
+              <a:rPr lang="en-US" dirty="0"/>
+              <a:t>1</a:t>
+            </a:r>
+          </a:p>
+          <a:p>
+            <a:pPr algn="r"/>
+            <a:endParaRPr lang="en-US" dirty="0"/>
+          </a:p>
+          <a:p>
+            <a:pPr algn="r"/>
+            <a:r>
+              <a:rPr lang="en-US" dirty="0"/>
+              <a:t>B1 </a:t>
+            </a:r>
+          </a:p>
+        </p:txBody>
+      </p:sp>
+      <p:sp>
+        <p:nvSpPr>
+          <p:cNvPr id="57" name="TextBox 56">
+            <a:extLst>
+              <a:ext uri="{FF2B5EF4-FFF2-40B4-BE49-F238E27FC236}">
+                <a16:creationId xmlns:a16="http://schemas.microsoft.com/office/drawing/2014/main" id="{8CB6E8DC-60A8-157A-FAE6-9080B8AA5521}"/>
+              </a:ext>
+            </a:extLst>
+          </p:cNvPr>
+          <p:cNvSpPr txBox="1"/>
+          <p:nvPr/>
+        </p:nvSpPr>
+        <p:spPr>
+          <a:xfrm>
+            <a:off x="9526324" y="242766"/>
+            <a:ext cx="1228367" cy="477054"/>
+          </a:xfrm>
+          <a:prstGeom prst="rect">
+            <a:avLst/>
+          </a:prstGeom>
+          <a:noFill/>
+        </p:spPr>
+        <p:txBody>
+          <a:bodyPr wrap="square" rtlCol="0">
+            <a:spAutoFit/>
+          </a:bodyPr>
+          <a:lstStyle/>
+          <a:p>
+            <a:r>
+              <a:rPr lang="en-US" sz="2500" b="1" dirty="0"/>
+              <a:t>Emitter </a:t>
+            </a:r>
+          </a:p>
+        </p:txBody>
+      </p:sp>
+      <p:sp>
+        <p:nvSpPr>
+          <p:cNvPr id="58" name="TextBox 57">
+            <a:extLst>
+              <a:ext uri="{FF2B5EF4-FFF2-40B4-BE49-F238E27FC236}">
+                <a16:creationId xmlns:a16="http://schemas.microsoft.com/office/drawing/2014/main" id="{B0F09814-8233-60F9-F849-9688132D266F}"/>
+              </a:ext>
+            </a:extLst>
+          </p:cNvPr>
+          <p:cNvSpPr txBox="1"/>
+          <p:nvPr/>
+        </p:nvSpPr>
+        <p:spPr>
+          <a:xfrm>
+            <a:off x="10034981" y="871170"/>
+            <a:ext cx="1005936" cy="323165"/>
+          </a:xfrm>
+          <a:prstGeom prst="rect">
+            <a:avLst/>
+          </a:prstGeom>
+          <a:noFill/>
+        </p:spPr>
+        <p:txBody>
+          <a:bodyPr wrap="square" rtlCol="0">
+            <a:spAutoFit/>
+          </a:bodyPr>
+          <a:lstStyle/>
+          <a:p>
+            <a:pPr algn="ctr"/>
+            <a:r>
+              <a:rPr lang="en-US" sz="1500" u="sng" dirty="0"/>
+              <a:t>DAC</a:t>
+            </a:r>
+          </a:p>
+        </p:txBody>
+      </p:sp>
+      <p:sp>
+        <p:nvSpPr>
+          <p:cNvPr id="59" name="TextBox 58">
+            <a:extLst>
+              <a:ext uri="{FF2B5EF4-FFF2-40B4-BE49-F238E27FC236}">
+                <a16:creationId xmlns:a16="http://schemas.microsoft.com/office/drawing/2014/main" id="{5F4F476E-9695-1579-9290-DEBFF602063D}"/>
+              </a:ext>
+            </a:extLst>
+          </p:cNvPr>
+          <p:cNvSpPr txBox="1"/>
+          <p:nvPr/>
+        </p:nvSpPr>
+        <p:spPr>
+          <a:xfrm>
+            <a:off x="1446540" y="871853"/>
+            <a:ext cx="1150313" cy="553998"/>
+          </a:xfrm>
+          <a:prstGeom prst="rect">
+            <a:avLst/>
+          </a:prstGeom>
+          <a:noFill/>
+        </p:spPr>
+        <p:txBody>
+          <a:bodyPr wrap="square" rtlCol="0">
+            <a:spAutoFit/>
+          </a:bodyPr>
+          <a:lstStyle/>
+          <a:p>
+            <a:pPr algn="ctr"/>
+            <a:r>
+              <a:rPr lang="en-US" sz="1500" u="sng" dirty="0">
+                <a:highlight>
+                  <a:srgbClr val="FFFF00"/>
+                </a:highlight>
+              </a:rPr>
+              <a:t>Breakout Box</a:t>
+            </a:r>
+          </a:p>
+        </p:txBody>
+      </p:sp>
+      <p:sp>
+        <p:nvSpPr>
+          <p:cNvPr id="60" name="TextBox 59">
+            <a:extLst>
+              <a:ext uri="{FF2B5EF4-FFF2-40B4-BE49-F238E27FC236}">
+                <a16:creationId xmlns:a16="http://schemas.microsoft.com/office/drawing/2014/main" id="{5048B5D2-D522-E12D-4EC9-4A0331B97853}"/>
+              </a:ext>
+            </a:extLst>
+          </p:cNvPr>
+          <p:cNvSpPr txBox="1"/>
+          <p:nvPr/>
+        </p:nvSpPr>
+        <p:spPr>
+          <a:xfrm>
+            <a:off x="798728" y="933889"/>
+            <a:ext cx="1005936" cy="323165"/>
+          </a:xfrm>
+          <a:prstGeom prst="rect">
+            <a:avLst/>
+          </a:prstGeom>
+          <a:noFill/>
+        </p:spPr>
+        <p:txBody>
+          <a:bodyPr wrap="square" rtlCol="0">
+            <a:spAutoFit/>
+          </a:bodyPr>
+          <a:lstStyle/>
+          <a:p>
+            <a:pPr algn="ctr"/>
+            <a:r>
+              <a:rPr lang="en-US" sz="1500" u="sng" dirty="0"/>
+              <a:t>DAC</a:t>
+            </a:r>
+          </a:p>
+        </p:txBody>
+      </p:sp>
+      <p:sp>
+        <p:nvSpPr>
+          <p:cNvPr id="61" name="TextBox 60">
+            <a:extLst>
+              <a:ext uri="{FF2B5EF4-FFF2-40B4-BE49-F238E27FC236}">
+                <a16:creationId xmlns:a16="http://schemas.microsoft.com/office/drawing/2014/main" id="{1181AB07-17F0-53A1-3A3A-59B745C0091C}"/>
+              </a:ext>
+            </a:extLst>
+          </p:cNvPr>
+          <p:cNvSpPr txBox="1"/>
+          <p:nvPr/>
+        </p:nvSpPr>
+        <p:spPr>
+          <a:xfrm>
+            <a:off x="9141420" y="761010"/>
+            <a:ext cx="1150313" cy="553998"/>
+          </a:xfrm>
+          <a:prstGeom prst="rect">
+            <a:avLst/>
+          </a:prstGeom>
+          <a:noFill/>
+        </p:spPr>
+        <p:txBody>
+          <a:bodyPr wrap="square" rtlCol="0">
+            <a:spAutoFit/>
+          </a:bodyPr>
+          <a:lstStyle/>
+          <a:p>
+            <a:pPr algn="ctr"/>
+            <a:r>
+              <a:rPr lang="en-US" sz="1500" u="sng" dirty="0">
+                <a:highlight>
+                  <a:srgbClr val="FFFF00"/>
+                </a:highlight>
+              </a:rPr>
+              <a:t>Breakout Box</a:t>
+            </a:r>
+          </a:p>
+        </p:txBody>
+      </p:sp>
+      <p:sp>
+        <p:nvSpPr>
+          <p:cNvPr id="62" name="TextBox 61">
+            <a:extLst>
+              <a:ext uri="{FF2B5EF4-FFF2-40B4-BE49-F238E27FC236}">
+                <a16:creationId xmlns:a16="http://schemas.microsoft.com/office/drawing/2014/main" id="{B09A44DC-882D-1D8F-AF51-2ECEF249B540}"/>
+              </a:ext>
+            </a:extLst>
+          </p:cNvPr>
+          <p:cNvSpPr txBox="1"/>
+          <p:nvPr/>
+        </p:nvSpPr>
+        <p:spPr>
+          <a:xfrm>
+            <a:off x="1168098" y="376016"/>
+            <a:ext cx="1707196" cy="477054"/>
+          </a:xfrm>
+          <a:prstGeom prst="rect">
+            <a:avLst/>
+          </a:prstGeom>
+          <a:noFill/>
+        </p:spPr>
+        <p:txBody>
+          <a:bodyPr wrap="square" rtlCol="0">
+            <a:spAutoFit/>
+          </a:bodyPr>
+          <a:lstStyle/>
+          <a:p>
+            <a:r>
+              <a:rPr lang="en-US" sz="2500" b="1" dirty="0"/>
+              <a:t>Collector </a:t>
+            </a:r>
+          </a:p>
+        </p:txBody>
+      </p:sp>
+      <p:sp>
+        <p:nvSpPr>
+          <p:cNvPr id="2" name="TextBox 1">
+            <a:extLst>
+              <a:ext uri="{FF2B5EF4-FFF2-40B4-BE49-F238E27FC236}">
+                <a16:creationId xmlns:a16="http://schemas.microsoft.com/office/drawing/2014/main" id="{3CE2F2D1-1F93-2858-CCB9-6A3603B1EB63}"/>
+              </a:ext>
+            </a:extLst>
+          </p:cNvPr>
+          <p:cNvSpPr txBox="1"/>
+          <p:nvPr/>
+        </p:nvSpPr>
+        <p:spPr>
+          <a:xfrm>
+            <a:off x="4554711" y="1264082"/>
+            <a:ext cx="2163589" cy="646331"/>
+          </a:xfrm>
+          <a:prstGeom prst="rect">
+            <a:avLst/>
+          </a:prstGeom>
+          <a:noFill/>
+        </p:spPr>
+        <p:txBody>
+          <a:bodyPr wrap="square" rtlCol="0">
+            <a:spAutoFit/>
+          </a:bodyPr>
+          <a:lstStyle/>
+          <a:p>
+            <a:r>
+              <a:rPr lang="en-US" dirty="0"/>
+              <a:t>12	           8			</a:t>
+            </a:r>
+          </a:p>
+        </p:txBody>
+      </p:sp>
+      <p:sp>
+        <p:nvSpPr>
+          <p:cNvPr id="3" name="TextBox 2">
+            <a:extLst>
+              <a:ext uri="{FF2B5EF4-FFF2-40B4-BE49-F238E27FC236}">
+                <a16:creationId xmlns:a16="http://schemas.microsoft.com/office/drawing/2014/main" id="{9C27952F-FDE3-0977-7C48-77A1F0B715D9}"/>
+              </a:ext>
+            </a:extLst>
+          </p:cNvPr>
+          <p:cNvSpPr txBox="1"/>
+          <p:nvPr/>
+        </p:nvSpPr>
+        <p:spPr>
+          <a:xfrm>
+            <a:off x="3975875" y="2444561"/>
+            <a:ext cx="1187574" cy="369332"/>
+          </a:xfrm>
+          <a:prstGeom prst="rect">
+            <a:avLst/>
+          </a:prstGeom>
+          <a:noFill/>
+        </p:spPr>
+        <p:txBody>
+          <a:bodyPr wrap="square" rtlCol="0">
+            <a:spAutoFit/>
+          </a:bodyPr>
+          <a:lstStyle/>
+          <a:p>
+            <a:r>
+              <a:rPr lang="en-US" dirty="0"/>
+              <a:t>14, 15</a:t>
+            </a:r>
+          </a:p>
+        </p:txBody>
+      </p:sp>
+      <p:sp>
+        <p:nvSpPr>
+          <p:cNvPr id="20" name="Rectangle 19">
+            <a:extLst>
+              <a:ext uri="{FF2B5EF4-FFF2-40B4-BE49-F238E27FC236}">
+                <a16:creationId xmlns:a16="http://schemas.microsoft.com/office/drawing/2014/main" id="{C1643F35-E1BE-4EB7-E630-B306BC4C020A}"/>
+              </a:ext>
+            </a:extLst>
+          </p:cNvPr>
+          <p:cNvSpPr/>
+          <p:nvPr/>
+        </p:nvSpPr>
+        <p:spPr>
+          <a:xfrm>
+            <a:off x="4298115" y="3267513"/>
+            <a:ext cx="1086685" cy="927249"/>
+          </a:xfrm>
+          <a:prstGeom prst="rect">
+            <a:avLst/>
+          </a:prstGeom>
+          <a:ln>
+            <a:solidFill>
+              <a:schemeClr val="tx1"/>
+            </a:solidFill>
+          </a:ln>
+        </p:spPr>
+        <p:style>
+          <a:lnRef idx="2">
+            <a:schemeClr val="accent6"/>
+          </a:lnRef>
+          <a:fillRef idx="1">
+            <a:schemeClr val="lt1"/>
+          </a:fillRef>
+          <a:effectRef idx="0">
+            <a:schemeClr val="accent6"/>
+          </a:effectRef>
+          <a:fontRef idx="minor">
+            <a:schemeClr val="dk1"/>
+          </a:fontRef>
+        </p:style>
+        <p:txBody>
+          <a:bodyPr rtlCol="0" anchor="ctr"/>
+          <a:lstStyle/>
+          <a:p>
+            <a:pPr algn="ctr"/>
+            <a:endParaRPr lang="en-US"/>
+          </a:p>
+        </p:txBody>
+      </p:sp>
+      <p:cxnSp>
+        <p:nvCxnSpPr>
+          <p:cNvPr id="22" name="Straight Connector 21">
+            <a:extLst>
+              <a:ext uri="{FF2B5EF4-FFF2-40B4-BE49-F238E27FC236}">
+                <a16:creationId xmlns:a16="http://schemas.microsoft.com/office/drawing/2014/main" id="{E81C3B4B-2CDE-5A4A-BF94-EE1F6445693D}"/>
+              </a:ext>
+            </a:extLst>
+          </p:cNvPr>
+          <p:cNvCxnSpPr/>
+          <p:nvPr/>
+        </p:nvCxnSpPr>
+        <p:spPr>
+          <a:xfrm flipV="1">
+            <a:off x="4298115" y="2822626"/>
+            <a:ext cx="0" cy="444887"/>
+          </a:xfrm>
+          <a:prstGeom prst="line">
+            <a:avLst/>
+          </a:prstGeom>
+        </p:spPr>
+        <p:style>
+          <a:lnRef idx="1">
+            <a:schemeClr val="dk1"/>
+          </a:lnRef>
+          <a:fillRef idx="0">
+            <a:schemeClr val="dk1"/>
+          </a:fillRef>
+          <a:effectRef idx="0">
+            <a:schemeClr val="dk1"/>
+          </a:effectRef>
+          <a:fontRef idx="minor">
+            <a:schemeClr val="tx1"/>
+          </a:fontRef>
+        </p:style>
+      </p:cxnSp>
+      <p:cxnSp>
+        <p:nvCxnSpPr>
+          <p:cNvPr id="23" name="Straight Connector 22">
+            <a:extLst>
+              <a:ext uri="{FF2B5EF4-FFF2-40B4-BE49-F238E27FC236}">
+                <a16:creationId xmlns:a16="http://schemas.microsoft.com/office/drawing/2014/main" id="{67918EA7-1EDA-C618-0191-23ACB6650403}"/>
+              </a:ext>
+            </a:extLst>
+          </p:cNvPr>
+          <p:cNvCxnSpPr/>
+          <p:nvPr/>
+        </p:nvCxnSpPr>
+        <p:spPr>
+          <a:xfrm flipV="1">
+            <a:off x="5384800" y="2815216"/>
+            <a:ext cx="0" cy="444887"/>
+          </a:xfrm>
+          <a:prstGeom prst="line">
+            <a:avLst/>
+          </a:prstGeom>
+        </p:spPr>
+        <p:style>
+          <a:lnRef idx="1">
+            <a:schemeClr val="dk1"/>
+          </a:lnRef>
+          <a:fillRef idx="0">
+            <a:schemeClr val="dk1"/>
+          </a:fillRef>
+          <a:effectRef idx="0">
+            <a:schemeClr val="dk1"/>
+          </a:effectRef>
+          <a:fontRef idx="minor">
+            <a:schemeClr val="tx1"/>
+          </a:fontRef>
+        </p:style>
+      </p:cxnSp>
+      <p:sp>
+        <p:nvSpPr>
+          <p:cNvPr id="24" name="TextBox 23">
+            <a:extLst>
+              <a:ext uri="{FF2B5EF4-FFF2-40B4-BE49-F238E27FC236}">
+                <a16:creationId xmlns:a16="http://schemas.microsoft.com/office/drawing/2014/main" id="{AE468BB3-142E-54E1-6877-1F16AEC38D8B}"/>
+              </a:ext>
+            </a:extLst>
+          </p:cNvPr>
+          <p:cNvSpPr txBox="1"/>
+          <p:nvPr/>
+        </p:nvSpPr>
+        <p:spPr>
+          <a:xfrm>
+            <a:off x="35458" y="5886387"/>
+            <a:ext cx="6771741" cy="1200329"/>
+          </a:xfrm>
+          <a:prstGeom prst="rect">
+            <a:avLst/>
+          </a:prstGeom>
+          <a:noFill/>
+        </p:spPr>
+        <p:txBody>
+          <a:bodyPr wrap="square" rtlCol="0">
+            <a:spAutoFit/>
+          </a:bodyPr>
+          <a:lstStyle/>
+          <a:p>
+            <a:r>
+              <a:rPr lang="en-US" dirty="0" err="1"/>
+              <a:t>STIBiasC</a:t>
+            </a:r>
+            <a:r>
+              <a:rPr lang="en-US" dirty="0"/>
+              <a:t>  = 2 (STI bias tee box)</a:t>
+            </a:r>
+          </a:p>
+          <a:p>
+            <a:r>
+              <a:rPr lang="en-US" dirty="0" err="1"/>
+              <a:t>STOBiasC</a:t>
+            </a:r>
+            <a:r>
+              <a:rPr lang="en-US" dirty="0"/>
+              <a:t> = 22 ( STO bias tee box)</a:t>
+            </a:r>
+          </a:p>
+          <a:p>
+            <a:r>
+              <a:rPr lang="en-US" dirty="0"/>
+              <a:t>Filament top plate DAC = 5, </a:t>
+            </a:r>
+            <a:r>
+              <a:rPr lang="en-US" sz="1500" dirty="0"/>
+              <a:t>note: don’t use DAC port 17 (short to ground)</a:t>
+            </a:r>
+          </a:p>
+          <a:p>
+            <a:endParaRPr lang="en-US" dirty="0"/>
+          </a:p>
+        </p:txBody>
+      </p:sp>
+      <p:sp>
+        <p:nvSpPr>
+          <p:cNvPr id="25" name="TextBox 24">
+            <a:extLst>
+              <a:ext uri="{FF2B5EF4-FFF2-40B4-BE49-F238E27FC236}">
+                <a16:creationId xmlns:a16="http://schemas.microsoft.com/office/drawing/2014/main" id="{71E5A285-8E9D-1377-F645-830EB876F87C}"/>
+              </a:ext>
+            </a:extLst>
+          </p:cNvPr>
+          <p:cNvSpPr txBox="1"/>
+          <p:nvPr/>
+        </p:nvSpPr>
+        <p:spPr>
+          <a:xfrm>
+            <a:off x="4992170" y="2464454"/>
+            <a:ext cx="1187574" cy="369332"/>
+          </a:xfrm>
+          <a:prstGeom prst="rect">
+            <a:avLst/>
+          </a:prstGeom>
+          <a:noFill/>
+        </p:spPr>
+        <p:txBody>
+          <a:bodyPr wrap="square" rtlCol="0">
+            <a:spAutoFit/>
+          </a:bodyPr>
+          <a:lstStyle/>
+          <a:p>
+            <a:r>
+              <a:rPr lang="en-US" dirty="0"/>
+              <a:t>16,17</a:t>
+            </a:r>
+          </a:p>
+        </p:txBody>
+      </p:sp>
+      <p:cxnSp>
+        <p:nvCxnSpPr>
+          <p:cNvPr id="26" name="Straight Connector 25">
+            <a:extLst>
+              <a:ext uri="{FF2B5EF4-FFF2-40B4-BE49-F238E27FC236}">
+                <a16:creationId xmlns:a16="http://schemas.microsoft.com/office/drawing/2014/main" id="{50CFE8E3-E1A3-4895-8585-DB71816B711A}"/>
+              </a:ext>
+            </a:extLst>
+          </p:cNvPr>
+          <p:cNvCxnSpPr>
+            <a:cxnSpLocks/>
+          </p:cNvCxnSpPr>
+          <p:nvPr/>
+        </p:nvCxnSpPr>
+        <p:spPr>
+          <a:xfrm flipV="1">
+            <a:off x="6257507" y="2936776"/>
+            <a:ext cx="0" cy="730471"/>
+          </a:xfrm>
+          <a:prstGeom prst="line">
+            <a:avLst/>
+          </a:prstGeom>
+        </p:spPr>
+        <p:style>
+          <a:lnRef idx="1">
+            <a:schemeClr val="dk1"/>
+          </a:lnRef>
+          <a:fillRef idx="0">
+            <a:schemeClr val="dk1"/>
+          </a:fillRef>
+          <a:effectRef idx="0">
+            <a:schemeClr val="dk1"/>
+          </a:effectRef>
+          <a:fontRef idx="minor">
+            <a:schemeClr val="tx1"/>
+          </a:fontRef>
+        </p:style>
+      </p:cxnSp>
+      <p:cxnSp>
+        <p:nvCxnSpPr>
+          <p:cNvPr id="48" name="Straight Connector 47">
+            <a:extLst>
+              <a:ext uri="{FF2B5EF4-FFF2-40B4-BE49-F238E27FC236}">
+                <a16:creationId xmlns:a16="http://schemas.microsoft.com/office/drawing/2014/main" id="{C07DA571-72DA-1D97-DB7D-290855F5E667}"/>
+              </a:ext>
+            </a:extLst>
+          </p:cNvPr>
+          <p:cNvCxnSpPr>
+            <a:cxnSpLocks/>
+          </p:cNvCxnSpPr>
+          <p:nvPr/>
+        </p:nvCxnSpPr>
+        <p:spPr>
+          <a:xfrm flipV="1">
+            <a:off x="7556500" y="2920267"/>
+            <a:ext cx="0" cy="730471"/>
+          </a:xfrm>
+          <a:prstGeom prst="line">
+            <a:avLst/>
+          </a:prstGeom>
+        </p:spPr>
+        <p:style>
+          <a:lnRef idx="1">
+            <a:schemeClr val="dk1"/>
+          </a:lnRef>
+          <a:fillRef idx="0">
+            <a:schemeClr val="dk1"/>
+          </a:fillRef>
+          <a:effectRef idx="0">
+            <a:schemeClr val="dk1"/>
+          </a:effectRef>
+          <a:fontRef idx="minor">
+            <a:schemeClr val="tx1"/>
+          </a:fontRef>
+        </p:style>
+      </p:cxnSp>
+      <p:cxnSp>
+        <p:nvCxnSpPr>
+          <p:cNvPr id="63" name="Straight Connector 62">
+            <a:extLst>
+              <a:ext uri="{FF2B5EF4-FFF2-40B4-BE49-F238E27FC236}">
+                <a16:creationId xmlns:a16="http://schemas.microsoft.com/office/drawing/2014/main" id="{A9947C84-3433-012B-5A2A-CC7CD67ED071}"/>
+              </a:ext>
+            </a:extLst>
+          </p:cNvPr>
+          <p:cNvCxnSpPr>
+            <a:cxnSpLocks/>
+          </p:cNvCxnSpPr>
+          <p:nvPr/>
+        </p:nvCxnSpPr>
+        <p:spPr>
+          <a:xfrm>
+            <a:off x="6257507" y="3654224"/>
+            <a:ext cx="1307382" cy="0"/>
+          </a:xfrm>
+          <a:prstGeom prst="line">
+            <a:avLst/>
+          </a:prstGeom>
+        </p:spPr>
+        <p:style>
+          <a:lnRef idx="1">
+            <a:schemeClr val="dk1"/>
+          </a:lnRef>
+          <a:fillRef idx="0">
+            <a:schemeClr val="dk1"/>
+          </a:fillRef>
+          <a:effectRef idx="0">
+            <a:schemeClr val="dk1"/>
+          </a:effectRef>
+          <a:fontRef idx="minor">
+            <a:schemeClr val="tx1"/>
+          </a:fontRef>
+        </p:style>
+      </p:cxnSp>
+      <p:cxnSp>
+        <p:nvCxnSpPr>
+          <p:cNvPr id="66" name="Straight Connector 65">
+            <a:extLst>
+              <a:ext uri="{FF2B5EF4-FFF2-40B4-BE49-F238E27FC236}">
+                <a16:creationId xmlns:a16="http://schemas.microsoft.com/office/drawing/2014/main" id="{120E34FC-5BEC-E7DB-E058-549041E4555A}"/>
+              </a:ext>
+            </a:extLst>
+          </p:cNvPr>
+          <p:cNvCxnSpPr>
+            <a:cxnSpLocks/>
+          </p:cNvCxnSpPr>
+          <p:nvPr/>
+        </p:nvCxnSpPr>
+        <p:spPr>
+          <a:xfrm>
+            <a:off x="6219407" y="4104933"/>
+            <a:ext cx="1307382" cy="0"/>
+          </a:xfrm>
+          <a:prstGeom prst="line">
+            <a:avLst/>
+          </a:prstGeom>
+        </p:spPr>
+        <p:style>
+          <a:lnRef idx="1">
+            <a:schemeClr val="dk1"/>
+          </a:lnRef>
+          <a:fillRef idx="0">
+            <a:schemeClr val="dk1"/>
+          </a:fillRef>
+          <a:effectRef idx="0">
+            <a:schemeClr val="dk1"/>
+          </a:effectRef>
+          <a:fontRef idx="minor">
+            <a:schemeClr val="tx1"/>
+          </a:fontRef>
+        </p:style>
+      </p:cxnSp>
+      <p:sp>
+        <p:nvSpPr>
+          <p:cNvPr id="67" name="TextBox 66">
+            <a:extLst>
+              <a:ext uri="{FF2B5EF4-FFF2-40B4-BE49-F238E27FC236}">
+                <a16:creationId xmlns:a16="http://schemas.microsoft.com/office/drawing/2014/main" id="{EC72F5F2-3503-1689-F9E8-0EAF6FCCC962}"/>
+              </a:ext>
+            </a:extLst>
+          </p:cNvPr>
+          <p:cNvSpPr txBox="1"/>
+          <p:nvPr/>
+        </p:nvSpPr>
+        <p:spPr>
+          <a:xfrm>
+            <a:off x="6757836" y="4079568"/>
+            <a:ext cx="1187574" cy="369332"/>
+          </a:xfrm>
+          <a:prstGeom prst="rect">
+            <a:avLst/>
+          </a:prstGeom>
+          <a:noFill/>
+        </p:spPr>
+        <p:txBody>
+          <a:bodyPr wrap="square" rtlCol="0">
+            <a:spAutoFit/>
+          </a:bodyPr>
+          <a:lstStyle/>
+          <a:p>
+            <a:r>
+              <a:rPr lang="en-US" dirty="0"/>
+              <a:t>22</a:t>
+            </a:r>
+          </a:p>
+        </p:txBody>
+      </p:sp>
+      <p:sp>
+        <p:nvSpPr>
+          <p:cNvPr id="68" name="TextBox 67">
+            <a:extLst>
+              <a:ext uri="{FF2B5EF4-FFF2-40B4-BE49-F238E27FC236}">
+                <a16:creationId xmlns:a16="http://schemas.microsoft.com/office/drawing/2014/main" id="{9C2D1685-CD60-5ED3-7552-84A198E58E18}"/>
+              </a:ext>
+            </a:extLst>
+          </p:cNvPr>
+          <p:cNvSpPr txBox="1"/>
+          <p:nvPr/>
+        </p:nvSpPr>
+        <p:spPr>
+          <a:xfrm>
+            <a:off x="6133374" y="2517108"/>
+            <a:ext cx="508248" cy="369332"/>
+          </a:xfrm>
+          <a:prstGeom prst="rect">
+            <a:avLst/>
+          </a:prstGeom>
+          <a:noFill/>
+        </p:spPr>
+        <p:txBody>
+          <a:bodyPr wrap="square" rtlCol="0">
+            <a:spAutoFit/>
+          </a:bodyPr>
+          <a:lstStyle/>
+          <a:p>
+            <a:r>
+              <a:rPr lang="en-US" dirty="0"/>
+              <a:t>24</a:t>
+            </a:r>
+          </a:p>
+        </p:txBody>
+      </p:sp>
+      <p:sp>
+        <p:nvSpPr>
+          <p:cNvPr id="69" name="TextBox 68">
+            <a:extLst>
+              <a:ext uri="{FF2B5EF4-FFF2-40B4-BE49-F238E27FC236}">
+                <a16:creationId xmlns:a16="http://schemas.microsoft.com/office/drawing/2014/main" id="{CDBD7B68-9356-58BB-9F64-63A2B118A252}"/>
+              </a:ext>
+            </a:extLst>
+          </p:cNvPr>
+          <p:cNvSpPr txBox="1"/>
+          <p:nvPr/>
+        </p:nvSpPr>
+        <p:spPr>
+          <a:xfrm>
+            <a:off x="7398711" y="2517108"/>
+            <a:ext cx="508247" cy="369332"/>
+          </a:xfrm>
+          <a:prstGeom prst="rect">
+            <a:avLst/>
+          </a:prstGeom>
+          <a:noFill/>
+        </p:spPr>
+        <p:txBody>
+          <a:bodyPr wrap="square" rtlCol="0">
+            <a:spAutoFit/>
+          </a:bodyPr>
+          <a:lstStyle/>
+          <a:p>
+            <a:r>
+              <a:rPr lang="en-US" dirty="0"/>
+              <a:t>13</a:t>
+            </a:r>
+          </a:p>
+        </p:txBody>
+      </p:sp>
+      <p:sp>
+        <p:nvSpPr>
+          <p:cNvPr id="21" name="TextBox 20">
+            <a:extLst>
+              <a:ext uri="{FF2B5EF4-FFF2-40B4-BE49-F238E27FC236}">
+                <a16:creationId xmlns:a16="http://schemas.microsoft.com/office/drawing/2014/main" id="{9055C5A6-130D-B8E5-3320-046C9647C5A7}"/>
+              </a:ext>
+            </a:extLst>
+          </p:cNvPr>
+          <p:cNvSpPr txBox="1"/>
+          <p:nvPr/>
+        </p:nvSpPr>
+        <p:spPr>
+          <a:xfrm>
+            <a:off x="3879015" y="4206607"/>
+            <a:ext cx="2038161" cy="246221"/>
+          </a:xfrm>
+          <a:prstGeom prst="rect">
+            <a:avLst/>
+          </a:prstGeom>
+          <a:noFill/>
+        </p:spPr>
+        <p:txBody>
+          <a:bodyPr wrap="square" rtlCol="0">
+            <a:spAutoFit/>
+          </a:bodyPr>
+          <a:lstStyle/>
+          <a:p>
+            <a:r>
+              <a:rPr lang="en-US" sz="1000" dirty="0"/>
+              <a:t>*when connecting do 14 with 16</a:t>
+            </a:r>
+          </a:p>
+        </p:txBody>
+      </p:sp>
+      <p:sp>
+        <p:nvSpPr>
+          <p:cNvPr id="27" name="TextBox 26">
+            <a:extLst>
+              <a:ext uri="{FF2B5EF4-FFF2-40B4-BE49-F238E27FC236}">
+                <a16:creationId xmlns:a16="http://schemas.microsoft.com/office/drawing/2014/main" id="{6BBE9B9B-AD3A-5BF2-C640-172A50835C57}"/>
+              </a:ext>
+            </a:extLst>
+          </p:cNvPr>
+          <p:cNvSpPr txBox="1"/>
+          <p:nvPr/>
+        </p:nvSpPr>
+        <p:spPr>
+          <a:xfrm>
+            <a:off x="4681904" y="1953093"/>
+            <a:ext cx="2650392" cy="400110"/>
+          </a:xfrm>
+          <a:prstGeom prst="rect">
+            <a:avLst/>
+          </a:prstGeom>
+          <a:noFill/>
+        </p:spPr>
+        <p:txBody>
+          <a:bodyPr wrap="square" rtlCol="0">
+            <a:spAutoFit/>
+          </a:bodyPr>
+          <a:lstStyle/>
+          <a:p>
+            <a:r>
+              <a:rPr lang="en-US" sz="2000" b="1" i="1" u="sng" dirty="0">
+                <a:solidFill>
+                  <a:srgbClr val="FF0000"/>
+                </a:solidFill>
+              </a:rPr>
+              <a:t>BIG</a:t>
+            </a:r>
+            <a:r>
+              <a:rPr lang="en-US" sz="2000" b="1" i="1" u="sng" dirty="0"/>
+              <a:t> </a:t>
+            </a:r>
+            <a:r>
+              <a:rPr lang="en-US" sz="2000" b="1" i="1" u="sng" dirty="0">
+                <a:solidFill>
+                  <a:schemeClr val="accent4"/>
+                </a:solidFill>
+              </a:rPr>
+              <a:t>GL</a:t>
+            </a:r>
+            <a:r>
+              <a:rPr lang="en-US" sz="2000" b="1" i="1" u="sng" dirty="0">
+                <a:solidFill>
+                  <a:schemeClr val="accent6"/>
+                </a:solidFill>
+              </a:rPr>
+              <a:t>ASS</a:t>
+            </a:r>
+            <a:r>
+              <a:rPr lang="en-US" sz="2000" b="1" i="1" u="sng" dirty="0"/>
+              <a:t> </a:t>
+            </a:r>
+            <a:r>
+              <a:rPr lang="en-US" sz="2000" b="1" i="1" u="sng" dirty="0">
+                <a:solidFill>
+                  <a:srgbClr val="0070C0"/>
+                </a:solidFill>
+              </a:rPr>
+              <a:t>DEW</a:t>
+            </a:r>
+            <a:r>
+              <a:rPr lang="en-US" sz="2000" b="1" i="1" u="sng" dirty="0">
+                <a:solidFill>
+                  <a:srgbClr val="7030A0"/>
+                </a:solidFill>
+              </a:rPr>
+              <a:t>AR </a:t>
+            </a:r>
+            <a:r>
+              <a:rPr lang="en-US" sz="2000" b="1" i="1" u="sng" dirty="0">
+                <a:highlight>
+                  <a:srgbClr val="FFFF00"/>
+                </a:highlight>
+              </a:rPr>
+              <a:t>(RF)</a:t>
+            </a:r>
+          </a:p>
+        </p:txBody>
+      </p:sp>
+      <p:sp>
+        <p:nvSpPr>
+          <p:cNvPr id="64" name="TextBox 63">
+            <a:extLst>
+              <a:ext uri="{FF2B5EF4-FFF2-40B4-BE49-F238E27FC236}">
+                <a16:creationId xmlns:a16="http://schemas.microsoft.com/office/drawing/2014/main" id="{1ED8529A-6A45-CE3F-3050-331B38E4B658}"/>
+              </a:ext>
+            </a:extLst>
+          </p:cNvPr>
+          <p:cNvSpPr txBox="1"/>
+          <p:nvPr/>
+        </p:nvSpPr>
+        <p:spPr>
+          <a:xfrm>
+            <a:off x="4202648" y="4577597"/>
+            <a:ext cx="3556000" cy="369332"/>
+          </a:xfrm>
+          <a:prstGeom prst="rect">
+            <a:avLst/>
+          </a:prstGeom>
+          <a:noFill/>
+        </p:spPr>
+        <p:txBody>
+          <a:bodyPr wrap="square" rtlCol="0">
+            <a:spAutoFit/>
+          </a:bodyPr>
+          <a:lstStyle/>
+          <a:p>
+            <a:r>
+              <a:rPr lang="en-US" dirty="0"/>
+              <a:t>Aux 3,4=Vee, 10=Vee, Aux 1,2=</a:t>
+            </a:r>
+            <a:r>
+              <a:rPr lang="en-US" dirty="0" err="1"/>
+              <a:t>Vdd</a:t>
+            </a:r>
+            <a:endParaRPr lang="en-US" dirty="0"/>
+          </a:p>
+        </p:txBody>
+      </p:sp>
+      <p:sp>
+        <p:nvSpPr>
+          <p:cNvPr id="65" name="TextBox 64">
+            <a:extLst>
+              <a:ext uri="{FF2B5EF4-FFF2-40B4-BE49-F238E27FC236}">
+                <a16:creationId xmlns:a16="http://schemas.microsoft.com/office/drawing/2014/main" id="{56C89D17-099C-4085-DD12-BBC2BF6019A9}"/>
+              </a:ext>
+            </a:extLst>
+          </p:cNvPr>
+          <p:cNvSpPr txBox="1"/>
+          <p:nvPr/>
+        </p:nvSpPr>
+        <p:spPr>
+          <a:xfrm>
+            <a:off x="7670800" y="5739682"/>
+            <a:ext cx="4485741" cy="1477328"/>
+          </a:xfrm>
+          <a:prstGeom prst="rect">
+            <a:avLst/>
+          </a:prstGeom>
+          <a:noFill/>
+        </p:spPr>
+        <p:txBody>
+          <a:bodyPr wrap="square" rtlCol="0">
+            <a:spAutoFit/>
+          </a:bodyPr>
+          <a:lstStyle/>
+          <a:p>
+            <a:pPr algn="r"/>
+            <a:r>
+              <a:rPr lang="en-US" dirty="0" err="1"/>
+              <a:t>STIBiasE</a:t>
+            </a:r>
+            <a:r>
+              <a:rPr lang="en-US" dirty="0"/>
+              <a:t>  = 11  (STI bias tee box)</a:t>
+            </a:r>
+          </a:p>
+          <a:p>
+            <a:pPr algn="r"/>
+            <a:r>
+              <a:rPr lang="en-US" dirty="0" err="1"/>
+              <a:t>STOBiasE</a:t>
+            </a:r>
+            <a:r>
+              <a:rPr lang="en-US" dirty="0"/>
+              <a:t>= 24 ( STO bias tee box)</a:t>
+            </a:r>
+          </a:p>
+          <a:p>
+            <a:pPr algn="r"/>
+            <a:r>
+              <a:rPr lang="en-US" dirty="0"/>
+              <a:t> </a:t>
+            </a:r>
+            <a:r>
+              <a:rPr lang="en-US" dirty="0" err="1"/>
+              <a:t>doorE</a:t>
+            </a:r>
+            <a:r>
+              <a:rPr lang="en-US" dirty="0"/>
+              <a:t>/</a:t>
+            </a:r>
+            <a:r>
+              <a:rPr lang="en-US" dirty="0" err="1"/>
+              <a:t>C_close</a:t>
+            </a:r>
+            <a:r>
+              <a:rPr lang="en-US" dirty="0"/>
+              <a:t> = ax</a:t>
+            </a:r>
+          </a:p>
+          <a:p>
+            <a:pPr algn="r"/>
+            <a:r>
+              <a:rPr lang="en-US" dirty="0" err="1"/>
+              <a:t>doorE</a:t>
+            </a:r>
+            <a:r>
+              <a:rPr lang="en-US" dirty="0"/>
+              <a:t>/</a:t>
+            </a:r>
+            <a:r>
+              <a:rPr lang="en-US" dirty="0" err="1"/>
+              <a:t>C_open</a:t>
+            </a:r>
+            <a:r>
+              <a:rPr lang="en-US" dirty="0"/>
+              <a:t> = ay  </a:t>
+            </a:r>
+          </a:p>
+          <a:p>
+            <a:pPr algn="r"/>
+            <a:endParaRPr lang="en-US" dirty="0"/>
+          </a:p>
+        </p:txBody>
+      </p:sp>
+      <p:sp>
+        <p:nvSpPr>
+          <p:cNvPr id="70" name="TextBox 69">
+            <a:extLst>
+              <a:ext uri="{FF2B5EF4-FFF2-40B4-BE49-F238E27FC236}">
+                <a16:creationId xmlns:a16="http://schemas.microsoft.com/office/drawing/2014/main" id="{1ACC9F3D-62FE-3BFF-4513-8CEC05C3F8DA}"/>
+              </a:ext>
+            </a:extLst>
+          </p:cNvPr>
+          <p:cNvSpPr txBox="1"/>
+          <p:nvPr/>
+        </p:nvSpPr>
+        <p:spPr>
+          <a:xfrm>
+            <a:off x="179596" y="1377481"/>
+            <a:ext cx="1590525" cy="4247317"/>
+          </a:xfrm>
+          <a:prstGeom prst="rect">
+            <a:avLst/>
+          </a:prstGeom>
+          <a:noFill/>
+        </p:spPr>
+        <p:txBody>
+          <a:bodyPr wrap="square" rtlCol="0">
+            <a:spAutoFit/>
+          </a:bodyPr>
+          <a:lstStyle/>
+          <a:p>
+            <a:pPr algn="r"/>
+            <a:endParaRPr lang="en-US" dirty="0"/>
+          </a:p>
+          <a:p>
+            <a:pPr algn="r"/>
+            <a:endParaRPr lang="en-US" dirty="0"/>
+          </a:p>
+          <a:p>
+            <a:pPr algn="r"/>
+            <a:r>
+              <a:rPr lang="en-US" sz="1700" dirty="0"/>
+              <a:t>3</a:t>
+            </a:r>
+          </a:p>
+          <a:p>
+            <a:pPr algn="r"/>
+            <a:endParaRPr lang="en-US" sz="1700" dirty="0"/>
+          </a:p>
+          <a:p>
+            <a:pPr algn="r"/>
+            <a:r>
+              <a:rPr lang="en-US" sz="1700" dirty="0"/>
+              <a:t>SR830</a:t>
+            </a:r>
+          </a:p>
+          <a:p>
+            <a:pPr algn="r"/>
+            <a:endParaRPr lang="en-US" sz="1700" dirty="0"/>
+          </a:p>
+          <a:p>
+            <a:pPr algn="r"/>
+            <a:r>
+              <a:rPr lang="en-US" sz="1700" dirty="0"/>
+              <a:t>20</a:t>
+            </a:r>
+          </a:p>
+          <a:p>
+            <a:pPr algn="r"/>
+            <a:endParaRPr lang="en-US" sz="1700" dirty="0"/>
+          </a:p>
+          <a:p>
+            <a:pPr algn="r"/>
+            <a:r>
+              <a:rPr lang="en-US" sz="1700" dirty="0"/>
+              <a:t>SR830</a:t>
+            </a:r>
+          </a:p>
+          <a:p>
+            <a:pPr algn="r"/>
+            <a:endParaRPr lang="en-US" sz="1700" dirty="0"/>
+          </a:p>
+          <a:p>
+            <a:pPr algn="r"/>
+            <a:r>
+              <a:rPr lang="en-US" sz="1700" dirty="0"/>
+              <a:t>18</a:t>
+            </a:r>
+          </a:p>
+          <a:p>
+            <a:pPr algn="r"/>
+            <a:endParaRPr lang="en-US" dirty="0"/>
+          </a:p>
+          <a:p>
+            <a:pPr algn="r"/>
+            <a:r>
+              <a:rPr lang="en-US" sz="1400" dirty="0"/>
+              <a:t>13(</a:t>
+            </a:r>
+            <a:r>
+              <a:rPr lang="en-US" sz="1400" dirty="0" err="1"/>
+              <a:t>open,ay</a:t>
+            </a:r>
+            <a:r>
+              <a:rPr lang="en-US" sz="1400" dirty="0"/>
+              <a:t>)/21</a:t>
+            </a:r>
+          </a:p>
+          <a:p>
+            <a:pPr algn="r"/>
+            <a:r>
+              <a:rPr lang="en-US" sz="1400" dirty="0"/>
+              <a:t>(</a:t>
+            </a:r>
+            <a:r>
+              <a:rPr lang="en-US" sz="1400" dirty="0" err="1"/>
+              <a:t>close,ax</a:t>
+            </a:r>
+            <a:r>
+              <a:rPr lang="en-US" sz="1400" dirty="0"/>
+              <a:t>)</a:t>
+            </a:r>
+          </a:p>
+          <a:p>
+            <a:pPr algn="r"/>
+            <a:endParaRPr lang="en-US" sz="1700" dirty="0"/>
+          </a:p>
+          <a:p>
+            <a:pPr algn="r"/>
+            <a:r>
+              <a:rPr lang="en-US" sz="1700" dirty="0"/>
+              <a:t>3</a:t>
+            </a:r>
+            <a:r>
+              <a:rPr lang="en-US" dirty="0"/>
+              <a:t> </a:t>
+            </a:r>
+          </a:p>
+        </p:txBody>
+      </p:sp>
+      <p:sp>
+        <p:nvSpPr>
+          <p:cNvPr id="71" name="TextBox 70">
+            <a:extLst>
+              <a:ext uri="{FF2B5EF4-FFF2-40B4-BE49-F238E27FC236}">
+                <a16:creationId xmlns:a16="http://schemas.microsoft.com/office/drawing/2014/main" id="{4F9F86E9-1358-9BDD-2776-D7010AB94446}"/>
+              </a:ext>
+            </a:extLst>
+          </p:cNvPr>
+          <p:cNvSpPr txBox="1"/>
+          <p:nvPr/>
+        </p:nvSpPr>
+        <p:spPr>
+          <a:xfrm>
+            <a:off x="10089720" y="1270216"/>
+            <a:ext cx="2115457" cy="4201150"/>
+          </a:xfrm>
+          <a:prstGeom prst="rect">
+            <a:avLst/>
+          </a:prstGeom>
+          <a:noFill/>
+        </p:spPr>
+        <p:txBody>
+          <a:bodyPr wrap="square" rtlCol="0">
+            <a:spAutoFit/>
+          </a:bodyPr>
+          <a:lstStyle/>
+          <a:p>
+            <a:r>
+              <a:rPr lang="en-US" dirty="0"/>
+              <a:t>1</a:t>
+            </a:r>
+          </a:p>
+          <a:p>
+            <a:endParaRPr lang="en-US" dirty="0"/>
+          </a:p>
+          <a:p>
+            <a:r>
+              <a:rPr lang="en-US" dirty="0"/>
+              <a:t>SR830</a:t>
+            </a:r>
+          </a:p>
+          <a:p>
+            <a:endParaRPr lang="en-US" dirty="0"/>
+          </a:p>
+          <a:p>
+            <a:r>
+              <a:rPr lang="en-US" dirty="0"/>
+              <a:t>16</a:t>
+            </a:r>
+          </a:p>
+          <a:p>
+            <a:endParaRPr lang="en-US" dirty="0"/>
+          </a:p>
+          <a:p>
+            <a:r>
+              <a:rPr lang="en-US" dirty="0"/>
+              <a:t>SR830</a:t>
+            </a:r>
+          </a:p>
+          <a:p>
+            <a:endParaRPr lang="en-US" dirty="0"/>
+          </a:p>
+          <a:p>
+            <a:r>
+              <a:rPr lang="en-US" dirty="0"/>
+              <a:t>14</a:t>
+            </a:r>
+          </a:p>
+          <a:p>
+            <a:endParaRPr lang="en-US" dirty="0"/>
+          </a:p>
+          <a:p>
+            <a:r>
+              <a:rPr lang="en-US" sz="1500" dirty="0"/>
+              <a:t>15(</a:t>
+            </a:r>
+            <a:r>
+              <a:rPr lang="en-US" sz="1500" dirty="0" err="1"/>
+              <a:t>open,ay</a:t>
+            </a:r>
+            <a:r>
+              <a:rPr lang="en-US" sz="1500" dirty="0"/>
+              <a:t>)/23(</a:t>
+            </a:r>
+            <a:r>
+              <a:rPr lang="en-US" sz="1500" dirty="0" err="1"/>
+              <a:t>close,ax</a:t>
+            </a:r>
+            <a:r>
+              <a:rPr lang="en-US" sz="1500" dirty="0"/>
+              <a:t>)</a:t>
+            </a:r>
+          </a:p>
+          <a:p>
+            <a:endParaRPr lang="en-US" dirty="0"/>
+          </a:p>
+          <a:p>
+            <a:r>
+              <a:rPr lang="en-US" dirty="0"/>
+              <a:t>1</a:t>
+            </a:r>
+          </a:p>
+          <a:p>
+            <a:endParaRPr lang="en-US" dirty="0"/>
+          </a:p>
+          <a:p>
+            <a:r>
+              <a:rPr lang="en-US" dirty="0"/>
+              <a:t> </a:t>
+            </a:r>
+          </a:p>
+        </p:txBody>
+      </p:sp>
+    </p:spTree>
+    <p:extLst>
+      <p:ext uri="{BB962C8B-B14F-4D97-AF65-F5344CB8AC3E}">
+        <p14:creationId xmlns:p14="http://schemas.microsoft.com/office/powerpoint/2010/main" val="811156400"/>
+      </p:ext>
+    </p:extLst>
+  </p:cSld>
+  <p:clrMapOvr>
+    <a:masterClrMapping/>
+  </p:clrMapOvr>
+</p:sld>
+</file>
+
 <file path=ppt/theme/theme1.xml><?xml version="1.0" encoding="utf-8"?>
 <a:theme xmlns:a="http://schemas.openxmlformats.org/drawingml/2006/main" name="Office Theme">
   <a:themeElements>

--- a/matlabMeas/TiffanyMeasurementFunctions/IDC/ConnectionLayout.pptx
+++ b/matlabMeas/TiffanyMeasurementFunctions/IDC/ConnectionLayout.pptx
@@ -7,9 +7,13 @@
   <p:sldIdLst>
     <p:sldId id="258" r:id="rId2"/>
     <p:sldId id="259" r:id="rId3"/>
-    <p:sldId id="257" r:id="rId4"/>
-    <p:sldId id="260" r:id="rId5"/>
-    <p:sldId id="261" r:id="rId6"/>
+    <p:sldId id="264" r:id="rId4"/>
+    <p:sldId id="257" r:id="rId5"/>
+    <p:sldId id="260" r:id="rId6"/>
+    <p:sldId id="261" r:id="rId7"/>
+    <p:sldId id="265" r:id="rId8"/>
+    <p:sldId id="263" r:id="rId9"/>
+    <p:sldId id="262" r:id="rId10"/>
   </p:sldIdLst>
   <p:sldSz cx="12192000" cy="6858000"/>
   <p:notesSz cx="6858000" cy="9144000"/>
@@ -263,7 +267,7 @@
           <a:p>
             <a:fld id="{47ABD26D-D221-4902-BE5F-0AA58C118E78}" type="datetimeFigureOut">
               <a:rPr lang="en-US" smtClean="0"/>
-              <a:t>3/21/2023</a:t>
+              <a:t>3/29/2023</a:t>
             </a:fld>
             <a:endParaRPr lang="en-US"/>
           </a:p>
@@ -461,7 +465,7 @@
           <a:p>
             <a:fld id="{47ABD26D-D221-4902-BE5F-0AA58C118E78}" type="datetimeFigureOut">
               <a:rPr lang="en-US" smtClean="0"/>
-              <a:t>3/21/2023</a:t>
+              <a:t>3/29/2023</a:t>
             </a:fld>
             <a:endParaRPr lang="en-US"/>
           </a:p>
@@ -669,7 +673,7 @@
           <a:p>
             <a:fld id="{47ABD26D-D221-4902-BE5F-0AA58C118E78}" type="datetimeFigureOut">
               <a:rPr lang="en-US" smtClean="0"/>
-              <a:t>3/21/2023</a:t>
+              <a:t>3/29/2023</a:t>
             </a:fld>
             <a:endParaRPr lang="en-US"/>
           </a:p>
@@ -867,7 +871,7 @@
           <a:p>
             <a:fld id="{47ABD26D-D221-4902-BE5F-0AA58C118E78}" type="datetimeFigureOut">
               <a:rPr lang="en-US" smtClean="0"/>
-              <a:t>3/21/2023</a:t>
+              <a:t>3/29/2023</a:t>
             </a:fld>
             <a:endParaRPr lang="en-US"/>
           </a:p>
@@ -1142,7 +1146,7 @@
           <a:p>
             <a:fld id="{47ABD26D-D221-4902-BE5F-0AA58C118E78}" type="datetimeFigureOut">
               <a:rPr lang="en-US" smtClean="0"/>
-              <a:t>3/21/2023</a:t>
+              <a:t>3/29/2023</a:t>
             </a:fld>
             <a:endParaRPr lang="en-US"/>
           </a:p>
@@ -1407,7 +1411,7 @@
           <a:p>
             <a:fld id="{47ABD26D-D221-4902-BE5F-0AA58C118E78}" type="datetimeFigureOut">
               <a:rPr lang="en-US" smtClean="0"/>
-              <a:t>3/21/2023</a:t>
+              <a:t>3/29/2023</a:t>
             </a:fld>
             <a:endParaRPr lang="en-US"/>
           </a:p>
@@ -1819,7 +1823,7 @@
           <a:p>
             <a:fld id="{47ABD26D-D221-4902-BE5F-0AA58C118E78}" type="datetimeFigureOut">
               <a:rPr lang="en-US" smtClean="0"/>
-              <a:t>3/21/2023</a:t>
+              <a:t>3/29/2023</a:t>
             </a:fld>
             <a:endParaRPr lang="en-US"/>
           </a:p>
@@ -1960,7 +1964,7 @@
           <a:p>
             <a:fld id="{47ABD26D-D221-4902-BE5F-0AA58C118E78}" type="datetimeFigureOut">
               <a:rPr lang="en-US" smtClean="0"/>
-              <a:t>3/21/2023</a:t>
+              <a:t>3/29/2023</a:t>
             </a:fld>
             <a:endParaRPr lang="en-US"/>
           </a:p>
@@ -2073,7 +2077,7 @@
           <a:p>
             <a:fld id="{47ABD26D-D221-4902-BE5F-0AA58C118E78}" type="datetimeFigureOut">
               <a:rPr lang="en-US" smtClean="0"/>
-              <a:t>3/21/2023</a:t>
+              <a:t>3/29/2023</a:t>
             </a:fld>
             <a:endParaRPr lang="en-US"/>
           </a:p>
@@ -2384,7 +2388,7 @@
           <a:p>
             <a:fld id="{47ABD26D-D221-4902-BE5F-0AA58C118E78}" type="datetimeFigureOut">
               <a:rPr lang="en-US" smtClean="0"/>
-              <a:t>3/21/2023</a:t>
+              <a:t>3/29/2023</a:t>
             </a:fld>
             <a:endParaRPr lang="en-US"/>
           </a:p>
@@ -2672,7 +2676,7 @@
           <a:p>
             <a:fld id="{47ABD26D-D221-4902-BE5F-0AA58C118E78}" type="datetimeFigureOut">
               <a:rPr lang="en-US" smtClean="0"/>
-              <a:t>3/21/2023</a:t>
+              <a:t>3/29/2023</a:t>
             </a:fld>
             <a:endParaRPr lang="en-US"/>
           </a:p>
@@ -2913,7 +2917,7 @@
           <a:p>
             <a:fld id="{47ABD26D-D221-4902-BE5F-0AA58C118E78}" type="datetimeFigureOut">
               <a:rPr lang="en-US" smtClean="0"/>
-              <a:t>3/21/2023</a:t>
+              <a:t>3/29/2023</a:t>
             </a:fld>
             <a:endParaRPr lang="en-US"/>
           </a:p>
@@ -3381,7 +3385,7 @@
           <a:p>
             <a:r>
               <a:rPr lang="en-US" dirty="0"/>
-              <a:t>Tiffany Liu 03/15/2023</a:t>
+              <a:t>Tiffany Liu 03/29/2023</a:t>
             </a:r>
           </a:p>
         </p:txBody>
@@ -6841,6 +6845,902 @@
           <a:chExt cx="0" cy="0"/>
         </a:xfrm>
       </p:grpSpPr>
+      <p:graphicFrame>
+        <p:nvGraphicFramePr>
+          <p:cNvPr id="4" name="Table 4">
+            <a:extLst>
+              <a:ext uri="{FF2B5EF4-FFF2-40B4-BE49-F238E27FC236}">
+                <a16:creationId xmlns:a16="http://schemas.microsoft.com/office/drawing/2014/main" id="{107CA8B1-7694-61B8-9205-9420197D0AE4}"/>
+              </a:ext>
+            </a:extLst>
+          </p:cNvPr>
+          <p:cNvGraphicFramePr>
+            <a:graphicFrameLocks noGrp="1"/>
+          </p:cNvGraphicFramePr>
+          <p:nvPr>
+            <p:extLst>
+              <p:ext uri="{D42A27DB-BD31-4B8C-83A1-F6EECF244321}">
+                <p14:modId xmlns:p14="http://schemas.microsoft.com/office/powerpoint/2010/main" val="194314818"/>
+              </p:ext>
+            </p:extLst>
+          </p:nvPr>
+        </p:nvGraphicFramePr>
+        <p:xfrm>
+          <a:off x="2032000" y="719666"/>
+          <a:ext cx="8127999" cy="2494280"/>
+        </p:xfrm>
+        <a:graphic>
+          <a:graphicData uri="http://schemas.openxmlformats.org/drawingml/2006/table">
+            <a:tbl>
+              <a:tblPr firstRow="1" bandRow="1">
+                <a:tableStyleId>{5940675A-B579-460E-94D1-54222C63F5DA}</a:tableStyleId>
+              </a:tblPr>
+              <a:tblGrid>
+                <a:gridCol w="2709333">
+                  <a:extLst>
+                    <a:ext uri="{9D8B030D-6E8A-4147-A177-3AD203B41FA5}">
+                      <a16:colId xmlns:a16="http://schemas.microsoft.com/office/drawing/2014/main" val="765496800"/>
+                    </a:ext>
+                  </a:extLst>
+                </a:gridCol>
+                <a:gridCol w="2709333">
+                  <a:extLst>
+                    <a:ext uri="{9D8B030D-6E8A-4147-A177-3AD203B41FA5}">
+                      <a16:colId xmlns:a16="http://schemas.microsoft.com/office/drawing/2014/main" val="885026404"/>
+                    </a:ext>
+                  </a:extLst>
+                </a:gridCol>
+                <a:gridCol w="2709333">
+                  <a:extLst>
+                    <a:ext uri="{9D8B030D-6E8A-4147-A177-3AD203B41FA5}">
+                      <a16:colId xmlns:a16="http://schemas.microsoft.com/office/drawing/2014/main" val="3961737447"/>
+                    </a:ext>
+                  </a:extLst>
+                </a:gridCol>
+              </a:tblGrid>
+              <a:tr h="370840">
+                <a:tc>
+                  <a:txBody>
+                    <a:bodyPr/>
+                    <a:lstStyle/>
+                    <a:p>
+                      <a:r>
+                        <a:rPr lang="en-US" b="1" dirty="0"/>
+                        <a:t>Emitter Side </a:t>
+                      </a:r>
+                    </a:p>
+                  </a:txBody>
+                  <a:tcPr/>
+                </a:tc>
+                <a:tc>
+                  <a:txBody>
+                    <a:bodyPr/>
+                    <a:lstStyle/>
+                    <a:p>
+                      <a:pPr algn="ctr"/>
+                      <a:r>
+                        <a:rPr lang="en-US" b="1" dirty="0"/>
+                        <a:t>Breakout Box </a:t>
+                      </a:r>
+                    </a:p>
+                  </a:txBody>
+                  <a:tcPr>
+                    <a:solidFill>
+                      <a:schemeClr val="accent4">
+                        <a:lumMod val="40000"/>
+                        <a:lumOff val="60000"/>
+                      </a:schemeClr>
+                    </a:solidFill>
+                  </a:tcPr>
+                </a:tc>
+                <a:tc>
+                  <a:txBody>
+                    <a:bodyPr/>
+                    <a:lstStyle/>
+                    <a:p>
+                      <a:pPr algn="ctr"/>
+                      <a:r>
+                        <a:rPr lang="en-US" b="1" dirty="0"/>
+                        <a:t>DAC</a:t>
+                      </a:r>
+                    </a:p>
+                    <a:p>
+                      <a:pPr algn="ctr"/>
+                      <a:endParaRPr lang="en-US" b="1" dirty="0"/>
+                    </a:p>
+                  </a:txBody>
+                  <a:tcPr>
+                    <a:solidFill>
+                      <a:schemeClr val="accent6">
+                        <a:lumMod val="40000"/>
+                        <a:lumOff val="60000"/>
+                      </a:schemeClr>
+                    </a:solidFill>
+                  </a:tcPr>
+                </a:tc>
+                <a:extLst>
+                  <a:ext uri="{0D108BD9-81ED-4DB2-BD59-A6C34878D82A}">
+                    <a16:rowId xmlns:a16="http://schemas.microsoft.com/office/drawing/2014/main" val="2162183286"/>
+                  </a:ext>
+                </a:extLst>
+              </a:tr>
+              <a:tr h="370840">
+                <a:tc>
+                  <a:txBody>
+                    <a:bodyPr/>
+                    <a:lstStyle/>
+                    <a:p>
+                      <a:r>
+                        <a:rPr lang="en-US" dirty="0"/>
+                        <a:t>Top Metal</a:t>
+                      </a:r>
+                    </a:p>
+                  </a:txBody>
+                  <a:tcPr/>
+                </a:tc>
+                <a:tc>
+                  <a:txBody>
+                    <a:bodyPr/>
+                    <a:lstStyle/>
+                    <a:p>
+                      <a:pPr algn="ctr"/>
+                      <a:r>
+                        <a:rPr lang="en-US" dirty="0"/>
+                        <a:t>8</a:t>
+                      </a:r>
+                    </a:p>
+                  </a:txBody>
+                  <a:tcPr>
+                    <a:solidFill>
+                      <a:schemeClr val="accent4">
+                        <a:lumMod val="40000"/>
+                        <a:lumOff val="60000"/>
+                      </a:schemeClr>
+                    </a:solidFill>
+                  </a:tcPr>
+                </a:tc>
+                <a:tc>
+                  <a:txBody>
+                    <a:bodyPr/>
+                    <a:lstStyle/>
+                    <a:p>
+                      <a:pPr algn="ctr"/>
+                      <a:r>
+                        <a:rPr lang="en-US" dirty="0"/>
+                        <a:t>14</a:t>
+                      </a:r>
+                    </a:p>
+                  </a:txBody>
+                  <a:tcPr>
+                    <a:solidFill>
+                      <a:schemeClr val="accent6">
+                        <a:lumMod val="40000"/>
+                        <a:lumOff val="60000"/>
+                      </a:schemeClr>
+                    </a:solidFill>
+                  </a:tcPr>
+                </a:tc>
+                <a:extLst>
+                  <a:ext uri="{0D108BD9-81ED-4DB2-BD59-A6C34878D82A}">
+                    <a16:rowId xmlns:a16="http://schemas.microsoft.com/office/drawing/2014/main" val="649801211"/>
+                  </a:ext>
+                </a:extLst>
+              </a:tr>
+              <a:tr h="370840">
+                <a:tc>
+                  <a:txBody>
+                    <a:bodyPr/>
+                    <a:lstStyle/>
+                    <a:p>
+                      <a:r>
+                        <a:rPr lang="en-US" dirty="0"/>
+                        <a:t>STO </a:t>
+                      </a:r>
+                    </a:p>
+                  </a:txBody>
+                  <a:tcPr/>
+                </a:tc>
+                <a:tc>
+                  <a:txBody>
+                    <a:bodyPr/>
+                    <a:lstStyle/>
+                    <a:p>
+                      <a:pPr algn="ctr"/>
+                      <a:r>
+                        <a:rPr lang="en-US" dirty="0"/>
+                        <a:t>B7</a:t>
+                      </a:r>
+                    </a:p>
+                  </a:txBody>
+                  <a:tcPr>
+                    <a:solidFill>
+                      <a:schemeClr val="accent4">
+                        <a:lumMod val="40000"/>
+                        <a:lumOff val="60000"/>
+                      </a:schemeClr>
+                    </a:solidFill>
+                  </a:tcPr>
+                </a:tc>
+                <a:tc>
+                  <a:txBody>
+                    <a:bodyPr/>
+                    <a:lstStyle/>
+                    <a:p>
+                      <a:pPr algn="ctr"/>
+                      <a:r>
+                        <a:rPr lang="en-US" dirty="0"/>
+                        <a:t>24</a:t>
+                      </a:r>
+                    </a:p>
+                  </a:txBody>
+                  <a:tcPr>
+                    <a:solidFill>
+                      <a:schemeClr val="accent6">
+                        <a:lumMod val="40000"/>
+                        <a:lumOff val="60000"/>
+                      </a:schemeClr>
+                    </a:solidFill>
+                  </a:tcPr>
+                </a:tc>
+                <a:extLst>
+                  <a:ext uri="{0D108BD9-81ED-4DB2-BD59-A6C34878D82A}">
+                    <a16:rowId xmlns:a16="http://schemas.microsoft.com/office/drawing/2014/main" val="2123962918"/>
+                  </a:ext>
+                </a:extLst>
+              </a:tr>
+              <a:tr h="370840">
+                <a:tc>
+                  <a:txBody>
+                    <a:bodyPr/>
+                    <a:lstStyle/>
+                    <a:p>
+                      <a:r>
+                        <a:rPr lang="en-US" dirty="0"/>
+                        <a:t>STI</a:t>
+                      </a:r>
+                    </a:p>
+                  </a:txBody>
+                  <a:tcPr/>
+                </a:tc>
+                <a:tc>
+                  <a:txBody>
+                    <a:bodyPr/>
+                    <a:lstStyle/>
+                    <a:p>
+                      <a:pPr algn="ctr"/>
+                      <a:r>
+                        <a:rPr lang="en-US" dirty="0"/>
+                        <a:t>B3</a:t>
+                      </a:r>
+                    </a:p>
+                  </a:txBody>
+                  <a:tcPr>
+                    <a:solidFill>
+                      <a:schemeClr val="accent4">
+                        <a:lumMod val="40000"/>
+                        <a:lumOff val="60000"/>
+                      </a:schemeClr>
+                    </a:solidFill>
+                  </a:tcPr>
+                </a:tc>
+                <a:tc>
+                  <a:txBody>
+                    <a:bodyPr/>
+                    <a:lstStyle/>
+                    <a:p>
+                      <a:pPr algn="ctr"/>
+                      <a:r>
+                        <a:rPr lang="en-US" dirty="0"/>
+                        <a:t>11</a:t>
+                      </a:r>
+                    </a:p>
+                  </a:txBody>
+                  <a:tcPr>
+                    <a:solidFill>
+                      <a:schemeClr val="accent6">
+                        <a:lumMod val="40000"/>
+                        <a:lumOff val="60000"/>
+                      </a:schemeClr>
+                    </a:solidFill>
+                  </a:tcPr>
+                </a:tc>
+                <a:extLst>
+                  <a:ext uri="{0D108BD9-81ED-4DB2-BD59-A6C34878D82A}">
+                    <a16:rowId xmlns:a16="http://schemas.microsoft.com/office/drawing/2014/main" val="3779078563"/>
+                  </a:ext>
+                </a:extLst>
+              </a:tr>
+              <a:tr h="370840">
+                <a:tc>
+                  <a:txBody>
+                    <a:bodyPr/>
+                    <a:lstStyle/>
+                    <a:p>
+                      <a:r>
+                        <a:rPr lang="en-US" dirty="0"/>
+                        <a:t>STM</a:t>
+                      </a:r>
+                    </a:p>
+                  </a:txBody>
+                  <a:tcPr/>
+                </a:tc>
+                <a:tc>
+                  <a:txBody>
+                    <a:bodyPr/>
+                    <a:lstStyle/>
+                    <a:p>
+                      <a:pPr algn="ctr"/>
+                      <a:r>
+                        <a:rPr lang="en-US" dirty="0"/>
+                        <a:t>1</a:t>
+                      </a:r>
+                    </a:p>
+                  </a:txBody>
+                  <a:tcPr>
+                    <a:solidFill>
+                      <a:schemeClr val="accent4">
+                        <a:lumMod val="40000"/>
+                        <a:lumOff val="60000"/>
+                      </a:schemeClr>
+                    </a:solidFill>
+                  </a:tcPr>
+                </a:tc>
+                <a:tc>
+                  <a:txBody>
+                    <a:bodyPr/>
+                    <a:lstStyle/>
+                    <a:p>
+                      <a:pPr algn="ctr"/>
+                      <a:r>
+                        <a:rPr lang="en-US" dirty="0"/>
+                        <a:t>16</a:t>
+                      </a:r>
+                    </a:p>
+                  </a:txBody>
+                  <a:tcPr>
+                    <a:solidFill>
+                      <a:schemeClr val="accent6">
+                        <a:lumMod val="40000"/>
+                        <a:lumOff val="60000"/>
+                      </a:schemeClr>
+                    </a:solidFill>
+                  </a:tcPr>
+                </a:tc>
+                <a:extLst>
+                  <a:ext uri="{0D108BD9-81ED-4DB2-BD59-A6C34878D82A}">
+                    <a16:rowId xmlns:a16="http://schemas.microsoft.com/office/drawing/2014/main" val="734622407"/>
+                  </a:ext>
+                </a:extLst>
+              </a:tr>
+              <a:tr h="370840">
+                <a:tc>
+                  <a:txBody>
+                    <a:bodyPr/>
+                    <a:lstStyle/>
+                    <a:p>
+                      <a:r>
+                        <a:rPr lang="en-US" dirty="0"/>
+                        <a:t>Door</a:t>
+                      </a:r>
+                    </a:p>
+                  </a:txBody>
+                  <a:tcPr/>
+                </a:tc>
+                <a:tc>
+                  <a:txBody>
+                    <a:bodyPr/>
+                    <a:lstStyle/>
+                    <a:p>
+                      <a:pPr algn="ctr"/>
+                      <a:r>
+                        <a:rPr lang="en-US" dirty="0"/>
+                        <a:t>B2</a:t>
+                      </a:r>
+                    </a:p>
+                  </a:txBody>
+                  <a:tcPr>
+                    <a:solidFill>
+                      <a:schemeClr val="accent4">
+                        <a:lumMod val="40000"/>
+                        <a:lumOff val="60000"/>
+                      </a:schemeClr>
+                    </a:solidFill>
+                  </a:tcPr>
+                </a:tc>
+                <a:tc>
+                  <a:txBody>
+                    <a:bodyPr/>
+                    <a:lstStyle/>
+                    <a:p>
+                      <a:pPr algn="ctr"/>
+                      <a:r>
+                        <a:rPr lang="en-US" dirty="0"/>
+                        <a:t>15 (open)/23 (close)</a:t>
+                      </a:r>
+                    </a:p>
+                  </a:txBody>
+                  <a:tcPr>
+                    <a:solidFill>
+                      <a:schemeClr val="accent6">
+                        <a:lumMod val="40000"/>
+                        <a:lumOff val="60000"/>
+                      </a:schemeClr>
+                    </a:solidFill>
+                  </a:tcPr>
+                </a:tc>
+                <a:extLst>
+                  <a:ext uri="{0D108BD9-81ED-4DB2-BD59-A6C34878D82A}">
+                    <a16:rowId xmlns:a16="http://schemas.microsoft.com/office/drawing/2014/main" val="3334781734"/>
+                  </a:ext>
+                </a:extLst>
+              </a:tr>
+            </a:tbl>
+          </a:graphicData>
+        </a:graphic>
+      </p:graphicFrame>
+      <p:graphicFrame>
+        <p:nvGraphicFramePr>
+          <p:cNvPr id="5" name="Table 4">
+            <a:extLst>
+              <a:ext uri="{FF2B5EF4-FFF2-40B4-BE49-F238E27FC236}">
+                <a16:creationId xmlns:a16="http://schemas.microsoft.com/office/drawing/2014/main" id="{5461EC84-DFB8-2151-2FEF-8500164A0981}"/>
+              </a:ext>
+            </a:extLst>
+          </p:cNvPr>
+          <p:cNvGraphicFramePr>
+            <a:graphicFrameLocks noGrp="1"/>
+          </p:cNvGraphicFramePr>
+          <p:nvPr>
+            <p:extLst>
+              <p:ext uri="{D42A27DB-BD31-4B8C-83A1-F6EECF244321}">
+                <p14:modId xmlns:p14="http://schemas.microsoft.com/office/powerpoint/2010/main" val="1367109228"/>
+              </p:ext>
+            </p:extLst>
+          </p:nvPr>
+        </p:nvGraphicFramePr>
+        <p:xfrm>
+          <a:off x="2032000" y="3641614"/>
+          <a:ext cx="8127999" cy="2494280"/>
+        </p:xfrm>
+        <a:graphic>
+          <a:graphicData uri="http://schemas.openxmlformats.org/drawingml/2006/table">
+            <a:tbl>
+              <a:tblPr firstRow="1" bandRow="1">
+                <a:tableStyleId>{5940675A-B579-460E-94D1-54222C63F5DA}</a:tableStyleId>
+              </a:tblPr>
+              <a:tblGrid>
+                <a:gridCol w="2709333">
+                  <a:extLst>
+                    <a:ext uri="{9D8B030D-6E8A-4147-A177-3AD203B41FA5}">
+                      <a16:colId xmlns:a16="http://schemas.microsoft.com/office/drawing/2014/main" val="765496800"/>
+                    </a:ext>
+                  </a:extLst>
+                </a:gridCol>
+                <a:gridCol w="2709333">
+                  <a:extLst>
+                    <a:ext uri="{9D8B030D-6E8A-4147-A177-3AD203B41FA5}">
+                      <a16:colId xmlns:a16="http://schemas.microsoft.com/office/drawing/2014/main" val="885026404"/>
+                    </a:ext>
+                  </a:extLst>
+                </a:gridCol>
+                <a:gridCol w="2709333">
+                  <a:extLst>
+                    <a:ext uri="{9D8B030D-6E8A-4147-A177-3AD203B41FA5}">
+                      <a16:colId xmlns:a16="http://schemas.microsoft.com/office/drawing/2014/main" val="3961737447"/>
+                    </a:ext>
+                  </a:extLst>
+                </a:gridCol>
+              </a:tblGrid>
+              <a:tr h="286561">
+                <a:tc>
+                  <a:txBody>
+                    <a:bodyPr/>
+                    <a:lstStyle/>
+                    <a:p>
+                      <a:r>
+                        <a:rPr lang="en-US" b="1" dirty="0"/>
+                        <a:t>Collector Side </a:t>
+                      </a:r>
+                    </a:p>
+                  </a:txBody>
+                  <a:tcPr/>
+                </a:tc>
+                <a:tc>
+                  <a:txBody>
+                    <a:bodyPr/>
+                    <a:lstStyle/>
+                    <a:p>
+                      <a:pPr algn="ctr"/>
+                      <a:r>
+                        <a:rPr lang="en-US" b="1" dirty="0"/>
+                        <a:t>Breakout Box </a:t>
+                      </a:r>
+                    </a:p>
+                  </a:txBody>
+                  <a:tcPr>
+                    <a:solidFill>
+                      <a:schemeClr val="accent2">
+                        <a:lumMod val="40000"/>
+                        <a:lumOff val="60000"/>
+                      </a:schemeClr>
+                    </a:solidFill>
+                  </a:tcPr>
+                </a:tc>
+                <a:tc>
+                  <a:txBody>
+                    <a:bodyPr/>
+                    <a:lstStyle/>
+                    <a:p>
+                      <a:pPr algn="ctr"/>
+                      <a:r>
+                        <a:rPr lang="en-US" b="1" dirty="0"/>
+                        <a:t>DAC</a:t>
+                      </a:r>
+                    </a:p>
+                    <a:p>
+                      <a:pPr algn="ctr"/>
+                      <a:endParaRPr lang="en-US" b="1" dirty="0"/>
+                    </a:p>
+                  </a:txBody>
+                  <a:tcPr>
+                    <a:solidFill>
+                      <a:schemeClr val="accent1">
+                        <a:lumMod val="20000"/>
+                        <a:lumOff val="80000"/>
+                      </a:schemeClr>
+                    </a:solidFill>
+                  </a:tcPr>
+                </a:tc>
+                <a:extLst>
+                  <a:ext uri="{0D108BD9-81ED-4DB2-BD59-A6C34878D82A}">
+                    <a16:rowId xmlns:a16="http://schemas.microsoft.com/office/drawing/2014/main" val="2162183286"/>
+                  </a:ext>
+                </a:extLst>
+              </a:tr>
+              <a:tr h="370840">
+                <a:tc>
+                  <a:txBody>
+                    <a:bodyPr/>
+                    <a:lstStyle/>
+                    <a:p>
+                      <a:r>
+                        <a:rPr lang="en-US" dirty="0"/>
+                        <a:t>Top Metal</a:t>
+                      </a:r>
+                    </a:p>
+                  </a:txBody>
+                  <a:tcPr/>
+                </a:tc>
+                <a:tc>
+                  <a:txBody>
+                    <a:bodyPr/>
+                    <a:lstStyle/>
+                    <a:p>
+                      <a:pPr algn="ctr"/>
+                      <a:r>
+                        <a:rPr lang="en-US" dirty="0"/>
+                        <a:t>3</a:t>
+                      </a:r>
+                    </a:p>
+                  </a:txBody>
+                  <a:tcPr>
+                    <a:solidFill>
+                      <a:schemeClr val="accent2">
+                        <a:lumMod val="40000"/>
+                        <a:lumOff val="60000"/>
+                      </a:schemeClr>
+                    </a:solidFill>
+                  </a:tcPr>
+                </a:tc>
+                <a:tc>
+                  <a:txBody>
+                    <a:bodyPr/>
+                    <a:lstStyle/>
+                    <a:p>
+                      <a:pPr algn="ctr"/>
+                      <a:r>
+                        <a:rPr lang="en-US" dirty="0"/>
+                        <a:t>18</a:t>
+                      </a:r>
+                    </a:p>
+                  </a:txBody>
+                  <a:tcPr>
+                    <a:solidFill>
+                      <a:schemeClr val="accent1">
+                        <a:lumMod val="20000"/>
+                        <a:lumOff val="80000"/>
+                      </a:schemeClr>
+                    </a:solidFill>
+                  </a:tcPr>
+                </a:tc>
+                <a:extLst>
+                  <a:ext uri="{0D108BD9-81ED-4DB2-BD59-A6C34878D82A}">
+                    <a16:rowId xmlns:a16="http://schemas.microsoft.com/office/drawing/2014/main" val="649801211"/>
+                  </a:ext>
+                </a:extLst>
+              </a:tr>
+              <a:tr h="370840">
+                <a:tc>
+                  <a:txBody>
+                    <a:bodyPr/>
+                    <a:lstStyle/>
+                    <a:p>
+                      <a:r>
+                        <a:rPr lang="en-US" dirty="0"/>
+                        <a:t>STO </a:t>
+                      </a:r>
+                    </a:p>
+                  </a:txBody>
+                  <a:tcPr/>
+                </a:tc>
+                <a:tc>
+                  <a:txBody>
+                    <a:bodyPr/>
+                    <a:lstStyle/>
+                    <a:p>
+                      <a:pPr algn="ctr"/>
+                      <a:r>
+                        <a:rPr lang="en-US" dirty="0"/>
+                        <a:t>B4</a:t>
+                      </a:r>
+                    </a:p>
+                  </a:txBody>
+                  <a:tcPr>
+                    <a:solidFill>
+                      <a:schemeClr val="accent2">
+                        <a:lumMod val="40000"/>
+                        <a:lumOff val="60000"/>
+                      </a:schemeClr>
+                    </a:solidFill>
+                  </a:tcPr>
+                </a:tc>
+                <a:tc>
+                  <a:txBody>
+                    <a:bodyPr/>
+                    <a:lstStyle/>
+                    <a:p>
+                      <a:pPr algn="ctr"/>
+                      <a:r>
+                        <a:rPr lang="en-US" dirty="0"/>
+                        <a:t>22</a:t>
+                      </a:r>
+                    </a:p>
+                  </a:txBody>
+                  <a:tcPr>
+                    <a:solidFill>
+                      <a:schemeClr val="accent1">
+                        <a:lumMod val="20000"/>
+                        <a:lumOff val="80000"/>
+                      </a:schemeClr>
+                    </a:solidFill>
+                  </a:tcPr>
+                </a:tc>
+                <a:extLst>
+                  <a:ext uri="{0D108BD9-81ED-4DB2-BD59-A6C34878D82A}">
+                    <a16:rowId xmlns:a16="http://schemas.microsoft.com/office/drawing/2014/main" val="2123962918"/>
+                  </a:ext>
+                </a:extLst>
+              </a:tr>
+              <a:tr h="370840">
+                <a:tc>
+                  <a:txBody>
+                    <a:bodyPr/>
+                    <a:lstStyle/>
+                    <a:p>
+                      <a:r>
+                        <a:rPr lang="en-US" dirty="0"/>
+                        <a:t>STI</a:t>
+                      </a:r>
+                    </a:p>
+                  </a:txBody>
+                  <a:tcPr/>
+                </a:tc>
+                <a:tc>
+                  <a:txBody>
+                    <a:bodyPr/>
+                    <a:lstStyle/>
+                    <a:p>
+                      <a:pPr algn="ctr"/>
+                      <a:r>
+                        <a:rPr lang="en-US" dirty="0"/>
+                        <a:t>A3</a:t>
+                      </a:r>
+                    </a:p>
+                  </a:txBody>
+                  <a:tcPr>
+                    <a:solidFill>
+                      <a:schemeClr val="accent2">
+                        <a:lumMod val="40000"/>
+                        <a:lumOff val="60000"/>
+                      </a:schemeClr>
+                    </a:solidFill>
+                  </a:tcPr>
+                </a:tc>
+                <a:tc>
+                  <a:txBody>
+                    <a:bodyPr/>
+                    <a:lstStyle/>
+                    <a:p>
+                      <a:pPr algn="ctr"/>
+                      <a:r>
+                        <a:rPr lang="en-US" dirty="0"/>
+                        <a:t>2</a:t>
+                      </a:r>
+                    </a:p>
+                  </a:txBody>
+                  <a:tcPr>
+                    <a:solidFill>
+                      <a:schemeClr val="accent1">
+                        <a:lumMod val="20000"/>
+                        <a:lumOff val="80000"/>
+                      </a:schemeClr>
+                    </a:solidFill>
+                  </a:tcPr>
+                </a:tc>
+                <a:extLst>
+                  <a:ext uri="{0D108BD9-81ED-4DB2-BD59-A6C34878D82A}">
+                    <a16:rowId xmlns:a16="http://schemas.microsoft.com/office/drawing/2014/main" val="3779078563"/>
+                  </a:ext>
+                </a:extLst>
+              </a:tr>
+              <a:tr h="370840">
+                <a:tc>
+                  <a:txBody>
+                    <a:bodyPr/>
+                    <a:lstStyle/>
+                    <a:p>
+                      <a:r>
+                        <a:rPr lang="en-US" dirty="0"/>
+                        <a:t>STM</a:t>
+                      </a:r>
+                    </a:p>
+                  </a:txBody>
+                  <a:tcPr/>
+                </a:tc>
+                <a:tc>
+                  <a:txBody>
+                    <a:bodyPr/>
+                    <a:lstStyle/>
+                    <a:p>
+                      <a:pPr algn="ctr"/>
+                      <a:r>
+                        <a:rPr lang="en-US" dirty="0"/>
+                        <a:t>24</a:t>
+                      </a:r>
+                    </a:p>
+                  </a:txBody>
+                  <a:tcPr>
+                    <a:solidFill>
+                      <a:schemeClr val="accent2">
+                        <a:lumMod val="40000"/>
+                        <a:lumOff val="60000"/>
+                      </a:schemeClr>
+                    </a:solidFill>
+                  </a:tcPr>
+                </a:tc>
+                <a:tc>
+                  <a:txBody>
+                    <a:bodyPr/>
+                    <a:lstStyle/>
+                    <a:p>
+                      <a:pPr algn="ctr"/>
+                      <a:r>
+                        <a:rPr lang="en-US" dirty="0"/>
+                        <a:t>20</a:t>
+                      </a:r>
+                    </a:p>
+                  </a:txBody>
+                  <a:tcPr>
+                    <a:solidFill>
+                      <a:schemeClr val="accent1">
+                        <a:lumMod val="20000"/>
+                        <a:lumOff val="80000"/>
+                      </a:schemeClr>
+                    </a:solidFill>
+                  </a:tcPr>
+                </a:tc>
+                <a:extLst>
+                  <a:ext uri="{0D108BD9-81ED-4DB2-BD59-A6C34878D82A}">
+                    <a16:rowId xmlns:a16="http://schemas.microsoft.com/office/drawing/2014/main" val="734622407"/>
+                  </a:ext>
+                </a:extLst>
+              </a:tr>
+              <a:tr h="370840">
+                <a:tc>
+                  <a:txBody>
+                    <a:bodyPr/>
+                    <a:lstStyle/>
+                    <a:p>
+                      <a:r>
+                        <a:rPr lang="en-US" dirty="0"/>
+                        <a:t>Door</a:t>
+                      </a:r>
+                    </a:p>
+                  </a:txBody>
+                  <a:tcPr/>
+                </a:tc>
+                <a:tc>
+                  <a:txBody>
+                    <a:bodyPr/>
+                    <a:lstStyle/>
+                    <a:p>
+                      <a:pPr algn="ctr"/>
+                      <a:r>
+                        <a:rPr lang="en-US" dirty="0"/>
+                        <a:t>A2</a:t>
+                      </a:r>
+                    </a:p>
+                  </a:txBody>
+                  <a:tcPr>
+                    <a:solidFill>
+                      <a:schemeClr val="accent2">
+                        <a:lumMod val="40000"/>
+                        <a:lumOff val="60000"/>
+                      </a:schemeClr>
+                    </a:solidFill>
+                  </a:tcPr>
+                </a:tc>
+                <a:tc>
+                  <a:txBody>
+                    <a:bodyPr/>
+                    <a:lstStyle/>
+                    <a:p>
+                      <a:pPr algn="ctr"/>
+                      <a:r>
+                        <a:rPr lang="en-US" dirty="0"/>
+                        <a:t>13 (open)/21 (close)</a:t>
+                      </a:r>
+                    </a:p>
+                  </a:txBody>
+                  <a:tcPr>
+                    <a:solidFill>
+                      <a:schemeClr val="accent1">
+                        <a:lumMod val="20000"/>
+                        <a:lumOff val="80000"/>
+                      </a:schemeClr>
+                    </a:solidFill>
+                  </a:tcPr>
+                </a:tc>
+                <a:extLst>
+                  <a:ext uri="{0D108BD9-81ED-4DB2-BD59-A6C34878D82A}">
+                    <a16:rowId xmlns:a16="http://schemas.microsoft.com/office/drawing/2014/main" val="3334781734"/>
+                  </a:ext>
+                </a:extLst>
+              </a:tr>
+            </a:tbl>
+          </a:graphicData>
+        </a:graphic>
+      </p:graphicFrame>
+    </p:spTree>
+    <p:extLst>
+      <p:ext uri="{BB962C8B-B14F-4D97-AF65-F5344CB8AC3E}">
+        <p14:creationId xmlns:p14="http://schemas.microsoft.com/office/powerpoint/2010/main" val="439380080"/>
+      </p:ext>
+    </p:extLst>
+  </p:cSld>
+  <p:clrMapOvr>
+    <a:masterClrMapping/>
+  </p:clrMapOvr>
+</p:sld>
+</file>
+
+<file path=ppt/slides/slide4.xml><?xml version="1.0" encoding="utf-8"?>
+<p:sld xmlns:a="http://schemas.openxmlformats.org/drawingml/2006/main" xmlns:r="http://schemas.openxmlformats.org/officeDocument/2006/relationships" xmlns:p="http://schemas.openxmlformats.org/presentationml/2006/main">
+  <p:cSld>
+    <p:spTree>
+      <p:nvGrpSpPr>
+        <p:cNvPr id="1" name=""/>
+        <p:cNvGrpSpPr/>
+        <p:nvPr/>
+      </p:nvGrpSpPr>
+      <p:grpSpPr>
+        <a:xfrm>
+          <a:off x="0" y="0"/>
+          <a:ext cx="0" cy="0"/>
+          <a:chOff x="0" y="0"/>
+          <a:chExt cx="0" cy="0"/>
+        </a:xfrm>
+      </p:grpSpPr>
       <p:sp>
         <p:nvSpPr>
           <p:cNvPr id="2" name="Title 1">
@@ -6971,7 +7871,7 @@
 </p:sld>
 </file>
 
-<file path=ppt/slides/slide4.xml><?xml version="1.0" encoding="utf-8"?>
+<file path=ppt/slides/slide5.xml><?xml version="1.0" encoding="utf-8"?>
 <p:sld xmlns:a="http://schemas.openxmlformats.org/drawingml/2006/main" xmlns:r="http://schemas.openxmlformats.org/officeDocument/2006/relationships" xmlns:p="http://schemas.openxmlformats.org/presentationml/2006/main">
   <p:cSld>
     <p:spTree>
@@ -10419,7 +11319,7 @@
 </p:sld>
 </file>
 
-<file path=ppt/slides/slide5.xml><?xml version="1.0" encoding="utf-8"?>
+<file path=ppt/slides/slide6.xml><?xml version="1.0" encoding="utf-8"?>
 <p:sld xmlns:a="http://schemas.openxmlformats.org/drawingml/2006/main" xmlns:r="http://schemas.openxmlformats.org/officeDocument/2006/relationships" xmlns:p="http://schemas.openxmlformats.org/presentationml/2006/main">
   <p:cSld>
     <p:spTree>
@@ -13875,6 +14775,4570 @@
 </p:sld>
 </file>
 
+<file path=ppt/slides/slide7.xml><?xml version="1.0" encoding="utf-8"?>
+<p:sld xmlns:a="http://schemas.openxmlformats.org/drawingml/2006/main" xmlns:r="http://schemas.openxmlformats.org/officeDocument/2006/relationships" xmlns:p="http://schemas.openxmlformats.org/presentationml/2006/main">
+  <p:cSld>
+    <p:spTree>
+      <p:nvGrpSpPr>
+        <p:cNvPr id="1" name=""/>
+        <p:cNvGrpSpPr/>
+        <p:nvPr/>
+      </p:nvGrpSpPr>
+      <p:grpSpPr>
+        <a:xfrm>
+          <a:off x="0" y="0"/>
+          <a:ext cx="0" cy="0"/>
+          <a:chOff x="0" y="0"/>
+          <a:chExt cx="0" cy="0"/>
+        </a:xfrm>
+      </p:grpSpPr>
+      <p:graphicFrame>
+        <p:nvGraphicFramePr>
+          <p:cNvPr id="4" name="Table 4">
+            <a:extLst>
+              <a:ext uri="{FF2B5EF4-FFF2-40B4-BE49-F238E27FC236}">
+                <a16:creationId xmlns:a16="http://schemas.microsoft.com/office/drawing/2014/main" id="{107CA8B1-7694-61B8-9205-9420197D0AE4}"/>
+              </a:ext>
+            </a:extLst>
+          </p:cNvPr>
+          <p:cNvGraphicFramePr>
+            <a:graphicFrameLocks noGrp="1"/>
+          </p:cNvGraphicFramePr>
+          <p:nvPr>
+            <p:extLst>
+              <p:ext uri="{D42A27DB-BD31-4B8C-83A1-F6EECF244321}">
+                <p14:modId xmlns:p14="http://schemas.microsoft.com/office/powerpoint/2010/main" val="455100428"/>
+              </p:ext>
+            </p:extLst>
+          </p:nvPr>
+        </p:nvGraphicFramePr>
+        <p:xfrm>
+          <a:off x="2031999" y="368697"/>
+          <a:ext cx="8127999" cy="2865120"/>
+        </p:xfrm>
+        <a:graphic>
+          <a:graphicData uri="http://schemas.openxmlformats.org/drawingml/2006/table">
+            <a:tbl>
+              <a:tblPr firstRow="1" bandRow="1">
+                <a:tableStyleId>{5940675A-B579-460E-94D1-54222C63F5DA}</a:tableStyleId>
+              </a:tblPr>
+              <a:tblGrid>
+                <a:gridCol w="2709333">
+                  <a:extLst>
+                    <a:ext uri="{9D8B030D-6E8A-4147-A177-3AD203B41FA5}">
+                      <a16:colId xmlns:a16="http://schemas.microsoft.com/office/drawing/2014/main" val="765496800"/>
+                    </a:ext>
+                  </a:extLst>
+                </a:gridCol>
+                <a:gridCol w="2709333">
+                  <a:extLst>
+                    <a:ext uri="{9D8B030D-6E8A-4147-A177-3AD203B41FA5}">
+                      <a16:colId xmlns:a16="http://schemas.microsoft.com/office/drawing/2014/main" val="885026404"/>
+                    </a:ext>
+                  </a:extLst>
+                </a:gridCol>
+                <a:gridCol w="2709333">
+                  <a:extLst>
+                    <a:ext uri="{9D8B030D-6E8A-4147-A177-3AD203B41FA5}">
+                      <a16:colId xmlns:a16="http://schemas.microsoft.com/office/drawing/2014/main" val="3961737447"/>
+                    </a:ext>
+                  </a:extLst>
+                </a:gridCol>
+              </a:tblGrid>
+              <a:tr h="370840">
+                <a:tc>
+                  <a:txBody>
+                    <a:bodyPr/>
+                    <a:lstStyle/>
+                    <a:p>
+                      <a:r>
+                        <a:rPr lang="en-US" b="1" dirty="0"/>
+                        <a:t>Emitter Side </a:t>
+                      </a:r>
+                    </a:p>
+                  </a:txBody>
+                  <a:tcPr/>
+                </a:tc>
+                <a:tc>
+                  <a:txBody>
+                    <a:bodyPr/>
+                    <a:lstStyle/>
+                    <a:p>
+                      <a:pPr algn="ctr"/>
+                      <a:r>
+                        <a:rPr lang="en-US" b="1" dirty="0"/>
+                        <a:t>Breakout Box </a:t>
+                      </a:r>
+                    </a:p>
+                  </a:txBody>
+                  <a:tcPr>
+                    <a:solidFill>
+                      <a:schemeClr val="accent4">
+                        <a:lumMod val="40000"/>
+                        <a:lumOff val="60000"/>
+                      </a:schemeClr>
+                    </a:solidFill>
+                  </a:tcPr>
+                </a:tc>
+                <a:tc>
+                  <a:txBody>
+                    <a:bodyPr/>
+                    <a:lstStyle/>
+                    <a:p>
+                      <a:pPr algn="ctr"/>
+                      <a:r>
+                        <a:rPr lang="en-US" b="1" dirty="0"/>
+                        <a:t>DAC</a:t>
+                      </a:r>
+                    </a:p>
+                    <a:p>
+                      <a:pPr algn="ctr"/>
+                      <a:endParaRPr lang="en-US" b="1" dirty="0"/>
+                    </a:p>
+                  </a:txBody>
+                  <a:tcPr>
+                    <a:solidFill>
+                      <a:schemeClr val="accent6">
+                        <a:lumMod val="40000"/>
+                        <a:lumOff val="60000"/>
+                      </a:schemeClr>
+                    </a:solidFill>
+                  </a:tcPr>
+                </a:tc>
+                <a:extLst>
+                  <a:ext uri="{0D108BD9-81ED-4DB2-BD59-A6C34878D82A}">
+                    <a16:rowId xmlns:a16="http://schemas.microsoft.com/office/drawing/2014/main" val="2162183286"/>
+                  </a:ext>
+                </a:extLst>
+              </a:tr>
+              <a:tr h="370840">
+                <a:tc>
+                  <a:txBody>
+                    <a:bodyPr/>
+                    <a:lstStyle/>
+                    <a:p>
+                      <a:r>
+                        <a:rPr lang="en-US" dirty="0"/>
+                        <a:t>Top Metal</a:t>
+                      </a:r>
+                    </a:p>
+                  </a:txBody>
+                  <a:tcPr/>
+                </a:tc>
+                <a:tc>
+                  <a:txBody>
+                    <a:bodyPr/>
+                    <a:lstStyle/>
+                    <a:p>
+                      <a:pPr algn="ctr"/>
+                      <a:r>
+                        <a:rPr lang="en-US" dirty="0"/>
+                        <a:t>B6</a:t>
+                      </a:r>
+                    </a:p>
+                  </a:txBody>
+                  <a:tcPr>
+                    <a:solidFill>
+                      <a:schemeClr val="accent4">
+                        <a:lumMod val="40000"/>
+                        <a:lumOff val="60000"/>
+                      </a:schemeClr>
+                    </a:solidFill>
+                  </a:tcPr>
+                </a:tc>
+                <a:tc>
+                  <a:txBody>
+                    <a:bodyPr/>
+                    <a:lstStyle/>
+                    <a:p>
+                      <a:pPr algn="ctr"/>
+                      <a:r>
+                        <a:rPr lang="en-US" dirty="0"/>
+                        <a:t>14</a:t>
+                      </a:r>
+                    </a:p>
+                  </a:txBody>
+                  <a:tcPr>
+                    <a:solidFill>
+                      <a:schemeClr val="accent6">
+                        <a:lumMod val="40000"/>
+                        <a:lumOff val="60000"/>
+                      </a:schemeClr>
+                    </a:solidFill>
+                  </a:tcPr>
+                </a:tc>
+                <a:extLst>
+                  <a:ext uri="{0D108BD9-81ED-4DB2-BD59-A6C34878D82A}">
+                    <a16:rowId xmlns:a16="http://schemas.microsoft.com/office/drawing/2014/main" val="649801211"/>
+                  </a:ext>
+                </a:extLst>
+              </a:tr>
+              <a:tr h="370840">
+                <a:tc>
+                  <a:txBody>
+                    <a:bodyPr/>
+                    <a:lstStyle/>
+                    <a:p>
+                      <a:r>
+                        <a:rPr lang="en-US" dirty="0"/>
+                        <a:t>STO </a:t>
+                      </a:r>
+                    </a:p>
+                  </a:txBody>
+                  <a:tcPr/>
+                </a:tc>
+                <a:tc>
+                  <a:txBody>
+                    <a:bodyPr/>
+                    <a:lstStyle/>
+                    <a:p>
+                      <a:pPr algn="ctr"/>
+                      <a:r>
+                        <a:rPr lang="en-US" dirty="0"/>
+                        <a:t>21</a:t>
+                      </a:r>
+                    </a:p>
+                  </a:txBody>
+                  <a:tcPr>
+                    <a:solidFill>
+                      <a:schemeClr val="accent4">
+                        <a:lumMod val="40000"/>
+                        <a:lumOff val="60000"/>
+                      </a:schemeClr>
+                    </a:solidFill>
+                  </a:tcPr>
+                </a:tc>
+                <a:tc>
+                  <a:txBody>
+                    <a:bodyPr/>
+                    <a:lstStyle/>
+                    <a:p>
+                      <a:pPr algn="ctr"/>
+                      <a:r>
+                        <a:rPr lang="en-US" dirty="0"/>
+                        <a:t>24</a:t>
+                      </a:r>
+                    </a:p>
+                  </a:txBody>
+                  <a:tcPr>
+                    <a:solidFill>
+                      <a:schemeClr val="accent6">
+                        <a:lumMod val="40000"/>
+                        <a:lumOff val="60000"/>
+                      </a:schemeClr>
+                    </a:solidFill>
+                  </a:tcPr>
+                </a:tc>
+                <a:extLst>
+                  <a:ext uri="{0D108BD9-81ED-4DB2-BD59-A6C34878D82A}">
+                    <a16:rowId xmlns:a16="http://schemas.microsoft.com/office/drawing/2014/main" val="2123962918"/>
+                  </a:ext>
+                </a:extLst>
+              </a:tr>
+              <a:tr h="370840">
+                <a:tc>
+                  <a:txBody>
+                    <a:bodyPr/>
+                    <a:lstStyle/>
+                    <a:p>
+                      <a:r>
+                        <a:rPr lang="en-US" dirty="0"/>
+                        <a:t>STI</a:t>
+                      </a:r>
+                    </a:p>
+                  </a:txBody>
+                  <a:tcPr/>
+                </a:tc>
+                <a:tc>
+                  <a:txBody>
+                    <a:bodyPr/>
+                    <a:lstStyle/>
+                    <a:p>
+                      <a:pPr algn="ctr"/>
+                      <a:r>
+                        <a:rPr lang="en-US" dirty="0"/>
+                        <a:t>7</a:t>
+                      </a:r>
+                    </a:p>
+                  </a:txBody>
+                  <a:tcPr>
+                    <a:solidFill>
+                      <a:schemeClr val="accent4">
+                        <a:lumMod val="40000"/>
+                        <a:lumOff val="60000"/>
+                      </a:schemeClr>
+                    </a:solidFill>
+                  </a:tcPr>
+                </a:tc>
+                <a:tc>
+                  <a:txBody>
+                    <a:bodyPr/>
+                    <a:lstStyle/>
+                    <a:p>
+                      <a:pPr algn="ctr"/>
+                      <a:r>
+                        <a:rPr lang="en-US" dirty="0"/>
+                        <a:t>11</a:t>
+                      </a:r>
+                    </a:p>
+                  </a:txBody>
+                  <a:tcPr>
+                    <a:solidFill>
+                      <a:schemeClr val="accent6">
+                        <a:lumMod val="40000"/>
+                        <a:lumOff val="60000"/>
+                      </a:schemeClr>
+                    </a:solidFill>
+                  </a:tcPr>
+                </a:tc>
+                <a:extLst>
+                  <a:ext uri="{0D108BD9-81ED-4DB2-BD59-A6C34878D82A}">
+                    <a16:rowId xmlns:a16="http://schemas.microsoft.com/office/drawing/2014/main" val="3779078563"/>
+                  </a:ext>
+                </a:extLst>
+              </a:tr>
+              <a:tr h="370840">
+                <a:tc>
+                  <a:txBody>
+                    <a:bodyPr/>
+                    <a:lstStyle/>
+                    <a:p>
+                      <a:r>
+                        <a:rPr lang="en-US" dirty="0"/>
+                        <a:t>STM</a:t>
+                      </a:r>
+                    </a:p>
+                  </a:txBody>
+                  <a:tcPr/>
+                </a:tc>
+                <a:tc>
+                  <a:txBody>
+                    <a:bodyPr/>
+                    <a:lstStyle/>
+                    <a:p>
+                      <a:pPr algn="ctr"/>
+                      <a:r>
+                        <a:rPr lang="en-US" dirty="0"/>
+                        <a:t>A3</a:t>
+                      </a:r>
+                    </a:p>
+                  </a:txBody>
+                  <a:tcPr>
+                    <a:solidFill>
+                      <a:schemeClr val="accent4">
+                        <a:lumMod val="40000"/>
+                        <a:lumOff val="60000"/>
+                      </a:schemeClr>
+                    </a:solidFill>
+                  </a:tcPr>
+                </a:tc>
+                <a:tc>
+                  <a:txBody>
+                    <a:bodyPr/>
+                    <a:lstStyle/>
+                    <a:p>
+                      <a:pPr algn="ctr"/>
+                      <a:r>
+                        <a:rPr lang="en-US" dirty="0"/>
+                        <a:t>16</a:t>
+                      </a:r>
+                    </a:p>
+                  </a:txBody>
+                  <a:tcPr>
+                    <a:solidFill>
+                      <a:schemeClr val="accent6">
+                        <a:lumMod val="40000"/>
+                        <a:lumOff val="60000"/>
+                      </a:schemeClr>
+                    </a:solidFill>
+                  </a:tcPr>
+                </a:tc>
+                <a:extLst>
+                  <a:ext uri="{0D108BD9-81ED-4DB2-BD59-A6C34878D82A}">
+                    <a16:rowId xmlns:a16="http://schemas.microsoft.com/office/drawing/2014/main" val="734622407"/>
+                  </a:ext>
+                </a:extLst>
+              </a:tr>
+              <a:tr h="370840">
+                <a:tc>
+                  <a:txBody>
+                    <a:bodyPr/>
+                    <a:lstStyle/>
+                    <a:p>
+                      <a:r>
+                        <a:rPr lang="en-US" dirty="0"/>
+                        <a:t>Door</a:t>
+                      </a:r>
+                    </a:p>
+                  </a:txBody>
+                  <a:tcPr/>
+                </a:tc>
+                <a:tc>
+                  <a:txBody>
+                    <a:bodyPr/>
+                    <a:lstStyle/>
+                    <a:p>
+                      <a:pPr algn="ctr"/>
+                      <a:r>
+                        <a:rPr lang="en-US" dirty="0"/>
+                        <a:t>9</a:t>
+                      </a:r>
+                    </a:p>
+                  </a:txBody>
+                  <a:tcPr>
+                    <a:solidFill>
+                      <a:schemeClr val="accent4">
+                        <a:lumMod val="40000"/>
+                        <a:lumOff val="60000"/>
+                      </a:schemeClr>
+                    </a:solidFill>
+                  </a:tcPr>
+                </a:tc>
+                <a:tc>
+                  <a:txBody>
+                    <a:bodyPr/>
+                    <a:lstStyle/>
+                    <a:p>
+                      <a:pPr algn="ctr"/>
+                      <a:r>
+                        <a:rPr lang="en-US" dirty="0"/>
+                        <a:t>15 (open)/23 (close)</a:t>
+                      </a:r>
+                    </a:p>
+                  </a:txBody>
+                  <a:tcPr>
+                    <a:solidFill>
+                      <a:schemeClr val="accent6">
+                        <a:lumMod val="40000"/>
+                        <a:lumOff val="60000"/>
+                      </a:schemeClr>
+                    </a:solidFill>
+                  </a:tcPr>
+                </a:tc>
+                <a:extLst>
+                  <a:ext uri="{0D108BD9-81ED-4DB2-BD59-A6C34878D82A}">
+                    <a16:rowId xmlns:a16="http://schemas.microsoft.com/office/drawing/2014/main" val="3334781734"/>
+                  </a:ext>
+                </a:extLst>
+              </a:tr>
+              <a:tr h="370840">
+                <a:tc>
+                  <a:txBody>
+                    <a:bodyPr/>
+                    <a:lstStyle/>
+                    <a:p>
+                      <a:r>
+                        <a:rPr lang="en-US" dirty="0"/>
+                        <a:t>TF</a:t>
+                      </a:r>
+                    </a:p>
+                  </a:txBody>
+                  <a:tcPr/>
+                </a:tc>
+                <a:tc>
+                  <a:txBody>
+                    <a:bodyPr/>
+                    <a:lstStyle/>
+                    <a:p>
+                      <a:pPr algn="ctr"/>
+                      <a:r>
+                        <a:rPr lang="en-US" dirty="0"/>
+                        <a:t>B3,23</a:t>
+                      </a:r>
+                    </a:p>
+                  </a:txBody>
+                  <a:tcPr>
+                    <a:solidFill>
+                      <a:schemeClr val="accent4">
+                        <a:lumMod val="40000"/>
+                        <a:lumOff val="60000"/>
+                      </a:schemeClr>
+                    </a:solidFill>
+                  </a:tcPr>
+                </a:tc>
+                <a:tc>
+                  <a:txBody>
+                    <a:bodyPr/>
+                    <a:lstStyle/>
+                    <a:p>
+                      <a:pPr algn="ctr"/>
+                      <a:r>
+                        <a:rPr lang="en-US" dirty="0"/>
+                        <a:t>1</a:t>
+                      </a:r>
+                    </a:p>
+                  </a:txBody>
+                  <a:tcPr>
+                    <a:solidFill>
+                      <a:schemeClr val="accent6">
+                        <a:lumMod val="40000"/>
+                        <a:lumOff val="60000"/>
+                      </a:schemeClr>
+                    </a:solidFill>
+                  </a:tcPr>
+                </a:tc>
+                <a:extLst>
+                  <a:ext uri="{0D108BD9-81ED-4DB2-BD59-A6C34878D82A}">
+                    <a16:rowId xmlns:a16="http://schemas.microsoft.com/office/drawing/2014/main" val="3592015143"/>
+                  </a:ext>
+                </a:extLst>
+              </a:tr>
+            </a:tbl>
+          </a:graphicData>
+        </a:graphic>
+      </p:graphicFrame>
+      <p:graphicFrame>
+        <p:nvGraphicFramePr>
+          <p:cNvPr id="5" name="Table 4">
+            <a:extLst>
+              <a:ext uri="{FF2B5EF4-FFF2-40B4-BE49-F238E27FC236}">
+                <a16:creationId xmlns:a16="http://schemas.microsoft.com/office/drawing/2014/main" id="{5461EC84-DFB8-2151-2FEF-8500164A0981}"/>
+              </a:ext>
+            </a:extLst>
+          </p:cNvPr>
+          <p:cNvGraphicFramePr>
+            <a:graphicFrameLocks noGrp="1"/>
+          </p:cNvGraphicFramePr>
+          <p:nvPr>
+            <p:extLst>
+              <p:ext uri="{D42A27DB-BD31-4B8C-83A1-F6EECF244321}">
+                <p14:modId xmlns:p14="http://schemas.microsoft.com/office/powerpoint/2010/main" val="3624488066"/>
+              </p:ext>
+            </p:extLst>
+          </p:nvPr>
+        </p:nvGraphicFramePr>
+        <p:xfrm>
+          <a:off x="2032000" y="3641614"/>
+          <a:ext cx="8127999" cy="2865120"/>
+        </p:xfrm>
+        <a:graphic>
+          <a:graphicData uri="http://schemas.openxmlformats.org/drawingml/2006/table">
+            <a:tbl>
+              <a:tblPr firstRow="1" bandRow="1">
+                <a:tableStyleId>{5940675A-B579-460E-94D1-54222C63F5DA}</a:tableStyleId>
+              </a:tblPr>
+              <a:tblGrid>
+                <a:gridCol w="2709333">
+                  <a:extLst>
+                    <a:ext uri="{9D8B030D-6E8A-4147-A177-3AD203B41FA5}">
+                      <a16:colId xmlns:a16="http://schemas.microsoft.com/office/drawing/2014/main" val="765496800"/>
+                    </a:ext>
+                  </a:extLst>
+                </a:gridCol>
+                <a:gridCol w="2709333">
+                  <a:extLst>
+                    <a:ext uri="{9D8B030D-6E8A-4147-A177-3AD203B41FA5}">
+                      <a16:colId xmlns:a16="http://schemas.microsoft.com/office/drawing/2014/main" val="885026404"/>
+                    </a:ext>
+                  </a:extLst>
+                </a:gridCol>
+                <a:gridCol w="2709333">
+                  <a:extLst>
+                    <a:ext uri="{9D8B030D-6E8A-4147-A177-3AD203B41FA5}">
+                      <a16:colId xmlns:a16="http://schemas.microsoft.com/office/drawing/2014/main" val="3961737447"/>
+                    </a:ext>
+                  </a:extLst>
+                </a:gridCol>
+              </a:tblGrid>
+              <a:tr h="286561">
+                <a:tc>
+                  <a:txBody>
+                    <a:bodyPr/>
+                    <a:lstStyle/>
+                    <a:p>
+                      <a:r>
+                        <a:rPr lang="en-US" b="1" dirty="0"/>
+                        <a:t>Collector Side </a:t>
+                      </a:r>
+                    </a:p>
+                  </a:txBody>
+                  <a:tcPr/>
+                </a:tc>
+                <a:tc>
+                  <a:txBody>
+                    <a:bodyPr/>
+                    <a:lstStyle/>
+                    <a:p>
+                      <a:pPr algn="ctr"/>
+                      <a:r>
+                        <a:rPr lang="en-US" b="1" dirty="0"/>
+                        <a:t>Breakout Box </a:t>
+                      </a:r>
+                    </a:p>
+                  </a:txBody>
+                  <a:tcPr>
+                    <a:solidFill>
+                      <a:schemeClr val="accent2">
+                        <a:lumMod val="40000"/>
+                        <a:lumOff val="60000"/>
+                      </a:schemeClr>
+                    </a:solidFill>
+                  </a:tcPr>
+                </a:tc>
+                <a:tc>
+                  <a:txBody>
+                    <a:bodyPr/>
+                    <a:lstStyle/>
+                    <a:p>
+                      <a:pPr algn="ctr"/>
+                      <a:r>
+                        <a:rPr lang="en-US" b="1" dirty="0"/>
+                        <a:t>DAC</a:t>
+                      </a:r>
+                    </a:p>
+                    <a:p>
+                      <a:pPr algn="ctr"/>
+                      <a:endParaRPr lang="en-US" b="1" dirty="0"/>
+                    </a:p>
+                  </a:txBody>
+                  <a:tcPr>
+                    <a:solidFill>
+                      <a:schemeClr val="accent1">
+                        <a:lumMod val="20000"/>
+                        <a:lumOff val="80000"/>
+                      </a:schemeClr>
+                    </a:solidFill>
+                  </a:tcPr>
+                </a:tc>
+                <a:extLst>
+                  <a:ext uri="{0D108BD9-81ED-4DB2-BD59-A6C34878D82A}">
+                    <a16:rowId xmlns:a16="http://schemas.microsoft.com/office/drawing/2014/main" val="2162183286"/>
+                  </a:ext>
+                </a:extLst>
+              </a:tr>
+              <a:tr h="370840">
+                <a:tc>
+                  <a:txBody>
+                    <a:bodyPr/>
+                    <a:lstStyle/>
+                    <a:p>
+                      <a:r>
+                        <a:rPr lang="en-US" dirty="0"/>
+                        <a:t>Top Metal</a:t>
+                      </a:r>
+                    </a:p>
+                  </a:txBody>
+                  <a:tcPr/>
+                </a:tc>
+                <a:tc>
+                  <a:txBody>
+                    <a:bodyPr/>
+                    <a:lstStyle/>
+                    <a:p>
+                      <a:pPr algn="ctr"/>
+                      <a:r>
+                        <a:rPr lang="en-US" dirty="0"/>
+                        <a:t>A1</a:t>
+                      </a:r>
+                    </a:p>
+                  </a:txBody>
+                  <a:tcPr>
+                    <a:solidFill>
+                      <a:schemeClr val="accent2">
+                        <a:lumMod val="40000"/>
+                        <a:lumOff val="60000"/>
+                      </a:schemeClr>
+                    </a:solidFill>
+                  </a:tcPr>
+                </a:tc>
+                <a:tc>
+                  <a:txBody>
+                    <a:bodyPr/>
+                    <a:lstStyle/>
+                    <a:p>
+                      <a:pPr algn="ctr"/>
+                      <a:r>
+                        <a:rPr lang="en-US" dirty="0"/>
+                        <a:t>18</a:t>
+                      </a:r>
+                    </a:p>
+                  </a:txBody>
+                  <a:tcPr>
+                    <a:solidFill>
+                      <a:schemeClr val="accent1">
+                        <a:lumMod val="20000"/>
+                        <a:lumOff val="80000"/>
+                      </a:schemeClr>
+                    </a:solidFill>
+                  </a:tcPr>
+                </a:tc>
+                <a:extLst>
+                  <a:ext uri="{0D108BD9-81ED-4DB2-BD59-A6C34878D82A}">
+                    <a16:rowId xmlns:a16="http://schemas.microsoft.com/office/drawing/2014/main" val="649801211"/>
+                  </a:ext>
+                </a:extLst>
+              </a:tr>
+              <a:tr h="370840">
+                <a:tc>
+                  <a:txBody>
+                    <a:bodyPr/>
+                    <a:lstStyle/>
+                    <a:p>
+                      <a:r>
+                        <a:rPr lang="en-US" dirty="0"/>
+                        <a:t>STO </a:t>
+                      </a:r>
+                    </a:p>
+                  </a:txBody>
+                  <a:tcPr/>
+                </a:tc>
+                <a:tc>
+                  <a:txBody>
+                    <a:bodyPr/>
+                    <a:lstStyle/>
+                    <a:p>
+                      <a:pPr algn="ctr"/>
+                      <a:r>
+                        <a:rPr lang="en-US" dirty="0"/>
+                        <a:t>3</a:t>
+                      </a:r>
+                    </a:p>
+                  </a:txBody>
+                  <a:tcPr>
+                    <a:solidFill>
+                      <a:schemeClr val="accent2">
+                        <a:lumMod val="40000"/>
+                        <a:lumOff val="60000"/>
+                      </a:schemeClr>
+                    </a:solidFill>
+                  </a:tcPr>
+                </a:tc>
+                <a:tc>
+                  <a:txBody>
+                    <a:bodyPr/>
+                    <a:lstStyle/>
+                    <a:p>
+                      <a:pPr algn="ctr"/>
+                      <a:r>
+                        <a:rPr lang="en-US" dirty="0"/>
+                        <a:t>22</a:t>
+                      </a:r>
+                    </a:p>
+                  </a:txBody>
+                  <a:tcPr>
+                    <a:solidFill>
+                      <a:schemeClr val="accent1">
+                        <a:lumMod val="20000"/>
+                        <a:lumOff val="80000"/>
+                      </a:schemeClr>
+                    </a:solidFill>
+                  </a:tcPr>
+                </a:tc>
+                <a:extLst>
+                  <a:ext uri="{0D108BD9-81ED-4DB2-BD59-A6C34878D82A}">
+                    <a16:rowId xmlns:a16="http://schemas.microsoft.com/office/drawing/2014/main" val="2123962918"/>
+                  </a:ext>
+                </a:extLst>
+              </a:tr>
+              <a:tr h="370840">
+                <a:tc>
+                  <a:txBody>
+                    <a:bodyPr/>
+                    <a:lstStyle/>
+                    <a:p>
+                      <a:r>
+                        <a:rPr lang="en-US" dirty="0"/>
+                        <a:t>STI</a:t>
+                      </a:r>
+                    </a:p>
+                  </a:txBody>
+                  <a:tcPr/>
+                </a:tc>
+                <a:tc>
+                  <a:txBody>
+                    <a:bodyPr/>
+                    <a:lstStyle/>
+                    <a:p>
+                      <a:pPr algn="ctr"/>
+                      <a:r>
+                        <a:rPr lang="en-US" dirty="0"/>
+                        <a:t>5</a:t>
+                      </a:r>
+                    </a:p>
+                  </a:txBody>
+                  <a:tcPr>
+                    <a:solidFill>
+                      <a:schemeClr val="accent2">
+                        <a:lumMod val="40000"/>
+                        <a:lumOff val="60000"/>
+                      </a:schemeClr>
+                    </a:solidFill>
+                  </a:tcPr>
+                </a:tc>
+                <a:tc>
+                  <a:txBody>
+                    <a:bodyPr/>
+                    <a:lstStyle/>
+                    <a:p>
+                      <a:pPr algn="ctr"/>
+                      <a:r>
+                        <a:rPr lang="en-US" dirty="0"/>
+                        <a:t>2</a:t>
+                      </a:r>
+                    </a:p>
+                  </a:txBody>
+                  <a:tcPr>
+                    <a:solidFill>
+                      <a:schemeClr val="accent1">
+                        <a:lumMod val="20000"/>
+                        <a:lumOff val="80000"/>
+                      </a:schemeClr>
+                    </a:solidFill>
+                  </a:tcPr>
+                </a:tc>
+                <a:extLst>
+                  <a:ext uri="{0D108BD9-81ED-4DB2-BD59-A6C34878D82A}">
+                    <a16:rowId xmlns:a16="http://schemas.microsoft.com/office/drawing/2014/main" val="3779078563"/>
+                  </a:ext>
+                </a:extLst>
+              </a:tr>
+              <a:tr h="370840">
+                <a:tc>
+                  <a:txBody>
+                    <a:bodyPr/>
+                    <a:lstStyle/>
+                    <a:p>
+                      <a:r>
+                        <a:rPr lang="en-US" dirty="0"/>
+                        <a:t>STM</a:t>
+                      </a:r>
+                    </a:p>
+                  </a:txBody>
+                  <a:tcPr/>
+                </a:tc>
+                <a:tc>
+                  <a:txBody>
+                    <a:bodyPr/>
+                    <a:lstStyle/>
+                    <a:p>
+                      <a:pPr algn="ctr"/>
+                      <a:r>
+                        <a:rPr lang="en-US" dirty="0"/>
+                        <a:t>B4</a:t>
+                      </a:r>
+                    </a:p>
+                  </a:txBody>
+                  <a:tcPr>
+                    <a:solidFill>
+                      <a:schemeClr val="accent2">
+                        <a:lumMod val="40000"/>
+                        <a:lumOff val="60000"/>
+                      </a:schemeClr>
+                    </a:solidFill>
+                  </a:tcPr>
+                </a:tc>
+                <a:tc>
+                  <a:txBody>
+                    <a:bodyPr/>
+                    <a:lstStyle/>
+                    <a:p>
+                      <a:pPr algn="ctr"/>
+                      <a:r>
+                        <a:rPr lang="en-US" dirty="0"/>
+                        <a:t>20</a:t>
+                      </a:r>
+                    </a:p>
+                  </a:txBody>
+                  <a:tcPr>
+                    <a:solidFill>
+                      <a:schemeClr val="accent1">
+                        <a:lumMod val="20000"/>
+                        <a:lumOff val="80000"/>
+                      </a:schemeClr>
+                    </a:solidFill>
+                  </a:tcPr>
+                </a:tc>
+                <a:extLst>
+                  <a:ext uri="{0D108BD9-81ED-4DB2-BD59-A6C34878D82A}">
+                    <a16:rowId xmlns:a16="http://schemas.microsoft.com/office/drawing/2014/main" val="734622407"/>
+                  </a:ext>
+                </a:extLst>
+              </a:tr>
+              <a:tr h="370840">
+                <a:tc>
+                  <a:txBody>
+                    <a:bodyPr/>
+                    <a:lstStyle/>
+                    <a:p>
+                      <a:r>
+                        <a:rPr lang="en-US" dirty="0"/>
+                        <a:t>Door</a:t>
+                      </a:r>
+                    </a:p>
+                  </a:txBody>
+                  <a:tcPr/>
+                </a:tc>
+                <a:tc>
+                  <a:txBody>
+                    <a:bodyPr/>
+                    <a:lstStyle/>
+                    <a:p>
+                      <a:pPr algn="ctr"/>
+                      <a:r>
+                        <a:rPr lang="en-US" dirty="0"/>
+                        <a:t>1</a:t>
+                      </a:r>
+                    </a:p>
+                  </a:txBody>
+                  <a:tcPr>
+                    <a:solidFill>
+                      <a:schemeClr val="accent2">
+                        <a:lumMod val="40000"/>
+                        <a:lumOff val="60000"/>
+                      </a:schemeClr>
+                    </a:solidFill>
+                  </a:tcPr>
+                </a:tc>
+                <a:tc>
+                  <a:txBody>
+                    <a:bodyPr/>
+                    <a:lstStyle/>
+                    <a:p>
+                      <a:pPr algn="ctr"/>
+                      <a:r>
+                        <a:rPr lang="en-US" dirty="0"/>
+                        <a:t>13 (open)/21 (close)</a:t>
+                      </a:r>
+                    </a:p>
+                  </a:txBody>
+                  <a:tcPr>
+                    <a:solidFill>
+                      <a:schemeClr val="accent1">
+                        <a:lumMod val="20000"/>
+                        <a:lumOff val="80000"/>
+                      </a:schemeClr>
+                    </a:solidFill>
+                  </a:tcPr>
+                </a:tc>
+                <a:extLst>
+                  <a:ext uri="{0D108BD9-81ED-4DB2-BD59-A6C34878D82A}">
+                    <a16:rowId xmlns:a16="http://schemas.microsoft.com/office/drawing/2014/main" val="3334781734"/>
+                  </a:ext>
+                </a:extLst>
+              </a:tr>
+              <a:tr h="370840">
+                <a:tc>
+                  <a:txBody>
+                    <a:bodyPr/>
+                    <a:lstStyle/>
+                    <a:p>
+                      <a:r>
+                        <a:rPr lang="en-US" dirty="0"/>
+                        <a:t>TF</a:t>
+                      </a:r>
+                    </a:p>
+                  </a:txBody>
+                  <a:tcPr/>
+                </a:tc>
+                <a:tc>
+                  <a:txBody>
+                    <a:bodyPr/>
+                    <a:lstStyle/>
+                    <a:p>
+                      <a:pPr algn="ctr"/>
+                      <a:r>
+                        <a:rPr lang="en-US" dirty="0"/>
+                        <a:t>19,B1</a:t>
+                      </a:r>
+                    </a:p>
+                  </a:txBody>
+                  <a:tcPr>
+                    <a:solidFill>
+                      <a:schemeClr val="accent2">
+                        <a:lumMod val="40000"/>
+                        <a:lumOff val="60000"/>
+                      </a:schemeClr>
+                    </a:solidFill>
+                  </a:tcPr>
+                </a:tc>
+                <a:tc>
+                  <a:txBody>
+                    <a:bodyPr/>
+                    <a:lstStyle/>
+                    <a:p>
+                      <a:pPr algn="ctr"/>
+                      <a:r>
+                        <a:rPr lang="en-US" dirty="0"/>
+                        <a:t>3</a:t>
+                      </a:r>
+                    </a:p>
+                  </a:txBody>
+                  <a:tcPr>
+                    <a:solidFill>
+                      <a:schemeClr val="accent1">
+                        <a:lumMod val="20000"/>
+                        <a:lumOff val="80000"/>
+                      </a:schemeClr>
+                    </a:solidFill>
+                  </a:tcPr>
+                </a:tc>
+                <a:extLst>
+                  <a:ext uri="{0D108BD9-81ED-4DB2-BD59-A6C34878D82A}">
+                    <a16:rowId xmlns:a16="http://schemas.microsoft.com/office/drawing/2014/main" val="892961634"/>
+                  </a:ext>
+                </a:extLst>
+              </a:tr>
+            </a:tbl>
+          </a:graphicData>
+        </a:graphic>
+      </p:graphicFrame>
+    </p:spTree>
+    <p:extLst>
+      <p:ext uri="{BB962C8B-B14F-4D97-AF65-F5344CB8AC3E}">
+        <p14:creationId xmlns:p14="http://schemas.microsoft.com/office/powerpoint/2010/main" val="2327606000"/>
+      </p:ext>
+    </p:extLst>
+  </p:cSld>
+  <p:clrMapOvr>
+    <a:masterClrMapping/>
+  </p:clrMapOvr>
+</p:sld>
+</file>
+
+<file path=ppt/slides/slide8.xml><?xml version="1.0" encoding="utf-8"?>
+<p:sld xmlns:a="http://schemas.openxmlformats.org/drawingml/2006/main" xmlns:r="http://schemas.openxmlformats.org/officeDocument/2006/relationships" xmlns:p="http://schemas.openxmlformats.org/presentationml/2006/main">
+  <p:cSld>
+    <p:spTree>
+      <p:nvGrpSpPr>
+        <p:cNvPr id="1" name=""/>
+        <p:cNvGrpSpPr/>
+        <p:nvPr/>
+      </p:nvGrpSpPr>
+      <p:grpSpPr>
+        <a:xfrm>
+          <a:off x="0" y="0"/>
+          <a:ext cx="0" cy="0"/>
+          <a:chOff x="0" y="0"/>
+          <a:chExt cx="0" cy="0"/>
+        </a:xfrm>
+      </p:grpSpPr>
+      <p:sp>
+        <p:nvSpPr>
+          <p:cNvPr id="4" name="Title 3">
+            <a:extLst>
+              <a:ext uri="{FF2B5EF4-FFF2-40B4-BE49-F238E27FC236}">
+                <a16:creationId xmlns:a16="http://schemas.microsoft.com/office/drawing/2014/main" id="{31364A5B-8F1D-7B11-EFE8-6E8FA44211D0}"/>
+              </a:ext>
+            </a:extLst>
+          </p:cNvPr>
+          <p:cNvSpPr>
+            <a:spLocks noGrp="1"/>
+          </p:cNvSpPr>
+          <p:nvPr>
+            <p:ph type="ctrTitle"/>
+          </p:nvPr>
+        </p:nvSpPr>
+        <p:spPr/>
+        <p:txBody>
+          <a:bodyPr/>
+          <a:lstStyle/>
+          <a:p>
+            <a:r>
+              <a:rPr lang="en-US" dirty="0"/>
+              <a:t>Wigner</a:t>
+            </a:r>
+          </a:p>
+        </p:txBody>
+      </p:sp>
+      <p:sp>
+        <p:nvSpPr>
+          <p:cNvPr id="5" name="Subtitle 4">
+            <a:extLst>
+              <a:ext uri="{FF2B5EF4-FFF2-40B4-BE49-F238E27FC236}">
+                <a16:creationId xmlns:a16="http://schemas.microsoft.com/office/drawing/2014/main" id="{6AC91B0F-408D-7ECB-DB54-DBF0025E189E}"/>
+              </a:ext>
+            </a:extLst>
+          </p:cNvPr>
+          <p:cNvSpPr>
+            <a:spLocks noGrp="1"/>
+          </p:cNvSpPr>
+          <p:nvPr>
+            <p:ph type="subTitle" idx="1"/>
+          </p:nvPr>
+        </p:nvSpPr>
+        <p:spPr/>
+        <p:txBody>
+          <a:bodyPr/>
+          <a:lstStyle/>
+          <a:p>
+            <a:endParaRPr lang="en-US"/>
+          </a:p>
+        </p:txBody>
+      </p:sp>
+    </p:spTree>
+    <p:extLst>
+      <p:ext uri="{BB962C8B-B14F-4D97-AF65-F5344CB8AC3E}">
+        <p14:creationId xmlns:p14="http://schemas.microsoft.com/office/powerpoint/2010/main" val="2911857677"/>
+      </p:ext>
+    </p:extLst>
+  </p:cSld>
+  <p:clrMapOvr>
+    <a:masterClrMapping/>
+  </p:clrMapOvr>
+</p:sld>
+</file>
+
+<file path=ppt/slides/slide9.xml><?xml version="1.0" encoding="utf-8"?>
+<p:sld xmlns:a="http://schemas.openxmlformats.org/drawingml/2006/main" xmlns:r="http://schemas.openxmlformats.org/officeDocument/2006/relationships" xmlns:p="http://schemas.openxmlformats.org/presentationml/2006/main">
+  <p:cSld>
+    <p:spTree>
+      <p:nvGrpSpPr>
+        <p:cNvPr id="1" name=""/>
+        <p:cNvGrpSpPr/>
+        <p:nvPr/>
+      </p:nvGrpSpPr>
+      <p:grpSpPr>
+        <a:xfrm>
+          <a:off x="0" y="0"/>
+          <a:ext cx="0" cy="0"/>
+          <a:chOff x="0" y="0"/>
+          <a:chExt cx="0" cy="0"/>
+        </a:xfrm>
+      </p:grpSpPr>
+      <p:sp>
+        <p:nvSpPr>
+          <p:cNvPr id="4" name="Oval 3">
+            <a:extLst>
+              <a:ext uri="{FF2B5EF4-FFF2-40B4-BE49-F238E27FC236}">
+                <a16:creationId xmlns:a16="http://schemas.microsoft.com/office/drawing/2014/main" id="{D946A18F-56A6-3E1F-B3E0-65F70E8F53A8}"/>
+              </a:ext>
+            </a:extLst>
+          </p:cNvPr>
+          <p:cNvSpPr/>
+          <p:nvPr/>
+        </p:nvSpPr>
+        <p:spPr>
+          <a:xfrm>
+            <a:off x="3873500" y="571501"/>
+            <a:ext cx="424615" cy="419100"/>
+          </a:xfrm>
+          <a:prstGeom prst="ellipse">
+            <a:avLst/>
+          </a:prstGeom>
+        </p:spPr>
+        <p:style>
+          <a:lnRef idx="2">
+            <a:schemeClr val="accent6"/>
+          </a:lnRef>
+          <a:fillRef idx="1">
+            <a:schemeClr val="lt1"/>
+          </a:fillRef>
+          <a:effectRef idx="0">
+            <a:schemeClr val="accent6"/>
+          </a:effectRef>
+          <a:fontRef idx="minor">
+            <a:schemeClr val="dk1"/>
+          </a:fontRef>
+        </p:style>
+        <p:txBody>
+          <a:bodyPr rtlCol="0" anchor="ctr"/>
+          <a:lstStyle/>
+          <a:p>
+            <a:pPr algn="ctr"/>
+            <a:endParaRPr lang="en-US"/>
+          </a:p>
+        </p:txBody>
+      </p:sp>
+      <p:sp>
+        <p:nvSpPr>
+          <p:cNvPr id="5" name="Oval 4">
+            <a:extLst>
+              <a:ext uri="{FF2B5EF4-FFF2-40B4-BE49-F238E27FC236}">
+                <a16:creationId xmlns:a16="http://schemas.microsoft.com/office/drawing/2014/main" id="{F3FB28C8-CF1C-9BDD-1C55-1B673B50A7D0}"/>
+              </a:ext>
+            </a:extLst>
+          </p:cNvPr>
+          <p:cNvSpPr/>
+          <p:nvPr/>
+        </p:nvSpPr>
+        <p:spPr>
+          <a:xfrm>
+            <a:off x="4584700" y="571501"/>
+            <a:ext cx="424615" cy="419100"/>
+          </a:xfrm>
+          <a:prstGeom prst="ellipse">
+            <a:avLst/>
+          </a:prstGeom>
+        </p:spPr>
+        <p:style>
+          <a:lnRef idx="2">
+            <a:schemeClr val="accent6"/>
+          </a:lnRef>
+          <a:fillRef idx="1">
+            <a:schemeClr val="lt1"/>
+          </a:fillRef>
+          <a:effectRef idx="0">
+            <a:schemeClr val="accent6"/>
+          </a:effectRef>
+          <a:fontRef idx="minor">
+            <a:schemeClr val="dk1"/>
+          </a:fontRef>
+        </p:style>
+        <p:txBody>
+          <a:bodyPr rtlCol="0" anchor="ctr"/>
+          <a:lstStyle/>
+          <a:p>
+            <a:pPr algn="ctr"/>
+            <a:endParaRPr lang="en-US"/>
+          </a:p>
+        </p:txBody>
+      </p:sp>
+      <p:sp>
+        <p:nvSpPr>
+          <p:cNvPr id="6" name="Oval 5">
+            <a:extLst>
+              <a:ext uri="{FF2B5EF4-FFF2-40B4-BE49-F238E27FC236}">
+                <a16:creationId xmlns:a16="http://schemas.microsoft.com/office/drawing/2014/main" id="{3CA3BA78-56C2-F192-D969-3F1044FC5BFC}"/>
+              </a:ext>
+            </a:extLst>
+          </p:cNvPr>
+          <p:cNvSpPr/>
+          <p:nvPr/>
+        </p:nvSpPr>
+        <p:spPr>
+          <a:xfrm>
+            <a:off x="5295900" y="571501"/>
+            <a:ext cx="424615" cy="419100"/>
+          </a:xfrm>
+          <a:prstGeom prst="ellipse">
+            <a:avLst/>
+          </a:prstGeom>
+          <a:solidFill>
+            <a:schemeClr val="bg1"/>
+          </a:solidFill>
+          <a:ln>
+            <a:solidFill>
+              <a:schemeClr val="accent6"/>
+            </a:solidFill>
+          </a:ln>
+        </p:spPr>
+        <p:style>
+          <a:lnRef idx="2">
+            <a:schemeClr val="dk1">
+              <a:shade val="50000"/>
+            </a:schemeClr>
+          </a:lnRef>
+          <a:fillRef idx="1">
+            <a:schemeClr val="dk1"/>
+          </a:fillRef>
+          <a:effectRef idx="0">
+            <a:schemeClr val="dk1"/>
+          </a:effectRef>
+          <a:fontRef idx="minor">
+            <a:schemeClr val="lt1"/>
+          </a:fontRef>
+        </p:style>
+        <p:txBody>
+          <a:bodyPr rtlCol="0" anchor="ctr"/>
+          <a:lstStyle/>
+          <a:p>
+            <a:pPr algn="ctr"/>
+            <a:endParaRPr lang="en-US"/>
+          </a:p>
+        </p:txBody>
+      </p:sp>
+      <p:sp>
+        <p:nvSpPr>
+          <p:cNvPr id="7" name="Oval 6">
+            <a:extLst>
+              <a:ext uri="{FF2B5EF4-FFF2-40B4-BE49-F238E27FC236}">
+                <a16:creationId xmlns:a16="http://schemas.microsoft.com/office/drawing/2014/main" id="{5DBFB21A-DF21-F1E9-AF67-A1BF4805C81A}"/>
+              </a:ext>
+            </a:extLst>
+          </p:cNvPr>
+          <p:cNvSpPr/>
+          <p:nvPr/>
+        </p:nvSpPr>
+        <p:spPr>
+          <a:xfrm>
+            <a:off x="6007100" y="571501"/>
+            <a:ext cx="424615" cy="419100"/>
+          </a:xfrm>
+          <a:prstGeom prst="ellipse">
+            <a:avLst/>
+          </a:prstGeom>
+        </p:spPr>
+        <p:style>
+          <a:lnRef idx="2">
+            <a:schemeClr val="accent6"/>
+          </a:lnRef>
+          <a:fillRef idx="1">
+            <a:schemeClr val="lt1"/>
+          </a:fillRef>
+          <a:effectRef idx="0">
+            <a:schemeClr val="accent6"/>
+          </a:effectRef>
+          <a:fontRef idx="minor">
+            <a:schemeClr val="dk1"/>
+          </a:fontRef>
+        </p:style>
+        <p:txBody>
+          <a:bodyPr rtlCol="0" anchor="ctr"/>
+          <a:lstStyle/>
+          <a:p>
+            <a:pPr algn="ctr"/>
+            <a:endParaRPr lang="en-US"/>
+          </a:p>
+        </p:txBody>
+      </p:sp>
+      <p:sp>
+        <p:nvSpPr>
+          <p:cNvPr id="8" name="Oval 7">
+            <a:extLst>
+              <a:ext uri="{FF2B5EF4-FFF2-40B4-BE49-F238E27FC236}">
+                <a16:creationId xmlns:a16="http://schemas.microsoft.com/office/drawing/2014/main" id="{F0050BE3-0855-E87D-8C27-54E0E1827C1A}"/>
+              </a:ext>
+            </a:extLst>
+          </p:cNvPr>
+          <p:cNvSpPr/>
+          <p:nvPr/>
+        </p:nvSpPr>
+        <p:spPr>
+          <a:xfrm>
+            <a:off x="6718300" y="571501"/>
+            <a:ext cx="424615" cy="419100"/>
+          </a:xfrm>
+          <a:prstGeom prst="ellipse">
+            <a:avLst/>
+          </a:prstGeom>
+        </p:spPr>
+        <p:style>
+          <a:lnRef idx="2">
+            <a:schemeClr val="accent6"/>
+          </a:lnRef>
+          <a:fillRef idx="1">
+            <a:schemeClr val="lt1"/>
+          </a:fillRef>
+          <a:effectRef idx="0">
+            <a:schemeClr val="accent6"/>
+          </a:effectRef>
+          <a:fontRef idx="minor">
+            <a:schemeClr val="dk1"/>
+          </a:fontRef>
+        </p:style>
+        <p:txBody>
+          <a:bodyPr rtlCol="0" anchor="ctr"/>
+          <a:lstStyle/>
+          <a:p>
+            <a:pPr algn="ctr"/>
+            <a:endParaRPr lang="en-US"/>
+          </a:p>
+        </p:txBody>
+      </p:sp>
+      <p:sp>
+        <p:nvSpPr>
+          <p:cNvPr id="9" name="Oval 8">
+            <a:extLst>
+              <a:ext uri="{FF2B5EF4-FFF2-40B4-BE49-F238E27FC236}">
+                <a16:creationId xmlns:a16="http://schemas.microsoft.com/office/drawing/2014/main" id="{181329B8-59F0-BCDE-4A7A-08F539374242}"/>
+              </a:ext>
+            </a:extLst>
+          </p:cNvPr>
+          <p:cNvSpPr/>
+          <p:nvPr/>
+        </p:nvSpPr>
+        <p:spPr>
+          <a:xfrm>
+            <a:off x="7429500" y="571501"/>
+            <a:ext cx="424615" cy="419100"/>
+          </a:xfrm>
+          <a:prstGeom prst="ellipse">
+            <a:avLst/>
+          </a:prstGeom>
+        </p:spPr>
+        <p:style>
+          <a:lnRef idx="2">
+            <a:schemeClr val="accent6"/>
+          </a:lnRef>
+          <a:fillRef idx="1">
+            <a:schemeClr val="lt1"/>
+          </a:fillRef>
+          <a:effectRef idx="0">
+            <a:schemeClr val="accent6"/>
+          </a:effectRef>
+          <a:fontRef idx="minor">
+            <a:schemeClr val="dk1"/>
+          </a:fontRef>
+        </p:style>
+        <p:txBody>
+          <a:bodyPr rtlCol="0" anchor="ctr"/>
+          <a:lstStyle/>
+          <a:p>
+            <a:pPr algn="ctr"/>
+            <a:endParaRPr lang="en-US"/>
+          </a:p>
+        </p:txBody>
+      </p:sp>
+      <p:sp>
+        <p:nvSpPr>
+          <p:cNvPr id="10" name="Oval 9">
+            <a:extLst>
+              <a:ext uri="{FF2B5EF4-FFF2-40B4-BE49-F238E27FC236}">
+                <a16:creationId xmlns:a16="http://schemas.microsoft.com/office/drawing/2014/main" id="{01A29324-227D-CE00-879E-253419DB7FF5}"/>
+              </a:ext>
+            </a:extLst>
+          </p:cNvPr>
+          <p:cNvSpPr/>
+          <p:nvPr/>
+        </p:nvSpPr>
+        <p:spPr>
+          <a:xfrm>
+            <a:off x="3162300" y="571501"/>
+            <a:ext cx="424615" cy="419100"/>
+          </a:xfrm>
+          <a:prstGeom prst="ellipse">
+            <a:avLst/>
+          </a:prstGeom>
+        </p:spPr>
+        <p:style>
+          <a:lnRef idx="2">
+            <a:schemeClr val="accent6"/>
+          </a:lnRef>
+          <a:fillRef idx="1">
+            <a:schemeClr val="lt1"/>
+          </a:fillRef>
+          <a:effectRef idx="0">
+            <a:schemeClr val="accent6"/>
+          </a:effectRef>
+          <a:fontRef idx="minor">
+            <a:schemeClr val="dk1"/>
+          </a:fontRef>
+        </p:style>
+        <p:txBody>
+          <a:bodyPr rtlCol="0" anchor="ctr"/>
+          <a:lstStyle/>
+          <a:p>
+            <a:pPr algn="ctr"/>
+            <a:endParaRPr lang="en-US"/>
+          </a:p>
+        </p:txBody>
+      </p:sp>
+      <p:sp>
+        <p:nvSpPr>
+          <p:cNvPr id="11" name="Oval 10">
+            <a:extLst>
+              <a:ext uri="{FF2B5EF4-FFF2-40B4-BE49-F238E27FC236}">
+                <a16:creationId xmlns:a16="http://schemas.microsoft.com/office/drawing/2014/main" id="{E0DCA490-C29E-4DBF-0ACF-D7AF1CD3F1AA}"/>
+              </a:ext>
+            </a:extLst>
+          </p:cNvPr>
+          <p:cNvSpPr/>
+          <p:nvPr/>
+        </p:nvSpPr>
+        <p:spPr>
+          <a:xfrm>
+            <a:off x="8140700" y="571501"/>
+            <a:ext cx="424615" cy="419100"/>
+          </a:xfrm>
+          <a:prstGeom prst="ellipse">
+            <a:avLst/>
+          </a:prstGeom>
+          <a:solidFill>
+            <a:schemeClr val="tx1"/>
+          </a:solidFill>
+        </p:spPr>
+        <p:style>
+          <a:lnRef idx="2">
+            <a:schemeClr val="accent6"/>
+          </a:lnRef>
+          <a:fillRef idx="1">
+            <a:schemeClr val="lt1"/>
+          </a:fillRef>
+          <a:effectRef idx="0">
+            <a:schemeClr val="accent6"/>
+          </a:effectRef>
+          <a:fontRef idx="minor">
+            <a:schemeClr val="dk1"/>
+          </a:fontRef>
+        </p:style>
+        <p:txBody>
+          <a:bodyPr rtlCol="0" anchor="ctr"/>
+          <a:lstStyle/>
+          <a:p>
+            <a:pPr algn="ctr"/>
+            <a:endParaRPr lang="en-US"/>
+          </a:p>
+        </p:txBody>
+      </p:sp>
+      <p:sp>
+        <p:nvSpPr>
+          <p:cNvPr id="12" name="Oval 11">
+            <a:extLst>
+              <a:ext uri="{FF2B5EF4-FFF2-40B4-BE49-F238E27FC236}">
+                <a16:creationId xmlns:a16="http://schemas.microsoft.com/office/drawing/2014/main" id="{49824087-58B9-8764-C46D-1F9401874CE3}"/>
+              </a:ext>
+            </a:extLst>
+          </p:cNvPr>
+          <p:cNvSpPr/>
+          <p:nvPr/>
+        </p:nvSpPr>
+        <p:spPr>
+          <a:xfrm>
+            <a:off x="3962400" y="5740399"/>
+            <a:ext cx="424615" cy="419100"/>
+          </a:xfrm>
+          <a:prstGeom prst="ellipse">
+            <a:avLst/>
+          </a:prstGeom>
+        </p:spPr>
+        <p:style>
+          <a:lnRef idx="2">
+            <a:schemeClr val="accent6"/>
+          </a:lnRef>
+          <a:fillRef idx="1">
+            <a:schemeClr val="lt1"/>
+          </a:fillRef>
+          <a:effectRef idx="0">
+            <a:schemeClr val="accent6"/>
+          </a:effectRef>
+          <a:fontRef idx="minor">
+            <a:schemeClr val="dk1"/>
+          </a:fontRef>
+        </p:style>
+        <p:txBody>
+          <a:bodyPr rtlCol="0" anchor="ctr"/>
+          <a:lstStyle/>
+          <a:p>
+            <a:pPr algn="ctr"/>
+            <a:endParaRPr lang="en-US"/>
+          </a:p>
+        </p:txBody>
+      </p:sp>
+      <p:sp>
+        <p:nvSpPr>
+          <p:cNvPr id="13" name="Oval 12">
+            <a:extLst>
+              <a:ext uri="{FF2B5EF4-FFF2-40B4-BE49-F238E27FC236}">
+                <a16:creationId xmlns:a16="http://schemas.microsoft.com/office/drawing/2014/main" id="{EDB51181-2DFB-AFDE-3975-F4BE6272F50C}"/>
+              </a:ext>
+            </a:extLst>
+          </p:cNvPr>
+          <p:cNvSpPr/>
+          <p:nvPr/>
+        </p:nvSpPr>
+        <p:spPr>
+          <a:xfrm>
+            <a:off x="4673600" y="5740399"/>
+            <a:ext cx="424615" cy="419100"/>
+          </a:xfrm>
+          <a:prstGeom prst="ellipse">
+            <a:avLst/>
+          </a:prstGeom>
+        </p:spPr>
+        <p:style>
+          <a:lnRef idx="2">
+            <a:schemeClr val="accent6"/>
+          </a:lnRef>
+          <a:fillRef idx="1">
+            <a:schemeClr val="lt1"/>
+          </a:fillRef>
+          <a:effectRef idx="0">
+            <a:schemeClr val="accent6"/>
+          </a:effectRef>
+          <a:fontRef idx="minor">
+            <a:schemeClr val="dk1"/>
+          </a:fontRef>
+        </p:style>
+        <p:txBody>
+          <a:bodyPr rtlCol="0" anchor="ctr"/>
+          <a:lstStyle/>
+          <a:p>
+            <a:pPr algn="ctr"/>
+            <a:endParaRPr lang="en-US"/>
+          </a:p>
+        </p:txBody>
+      </p:sp>
+      <p:sp>
+        <p:nvSpPr>
+          <p:cNvPr id="14" name="Oval 13">
+            <a:extLst>
+              <a:ext uri="{FF2B5EF4-FFF2-40B4-BE49-F238E27FC236}">
+                <a16:creationId xmlns:a16="http://schemas.microsoft.com/office/drawing/2014/main" id="{AF4D38FB-F537-BF95-B77D-220C307160F8}"/>
+              </a:ext>
+            </a:extLst>
+          </p:cNvPr>
+          <p:cNvSpPr/>
+          <p:nvPr/>
+        </p:nvSpPr>
+        <p:spPr>
+          <a:xfrm>
+            <a:off x="5384800" y="5740399"/>
+            <a:ext cx="424615" cy="419100"/>
+          </a:xfrm>
+          <a:prstGeom prst="ellipse">
+            <a:avLst/>
+          </a:prstGeom>
+        </p:spPr>
+        <p:style>
+          <a:lnRef idx="2">
+            <a:schemeClr val="accent6"/>
+          </a:lnRef>
+          <a:fillRef idx="1">
+            <a:schemeClr val="lt1"/>
+          </a:fillRef>
+          <a:effectRef idx="0">
+            <a:schemeClr val="accent6"/>
+          </a:effectRef>
+          <a:fontRef idx="minor">
+            <a:schemeClr val="dk1"/>
+          </a:fontRef>
+        </p:style>
+        <p:txBody>
+          <a:bodyPr rtlCol="0" anchor="ctr"/>
+          <a:lstStyle/>
+          <a:p>
+            <a:pPr algn="ctr"/>
+            <a:endParaRPr lang="en-US"/>
+          </a:p>
+        </p:txBody>
+      </p:sp>
+      <p:sp>
+        <p:nvSpPr>
+          <p:cNvPr id="15" name="Oval 14">
+            <a:extLst>
+              <a:ext uri="{FF2B5EF4-FFF2-40B4-BE49-F238E27FC236}">
+                <a16:creationId xmlns:a16="http://schemas.microsoft.com/office/drawing/2014/main" id="{1213FAAB-0755-E1BF-9418-BD274DA6E407}"/>
+              </a:ext>
+            </a:extLst>
+          </p:cNvPr>
+          <p:cNvSpPr/>
+          <p:nvPr/>
+        </p:nvSpPr>
+        <p:spPr>
+          <a:xfrm>
+            <a:off x="6096000" y="5740399"/>
+            <a:ext cx="424615" cy="419100"/>
+          </a:xfrm>
+          <a:prstGeom prst="ellipse">
+            <a:avLst/>
+          </a:prstGeom>
+          <a:solidFill>
+            <a:schemeClr val="tx1"/>
+          </a:solidFill>
+        </p:spPr>
+        <p:style>
+          <a:lnRef idx="2">
+            <a:schemeClr val="accent6"/>
+          </a:lnRef>
+          <a:fillRef idx="1">
+            <a:schemeClr val="lt1"/>
+          </a:fillRef>
+          <a:effectRef idx="0">
+            <a:schemeClr val="accent6"/>
+          </a:effectRef>
+          <a:fontRef idx="minor">
+            <a:schemeClr val="dk1"/>
+          </a:fontRef>
+        </p:style>
+        <p:txBody>
+          <a:bodyPr rtlCol="0" anchor="ctr"/>
+          <a:lstStyle/>
+          <a:p>
+            <a:pPr algn="ctr"/>
+            <a:endParaRPr lang="en-US"/>
+          </a:p>
+        </p:txBody>
+      </p:sp>
+      <p:sp>
+        <p:nvSpPr>
+          <p:cNvPr id="16" name="Oval 15">
+            <a:extLst>
+              <a:ext uri="{FF2B5EF4-FFF2-40B4-BE49-F238E27FC236}">
+                <a16:creationId xmlns:a16="http://schemas.microsoft.com/office/drawing/2014/main" id="{4FFB33ED-AA84-CB81-98CE-E7B6947B3FA7}"/>
+              </a:ext>
+            </a:extLst>
+          </p:cNvPr>
+          <p:cNvSpPr/>
+          <p:nvPr/>
+        </p:nvSpPr>
+        <p:spPr>
+          <a:xfrm>
+            <a:off x="6807200" y="5740399"/>
+            <a:ext cx="424615" cy="419100"/>
+          </a:xfrm>
+          <a:prstGeom prst="ellipse">
+            <a:avLst/>
+          </a:prstGeom>
+        </p:spPr>
+        <p:style>
+          <a:lnRef idx="2">
+            <a:schemeClr val="accent6"/>
+          </a:lnRef>
+          <a:fillRef idx="1">
+            <a:schemeClr val="lt1"/>
+          </a:fillRef>
+          <a:effectRef idx="0">
+            <a:schemeClr val="accent6"/>
+          </a:effectRef>
+          <a:fontRef idx="minor">
+            <a:schemeClr val="dk1"/>
+          </a:fontRef>
+        </p:style>
+        <p:txBody>
+          <a:bodyPr rtlCol="0" anchor="ctr"/>
+          <a:lstStyle/>
+          <a:p>
+            <a:pPr algn="ctr"/>
+            <a:endParaRPr lang="en-US"/>
+          </a:p>
+        </p:txBody>
+      </p:sp>
+      <p:sp>
+        <p:nvSpPr>
+          <p:cNvPr id="17" name="Oval 16">
+            <a:extLst>
+              <a:ext uri="{FF2B5EF4-FFF2-40B4-BE49-F238E27FC236}">
+                <a16:creationId xmlns:a16="http://schemas.microsoft.com/office/drawing/2014/main" id="{684B7A9B-5303-1740-8C42-81E3C6F16EAC}"/>
+              </a:ext>
+            </a:extLst>
+          </p:cNvPr>
+          <p:cNvSpPr/>
+          <p:nvPr/>
+        </p:nvSpPr>
+        <p:spPr>
+          <a:xfrm>
+            <a:off x="7518400" y="5740399"/>
+            <a:ext cx="424615" cy="419100"/>
+          </a:xfrm>
+          <a:prstGeom prst="ellipse">
+            <a:avLst/>
+          </a:prstGeom>
+        </p:spPr>
+        <p:style>
+          <a:lnRef idx="2">
+            <a:schemeClr val="accent6"/>
+          </a:lnRef>
+          <a:fillRef idx="1">
+            <a:schemeClr val="lt1"/>
+          </a:fillRef>
+          <a:effectRef idx="0">
+            <a:schemeClr val="accent6"/>
+          </a:effectRef>
+          <a:fontRef idx="minor">
+            <a:schemeClr val="dk1"/>
+          </a:fontRef>
+        </p:style>
+        <p:txBody>
+          <a:bodyPr rtlCol="0" anchor="ctr"/>
+          <a:lstStyle/>
+          <a:p>
+            <a:pPr algn="ctr"/>
+            <a:endParaRPr lang="en-US"/>
+          </a:p>
+        </p:txBody>
+      </p:sp>
+      <p:sp>
+        <p:nvSpPr>
+          <p:cNvPr id="18" name="Oval 17">
+            <a:extLst>
+              <a:ext uri="{FF2B5EF4-FFF2-40B4-BE49-F238E27FC236}">
+                <a16:creationId xmlns:a16="http://schemas.microsoft.com/office/drawing/2014/main" id="{C7835D10-DE2D-E6D3-4180-95177CBF0BB4}"/>
+              </a:ext>
+            </a:extLst>
+          </p:cNvPr>
+          <p:cNvSpPr/>
+          <p:nvPr/>
+        </p:nvSpPr>
+        <p:spPr>
+          <a:xfrm>
+            <a:off x="3251200" y="5740399"/>
+            <a:ext cx="424615" cy="419100"/>
+          </a:xfrm>
+          <a:prstGeom prst="ellipse">
+            <a:avLst/>
+          </a:prstGeom>
+        </p:spPr>
+        <p:style>
+          <a:lnRef idx="2">
+            <a:schemeClr val="accent6"/>
+          </a:lnRef>
+          <a:fillRef idx="1">
+            <a:schemeClr val="lt1"/>
+          </a:fillRef>
+          <a:effectRef idx="0">
+            <a:schemeClr val="accent6"/>
+          </a:effectRef>
+          <a:fontRef idx="minor">
+            <a:schemeClr val="dk1"/>
+          </a:fontRef>
+        </p:style>
+        <p:txBody>
+          <a:bodyPr rtlCol="0" anchor="ctr"/>
+          <a:lstStyle/>
+          <a:p>
+            <a:pPr algn="ctr"/>
+            <a:endParaRPr lang="en-US"/>
+          </a:p>
+        </p:txBody>
+      </p:sp>
+      <p:sp>
+        <p:nvSpPr>
+          <p:cNvPr id="19" name="Oval 18">
+            <a:extLst>
+              <a:ext uri="{FF2B5EF4-FFF2-40B4-BE49-F238E27FC236}">
+                <a16:creationId xmlns:a16="http://schemas.microsoft.com/office/drawing/2014/main" id="{9C4B91F7-E687-AAD8-AA23-6D3E8EF7FD04}"/>
+              </a:ext>
+            </a:extLst>
+          </p:cNvPr>
+          <p:cNvSpPr/>
+          <p:nvPr/>
+        </p:nvSpPr>
+        <p:spPr>
+          <a:xfrm>
+            <a:off x="8229600" y="5740399"/>
+            <a:ext cx="424615" cy="419100"/>
+          </a:xfrm>
+          <a:prstGeom prst="ellipse">
+            <a:avLst/>
+          </a:prstGeom>
+          <a:solidFill>
+            <a:schemeClr val="tx1"/>
+          </a:solidFill>
+        </p:spPr>
+        <p:style>
+          <a:lnRef idx="2">
+            <a:schemeClr val="accent6"/>
+          </a:lnRef>
+          <a:fillRef idx="1">
+            <a:schemeClr val="lt1"/>
+          </a:fillRef>
+          <a:effectRef idx="0">
+            <a:schemeClr val="accent6"/>
+          </a:effectRef>
+          <a:fontRef idx="minor">
+            <a:schemeClr val="dk1"/>
+          </a:fontRef>
+        </p:style>
+        <p:txBody>
+          <a:bodyPr rtlCol="0" anchor="ctr"/>
+          <a:lstStyle/>
+          <a:p>
+            <a:pPr algn="ctr"/>
+            <a:endParaRPr lang="en-US"/>
+          </a:p>
+        </p:txBody>
+      </p:sp>
+      <p:grpSp>
+        <p:nvGrpSpPr>
+          <p:cNvPr id="36" name="Group 35">
+            <a:extLst>
+              <a:ext uri="{FF2B5EF4-FFF2-40B4-BE49-F238E27FC236}">
+                <a16:creationId xmlns:a16="http://schemas.microsoft.com/office/drawing/2014/main" id="{3CE5FC02-00C9-95F6-75CF-8DDC4F4F2AF1}"/>
+              </a:ext>
+            </a:extLst>
+          </p:cNvPr>
+          <p:cNvGrpSpPr/>
+          <p:nvPr/>
+        </p:nvGrpSpPr>
+        <p:grpSpPr>
+          <a:xfrm rot="5400000">
+            <a:off x="413288" y="3307243"/>
+            <a:ext cx="4054057" cy="313073"/>
+            <a:chOff x="1034215" y="2133601"/>
+            <a:chExt cx="5403015" cy="419100"/>
+          </a:xfrm>
+        </p:grpSpPr>
+        <p:sp>
+          <p:nvSpPr>
+            <p:cNvPr id="28" name="Oval 27">
+              <a:extLst>
+                <a:ext uri="{FF2B5EF4-FFF2-40B4-BE49-F238E27FC236}">
+                  <a16:creationId xmlns:a16="http://schemas.microsoft.com/office/drawing/2014/main" id="{24254E5C-BBB2-5177-6FA6-3A8D7BC993CB}"/>
+                </a:ext>
+              </a:extLst>
+            </p:cNvPr>
+            <p:cNvSpPr/>
+            <p:nvPr/>
+          </p:nvSpPr>
+          <p:spPr>
+            <a:xfrm>
+              <a:off x="1745415" y="2133601"/>
+              <a:ext cx="424615" cy="419100"/>
+            </a:xfrm>
+            <a:prstGeom prst="ellipse">
+              <a:avLst/>
+            </a:prstGeom>
+          </p:spPr>
+          <p:style>
+            <a:lnRef idx="2">
+              <a:schemeClr val="accent6"/>
+            </a:lnRef>
+            <a:fillRef idx="1">
+              <a:schemeClr val="lt1"/>
+            </a:fillRef>
+            <a:effectRef idx="0">
+              <a:schemeClr val="accent6"/>
+            </a:effectRef>
+            <a:fontRef idx="minor">
+              <a:schemeClr val="dk1"/>
+            </a:fontRef>
+          </p:style>
+          <p:txBody>
+            <a:bodyPr rtlCol="0" anchor="ctr"/>
+            <a:lstStyle/>
+            <a:p>
+              <a:pPr algn="ctr"/>
+              <a:endParaRPr lang="en-US"/>
+            </a:p>
+          </p:txBody>
+        </p:sp>
+        <p:sp>
+          <p:nvSpPr>
+            <p:cNvPr id="29" name="Oval 28">
+              <a:extLst>
+                <a:ext uri="{FF2B5EF4-FFF2-40B4-BE49-F238E27FC236}">
+                  <a16:creationId xmlns:a16="http://schemas.microsoft.com/office/drawing/2014/main" id="{65A051B9-F27B-4ED2-5B2C-4BE88698023E}"/>
+                </a:ext>
+              </a:extLst>
+            </p:cNvPr>
+            <p:cNvSpPr/>
+            <p:nvPr/>
+          </p:nvSpPr>
+          <p:spPr>
+            <a:xfrm>
+              <a:off x="2456615" y="2133601"/>
+              <a:ext cx="424615" cy="419100"/>
+            </a:xfrm>
+            <a:prstGeom prst="ellipse">
+              <a:avLst/>
+            </a:prstGeom>
+          </p:spPr>
+          <p:style>
+            <a:lnRef idx="2">
+              <a:schemeClr val="accent6"/>
+            </a:lnRef>
+            <a:fillRef idx="1">
+              <a:schemeClr val="lt1"/>
+            </a:fillRef>
+            <a:effectRef idx="0">
+              <a:schemeClr val="accent6"/>
+            </a:effectRef>
+            <a:fontRef idx="minor">
+              <a:schemeClr val="dk1"/>
+            </a:fontRef>
+          </p:style>
+          <p:txBody>
+            <a:bodyPr rtlCol="0" anchor="ctr"/>
+            <a:lstStyle/>
+            <a:p>
+              <a:pPr algn="ctr"/>
+              <a:endParaRPr lang="en-US"/>
+            </a:p>
+          </p:txBody>
+        </p:sp>
+        <p:sp>
+          <p:nvSpPr>
+            <p:cNvPr id="30" name="Oval 29">
+              <a:extLst>
+                <a:ext uri="{FF2B5EF4-FFF2-40B4-BE49-F238E27FC236}">
+                  <a16:creationId xmlns:a16="http://schemas.microsoft.com/office/drawing/2014/main" id="{2EAD5F0D-CB57-D59B-5502-E4857248F2F1}"/>
+                </a:ext>
+              </a:extLst>
+            </p:cNvPr>
+            <p:cNvSpPr/>
+            <p:nvPr/>
+          </p:nvSpPr>
+          <p:spPr>
+            <a:xfrm>
+              <a:off x="3167815" y="2133601"/>
+              <a:ext cx="424615" cy="419100"/>
+            </a:xfrm>
+            <a:prstGeom prst="ellipse">
+              <a:avLst/>
+            </a:prstGeom>
+          </p:spPr>
+          <p:style>
+            <a:lnRef idx="2">
+              <a:schemeClr val="accent6"/>
+            </a:lnRef>
+            <a:fillRef idx="1">
+              <a:schemeClr val="lt1"/>
+            </a:fillRef>
+            <a:effectRef idx="0">
+              <a:schemeClr val="accent6"/>
+            </a:effectRef>
+            <a:fontRef idx="minor">
+              <a:schemeClr val="dk1"/>
+            </a:fontRef>
+          </p:style>
+          <p:txBody>
+            <a:bodyPr rtlCol="0" anchor="ctr"/>
+            <a:lstStyle/>
+            <a:p>
+              <a:pPr algn="ctr"/>
+              <a:endParaRPr lang="en-US"/>
+            </a:p>
+          </p:txBody>
+        </p:sp>
+        <p:sp>
+          <p:nvSpPr>
+            <p:cNvPr id="31" name="Oval 30">
+              <a:extLst>
+                <a:ext uri="{FF2B5EF4-FFF2-40B4-BE49-F238E27FC236}">
+                  <a16:creationId xmlns:a16="http://schemas.microsoft.com/office/drawing/2014/main" id="{44246A56-B627-B10B-9A08-EF7C76212F2D}"/>
+                </a:ext>
+              </a:extLst>
+            </p:cNvPr>
+            <p:cNvSpPr/>
+            <p:nvPr/>
+          </p:nvSpPr>
+          <p:spPr>
+            <a:xfrm>
+              <a:off x="3879015" y="2133601"/>
+              <a:ext cx="424615" cy="419100"/>
+            </a:xfrm>
+            <a:prstGeom prst="ellipse">
+              <a:avLst/>
+            </a:prstGeom>
+          </p:spPr>
+          <p:style>
+            <a:lnRef idx="2">
+              <a:schemeClr val="accent6"/>
+            </a:lnRef>
+            <a:fillRef idx="1">
+              <a:schemeClr val="lt1"/>
+            </a:fillRef>
+            <a:effectRef idx="0">
+              <a:schemeClr val="accent6"/>
+            </a:effectRef>
+            <a:fontRef idx="minor">
+              <a:schemeClr val="dk1"/>
+            </a:fontRef>
+          </p:style>
+          <p:txBody>
+            <a:bodyPr rtlCol="0" anchor="ctr"/>
+            <a:lstStyle/>
+            <a:p>
+              <a:pPr algn="ctr"/>
+              <a:endParaRPr lang="en-US"/>
+            </a:p>
+          </p:txBody>
+        </p:sp>
+        <p:sp>
+          <p:nvSpPr>
+            <p:cNvPr id="32" name="Oval 31">
+              <a:extLst>
+                <a:ext uri="{FF2B5EF4-FFF2-40B4-BE49-F238E27FC236}">
+                  <a16:creationId xmlns:a16="http://schemas.microsoft.com/office/drawing/2014/main" id="{8577414A-0CE3-C06D-27AD-0ECFDF0E7713}"/>
+                </a:ext>
+              </a:extLst>
+            </p:cNvPr>
+            <p:cNvSpPr/>
+            <p:nvPr/>
+          </p:nvSpPr>
+          <p:spPr>
+            <a:xfrm>
+              <a:off x="4590215" y="2133601"/>
+              <a:ext cx="424615" cy="419100"/>
+            </a:xfrm>
+            <a:prstGeom prst="ellipse">
+              <a:avLst/>
+            </a:prstGeom>
+          </p:spPr>
+          <p:style>
+            <a:lnRef idx="2">
+              <a:schemeClr val="accent6"/>
+            </a:lnRef>
+            <a:fillRef idx="1">
+              <a:schemeClr val="lt1"/>
+            </a:fillRef>
+            <a:effectRef idx="0">
+              <a:schemeClr val="accent6"/>
+            </a:effectRef>
+            <a:fontRef idx="minor">
+              <a:schemeClr val="dk1"/>
+            </a:fontRef>
+          </p:style>
+          <p:txBody>
+            <a:bodyPr rtlCol="0" anchor="ctr"/>
+            <a:lstStyle/>
+            <a:p>
+              <a:pPr algn="ctr"/>
+              <a:endParaRPr lang="en-US"/>
+            </a:p>
+          </p:txBody>
+        </p:sp>
+        <p:sp>
+          <p:nvSpPr>
+            <p:cNvPr id="33" name="Oval 32">
+              <a:extLst>
+                <a:ext uri="{FF2B5EF4-FFF2-40B4-BE49-F238E27FC236}">
+                  <a16:creationId xmlns:a16="http://schemas.microsoft.com/office/drawing/2014/main" id="{5D994F0B-7F87-B28B-B4D7-AF66D50386EC}"/>
+                </a:ext>
+              </a:extLst>
+            </p:cNvPr>
+            <p:cNvSpPr/>
+            <p:nvPr/>
+          </p:nvSpPr>
+          <p:spPr>
+            <a:xfrm>
+              <a:off x="5301415" y="2133601"/>
+              <a:ext cx="424615" cy="419100"/>
+            </a:xfrm>
+            <a:prstGeom prst="ellipse">
+              <a:avLst/>
+            </a:prstGeom>
+          </p:spPr>
+          <p:style>
+            <a:lnRef idx="2">
+              <a:schemeClr val="accent6"/>
+            </a:lnRef>
+            <a:fillRef idx="1">
+              <a:schemeClr val="lt1"/>
+            </a:fillRef>
+            <a:effectRef idx="0">
+              <a:schemeClr val="accent6"/>
+            </a:effectRef>
+            <a:fontRef idx="minor">
+              <a:schemeClr val="dk1"/>
+            </a:fontRef>
+          </p:style>
+          <p:txBody>
+            <a:bodyPr rtlCol="0" anchor="ctr"/>
+            <a:lstStyle/>
+            <a:p>
+              <a:pPr algn="ctr"/>
+              <a:endParaRPr lang="en-US"/>
+            </a:p>
+          </p:txBody>
+        </p:sp>
+        <p:sp>
+          <p:nvSpPr>
+            <p:cNvPr id="34" name="Oval 33">
+              <a:extLst>
+                <a:ext uri="{FF2B5EF4-FFF2-40B4-BE49-F238E27FC236}">
+                  <a16:creationId xmlns:a16="http://schemas.microsoft.com/office/drawing/2014/main" id="{A8D44F9D-E613-7CF8-8CBB-E1F8A56D9B00}"/>
+                </a:ext>
+              </a:extLst>
+            </p:cNvPr>
+            <p:cNvSpPr/>
+            <p:nvPr/>
+          </p:nvSpPr>
+          <p:spPr>
+            <a:xfrm>
+              <a:off x="1034215" y="2133601"/>
+              <a:ext cx="424615" cy="419100"/>
+            </a:xfrm>
+            <a:prstGeom prst="ellipse">
+              <a:avLst/>
+            </a:prstGeom>
+            <a:solidFill>
+              <a:schemeClr val="tx1"/>
+            </a:solidFill>
+            <a:ln>
+              <a:solidFill>
+                <a:schemeClr val="tx1"/>
+              </a:solidFill>
+            </a:ln>
+          </p:spPr>
+          <p:style>
+            <a:lnRef idx="2">
+              <a:schemeClr val="accent6"/>
+            </a:lnRef>
+            <a:fillRef idx="1">
+              <a:schemeClr val="lt1"/>
+            </a:fillRef>
+            <a:effectRef idx="0">
+              <a:schemeClr val="accent6"/>
+            </a:effectRef>
+            <a:fontRef idx="minor">
+              <a:schemeClr val="dk1"/>
+            </a:fontRef>
+          </p:style>
+          <p:txBody>
+            <a:bodyPr rtlCol="0" anchor="ctr"/>
+            <a:lstStyle/>
+            <a:p>
+              <a:pPr algn="ctr"/>
+              <a:endParaRPr lang="en-US"/>
+            </a:p>
+          </p:txBody>
+        </p:sp>
+        <p:sp>
+          <p:nvSpPr>
+            <p:cNvPr id="35" name="Oval 34">
+              <a:extLst>
+                <a:ext uri="{FF2B5EF4-FFF2-40B4-BE49-F238E27FC236}">
+                  <a16:creationId xmlns:a16="http://schemas.microsoft.com/office/drawing/2014/main" id="{ED760614-7D16-1E43-8088-FD0208D4FF50}"/>
+                </a:ext>
+              </a:extLst>
+            </p:cNvPr>
+            <p:cNvSpPr/>
+            <p:nvPr/>
+          </p:nvSpPr>
+          <p:spPr>
+            <a:xfrm>
+              <a:off x="6012615" y="2133601"/>
+              <a:ext cx="424615" cy="419100"/>
+            </a:xfrm>
+            <a:prstGeom prst="ellipse">
+              <a:avLst/>
+            </a:prstGeom>
+          </p:spPr>
+          <p:style>
+            <a:lnRef idx="2">
+              <a:schemeClr val="accent6"/>
+            </a:lnRef>
+            <a:fillRef idx="1">
+              <a:schemeClr val="lt1"/>
+            </a:fillRef>
+            <a:effectRef idx="0">
+              <a:schemeClr val="accent6"/>
+            </a:effectRef>
+            <a:fontRef idx="minor">
+              <a:schemeClr val="dk1"/>
+            </a:fontRef>
+          </p:style>
+          <p:txBody>
+            <a:bodyPr rtlCol="0" anchor="ctr"/>
+            <a:lstStyle/>
+            <a:p>
+              <a:pPr algn="ctr"/>
+              <a:endParaRPr lang="en-US"/>
+            </a:p>
+          </p:txBody>
+        </p:sp>
+      </p:grpSp>
+      <p:grpSp>
+        <p:nvGrpSpPr>
+          <p:cNvPr id="37" name="Group 36">
+            <a:extLst>
+              <a:ext uri="{FF2B5EF4-FFF2-40B4-BE49-F238E27FC236}">
+                <a16:creationId xmlns:a16="http://schemas.microsoft.com/office/drawing/2014/main" id="{C0D96DB3-A44F-3941-A3FA-9C0890745CA1}"/>
+              </a:ext>
+            </a:extLst>
+          </p:cNvPr>
+          <p:cNvGrpSpPr/>
+          <p:nvPr/>
+        </p:nvGrpSpPr>
+        <p:grpSpPr>
+          <a:xfrm rot="5400000">
+            <a:off x="7235407" y="3218493"/>
+            <a:ext cx="4054057" cy="313073"/>
+            <a:chOff x="1034215" y="2133601"/>
+            <a:chExt cx="5403015" cy="419100"/>
+          </a:xfrm>
+        </p:grpSpPr>
+        <p:sp>
+          <p:nvSpPr>
+            <p:cNvPr id="38" name="Oval 37">
+              <a:extLst>
+                <a:ext uri="{FF2B5EF4-FFF2-40B4-BE49-F238E27FC236}">
+                  <a16:creationId xmlns:a16="http://schemas.microsoft.com/office/drawing/2014/main" id="{F743CD9A-E473-D645-F2C6-EA612DF16D7E}"/>
+                </a:ext>
+              </a:extLst>
+            </p:cNvPr>
+            <p:cNvSpPr/>
+            <p:nvPr/>
+          </p:nvSpPr>
+          <p:spPr>
+            <a:xfrm>
+              <a:off x="1745415" y="2133601"/>
+              <a:ext cx="424615" cy="419100"/>
+            </a:xfrm>
+            <a:prstGeom prst="ellipse">
+              <a:avLst/>
+            </a:prstGeom>
+          </p:spPr>
+          <p:style>
+            <a:lnRef idx="2">
+              <a:schemeClr val="accent6"/>
+            </a:lnRef>
+            <a:fillRef idx="1">
+              <a:schemeClr val="lt1"/>
+            </a:fillRef>
+            <a:effectRef idx="0">
+              <a:schemeClr val="accent6"/>
+            </a:effectRef>
+            <a:fontRef idx="minor">
+              <a:schemeClr val="dk1"/>
+            </a:fontRef>
+          </p:style>
+          <p:txBody>
+            <a:bodyPr rtlCol="0" anchor="ctr"/>
+            <a:lstStyle/>
+            <a:p>
+              <a:pPr algn="ctr"/>
+              <a:endParaRPr lang="en-US"/>
+            </a:p>
+          </p:txBody>
+        </p:sp>
+        <p:sp>
+          <p:nvSpPr>
+            <p:cNvPr id="39" name="Oval 38">
+              <a:extLst>
+                <a:ext uri="{FF2B5EF4-FFF2-40B4-BE49-F238E27FC236}">
+                  <a16:creationId xmlns:a16="http://schemas.microsoft.com/office/drawing/2014/main" id="{85BFE881-4086-0912-FB71-FF62B3541EEF}"/>
+                </a:ext>
+              </a:extLst>
+            </p:cNvPr>
+            <p:cNvSpPr/>
+            <p:nvPr/>
+          </p:nvSpPr>
+          <p:spPr>
+            <a:xfrm>
+              <a:off x="2456615" y="2133601"/>
+              <a:ext cx="424615" cy="419100"/>
+            </a:xfrm>
+            <a:prstGeom prst="ellipse">
+              <a:avLst/>
+            </a:prstGeom>
+          </p:spPr>
+          <p:style>
+            <a:lnRef idx="2">
+              <a:schemeClr val="accent6"/>
+            </a:lnRef>
+            <a:fillRef idx="1">
+              <a:schemeClr val="lt1"/>
+            </a:fillRef>
+            <a:effectRef idx="0">
+              <a:schemeClr val="accent6"/>
+            </a:effectRef>
+            <a:fontRef idx="minor">
+              <a:schemeClr val="dk1"/>
+            </a:fontRef>
+          </p:style>
+          <p:txBody>
+            <a:bodyPr rtlCol="0" anchor="ctr"/>
+            <a:lstStyle/>
+            <a:p>
+              <a:pPr algn="ctr"/>
+              <a:endParaRPr lang="en-US"/>
+            </a:p>
+          </p:txBody>
+        </p:sp>
+        <p:sp>
+          <p:nvSpPr>
+            <p:cNvPr id="40" name="Oval 39">
+              <a:extLst>
+                <a:ext uri="{FF2B5EF4-FFF2-40B4-BE49-F238E27FC236}">
+                  <a16:creationId xmlns:a16="http://schemas.microsoft.com/office/drawing/2014/main" id="{3B391D59-9ADE-5A3A-5C3E-59BC58241796}"/>
+                </a:ext>
+              </a:extLst>
+            </p:cNvPr>
+            <p:cNvSpPr/>
+            <p:nvPr/>
+          </p:nvSpPr>
+          <p:spPr>
+            <a:xfrm>
+              <a:off x="3167815" y="2133601"/>
+              <a:ext cx="424615" cy="419100"/>
+            </a:xfrm>
+            <a:prstGeom prst="ellipse">
+              <a:avLst/>
+            </a:prstGeom>
+          </p:spPr>
+          <p:style>
+            <a:lnRef idx="2">
+              <a:schemeClr val="accent6"/>
+            </a:lnRef>
+            <a:fillRef idx="1">
+              <a:schemeClr val="lt1"/>
+            </a:fillRef>
+            <a:effectRef idx="0">
+              <a:schemeClr val="accent6"/>
+            </a:effectRef>
+            <a:fontRef idx="minor">
+              <a:schemeClr val="dk1"/>
+            </a:fontRef>
+          </p:style>
+          <p:txBody>
+            <a:bodyPr rtlCol="0" anchor="ctr"/>
+            <a:lstStyle/>
+            <a:p>
+              <a:pPr algn="ctr"/>
+              <a:endParaRPr lang="en-US"/>
+            </a:p>
+          </p:txBody>
+        </p:sp>
+        <p:sp>
+          <p:nvSpPr>
+            <p:cNvPr id="41" name="Oval 40">
+              <a:extLst>
+                <a:ext uri="{FF2B5EF4-FFF2-40B4-BE49-F238E27FC236}">
+                  <a16:creationId xmlns:a16="http://schemas.microsoft.com/office/drawing/2014/main" id="{08965723-F3A5-0BCE-1C2A-00AF57F09EE0}"/>
+                </a:ext>
+              </a:extLst>
+            </p:cNvPr>
+            <p:cNvSpPr/>
+            <p:nvPr/>
+          </p:nvSpPr>
+          <p:spPr>
+            <a:xfrm>
+              <a:off x="3879015" y="2133601"/>
+              <a:ext cx="424615" cy="419100"/>
+            </a:xfrm>
+            <a:prstGeom prst="ellipse">
+              <a:avLst/>
+            </a:prstGeom>
+          </p:spPr>
+          <p:style>
+            <a:lnRef idx="2">
+              <a:schemeClr val="accent6"/>
+            </a:lnRef>
+            <a:fillRef idx="1">
+              <a:schemeClr val="lt1"/>
+            </a:fillRef>
+            <a:effectRef idx="0">
+              <a:schemeClr val="accent6"/>
+            </a:effectRef>
+            <a:fontRef idx="minor">
+              <a:schemeClr val="dk1"/>
+            </a:fontRef>
+          </p:style>
+          <p:txBody>
+            <a:bodyPr rtlCol="0" anchor="ctr"/>
+            <a:lstStyle/>
+            <a:p>
+              <a:pPr algn="ctr"/>
+              <a:endParaRPr lang="en-US"/>
+            </a:p>
+          </p:txBody>
+        </p:sp>
+        <p:sp>
+          <p:nvSpPr>
+            <p:cNvPr id="42" name="Oval 41">
+              <a:extLst>
+                <a:ext uri="{FF2B5EF4-FFF2-40B4-BE49-F238E27FC236}">
+                  <a16:creationId xmlns:a16="http://schemas.microsoft.com/office/drawing/2014/main" id="{F3559ACB-D6A3-DA41-841A-3EAB0F78A3C7}"/>
+                </a:ext>
+              </a:extLst>
+            </p:cNvPr>
+            <p:cNvSpPr/>
+            <p:nvPr/>
+          </p:nvSpPr>
+          <p:spPr>
+            <a:xfrm>
+              <a:off x="4590215" y="2133601"/>
+              <a:ext cx="424615" cy="419100"/>
+            </a:xfrm>
+            <a:prstGeom prst="ellipse">
+              <a:avLst/>
+            </a:prstGeom>
+          </p:spPr>
+          <p:style>
+            <a:lnRef idx="2">
+              <a:schemeClr val="accent6"/>
+            </a:lnRef>
+            <a:fillRef idx="1">
+              <a:schemeClr val="lt1"/>
+            </a:fillRef>
+            <a:effectRef idx="0">
+              <a:schemeClr val="accent6"/>
+            </a:effectRef>
+            <a:fontRef idx="minor">
+              <a:schemeClr val="dk1"/>
+            </a:fontRef>
+          </p:style>
+          <p:txBody>
+            <a:bodyPr rtlCol="0" anchor="ctr"/>
+            <a:lstStyle/>
+            <a:p>
+              <a:pPr algn="ctr"/>
+              <a:endParaRPr lang="en-US"/>
+            </a:p>
+          </p:txBody>
+        </p:sp>
+        <p:sp>
+          <p:nvSpPr>
+            <p:cNvPr id="43" name="Oval 42">
+              <a:extLst>
+                <a:ext uri="{FF2B5EF4-FFF2-40B4-BE49-F238E27FC236}">
+                  <a16:creationId xmlns:a16="http://schemas.microsoft.com/office/drawing/2014/main" id="{29EC8BB1-F54A-0B1F-4F7F-63455903E5DD}"/>
+                </a:ext>
+              </a:extLst>
+            </p:cNvPr>
+            <p:cNvSpPr/>
+            <p:nvPr/>
+          </p:nvSpPr>
+          <p:spPr>
+            <a:xfrm>
+              <a:off x="5301415" y="2133601"/>
+              <a:ext cx="424615" cy="419100"/>
+            </a:xfrm>
+            <a:prstGeom prst="ellipse">
+              <a:avLst/>
+            </a:prstGeom>
+          </p:spPr>
+          <p:style>
+            <a:lnRef idx="2">
+              <a:schemeClr val="accent6"/>
+            </a:lnRef>
+            <a:fillRef idx="1">
+              <a:schemeClr val="lt1"/>
+            </a:fillRef>
+            <a:effectRef idx="0">
+              <a:schemeClr val="accent6"/>
+            </a:effectRef>
+            <a:fontRef idx="minor">
+              <a:schemeClr val="dk1"/>
+            </a:fontRef>
+          </p:style>
+          <p:txBody>
+            <a:bodyPr rtlCol="0" anchor="ctr"/>
+            <a:lstStyle/>
+            <a:p>
+              <a:pPr algn="ctr"/>
+              <a:endParaRPr lang="en-US"/>
+            </a:p>
+          </p:txBody>
+        </p:sp>
+        <p:sp>
+          <p:nvSpPr>
+            <p:cNvPr id="44" name="Oval 43">
+              <a:extLst>
+                <a:ext uri="{FF2B5EF4-FFF2-40B4-BE49-F238E27FC236}">
+                  <a16:creationId xmlns:a16="http://schemas.microsoft.com/office/drawing/2014/main" id="{D638A7A5-A645-4994-2ED6-E509C50AE6AC}"/>
+                </a:ext>
+              </a:extLst>
+            </p:cNvPr>
+            <p:cNvSpPr/>
+            <p:nvPr/>
+          </p:nvSpPr>
+          <p:spPr>
+            <a:xfrm>
+              <a:off x="1034215" y="2133601"/>
+              <a:ext cx="424615" cy="419100"/>
+            </a:xfrm>
+            <a:prstGeom prst="ellipse">
+              <a:avLst/>
+            </a:prstGeom>
+          </p:spPr>
+          <p:style>
+            <a:lnRef idx="2">
+              <a:schemeClr val="accent6"/>
+            </a:lnRef>
+            <a:fillRef idx="1">
+              <a:schemeClr val="lt1"/>
+            </a:fillRef>
+            <a:effectRef idx="0">
+              <a:schemeClr val="accent6"/>
+            </a:effectRef>
+            <a:fontRef idx="minor">
+              <a:schemeClr val="dk1"/>
+            </a:fontRef>
+          </p:style>
+          <p:txBody>
+            <a:bodyPr rtlCol="0" anchor="ctr"/>
+            <a:lstStyle/>
+            <a:p>
+              <a:pPr algn="ctr"/>
+              <a:endParaRPr lang="en-US"/>
+            </a:p>
+          </p:txBody>
+        </p:sp>
+        <p:sp>
+          <p:nvSpPr>
+            <p:cNvPr id="45" name="Oval 44">
+              <a:extLst>
+                <a:ext uri="{FF2B5EF4-FFF2-40B4-BE49-F238E27FC236}">
+                  <a16:creationId xmlns:a16="http://schemas.microsoft.com/office/drawing/2014/main" id="{6E4BB029-8C4A-7760-F2B4-18E7E54DFE07}"/>
+                </a:ext>
+              </a:extLst>
+            </p:cNvPr>
+            <p:cNvSpPr/>
+            <p:nvPr/>
+          </p:nvSpPr>
+          <p:spPr>
+            <a:xfrm>
+              <a:off x="6012615" y="2133601"/>
+              <a:ext cx="424615" cy="419100"/>
+            </a:xfrm>
+            <a:prstGeom prst="ellipse">
+              <a:avLst/>
+            </a:prstGeom>
+            <a:solidFill>
+              <a:schemeClr val="tx1"/>
+            </a:solidFill>
+          </p:spPr>
+          <p:style>
+            <a:lnRef idx="2">
+              <a:schemeClr val="accent6"/>
+            </a:lnRef>
+            <a:fillRef idx="1">
+              <a:schemeClr val="lt1"/>
+            </a:fillRef>
+            <a:effectRef idx="0">
+              <a:schemeClr val="accent6"/>
+            </a:effectRef>
+            <a:fontRef idx="minor">
+              <a:schemeClr val="dk1"/>
+            </a:fontRef>
+          </p:style>
+          <p:txBody>
+            <a:bodyPr rtlCol="0" anchor="ctr"/>
+            <a:lstStyle/>
+            <a:p>
+              <a:pPr algn="ctr"/>
+              <a:endParaRPr lang="en-US"/>
+            </a:p>
+          </p:txBody>
+        </p:sp>
+      </p:grpSp>
+      <p:sp>
+        <p:nvSpPr>
+          <p:cNvPr id="46" name="TextBox 45">
+            <a:extLst>
+              <a:ext uri="{FF2B5EF4-FFF2-40B4-BE49-F238E27FC236}">
+                <a16:creationId xmlns:a16="http://schemas.microsoft.com/office/drawing/2014/main" id="{C8FD051D-AAD8-B25F-A53F-BD7A4EDBF69E}"/>
+              </a:ext>
+            </a:extLst>
+          </p:cNvPr>
+          <p:cNvSpPr txBox="1"/>
+          <p:nvPr/>
+        </p:nvSpPr>
+        <p:spPr>
+          <a:xfrm>
+            <a:off x="3136903" y="977066"/>
+            <a:ext cx="6614780" cy="369332"/>
+          </a:xfrm>
+          <a:prstGeom prst="rect">
+            <a:avLst/>
+          </a:prstGeom>
+          <a:noFill/>
+        </p:spPr>
+        <p:txBody>
+          <a:bodyPr wrap="square" rtlCol="0">
+            <a:spAutoFit/>
+          </a:bodyPr>
+          <a:lstStyle/>
+          <a:p>
+            <a:r>
+              <a:rPr lang="en-US" dirty="0"/>
+              <a:t>B2          2           A2          4           B5	6          18       		 </a:t>
+            </a:r>
+          </a:p>
+        </p:txBody>
+      </p:sp>
+      <p:sp>
+        <p:nvSpPr>
+          <p:cNvPr id="47" name="TextBox 46">
+            <a:extLst>
+              <a:ext uri="{FF2B5EF4-FFF2-40B4-BE49-F238E27FC236}">
+                <a16:creationId xmlns:a16="http://schemas.microsoft.com/office/drawing/2014/main" id="{5663A991-6DC8-6051-48F4-41292356968D}"/>
+              </a:ext>
+            </a:extLst>
+          </p:cNvPr>
+          <p:cNvSpPr txBox="1"/>
+          <p:nvPr/>
+        </p:nvSpPr>
+        <p:spPr>
+          <a:xfrm>
+            <a:off x="3225925" y="5404401"/>
+            <a:ext cx="6614780" cy="369332"/>
+          </a:xfrm>
+          <a:prstGeom prst="rect">
+            <a:avLst/>
+          </a:prstGeom>
+          <a:noFill/>
+        </p:spPr>
+        <p:txBody>
+          <a:bodyPr wrap="square" rtlCol="0">
+            <a:spAutoFit/>
+          </a:bodyPr>
+          <a:lstStyle/>
+          <a:p>
+            <a:r>
+              <a:rPr lang="en-US" dirty="0"/>
+              <a:t>B7           8          20         10                       11         12               		 </a:t>
+            </a:r>
+          </a:p>
+        </p:txBody>
+      </p:sp>
+      <p:sp>
+        <p:nvSpPr>
+          <p:cNvPr id="49" name="TextBox 48">
+            <a:extLst>
+              <a:ext uri="{FF2B5EF4-FFF2-40B4-BE49-F238E27FC236}">
+                <a16:creationId xmlns:a16="http://schemas.microsoft.com/office/drawing/2014/main" id="{2D4188AC-43CA-20FA-CCE8-4B001BC0C81D}"/>
+              </a:ext>
+            </a:extLst>
+          </p:cNvPr>
+          <p:cNvSpPr txBox="1"/>
+          <p:nvPr/>
+        </p:nvSpPr>
+        <p:spPr>
+          <a:xfrm>
+            <a:off x="3146010" y="239520"/>
+            <a:ext cx="6614780" cy="369332"/>
+          </a:xfrm>
+          <a:prstGeom prst="rect">
+            <a:avLst/>
+          </a:prstGeom>
+          <a:noFill/>
+        </p:spPr>
+        <p:txBody>
+          <a:bodyPr wrap="square" rtlCol="0">
+            <a:spAutoFit/>
+          </a:bodyPr>
+          <a:lstStyle/>
+          <a:p>
+            <a:r>
+              <a:rPr lang="en-US" dirty="0"/>
+              <a:t>	         </a:t>
+            </a:r>
+            <a:r>
+              <a:rPr lang="en-US" dirty="0">
+                <a:solidFill>
+                  <a:srgbClr val="FF0000"/>
+                </a:solidFill>
+              </a:rPr>
+              <a:t>IDC-                   IDC+</a:t>
+            </a:r>
+            <a:r>
+              <a:rPr lang="en-US" dirty="0"/>
+              <a:t>			 </a:t>
+            </a:r>
+          </a:p>
+        </p:txBody>
+      </p:sp>
+      <p:sp>
+        <p:nvSpPr>
+          <p:cNvPr id="50" name="TextBox 49">
+            <a:extLst>
+              <a:ext uri="{FF2B5EF4-FFF2-40B4-BE49-F238E27FC236}">
+                <a16:creationId xmlns:a16="http://schemas.microsoft.com/office/drawing/2014/main" id="{CAFF5267-6030-9F90-6558-A08F12C7D21A}"/>
+              </a:ext>
+            </a:extLst>
+          </p:cNvPr>
+          <p:cNvSpPr txBox="1"/>
+          <p:nvPr/>
+        </p:nvSpPr>
+        <p:spPr>
+          <a:xfrm>
+            <a:off x="4584699" y="6176965"/>
+            <a:ext cx="5281281" cy="646331"/>
+          </a:xfrm>
+          <a:prstGeom prst="rect">
+            <a:avLst/>
+          </a:prstGeom>
+          <a:noFill/>
+        </p:spPr>
+        <p:txBody>
+          <a:bodyPr wrap="square" rtlCol="0">
+            <a:spAutoFit/>
+          </a:bodyPr>
+          <a:lstStyle/>
+          <a:p>
+            <a:r>
+              <a:rPr lang="en-US" dirty="0"/>
+              <a:t>	          </a:t>
+            </a:r>
+            <a:r>
+              <a:rPr lang="en-US" dirty="0">
+                <a:solidFill>
+                  <a:srgbClr val="FF0000"/>
+                </a:solidFill>
+              </a:rPr>
+              <a:t>IDC-                                  IDC+</a:t>
+            </a:r>
+            <a:r>
+              <a:rPr lang="en-US" dirty="0"/>
+              <a:t>			 </a:t>
+            </a:r>
+          </a:p>
+        </p:txBody>
+      </p:sp>
+      <p:sp>
+        <p:nvSpPr>
+          <p:cNvPr id="51" name="TextBox 50">
+            <a:extLst>
+              <a:ext uri="{FF2B5EF4-FFF2-40B4-BE49-F238E27FC236}">
+                <a16:creationId xmlns:a16="http://schemas.microsoft.com/office/drawing/2014/main" id="{750DDA59-47DA-96FE-AFAE-23E66737628F}"/>
+              </a:ext>
+            </a:extLst>
+          </p:cNvPr>
+          <p:cNvSpPr txBox="1"/>
+          <p:nvPr/>
+        </p:nvSpPr>
+        <p:spPr>
+          <a:xfrm>
+            <a:off x="2663407" y="1904740"/>
+            <a:ext cx="889960" cy="4247317"/>
+          </a:xfrm>
+          <a:prstGeom prst="rect">
+            <a:avLst/>
+          </a:prstGeom>
+          <a:noFill/>
+        </p:spPr>
+        <p:txBody>
+          <a:bodyPr wrap="square" rtlCol="0">
+            <a:spAutoFit/>
+          </a:bodyPr>
+          <a:lstStyle/>
+          <a:p>
+            <a:r>
+              <a:rPr lang="en-US" dirty="0">
+                <a:solidFill>
+                  <a:srgbClr val="FF0000"/>
+                </a:solidFill>
+              </a:rPr>
+              <a:t>TF</a:t>
+            </a:r>
+          </a:p>
+          <a:p>
+            <a:endParaRPr lang="en-US" dirty="0">
+              <a:solidFill>
+                <a:srgbClr val="FF0000"/>
+              </a:solidFill>
+            </a:endParaRPr>
+          </a:p>
+          <a:p>
+            <a:r>
+              <a:rPr lang="en-US" dirty="0">
+                <a:solidFill>
+                  <a:srgbClr val="FF0000"/>
+                </a:solidFill>
+              </a:rPr>
+              <a:t>STI</a:t>
+            </a:r>
+          </a:p>
+          <a:p>
+            <a:endParaRPr lang="en-US" dirty="0">
+              <a:solidFill>
+                <a:srgbClr val="FF0000"/>
+              </a:solidFill>
+            </a:endParaRPr>
+          </a:p>
+          <a:p>
+            <a:r>
+              <a:rPr lang="en-US" dirty="0">
+                <a:solidFill>
+                  <a:srgbClr val="FF0000"/>
+                </a:solidFill>
+              </a:rPr>
+              <a:t>STM</a:t>
+            </a:r>
+          </a:p>
+          <a:p>
+            <a:endParaRPr lang="en-US" dirty="0">
+              <a:solidFill>
+                <a:srgbClr val="FF0000"/>
+              </a:solidFill>
+            </a:endParaRPr>
+          </a:p>
+          <a:p>
+            <a:r>
+              <a:rPr lang="en-US" dirty="0">
+                <a:solidFill>
+                  <a:srgbClr val="FF0000"/>
+                </a:solidFill>
+              </a:rPr>
+              <a:t>STO</a:t>
+            </a:r>
+          </a:p>
+          <a:p>
+            <a:endParaRPr lang="en-US" dirty="0">
+              <a:solidFill>
+                <a:srgbClr val="FF0000"/>
+              </a:solidFill>
+            </a:endParaRPr>
+          </a:p>
+          <a:p>
+            <a:r>
+              <a:rPr lang="en-US" dirty="0">
+                <a:solidFill>
+                  <a:srgbClr val="FF0000"/>
+                </a:solidFill>
+              </a:rPr>
+              <a:t>TOP</a:t>
+            </a:r>
+          </a:p>
+          <a:p>
+            <a:endParaRPr lang="en-US" dirty="0">
+              <a:solidFill>
+                <a:srgbClr val="FF0000"/>
+              </a:solidFill>
+            </a:endParaRPr>
+          </a:p>
+          <a:p>
+            <a:r>
+              <a:rPr lang="en-US" dirty="0">
+                <a:solidFill>
+                  <a:srgbClr val="FF0000"/>
+                </a:solidFill>
+              </a:rPr>
+              <a:t>DOOR</a:t>
+            </a:r>
+          </a:p>
+          <a:p>
+            <a:endParaRPr lang="en-US" dirty="0">
+              <a:solidFill>
+                <a:srgbClr val="FF0000"/>
+              </a:solidFill>
+            </a:endParaRPr>
+          </a:p>
+          <a:p>
+            <a:r>
+              <a:rPr lang="en-US" dirty="0">
+                <a:solidFill>
+                  <a:srgbClr val="FF0000"/>
+                </a:solidFill>
+              </a:rPr>
+              <a:t>TF</a:t>
+            </a:r>
+            <a:r>
+              <a:rPr lang="en-US" dirty="0"/>
+              <a:t>		 </a:t>
+            </a:r>
+          </a:p>
+        </p:txBody>
+      </p:sp>
+      <p:sp>
+        <p:nvSpPr>
+          <p:cNvPr id="52" name="TextBox 51">
+            <a:extLst>
+              <a:ext uri="{FF2B5EF4-FFF2-40B4-BE49-F238E27FC236}">
+                <a16:creationId xmlns:a16="http://schemas.microsoft.com/office/drawing/2014/main" id="{80C36223-0CDE-C763-8732-6B71FA4411DE}"/>
+              </a:ext>
+            </a:extLst>
+          </p:cNvPr>
+          <p:cNvSpPr txBox="1"/>
+          <p:nvPr/>
+        </p:nvSpPr>
+        <p:spPr>
+          <a:xfrm>
+            <a:off x="8193655" y="1299766"/>
+            <a:ext cx="889960" cy="4247317"/>
+          </a:xfrm>
+          <a:prstGeom prst="rect">
+            <a:avLst/>
+          </a:prstGeom>
+          <a:noFill/>
+        </p:spPr>
+        <p:txBody>
+          <a:bodyPr wrap="square" rtlCol="0">
+            <a:spAutoFit/>
+          </a:bodyPr>
+          <a:lstStyle/>
+          <a:p>
+            <a:pPr algn="r"/>
+            <a:r>
+              <a:rPr lang="en-US" dirty="0">
+                <a:solidFill>
+                  <a:srgbClr val="FF0000"/>
+                </a:solidFill>
+              </a:rPr>
+              <a:t>TF</a:t>
+            </a:r>
+          </a:p>
+          <a:p>
+            <a:pPr algn="r"/>
+            <a:endParaRPr lang="en-US" dirty="0">
+              <a:solidFill>
+                <a:srgbClr val="FF0000"/>
+              </a:solidFill>
+            </a:endParaRPr>
+          </a:p>
+          <a:p>
+            <a:pPr algn="r"/>
+            <a:r>
+              <a:rPr lang="en-US" dirty="0">
+                <a:solidFill>
+                  <a:srgbClr val="FF0000"/>
+                </a:solidFill>
+              </a:rPr>
+              <a:t>STI</a:t>
+            </a:r>
+          </a:p>
+          <a:p>
+            <a:pPr algn="r"/>
+            <a:endParaRPr lang="en-US" dirty="0">
+              <a:solidFill>
+                <a:srgbClr val="FF0000"/>
+              </a:solidFill>
+            </a:endParaRPr>
+          </a:p>
+          <a:p>
+            <a:pPr algn="r"/>
+            <a:r>
+              <a:rPr lang="en-US" dirty="0">
+                <a:solidFill>
+                  <a:srgbClr val="FF0000"/>
+                </a:solidFill>
+              </a:rPr>
+              <a:t>STM</a:t>
+            </a:r>
+          </a:p>
+          <a:p>
+            <a:pPr algn="r"/>
+            <a:endParaRPr lang="en-US" dirty="0">
+              <a:solidFill>
+                <a:srgbClr val="FF0000"/>
+              </a:solidFill>
+            </a:endParaRPr>
+          </a:p>
+          <a:p>
+            <a:pPr algn="r"/>
+            <a:r>
+              <a:rPr lang="en-US" dirty="0">
+                <a:solidFill>
+                  <a:srgbClr val="FF0000"/>
+                </a:solidFill>
+              </a:rPr>
+              <a:t>STO</a:t>
+            </a:r>
+          </a:p>
+          <a:p>
+            <a:pPr algn="r"/>
+            <a:endParaRPr lang="en-US" dirty="0">
+              <a:solidFill>
+                <a:srgbClr val="FF0000"/>
+              </a:solidFill>
+            </a:endParaRPr>
+          </a:p>
+          <a:p>
+            <a:pPr algn="r"/>
+            <a:r>
+              <a:rPr lang="en-US" dirty="0">
+                <a:solidFill>
+                  <a:srgbClr val="FF0000"/>
+                </a:solidFill>
+              </a:rPr>
+              <a:t>TOP</a:t>
+            </a:r>
+          </a:p>
+          <a:p>
+            <a:pPr algn="r"/>
+            <a:endParaRPr lang="en-US" dirty="0">
+              <a:solidFill>
+                <a:srgbClr val="FF0000"/>
+              </a:solidFill>
+            </a:endParaRPr>
+          </a:p>
+          <a:p>
+            <a:pPr algn="r"/>
+            <a:r>
+              <a:rPr lang="en-US" dirty="0">
+                <a:solidFill>
+                  <a:srgbClr val="FF0000"/>
+                </a:solidFill>
+              </a:rPr>
+              <a:t>DOOR</a:t>
+            </a:r>
+          </a:p>
+          <a:p>
+            <a:pPr algn="r"/>
+            <a:endParaRPr lang="en-US" dirty="0">
+              <a:solidFill>
+                <a:srgbClr val="FF0000"/>
+              </a:solidFill>
+            </a:endParaRPr>
+          </a:p>
+          <a:p>
+            <a:pPr algn="r"/>
+            <a:r>
+              <a:rPr lang="en-US" dirty="0">
+                <a:solidFill>
+                  <a:srgbClr val="FF0000"/>
+                </a:solidFill>
+              </a:rPr>
+              <a:t>TF</a:t>
+            </a:r>
+            <a:r>
+              <a:rPr lang="en-US" dirty="0"/>
+              <a:t>		 </a:t>
+            </a:r>
+          </a:p>
+        </p:txBody>
+      </p:sp>
+      <p:sp>
+        <p:nvSpPr>
+          <p:cNvPr id="53" name="TextBox 52">
+            <a:extLst>
+              <a:ext uri="{FF2B5EF4-FFF2-40B4-BE49-F238E27FC236}">
+                <a16:creationId xmlns:a16="http://schemas.microsoft.com/office/drawing/2014/main" id="{C325867C-4F2B-F64A-4F4B-053203657387}"/>
+              </a:ext>
+            </a:extLst>
+          </p:cNvPr>
+          <p:cNvSpPr txBox="1"/>
+          <p:nvPr/>
+        </p:nvSpPr>
+        <p:spPr>
+          <a:xfrm>
+            <a:off x="9526317" y="1264134"/>
+            <a:ext cx="2207931" cy="3970318"/>
+          </a:xfrm>
+          <a:prstGeom prst="rect">
+            <a:avLst/>
+          </a:prstGeom>
+          <a:noFill/>
+        </p:spPr>
+        <p:txBody>
+          <a:bodyPr wrap="square" rtlCol="0">
+            <a:spAutoFit/>
+          </a:bodyPr>
+          <a:lstStyle/>
+          <a:p>
+            <a:r>
+              <a:rPr lang="en-US" dirty="0"/>
+              <a:t>B3</a:t>
+            </a:r>
+          </a:p>
+          <a:p>
+            <a:endParaRPr lang="en-US" dirty="0"/>
+          </a:p>
+          <a:p>
+            <a:r>
+              <a:rPr lang="en-US" dirty="0"/>
+              <a:t>7</a:t>
+            </a:r>
+          </a:p>
+          <a:p>
+            <a:endParaRPr lang="en-US" dirty="0"/>
+          </a:p>
+          <a:p>
+            <a:r>
+              <a:rPr lang="en-US" dirty="0"/>
+              <a:t>A3</a:t>
+            </a:r>
+          </a:p>
+          <a:p>
+            <a:endParaRPr lang="en-US" dirty="0"/>
+          </a:p>
+          <a:p>
+            <a:r>
+              <a:rPr lang="en-US" dirty="0"/>
+              <a:t>21</a:t>
+            </a:r>
+          </a:p>
+          <a:p>
+            <a:endParaRPr lang="en-US" dirty="0"/>
+          </a:p>
+          <a:p>
+            <a:r>
+              <a:rPr lang="en-US" dirty="0"/>
+              <a:t>B6</a:t>
+            </a:r>
+          </a:p>
+          <a:p>
+            <a:endParaRPr lang="en-US" dirty="0"/>
+          </a:p>
+          <a:p>
+            <a:r>
+              <a:rPr lang="en-US" dirty="0"/>
+              <a:t>9</a:t>
+            </a:r>
+          </a:p>
+          <a:p>
+            <a:endParaRPr lang="en-US" dirty="0"/>
+          </a:p>
+          <a:p>
+            <a:r>
+              <a:rPr lang="en-US" dirty="0"/>
+              <a:t>23</a:t>
+            </a:r>
+          </a:p>
+          <a:p>
+            <a:endParaRPr lang="en-US" dirty="0"/>
+          </a:p>
+        </p:txBody>
+      </p:sp>
+      <p:sp>
+        <p:nvSpPr>
+          <p:cNvPr id="54" name="TextBox 53">
+            <a:extLst>
+              <a:ext uri="{FF2B5EF4-FFF2-40B4-BE49-F238E27FC236}">
+                <a16:creationId xmlns:a16="http://schemas.microsoft.com/office/drawing/2014/main" id="{9E06F266-7A01-5744-9437-CBD50A1E4612}"/>
+              </a:ext>
+            </a:extLst>
+          </p:cNvPr>
+          <p:cNvSpPr txBox="1"/>
+          <p:nvPr/>
+        </p:nvSpPr>
+        <p:spPr>
+          <a:xfrm>
+            <a:off x="1321433" y="1348001"/>
+            <a:ext cx="889960" cy="4247317"/>
+          </a:xfrm>
+          <a:prstGeom prst="rect">
+            <a:avLst/>
+          </a:prstGeom>
+          <a:noFill/>
+        </p:spPr>
+        <p:txBody>
+          <a:bodyPr wrap="square" rtlCol="0">
+            <a:spAutoFit/>
+          </a:bodyPr>
+          <a:lstStyle/>
+          <a:p>
+            <a:pPr algn="r"/>
+            <a:endParaRPr lang="en-US" dirty="0"/>
+          </a:p>
+          <a:p>
+            <a:pPr algn="r"/>
+            <a:endParaRPr lang="en-US" dirty="0"/>
+          </a:p>
+          <a:p>
+            <a:pPr algn="r"/>
+            <a:r>
+              <a:rPr lang="en-US" dirty="0"/>
+              <a:t>19</a:t>
+            </a:r>
+          </a:p>
+          <a:p>
+            <a:pPr algn="r"/>
+            <a:endParaRPr lang="en-US" dirty="0"/>
+          </a:p>
+          <a:p>
+            <a:pPr algn="r"/>
+            <a:r>
+              <a:rPr lang="en-US" dirty="0"/>
+              <a:t>5</a:t>
+            </a:r>
+          </a:p>
+          <a:p>
+            <a:pPr algn="r"/>
+            <a:endParaRPr lang="en-US" dirty="0"/>
+          </a:p>
+          <a:p>
+            <a:pPr algn="r"/>
+            <a:r>
+              <a:rPr lang="en-US" dirty="0"/>
+              <a:t>B4</a:t>
+            </a:r>
+          </a:p>
+          <a:p>
+            <a:pPr algn="r"/>
+            <a:endParaRPr lang="en-US" dirty="0"/>
+          </a:p>
+          <a:p>
+            <a:pPr algn="r"/>
+            <a:r>
+              <a:rPr lang="en-US" dirty="0"/>
+              <a:t>3</a:t>
+            </a:r>
+          </a:p>
+          <a:p>
+            <a:pPr algn="r"/>
+            <a:endParaRPr lang="en-US" dirty="0"/>
+          </a:p>
+          <a:p>
+            <a:pPr algn="r"/>
+            <a:r>
+              <a:rPr lang="en-US" dirty="0"/>
+              <a:t>A1</a:t>
+            </a:r>
+          </a:p>
+          <a:p>
+            <a:pPr algn="r"/>
+            <a:endParaRPr lang="en-US" dirty="0"/>
+          </a:p>
+          <a:p>
+            <a:pPr algn="r"/>
+            <a:r>
+              <a:rPr lang="en-US" dirty="0"/>
+              <a:t>1</a:t>
+            </a:r>
+          </a:p>
+          <a:p>
+            <a:pPr algn="r"/>
+            <a:endParaRPr lang="en-US" dirty="0"/>
+          </a:p>
+          <a:p>
+            <a:pPr algn="r"/>
+            <a:r>
+              <a:rPr lang="en-US" dirty="0"/>
+              <a:t>B1 </a:t>
+            </a:r>
+          </a:p>
+        </p:txBody>
+      </p:sp>
+      <p:sp>
+        <p:nvSpPr>
+          <p:cNvPr id="57" name="TextBox 56">
+            <a:extLst>
+              <a:ext uri="{FF2B5EF4-FFF2-40B4-BE49-F238E27FC236}">
+                <a16:creationId xmlns:a16="http://schemas.microsoft.com/office/drawing/2014/main" id="{8CB6E8DC-60A8-157A-FAE6-9080B8AA5521}"/>
+              </a:ext>
+            </a:extLst>
+          </p:cNvPr>
+          <p:cNvSpPr txBox="1"/>
+          <p:nvPr/>
+        </p:nvSpPr>
+        <p:spPr>
+          <a:xfrm>
+            <a:off x="9526324" y="242766"/>
+            <a:ext cx="1228367" cy="477054"/>
+          </a:xfrm>
+          <a:prstGeom prst="rect">
+            <a:avLst/>
+          </a:prstGeom>
+          <a:noFill/>
+        </p:spPr>
+        <p:txBody>
+          <a:bodyPr wrap="square" rtlCol="0">
+            <a:spAutoFit/>
+          </a:bodyPr>
+          <a:lstStyle/>
+          <a:p>
+            <a:r>
+              <a:rPr lang="en-US" sz="2500" b="1" dirty="0"/>
+              <a:t>Emitter </a:t>
+            </a:r>
+          </a:p>
+        </p:txBody>
+      </p:sp>
+      <p:sp>
+        <p:nvSpPr>
+          <p:cNvPr id="58" name="TextBox 57">
+            <a:extLst>
+              <a:ext uri="{FF2B5EF4-FFF2-40B4-BE49-F238E27FC236}">
+                <a16:creationId xmlns:a16="http://schemas.microsoft.com/office/drawing/2014/main" id="{B0F09814-8233-60F9-F849-9688132D266F}"/>
+              </a:ext>
+            </a:extLst>
+          </p:cNvPr>
+          <p:cNvSpPr txBox="1"/>
+          <p:nvPr/>
+        </p:nvSpPr>
+        <p:spPr>
+          <a:xfrm>
+            <a:off x="10034981" y="871170"/>
+            <a:ext cx="1005936" cy="323165"/>
+          </a:xfrm>
+          <a:prstGeom prst="rect">
+            <a:avLst/>
+          </a:prstGeom>
+          <a:noFill/>
+        </p:spPr>
+        <p:txBody>
+          <a:bodyPr wrap="square" rtlCol="0">
+            <a:spAutoFit/>
+          </a:bodyPr>
+          <a:lstStyle/>
+          <a:p>
+            <a:pPr algn="ctr"/>
+            <a:r>
+              <a:rPr lang="en-US" sz="1500" u="sng" dirty="0"/>
+              <a:t>DAC</a:t>
+            </a:r>
+          </a:p>
+        </p:txBody>
+      </p:sp>
+      <p:sp>
+        <p:nvSpPr>
+          <p:cNvPr id="59" name="TextBox 58">
+            <a:extLst>
+              <a:ext uri="{FF2B5EF4-FFF2-40B4-BE49-F238E27FC236}">
+                <a16:creationId xmlns:a16="http://schemas.microsoft.com/office/drawing/2014/main" id="{5F4F476E-9695-1579-9290-DEBFF602063D}"/>
+              </a:ext>
+            </a:extLst>
+          </p:cNvPr>
+          <p:cNvSpPr txBox="1"/>
+          <p:nvPr/>
+        </p:nvSpPr>
+        <p:spPr>
+          <a:xfrm>
+            <a:off x="1446540" y="871853"/>
+            <a:ext cx="1150313" cy="553998"/>
+          </a:xfrm>
+          <a:prstGeom prst="rect">
+            <a:avLst/>
+          </a:prstGeom>
+          <a:noFill/>
+        </p:spPr>
+        <p:txBody>
+          <a:bodyPr wrap="square" rtlCol="0">
+            <a:spAutoFit/>
+          </a:bodyPr>
+          <a:lstStyle/>
+          <a:p>
+            <a:pPr algn="ctr"/>
+            <a:r>
+              <a:rPr lang="en-US" sz="1500" u="sng" dirty="0">
+                <a:highlight>
+                  <a:srgbClr val="FFFF00"/>
+                </a:highlight>
+              </a:rPr>
+              <a:t>Breakout Box</a:t>
+            </a:r>
+          </a:p>
+        </p:txBody>
+      </p:sp>
+      <p:sp>
+        <p:nvSpPr>
+          <p:cNvPr id="60" name="TextBox 59">
+            <a:extLst>
+              <a:ext uri="{FF2B5EF4-FFF2-40B4-BE49-F238E27FC236}">
+                <a16:creationId xmlns:a16="http://schemas.microsoft.com/office/drawing/2014/main" id="{5048B5D2-D522-E12D-4EC9-4A0331B97853}"/>
+              </a:ext>
+            </a:extLst>
+          </p:cNvPr>
+          <p:cNvSpPr txBox="1"/>
+          <p:nvPr/>
+        </p:nvSpPr>
+        <p:spPr>
+          <a:xfrm>
+            <a:off x="798728" y="933889"/>
+            <a:ext cx="1005936" cy="323165"/>
+          </a:xfrm>
+          <a:prstGeom prst="rect">
+            <a:avLst/>
+          </a:prstGeom>
+          <a:noFill/>
+        </p:spPr>
+        <p:txBody>
+          <a:bodyPr wrap="square" rtlCol="0">
+            <a:spAutoFit/>
+          </a:bodyPr>
+          <a:lstStyle/>
+          <a:p>
+            <a:pPr algn="ctr"/>
+            <a:r>
+              <a:rPr lang="en-US" sz="1500" u="sng" dirty="0"/>
+              <a:t>DAC</a:t>
+            </a:r>
+          </a:p>
+        </p:txBody>
+      </p:sp>
+      <p:sp>
+        <p:nvSpPr>
+          <p:cNvPr id="61" name="TextBox 60">
+            <a:extLst>
+              <a:ext uri="{FF2B5EF4-FFF2-40B4-BE49-F238E27FC236}">
+                <a16:creationId xmlns:a16="http://schemas.microsoft.com/office/drawing/2014/main" id="{1181AB07-17F0-53A1-3A3A-59B745C0091C}"/>
+              </a:ext>
+            </a:extLst>
+          </p:cNvPr>
+          <p:cNvSpPr txBox="1"/>
+          <p:nvPr/>
+        </p:nvSpPr>
+        <p:spPr>
+          <a:xfrm>
+            <a:off x="9141420" y="761010"/>
+            <a:ext cx="1150313" cy="553998"/>
+          </a:xfrm>
+          <a:prstGeom prst="rect">
+            <a:avLst/>
+          </a:prstGeom>
+          <a:noFill/>
+        </p:spPr>
+        <p:txBody>
+          <a:bodyPr wrap="square" rtlCol="0">
+            <a:spAutoFit/>
+          </a:bodyPr>
+          <a:lstStyle/>
+          <a:p>
+            <a:pPr algn="ctr"/>
+            <a:r>
+              <a:rPr lang="en-US" sz="1500" u="sng" dirty="0">
+                <a:highlight>
+                  <a:srgbClr val="FFFF00"/>
+                </a:highlight>
+              </a:rPr>
+              <a:t>Breakout Box</a:t>
+            </a:r>
+          </a:p>
+        </p:txBody>
+      </p:sp>
+      <p:sp>
+        <p:nvSpPr>
+          <p:cNvPr id="62" name="TextBox 61">
+            <a:extLst>
+              <a:ext uri="{FF2B5EF4-FFF2-40B4-BE49-F238E27FC236}">
+                <a16:creationId xmlns:a16="http://schemas.microsoft.com/office/drawing/2014/main" id="{B09A44DC-882D-1D8F-AF51-2ECEF249B540}"/>
+              </a:ext>
+            </a:extLst>
+          </p:cNvPr>
+          <p:cNvSpPr txBox="1"/>
+          <p:nvPr/>
+        </p:nvSpPr>
+        <p:spPr>
+          <a:xfrm>
+            <a:off x="1168098" y="376016"/>
+            <a:ext cx="1707196" cy="477054"/>
+          </a:xfrm>
+          <a:prstGeom prst="rect">
+            <a:avLst/>
+          </a:prstGeom>
+          <a:noFill/>
+        </p:spPr>
+        <p:txBody>
+          <a:bodyPr wrap="square" rtlCol="0">
+            <a:spAutoFit/>
+          </a:bodyPr>
+          <a:lstStyle/>
+          <a:p>
+            <a:r>
+              <a:rPr lang="en-US" sz="2500" b="1" dirty="0"/>
+              <a:t>Collector </a:t>
+            </a:r>
+          </a:p>
+        </p:txBody>
+      </p:sp>
+      <p:sp>
+        <p:nvSpPr>
+          <p:cNvPr id="2" name="TextBox 1">
+            <a:extLst>
+              <a:ext uri="{FF2B5EF4-FFF2-40B4-BE49-F238E27FC236}">
+                <a16:creationId xmlns:a16="http://schemas.microsoft.com/office/drawing/2014/main" id="{3CE2F2D1-1F93-2858-CCB9-6A3603B1EB63}"/>
+              </a:ext>
+            </a:extLst>
+          </p:cNvPr>
+          <p:cNvSpPr txBox="1"/>
+          <p:nvPr/>
+        </p:nvSpPr>
+        <p:spPr>
+          <a:xfrm>
+            <a:off x="3644259" y="1271552"/>
+            <a:ext cx="3662019" cy="461665"/>
+          </a:xfrm>
+          <a:prstGeom prst="rect">
+            <a:avLst/>
+          </a:prstGeom>
+          <a:noFill/>
+        </p:spPr>
+        <p:txBody>
+          <a:bodyPr wrap="square" rtlCol="0">
+            <a:spAutoFit/>
+          </a:bodyPr>
+          <a:lstStyle/>
+          <a:p>
+            <a:pPr algn="ctr"/>
+            <a:r>
+              <a:rPr lang="en-US" sz="1200" dirty="0"/>
+              <a:t>12(DAC)	               8(DAC)</a:t>
+            </a:r>
+          </a:p>
+          <a:p>
+            <a:pPr algn="ctr"/>
+            <a:r>
+              <a:rPr lang="en-US" sz="1200" dirty="0"/>
+              <a:t>SIM900 (</a:t>
+            </a:r>
+            <a:r>
+              <a:rPr lang="en-US" sz="1200" dirty="0" err="1"/>
+              <a:t>ng,nf</a:t>
+            </a:r>
+            <a:r>
+              <a:rPr lang="en-US" sz="1200" dirty="0"/>
+              <a:t>) 	SIM900 (</a:t>
+            </a:r>
+            <a:r>
+              <a:rPr lang="en-US" sz="1200" dirty="0" err="1"/>
+              <a:t>ng,nf</a:t>
+            </a:r>
+            <a:r>
+              <a:rPr lang="en-US" sz="1200" dirty="0"/>
+              <a:t>)</a:t>
+            </a:r>
+            <a:endParaRPr lang="en-US" dirty="0"/>
+          </a:p>
+        </p:txBody>
+      </p:sp>
+      <p:sp>
+        <p:nvSpPr>
+          <p:cNvPr id="3" name="TextBox 2">
+            <a:extLst>
+              <a:ext uri="{FF2B5EF4-FFF2-40B4-BE49-F238E27FC236}">
+                <a16:creationId xmlns:a16="http://schemas.microsoft.com/office/drawing/2014/main" id="{9C27952F-FDE3-0977-7C48-77A1F0B715D9}"/>
+              </a:ext>
+            </a:extLst>
+          </p:cNvPr>
+          <p:cNvSpPr txBox="1"/>
+          <p:nvPr/>
+        </p:nvSpPr>
+        <p:spPr>
+          <a:xfrm>
+            <a:off x="3975875" y="2444561"/>
+            <a:ext cx="1187574" cy="369332"/>
+          </a:xfrm>
+          <a:prstGeom prst="rect">
+            <a:avLst/>
+          </a:prstGeom>
+          <a:noFill/>
+        </p:spPr>
+        <p:txBody>
+          <a:bodyPr wrap="square" rtlCol="0">
+            <a:spAutoFit/>
+          </a:bodyPr>
+          <a:lstStyle/>
+          <a:p>
+            <a:r>
+              <a:rPr lang="en-US" dirty="0"/>
+              <a:t>14, 15</a:t>
+            </a:r>
+          </a:p>
+        </p:txBody>
+      </p:sp>
+      <p:sp>
+        <p:nvSpPr>
+          <p:cNvPr id="20" name="Rectangle 19">
+            <a:extLst>
+              <a:ext uri="{FF2B5EF4-FFF2-40B4-BE49-F238E27FC236}">
+                <a16:creationId xmlns:a16="http://schemas.microsoft.com/office/drawing/2014/main" id="{C1643F35-E1BE-4EB7-E630-B306BC4C020A}"/>
+              </a:ext>
+            </a:extLst>
+          </p:cNvPr>
+          <p:cNvSpPr/>
+          <p:nvPr/>
+        </p:nvSpPr>
+        <p:spPr>
+          <a:xfrm>
+            <a:off x="4298115" y="3267513"/>
+            <a:ext cx="1086685" cy="927249"/>
+          </a:xfrm>
+          <a:prstGeom prst="rect">
+            <a:avLst/>
+          </a:prstGeom>
+          <a:ln>
+            <a:solidFill>
+              <a:schemeClr val="tx1"/>
+            </a:solidFill>
+          </a:ln>
+        </p:spPr>
+        <p:style>
+          <a:lnRef idx="2">
+            <a:schemeClr val="accent6"/>
+          </a:lnRef>
+          <a:fillRef idx="1">
+            <a:schemeClr val="lt1"/>
+          </a:fillRef>
+          <a:effectRef idx="0">
+            <a:schemeClr val="accent6"/>
+          </a:effectRef>
+          <a:fontRef idx="minor">
+            <a:schemeClr val="dk1"/>
+          </a:fontRef>
+        </p:style>
+        <p:txBody>
+          <a:bodyPr rtlCol="0" anchor="ctr"/>
+          <a:lstStyle/>
+          <a:p>
+            <a:pPr algn="ctr"/>
+            <a:endParaRPr lang="en-US"/>
+          </a:p>
+        </p:txBody>
+      </p:sp>
+      <p:cxnSp>
+        <p:nvCxnSpPr>
+          <p:cNvPr id="22" name="Straight Connector 21">
+            <a:extLst>
+              <a:ext uri="{FF2B5EF4-FFF2-40B4-BE49-F238E27FC236}">
+                <a16:creationId xmlns:a16="http://schemas.microsoft.com/office/drawing/2014/main" id="{E81C3B4B-2CDE-5A4A-BF94-EE1F6445693D}"/>
+              </a:ext>
+            </a:extLst>
+          </p:cNvPr>
+          <p:cNvCxnSpPr/>
+          <p:nvPr/>
+        </p:nvCxnSpPr>
+        <p:spPr>
+          <a:xfrm flipV="1">
+            <a:off x="4298115" y="2822626"/>
+            <a:ext cx="0" cy="444887"/>
+          </a:xfrm>
+          <a:prstGeom prst="line">
+            <a:avLst/>
+          </a:prstGeom>
+        </p:spPr>
+        <p:style>
+          <a:lnRef idx="1">
+            <a:schemeClr val="dk1"/>
+          </a:lnRef>
+          <a:fillRef idx="0">
+            <a:schemeClr val="dk1"/>
+          </a:fillRef>
+          <a:effectRef idx="0">
+            <a:schemeClr val="dk1"/>
+          </a:effectRef>
+          <a:fontRef idx="minor">
+            <a:schemeClr val="tx1"/>
+          </a:fontRef>
+        </p:style>
+      </p:cxnSp>
+      <p:cxnSp>
+        <p:nvCxnSpPr>
+          <p:cNvPr id="23" name="Straight Connector 22">
+            <a:extLst>
+              <a:ext uri="{FF2B5EF4-FFF2-40B4-BE49-F238E27FC236}">
+                <a16:creationId xmlns:a16="http://schemas.microsoft.com/office/drawing/2014/main" id="{67918EA7-1EDA-C618-0191-23ACB6650403}"/>
+              </a:ext>
+            </a:extLst>
+          </p:cNvPr>
+          <p:cNvCxnSpPr/>
+          <p:nvPr/>
+        </p:nvCxnSpPr>
+        <p:spPr>
+          <a:xfrm flipV="1">
+            <a:off x="5384800" y="2815216"/>
+            <a:ext cx="0" cy="444887"/>
+          </a:xfrm>
+          <a:prstGeom prst="line">
+            <a:avLst/>
+          </a:prstGeom>
+        </p:spPr>
+        <p:style>
+          <a:lnRef idx="1">
+            <a:schemeClr val="dk1"/>
+          </a:lnRef>
+          <a:fillRef idx="0">
+            <a:schemeClr val="dk1"/>
+          </a:fillRef>
+          <a:effectRef idx="0">
+            <a:schemeClr val="dk1"/>
+          </a:effectRef>
+          <a:fontRef idx="minor">
+            <a:schemeClr val="tx1"/>
+          </a:fontRef>
+        </p:style>
+      </p:cxnSp>
+      <p:sp>
+        <p:nvSpPr>
+          <p:cNvPr id="24" name="TextBox 23">
+            <a:extLst>
+              <a:ext uri="{FF2B5EF4-FFF2-40B4-BE49-F238E27FC236}">
+                <a16:creationId xmlns:a16="http://schemas.microsoft.com/office/drawing/2014/main" id="{AE468BB3-142E-54E1-6877-1F16AEC38D8B}"/>
+              </a:ext>
+            </a:extLst>
+          </p:cNvPr>
+          <p:cNvSpPr txBox="1"/>
+          <p:nvPr/>
+        </p:nvSpPr>
+        <p:spPr>
+          <a:xfrm>
+            <a:off x="35459" y="6172315"/>
+            <a:ext cx="6771741" cy="646331"/>
+          </a:xfrm>
+          <a:prstGeom prst="rect">
+            <a:avLst/>
+          </a:prstGeom>
+          <a:noFill/>
+        </p:spPr>
+        <p:txBody>
+          <a:bodyPr wrap="square" rtlCol="0">
+            <a:spAutoFit/>
+          </a:bodyPr>
+          <a:lstStyle/>
+          <a:p>
+            <a:r>
+              <a:rPr lang="en-US" dirty="0" err="1"/>
+              <a:t>BiasC</a:t>
+            </a:r>
+            <a:r>
+              <a:rPr lang="en-US" dirty="0"/>
+              <a:t>  = 2 (bias tee box)</a:t>
+            </a:r>
+          </a:p>
+          <a:p>
+            <a:r>
+              <a:rPr lang="en-US" dirty="0"/>
+              <a:t>Filament top plate DAC = 5, </a:t>
+            </a:r>
+            <a:r>
+              <a:rPr lang="en-US" sz="1500" dirty="0"/>
+              <a:t>note: don’t use DAC port 17 (short to ground)</a:t>
+            </a:r>
+          </a:p>
+        </p:txBody>
+      </p:sp>
+      <p:sp>
+        <p:nvSpPr>
+          <p:cNvPr id="25" name="TextBox 24">
+            <a:extLst>
+              <a:ext uri="{FF2B5EF4-FFF2-40B4-BE49-F238E27FC236}">
+                <a16:creationId xmlns:a16="http://schemas.microsoft.com/office/drawing/2014/main" id="{71E5A285-8E9D-1377-F645-830EB876F87C}"/>
+              </a:ext>
+            </a:extLst>
+          </p:cNvPr>
+          <p:cNvSpPr txBox="1"/>
+          <p:nvPr/>
+        </p:nvSpPr>
+        <p:spPr>
+          <a:xfrm>
+            <a:off x="4992170" y="2464454"/>
+            <a:ext cx="1187574" cy="369332"/>
+          </a:xfrm>
+          <a:prstGeom prst="rect">
+            <a:avLst/>
+          </a:prstGeom>
+          <a:noFill/>
+        </p:spPr>
+        <p:txBody>
+          <a:bodyPr wrap="square" rtlCol="0">
+            <a:spAutoFit/>
+          </a:bodyPr>
+          <a:lstStyle/>
+          <a:p>
+            <a:r>
+              <a:rPr lang="en-US" dirty="0"/>
+              <a:t>16,17</a:t>
+            </a:r>
+          </a:p>
+        </p:txBody>
+      </p:sp>
+      <p:cxnSp>
+        <p:nvCxnSpPr>
+          <p:cNvPr id="26" name="Straight Connector 25">
+            <a:extLst>
+              <a:ext uri="{FF2B5EF4-FFF2-40B4-BE49-F238E27FC236}">
+                <a16:creationId xmlns:a16="http://schemas.microsoft.com/office/drawing/2014/main" id="{50CFE8E3-E1A3-4895-8585-DB71816B711A}"/>
+              </a:ext>
+            </a:extLst>
+          </p:cNvPr>
+          <p:cNvCxnSpPr>
+            <a:cxnSpLocks/>
+          </p:cNvCxnSpPr>
+          <p:nvPr/>
+        </p:nvCxnSpPr>
+        <p:spPr>
+          <a:xfrm flipV="1">
+            <a:off x="6257507" y="2936776"/>
+            <a:ext cx="0" cy="730471"/>
+          </a:xfrm>
+          <a:prstGeom prst="line">
+            <a:avLst/>
+          </a:prstGeom>
+        </p:spPr>
+        <p:style>
+          <a:lnRef idx="1">
+            <a:schemeClr val="dk1"/>
+          </a:lnRef>
+          <a:fillRef idx="0">
+            <a:schemeClr val="dk1"/>
+          </a:fillRef>
+          <a:effectRef idx="0">
+            <a:schemeClr val="dk1"/>
+          </a:effectRef>
+          <a:fontRef idx="minor">
+            <a:schemeClr val="tx1"/>
+          </a:fontRef>
+        </p:style>
+      </p:cxnSp>
+      <p:cxnSp>
+        <p:nvCxnSpPr>
+          <p:cNvPr id="48" name="Straight Connector 47">
+            <a:extLst>
+              <a:ext uri="{FF2B5EF4-FFF2-40B4-BE49-F238E27FC236}">
+                <a16:creationId xmlns:a16="http://schemas.microsoft.com/office/drawing/2014/main" id="{C07DA571-72DA-1D97-DB7D-290855F5E667}"/>
+              </a:ext>
+            </a:extLst>
+          </p:cNvPr>
+          <p:cNvCxnSpPr>
+            <a:cxnSpLocks/>
+          </p:cNvCxnSpPr>
+          <p:nvPr/>
+        </p:nvCxnSpPr>
+        <p:spPr>
+          <a:xfrm flipV="1">
+            <a:off x="7556500" y="2920267"/>
+            <a:ext cx="0" cy="730471"/>
+          </a:xfrm>
+          <a:prstGeom prst="line">
+            <a:avLst/>
+          </a:prstGeom>
+        </p:spPr>
+        <p:style>
+          <a:lnRef idx="1">
+            <a:schemeClr val="dk1"/>
+          </a:lnRef>
+          <a:fillRef idx="0">
+            <a:schemeClr val="dk1"/>
+          </a:fillRef>
+          <a:effectRef idx="0">
+            <a:schemeClr val="dk1"/>
+          </a:effectRef>
+          <a:fontRef idx="minor">
+            <a:schemeClr val="tx1"/>
+          </a:fontRef>
+        </p:style>
+      </p:cxnSp>
+      <p:cxnSp>
+        <p:nvCxnSpPr>
+          <p:cNvPr id="63" name="Straight Connector 62">
+            <a:extLst>
+              <a:ext uri="{FF2B5EF4-FFF2-40B4-BE49-F238E27FC236}">
+                <a16:creationId xmlns:a16="http://schemas.microsoft.com/office/drawing/2014/main" id="{A9947C84-3433-012B-5A2A-CC7CD67ED071}"/>
+              </a:ext>
+            </a:extLst>
+          </p:cNvPr>
+          <p:cNvCxnSpPr>
+            <a:cxnSpLocks/>
+          </p:cNvCxnSpPr>
+          <p:nvPr/>
+        </p:nvCxnSpPr>
+        <p:spPr>
+          <a:xfrm>
+            <a:off x="6257507" y="3654224"/>
+            <a:ext cx="1307382" cy="0"/>
+          </a:xfrm>
+          <a:prstGeom prst="line">
+            <a:avLst/>
+          </a:prstGeom>
+        </p:spPr>
+        <p:style>
+          <a:lnRef idx="1">
+            <a:schemeClr val="dk1"/>
+          </a:lnRef>
+          <a:fillRef idx="0">
+            <a:schemeClr val="dk1"/>
+          </a:fillRef>
+          <a:effectRef idx="0">
+            <a:schemeClr val="dk1"/>
+          </a:effectRef>
+          <a:fontRef idx="minor">
+            <a:schemeClr val="tx1"/>
+          </a:fontRef>
+        </p:style>
+      </p:cxnSp>
+      <p:cxnSp>
+        <p:nvCxnSpPr>
+          <p:cNvPr id="66" name="Straight Connector 65">
+            <a:extLst>
+              <a:ext uri="{FF2B5EF4-FFF2-40B4-BE49-F238E27FC236}">
+                <a16:creationId xmlns:a16="http://schemas.microsoft.com/office/drawing/2014/main" id="{120E34FC-5BEC-E7DB-E058-549041E4555A}"/>
+              </a:ext>
+            </a:extLst>
+          </p:cNvPr>
+          <p:cNvCxnSpPr>
+            <a:cxnSpLocks/>
+          </p:cNvCxnSpPr>
+          <p:nvPr/>
+        </p:nvCxnSpPr>
+        <p:spPr>
+          <a:xfrm>
+            <a:off x="6219407" y="4104933"/>
+            <a:ext cx="1307382" cy="0"/>
+          </a:xfrm>
+          <a:prstGeom prst="line">
+            <a:avLst/>
+          </a:prstGeom>
+        </p:spPr>
+        <p:style>
+          <a:lnRef idx="1">
+            <a:schemeClr val="dk1"/>
+          </a:lnRef>
+          <a:fillRef idx="0">
+            <a:schemeClr val="dk1"/>
+          </a:fillRef>
+          <a:effectRef idx="0">
+            <a:schemeClr val="dk1"/>
+          </a:effectRef>
+          <a:fontRef idx="minor">
+            <a:schemeClr val="tx1"/>
+          </a:fontRef>
+        </p:style>
+      </p:cxnSp>
+      <p:sp>
+        <p:nvSpPr>
+          <p:cNvPr id="67" name="TextBox 66">
+            <a:extLst>
+              <a:ext uri="{FF2B5EF4-FFF2-40B4-BE49-F238E27FC236}">
+                <a16:creationId xmlns:a16="http://schemas.microsoft.com/office/drawing/2014/main" id="{EC72F5F2-3503-1689-F9E8-0EAF6FCCC962}"/>
+              </a:ext>
+            </a:extLst>
+          </p:cNvPr>
+          <p:cNvSpPr txBox="1"/>
+          <p:nvPr/>
+        </p:nvSpPr>
+        <p:spPr>
+          <a:xfrm>
+            <a:off x="6757836" y="4079568"/>
+            <a:ext cx="1187574" cy="369332"/>
+          </a:xfrm>
+          <a:prstGeom prst="rect">
+            <a:avLst/>
+          </a:prstGeom>
+          <a:noFill/>
+        </p:spPr>
+        <p:txBody>
+          <a:bodyPr wrap="square" rtlCol="0">
+            <a:spAutoFit/>
+          </a:bodyPr>
+          <a:lstStyle/>
+          <a:p>
+            <a:r>
+              <a:rPr lang="en-US" dirty="0"/>
+              <a:t>22</a:t>
+            </a:r>
+          </a:p>
+        </p:txBody>
+      </p:sp>
+      <p:sp>
+        <p:nvSpPr>
+          <p:cNvPr id="68" name="TextBox 67">
+            <a:extLst>
+              <a:ext uri="{FF2B5EF4-FFF2-40B4-BE49-F238E27FC236}">
+                <a16:creationId xmlns:a16="http://schemas.microsoft.com/office/drawing/2014/main" id="{9C2D1685-CD60-5ED3-7552-84A198E58E18}"/>
+              </a:ext>
+            </a:extLst>
+          </p:cNvPr>
+          <p:cNvSpPr txBox="1"/>
+          <p:nvPr/>
+        </p:nvSpPr>
+        <p:spPr>
+          <a:xfrm>
+            <a:off x="6133374" y="2517108"/>
+            <a:ext cx="508248" cy="369332"/>
+          </a:xfrm>
+          <a:prstGeom prst="rect">
+            <a:avLst/>
+          </a:prstGeom>
+          <a:noFill/>
+        </p:spPr>
+        <p:txBody>
+          <a:bodyPr wrap="square" rtlCol="0">
+            <a:spAutoFit/>
+          </a:bodyPr>
+          <a:lstStyle/>
+          <a:p>
+            <a:r>
+              <a:rPr lang="en-US" dirty="0"/>
+              <a:t>24</a:t>
+            </a:r>
+          </a:p>
+        </p:txBody>
+      </p:sp>
+      <p:sp>
+        <p:nvSpPr>
+          <p:cNvPr id="69" name="TextBox 68">
+            <a:extLst>
+              <a:ext uri="{FF2B5EF4-FFF2-40B4-BE49-F238E27FC236}">
+                <a16:creationId xmlns:a16="http://schemas.microsoft.com/office/drawing/2014/main" id="{CDBD7B68-9356-58BB-9F64-63A2B118A252}"/>
+              </a:ext>
+            </a:extLst>
+          </p:cNvPr>
+          <p:cNvSpPr txBox="1"/>
+          <p:nvPr/>
+        </p:nvSpPr>
+        <p:spPr>
+          <a:xfrm>
+            <a:off x="7398711" y="2517108"/>
+            <a:ext cx="508247" cy="369332"/>
+          </a:xfrm>
+          <a:prstGeom prst="rect">
+            <a:avLst/>
+          </a:prstGeom>
+          <a:noFill/>
+        </p:spPr>
+        <p:txBody>
+          <a:bodyPr wrap="square" rtlCol="0">
+            <a:spAutoFit/>
+          </a:bodyPr>
+          <a:lstStyle/>
+          <a:p>
+            <a:r>
+              <a:rPr lang="en-US" dirty="0"/>
+              <a:t>13</a:t>
+            </a:r>
+          </a:p>
+        </p:txBody>
+      </p:sp>
+      <p:sp>
+        <p:nvSpPr>
+          <p:cNvPr id="21" name="TextBox 20">
+            <a:extLst>
+              <a:ext uri="{FF2B5EF4-FFF2-40B4-BE49-F238E27FC236}">
+                <a16:creationId xmlns:a16="http://schemas.microsoft.com/office/drawing/2014/main" id="{9055C5A6-130D-B8E5-3320-046C9647C5A7}"/>
+              </a:ext>
+            </a:extLst>
+          </p:cNvPr>
+          <p:cNvSpPr txBox="1"/>
+          <p:nvPr/>
+        </p:nvSpPr>
+        <p:spPr>
+          <a:xfrm>
+            <a:off x="3879015" y="4206607"/>
+            <a:ext cx="2038161" cy="246221"/>
+          </a:xfrm>
+          <a:prstGeom prst="rect">
+            <a:avLst/>
+          </a:prstGeom>
+          <a:noFill/>
+        </p:spPr>
+        <p:txBody>
+          <a:bodyPr wrap="square" rtlCol="0">
+            <a:spAutoFit/>
+          </a:bodyPr>
+          <a:lstStyle/>
+          <a:p>
+            <a:r>
+              <a:rPr lang="en-US" sz="1000" dirty="0"/>
+              <a:t>*when connecting do 14 with 16</a:t>
+            </a:r>
+          </a:p>
+        </p:txBody>
+      </p:sp>
+      <p:sp>
+        <p:nvSpPr>
+          <p:cNvPr id="27" name="TextBox 26">
+            <a:extLst>
+              <a:ext uri="{FF2B5EF4-FFF2-40B4-BE49-F238E27FC236}">
+                <a16:creationId xmlns:a16="http://schemas.microsoft.com/office/drawing/2014/main" id="{6BBE9B9B-AD3A-5BF2-C640-172A50835C57}"/>
+              </a:ext>
+            </a:extLst>
+          </p:cNvPr>
+          <p:cNvSpPr txBox="1"/>
+          <p:nvPr/>
+        </p:nvSpPr>
+        <p:spPr>
+          <a:xfrm>
+            <a:off x="4681904" y="1953093"/>
+            <a:ext cx="2650392" cy="400110"/>
+          </a:xfrm>
+          <a:prstGeom prst="rect">
+            <a:avLst/>
+          </a:prstGeom>
+          <a:noFill/>
+        </p:spPr>
+        <p:txBody>
+          <a:bodyPr wrap="square" rtlCol="0">
+            <a:spAutoFit/>
+          </a:bodyPr>
+          <a:lstStyle/>
+          <a:p>
+            <a:r>
+              <a:rPr lang="en-US" sz="2000" b="1" i="1" u="sng" dirty="0">
+                <a:solidFill>
+                  <a:srgbClr val="FF0000"/>
+                </a:solidFill>
+              </a:rPr>
+              <a:t>BIG</a:t>
+            </a:r>
+            <a:r>
+              <a:rPr lang="en-US" sz="2000" b="1" i="1" u="sng" dirty="0"/>
+              <a:t> </a:t>
+            </a:r>
+            <a:r>
+              <a:rPr lang="en-US" sz="2000" b="1" i="1" u="sng" dirty="0">
+                <a:solidFill>
+                  <a:schemeClr val="accent4"/>
+                </a:solidFill>
+              </a:rPr>
+              <a:t>GL</a:t>
+            </a:r>
+            <a:r>
+              <a:rPr lang="en-US" sz="2000" b="1" i="1" u="sng" dirty="0">
+                <a:solidFill>
+                  <a:schemeClr val="accent6"/>
+                </a:solidFill>
+              </a:rPr>
+              <a:t>ASS</a:t>
+            </a:r>
+            <a:r>
+              <a:rPr lang="en-US" sz="2000" b="1" i="1" u="sng" dirty="0"/>
+              <a:t> </a:t>
+            </a:r>
+            <a:r>
+              <a:rPr lang="en-US" sz="2000" b="1" i="1" u="sng" dirty="0">
+                <a:solidFill>
+                  <a:srgbClr val="0070C0"/>
+                </a:solidFill>
+              </a:rPr>
+              <a:t>DEW</a:t>
+            </a:r>
+            <a:r>
+              <a:rPr lang="en-US" sz="2000" b="1" i="1" u="sng" dirty="0">
+                <a:solidFill>
+                  <a:srgbClr val="7030A0"/>
+                </a:solidFill>
+              </a:rPr>
+              <a:t>AR </a:t>
+            </a:r>
+            <a:r>
+              <a:rPr lang="en-US" sz="2000" b="1" i="1" u="sng" dirty="0">
+                <a:highlight>
+                  <a:srgbClr val="FFFF00"/>
+                </a:highlight>
+              </a:rPr>
+              <a:t>(RF)</a:t>
+            </a:r>
+          </a:p>
+        </p:txBody>
+      </p:sp>
+      <p:sp>
+        <p:nvSpPr>
+          <p:cNvPr id="64" name="TextBox 63">
+            <a:extLst>
+              <a:ext uri="{FF2B5EF4-FFF2-40B4-BE49-F238E27FC236}">
+                <a16:creationId xmlns:a16="http://schemas.microsoft.com/office/drawing/2014/main" id="{1ED8529A-6A45-CE3F-3050-331B38E4B658}"/>
+              </a:ext>
+            </a:extLst>
+          </p:cNvPr>
+          <p:cNvSpPr txBox="1"/>
+          <p:nvPr/>
+        </p:nvSpPr>
+        <p:spPr>
+          <a:xfrm>
+            <a:off x="4202648" y="4577597"/>
+            <a:ext cx="3556000" cy="369332"/>
+          </a:xfrm>
+          <a:prstGeom prst="rect">
+            <a:avLst/>
+          </a:prstGeom>
+          <a:noFill/>
+        </p:spPr>
+        <p:txBody>
+          <a:bodyPr wrap="square" rtlCol="0">
+            <a:spAutoFit/>
+          </a:bodyPr>
+          <a:lstStyle/>
+          <a:p>
+            <a:r>
+              <a:rPr lang="en-US" dirty="0"/>
+              <a:t>Aux 3,4=Vee, 10=Vee, Aux 1,2=</a:t>
+            </a:r>
+            <a:r>
+              <a:rPr lang="en-US" dirty="0" err="1"/>
+              <a:t>Vdd</a:t>
+            </a:r>
+            <a:endParaRPr lang="en-US" dirty="0"/>
+          </a:p>
+        </p:txBody>
+      </p:sp>
+      <p:sp>
+        <p:nvSpPr>
+          <p:cNvPr id="65" name="TextBox 64">
+            <a:extLst>
+              <a:ext uri="{FF2B5EF4-FFF2-40B4-BE49-F238E27FC236}">
+                <a16:creationId xmlns:a16="http://schemas.microsoft.com/office/drawing/2014/main" id="{56C89D17-099C-4085-DD12-BBC2BF6019A9}"/>
+              </a:ext>
+            </a:extLst>
+          </p:cNvPr>
+          <p:cNvSpPr txBox="1"/>
+          <p:nvPr/>
+        </p:nvSpPr>
+        <p:spPr>
+          <a:xfrm>
+            <a:off x="7706259" y="5949949"/>
+            <a:ext cx="4485741" cy="1200329"/>
+          </a:xfrm>
+          <a:prstGeom prst="rect">
+            <a:avLst/>
+          </a:prstGeom>
+          <a:noFill/>
+        </p:spPr>
+        <p:txBody>
+          <a:bodyPr wrap="square" rtlCol="0">
+            <a:spAutoFit/>
+          </a:bodyPr>
+          <a:lstStyle/>
+          <a:p>
+            <a:pPr algn="r"/>
+            <a:r>
+              <a:rPr lang="en-US" dirty="0" err="1"/>
+              <a:t>BiasE</a:t>
+            </a:r>
+            <a:r>
+              <a:rPr lang="en-US" dirty="0"/>
+              <a:t>  = 11  (bias tee box)</a:t>
+            </a:r>
+          </a:p>
+          <a:p>
+            <a:pPr algn="r"/>
+            <a:r>
+              <a:rPr lang="en-US" dirty="0" err="1"/>
+              <a:t>doorE</a:t>
+            </a:r>
+            <a:r>
+              <a:rPr lang="en-US" dirty="0"/>
+              <a:t>/</a:t>
+            </a:r>
+            <a:r>
+              <a:rPr lang="en-US" dirty="0" err="1"/>
+              <a:t>C_close</a:t>
+            </a:r>
+            <a:r>
+              <a:rPr lang="en-US" dirty="0"/>
+              <a:t> = ax</a:t>
+            </a:r>
+          </a:p>
+          <a:p>
+            <a:pPr algn="r"/>
+            <a:r>
+              <a:rPr lang="en-US" dirty="0" err="1"/>
+              <a:t>doorE</a:t>
+            </a:r>
+            <a:r>
+              <a:rPr lang="en-US" dirty="0"/>
+              <a:t>/</a:t>
+            </a:r>
+            <a:r>
+              <a:rPr lang="en-US" dirty="0" err="1"/>
+              <a:t>C_open</a:t>
+            </a:r>
+            <a:r>
+              <a:rPr lang="en-US" dirty="0"/>
+              <a:t> = ay  </a:t>
+            </a:r>
+          </a:p>
+          <a:p>
+            <a:pPr algn="r"/>
+            <a:endParaRPr lang="en-US" dirty="0"/>
+          </a:p>
+        </p:txBody>
+      </p:sp>
+      <p:sp>
+        <p:nvSpPr>
+          <p:cNvPr id="70" name="TextBox 69">
+            <a:extLst>
+              <a:ext uri="{FF2B5EF4-FFF2-40B4-BE49-F238E27FC236}">
+                <a16:creationId xmlns:a16="http://schemas.microsoft.com/office/drawing/2014/main" id="{1ACC9F3D-62FE-3BFF-4513-8CEC05C3F8DA}"/>
+              </a:ext>
+            </a:extLst>
+          </p:cNvPr>
+          <p:cNvSpPr txBox="1"/>
+          <p:nvPr/>
+        </p:nvSpPr>
+        <p:spPr>
+          <a:xfrm>
+            <a:off x="73504" y="1377481"/>
+            <a:ext cx="1696617" cy="4247317"/>
+          </a:xfrm>
+          <a:prstGeom prst="rect">
+            <a:avLst/>
+          </a:prstGeom>
+          <a:noFill/>
+        </p:spPr>
+        <p:txBody>
+          <a:bodyPr wrap="square" rtlCol="0">
+            <a:spAutoFit/>
+          </a:bodyPr>
+          <a:lstStyle/>
+          <a:p>
+            <a:pPr algn="r"/>
+            <a:endParaRPr lang="en-US" dirty="0"/>
+          </a:p>
+          <a:p>
+            <a:pPr algn="r"/>
+            <a:endParaRPr lang="en-US" dirty="0"/>
+          </a:p>
+          <a:p>
+            <a:pPr algn="r"/>
+            <a:r>
+              <a:rPr lang="en-US" sz="1700" dirty="0"/>
+              <a:t>3</a:t>
+            </a:r>
+          </a:p>
+          <a:p>
+            <a:pPr algn="r"/>
+            <a:endParaRPr lang="en-US" sz="1700" dirty="0"/>
+          </a:p>
+          <a:p>
+            <a:pPr algn="r"/>
+            <a:r>
+              <a:rPr lang="en-US" sz="1700" dirty="0"/>
+              <a:t>SR830 </a:t>
+            </a:r>
+            <a:r>
+              <a:rPr lang="en-US" sz="1200" dirty="0"/>
+              <a:t>(current in)</a:t>
+            </a:r>
+          </a:p>
+          <a:p>
+            <a:pPr algn="r"/>
+            <a:endParaRPr lang="en-US" sz="1700" dirty="0"/>
+          </a:p>
+          <a:p>
+            <a:pPr algn="r"/>
+            <a:r>
+              <a:rPr lang="en-US" sz="1700" dirty="0"/>
+              <a:t>SR830</a:t>
+            </a:r>
+          </a:p>
+          <a:p>
+            <a:pPr algn="r"/>
+            <a:endParaRPr lang="en-US" sz="1700" dirty="0"/>
+          </a:p>
+          <a:p>
+            <a:pPr algn="r"/>
+            <a:r>
+              <a:rPr lang="en-US" sz="1700" dirty="0"/>
+              <a:t>SR830</a:t>
+            </a:r>
+          </a:p>
+          <a:p>
+            <a:pPr algn="r"/>
+            <a:endParaRPr lang="en-US" sz="1700" dirty="0"/>
+          </a:p>
+          <a:p>
+            <a:pPr algn="r"/>
+            <a:r>
+              <a:rPr lang="en-US" sz="1700" dirty="0"/>
+              <a:t>18</a:t>
+            </a:r>
+          </a:p>
+          <a:p>
+            <a:pPr algn="r"/>
+            <a:endParaRPr lang="en-US" dirty="0"/>
+          </a:p>
+          <a:p>
+            <a:pPr algn="r"/>
+            <a:r>
+              <a:rPr lang="en-US" sz="1400" dirty="0"/>
+              <a:t>13(</a:t>
+            </a:r>
+            <a:r>
+              <a:rPr lang="en-US" sz="1400" dirty="0" err="1"/>
+              <a:t>open,ay</a:t>
+            </a:r>
+            <a:r>
+              <a:rPr lang="en-US" sz="1400" dirty="0"/>
+              <a:t>)/21</a:t>
+            </a:r>
+          </a:p>
+          <a:p>
+            <a:pPr algn="r"/>
+            <a:r>
+              <a:rPr lang="en-US" sz="1400" dirty="0"/>
+              <a:t>(</a:t>
+            </a:r>
+            <a:r>
+              <a:rPr lang="en-US" sz="1400" dirty="0" err="1"/>
+              <a:t>close,ax</a:t>
+            </a:r>
+            <a:r>
+              <a:rPr lang="en-US" sz="1400" dirty="0"/>
+              <a:t>)</a:t>
+            </a:r>
+          </a:p>
+          <a:p>
+            <a:pPr algn="r"/>
+            <a:endParaRPr lang="en-US" sz="1700" dirty="0"/>
+          </a:p>
+          <a:p>
+            <a:pPr algn="r"/>
+            <a:r>
+              <a:rPr lang="en-US" sz="1700" dirty="0"/>
+              <a:t>3</a:t>
+            </a:r>
+            <a:r>
+              <a:rPr lang="en-US" dirty="0"/>
+              <a:t> </a:t>
+            </a:r>
+          </a:p>
+        </p:txBody>
+      </p:sp>
+      <p:sp>
+        <p:nvSpPr>
+          <p:cNvPr id="71" name="TextBox 70">
+            <a:extLst>
+              <a:ext uri="{FF2B5EF4-FFF2-40B4-BE49-F238E27FC236}">
+                <a16:creationId xmlns:a16="http://schemas.microsoft.com/office/drawing/2014/main" id="{4F9F86E9-1358-9BDD-2776-D7010AB94446}"/>
+              </a:ext>
+            </a:extLst>
+          </p:cNvPr>
+          <p:cNvSpPr txBox="1"/>
+          <p:nvPr/>
+        </p:nvSpPr>
+        <p:spPr>
+          <a:xfrm>
+            <a:off x="10089720" y="1270216"/>
+            <a:ext cx="2115457" cy="4201150"/>
+          </a:xfrm>
+          <a:prstGeom prst="rect">
+            <a:avLst/>
+          </a:prstGeom>
+          <a:noFill/>
+        </p:spPr>
+        <p:txBody>
+          <a:bodyPr wrap="square" rtlCol="0">
+            <a:spAutoFit/>
+          </a:bodyPr>
+          <a:lstStyle/>
+          <a:p>
+            <a:r>
+              <a:rPr lang="en-US" dirty="0"/>
+              <a:t>1</a:t>
+            </a:r>
+          </a:p>
+          <a:p>
+            <a:endParaRPr lang="en-US" dirty="0"/>
+          </a:p>
+          <a:p>
+            <a:r>
+              <a:rPr lang="en-US" dirty="0"/>
+              <a:t>SR830 </a:t>
+            </a:r>
+            <a:r>
+              <a:rPr lang="en-US" sz="1200" dirty="0"/>
+              <a:t>(sine out)</a:t>
+            </a:r>
+          </a:p>
+          <a:p>
+            <a:endParaRPr lang="en-US" dirty="0"/>
+          </a:p>
+          <a:p>
+            <a:r>
+              <a:rPr lang="en-US" dirty="0"/>
+              <a:t>SR830</a:t>
+            </a:r>
+          </a:p>
+          <a:p>
+            <a:endParaRPr lang="en-US" dirty="0"/>
+          </a:p>
+          <a:p>
+            <a:r>
+              <a:rPr lang="en-US" dirty="0"/>
+              <a:t>SR830</a:t>
+            </a:r>
+          </a:p>
+          <a:p>
+            <a:endParaRPr lang="en-US" dirty="0"/>
+          </a:p>
+          <a:p>
+            <a:r>
+              <a:rPr lang="en-US" dirty="0"/>
+              <a:t>14</a:t>
+            </a:r>
+          </a:p>
+          <a:p>
+            <a:endParaRPr lang="en-US" dirty="0"/>
+          </a:p>
+          <a:p>
+            <a:r>
+              <a:rPr lang="en-US" sz="1500" dirty="0"/>
+              <a:t>15(</a:t>
+            </a:r>
+            <a:r>
+              <a:rPr lang="en-US" sz="1500" dirty="0" err="1"/>
+              <a:t>open,ay</a:t>
+            </a:r>
+            <a:r>
+              <a:rPr lang="en-US" sz="1500" dirty="0"/>
+              <a:t>)/23(</a:t>
+            </a:r>
+            <a:r>
+              <a:rPr lang="en-US" sz="1500" dirty="0" err="1"/>
+              <a:t>close,ax</a:t>
+            </a:r>
+            <a:r>
+              <a:rPr lang="en-US" sz="1500" dirty="0"/>
+              <a:t>)</a:t>
+            </a:r>
+          </a:p>
+          <a:p>
+            <a:endParaRPr lang="en-US" dirty="0"/>
+          </a:p>
+          <a:p>
+            <a:r>
+              <a:rPr lang="en-US" dirty="0"/>
+              <a:t>1</a:t>
+            </a:r>
+          </a:p>
+          <a:p>
+            <a:endParaRPr lang="en-US" dirty="0"/>
+          </a:p>
+          <a:p>
+            <a:r>
+              <a:rPr lang="en-US" dirty="0"/>
+              <a:t> </a:t>
+            </a:r>
+          </a:p>
+        </p:txBody>
+      </p:sp>
+    </p:spTree>
+    <p:extLst>
+      <p:ext uri="{BB962C8B-B14F-4D97-AF65-F5344CB8AC3E}">
+        <p14:creationId xmlns:p14="http://schemas.microsoft.com/office/powerpoint/2010/main" val="368377872"/>
+      </p:ext>
+    </p:extLst>
+  </p:cSld>
+  <p:clrMapOvr>
+    <a:masterClrMapping/>
+  </p:clrMapOvr>
+</p:sld>
+</file>
+
 <file path=ppt/theme/theme1.xml><?xml version="1.0" encoding="utf-8"?>
 <a:theme xmlns:a="http://schemas.openxmlformats.org/drawingml/2006/main" name="Office Theme">
   <a:themeElements>

--- a/matlabMeas/TiffanyMeasurementFunctions/IDC/ConnectionLayout.pptx
+++ b/matlabMeas/TiffanyMeasurementFunctions/IDC/ConnectionLayout.pptx
@@ -271,7 +271,7 @@
           <a:p>
             <a:fld id="{47ABD26D-D221-4902-BE5F-0AA58C118E78}" type="datetimeFigureOut">
               <a:rPr lang="en-US" smtClean="0"/>
-              <a:t>9/3/2023</a:t>
+              <a:t>9/19/2023</a:t>
             </a:fld>
             <a:endParaRPr lang="en-US"/>
           </a:p>
@@ -469,7 +469,7 @@
           <a:p>
             <a:fld id="{47ABD26D-D221-4902-BE5F-0AA58C118E78}" type="datetimeFigureOut">
               <a:rPr lang="en-US" smtClean="0"/>
-              <a:t>9/3/2023</a:t>
+              <a:t>9/19/2023</a:t>
             </a:fld>
             <a:endParaRPr lang="en-US"/>
           </a:p>
@@ -677,7 +677,7 @@
           <a:p>
             <a:fld id="{47ABD26D-D221-4902-BE5F-0AA58C118E78}" type="datetimeFigureOut">
               <a:rPr lang="en-US" smtClean="0"/>
-              <a:t>9/3/2023</a:t>
+              <a:t>9/19/2023</a:t>
             </a:fld>
             <a:endParaRPr lang="en-US"/>
           </a:p>
@@ -875,7 +875,7 @@
           <a:p>
             <a:fld id="{47ABD26D-D221-4902-BE5F-0AA58C118E78}" type="datetimeFigureOut">
               <a:rPr lang="en-US" smtClean="0"/>
-              <a:t>9/3/2023</a:t>
+              <a:t>9/19/2023</a:t>
             </a:fld>
             <a:endParaRPr lang="en-US"/>
           </a:p>
@@ -1150,7 +1150,7 @@
           <a:p>
             <a:fld id="{47ABD26D-D221-4902-BE5F-0AA58C118E78}" type="datetimeFigureOut">
               <a:rPr lang="en-US" smtClean="0"/>
-              <a:t>9/3/2023</a:t>
+              <a:t>9/19/2023</a:t>
             </a:fld>
             <a:endParaRPr lang="en-US"/>
           </a:p>
@@ -1415,7 +1415,7 @@
           <a:p>
             <a:fld id="{47ABD26D-D221-4902-BE5F-0AA58C118E78}" type="datetimeFigureOut">
               <a:rPr lang="en-US" smtClean="0"/>
-              <a:t>9/3/2023</a:t>
+              <a:t>9/19/2023</a:t>
             </a:fld>
             <a:endParaRPr lang="en-US"/>
           </a:p>
@@ -1827,7 +1827,7 @@
           <a:p>
             <a:fld id="{47ABD26D-D221-4902-BE5F-0AA58C118E78}" type="datetimeFigureOut">
               <a:rPr lang="en-US" smtClean="0"/>
-              <a:t>9/3/2023</a:t>
+              <a:t>9/19/2023</a:t>
             </a:fld>
             <a:endParaRPr lang="en-US"/>
           </a:p>
@@ -1968,7 +1968,7 @@
           <a:p>
             <a:fld id="{47ABD26D-D221-4902-BE5F-0AA58C118E78}" type="datetimeFigureOut">
               <a:rPr lang="en-US" smtClean="0"/>
-              <a:t>9/3/2023</a:t>
+              <a:t>9/19/2023</a:t>
             </a:fld>
             <a:endParaRPr lang="en-US"/>
           </a:p>
@@ -2081,7 +2081,7 @@
           <a:p>
             <a:fld id="{47ABD26D-D221-4902-BE5F-0AA58C118E78}" type="datetimeFigureOut">
               <a:rPr lang="en-US" smtClean="0"/>
-              <a:t>9/3/2023</a:t>
+              <a:t>9/19/2023</a:t>
             </a:fld>
             <a:endParaRPr lang="en-US"/>
           </a:p>
@@ -2392,7 +2392,7 @@
           <a:p>
             <a:fld id="{47ABD26D-D221-4902-BE5F-0AA58C118E78}" type="datetimeFigureOut">
               <a:rPr lang="en-US" smtClean="0"/>
-              <a:t>9/3/2023</a:t>
+              <a:t>9/19/2023</a:t>
             </a:fld>
             <a:endParaRPr lang="en-US"/>
           </a:p>
@@ -2680,7 +2680,7 @@
           <a:p>
             <a:fld id="{47ABD26D-D221-4902-BE5F-0AA58C118E78}" type="datetimeFigureOut">
               <a:rPr lang="en-US" smtClean="0"/>
-              <a:t>9/3/2023</a:t>
+              <a:t>9/19/2023</a:t>
             </a:fld>
             <a:endParaRPr lang="en-US"/>
           </a:p>
@@ -2921,7 +2921,7 @@
           <a:p>
             <a:fld id="{47ABD26D-D221-4902-BE5F-0AA58C118E78}" type="datetimeFigureOut">
               <a:rPr lang="en-US" smtClean="0"/>
-              <a:t>9/3/2023</a:t>
+              <a:t>9/19/2023</a:t>
             </a:fld>
             <a:endParaRPr lang="en-US"/>
           </a:p>
@@ -24182,7 +24182,7 @@
             </a:r>
             <a:r>
               <a:rPr lang="en-US" sz="1500" dirty="0"/>
-              <a:t>= 11  </a:t>
+              <a:t>= 4  </a:t>
             </a:r>
           </a:p>
           <a:p>

--- a/matlabMeas/TiffanyMeasurementFunctions/IDC/ConnectionLayout.pptx
+++ b/matlabMeas/TiffanyMeasurementFunctions/IDC/ConnectionLayout.pptx
@@ -271,7 +271,7 @@
           <a:p>
             <a:fld id="{47ABD26D-D221-4902-BE5F-0AA58C118E78}" type="datetimeFigureOut">
               <a:rPr lang="en-US" smtClean="0"/>
-              <a:t>9/19/2023</a:t>
+              <a:t>10/2/2023</a:t>
             </a:fld>
             <a:endParaRPr lang="en-US"/>
           </a:p>
@@ -469,7 +469,7 @@
           <a:p>
             <a:fld id="{47ABD26D-D221-4902-BE5F-0AA58C118E78}" type="datetimeFigureOut">
               <a:rPr lang="en-US" smtClean="0"/>
-              <a:t>9/19/2023</a:t>
+              <a:t>10/2/2023</a:t>
             </a:fld>
             <a:endParaRPr lang="en-US"/>
           </a:p>
@@ -677,7 +677,7 @@
           <a:p>
             <a:fld id="{47ABD26D-D221-4902-BE5F-0AA58C118E78}" type="datetimeFigureOut">
               <a:rPr lang="en-US" smtClean="0"/>
-              <a:t>9/19/2023</a:t>
+              <a:t>10/2/2023</a:t>
             </a:fld>
             <a:endParaRPr lang="en-US"/>
           </a:p>
@@ -875,7 +875,7 @@
           <a:p>
             <a:fld id="{47ABD26D-D221-4902-BE5F-0AA58C118E78}" type="datetimeFigureOut">
               <a:rPr lang="en-US" smtClean="0"/>
-              <a:t>9/19/2023</a:t>
+              <a:t>10/2/2023</a:t>
             </a:fld>
             <a:endParaRPr lang="en-US"/>
           </a:p>
@@ -1150,7 +1150,7 @@
           <a:p>
             <a:fld id="{47ABD26D-D221-4902-BE5F-0AA58C118E78}" type="datetimeFigureOut">
               <a:rPr lang="en-US" smtClean="0"/>
-              <a:t>9/19/2023</a:t>
+              <a:t>10/2/2023</a:t>
             </a:fld>
             <a:endParaRPr lang="en-US"/>
           </a:p>
@@ -1415,7 +1415,7 @@
           <a:p>
             <a:fld id="{47ABD26D-D221-4902-BE5F-0AA58C118E78}" type="datetimeFigureOut">
               <a:rPr lang="en-US" smtClean="0"/>
-              <a:t>9/19/2023</a:t>
+              <a:t>10/2/2023</a:t>
             </a:fld>
             <a:endParaRPr lang="en-US"/>
           </a:p>
@@ -1827,7 +1827,7 @@
           <a:p>
             <a:fld id="{47ABD26D-D221-4902-BE5F-0AA58C118E78}" type="datetimeFigureOut">
               <a:rPr lang="en-US" smtClean="0"/>
-              <a:t>9/19/2023</a:t>
+              <a:t>10/2/2023</a:t>
             </a:fld>
             <a:endParaRPr lang="en-US"/>
           </a:p>
@@ -1968,7 +1968,7 @@
           <a:p>
             <a:fld id="{47ABD26D-D221-4902-BE5F-0AA58C118E78}" type="datetimeFigureOut">
               <a:rPr lang="en-US" smtClean="0"/>
-              <a:t>9/19/2023</a:t>
+              <a:t>10/2/2023</a:t>
             </a:fld>
             <a:endParaRPr lang="en-US"/>
           </a:p>
@@ -2081,7 +2081,7 @@
           <a:p>
             <a:fld id="{47ABD26D-D221-4902-BE5F-0AA58C118E78}" type="datetimeFigureOut">
               <a:rPr lang="en-US" smtClean="0"/>
-              <a:t>9/19/2023</a:t>
+              <a:t>10/2/2023</a:t>
             </a:fld>
             <a:endParaRPr lang="en-US"/>
           </a:p>
@@ -2392,7 +2392,7 @@
           <a:p>
             <a:fld id="{47ABD26D-D221-4902-BE5F-0AA58C118E78}" type="datetimeFigureOut">
               <a:rPr lang="en-US" smtClean="0"/>
-              <a:t>9/19/2023</a:t>
+              <a:t>10/2/2023</a:t>
             </a:fld>
             <a:endParaRPr lang="en-US"/>
           </a:p>
@@ -2680,7 +2680,7 @@
           <a:p>
             <a:fld id="{47ABD26D-D221-4902-BE5F-0AA58C118E78}" type="datetimeFigureOut">
               <a:rPr lang="en-US" smtClean="0"/>
-              <a:t>9/19/2023</a:t>
+              <a:t>10/2/2023</a:t>
             </a:fld>
             <a:endParaRPr lang="en-US"/>
           </a:p>
@@ -2921,7 +2921,7 @@
           <a:p>
             <a:fld id="{47ABD26D-D221-4902-BE5F-0AA58C118E78}" type="datetimeFigureOut">
               <a:rPr lang="en-US" smtClean="0"/>
-              <a:t>9/19/2023</a:t>
+              <a:t>10/2/2023</a:t>
             </a:fld>
             <a:endParaRPr lang="en-US"/>
           </a:p>

--- a/matlabMeas/TiffanyMeasurementFunctions/IDC/ConnectionLayout.pptx
+++ b/matlabMeas/TiffanyMeasurementFunctions/IDC/ConnectionLayout.pptx
@@ -12,12 +12,13 @@
     <p:sldId id="260" r:id="rId6"/>
     <p:sldId id="267" r:id="rId7"/>
     <p:sldId id="268" r:id="rId8"/>
-    <p:sldId id="281" r:id="rId9"/>
-    <p:sldId id="279" r:id="rId10"/>
-    <p:sldId id="269" r:id="rId11"/>
-    <p:sldId id="265" r:id="rId12"/>
-    <p:sldId id="263" r:id="rId13"/>
-    <p:sldId id="262" r:id="rId14"/>
+    <p:sldId id="282" r:id="rId9"/>
+    <p:sldId id="281" r:id="rId10"/>
+    <p:sldId id="279" r:id="rId11"/>
+    <p:sldId id="269" r:id="rId12"/>
+    <p:sldId id="265" r:id="rId13"/>
+    <p:sldId id="263" r:id="rId14"/>
+    <p:sldId id="262" r:id="rId15"/>
   </p:sldIdLst>
   <p:sldSz cx="12192000" cy="6858000"/>
   <p:notesSz cx="7023100" cy="9309100"/>
@@ -271,7 +272,7 @@
           <a:p>
             <a:fld id="{47ABD26D-D221-4902-BE5F-0AA58C118E78}" type="datetimeFigureOut">
               <a:rPr lang="en-US" smtClean="0"/>
-              <a:t>10/2/2023</a:t>
+              <a:t>10/20/2023</a:t>
             </a:fld>
             <a:endParaRPr lang="en-US"/>
           </a:p>
@@ -469,7 +470,7 @@
           <a:p>
             <a:fld id="{47ABD26D-D221-4902-BE5F-0AA58C118E78}" type="datetimeFigureOut">
               <a:rPr lang="en-US" smtClean="0"/>
-              <a:t>10/2/2023</a:t>
+              <a:t>10/20/2023</a:t>
             </a:fld>
             <a:endParaRPr lang="en-US"/>
           </a:p>
@@ -677,7 +678,7 @@
           <a:p>
             <a:fld id="{47ABD26D-D221-4902-BE5F-0AA58C118E78}" type="datetimeFigureOut">
               <a:rPr lang="en-US" smtClean="0"/>
-              <a:t>10/2/2023</a:t>
+              <a:t>10/20/2023</a:t>
             </a:fld>
             <a:endParaRPr lang="en-US"/>
           </a:p>
@@ -875,7 +876,7 @@
           <a:p>
             <a:fld id="{47ABD26D-D221-4902-BE5F-0AA58C118E78}" type="datetimeFigureOut">
               <a:rPr lang="en-US" smtClean="0"/>
-              <a:t>10/2/2023</a:t>
+              <a:t>10/20/2023</a:t>
             </a:fld>
             <a:endParaRPr lang="en-US"/>
           </a:p>
@@ -1150,7 +1151,7 @@
           <a:p>
             <a:fld id="{47ABD26D-D221-4902-BE5F-0AA58C118E78}" type="datetimeFigureOut">
               <a:rPr lang="en-US" smtClean="0"/>
-              <a:t>10/2/2023</a:t>
+              <a:t>10/20/2023</a:t>
             </a:fld>
             <a:endParaRPr lang="en-US"/>
           </a:p>
@@ -1415,7 +1416,7 @@
           <a:p>
             <a:fld id="{47ABD26D-D221-4902-BE5F-0AA58C118E78}" type="datetimeFigureOut">
               <a:rPr lang="en-US" smtClean="0"/>
-              <a:t>10/2/2023</a:t>
+              <a:t>10/20/2023</a:t>
             </a:fld>
             <a:endParaRPr lang="en-US"/>
           </a:p>
@@ -1827,7 +1828,7 @@
           <a:p>
             <a:fld id="{47ABD26D-D221-4902-BE5F-0AA58C118E78}" type="datetimeFigureOut">
               <a:rPr lang="en-US" smtClean="0"/>
-              <a:t>10/2/2023</a:t>
+              <a:t>10/20/2023</a:t>
             </a:fld>
             <a:endParaRPr lang="en-US"/>
           </a:p>
@@ -1968,7 +1969,7 @@
           <a:p>
             <a:fld id="{47ABD26D-D221-4902-BE5F-0AA58C118E78}" type="datetimeFigureOut">
               <a:rPr lang="en-US" smtClean="0"/>
-              <a:t>10/2/2023</a:t>
+              <a:t>10/20/2023</a:t>
             </a:fld>
             <a:endParaRPr lang="en-US"/>
           </a:p>
@@ -2081,7 +2082,7 @@
           <a:p>
             <a:fld id="{47ABD26D-D221-4902-BE5F-0AA58C118E78}" type="datetimeFigureOut">
               <a:rPr lang="en-US" smtClean="0"/>
-              <a:t>10/2/2023</a:t>
+              <a:t>10/20/2023</a:t>
             </a:fld>
             <a:endParaRPr lang="en-US"/>
           </a:p>
@@ -2392,7 +2393,7 @@
           <a:p>
             <a:fld id="{47ABD26D-D221-4902-BE5F-0AA58C118E78}" type="datetimeFigureOut">
               <a:rPr lang="en-US" smtClean="0"/>
-              <a:t>10/2/2023</a:t>
+              <a:t>10/20/2023</a:t>
             </a:fld>
             <a:endParaRPr lang="en-US"/>
           </a:p>
@@ -2680,7 +2681,7 @@
           <a:p>
             <a:fld id="{47ABD26D-D221-4902-BE5F-0AA58C118E78}" type="datetimeFigureOut">
               <a:rPr lang="en-US" smtClean="0"/>
-              <a:t>10/2/2023</a:t>
+              <a:t>10/20/2023</a:t>
             </a:fld>
             <a:endParaRPr lang="en-US"/>
           </a:p>
@@ -2921,7 +2922,7 @@
           <a:p>
             <a:fld id="{47ABD26D-D221-4902-BE5F-0AA58C118E78}" type="datetimeFigureOut">
               <a:rPr lang="en-US" smtClean="0"/>
-              <a:t>10/2/2023</a:t>
+              <a:t>10/20/2023</a:t>
             </a:fld>
             <a:endParaRPr lang="en-US"/>
           </a:p>
@@ -3424,6 +3425,156 @@
           <a:chExt cx="0" cy="0"/>
         </a:xfrm>
       </p:grpSpPr>
+      <p:sp>
+        <p:nvSpPr>
+          <p:cNvPr id="2" name="Title 1">
+            <a:extLst>
+              <a:ext uri="{FF2B5EF4-FFF2-40B4-BE49-F238E27FC236}">
+                <a16:creationId xmlns:a16="http://schemas.microsoft.com/office/drawing/2014/main" id="{36ED1F07-8786-2A46-C21F-717880B4F063}"/>
+              </a:ext>
+            </a:extLst>
+          </p:cNvPr>
+          <p:cNvSpPr>
+            <a:spLocks noGrp="1"/>
+          </p:cNvSpPr>
+          <p:nvPr>
+            <p:ph type="title"/>
+          </p:nvPr>
+        </p:nvSpPr>
+        <p:spPr/>
+        <p:txBody>
+          <a:bodyPr/>
+          <a:lstStyle/>
+          <a:p>
+            <a:r>
+              <a:rPr lang="en-US" dirty="0"/>
+              <a:t>Notes on above</a:t>
+            </a:r>
+          </a:p>
+        </p:txBody>
+      </p:sp>
+      <p:sp>
+        <p:nvSpPr>
+          <p:cNvPr id="3" name="Content Placeholder 2">
+            <a:extLst>
+              <a:ext uri="{FF2B5EF4-FFF2-40B4-BE49-F238E27FC236}">
+                <a16:creationId xmlns:a16="http://schemas.microsoft.com/office/drawing/2014/main" id="{C14A33DA-DF92-1797-AE11-F833B78563EB}"/>
+              </a:ext>
+            </a:extLst>
+          </p:cNvPr>
+          <p:cNvSpPr>
+            <a:spLocks noGrp="1"/>
+          </p:cNvSpPr>
+          <p:nvPr>
+            <p:ph idx="1"/>
+          </p:nvPr>
+        </p:nvSpPr>
+        <p:spPr/>
+        <p:txBody>
+          <a:bodyPr>
+            <a:normAutofit fontScale="85000" lnSpcReduction="10000"/>
+          </a:bodyPr>
+          <a:lstStyle/>
+          <a:p>
+            <a:r>
+              <a:rPr lang="en-US" dirty="0"/>
+              <a:t>B4 has like a 40Mohm resistance to ground</a:t>
+            </a:r>
+          </a:p>
+          <a:p>
+            <a:pPr lvl="1"/>
+            <a:r>
+              <a:rPr lang="en-US" dirty="0"/>
+              <a:t>Idk how to fix that other than feeding new wire</a:t>
+            </a:r>
+          </a:p>
+          <a:p>
+            <a:r>
+              <a:rPr lang="en-US" dirty="0"/>
+              <a:t>TFs have ~10Mohm resistance to ground because they’re </a:t>
+            </a:r>
+            <a:r>
+              <a:rPr lang="en-US" dirty="0" err="1"/>
+              <a:t>kinda</a:t>
+            </a:r>
+            <a:r>
+              <a:rPr lang="en-US" dirty="0"/>
+              <a:t> capacitively coupled to nearby source and drain gates which have a resistance to ground</a:t>
+            </a:r>
+          </a:p>
+          <a:p>
+            <a:pPr lvl="1"/>
+            <a:r>
+              <a:rPr lang="en-US" dirty="0"/>
+              <a:t>Probably from residual flux in pin connectors??</a:t>
+            </a:r>
+          </a:p>
+          <a:p>
+            <a:pPr lvl="1"/>
+            <a:r>
+              <a:rPr lang="en-US" dirty="0"/>
+              <a:t>Strange, definitely not on wire side, but when disconnected from board, get quick OL between a TF and source/drain gate (neither shorted to ground when disconnected)</a:t>
+            </a:r>
+          </a:p>
+          <a:p>
+            <a:pPr lvl="2"/>
+            <a:r>
+              <a:rPr lang="en-US" dirty="0"/>
+              <a:t>But when connected, see the resistance to ground…</a:t>
+            </a:r>
+          </a:p>
+          <a:p>
+            <a:r>
+              <a:rPr lang="en-US" dirty="0"/>
+              <a:t>All resistances and capacitances read correctly, but not when I check shorts to ground</a:t>
+            </a:r>
+          </a:p>
+          <a:p>
+            <a:pPr lvl="1"/>
+            <a:r>
+              <a:rPr lang="en-US" dirty="0"/>
+              <a:t>A lot of pins have quick OL…not sure if this is a factor of the weather or the soldering of the pin connectors…</a:t>
+            </a:r>
+          </a:p>
+          <a:p>
+            <a:pPr lvl="1"/>
+            <a:r>
+              <a:rPr lang="en-US" dirty="0"/>
+              <a:t>See if it makes things weird when cold/during measurement, otherwise have ignored it </a:t>
+            </a:r>
+          </a:p>
+        </p:txBody>
+      </p:sp>
+    </p:spTree>
+    <p:extLst>
+      <p:ext uri="{BB962C8B-B14F-4D97-AF65-F5344CB8AC3E}">
+        <p14:creationId xmlns:p14="http://schemas.microsoft.com/office/powerpoint/2010/main" val="2948640407"/>
+      </p:ext>
+    </p:extLst>
+  </p:cSld>
+  <p:clrMapOvr>
+    <a:masterClrMapping/>
+  </p:clrMapOvr>
+</p:sld>
+</file>
+
+<file path=ppt/slides/slide11.xml><?xml version="1.0" encoding="utf-8"?>
+<p:sld xmlns:a="http://schemas.openxmlformats.org/drawingml/2006/main" xmlns:r="http://schemas.openxmlformats.org/officeDocument/2006/relationships" xmlns:p="http://schemas.openxmlformats.org/presentationml/2006/main">
+  <p:cSld>
+    <p:spTree>
+      <p:nvGrpSpPr>
+        <p:cNvPr id="1" name=""/>
+        <p:cNvGrpSpPr/>
+        <p:nvPr/>
+      </p:nvGrpSpPr>
+      <p:grpSpPr>
+        <a:xfrm>
+          <a:off x="0" y="0"/>
+          <a:ext cx="0" cy="0"/>
+          <a:chOff x="0" y="0"/>
+          <a:chExt cx="0" cy="0"/>
+        </a:xfrm>
+      </p:grpSpPr>
       <p:pic>
         <p:nvPicPr>
           <p:cNvPr id="5" name="Picture 4">
@@ -4403,7 +4554,7 @@
 </p:sld>
 </file>
 
-<file path=ppt/slides/slide11.xml><?xml version="1.0" encoding="utf-8"?>
+<file path=ppt/slides/slide12.xml><?xml version="1.0" encoding="utf-8"?>
 <p:sld xmlns:a="http://schemas.openxmlformats.org/drawingml/2006/main" xmlns:r="http://schemas.openxmlformats.org/officeDocument/2006/relationships" xmlns:p="http://schemas.openxmlformats.org/presentationml/2006/main">
   <p:cSld>
     <p:spTree>
@@ -5423,7 +5574,7 @@
 </p:sld>
 </file>
 
-<file path=ppt/slides/slide12.xml><?xml version="1.0" encoding="utf-8"?>
+<file path=ppt/slides/slide13.xml><?xml version="1.0" encoding="utf-8"?>
 <p:sld xmlns:a="http://schemas.openxmlformats.org/drawingml/2006/main" xmlns:r="http://schemas.openxmlformats.org/officeDocument/2006/relationships" xmlns:p="http://schemas.openxmlformats.org/presentationml/2006/main">
   <p:cSld>
     <p:spTree>
@@ -5506,7 +5657,7 @@
 </p:sld>
 </file>
 
-<file path=ppt/slides/slide13.xml><?xml version="1.0" encoding="utf-8"?>
+<file path=ppt/slides/slide14.xml><?xml version="1.0" encoding="utf-8"?>
 <p:sld xmlns:a="http://schemas.openxmlformats.org/drawingml/2006/main" xmlns:r="http://schemas.openxmlformats.org/officeDocument/2006/relationships" xmlns:p="http://schemas.openxmlformats.org/presentationml/2006/main">
   <p:cSld>
     <p:spTree>
@@ -24302,6 +24453,2547 @@
 </file>
 
 <file path=ppt/slides/slide8.xml><?xml version="1.0" encoding="utf-8"?>
+<p:sld xmlns:a="http://schemas.openxmlformats.org/drawingml/2006/main" xmlns:r="http://schemas.openxmlformats.org/officeDocument/2006/relationships" xmlns:p="http://schemas.openxmlformats.org/presentationml/2006/main">
+  <p:cSld>
+    <p:spTree>
+      <p:nvGrpSpPr>
+        <p:cNvPr id="1" name=""/>
+        <p:cNvGrpSpPr/>
+        <p:nvPr/>
+      </p:nvGrpSpPr>
+      <p:grpSpPr>
+        <a:xfrm>
+          <a:off x="0" y="0"/>
+          <a:ext cx="0" cy="0"/>
+          <a:chOff x="0" y="0"/>
+          <a:chExt cx="0" cy="0"/>
+        </a:xfrm>
+      </p:grpSpPr>
+      <p:sp>
+        <p:nvSpPr>
+          <p:cNvPr id="4" name="Oval 3">
+            <a:extLst>
+              <a:ext uri="{FF2B5EF4-FFF2-40B4-BE49-F238E27FC236}">
+                <a16:creationId xmlns:a16="http://schemas.microsoft.com/office/drawing/2014/main" id="{D946A18F-56A6-3E1F-B3E0-65F70E8F53A8}"/>
+              </a:ext>
+            </a:extLst>
+          </p:cNvPr>
+          <p:cNvSpPr/>
+          <p:nvPr/>
+        </p:nvSpPr>
+        <p:spPr>
+          <a:xfrm>
+            <a:off x="3873500" y="571501"/>
+            <a:ext cx="424615" cy="419100"/>
+          </a:xfrm>
+          <a:prstGeom prst="ellipse">
+            <a:avLst/>
+          </a:prstGeom>
+        </p:spPr>
+        <p:style>
+          <a:lnRef idx="2">
+            <a:schemeClr val="accent6"/>
+          </a:lnRef>
+          <a:fillRef idx="1">
+            <a:schemeClr val="lt1"/>
+          </a:fillRef>
+          <a:effectRef idx="0">
+            <a:schemeClr val="accent6"/>
+          </a:effectRef>
+          <a:fontRef idx="minor">
+            <a:schemeClr val="dk1"/>
+          </a:fontRef>
+        </p:style>
+        <p:txBody>
+          <a:bodyPr rtlCol="0" anchor="ctr"/>
+          <a:lstStyle/>
+          <a:p>
+            <a:pPr algn="ctr"/>
+            <a:endParaRPr lang="en-US"/>
+          </a:p>
+        </p:txBody>
+      </p:sp>
+      <p:sp>
+        <p:nvSpPr>
+          <p:cNvPr id="5" name="Oval 4">
+            <a:extLst>
+              <a:ext uri="{FF2B5EF4-FFF2-40B4-BE49-F238E27FC236}">
+                <a16:creationId xmlns:a16="http://schemas.microsoft.com/office/drawing/2014/main" id="{F3FB28C8-CF1C-9BDD-1C55-1B673B50A7D0}"/>
+              </a:ext>
+            </a:extLst>
+          </p:cNvPr>
+          <p:cNvSpPr/>
+          <p:nvPr/>
+        </p:nvSpPr>
+        <p:spPr>
+          <a:xfrm>
+            <a:off x="4584700" y="571501"/>
+            <a:ext cx="424615" cy="419100"/>
+          </a:xfrm>
+          <a:prstGeom prst="ellipse">
+            <a:avLst/>
+          </a:prstGeom>
+        </p:spPr>
+        <p:style>
+          <a:lnRef idx="2">
+            <a:schemeClr val="accent6"/>
+          </a:lnRef>
+          <a:fillRef idx="1">
+            <a:schemeClr val="lt1"/>
+          </a:fillRef>
+          <a:effectRef idx="0">
+            <a:schemeClr val="accent6"/>
+          </a:effectRef>
+          <a:fontRef idx="minor">
+            <a:schemeClr val="dk1"/>
+          </a:fontRef>
+        </p:style>
+        <p:txBody>
+          <a:bodyPr rtlCol="0" anchor="ctr"/>
+          <a:lstStyle/>
+          <a:p>
+            <a:pPr algn="ctr"/>
+            <a:endParaRPr lang="en-US"/>
+          </a:p>
+        </p:txBody>
+      </p:sp>
+      <p:sp>
+        <p:nvSpPr>
+          <p:cNvPr id="6" name="Oval 5">
+            <a:extLst>
+              <a:ext uri="{FF2B5EF4-FFF2-40B4-BE49-F238E27FC236}">
+                <a16:creationId xmlns:a16="http://schemas.microsoft.com/office/drawing/2014/main" id="{3CA3BA78-56C2-F192-D969-3F1044FC5BFC}"/>
+              </a:ext>
+            </a:extLst>
+          </p:cNvPr>
+          <p:cNvSpPr/>
+          <p:nvPr/>
+        </p:nvSpPr>
+        <p:spPr>
+          <a:xfrm>
+            <a:off x="5295900" y="571501"/>
+            <a:ext cx="424615" cy="419100"/>
+          </a:xfrm>
+          <a:prstGeom prst="ellipse">
+            <a:avLst/>
+          </a:prstGeom>
+          <a:solidFill>
+            <a:schemeClr val="bg1"/>
+          </a:solidFill>
+          <a:ln>
+            <a:solidFill>
+              <a:schemeClr val="accent6"/>
+            </a:solidFill>
+          </a:ln>
+        </p:spPr>
+        <p:style>
+          <a:lnRef idx="2">
+            <a:schemeClr val="dk1">
+              <a:shade val="50000"/>
+            </a:schemeClr>
+          </a:lnRef>
+          <a:fillRef idx="1">
+            <a:schemeClr val="dk1"/>
+          </a:fillRef>
+          <a:effectRef idx="0">
+            <a:schemeClr val="dk1"/>
+          </a:effectRef>
+          <a:fontRef idx="minor">
+            <a:schemeClr val="lt1"/>
+          </a:fontRef>
+        </p:style>
+        <p:txBody>
+          <a:bodyPr rtlCol="0" anchor="ctr"/>
+          <a:lstStyle/>
+          <a:p>
+            <a:pPr algn="ctr"/>
+            <a:endParaRPr lang="en-US"/>
+          </a:p>
+        </p:txBody>
+      </p:sp>
+      <p:sp>
+        <p:nvSpPr>
+          <p:cNvPr id="7" name="Oval 6">
+            <a:extLst>
+              <a:ext uri="{FF2B5EF4-FFF2-40B4-BE49-F238E27FC236}">
+                <a16:creationId xmlns:a16="http://schemas.microsoft.com/office/drawing/2014/main" id="{5DBFB21A-DF21-F1E9-AF67-A1BF4805C81A}"/>
+              </a:ext>
+            </a:extLst>
+          </p:cNvPr>
+          <p:cNvSpPr/>
+          <p:nvPr/>
+        </p:nvSpPr>
+        <p:spPr>
+          <a:xfrm>
+            <a:off x="6007100" y="571501"/>
+            <a:ext cx="424615" cy="419100"/>
+          </a:xfrm>
+          <a:prstGeom prst="ellipse">
+            <a:avLst/>
+          </a:prstGeom>
+        </p:spPr>
+        <p:style>
+          <a:lnRef idx="2">
+            <a:schemeClr val="accent6"/>
+          </a:lnRef>
+          <a:fillRef idx="1">
+            <a:schemeClr val="lt1"/>
+          </a:fillRef>
+          <a:effectRef idx="0">
+            <a:schemeClr val="accent6"/>
+          </a:effectRef>
+          <a:fontRef idx="minor">
+            <a:schemeClr val="dk1"/>
+          </a:fontRef>
+        </p:style>
+        <p:txBody>
+          <a:bodyPr rtlCol="0" anchor="ctr"/>
+          <a:lstStyle/>
+          <a:p>
+            <a:pPr algn="ctr"/>
+            <a:endParaRPr lang="en-US"/>
+          </a:p>
+        </p:txBody>
+      </p:sp>
+      <p:sp>
+        <p:nvSpPr>
+          <p:cNvPr id="8" name="Oval 7">
+            <a:extLst>
+              <a:ext uri="{FF2B5EF4-FFF2-40B4-BE49-F238E27FC236}">
+                <a16:creationId xmlns:a16="http://schemas.microsoft.com/office/drawing/2014/main" id="{F0050BE3-0855-E87D-8C27-54E0E1827C1A}"/>
+              </a:ext>
+            </a:extLst>
+          </p:cNvPr>
+          <p:cNvSpPr/>
+          <p:nvPr/>
+        </p:nvSpPr>
+        <p:spPr>
+          <a:xfrm>
+            <a:off x="6718300" y="571501"/>
+            <a:ext cx="424615" cy="419100"/>
+          </a:xfrm>
+          <a:prstGeom prst="ellipse">
+            <a:avLst/>
+          </a:prstGeom>
+        </p:spPr>
+        <p:style>
+          <a:lnRef idx="2">
+            <a:schemeClr val="accent6"/>
+          </a:lnRef>
+          <a:fillRef idx="1">
+            <a:schemeClr val="lt1"/>
+          </a:fillRef>
+          <a:effectRef idx="0">
+            <a:schemeClr val="accent6"/>
+          </a:effectRef>
+          <a:fontRef idx="minor">
+            <a:schemeClr val="dk1"/>
+          </a:fontRef>
+        </p:style>
+        <p:txBody>
+          <a:bodyPr rtlCol="0" anchor="ctr"/>
+          <a:lstStyle/>
+          <a:p>
+            <a:pPr algn="ctr"/>
+            <a:endParaRPr lang="en-US"/>
+          </a:p>
+        </p:txBody>
+      </p:sp>
+      <p:sp>
+        <p:nvSpPr>
+          <p:cNvPr id="9" name="Oval 8">
+            <a:extLst>
+              <a:ext uri="{FF2B5EF4-FFF2-40B4-BE49-F238E27FC236}">
+                <a16:creationId xmlns:a16="http://schemas.microsoft.com/office/drawing/2014/main" id="{181329B8-59F0-BCDE-4A7A-08F539374242}"/>
+              </a:ext>
+            </a:extLst>
+          </p:cNvPr>
+          <p:cNvSpPr/>
+          <p:nvPr/>
+        </p:nvSpPr>
+        <p:spPr>
+          <a:xfrm>
+            <a:off x="7429500" y="571501"/>
+            <a:ext cx="424615" cy="419100"/>
+          </a:xfrm>
+          <a:prstGeom prst="ellipse">
+            <a:avLst/>
+          </a:prstGeom>
+        </p:spPr>
+        <p:style>
+          <a:lnRef idx="2">
+            <a:schemeClr val="accent6"/>
+          </a:lnRef>
+          <a:fillRef idx="1">
+            <a:schemeClr val="lt1"/>
+          </a:fillRef>
+          <a:effectRef idx="0">
+            <a:schemeClr val="accent6"/>
+          </a:effectRef>
+          <a:fontRef idx="minor">
+            <a:schemeClr val="dk1"/>
+          </a:fontRef>
+        </p:style>
+        <p:txBody>
+          <a:bodyPr rtlCol="0" anchor="ctr"/>
+          <a:lstStyle/>
+          <a:p>
+            <a:pPr algn="ctr"/>
+            <a:endParaRPr lang="en-US"/>
+          </a:p>
+        </p:txBody>
+      </p:sp>
+      <p:sp>
+        <p:nvSpPr>
+          <p:cNvPr id="10" name="Oval 9">
+            <a:extLst>
+              <a:ext uri="{FF2B5EF4-FFF2-40B4-BE49-F238E27FC236}">
+                <a16:creationId xmlns:a16="http://schemas.microsoft.com/office/drawing/2014/main" id="{01A29324-227D-CE00-879E-253419DB7FF5}"/>
+              </a:ext>
+            </a:extLst>
+          </p:cNvPr>
+          <p:cNvSpPr/>
+          <p:nvPr/>
+        </p:nvSpPr>
+        <p:spPr>
+          <a:xfrm>
+            <a:off x="3162300" y="571501"/>
+            <a:ext cx="424615" cy="419100"/>
+          </a:xfrm>
+          <a:prstGeom prst="ellipse">
+            <a:avLst/>
+          </a:prstGeom>
+        </p:spPr>
+        <p:style>
+          <a:lnRef idx="2">
+            <a:schemeClr val="accent6"/>
+          </a:lnRef>
+          <a:fillRef idx="1">
+            <a:schemeClr val="lt1"/>
+          </a:fillRef>
+          <a:effectRef idx="0">
+            <a:schemeClr val="accent6"/>
+          </a:effectRef>
+          <a:fontRef idx="minor">
+            <a:schemeClr val="dk1"/>
+          </a:fontRef>
+        </p:style>
+        <p:txBody>
+          <a:bodyPr rtlCol="0" anchor="ctr"/>
+          <a:lstStyle/>
+          <a:p>
+            <a:pPr algn="ctr"/>
+            <a:endParaRPr lang="en-US"/>
+          </a:p>
+        </p:txBody>
+      </p:sp>
+      <p:sp>
+        <p:nvSpPr>
+          <p:cNvPr id="11" name="Oval 10">
+            <a:extLst>
+              <a:ext uri="{FF2B5EF4-FFF2-40B4-BE49-F238E27FC236}">
+                <a16:creationId xmlns:a16="http://schemas.microsoft.com/office/drawing/2014/main" id="{E0DCA490-C29E-4DBF-0ACF-D7AF1CD3F1AA}"/>
+              </a:ext>
+            </a:extLst>
+          </p:cNvPr>
+          <p:cNvSpPr/>
+          <p:nvPr/>
+        </p:nvSpPr>
+        <p:spPr>
+          <a:xfrm>
+            <a:off x="8140700" y="571501"/>
+            <a:ext cx="424615" cy="419100"/>
+          </a:xfrm>
+          <a:prstGeom prst="ellipse">
+            <a:avLst/>
+          </a:prstGeom>
+          <a:solidFill>
+            <a:schemeClr val="tx1"/>
+          </a:solidFill>
+        </p:spPr>
+        <p:style>
+          <a:lnRef idx="2">
+            <a:schemeClr val="accent6"/>
+          </a:lnRef>
+          <a:fillRef idx="1">
+            <a:schemeClr val="lt1"/>
+          </a:fillRef>
+          <a:effectRef idx="0">
+            <a:schemeClr val="accent6"/>
+          </a:effectRef>
+          <a:fontRef idx="minor">
+            <a:schemeClr val="dk1"/>
+          </a:fontRef>
+        </p:style>
+        <p:txBody>
+          <a:bodyPr rtlCol="0" anchor="ctr"/>
+          <a:lstStyle/>
+          <a:p>
+            <a:pPr algn="ctr"/>
+            <a:endParaRPr lang="en-US"/>
+          </a:p>
+        </p:txBody>
+      </p:sp>
+      <p:sp>
+        <p:nvSpPr>
+          <p:cNvPr id="12" name="Oval 11">
+            <a:extLst>
+              <a:ext uri="{FF2B5EF4-FFF2-40B4-BE49-F238E27FC236}">
+                <a16:creationId xmlns:a16="http://schemas.microsoft.com/office/drawing/2014/main" id="{49824087-58B9-8764-C46D-1F9401874CE3}"/>
+              </a:ext>
+            </a:extLst>
+          </p:cNvPr>
+          <p:cNvSpPr/>
+          <p:nvPr/>
+        </p:nvSpPr>
+        <p:spPr>
+          <a:xfrm>
+            <a:off x="3962400" y="5740399"/>
+            <a:ext cx="424615" cy="419100"/>
+          </a:xfrm>
+          <a:prstGeom prst="ellipse">
+            <a:avLst/>
+          </a:prstGeom>
+        </p:spPr>
+        <p:style>
+          <a:lnRef idx="2">
+            <a:schemeClr val="accent6"/>
+          </a:lnRef>
+          <a:fillRef idx="1">
+            <a:schemeClr val="lt1"/>
+          </a:fillRef>
+          <a:effectRef idx="0">
+            <a:schemeClr val="accent6"/>
+          </a:effectRef>
+          <a:fontRef idx="minor">
+            <a:schemeClr val="dk1"/>
+          </a:fontRef>
+        </p:style>
+        <p:txBody>
+          <a:bodyPr rtlCol="0" anchor="ctr"/>
+          <a:lstStyle/>
+          <a:p>
+            <a:pPr algn="ctr"/>
+            <a:endParaRPr lang="en-US"/>
+          </a:p>
+        </p:txBody>
+      </p:sp>
+      <p:sp>
+        <p:nvSpPr>
+          <p:cNvPr id="13" name="Oval 12">
+            <a:extLst>
+              <a:ext uri="{FF2B5EF4-FFF2-40B4-BE49-F238E27FC236}">
+                <a16:creationId xmlns:a16="http://schemas.microsoft.com/office/drawing/2014/main" id="{EDB51181-2DFB-AFDE-3975-F4BE6272F50C}"/>
+              </a:ext>
+            </a:extLst>
+          </p:cNvPr>
+          <p:cNvSpPr/>
+          <p:nvPr/>
+        </p:nvSpPr>
+        <p:spPr>
+          <a:xfrm>
+            <a:off x="4673600" y="5740399"/>
+            <a:ext cx="424615" cy="419100"/>
+          </a:xfrm>
+          <a:prstGeom prst="ellipse">
+            <a:avLst/>
+          </a:prstGeom>
+          <a:solidFill>
+            <a:schemeClr val="tx1"/>
+          </a:solidFill>
+        </p:spPr>
+        <p:style>
+          <a:lnRef idx="2">
+            <a:schemeClr val="accent6"/>
+          </a:lnRef>
+          <a:fillRef idx="1">
+            <a:schemeClr val="lt1"/>
+          </a:fillRef>
+          <a:effectRef idx="0">
+            <a:schemeClr val="accent6"/>
+          </a:effectRef>
+          <a:fontRef idx="minor">
+            <a:schemeClr val="dk1"/>
+          </a:fontRef>
+        </p:style>
+        <p:txBody>
+          <a:bodyPr rtlCol="0" anchor="ctr"/>
+          <a:lstStyle/>
+          <a:p>
+            <a:pPr algn="ctr"/>
+            <a:endParaRPr lang="en-US"/>
+          </a:p>
+        </p:txBody>
+      </p:sp>
+      <p:sp>
+        <p:nvSpPr>
+          <p:cNvPr id="14" name="Oval 13">
+            <a:extLst>
+              <a:ext uri="{FF2B5EF4-FFF2-40B4-BE49-F238E27FC236}">
+                <a16:creationId xmlns:a16="http://schemas.microsoft.com/office/drawing/2014/main" id="{AF4D38FB-F537-BF95-B77D-220C307160F8}"/>
+              </a:ext>
+            </a:extLst>
+          </p:cNvPr>
+          <p:cNvSpPr/>
+          <p:nvPr/>
+        </p:nvSpPr>
+        <p:spPr>
+          <a:xfrm>
+            <a:off x="5384800" y="5740399"/>
+            <a:ext cx="424615" cy="419100"/>
+          </a:xfrm>
+          <a:prstGeom prst="ellipse">
+            <a:avLst/>
+          </a:prstGeom>
+          <a:solidFill>
+            <a:schemeClr val="bg1"/>
+          </a:solidFill>
+        </p:spPr>
+        <p:style>
+          <a:lnRef idx="2">
+            <a:schemeClr val="accent6"/>
+          </a:lnRef>
+          <a:fillRef idx="1">
+            <a:schemeClr val="lt1"/>
+          </a:fillRef>
+          <a:effectRef idx="0">
+            <a:schemeClr val="accent6"/>
+          </a:effectRef>
+          <a:fontRef idx="minor">
+            <a:schemeClr val="dk1"/>
+          </a:fontRef>
+        </p:style>
+        <p:txBody>
+          <a:bodyPr rtlCol="0" anchor="ctr"/>
+          <a:lstStyle/>
+          <a:p>
+            <a:pPr algn="ctr"/>
+            <a:endParaRPr lang="en-US"/>
+          </a:p>
+        </p:txBody>
+      </p:sp>
+      <p:sp>
+        <p:nvSpPr>
+          <p:cNvPr id="15" name="Oval 14">
+            <a:extLst>
+              <a:ext uri="{FF2B5EF4-FFF2-40B4-BE49-F238E27FC236}">
+                <a16:creationId xmlns:a16="http://schemas.microsoft.com/office/drawing/2014/main" id="{1213FAAB-0755-E1BF-9418-BD274DA6E407}"/>
+              </a:ext>
+            </a:extLst>
+          </p:cNvPr>
+          <p:cNvSpPr/>
+          <p:nvPr/>
+        </p:nvSpPr>
+        <p:spPr>
+          <a:xfrm>
+            <a:off x="6096000" y="5740399"/>
+            <a:ext cx="424615" cy="419100"/>
+          </a:xfrm>
+          <a:prstGeom prst="ellipse">
+            <a:avLst/>
+          </a:prstGeom>
+          <a:solidFill>
+            <a:schemeClr val="tx1"/>
+          </a:solidFill>
+        </p:spPr>
+        <p:style>
+          <a:lnRef idx="2">
+            <a:schemeClr val="accent6"/>
+          </a:lnRef>
+          <a:fillRef idx="1">
+            <a:schemeClr val="lt1"/>
+          </a:fillRef>
+          <a:effectRef idx="0">
+            <a:schemeClr val="accent6"/>
+          </a:effectRef>
+          <a:fontRef idx="minor">
+            <a:schemeClr val="dk1"/>
+          </a:fontRef>
+        </p:style>
+        <p:txBody>
+          <a:bodyPr rtlCol="0" anchor="ctr"/>
+          <a:lstStyle/>
+          <a:p>
+            <a:pPr algn="ctr"/>
+            <a:endParaRPr lang="en-US"/>
+          </a:p>
+        </p:txBody>
+      </p:sp>
+      <p:sp>
+        <p:nvSpPr>
+          <p:cNvPr id="16" name="Oval 15">
+            <a:extLst>
+              <a:ext uri="{FF2B5EF4-FFF2-40B4-BE49-F238E27FC236}">
+                <a16:creationId xmlns:a16="http://schemas.microsoft.com/office/drawing/2014/main" id="{4FFB33ED-AA84-CB81-98CE-E7B6947B3FA7}"/>
+              </a:ext>
+            </a:extLst>
+          </p:cNvPr>
+          <p:cNvSpPr/>
+          <p:nvPr/>
+        </p:nvSpPr>
+        <p:spPr>
+          <a:xfrm>
+            <a:off x="6807200" y="5740399"/>
+            <a:ext cx="424615" cy="419100"/>
+          </a:xfrm>
+          <a:prstGeom prst="ellipse">
+            <a:avLst/>
+          </a:prstGeom>
+        </p:spPr>
+        <p:style>
+          <a:lnRef idx="2">
+            <a:schemeClr val="accent6"/>
+          </a:lnRef>
+          <a:fillRef idx="1">
+            <a:schemeClr val="lt1"/>
+          </a:fillRef>
+          <a:effectRef idx="0">
+            <a:schemeClr val="accent6"/>
+          </a:effectRef>
+          <a:fontRef idx="minor">
+            <a:schemeClr val="dk1"/>
+          </a:fontRef>
+        </p:style>
+        <p:txBody>
+          <a:bodyPr rtlCol="0" anchor="ctr"/>
+          <a:lstStyle/>
+          <a:p>
+            <a:pPr algn="ctr"/>
+            <a:endParaRPr lang="en-US"/>
+          </a:p>
+        </p:txBody>
+      </p:sp>
+      <p:sp>
+        <p:nvSpPr>
+          <p:cNvPr id="17" name="Oval 16">
+            <a:extLst>
+              <a:ext uri="{FF2B5EF4-FFF2-40B4-BE49-F238E27FC236}">
+                <a16:creationId xmlns:a16="http://schemas.microsoft.com/office/drawing/2014/main" id="{684B7A9B-5303-1740-8C42-81E3C6F16EAC}"/>
+              </a:ext>
+            </a:extLst>
+          </p:cNvPr>
+          <p:cNvSpPr/>
+          <p:nvPr/>
+        </p:nvSpPr>
+        <p:spPr>
+          <a:xfrm>
+            <a:off x="7518400" y="5740399"/>
+            <a:ext cx="424615" cy="419100"/>
+          </a:xfrm>
+          <a:prstGeom prst="ellipse">
+            <a:avLst/>
+          </a:prstGeom>
+        </p:spPr>
+        <p:style>
+          <a:lnRef idx="2">
+            <a:schemeClr val="accent6"/>
+          </a:lnRef>
+          <a:fillRef idx="1">
+            <a:schemeClr val="lt1"/>
+          </a:fillRef>
+          <a:effectRef idx="0">
+            <a:schemeClr val="accent6"/>
+          </a:effectRef>
+          <a:fontRef idx="minor">
+            <a:schemeClr val="dk1"/>
+          </a:fontRef>
+        </p:style>
+        <p:txBody>
+          <a:bodyPr rtlCol="0" anchor="ctr"/>
+          <a:lstStyle/>
+          <a:p>
+            <a:pPr algn="ctr"/>
+            <a:endParaRPr lang="en-US"/>
+          </a:p>
+        </p:txBody>
+      </p:sp>
+      <p:sp>
+        <p:nvSpPr>
+          <p:cNvPr id="18" name="Oval 17">
+            <a:extLst>
+              <a:ext uri="{FF2B5EF4-FFF2-40B4-BE49-F238E27FC236}">
+                <a16:creationId xmlns:a16="http://schemas.microsoft.com/office/drawing/2014/main" id="{C7835D10-DE2D-E6D3-4180-95177CBF0BB4}"/>
+              </a:ext>
+            </a:extLst>
+          </p:cNvPr>
+          <p:cNvSpPr/>
+          <p:nvPr/>
+        </p:nvSpPr>
+        <p:spPr>
+          <a:xfrm>
+            <a:off x="3251200" y="5740399"/>
+            <a:ext cx="424615" cy="419100"/>
+          </a:xfrm>
+          <a:prstGeom prst="ellipse">
+            <a:avLst/>
+          </a:prstGeom>
+        </p:spPr>
+        <p:style>
+          <a:lnRef idx="2">
+            <a:schemeClr val="accent6"/>
+          </a:lnRef>
+          <a:fillRef idx="1">
+            <a:schemeClr val="lt1"/>
+          </a:fillRef>
+          <a:effectRef idx="0">
+            <a:schemeClr val="accent6"/>
+          </a:effectRef>
+          <a:fontRef idx="minor">
+            <a:schemeClr val="dk1"/>
+          </a:fontRef>
+        </p:style>
+        <p:txBody>
+          <a:bodyPr rtlCol="0" anchor="ctr"/>
+          <a:lstStyle/>
+          <a:p>
+            <a:pPr algn="ctr"/>
+            <a:endParaRPr lang="en-US"/>
+          </a:p>
+        </p:txBody>
+      </p:sp>
+      <p:sp>
+        <p:nvSpPr>
+          <p:cNvPr id="19" name="Oval 18">
+            <a:extLst>
+              <a:ext uri="{FF2B5EF4-FFF2-40B4-BE49-F238E27FC236}">
+                <a16:creationId xmlns:a16="http://schemas.microsoft.com/office/drawing/2014/main" id="{9C4B91F7-E687-AAD8-AA23-6D3E8EF7FD04}"/>
+              </a:ext>
+            </a:extLst>
+          </p:cNvPr>
+          <p:cNvSpPr/>
+          <p:nvPr/>
+        </p:nvSpPr>
+        <p:spPr>
+          <a:xfrm>
+            <a:off x="8229600" y="5740399"/>
+            <a:ext cx="424615" cy="419100"/>
+          </a:xfrm>
+          <a:prstGeom prst="ellipse">
+            <a:avLst/>
+          </a:prstGeom>
+          <a:solidFill>
+            <a:schemeClr val="bg1"/>
+          </a:solidFill>
+        </p:spPr>
+        <p:style>
+          <a:lnRef idx="2">
+            <a:schemeClr val="accent6"/>
+          </a:lnRef>
+          <a:fillRef idx="1">
+            <a:schemeClr val="lt1"/>
+          </a:fillRef>
+          <a:effectRef idx="0">
+            <a:schemeClr val="accent6"/>
+          </a:effectRef>
+          <a:fontRef idx="minor">
+            <a:schemeClr val="dk1"/>
+          </a:fontRef>
+        </p:style>
+        <p:txBody>
+          <a:bodyPr rtlCol="0" anchor="ctr"/>
+          <a:lstStyle/>
+          <a:p>
+            <a:pPr algn="ctr"/>
+            <a:endParaRPr lang="en-US"/>
+          </a:p>
+        </p:txBody>
+      </p:sp>
+      <p:grpSp>
+        <p:nvGrpSpPr>
+          <p:cNvPr id="36" name="Group 35">
+            <a:extLst>
+              <a:ext uri="{FF2B5EF4-FFF2-40B4-BE49-F238E27FC236}">
+                <a16:creationId xmlns:a16="http://schemas.microsoft.com/office/drawing/2014/main" id="{3CE5FC02-00C9-95F6-75CF-8DDC4F4F2AF1}"/>
+              </a:ext>
+            </a:extLst>
+          </p:cNvPr>
+          <p:cNvGrpSpPr/>
+          <p:nvPr/>
+        </p:nvGrpSpPr>
+        <p:grpSpPr>
+          <a:xfrm rot="5400000">
+            <a:off x="380794" y="3447865"/>
+            <a:ext cx="4110218" cy="322350"/>
+            <a:chOff x="1745415" y="2121182"/>
+            <a:chExt cx="5477863" cy="431519"/>
+          </a:xfrm>
+        </p:grpSpPr>
+        <p:sp>
+          <p:nvSpPr>
+            <p:cNvPr id="28" name="Oval 27">
+              <a:extLst>
+                <a:ext uri="{FF2B5EF4-FFF2-40B4-BE49-F238E27FC236}">
+                  <a16:creationId xmlns:a16="http://schemas.microsoft.com/office/drawing/2014/main" id="{24254E5C-BBB2-5177-6FA6-3A8D7BC993CB}"/>
+                </a:ext>
+              </a:extLst>
+            </p:cNvPr>
+            <p:cNvSpPr/>
+            <p:nvPr/>
+          </p:nvSpPr>
+          <p:spPr>
+            <a:xfrm>
+              <a:off x="1745415" y="2133601"/>
+              <a:ext cx="424615" cy="419100"/>
+            </a:xfrm>
+            <a:prstGeom prst="ellipse">
+              <a:avLst/>
+            </a:prstGeom>
+          </p:spPr>
+          <p:style>
+            <a:lnRef idx="2">
+              <a:schemeClr val="accent6"/>
+            </a:lnRef>
+            <a:fillRef idx="1">
+              <a:schemeClr val="lt1"/>
+            </a:fillRef>
+            <a:effectRef idx="0">
+              <a:schemeClr val="accent6"/>
+            </a:effectRef>
+            <a:fontRef idx="minor">
+              <a:schemeClr val="dk1"/>
+            </a:fontRef>
+          </p:style>
+          <p:txBody>
+            <a:bodyPr rtlCol="0" anchor="ctr"/>
+            <a:lstStyle/>
+            <a:p>
+              <a:pPr algn="ctr"/>
+              <a:endParaRPr lang="en-US"/>
+            </a:p>
+          </p:txBody>
+        </p:sp>
+        <p:sp>
+          <p:nvSpPr>
+            <p:cNvPr id="29" name="Oval 28">
+              <a:extLst>
+                <a:ext uri="{FF2B5EF4-FFF2-40B4-BE49-F238E27FC236}">
+                  <a16:creationId xmlns:a16="http://schemas.microsoft.com/office/drawing/2014/main" id="{65A051B9-F27B-4ED2-5B2C-4BE88698023E}"/>
+                </a:ext>
+              </a:extLst>
+            </p:cNvPr>
+            <p:cNvSpPr/>
+            <p:nvPr/>
+          </p:nvSpPr>
+          <p:spPr>
+            <a:xfrm>
+              <a:off x="2456615" y="2133601"/>
+              <a:ext cx="424615" cy="419100"/>
+            </a:xfrm>
+            <a:prstGeom prst="ellipse">
+              <a:avLst/>
+            </a:prstGeom>
+          </p:spPr>
+          <p:style>
+            <a:lnRef idx="2">
+              <a:schemeClr val="accent6"/>
+            </a:lnRef>
+            <a:fillRef idx="1">
+              <a:schemeClr val="lt1"/>
+            </a:fillRef>
+            <a:effectRef idx="0">
+              <a:schemeClr val="accent6"/>
+            </a:effectRef>
+            <a:fontRef idx="minor">
+              <a:schemeClr val="dk1"/>
+            </a:fontRef>
+          </p:style>
+          <p:txBody>
+            <a:bodyPr rtlCol="0" anchor="ctr"/>
+            <a:lstStyle/>
+            <a:p>
+              <a:pPr algn="ctr"/>
+              <a:endParaRPr lang="en-US"/>
+            </a:p>
+          </p:txBody>
+        </p:sp>
+        <p:sp>
+          <p:nvSpPr>
+            <p:cNvPr id="30" name="Oval 29">
+              <a:extLst>
+                <a:ext uri="{FF2B5EF4-FFF2-40B4-BE49-F238E27FC236}">
+                  <a16:creationId xmlns:a16="http://schemas.microsoft.com/office/drawing/2014/main" id="{2EAD5F0D-CB57-D59B-5502-E4857248F2F1}"/>
+                </a:ext>
+              </a:extLst>
+            </p:cNvPr>
+            <p:cNvSpPr/>
+            <p:nvPr/>
+          </p:nvSpPr>
+          <p:spPr>
+            <a:xfrm>
+              <a:off x="3167815" y="2133601"/>
+              <a:ext cx="424615" cy="419100"/>
+            </a:xfrm>
+            <a:prstGeom prst="ellipse">
+              <a:avLst/>
+            </a:prstGeom>
+          </p:spPr>
+          <p:style>
+            <a:lnRef idx="2">
+              <a:schemeClr val="accent6"/>
+            </a:lnRef>
+            <a:fillRef idx="1">
+              <a:schemeClr val="lt1"/>
+            </a:fillRef>
+            <a:effectRef idx="0">
+              <a:schemeClr val="accent6"/>
+            </a:effectRef>
+            <a:fontRef idx="minor">
+              <a:schemeClr val="dk1"/>
+            </a:fontRef>
+          </p:style>
+          <p:txBody>
+            <a:bodyPr rtlCol="0" anchor="ctr"/>
+            <a:lstStyle/>
+            <a:p>
+              <a:pPr algn="ctr"/>
+              <a:endParaRPr lang="en-US"/>
+            </a:p>
+          </p:txBody>
+        </p:sp>
+        <p:sp>
+          <p:nvSpPr>
+            <p:cNvPr id="31" name="Oval 30">
+              <a:extLst>
+                <a:ext uri="{FF2B5EF4-FFF2-40B4-BE49-F238E27FC236}">
+                  <a16:creationId xmlns:a16="http://schemas.microsoft.com/office/drawing/2014/main" id="{44246A56-B627-B10B-9A08-EF7C76212F2D}"/>
+                </a:ext>
+              </a:extLst>
+            </p:cNvPr>
+            <p:cNvSpPr/>
+            <p:nvPr/>
+          </p:nvSpPr>
+          <p:spPr>
+            <a:xfrm>
+              <a:off x="3879015" y="2133601"/>
+              <a:ext cx="424615" cy="419100"/>
+            </a:xfrm>
+            <a:prstGeom prst="ellipse">
+              <a:avLst/>
+            </a:prstGeom>
+          </p:spPr>
+          <p:style>
+            <a:lnRef idx="2">
+              <a:schemeClr val="accent6"/>
+            </a:lnRef>
+            <a:fillRef idx="1">
+              <a:schemeClr val="lt1"/>
+            </a:fillRef>
+            <a:effectRef idx="0">
+              <a:schemeClr val="accent6"/>
+            </a:effectRef>
+            <a:fontRef idx="minor">
+              <a:schemeClr val="dk1"/>
+            </a:fontRef>
+          </p:style>
+          <p:txBody>
+            <a:bodyPr rtlCol="0" anchor="ctr"/>
+            <a:lstStyle/>
+            <a:p>
+              <a:pPr algn="ctr"/>
+              <a:endParaRPr lang="en-US"/>
+            </a:p>
+          </p:txBody>
+        </p:sp>
+        <p:sp>
+          <p:nvSpPr>
+            <p:cNvPr id="32" name="Oval 31">
+              <a:extLst>
+                <a:ext uri="{FF2B5EF4-FFF2-40B4-BE49-F238E27FC236}">
+                  <a16:creationId xmlns:a16="http://schemas.microsoft.com/office/drawing/2014/main" id="{8577414A-0CE3-C06D-27AD-0ECFDF0E7713}"/>
+                </a:ext>
+              </a:extLst>
+            </p:cNvPr>
+            <p:cNvSpPr/>
+            <p:nvPr/>
+          </p:nvSpPr>
+          <p:spPr>
+            <a:xfrm>
+              <a:off x="4590215" y="2133601"/>
+              <a:ext cx="424615" cy="419100"/>
+            </a:xfrm>
+            <a:prstGeom prst="ellipse">
+              <a:avLst/>
+            </a:prstGeom>
+          </p:spPr>
+          <p:style>
+            <a:lnRef idx="2">
+              <a:schemeClr val="accent6"/>
+            </a:lnRef>
+            <a:fillRef idx="1">
+              <a:schemeClr val="lt1"/>
+            </a:fillRef>
+            <a:effectRef idx="0">
+              <a:schemeClr val="accent6"/>
+            </a:effectRef>
+            <a:fontRef idx="minor">
+              <a:schemeClr val="dk1"/>
+            </a:fontRef>
+          </p:style>
+          <p:txBody>
+            <a:bodyPr rtlCol="0" anchor="ctr"/>
+            <a:lstStyle/>
+            <a:p>
+              <a:pPr algn="ctr"/>
+              <a:endParaRPr lang="en-US"/>
+            </a:p>
+          </p:txBody>
+        </p:sp>
+        <p:sp>
+          <p:nvSpPr>
+            <p:cNvPr id="33" name="Oval 32">
+              <a:extLst>
+                <a:ext uri="{FF2B5EF4-FFF2-40B4-BE49-F238E27FC236}">
+                  <a16:creationId xmlns:a16="http://schemas.microsoft.com/office/drawing/2014/main" id="{5D994F0B-7F87-B28B-B4D7-AF66D50386EC}"/>
+                </a:ext>
+              </a:extLst>
+            </p:cNvPr>
+            <p:cNvSpPr/>
+            <p:nvPr/>
+          </p:nvSpPr>
+          <p:spPr>
+            <a:xfrm>
+              <a:off x="5301415" y="2133601"/>
+              <a:ext cx="424615" cy="419100"/>
+            </a:xfrm>
+            <a:prstGeom prst="ellipse">
+              <a:avLst/>
+            </a:prstGeom>
+          </p:spPr>
+          <p:style>
+            <a:lnRef idx="2">
+              <a:schemeClr val="accent6"/>
+            </a:lnRef>
+            <a:fillRef idx="1">
+              <a:schemeClr val="lt1"/>
+            </a:fillRef>
+            <a:effectRef idx="0">
+              <a:schemeClr val="accent6"/>
+            </a:effectRef>
+            <a:fontRef idx="minor">
+              <a:schemeClr val="dk1"/>
+            </a:fontRef>
+          </p:style>
+          <p:txBody>
+            <a:bodyPr rtlCol="0" anchor="ctr"/>
+            <a:lstStyle/>
+            <a:p>
+              <a:pPr algn="ctr"/>
+              <a:endParaRPr lang="en-US"/>
+            </a:p>
+          </p:txBody>
+        </p:sp>
+        <p:sp>
+          <p:nvSpPr>
+            <p:cNvPr id="34" name="Oval 33">
+              <a:extLst>
+                <a:ext uri="{FF2B5EF4-FFF2-40B4-BE49-F238E27FC236}">
+                  <a16:creationId xmlns:a16="http://schemas.microsoft.com/office/drawing/2014/main" id="{A8D44F9D-E613-7CF8-8CBB-E1F8A56D9B00}"/>
+                </a:ext>
+              </a:extLst>
+            </p:cNvPr>
+            <p:cNvSpPr/>
+            <p:nvPr/>
+          </p:nvSpPr>
+          <p:spPr>
+            <a:xfrm>
+              <a:off x="6798664" y="2121182"/>
+              <a:ext cx="424614" cy="419100"/>
+            </a:xfrm>
+            <a:prstGeom prst="ellipse">
+              <a:avLst/>
+            </a:prstGeom>
+            <a:solidFill>
+              <a:schemeClr val="tx1"/>
+            </a:solidFill>
+            <a:ln>
+              <a:solidFill>
+                <a:schemeClr val="accent6"/>
+              </a:solidFill>
+            </a:ln>
+          </p:spPr>
+          <p:style>
+            <a:lnRef idx="2">
+              <a:schemeClr val="accent6"/>
+            </a:lnRef>
+            <a:fillRef idx="1">
+              <a:schemeClr val="lt1"/>
+            </a:fillRef>
+            <a:effectRef idx="0">
+              <a:schemeClr val="accent6"/>
+            </a:effectRef>
+            <a:fontRef idx="minor">
+              <a:schemeClr val="dk1"/>
+            </a:fontRef>
+          </p:style>
+          <p:txBody>
+            <a:bodyPr rtlCol="0" anchor="ctr"/>
+            <a:lstStyle/>
+            <a:p>
+              <a:pPr algn="ctr"/>
+              <a:endParaRPr lang="en-US" dirty="0"/>
+            </a:p>
+          </p:txBody>
+        </p:sp>
+        <p:sp>
+          <p:nvSpPr>
+            <p:cNvPr id="35" name="Oval 34">
+              <a:extLst>
+                <a:ext uri="{FF2B5EF4-FFF2-40B4-BE49-F238E27FC236}">
+                  <a16:creationId xmlns:a16="http://schemas.microsoft.com/office/drawing/2014/main" id="{ED760614-7D16-1E43-8088-FD0208D4FF50}"/>
+                </a:ext>
+              </a:extLst>
+            </p:cNvPr>
+            <p:cNvSpPr/>
+            <p:nvPr/>
+          </p:nvSpPr>
+          <p:spPr>
+            <a:xfrm>
+              <a:off x="6012615" y="2133601"/>
+              <a:ext cx="424615" cy="419100"/>
+            </a:xfrm>
+            <a:prstGeom prst="ellipse">
+              <a:avLst/>
+            </a:prstGeom>
+            <a:noFill/>
+          </p:spPr>
+          <p:style>
+            <a:lnRef idx="2">
+              <a:schemeClr val="accent6"/>
+            </a:lnRef>
+            <a:fillRef idx="1">
+              <a:schemeClr val="lt1"/>
+            </a:fillRef>
+            <a:effectRef idx="0">
+              <a:schemeClr val="accent6"/>
+            </a:effectRef>
+            <a:fontRef idx="minor">
+              <a:schemeClr val="dk1"/>
+            </a:fontRef>
+          </p:style>
+          <p:txBody>
+            <a:bodyPr rtlCol="0" anchor="ctr"/>
+            <a:lstStyle/>
+            <a:p>
+              <a:pPr algn="ctr"/>
+              <a:endParaRPr lang="en-US"/>
+            </a:p>
+          </p:txBody>
+        </p:sp>
+      </p:grpSp>
+      <p:grpSp>
+        <p:nvGrpSpPr>
+          <p:cNvPr id="37" name="Group 36">
+            <a:extLst>
+              <a:ext uri="{FF2B5EF4-FFF2-40B4-BE49-F238E27FC236}">
+                <a16:creationId xmlns:a16="http://schemas.microsoft.com/office/drawing/2014/main" id="{C0D96DB3-A44F-3941-A3FA-9C0890745CA1}"/>
+              </a:ext>
+            </a:extLst>
+          </p:cNvPr>
+          <p:cNvGrpSpPr/>
+          <p:nvPr/>
+        </p:nvGrpSpPr>
+        <p:grpSpPr>
+          <a:xfrm rot="5400000">
+            <a:off x="7235407" y="3218493"/>
+            <a:ext cx="4054057" cy="313073"/>
+            <a:chOff x="1034215" y="2133601"/>
+            <a:chExt cx="5403015" cy="419100"/>
+          </a:xfrm>
+        </p:grpSpPr>
+        <p:sp>
+          <p:nvSpPr>
+            <p:cNvPr id="38" name="Oval 37">
+              <a:extLst>
+                <a:ext uri="{FF2B5EF4-FFF2-40B4-BE49-F238E27FC236}">
+                  <a16:creationId xmlns:a16="http://schemas.microsoft.com/office/drawing/2014/main" id="{F743CD9A-E473-D645-F2C6-EA612DF16D7E}"/>
+                </a:ext>
+              </a:extLst>
+            </p:cNvPr>
+            <p:cNvSpPr/>
+            <p:nvPr/>
+          </p:nvSpPr>
+          <p:spPr>
+            <a:xfrm>
+              <a:off x="1745415" y="2133601"/>
+              <a:ext cx="424615" cy="419100"/>
+            </a:xfrm>
+            <a:prstGeom prst="ellipse">
+              <a:avLst/>
+            </a:prstGeom>
+          </p:spPr>
+          <p:style>
+            <a:lnRef idx="2">
+              <a:schemeClr val="accent6"/>
+            </a:lnRef>
+            <a:fillRef idx="1">
+              <a:schemeClr val="lt1"/>
+            </a:fillRef>
+            <a:effectRef idx="0">
+              <a:schemeClr val="accent6"/>
+            </a:effectRef>
+            <a:fontRef idx="minor">
+              <a:schemeClr val="dk1"/>
+            </a:fontRef>
+          </p:style>
+          <p:txBody>
+            <a:bodyPr rtlCol="0" anchor="ctr"/>
+            <a:lstStyle/>
+            <a:p>
+              <a:pPr algn="ctr"/>
+              <a:endParaRPr lang="en-US"/>
+            </a:p>
+          </p:txBody>
+        </p:sp>
+        <p:sp>
+          <p:nvSpPr>
+            <p:cNvPr id="39" name="Oval 38">
+              <a:extLst>
+                <a:ext uri="{FF2B5EF4-FFF2-40B4-BE49-F238E27FC236}">
+                  <a16:creationId xmlns:a16="http://schemas.microsoft.com/office/drawing/2014/main" id="{85BFE881-4086-0912-FB71-FF62B3541EEF}"/>
+                </a:ext>
+              </a:extLst>
+            </p:cNvPr>
+            <p:cNvSpPr/>
+            <p:nvPr/>
+          </p:nvSpPr>
+          <p:spPr>
+            <a:xfrm>
+              <a:off x="2456615" y="2133601"/>
+              <a:ext cx="424615" cy="419100"/>
+            </a:xfrm>
+            <a:prstGeom prst="ellipse">
+              <a:avLst/>
+            </a:prstGeom>
+          </p:spPr>
+          <p:style>
+            <a:lnRef idx="2">
+              <a:schemeClr val="accent6"/>
+            </a:lnRef>
+            <a:fillRef idx="1">
+              <a:schemeClr val="lt1"/>
+            </a:fillRef>
+            <a:effectRef idx="0">
+              <a:schemeClr val="accent6"/>
+            </a:effectRef>
+            <a:fontRef idx="minor">
+              <a:schemeClr val="dk1"/>
+            </a:fontRef>
+          </p:style>
+          <p:txBody>
+            <a:bodyPr rtlCol="0" anchor="ctr"/>
+            <a:lstStyle/>
+            <a:p>
+              <a:pPr algn="ctr"/>
+              <a:endParaRPr lang="en-US"/>
+            </a:p>
+          </p:txBody>
+        </p:sp>
+        <p:sp>
+          <p:nvSpPr>
+            <p:cNvPr id="40" name="Oval 39">
+              <a:extLst>
+                <a:ext uri="{FF2B5EF4-FFF2-40B4-BE49-F238E27FC236}">
+                  <a16:creationId xmlns:a16="http://schemas.microsoft.com/office/drawing/2014/main" id="{3B391D59-9ADE-5A3A-5C3E-59BC58241796}"/>
+                </a:ext>
+              </a:extLst>
+            </p:cNvPr>
+            <p:cNvSpPr/>
+            <p:nvPr/>
+          </p:nvSpPr>
+          <p:spPr>
+            <a:xfrm>
+              <a:off x="3167815" y="2133601"/>
+              <a:ext cx="424615" cy="419100"/>
+            </a:xfrm>
+            <a:prstGeom prst="ellipse">
+              <a:avLst/>
+            </a:prstGeom>
+          </p:spPr>
+          <p:style>
+            <a:lnRef idx="2">
+              <a:schemeClr val="accent6"/>
+            </a:lnRef>
+            <a:fillRef idx="1">
+              <a:schemeClr val="lt1"/>
+            </a:fillRef>
+            <a:effectRef idx="0">
+              <a:schemeClr val="accent6"/>
+            </a:effectRef>
+            <a:fontRef idx="minor">
+              <a:schemeClr val="dk1"/>
+            </a:fontRef>
+          </p:style>
+          <p:txBody>
+            <a:bodyPr rtlCol="0" anchor="ctr"/>
+            <a:lstStyle/>
+            <a:p>
+              <a:pPr algn="ctr"/>
+              <a:endParaRPr lang="en-US"/>
+            </a:p>
+          </p:txBody>
+        </p:sp>
+        <p:sp>
+          <p:nvSpPr>
+            <p:cNvPr id="41" name="Oval 40">
+              <a:extLst>
+                <a:ext uri="{FF2B5EF4-FFF2-40B4-BE49-F238E27FC236}">
+                  <a16:creationId xmlns:a16="http://schemas.microsoft.com/office/drawing/2014/main" id="{08965723-F3A5-0BCE-1C2A-00AF57F09EE0}"/>
+                </a:ext>
+              </a:extLst>
+            </p:cNvPr>
+            <p:cNvSpPr/>
+            <p:nvPr/>
+          </p:nvSpPr>
+          <p:spPr>
+            <a:xfrm>
+              <a:off x="3879015" y="2133601"/>
+              <a:ext cx="424615" cy="419100"/>
+            </a:xfrm>
+            <a:prstGeom prst="ellipse">
+              <a:avLst/>
+            </a:prstGeom>
+          </p:spPr>
+          <p:style>
+            <a:lnRef idx="2">
+              <a:schemeClr val="accent6"/>
+            </a:lnRef>
+            <a:fillRef idx="1">
+              <a:schemeClr val="lt1"/>
+            </a:fillRef>
+            <a:effectRef idx="0">
+              <a:schemeClr val="accent6"/>
+            </a:effectRef>
+            <a:fontRef idx="minor">
+              <a:schemeClr val="dk1"/>
+            </a:fontRef>
+          </p:style>
+          <p:txBody>
+            <a:bodyPr rtlCol="0" anchor="ctr"/>
+            <a:lstStyle/>
+            <a:p>
+              <a:pPr algn="ctr"/>
+              <a:endParaRPr lang="en-US"/>
+            </a:p>
+          </p:txBody>
+        </p:sp>
+        <p:sp>
+          <p:nvSpPr>
+            <p:cNvPr id="42" name="Oval 41">
+              <a:extLst>
+                <a:ext uri="{FF2B5EF4-FFF2-40B4-BE49-F238E27FC236}">
+                  <a16:creationId xmlns:a16="http://schemas.microsoft.com/office/drawing/2014/main" id="{F3559ACB-D6A3-DA41-841A-3EAB0F78A3C7}"/>
+                </a:ext>
+              </a:extLst>
+            </p:cNvPr>
+            <p:cNvSpPr/>
+            <p:nvPr/>
+          </p:nvSpPr>
+          <p:spPr>
+            <a:xfrm>
+              <a:off x="4590215" y="2133601"/>
+              <a:ext cx="424615" cy="419100"/>
+            </a:xfrm>
+            <a:prstGeom prst="ellipse">
+              <a:avLst/>
+            </a:prstGeom>
+          </p:spPr>
+          <p:style>
+            <a:lnRef idx="2">
+              <a:schemeClr val="accent6"/>
+            </a:lnRef>
+            <a:fillRef idx="1">
+              <a:schemeClr val="lt1"/>
+            </a:fillRef>
+            <a:effectRef idx="0">
+              <a:schemeClr val="accent6"/>
+            </a:effectRef>
+            <a:fontRef idx="minor">
+              <a:schemeClr val="dk1"/>
+            </a:fontRef>
+          </p:style>
+          <p:txBody>
+            <a:bodyPr rtlCol="0" anchor="ctr"/>
+            <a:lstStyle/>
+            <a:p>
+              <a:pPr algn="ctr"/>
+              <a:endParaRPr lang="en-US"/>
+            </a:p>
+          </p:txBody>
+        </p:sp>
+        <p:sp>
+          <p:nvSpPr>
+            <p:cNvPr id="43" name="Oval 42">
+              <a:extLst>
+                <a:ext uri="{FF2B5EF4-FFF2-40B4-BE49-F238E27FC236}">
+                  <a16:creationId xmlns:a16="http://schemas.microsoft.com/office/drawing/2014/main" id="{29EC8BB1-F54A-0B1F-4F7F-63455903E5DD}"/>
+                </a:ext>
+              </a:extLst>
+            </p:cNvPr>
+            <p:cNvSpPr/>
+            <p:nvPr/>
+          </p:nvSpPr>
+          <p:spPr>
+            <a:xfrm>
+              <a:off x="5301415" y="2133601"/>
+              <a:ext cx="424615" cy="419100"/>
+            </a:xfrm>
+            <a:prstGeom prst="ellipse">
+              <a:avLst/>
+            </a:prstGeom>
+          </p:spPr>
+          <p:style>
+            <a:lnRef idx="2">
+              <a:schemeClr val="accent6"/>
+            </a:lnRef>
+            <a:fillRef idx="1">
+              <a:schemeClr val="lt1"/>
+            </a:fillRef>
+            <a:effectRef idx="0">
+              <a:schemeClr val="accent6"/>
+            </a:effectRef>
+            <a:fontRef idx="minor">
+              <a:schemeClr val="dk1"/>
+            </a:fontRef>
+          </p:style>
+          <p:txBody>
+            <a:bodyPr rtlCol="0" anchor="ctr"/>
+            <a:lstStyle/>
+            <a:p>
+              <a:pPr algn="ctr"/>
+              <a:endParaRPr lang="en-US"/>
+            </a:p>
+          </p:txBody>
+        </p:sp>
+        <p:sp>
+          <p:nvSpPr>
+            <p:cNvPr id="44" name="Oval 43">
+              <a:extLst>
+                <a:ext uri="{FF2B5EF4-FFF2-40B4-BE49-F238E27FC236}">
+                  <a16:creationId xmlns:a16="http://schemas.microsoft.com/office/drawing/2014/main" id="{D638A7A5-A645-4994-2ED6-E509C50AE6AC}"/>
+                </a:ext>
+              </a:extLst>
+            </p:cNvPr>
+            <p:cNvSpPr/>
+            <p:nvPr/>
+          </p:nvSpPr>
+          <p:spPr>
+            <a:xfrm>
+              <a:off x="1034215" y="2133601"/>
+              <a:ext cx="424615" cy="419100"/>
+            </a:xfrm>
+            <a:prstGeom prst="ellipse">
+              <a:avLst/>
+            </a:prstGeom>
+          </p:spPr>
+          <p:style>
+            <a:lnRef idx="2">
+              <a:schemeClr val="accent6"/>
+            </a:lnRef>
+            <a:fillRef idx="1">
+              <a:schemeClr val="lt1"/>
+            </a:fillRef>
+            <a:effectRef idx="0">
+              <a:schemeClr val="accent6"/>
+            </a:effectRef>
+            <a:fontRef idx="minor">
+              <a:schemeClr val="dk1"/>
+            </a:fontRef>
+          </p:style>
+          <p:txBody>
+            <a:bodyPr rtlCol="0" anchor="ctr"/>
+            <a:lstStyle/>
+            <a:p>
+              <a:pPr algn="ctr"/>
+              <a:endParaRPr lang="en-US"/>
+            </a:p>
+          </p:txBody>
+        </p:sp>
+        <p:sp>
+          <p:nvSpPr>
+            <p:cNvPr id="45" name="Oval 44">
+              <a:extLst>
+                <a:ext uri="{FF2B5EF4-FFF2-40B4-BE49-F238E27FC236}">
+                  <a16:creationId xmlns:a16="http://schemas.microsoft.com/office/drawing/2014/main" id="{6E4BB029-8C4A-7760-F2B4-18E7E54DFE07}"/>
+                </a:ext>
+              </a:extLst>
+            </p:cNvPr>
+            <p:cNvSpPr/>
+            <p:nvPr/>
+          </p:nvSpPr>
+          <p:spPr>
+            <a:xfrm>
+              <a:off x="6012615" y="2133601"/>
+              <a:ext cx="424615" cy="419100"/>
+            </a:xfrm>
+            <a:prstGeom prst="ellipse">
+              <a:avLst/>
+            </a:prstGeom>
+            <a:solidFill>
+              <a:schemeClr val="tx1"/>
+            </a:solidFill>
+          </p:spPr>
+          <p:style>
+            <a:lnRef idx="2">
+              <a:schemeClr val="accent6"/>
+            </a:lnRef>
+            <a:fillRef idx="1">
+              <a:schemeClr val="lt1"/>
+            </a:fillRef>
+            <a:effectRef idx="0">
+              <a:schemeClr val="accent6"/>
+            </a:effectRef>
+            <a:fontRef idx="minor">
+              <a:schemeClr val="dk1"/>
+            </a:fontRef>
+          </p:style>
+          <p:txBody>
+            <a:bodyPr rtlCol="0" anchor="ctr"/>
+            <a:lstStyle/>
+            <a:p>
+              <a:pPr algn="ctr"/>
+              <a:endParaRPr lang="en-US"/>
+            </a:p>
+          </p:txBody>
+        </p:sp>
+      </p:grpSp>
+      <p:sp>
+        <p:nvSpPr>
+          <p:cNvPr id="46" name="TextBox 45">
+            <a:extLst>
+              <a:ext uri="{FF2B5EF4-FFF2-40B4-BE49-F238E27FC236}">
+                <a16:creationId xmlns:a16="http://schemas.microsoft.com/office/drawing/2014/main" id="{C8FD051D-AAD8-B25F-A53F-BD7A4EDBF69E}"/>
+              </a:ext>
+            </a:extLst>
+          </p:cNvPr>
+          <p:cNvSpPr txBox="1"/>
+          <p:nvPr/>
+        </p:nvSpPr>
+        <p:spPr>
+          <a:xfrm>
+            <a:off x="3173886" y="261758"/>
+            <a:ext cx="6614780" cy="369332"/>
+          </a:xfrm>
+          <a:prstGeom prst="rect">
+            <a:avLst/>
+          </a:prstGeom>
+          <a:noFill/>
+        </p:spPr>
+        <p:txBody>
+          <a:bodyPr wrap="square" rtlCol="0">
+            <a:spAutoFit/>
+          </a:bodyPr>
+          <a:lstStyle/>
+          <a:p>
+            <a:r>
+              <a:rPr lang="en-US" dirty="0"/>
+              <a:t>B4          2           A2          4           B5	6          18       		 </a:t>
+            </a:r>
+          </a:p>
+        </p:txBody>
+      </p:sp>
+      <p:sp>
+        <p:nvSpPr>
+          <p:cNvPr id="47" name="TextBox 46">
+            <a:extLst>
+              <a:ext uri="{FF2B5EF4-FFF2-40B4-BE49-F238E27FC236}">
+                <a16:creationId xmlns:a16="http://schemas.microsoft.com/office/drawing/2014/main" id="{5663A991-6DC8-6051-48F4-41292356968D}"/>
+              </a:ext>
+            </a:extLst>
+          </p:cNvPr>
+          <p:cNvSpPr txBox="1"/>
+          <p:nvPr/>
+        </p:nvSpPr>
+        <p:spPr>
+          <a:xfrm>
+            <a:off x="3270690" y="6155416"/>
+            <a:ext cx="6614780" cy="646331"/>
+          </a:xfrm>
+          <a:prstGeom prst="rect">
+            <a:avLst/>
+          </a:prstGeom>
+          <a:noFill/>
+        </p:spPr>
+        <p:txBody>
+          <a:bodyPr wrap="square" rtlCol="0">
+            <a:spAutoFit/>
+          </a:bodyPr>
+          <a:lstStyle/>
+          <a:p>
+            <a:r>
+              <a:rPr lang="en-US" dirty="0"/>
+              <a:t>B7           8                       10                      11         12          A3              		 </a:t>
+            </a:r>
+          </a:p>
+        </p:txBody>
+      </p:sp>
+      <p:sp>
+        <p:nvSpPr>
+          <p:cNvPr id="53" name="TextBox 52">
+            <a:extLst>
+              <a:ext uri="{FF2B5EF4-FFF2-40B4-BE49-F238E27FC236}">
+                <a16:creationId xmlns:a16="http://schemas.microsoft.com/office/drawing/2014/main" id="{C325867C-4F2B-F64A-4F4B-053203657387}"/>
+              </a:ext>
+            </a:extLst>
+          </p:cNvPr>
+          <p:cNvSpPr txBox="1"/>
+          <p:nvPr/>
+        </p:nvSpPr>
+        <p:spPr>
+          <a:xfrm>
+            <a:off x="9535072" y="1264082"/>
+            <a:ext cx="561659" cy="4524315"/>
+          </a:xfrm>
+          <a:prstGeom prst="rect">
+            <a:avLst/>
+          </a:prstGeom>
+          <a:noFill/>
+        </p:spPr>
+        <p:txBody>
+          <a:bodyPr wrap="square" rtlCol="0">
+            <a:spAutoFit/>
+          </a:bodyPr>
+          <a:lstStyle/>
+          <a:p>
+            <a:r>
+              <a:rPr lang="en-US" dirty="0"/>
+              <a:t>B3</a:t>
+            </a:r>
+          </a:p>
+          <a:p>
+            <a:endParaRPr lang="en-US" dirty="0"/>
+          </a:p>
+          <a:p>
+            <a:r>
+              <a:rPr lang="en-US" dirty="0"/>
+              <a:t>23</a:t>
+            </a:r>
+          </a:p>
+          <a:p>
+            <a:endParaRPr lang="en-US" dirty="0"/>
+          </a:p>
+          <a:p>
+            <a:r>
+              <a:rPr lang="en-US" dirty="0"/>
+              <a:t>9</a:t>
+            </a:r>
+          </a:p>
+          <a:p>
+            <a:endParaRPr lang="en-US" dirty="0"/>
+          </a:p>
+          <a:p>
+            <a:r>
+              <a:rPr lang="en-US" dirty="0"/>
+              <a:t>B6</a:t>
+            </a:r>
+          </a:p>
+          <a:p>
+            <a:endParaRPr lang="en-US" dirty="0"/>
+          </a:p>
+          <a:p>
+            <a:r>
+              <a:rPr lang="en-US" dirty="0"/>
+              <a:t>21</a:t>
+            </a:r>
+          </a:p>
+          <a:p>
+            <a:endParaRPr lang="en-US" dirty="0"/>
+          </a:p>
+          <a:p>
+            <a:r>
+              <a:rPr lang="en-US" dirty="0"/>
+              <a:t>20</a:t>
+            </a:r>
+          </a:p>
+          <a:p>
+            <a:endParaRPr lang="en-US" dirty="0"/>
+          </a:p>
+          <a:p>
+            <a:r>
+              <a:rPr lang="en-US" dirty="0"/>
+              <a:t>7</a:t>
+            </a:r>
+          </a:p>
+          <a:p>
+            <a:endParaRPr lang="en-US" dirty="0"/>
+          </a:p>
+          <a:p>
+            <a:r>
+              <a:rPr lang="en-US" dirty="0"/>
+              <a:t>NA</a:t>
+            </a:r>
+          </a:p>
+          <a:p>
+            <a:endParaRPr lang="en-US" dirty="0"/>
+          </a:p>
+        </p:txBody>
+      </p:sp>
+      <p:sp>
+        <p:nvSpPr>
+          <p:cNvPr id="57" name="TextBox 56">
+            <a:extLst>
+              <a:ext uri="{FF2B5EF4-FFF2-40B4-BE49-F238E27FC236}">
+                <a16:creationId xmlns:a16="http://schemas.microsoft.com/office/drawing/2014/main" id="{8CB6E8DC-60A8-157A-FAE6-9080B8AA5521}"/>
+              </a:ext>
+            </a:extLst>
+          </p:cNvPr>
+          <p:cNvSpPr txBox="1"/>
+          <p:nvPr/>
+        </p:nvSpPr>
+        <p:spPr>
+          <a:xfrm>
+            <a:off x="9526324" y="242766"/>
+            <a:ext cx="1228367" cy="477054"/>
+          </a:xfrm>
+          <a:prstGeom prst="rect">
+            <a:avLst/>
+          </a:prstGeom>
+          <a:noFill/>
+        </p:spPr>
+        <p:txBody>
+          <a:bodyPr wrap="square" rtlCol="0">
+            <a:spAutoFit/>
+          </a:bodyPr>
+          <a:lstStyle/>
+          <a:p>
+            <a:r>
+              <a:rPr lang="en-US" sz="2500" b="1" dirty="0"/>
+              <a:t>Emitter </a:t>
+            </a:r>
+          </a:p>
+        </p:txBody>
+      </p:sp>
+      <p:sp>
+        <p:nvSpPr>
+          <p:cNvPr id="59" name="TextBox 58">
+            <a:extLst>
+              <a:ext uri="{FF2B5EF4-FFF2-40B4-BE49-F238E27FC236}">
+                <a16:creationId xmlns:a16="http://schemas.microsoft.com/office/drawing/2014/main" id="{5F4F476E-9695-1579-9290-DEBFF602063D}"/>
+              </a:ext>
+            </a:extLst>
+          </p:cNvPr>
+          <p:cNvSpPr txBox="1"/>
+          <p:nvPr/>
+        </p:nvSpPr>
+        <p:spPr>
+          <a:xfrm>
+            <a:off x="1446540" y="871853"/>
+            <a:ext cx="1150313" cy="553998"/>
+          </a:xfrm>
+          <a:prstGeom prst="rect">
+            <a:avLst/>
+          </a:prstGeom>
+          <a:noFill/>
+        </p:spPr>
+        <p:txBody>
+          <a:bodyPr wrap="square" rtlCol="0">
+            <a:spAutoFit/>
+          </a:bodyPr>
+          <a:lstStyle/>
+          <a:p>
+            <a:pPr algn="ctr"/>
+            <a:r>
+              <a:rPr lang="en-US" sz="1500" u="sng" dirty="0">
+                <a:highlight>
+                  <a:srgbClr val="FFFF00"/>
+                </a:highlight>
+              </a:rPr>
+              <a:t>Breakout Box</a:t>
+            </a:r>
+          </a:p>
+        </p:txBody>
+      </p:sp>
+      <p:sp>
+        <p:nvSpPr>
+          <p:cNvPr id="61" name="TextBox 60">
+            <a:extLst>
+              <a:ext uri="{FF2B5EF4-FFF2-40B4-BE49-F238E27FC236}">
+                <a16:creationId xmlns:a16="http://schemas.microsoft.com/office/drawing/2014/main" id="{1181AB07-17F0-53A1-3A3A-59B745C0091C}"/>
+              </a:ext>
+            </a:extLst>
+          </p:cNvPr>
+          <p:cNvSpPr txBox="1"/>
+          <p:nvPr/>
+        </p:nvSpPr>
+        <p:spPr>
+          <a:xfrm>
+            <a:off x="9141420" y="761010"/>
+            <a:ext cx="1150313" cy="553998"/>
+          </a:xfrm>
+          <a:prstGeom prst="rect">
+            <a:avLst/>
+          </a:prstGeom>
+          <a:noFill/>
+        </p:spPr>
+        <p:txBody>
+          <a:bodyPr wrap="square" rtlCol="0">
+            <a:spAutoFit/>
+          </a:bodyPr>
+          <a:lstStyle/>
+          <a:p>
+            <a:pPr algn="ctr"/>
+            <a:r>
+              <a:rPr lang="en-US" sz="1500" u="sng" dirty="0">
+                <a:highlight>
+                  <a:srgbClr val="FFFF00"/>
+                </a:highlight>
+              </a:rPr>
+              <a:t>Breakout Box</a:t>
+            </a:r>
+          </a:p>
+        </p:txBody>
+      </p:sp>
+      <p:sp>
+        <p:nvSpPr>
+          <p:cNvPr id="62" name="TextBox 61">
+            <a:extLst>
+              <a:ext uri="{FF2B5EF4-FFF2-40B4-BE49-F238E27FC236}">
+                <a16:creationId xmlns:a16="http://schemas.microsoft.com/office/drawing/2014/main" id="{B09A44DC-882D-1D8F-AF51-2ECEF249B540}"/>
+              </a:ext>
+            </a:extLst>
+          </p:cNvPr>
+          <p:cNvSpPr txBox="1"/>
+          <p:nvPr/>
+        </p:nvSpPr>
+        <p:spPr>
+          <a:xfrm>
+            <a:off x="1168098" y="376016"/>
+            <a:ext cx="1707196" cy="477054"/>
+          </a:xfrm>
+          <a:prstGeom prst="rect">
+            <a:avLst/>
+          </a:prstGeom>
+          <a:noFill/>
+        </p:spPr>
+        <p:txBody>
+          <a:bodyPr wrap="square" rtlCol="0">
+            <a:spAutoFit/>
+          </a:bodyPr>
+          <a:lstStyle/>
+          <a:p>
+            <a:r>
+              <a:rPr lang="en-US" sz="2500" b="1" dirty="0"/>
+              <a:t>Collector </a:t>
+            </a:r>
+          </a:p>
+        </p:txBody>
+      </p:sp>
+      <p:sp>
+        <p:nvSpPr>
+          <p:cNvPr id="3" name="TextBox 2">
+            <a:extLst>
+              <a:ext uri="{FF2B5EF4-FFF2-40B4-BE49-F238E27FC236}">
+                <a16:creationId xmlns:a16="http://schemas.microsoft.com/office/drawing/2014/main" id="{9C27952F-FDE3-0977-7C48-77A1F0B715D9}"/>
+              </a:ext>
+            </a:extLst>
+          </p:cNvPr>
+          <p:cNvSpPr txBox="1"/>
+          <p:nvPr/>
+        </p:nvSpPr>
+        <p:spPr>
+          <a:xfrm>
+            <a:off x="3975875" y="2444561"/>
+            <a:ext cx="1187574" cy="369332"/>
+          </a:xfrm>
+          <a:prstGeom prst="rect">
+            <a:avLst/>
+          </a:prstGeom>
+          <a:noFill/>
+        </p:spPr>
+        <p:txBody>
+          <a:bodyPr wrap="square" rtlCol="0">
+            <a:spAutoFit/>
+          </a:bodyPr>
+          <a:lstStyle/>
+          <a:p>
+            <a:r>
+              <a:rPr lang="en-US" dirty="0"/>
+              <a:t>14, 15</a:t>
+            </a:r>
+          </a:p>
+        </p:txBody>
+      </p:sp>
+      <p:sp>
+        <p:nvSpPr>
+          <p:cNvPr id="20" name="Rectangle 19">
+            <a:extLst>
+              <a:ext uri="{FF2B5EF4-FFF2-40B4-BE49-F238E27FC236}">
+                <a16:creationId xmlns:a16="http://schemas.microsoft.com/office/drawing/2014/main" id="{C1643F35-E1BE-4EB7-E630-B306BC4C020A}"/>
+              </a:ext>
+            </a:extLst>
+          </p:cNvPr>
+          <p:cNvSpPr/>
+          <p:nvPr/>
+        </p:nvSpPr>
+        <p:spPr>
+          <a:xfrm>
+            <a:off x="4298115" y="3267513"/>
+            <a:ext cx="1086685" cy="927249"/>
+          </a:xfrm>
+          <a:prstGeom prst="rect">
+            <a:avLst/>
+          </a:prstGeom>
+          <a:ln>
+            <a:solidFill>
+              <a:schemeClr val="tx1"/>
+            </a:solidFill>
+          </a:ln>
+        </p:spPr>
+        <p:style>
+          <a:lnRef idx="2">
+            <a:schemeClr val="accent6"/>
+          </a:lnRef>
+          <a:fillRef idx="1">
+            <a:schemeClr val="lt1"/>
+          </a:fillRef>
+          <a:effectRef idx="0">
+            <a:schemeClr val="accent6"/>
+          </a:effectRef>
+          <a:fontRef idx="minor">
+            <a:schemeClr val="dk1"/>
+          </a:fontRef>
+        </p:style>
+        <p:txBody>
+          <a:bodyPr rtlCol="0" anchor="ctr"/>
+          <a:lstStyle/>
+          <a:p>
+            <a:pPr algn="ctr"/>
+            <a:endParaRPr lang="en-US"/>
+          </a:p>
+        </p:txBody>
+      </p:sp>
+      <p:cxnSp>
+        <p:nvCxnSpPr>
+          <p:cNvPr id="22" name="Straight Connector 21">
+            <a:extLst>
+              <a:ext uri="{FF2B5EF4-FFF2-40B4-BE49-F238E27FC236}">
+                <a16:creationId xmlns:a16="http://schemas.microsoft.com/office/drawing/2014/main" id="{E81C3B4B-2CDE-5A4A-BF94-EE1F6445693D}"/>
+              </a:ext>
+            </a:extLst>
+          </p:cNvPr>
+          <p:cNvCxnSpPr/>
+          <p:nvPr/>
+        </p:nvCxnSpPr>
+        <p:spPr>
+          <a:xfrm flipV="1">
+            <a:off x="4298115" y="2822626"/>
+            <a:ext cx="0" cy="444887"/>
+          </a:xfrm>
+          <a:prstGeom prst="line">
+            <a:avLst/>
+          </a:prstGeom>
+        </p:spPr>
+        <p:style>
+          <a:lnRef idx="1">
+            <a:schemeClr val="dk1"/>
+          </a:lnRef>
+          <a:fillRef idx="0">
+            <a:schemeClr val="dk1"/>
+          </a:fillRef>
+          <a:effectRef idx="0">
+            <a:schemeClr val="dk1"/>
+          </a:effectRef>
+          <a:fontRef idx="minor">
+            <a:schemeClr val="tx1"/>
+          </a:fontRef>
+        </p:style>
+      </p:cxnSp>
+      <p:cxnSp>
+        <p:nvCxnSpPr>
+          <p:cNvPr id="23" name="Straight Connector 22">
+            <a:extLst>
+              <a:ext uri="{FF2B5EF4-FFF2-40B4-BE49-F238E27FC236}">
+                <a16:creationId xmlns:a16="http://schemas.microsoft.com/office/drawing/2014/main" id="{67918EA7-1EDA-C618-0191-23ACB6650403}"/>
+              </a:ext>
+            </a:extLst>
+          </p:cNvPr>
+          <p:cNvCxnSpPr/>
+          <p:nvPr/>
+        </p:nvCxnSpPr>
+        <p:spPr>
+          <a:xfrm flipV="1">
+            <a:off x="5384800" y="2815216"/>
+            <a:ext cx="0" cy="444887"/>
+          </a:xfrm>
+          <a:prstGeom prst="line">
+            <a:avLst/>
+          </a:prstGeom>
+        </p:spPr>
+        <p:style>
+          <a:lnRef idx="1">
+            <a:schemeClr val="dk1"/>
+          </a:lnRef>
+          <a:fillRef idx="0">
+            <a:schemeClr val="dk1"/>
+          </a:fillRef>
+          <a:effectRef idx="0">
+            <a:schemeClr val="dk1"/>
+          </a:effectRef>
+          <a:fontRef idx="minor">
+            <a:schemeClr val="tx1"/>
+          </a:fontRef>
+        </p:style>
+      </p:cxnSp>
+      <p:sp>
+        <p:nvSpPr>
+          <p:cNvPr id="25" name="TextBox 24">
+            <a:extLst>
+              <a:ext uri="{FF2B5EF4-FFF2-40B4-BE49-F238E27FC236}">
+                <a16:creationId xmlns:a16="http://schemas.microsoft.com/office/drawing/2014/main" id="{71E5A285-8E9D-1377-F645-830EB876F87C}"/>
+              </a:ext>
+            </a:extLst>
+          </p:cNvPr>
+          <p:cNvSpPr txBox="1"/>
+          <p:nvPr/>
+        </p:nvSpPr>
+        <p:spPr>
+          <a:xfrm>
+            <a:off x="4992170" y="2464454"/>
+            <a:ext cx="1187574" cy="369332"/>
+          </a:xfrm>
+          <a:prstGeom prst="rect">
+            <a:avLst/>
+          </a:prstGeom>
+          <a:noFill/>
+        </p:spPr>
+        <p:txBody>
+          <a:bodyPr wrap="square" rtlCol="0">
+            <a:spAutoFit/>
+          </a:bodyPr>
+          <a:lstStyle/>
+          <a:p>
+            <a:r>
+              <a:rPr lang="en-US" dirty="0"/>
+              <a:t>16,17</a:t>
+            </a:r>
+          </a:p>
+        </p:txBody>
+      </p:sp>
+      <p:cxnSp>
+        <p:nvCxnSpPr>
+          <p:cNvPr id="26" name="Straight Connector 25">
+            <a:extLst>
+              <a:ext uri="{FF2B5EF4-FFF2-40B4-BE49-F238E27FC236}">
+                <a16:creationId xmlns:a16="http://schemas.microsoft.com/office/drawing/2014/main" id="{50CFE8E3-E1A3-4895-8585-DB71816B711A}"/>
+              </a:ext>
+            </a:extLst>
+          </p:cNvPr>
+          <p:cNvCxnSpPr>
+            <a:cxnSpLocks/>
+          </p:cNvCxnSpPr>
+          <p:nvPr/>
+        </p:nvCxnSpPr>
+        <p:spPr>
+          <a:xfrm flipV="1">
+            <a:off x="6257507" y="2936776"/>
+            <a:ext cx="0" cy="730471"/>
+          </a:xfrm>
+          <a:prstGeom prst="line">
+            <a:avLst/>
+          </a:prstGeom>
+        </p:spPr>
+        <p:style>
+          <a:lnRef idx="1">
+            <a:schemeClr val="dk1"/>
+          </a:lnRef>
+          <a:fillRef idx="0">
+            <a:schemeClr val="dk1"/>
+          </a:fillRef>
+          <a:effectRef idx="0">
+            <a:schemeClr val="dk1"/>
+          </a:effectRef>
+          <a:fontRef idx="minor">
+            <a:schemeClr val="tx1"/>
+          </a:fontRef>
+        </p:style>
+      </p:cxnSp>
+      <p:cxnSp>
+        <p:nvCxnSpPr>
+          <p:cNvPr id="48" name="Straight Connector 47">
+            <a:extLst>
+              <a:ext uri="{FF2B5EF4-FFF2-40B4-BE49-F238E27FC236}">
+                <a16:creationId xmlns:a16="http://schemas.microsoft.com/office/drawing/2014/main" id="{C07DA571-72DA-1D97-DB7D-290855F5E667}"/>
+              </a:ext>
+            </a:extLst>
+          </p:cNvPr>
+          <p:cNvCxnSpPr>
+            <a:cxnSpLocks/>
+          </p:cNvCxnSpPr>
+          <p:nvPr/>
+        </p:nvCxnSpPr>
+        <p:spPr>
+          <a:xfrm flipV="1">
+            <a:off x="7556500" y="2920267"/>
+            <a:ext cx="0" cy="730471"/>
+          </a:xfrm>
+          <a:prstGeom prst="line">
+            <a:avLst/>
+          </a:prstGeom>
+        </p:spPr>
+        <p:style>
+          <a:lnRef idx="1">
+            <a:schemeClr val="dk1"/>
+          </a:lnRef>
+          <a:fillRef idx="0">
+            <a:schemeClr val="dk1"/>
+          </a:fillRef>
+          <a:effectRef idx="0">
+            <a:schemeClr val="dk1"/>
+          </a:effectRef>
+          <a:fontRef idx="minor">
+            <a:schemeClr val="tx1"/>
+          </a:fontRef>
+        </p:style>
+      </p:cxnSp>
+      <p:cxnSp>
+        <p:nvCxnSpPr>
+          <p:cNvPr id="63" name="Straight Connector 62">
+            <a:extLst>
+              <a:ext uri="{FF2B5EF4-FFF2-40B4-BE49-F238E27FC236}">
+                <a16:creationId xmlns:a16="http://schemas.microsoft.com/office/drawing/2014/main" id="{A9947C84-3433-012B-5A2A-CC7CD67ED071}"/>
+              </a:ext>
+            </a:extLst>
+          </p:cNvPr>
+          <p:cNvCxnSpPr>
+            <a:cxnSpLocks/>
+          </p:cNvCxnSpPr>
+          <p:nvPr/>
+        </p:nvCxnSpPr>
+        <p:spPr>
+          <a:xfrm>
+            <a:off x="6257507" y="3654224"/>
+            <a:ext cx="1307382" cy="0"/>
+          </a:xfrm>
+          <a:prstGeom prst="line">
+            <a:avLst/>
+          </a:prstGeom>
+        </p:spPr>
+        <p:style>
+          <a:lnRef idx="1">
+            <a:schemeClr val="dk1"/>
+          </a:lnRef>
+          <a:fillRef idx="0">
+            <a:schemeClr val="dk1"/>
+          </a:fillRef>
+          <a:effectRef idx="0">
+            <a:schemeClr val="dk1"/>
+          </a:effectRef>
+          <a:fontRef idx="minor">
+            <a:schemeClr val="tx1"/>
+          </a:fontRef>
+        </p:style>
+      </p:cxnSp>
+      <p:cxnSp>
+        <p:nvCxnSpPr>
+          <p:cNvPr id="66" name="Straight Connector 65">
+            <a:extLst>
+              <a:ext uri="{FF2B5EF4-FFF2-40B4-BE49-F238E27FC236}">
+                <a16:creationId xmlns:a16="http://schemas.microsoft.com/office/drawing/2014/main" id="{120E34FC-5BEC-E7DB-E058-549041E4555A}"/>
+              </a:ext>
+            </a:extLst>
+          </p:cNvPr>
+          <p:cNvCxnSpPr>
+            <a:cxnSpLocks/>
+          </p:cNvCxnSpPr>
+          <p:nvPr/>
+        </p:nvCxnSpPr>
+        <p:spPr>
+          <a:xfrm>
+            <a:off x="6219407" y="4104933"/>
+            <a:ext cx="1307382" cy="0"/>
+          </a:xfrm>
+          <a:prstGeom prst="line">
+            <a:avLst/>
+          </a:prstGeom>
+        </p:spPr>
+        <p:style>
+          <a:lnRef idx="1">
+            <a:schemeClr val="dk1"/>
+          </a:lnRef>
+          <a:fillRef idx="0">
+            <a:schemeClr val="dk1"/>
+          </a:fillRef>
+          <a:effectRef idx="0">
+            <a:schemeClr val="dk1"/>
+          </a:effectRef>
+          <a:fontRef idx="minor">
+            <a:schemeClr val="tx1"/>
+          </a:fontRef>
+        </p:style>
+      </p:cxnSp>
+      <p:sp>
+        <p:nvSpPr>
+          <p:cNvPr id="68" name="TextBox 67">
+            <a:extLst>
+              <a:ext uri="{FF2B5EF4-FFF2-40B4-BE49-F238E27FC236}">
+                <a16:creationId xmlns:a16="http://schemas.microsoft.com/office/drawing/2014/main" id="{9C2D1685-CD60-5ED3-7552-84A198E58E18}"/>
+              </a:ext>
+            </a:extLst>
+          </p:cNvPr>
+          <p:cNvSpPr txBox="1"/>
+          <p:nvPr/>
+        </p:nvSpPr>
+        <p:spPr>
+          <a:xfrm>
+            <a:off x="6133374" y="2517108"/>
+            <a:ext cx="508248" cy="369332"/>
+          </a:xfrm>
+          <a:prstGeom prst="rect">
+            <a:avLst/>
+          </a:prstGeom>
+          <a:noFill/>
+        </p:spPr>
+        <p:txBody>
+          <a:bodyPr wrap="square" rtlCol="0">
+            <a:spAutoFit/>
+          </a:bodyPr>
+          <a:lstStyle/>
+          <a:p>
+            <a:r>
+              <a:rPr lang="en-US" dirty="0"/>
+              <a:t>24</a:t>
+            </a:r>
+          </a:p>
+        </p:txBody>
+      </p:sp>
+      <p:sp>
+        <p:nvSpPr>
+          <p:cNvPr id="69" name="TextBox 68">
+            <a:extLst>
+              <a:ext uri="{FF2B5EF4-FFF2-40B4-BE49-F238E27FC236}">
+                <a16:creationId xmlns:a16="http://schemas.microsoft.com/office/drawing/2014/main" id="{CDBD7B68-9356-58BB-9F64-63A2B118A252}"/>
+              </a:ext>
+            </a:extLst>
+          </p:cNvPr>
+          <p:cNvSpPr txBox="1"/>
+          <p:nvPr/>
+        </p:nvSpPr>
+        <p:spPr>
+          <a:xfrm>
+            <a:off x="7398711" y="2517108"/>
+            <a:ext cx="508247" cy="369332"/>
+          </a:xfrm>
+          <a:prstGeom prst="rect">
+            <a:avLst/>
+          </a:prstGeom>
+          <a:noFill/>
+        </p:spPr>
+        <p:txBody>
+          <a:bodyPr wrap="square" rtlCol="0">
+            <a:spAutoFit/>
+          </a:bodyPr>
+          <a:lstStyle/>
+          <a:p>
+            <a:r>
+              <a:rPr lang="en-US" dirty="0"/>
+              <a:t>13</a:t>
+            </a:r>
+          </a:p>
+        </p:txBody>
+      </p:sp>
+      <p:sp>
+        <p:nvSpPr>
+          <p:cNvPr id="27" name="TextBox 26">
+            <a:extLst>
+              <a:ext uri="{FF2B5EF4-FFF2-40B4-BE49-F238E27FC236}">
+                <a16:creationId xmlns:a16="http://schemas.microsoft.com/office/drawing/2014/main" id="{6BBE9B9B-AD3A-5BF2-C640-172A50835C57}"/>
+              </a:ext>
+            </a:extLst>
+          </p:cNvPr>
+          <p:cNvSpPr txBox="1"/>
+          <p:nvPr/>
+        </p:nvSpPr>
+        <p:spPr>
+          <a:xfrm>
+            <a:off x="4681904" y="1953093"/>
+            <a:ext cx="2650392" cy="400110"/>
+          </a:xfrm>
+          <a:prstGeom prst="rect">
+            <a:avLst/>
+          </a:prstGeom>
+          <a:noFill/>
+        </p:spPr>
+        <p:txBody>
+          <a:bodyPr wrap="square" rtlCol="0">
+            <a:spAutoFit/>
+          </a:bodyPr>
+          <a:lstStyle/>
+          <a:p>
+            <a:r>
+              <a:rPr lang="en-US" sz="2000" b="1" i="1" u="sng" dirty="0">
+                <a:solidFill>
+                  <a:srgbClr val="FF0000"/>
+                </a:solidFill>
+              </a:rPr>
+              <a:t>BIG</a:t>
+            </a:r>
+            <a:r>
+              <a:rPr lang="en-US" sz="2000" b="1" i="1" u="sng" dirty="0"/>
+              <a:t> </a:t>
+            </a:r>
+            <a:r>
+              <a:rPr lang="en-US" sz="2000" b="1" i="1" u="sng" dirty="0">
+                <a:solidFill>
+                  <a:schemeClr val="accent4"/>
+                </a:solidFill>
+              </a:rPr>
+              <a:t>GL</a:t>
+            </a:r>
+            <a:r>
+              <a:rPr lang="en-US" sz="2000" b="1" i="1" u="sng" dirty="0">
+                <a:solidFill>
+                  <a:schemeClr val="accent6"/>
+                </a:solidFill>
+              </a:rPr>
+              <a:t>ASS</a:t>
+            </a:r>
+            <a:r>
+              <a:rPr lang="en-US" sz="2000" b="1" i="1" u="sng" dirty="0"/>
+              <a:t> </a:t>
+            </a:r>
+            <a:r>
+              <a:rPr lang="en-US" sz="2000" b="1" i="1" u="sng" dirty="0">
+                <a:solidFill>
+                  <a:srgbClr val="0070C0"/>
+                </a:solidFill>
+              </a:rPr>
+              <a:t>DEW</a:t>
+            </a:r>
+            <a:r>
+              <a:rPr lang="en-US" sz="2000" b="1" i="1" u="sng" dirty="0">
+                <a:solidFill>
+                  <a:srgbClr val="7030A0"/>
+                </a:solidFill>
+              </a:rPr>
+              <a:t>AR </a:t>
+            </a:r>
+            <a:r>
+              <a:rPr lang="en-US" sz="2000" b="1" i="1" u="sng" dirty="0">
+                <a:highlight>
+                  <a:srgbClr val="FFFF00"/>
+                </a:highlight>
+              </a:rPr>
+              <a:t>(RF)</a:t>
+            </a:r>
+          </a:p>
+        </p:txBody>
+      </p:sp>
+      <p:sp>
+        <p:nvSpPr>
+          <p:cNvPr id="77" name="TextBox 76">
+            <a:extLst>
+              <a:ext uri="{FF2B5EF4-FFF2-40B4-BE49-F238E27FC236}">
+                <a16:creationId xmlns:a16="http://schemas.microsoft.com/office/drawing/2014/main" id="{80E5BD7D-E7FC-D2EE-0F52-56DB6CDBAB2B}"/>
+              </a:ext>
+            </a:extLst>
+          </p:cNvPr>
+          <p:cNvSpPr txBox="1"/>
+          <p:nvPr/>
+        </p:nvSpPr>
+        <p:spPr>
+          <a:xfrm>
+            <a:off x="1359684" y="971562"/>
+            <a:ext cx="889960" cy="4801314"/>
+          </a:xfrm>
+          <a:prstGeom prst="rect">
+            <a:avLst/>
+          </a:prstGeom>
+          <a:noFill/>
+        </p:spPr>
+        <p:txBody>
+          <a:bodyPr wrap="square" rtlCol="0">
+            <a:spAutoFit/>
+          </a:bodyPr>
+          <a:lstStyle/>
+          <a:p>
+            <a:pPr algn="r"/>
+            <a:endParaRPr lang="en-US" dirty="0"/>
+          </a:p>
+          <a:p>
+            <a:pPr algn="r"/>
+            <a:endParaRPr lang="en-US" dirty="0"/>
+          </a:p>
+          <a:p>
+            <a:pPr algn="r"/>
+            <a:r>
+              <a:rPr lang="en-US" dirty="0"/>
+              <a:t>B1</a:t>
+            </a:r>
+          </a:p>
+          <a:p>
+            <a:pPr algn="r"/>
+            <a:endParaRPr lang="en-US" dirty="0"/>
+          </a:p>
+          <a:p>
+            <a:pPr algn="r"/>
+            <a:r>
+              <a:rPr lang="en-US" dirty="0"/>
+              <a:t>19</a:t>
+            </a:r>
+          </a:p>
+          <a:p>
+            <a:pPr algn="r"/>
+            <a:endParaRPr lang="en-US" dirty="0"/>
+          </a:p>
+          <a:p>
+            <a:pPr algn="r"/>
+            <a:r>
+              <a:rPr lang="en-US" dirty="0"/>
+              <a:t>5</a:t>
+            </a:r>
+          </a:p>
+          <a:p>
+            <a:pPr algn="r"/>
+            <a:endParaRPr lang="en-US" dirty="0"/>
+          </a:p>
+          <a:p>
+            <a:pPr algn="r"/>
+            <a:r>
+              <a:rPr lang="en-US" dirty="0"/>
+              <a:t>B2</a:t>
+            </a:r>
+          </a:p>
+          <a:p>
+            <a:pPr algn="r"/>
+            <a:endParaRPr lang="en-US" dirty="0"/>
+          </a:p>
+          <a:p>
+            <a:pPr algn="r"/>
+            <a:r>
+              <a:rPr lang="en-US" dirty="0"/>
+              <a:t>3</a:t>
+            </a:r>
+          </a:p>
+          <a:p>
+            <a:pPr algn="r"/>
+            <a:endParaRPr lang="en-US" dirty="0"/>
+          </a:p>
+          <a:p>
+            <a:pPr algn="r"/>
+            <a:r>
+              <a:rPr lang="en-US" dirty="0"/>
+              <a:t>A1</a:t>
+            </a:r>
+          </a:p>
+          <a:p>
+            <a:pPr algn="r"/>
+            <a:endParaRPr lang="en-US" dirty="0"/>
+          </a:p>
+          <a:p>
+            <a:pPr algn="r"/>
+            <a:r>
+              <a:rPr lang="en-US" dirty="0"/>
+              <a:t>1</a:t>
+            </a:r>
+          </a:p>
+          <a:p>
+            <a:pPr algn="r"/>
+            <a:endParaRPr lang="en-US" dirty="0"/>
+          </a:p>
+          <a:p>
+            <a:pPr algn="r"/>
+            <a:r>
+              <a:rPr lang="en-US" dirty="0">
+                <a:highlight>
+                  <a:srgbClr val="00FF00"/>
+                </a:highlight>
+              </a:rPr>
+              <a:t>NA</a:t>
+            </a:r>
+            <a:r>
+              <a:rPr lang="en-US" dirty="0">
+                <a:highlight>
+                  <a:srgbClr val="FFFF00"/>
+                </a:highlight>
+              </a:rPr>
+              <a:t> </a:t>
+            </a:r>
+          </a:p>
+        </p:txBody>
+      </p:sp>
+      <p:sp>
+        <p:nvSpPr>
+          <p:cNvPr id="73" name="TextBox 72">
+            <a:extLst>
+              <a:ext uri="{FF2B5EF4-FFF2-40B4-BE49-F238E27FC236}">
+                <a16:creationId xmlns:a16="http://schemas.microsoft.com/office/drawing/2014/main" id="{62D6712E-7BA5-11B5-D69F-24B5C7228CEE}"/>
+              </a:ext>
+            </a:extLst>
+          </p:cNvPr>
+          <p:cNvSpPr txBox="1"/>
+          <p:nvPr/>
+        </p:nvSpPr>
+        <p:spPr>
+          <a:xfrm>
+            <a:off x="6290764" y="4076062"/>
+            <a:ext cx="1583137" cy="369332"/>
+          </a:xfrm>
+          <a:prstGeom prst="rect">
+            <a:avLst/>
+          </a:prstGeom>
+          <a:noFill/>
+        </p:spPr>
+        <p:txBody>
+          <a:bodyPr wrap="square" rtlCol="0">
+            <a:spAutoFit/>
+          </a:bodyPr>
+          <a:lstStyle/>
+          <a:p>
+            <a:r>
+              <a:rPr lang="en-US" dirty="0"/>
+              <a:t>22 (DAC=5)</a:t>
+            </a:r>
+          </a:p>
+        </p:txBody>
+      </p:sp>
+      <p:sp>
+        <p:nvSpPr>
+          <p:cNvPr id="51" name="TextBox 50">
+            <a:extLst>
+              <a:ext uri="{FF2B5EF4-FFF2-40B4-BE49-F238E27FC236}">
+                <a16:creationId xmlns:a16="http://schemas.microsoft.com/office/drawing/2014/main" id="{FAF6BB3D-B342-5F60-1F27-A2507C773AB2}"/>
+              </a:ext>
+            </a:extLst>
+          </p:cNvPr>
+          <p:cNvSpPr txBox="1"/>
+          <p:nvPr/>
+        </p:nvSpPr>
+        <p:spPr>
+          <a:xfrm>
+            <a:off x="10164933" y="32798"/>
+            <a:ext cx="2080698" cy="323165"/>
+          </a:xfrm>
+          <a:prstGeom prst="rect">
+            <a:avLst/>
+          </a:prstGeom>
+          <a:noFill/>
+        </p:spPr>
+        <p:txBody>
+          <a:bodyPr wrap="none" rtlCol="0">
+            <a:spAutoFit/>
+          </a:bodyPr>
+          <a:lstStyle/>
+          <a:p>
+            <a:r>
+              <a:rPr lang="en-US" sz="1500" dirty="0"/>
+              <a:t>*looking down at device</a:t>
+            </a:r>
+          </a:p>
+        </p:txBody>
+      </p:sp>
+    </p:spTree>
+    <p:extLst>
+      <p:ext uri="{BB962C8B-B14F-4D97-AF65-F5344CB8AC3E}">
+        <p14:creationId xmlns:p14="http://schemas.microsoft.com/office/powerpoint/2010/main" val="1729560602"/>
+      </p:ext>
+    </p:extLst>
+  </p:cSld>
+  <p:clrMapOvr>
+    <a:masterClrMapping/>
+  </p:clrMapOvr>
+</p:sld>
+</file>
+
+<file path=ppt/slides/slide9.xml><?xml version="1.0" encoding="utf-8"?>
 <p:sld xmlns:a="http://schemas.openxmlformats.org/drawingml/2006/main" xmlns:r="http://schemas.openxmlformats.org/officeDocument/2006/relationships" xmlns:p="http://schemas.openxmlformats.org/presentationml/2006/main">
   <p:cSld>
     <p:spTree>
@@ -27243,156 +29935,6 @@
 </p:sld>
 </file>
 
-<file path=ppt/slides/slide9.xml><?xml version="1.0" encoding="utf-8"?>
-<p:sld xmlns:a="http://schemas.openxmlformats.org/drawingml/2006/main" xmlns:r="http://schemas.openxmlformats.org/officeDocument/2006/relationships" xmlns:p="http://schemas.openxmlformats.org/presentationml/2006/main">
-  <p:cSld>
-    <p:spTree>
-      <p:nvGrpSpPr>
-        <p:cNvPr id="1" name=""/>
-        <p:cNvGrpSpPr/>
-        <p:nvPr/>
-      </p:nvGrpSpPr>
-      <p:grpSpPr>
-        <a:xfrm>
-          <a:off x="0" y="0"/>
-          <a:ext cx="0" cy="0"/>
-          <a:chOff x="0" y="0"/>
-          <a:chExt cx="0" cy="0"/>
-        </a:xfrm>
-      </p:grpSpPr>
-      <p:sp>
-        <p:nvSpPr>
-          <p:cNvPr id="2" name="Title 1">
-            <a:extLst>
-              <a:ext uri="{FF2B5EF4-FFF2-40B4-BE49-F238E27FC236}">
-                <a16:creationId xmlns:a16="http://schemas.microsoft.com/office/drawing/2014/main" id="{36ED1F07-8786-2A46-C21F-717880B4F063}"/>
-              </a:ext>
-            </a:extLst>
-          </p:cNvPr>
-          <p:cNvSpPr>
-            <a:spLocks noGrp="1"/>
-          </p:cNvSpPr>
-          <p:nvPr>
-            <p:ph type="title"/>
-          </p:nvPr>
-        </p:nvSpPr>
-        <p:spPr/>
-        <p:txBody>
-          <a:bodyPr/>
-          <a:lstStyle/>
-          <a:p>
-            <a:r>
-              <a:rPr lang="en-US" dirty="0"/>
-              <a:t>Notes on above</a:t>
-            </a:r>
-          </a:p>
-        </p:txBody>
-      </p:sp>
-      <p:sp>
-        <p:nvSpPr>
-          <p:cNvPr id="3" name="Content Placeholder 2">
-            <a:extLst>
-              <a:ext uri="{FF2B5EF4-FFF2-40B4-BE49-F238E27FC236}">
-                <a16:creationId xmlns:a16="http://schemas.microsoft.com/office/drawing/2014/main" id="{C14A33DA-DF92-1797-AE11-F833B78563EB}"/>
-              </a:ext>
-            </a:extLst>
-          </p:cNvPr>
-          <p:cNvSpPr>
-            <a:spLocks noGrp="1"/>
-          </p:cNvSpPr>
-          <p:nvPr>
-            <p:ph idx="1"/>
-          </p:nvPr>
-        </p:nvSpPr>
-        <p:spPr/>
-        <p:txBody>
-          <a:bodyPr>
-            <a:normAutofit fontScale="85000" lnSpcReduction="10000"/>
-          </a:bodyPr>
-          <a:lstStyle/>
-          <a:p>
-            <a:r>
-              <a:rPr lang="en-US" dirty="0"/>
-              <a:t>B4 has like a 40Mohm resistance to ground</a:t>
-            </a:r>
-          </a:p>
-          <a:p>
-            <a:pPr lvl="1"/>
-            <a:r>
-              <a:rPr lang="en-US" dirty="0"/>
-              <a:t>Idk how to fix that other than feeding new wire</a:t>
-            </a:r>
-          </a:p>
-          <a:p>
-            <a:r>
-              <a:rPr lang="en-US" dirty="0"/>
-              <a:t>TFs have ~10Mohm resistance to ground because they’re </a:t>
-            </a:r>
-            <a:r>
-              <a:rPr lang="en-US" dirty="0" err="1"/>
-              <a:t>kinda</a:t>
-            </a:r>
-            <a:r>
-              <a:rPr lang="en-US" dirty="0"/>
-              <a:t> capacitively coupled to nearby source and drain gates which have a resistance to ground</a:t>
-            </a:r>
-          </a:p>
-          <a:p>
-            <a:pPr lvl="1"/>
-            <a:r>
-              <a:rPr lang="en-US" dirty="0"/>
-              <a:t>Probably from residual flux in pin connectors??</a:t>
-            </a:r>
-          </a:p>
-          <a:p>
-            <a:pPr lvl="1"/>
-            <a:r>
-              <a:rPr lang="en-US" dirty="0"/>
-              <a:t>Strange, definitely not on wire side, but when disconnected from board, get quick OL between a TF and source/drain gate (neither shorted to ground when disconnected)</a:t>
-            </a:r>
-          </a:p>
-          <a:p>
-            <a:pPr lvl="2"/>
-            <a:r>
-              <a:rPr lang="en-US" dirty="0"/>
-              <a:t>But when connected, see the resistance to ground…</a:t>
-            </a:r>
-          </a:p>
-          <a:p>
-            <a:r>
-              <a:rPr lang="en-US" dirty="0"/>
-              <a:t>All resistances and capacitances read correctly, but not when I check shorts to ground</a:t>
-            </a:r>
-          </a:p>
-          <a:p>
-            <a:pPr lvl="1"/>
-            <a:r>
-              <a:rPr lang="en-US" dirty="0"/>
-              <a:t>A lot of pins have quick OL…not sure if this is a factor of the weather or the soldering of the pin connectors…</a:t>
-            </a:r>
-          </a:p>
-          <a:p>
-            <a:pPr lvl="1"/>
-            <a:r>
-              <a:rPr lang="en-US" dirty="0"/>
-              <a:t>See if it makes things weird when cold/during measurement, otherwise have ignored it </a:t>
-            </a:r>
-          </a:p>
-        </p:txBody>
-      </p:sp>
-    </p:spTree>
-    <p:extLst>
-      <p:ext uri="{BB962C8B-B14F-4D97-AF65-F5344CB8AC3E}">
-        <p14:creationId xmlns:p14="http://schemas.microsoft.com/office/powerpoint/2010/main" val="2948640407"/>
-      </p:ext>
-    </p:extLst>
-  </p:cSld>
-  <p:clrMapOvr>
-    <a:masterClrMapping/>
-  </p:clrMapOvr>
-</p:sld>
-</file>
-
 <file path=ppt/theme/theme1.xml><?xml version="1.0" encoding="utf-8"?>
 <a:theme xmlns:a="http://schemas.openxmlformats.org/drawingml/2006/main" name="Office Theme">
   <a:themeElements>

--- a/matlabMeas/TiffanyMeasurementFunctions/IDC/ConnectionLayout.pptx
+++ b/matlabMeas/TiffanyMeasurementFunctions/IDC/ConnectionLayout.pptx
@@ -272,7 +272,7 @@
           <a:p>
             <a:fld id="{47ABD26D-D221-4902-BE5F-0AA58C118E78}" type="datetimeFigureOut">
               <a:rPr lang="en-US" smtClean="0"/>
-              <a:t>10/20/2023</a:t>
+              <a:t>1/30/2024</a:t>
             </a:fld>
             <a:endParaRPr lang="en-US"/>
           </a:p>
@@ -470,7 +470,7 @@
           <a:p>
             <a:fld id="{47ABD26D-D221-4902-BE5F-0AA58C118E78}" type="datetimeFigureOut">
               <a:rPr lang="en-US" smtClean="0"/>
-              <a:t>10/20/2023</a:t>
+              <a:t>1/30/2024</a:t>
             </a:fld>
             <a:endParaRPr lang="en-US"/>
           </a:p>
@@ -678,7 +678,7 @@
           <a:p>
             <a:fld id="{47ABD26D-D221-4902-BE5F-0AA58C118E78}" type="datetimeFigureOut">
               <a:rPr lang="en-US" smtClean="0"/>
-              <a:t>10/20/2023</a:t>
+              <a:t>1/30/2024</a:t>
             </a:fld>
             <a:endParaRPr lang="en-US"/>
           </a:p>
@@ -876,7 +876,7 @@
           <a:p>
             <a:fld id="{47ABD26D-D221-4902-BE5F-0AA58C118E78}" type="datetimeFigureOut">
               <a:rPr lang="en-US" smtClean="0"/>
-              <a:t>10/20/2023</a:t>
+              <a:t>1/30/2024</a:t>
             </a:fld>
             <a:endParaRPr lang="en-US"/>
           </a:p>
@@ -1151,7 +1151,7 @@
           <a:p>
             <a:fld id="{47ABD26D-D221-4902-BE5F-0AA58C118E78}" type="datetimeFigureOut">
               <a:rPr lang="en-US" smtClean="0"/>
-              <a:t>10/20/2023</a:t>
+              <a:t>1/30/2024</a:t>
             </a:fld>
             <a:endParaRPr lang="en-US"/>
           </a:p>
@@ -1416,7 +1416,7 @@
           <a:p>
             <a:fld id="{47ABD26D-D221-4902-BE5F-0AA58C118E78}" type="datetimeFigureOut">
               <a:rPr lang="en-US" smtClean="0"/>
-              <a:t>10/20/2023</a:t>
+              <a:t>1/30/2024</a:t>
             </a:fld>
             <a:endParaRPr lang="en-US"/>
           </a:p>
@@ -1828,7 +1828,7 @@
           <a:p>
             <a:fld id="{47ABD26D-D221-4902-BE5F-0AA58C118E78}" type="datetimeFigureOut">
               <a:rPr lang="en-US" smtClean="0"/>
-              <a:t>10/20/2023</a:t>
+              <a:t>1/30/2024</a:t>
             </a:fld>
             <a:endParaRPr lang="en-US"/>
           </a:p>
@@ -1969,7 +1969,7 @@
           <a:p>
             <a:fld id="{47ABD26D-D221-4902-BE5F-0AA58C118E78}" type="datetimeFigureOut">
               <a:rPr lang="en-US" smtClean="0"/>
-              <a:t>10/20/2023</a:t>
+              <a:t>1/30/2024</a:t>
             </a:fld>
             <a:endParaRPr lang="en-US"/>
           </a:p>
@@ -2082,7 +2082,7 @@
           <a:p>
             <a:fld id="{47ABD26D-D221-4902-BE5F-0AA58C118E78}" type="datetimeFigureOut">
               <a:rPr lang="en-US" smtClean="0"/>
-              <a:t>10/20/2023</a:t>
+              <a:t>1/30/2024</a:t>
             </a:fld>
             <a:endParaRPr lang="en-US"/>
           </a:p>
@@ -2393,7 +2393,7 @@
           <a:p>
             <a:fld id="{47ABD26D-D221-4902-BE5F-0AA58C118E78}" type="datetimeFigureOut">
               <a:rPr lang="en-US" smtClean="0"/>
-              <a:t>10/20/2023</a:t>
+              <a:t>1/30/2024</a:t>
             </a:fld>
             <a:endParaRPr lang="en-US"/>
           </a:p>
@@ -2681,7 +2681,7 @@
           <a:p>
             <a:fld id="{47ABD26D-D221-4902-BE5F-0AA58C118E78}" type="datetimeFigureOut">
               <a:rPr lang="en-US" smtClean="0"/>
-              <a:t>10/20/2023</a:t>
+              <a:t>1/30/2024</a:t>
             </a:fld>
             <a:endParaRPr lang="en-US"/>
           </a:p>
@@ -2922,7 +2922,7 @@
           <a:p>
             <a:fld id="{47ABD26D-D221-4902-BE5F-0AA58C118E78}" type="datetimeFigureOut">
               <a:rPr lang="en-US" smtClean="0"/>
-              <a:t>10/20/2023</a:t>
+              <a:t>1/30/2024</a:t>
             </a:fld>
             <a:endParaRPr lang="en-US"/>
           </a:p>
@@ -23873,8 +23873,8 @@
         </p:nvSpPr>
         <p:spPr>
           <a:xfrm>
-            <a:off x="329407" y="933889"/>
-            <a:ext cx="1306884" cy="4247317"/>
+            <a:off x="307124" y="933889"/>
+            <a:ext cx="1329167" cy="4247317"/>
           </a:xfrm>
           <a:prstGeom prst="rect">
             <a:avLst/>
@@ -24121,8 +24121,8 @@
         </p:nvSpPr>
         <p:spPr>
           <a:xfrm>
-            <a:off x="8248" y="6246898"/>
-            <a:ext cx="2443549" cy="553998"/>
+            <a:off x="8249" y="6246898"/>
+            <a:ext cx="1351436" cy="553998"/>
           </a:xfrm>
           <a:prstGeom prst="rect">
             <a:avLst/>

--- a/matlabMeas/TiffanyMeasurementFunctions/IDC/ConnectionLayout.pptx
+++ b/matlabMeas/TiffanyMeasurementFunctions/IDC/ConnectionLayout.pptx
@@ -19,6 +19,7 @@
     <p:sldId id="265" r:id="rId13"/>
     <p:sldId id="263" r:id="rId14"/>
     <p:sldId id="262" r:id="rId15"/>
+    <p:sldId id="283" r:id="rId16"/>
   </p:sldIdLst>
   <p:sldSz cx="12192000" cy="6858000"/>
   <p:notesSz cx="7023100" cy="9309100"/>
@@ -272,7 +273,7 @@
           <a:p>
             <a:fld id="{47ABD26D-D221-4902-BE5F-0AA58C118E78}" type="datetimeFigureOut">
               <a:rPr lang="en-US" smtClean="0"/>
-              <a:t>1/30/2024</a:t>
+              <a:t>2/28/2024</a:t>
             </a:fld>
             <a:endParaRPr lang="en-US"/>
           </a:p>
@@ -470,7 +471,7 @@
           <a:p>
             <a:fld id="{47ABD26D-D221-4902-BE5F-0AA58C118E78}" type="datetimeFigureOut">
               <a:rPr lang="en-US" smtClean="0"/>
-              <a:t>1/30/2024</a:t>
+              <a:t>2/28/2024</a:t>
             </a:fld>
             <a:endParaRPr lang="en-US"/>
           </a:p>
@@ -678,7 +679,7 @@
           <a:p>
             <a:fld id="{47ABD26D-D221-4902-BE5F-0AA58C118E78}" type="datetimeFigureOut">
               <a:rPr lang="en-US" smtClean="0"/>
-              <a:t>1/30/2024</a:t>
+              <a:t>2/28/2024</a:t>
             </a:fld>
             <a:endParaRPr lang="en-US"/>
           </a:p>
@@ -876,7 +877,7 @@
           <a:p>
             <a:fld id="{47ABD26D-D221-4902-BE5F-0AA58C118E78}" type="datetimeFigureOut">
               <a:rPr lang="en-US" smtClean="0"/>
-              <a:t>1/30/2024</a:t>
+              <a:t>2/28/2024</a:t>
             </a:fld>
             <a:endParaRPr lang="en-US"/>
           </a:p>
@@ -1151,7 +1152,7 @@
           <a:p>
             <a:fld id="{47ABD26D-D221-4902-BE5F-0AA58C118E78}" type="datetimeFigureOut">
               <a:rPr lang="en-US" smtClean="0"/>
-              <a:t>1/30/2024</a:t>
+              <a:t>2/28/2024</a:t>
             </a:fld>
             <a:endParaRPr lang="en-US"/>
           </a:p>
@@ -1416,7 +1417,7 @@
           <a:p>
             <a:fld id="{47ABD26D-D221-4902-BE5F-0AA58C118E78}" type="datetimeFigureOut">
               <a:rPr lang="en-US" smtClean="0"/>
-              <a:t>1/30/2024</a:t>
+              <a:t>2/28/2024</a:t>
             </a:fld>
             <a:endParaRPr lang="en-US"/>
           </a:p>
@@ -1828,7 +1829,7 @@
           <a:p>
             <a:fld id="{47ABD26D-D221-4902-BE5F-0AA58C118E78}" type="datetimeFigureOut">
               <a:rPr lang="en-US" smtClean="0"/>
-              <a:t>1/30/2024</a:t>
+              <a:t>2/28/2024</a:t>
             </a:fld>
             <a:endParaRPr lang="en-US"/>
           </a:p>
@@ -1969,7 +1970,7 @@
           <a:p>
             <a:fld id="{47ABD26D-D221-4902-BE5F-0AA58C118E78}" type="datetimeFigureOut">
               <a:rPr lang="en-US" smtClean="0"/>
-              <a:t>1/30/2024</a:t>
+              <a:t>2/28/2024</a:t>
             </a:fld>
             <a:endParaRPr lang="en-US"/>
           </a:p>
@@ -2082,7 +2083,7 @@
           <a:p>
             <a:fld id="{47ABD26D-D221-4902-BE5F-0AA58C118E78}" type="datetimeFigureOut">
               <a:rPr lang="en-US" smtClean="0"/>
-              <a:t>1/30/2024</a:t>
+              <a:t>2/28/2024</a:t>
             </a:fld>
             <a:endParaRPr lang="en-US"/>
           </a:p>
@@ -2393,7 +2394,7 @@
           <a:p>
             <a:fld id="{47ABD26D-D221-4902-BE5F-0AA58C118E78}" type="datetimeFigureOut">
               <a:rPr lang="en-US" smtClean="0"/>
-              <a:t>1/30/2024</a:t>
+              <a:t>2/28/2024</a:t>
             </a:fld>
             <a:endParaRPr lang="en-US"/>
           </a:p>
@@ -2681,7 +2682,7 @@
           <a:p>
             <a:fld id="{47ABD26D-D221-4902-BE5F-0AA58C118E78}" type="datetimeFigureOut">
               <a:rPr lang="en-US" smtClean="0"/>
-              <a:t>1/30/2024</a:t>
+              <a:t>2/28/2024</a:t>
             </a:fld>
             <a:endParaRPr lang="en-US"/>
           </a:p>
@@ -2922,7 +2923,7 @@
           <a:p>
             <a:fld id="{47ABD26D-D221-4902-BE5F-0AA58C118E78}" type="datetimeFigureOut">
               <a:rPr lang="en-US" smtClean="0"/>
-              <a:t>1/30/2024</a:t>
+              <a:t>2/28/2024</a:t>
             </a:fld>
             <a:endParaRPr lang="en-US"/>
           </a:p>
@@ -9109,6 +9110,2312 @@
     <p:extLst>
       <p:ext uri="{BB962C8B-B14F-4D97-AF65-F5344CB8AC3E}">
         <p14:creationId xmlns:p14="http://schemas.microsoft.com/office/powerpoint/2010/main" val="368377872"/>
+      </p:ext>
+    </p:extLst>
+  </p:cSld>
+  <p:clrMapOvr>
+    <a:masterClrMapping/>
+  </p:clrMapOvr>
+</p:sld>
+</file>
+
+<file path=ppt/slides/slide15.xml><?xml version="1.0" encoding="utf-8"?>
+<p:sld xmlns:a="http://schemas.openxmlformats.org/drawingml/2006/main" xmlns:r="http://schemas.openxmlformats.org/officeDocument/2006/relationships" xmlns:p="http://schemas.openxmlformats.org/presentationml/2006/main">
+  <p:cSld>
+    <p:spTree>
+      <p:nvGrpSpPr>
+        <p:cNvPr id="1" name="">
+          <a:extLst>
+            <a:ext uri="{FF2B5EF4-FFF2-40B4-BE49-F238E27FC236}">
+              <a16:creationId xmlns:a16="http://schemas.microsoft.com/office/drawing/2014/main" id="{6D953891-4643-08AD-7385-F90A773BC0DC}"/>
+            </a:ext>
+          </a:extLst>
+        </p:cNvPr>
+        <p:cNvGrpSpPr/>
+        <p:nvPr/>
+      </p:nvGrpSpPr>
+      <p:grpSpPr>
+        <a:xfrm>
+          <a:off x="0" y="0"/>
+          <a:ext cx="0" cy="0"/>
+          <a:chOff x="0" y="0"/>
+          <a:chExt cx="0" cy="0"/>
+        </a:xfrm>
+      </p:grpSpPr>
+      <p:sp>
+        <p:nvSpPr>
+          <p:cNvPr id="4" name="Oval 3">
+            <a:extLst>
+              <a:ext uri="{FF2B5EF4-FFF2-40B4-BE49-F238E27FC236}">
+                <a16:creationId xmlns:a16="http://schemas.microsoft.com/office/drawing/2014/main" id="{2C7DE2D6-4BA5-BCFE-16A8-366D902C2F23}"/>
+              </a:ext>
+            </a:extLst>
+          </p:cNvPr>
+          <p:cNvSpPr/>
+          <p:nvPr/>
+        </p:nvSpPr>
+        <p:spPr>
+          <a:xfrm>
+            <a:off x="3873500" y="571501"/>
+            <a:ext cx="424615" cy="419100"/>
+          </a:xfrm>
+          <a:prstGeom prst="ellipse">
+            <a:avLst/>
+          </a:prstGeom>
+        </p:spPr>
+        <p:style>
+          <a:lnRef idx="2">
+            <a:schemeClr val="accent6"/>
+          </a:lnRef>
+          <a:fillRef idx="1">
+            <a:schemeClr val="lt1"/>
+          </a:fillRef>
+          <a:effectRef idx="0">
+            <a:schemeClr val="accent6"/>
+          </a:effectRef>
+          <a:fontRef idx="minor">
+            <a:schemeClr val="dk1"/>
+          </a:fontRef>
+        </p:style>
+        <p:txBody>
+          <a:bodyPr rtlCol="0" anchor="ctr"/>
+          <a:lstStyle/>
+          <a:p>
+            <a:pPr algn="ctr"/>
+            <a:endParaRPr lang="en-US"/>
+          </a:p>
+        </p:txBody>
+      </p:sp>
+      <p:sp>
+        <p:nvSpPr>
+          <p:cNvPr id="5" name="Oval 4">
+            <a:extLst>
+              <a:ext uri="{FF2B5EF4-FFF2-40B4-BE49-F238E27FC236}">
+                <a16:creationId xmlns:a16="http://schemas.microsoft.com/office/drawing/2014/main" id="{D89D39B3-95D5-6F18-A689-055EA895F9D2}"/>
+              </a:ext>
+            </a:extLst>
+          </p:cNvPr>
+          <p:cNvSpPr/>
+          <p:nvPr/>
+        </p:nvSpPr>
+        <p:spPr>
+          <a:xfrm>
+            <a:off x="4584700" y="571501"/>
+            <a:ext cx="424615" cy="419100"/>
+          </a:xfrm>
+          <a:prstGeom prst="ellipse">
+            <a:avLst/>
+          </a:prstGeom>
+        </p:spPr>
+        <p:style>
+          <a:lnRef idx="2">
+            <a:schemeClr val="accent6"/>
+          </a:lnRef>
+          <a:fillRef idx="1">
+            <a:schemeClr val="lt1"/>
+          </a:fillRef>
+          <a:effectRef idx="0">
+            <a:schemeClr val="accent6"/>
+          </a:effectRef>
+          <a:fontRef idx="minor">
+            <a:schemeClr val="dk1"/>
+          </a:fontRef>
+        </p:style>
+        <p:txBody>
+          <a:bodyPr rtlCol="0" anchor="ctr"/>
+          <a:lstStyle/>
+          <a:p>
+            <a:pPr algn="ctr"/>
+            <a:endParaRPr lang="en-US"/>
+          </a:p>
+        </p:txBody>
+      </p:sp>
+      <p:sp>
+        <p:nvSpPr>
+          <p:cNvPr id="6" name="Oval 5">
+            <a:extLst>
+              <a:ext uri="{FF2B5EF4-FFF2-40B4-BE49-F238E27FC236}">
+                <a16:creationId xmlns:a16="http://schemas.microsoft.com/office/drawing/2014/main" id="{C34FFDFF-A056-B786-ABF1-A1A3DD26FAC1}"/>
+              </a:ext>
+            </a:extLst>
+          </p:cNvPr>
+          <p:cNvSpPr/>
+          <p:nvPr/>
+        </p:nvSpPr>
+        <p:spPr>
+          <a:xfrm>
+            <a:off x="5295900" y="571501"/>
+            <a:ext cx="424615" cy="419100"/>
+          </a:xfrm>
+          <a:prstGeom prst="ellipse">
+            <a:avLst/>
+          </a:prstGeom>
+          <a:solidFill>
+            <a:schemeClr val="bg1"/>
+          </a:solidFill>
+          <a:ln>
+            <a:solidFill>
+              <a:schemeClr val="accent6"/>
+            </a:solidFill>
+          </a:ln>
+        </p:spPr>
+        <p:style>
+          <a:lnRef idx="2">
+            <a:schemeClr val="dk1">
+              <a:shade val="50000"/>
+            </a:schemeClr>
+          </a:lnRef>
+          <a:fillRef idx="1">
+            <a:schemeClr val="dk1"/>
+          </a:fillRef>
+          <a:effectRef idx="0">
+            <a:schemeClr val="dk1"/>
+          </a:effectRef>
+          <a:fontRef idx="minor">
+            <a:schemeClr val="lt1"/>
+          </a:fontRef>
+        </p:style>
+        <p:txBody>
+          <a:bodyPr rtlCol="0" anchor="ctr"/>
+          <a:lstStyle/>
+          <a:p>
+            <a:pPr algn="ctr"/>
+            <a:endParaRPr lang="en-US"/>
+          </a:p>
+        </p:txBody>
+      </p:sp>
+      <p:sp>
+        <p:nvSpPr>
+          <p:cNvPr id="7" name="Oval 6">
+            <a:extLst>
+              <a:ext uri="{FF2B5EF4-FFF2-40B4-BE49-F238E27FC236}">
+                <a16:creationId xmlns:a16="http://schemas.microsoft.com/office/drawing/2014/main" id="{3E70E1E2-4DCC-C555-B023-C92EBDAE3087}"/>
+              </a:ext>
+            </a:extLst>
+          </p:cNvPr>
+          <p:cNvSpPr/>
+          <p:nvPr/>
+        </p:nvSpPr>
+        <p:spPr>
+          <a:xfrm>
+            <a:off x="6007100" y="571501"/>
+            <a:ext cx="424615" cy="419100"/>
+          </a:xfrm>
+          <a:prstGeom prst="ellipse">
+            <a:avLst/>
+          </a:prstGeom>
+        </p:spPr>
+        <p:style>
+          <a:lnRef idx="2">
+            <a:schemeClr val="accent6"/>
+          </a:lnRef>
+          <a:fillRef idx="1">
+            <a:schemeClr val="lt1"/>
+          </a:fillRef>
+          <a:effectRef idx="0">
+            <a:schemeClr val="accent6"/>
+          </a:effectRef>
+          <a:fontRef idx="minor">
+            <a:schemeClr val="dk1"/>
+          </a:fontRef>
+        </p:style>
+        <p:txBody>
+          <a:bodyPr rtlCol="0" anchor="ctr"/>
+          <a:lstStyle/>
+          <a:p>
+            <a:pPr algn="ctr"/>
+            <a:endParaRPr lang="en-US"/>
+          </a:p>
+        </p:txBody>
+      </p:sp>
+      <p:sp>
+        <p:nvSpPr>
+          <p:cNvPr id="8" name="Oval 7">
+            <a:extLst>
+              <a:ext uri="{FF2B5EF4-FFF2-40B4-BE49-F238E27FC236}">
+                <a16:creationId xmlns:a16="http://schemas.microsoft.com/office/drawing/2014/main" id="{F966F1A3-4877-DD20-E7A9-CCDBD497E19A}"/>
+              </a:ext>
+            </a:extLst>
+          </p:cNvPr>
+          <p:cNvSpPr/>
+          <p:nvPr/>
+        </p:nvSpPr>
+        <p:spPr>
+          <a:xfrm>
+            <a:off x="6718300" y="571501"/>
+            <a:ext cx="424615" cy="419100"/>
+          </a:xfrm>
+          <a:prstGeom prst="ellipse">
+            <a:avLst/>
+          </a:prstGeom>
+        </p:spPr>
+        <p:style>
+          <a:lnRef idx="2">
+            <a:schemeClr val="accent6"/>
+          </a:lnRef>
+          <a:fillRef idx="1">
+            <a:schemeClr val="lt1"/>
+          </a:fillRef>
+          <a:effectRef idx="0">
+            <a:schemeClr val="accent6"/>
+          </a:effectRef>
+          <a:fontRef idx="minor">
+            <a:schemeClr val="dk1"/>
+          </a:fontRef>
+        </p:style>
+        <p:txBody>
+          <a:bodyPr rtlCol="0" anchor="ctr"/>
+          <a:lstStyle/>
+          <a:p>
+            <a:pPr algn="ctr"/>
+            <a:endParaRPr lang="en-US"/>
+          </a:p>
+        </p:txBody>
+      </p:sp>
+      <p:sp>
+        <p:nvSpPr>
+          <p:cNvPr id="9" name="Oval 8">
+            <a:extLst>
+              <a:ext uri="{FF2B5EF4-FFF2-40B4-BE49-F238E27FC236}">
+                <a16:creationId xmlns:a16="http://schemas.microsoft.com/office/drawing/2014/main" id="{C42526ED-4519-F60B-801A-8CE8C5D73D4C}"/>
+              </a:ext>
+            </a:extLst>
+          </p:cNvPr>
+          <p:cNvSpPr/>
+          <p:nvPr/>
+        </p:nvSpPr>
+        <p:spPr>
+          <a:xfrm>
+            <a:off x="7429500" y="571501"/>
+            <a:ext cx="424615" cy="419100"/>
+          </a:xfrm>
+          <a:prstGeom prst="ellipse">
+            <a:avLst/>
+          </a:prstGeom>
+        </p:spPr>
+        <p:style>
+          <a:lnRef idx="2">
+            <a:schemeClr val="accent6"/>
+          </a:lnRef>
+          <a:fillRef idx="1">
+            <a:schemeClr val="lt1"/>
+          </a:fillRef>
+          <a:effectRef idx="0">
+            <a:schemeClr val="accent6"/>
+          </a:effectRef>
+          <a:fontRef idx="minor">
+            <a:schemeClr val="dk1"/>
+          </a:fontRef>
+        </p:style>
+        <p:txBody>
+          <a:bodyPr rtlCol="0" anchor="ctr"/>
+          <a:lstStyle/>
+          <a:p>
+            <a:pPr algn="ctr"/>
+            <a:endParaRPr lang="en-US"/>
+          </a:p>
+        </p:txBody>
+      </p:sp>
+      <p:sp>
+        <p:nvSpPr>
+          <p:cNvPr id="10" name="Oval 9">
+            <a:extLst>
+              <a:ext uri="{FF2B5EF4-FFF2-40B4-BE49-F238E27FC236}">
+                <a16:creationId xmlns:a16="http://schemas.microsoft.com/office/drawing/2014/main" id="{D1F9359A-74E5-23E9-B9BA-10C1AF29586B}"/>
+              </a:ext>
+            </a:extLst>
+          </p:cNvPr>
+          <p:cNvSpPr/>
+          <p:nvPr/>
+        </p:nvSpPr>
+        <p:spPr>
+          <a:xfrm>
+            <a:off x="3162300" y="571501"/>
+            <a:ext cx="424615" cy="419100"/>
+          </a:xfrm>
+          <a:prstGeom prst="ellipse">
+            <a:avLst/>
+          </a:prstGeom>
+        </p:spPr>
+        <p:style>
+          <a:lnRef idx="2">
+            <a:schemeClr val="accent6"/>
+          </a:lnRef>
+          <a:fillRef idx="1">
+            <a:schemeClr val="lt1"/>
+          </a:fillRef>
+          <a:effectRef idx="0">
+            <a:schemeClr val="accent6"/>
+          </a:effectRef>
+          <a:fontRef idx="minor">
+            <a:schemeClr val="dk1"/>
+          </a:fontRef>
+        </p:style>
+        <p:txBody>
+          <a:bodyPr rtlCol="0" anchor="ctr"/>
+          <a:lstStyle/>
+          <a:p>
+            <a:pPr algn="ctr"/>
+            <a:endParaRPr lang="en-US"/>
+          </a:p>
+        </p:txBody>
+      </p:sp>
+      <p:sp>
+        <p:nvSpPr>
+          <p:cNvPr id="11" name="Oval 10">
+            <a:extLst>
+              <a:ext uri="{FF2B5EF4-FFF2-40B4-BE49-F238E27FC236}">
+                <a16:creationId xmlns:a16="http://schemas.microsoft.com/office/drawing/2014/main" id="{E1740174-1AE7-F204-B256-78A5F2F629B8}"/>
+              </a:ext>
+            </a:extLst>
+          </p:cNvPr>
+          <p:cNvSpPr/>
+          <p:nvPr/>
+        </p:nvSpPr>
+        <p:spPr>
+          <a:xfrm>
+            <a:off x="8140700" y="571501"/>
+            <a:ext cx="424615" cy="419100"/>
+          </a:xfrm>
+          <a:prstGeom prst="ellipse">
+            <a:avLst/>
+          </a:prstGeom>
+          <a:solidFill>
+            <a:schemeClr val="tx1"/>
+          </a:solidFill>
+        </p:spPr>
+        <p:style>
+          <a:lnRef idx="2">
+            <a:schemeClr val="accent6"/>
+          </a:lnRef>
+          <a:fillRef idx="1">
+            <a:schemeClr val="lt1"/>
+          </a:fillRef>
+          <a:effectRef idx="0">
+            <a:schemeClr val="accent6"/>
+          </a:effectRef>
+          <a:fontRef idx="minor">
+            <a:schemeClr val="dk1"/>
+          </a:fontRef>
+        </p:style>
+        <p:txBody>
+          <a:bodyPr rtlCol="0" anchor="ctr"/>
+          <a:lstStyle/>
+          <a:p>
+            <a:pPr algn="ctr"/>
+            <a:endParaRPr lang="en-US"/>
+          </a:p>
+        </p:txBody>
+      </p:sp>
+      <p:sp>
+        <p:nvSpPr>
+          <p:cNvPr id="12" name="Oval 11">
+            <a:extLst>
+              <a:ext uri="{FF2B5EF4-FFF2-40B4-BE49-F238E27FC236}">
+                <a16:creationId xmlns:a16="http://schemas.microsoft.com/office/drawing/2014/main" id="{9A2F4E9C-398B-7C4A-95BF-8A651FC2AF5A}"/>
+              </a:ext>
+            </a:extLst>
+          </p:cNvPr>
+          <p:cNvSpPr/>
+          <p:nvPr/>
+        </p:nvSpPr>
+        <p:spPr>
+          <a:xfrm>
+            <a:off x="3962400" y="5740399"/>
+            <a:ext cx="424615" cy="419100"/>
+          </a:xfrm>
+          <a:prstGeom prst="ellipse">
+            <a:avLst/>
+          </a:prstGeom>
+        </p:spPr>
+        <p:style>
+          <a:lnRef idx="2">
+            <a:schemeClr val="accent6"/>
+          </a:lnRef>
+          <a:fillRef idx="1">
+            <a:schemeClr val="lt1"/>
+          </a:fillRef>
+          <a:effectRef idx="0">
+            <a:schemeClr val="accent6"/>
+          </a:effectRef>
+          <a:fontRef idx="minor">
+            <a:schemeClr val="dk1"/>
+          </a:fontRef>
+        </p:style>
+        <p:txBody>
+          <a:bodyPr rtlCol="0" anchor="ctr"/>
+          <a:lstStyle/>
+          <a:p>
+            <a:pPr algn="ctr"/>
+            <a:endParaRPr lang="en-US"/>
+          </a:p>
+        </p:txBody>
+      </p:sp>
+      <p:sp>
+        <p:nvSpPr>
+          <p:cNvPr id="13" name="Oval 12">
+            <a:extLst>
+              <a:ext uri="{FF2B5EF4-FFF2-40B4-BE49-F238E27FC236}">
+                <a16:creationId xmlns:a16="http://schemas.microsoft.com/office/drawing/2014/main" id="{475FD3CE-617C-C870-60FC-51AC9FC8F149}"/>
+              </a:ext>
+            </a:extLst>
+          </p:cNvPr>
+          <p:cNvSpPr/>
+          <p:nvPr/>
+        </p:nvSpPr>
+        <p:spPr>
+          <a:xfrm>
+            <a:off x="4673600" y="5740399"/>
+            <a:ext cx="424615" cy="419100"/>
+          </a:xfrm>
+          <a:prstGeom prst="ellipse">
+            <a:avLst/>
+          </a:prstGeom>
+          <a:solidFill>
+            <a:schemeClr val="tx1"/>
+          </a:solidFill>
+        </p:spPr>
+        <p:style>
+          <a:lnRef idx="2">
+            <a:schemeClr val="accent6"/>
+          </a:lnRef>
+          <a:fillRef idx="1">
+            <a:schemeClr val="lt1"/>
+          </a:fillRef>
+          <a:effectRef idx="0">
+            <a:schemeClr val="accent6"/>
+          </a:effectRef>
+          <a:fontRef idx="minor">
+            <a:schemeClr val="dk1"/>
+          </a:fontRef>
+        </p:style>
+        <p:txBody>
+          <a:bodyPr rtlCol="0" anchor="ctr"/>
+          <a:lstStyle/>
+          <a:p>
+            <a:pPr algn="ctr"/>
+            <a:endParaRPr lang="en-US"/>
+          </a:p>
+        </p:txBody>
+      </p:sp>
+      <p:sp>
+        <p:nvSpPr>
+          <p:cNvPr id="14" name="Oval 13">
+            <a:extLst>
+              <a:ext uri="{FF2B5EF4-FFF2-40B4-BE49-F238E27FC236}">
+                <a16:creationId xmlns:a16="http://schemas.microsoft.com/office/drawing/2014/main" id="{2D04A23F-B15E-3A5F-1586-198A51B45B9F}"/>
+              </a:ext>
+            </a:extLst>
+          </p:cNvPr>
+          <p:cNvSpPr/>
+          <p:nvPr/>
+        </p:nvSpPr>
+        <p:spPr>
+          <a:xfrm>
+            <a:off x="5384800" y="5740399"/>
+            <a:ext cx="424615" cy="419100"/>
+          </a:xfrm>
+          <a:prstGeom prst="ellipse">
+            <a:avLst/>
+          </a:prstGeom>
+          <a:solidFill>
+            <a:schemeClr val="bg1"/>
+          </a:solidFill>
+        </p:spPr>
+        <p:style>
+          <a:lnRef idx="2">
+            <a:schemeClr val="accent6"/>
+          </a:lnRef>
+          <a:fillRef idx="1">
+            <a:schemeClr val="lt1"/>
+          </a:fillRef>
+          <a:effectRef idx="0">
+            <a:schemeClr val="accent6"/>
+          </a:effectRef>
+          <a:fontRef idx="minor">
+            <a:schemeClr val="dk1"/>
+          </a:fontRef>
+        </p:style>
+        <p:txBody>
+          <a:bodyPr rtlCol="0" anchor="ctr"/>
+          <a:lstStyle/>
+          <a:p>
+            <a:pPr algn="ctr"/>
+            <a:endParaRPr lang="en-US"/>
+          </a:p>
+        </p:txBody>
+      </p:sp>
+      <p:sp>
+        <p:nvSpPr>
+          <p:cNvPr id="15" name="Oval 14">
+            <a:extLst>
+              <a:ext uri="{FF2B5EF4-FFF2-40B4-BE49-F238E27FC236}">
+                <a16:creationId xmlns:a16="http://schemas.microsoft.com/office/drawing/2014/main" id="{6988D7B2-310F-7D39-5F64-7C6F57EBE55C}"/>
+              </a:ext>
+            </a:extLst>
+          </p:cNvPr>
+          <p:cNvSpPr/>
+          <p:nvPr/>
+        </p:nvSpPr>
+        <p:spPr>
+          <a:xfrm>
+            <a:off x="6096000" y="5740399"/>
+            <a:ext cx="424615" cy="419100"/>
+          </a:xfrm>
+          <a:prstGeom prst="ellipse">
+            <a:avLst/>
+          </a:prstGeom>
+          <a:solidFill>
+            <a:schemeClr val="tx1"/>
+          </a:solidFill>
+        </p:spPr>
+        <p:style>
+          <a:lnRef idx="2">
+            <a:schemeClr val="accent6"/>
+          </a:lnRef>
+          <a:fillRef idx="1">
+            <a:schemeClr val="lt1"/>
+          </a:fillRef>
+          <a:effectRef idx="0">
+            <a:schemeClr val="accent6"/>
+          </a:effectRef>
+          <a:fontRef idx="minor">
+            <a:schemeClr val="dk1"/>
+          </a:fontRef>
+        </p:style>
+        <p:txBody>
+          <a:bodyPr rtlCol="0" anchor="ctr"/>
+          <a:lstStyle/>
+          <a:p>
+            <a:pPr algn="ctr"/>
+            <a:endParaRPr lang="en-US"/>
+          </a:p>
+        </p:txBody>
+      </p:sp>
+      <p:sp>
+        <p:nvSpPr>
+          <p:cNvPr id="16" name="Oval 15">
+            <a:extLst>
+              <a:ext uri="{FF2B5EF4-FFF2-40B4-BE49-F238E27FC236}">
+                <a16:creationId xmlns:a16="http://schemas.microsoft.com/office/drawing/2014/main" id="{DFE57E28-D59C-A643-A976-E0FA239BF14C}"/>
+              </a:ext>
+            </a:extLst>
+          </p:cNvPr>
+          <p:cNvSpPr/>
+          <p:nvPr/>
+        </p:nvSpPr>
+        <p:spPr>
+          <a:xfrm>
+            <a:off x="6807200" y="5740399"/>
+            <a:ext cx="424615" cy="419100"/>
+          </a:xfrm>
+          <a:prstGeom prst="ellipse">
+            <a:avLst/>
+          </a:prstGeom>
+        </p:spPr>
+        <p:style>
+          <a:lnRef idx="2">
+            <a:schemeClr val="accent6"/>
+          </a:lnRef>
+          <a:fillRef idx="1">
+            <a:schemeClr val="lt1"/>
+          </a:fillRef>
+          <a:effectRef idx="0">
+            <a:schemeClr val="accent6"/>
+          </a:effectRef>
+          <a:fontRef idx="minor">
+            <a:schemeClr val="dk1"/>
+          </a:fontRef>
+        </p:style>
+        <p:txBody>
+          <a:bodyPr rtlCol="0" anchor="ctr"/>
+          <a:lstStyle/>
+          <a:p>
+            <a:pPr algn="ctr"/>
+            <a:endParaRPr lang="en-US"/>
+          </a:p>
+        </p:txBody>
+      </p:sp>
+      <p:sp>
+        <p:nvSpPr>
+          <p:cNvPr id="17" name="Oval 16">
+            <a:extLst>
+              <a:ext uri="{FF2B5EF4-FFF2-40B4-BE49-F238E27FC236}">
+                <a16:creationId xmlns:a16="http://schemas.microsoft.com/office/drawing/2014/main" id="{3F1E745C-9544-9034-EB3E-051199A7B9E1}"/>
+              </a:ext>
+            </a:extLst>
+          </p:cNvPr>
+          <p:cNvSpPr/>
+          <p:nvPr/>
+        </p:nvSpPr>
+        <p:spPr>
+          <a:xfrm>
+            <a:off x="7518400" y="5740399"/>
+            <a:ext cx="424615" cy="419100"/>
+          </a:xfrm>
+          <a:prstGeom prst="ellipse">
+            <a:avLst/>
+          </a:prstGeom>
+        </p:spPr>
+        <p:style>
+          <a:lnRef idx="2">
+            <a:schemeClr val="accent6"/>
+          </a:lnRef>
+          <a:fillRef idx="1">
+            <a:schemeClr val="lt1"/>
+          </a:fillRef>
+          <a:effectRef idx="0">
+            <a:schemeClr val="accent6"/>
+          </a:effectRef>
+          <a:fontRef idx="minor">
+            <a:schemeClr val="dk1"/>
+          </a:fontRef>
+        </p:style>
+        <p:txBody>
+          <a:bodyPr rtlCol="0" anchor="ctr"/>
+          <a:lstStyle/>
+          <a:p>
+            <a:pPr algn="ctr"/>
+            <a:endParaRPr lang="en-US"/>
+          </a:p>
+        </p:txBody>
+      </p:sp>
+      <p:sp>
+        <p:nvSpPr>
+          <p:cNvPr id="18" name="Oval 17">
+            <a:extLst>
+              <a:ext uri="{FF2B5EF4-FFF2-40B4-BE49-F238E27FC236}">
+                <a16:creationId xmlns:a16="http://schemas.microsoft.com/office/drawing/2014/main" id="{7A5641C5-D16E-A198-340B-C603EF16F1EE}"/>
+              </a:ext>
+            </a:extLst>
+          </p:cNvPr>
+          <p:cNvSpPr/>
+          <p:nvPr/>
+        </p:nvSpPr>
+        <p:spPr>
+          <a:xfrm>
+            <a:off x="3251200" y="5740399"/>
+            <a:ext cx="424615" cy="419100"/>
+          </a:xfrm>
+          <a:prstGeom prst="ellipse">
+            <a:avLst/>
+          </a:prstGeom>
+        </p:spPr>
+        <p:style>
+          <a:lnRef idx="2">
+            <a:schemeClr val="accent6"/>
+          </a:lnRef>
+          <a:fillRef idx="1">
+            <a:schemeClr val="lt1"/>
+          </a:fillRef>
+          <a:effectRef idx="0">
+            <a:schemeClr val="accent6"/>
+          </a:effectRef>
+          <a:fontRef idx="minor">
+            <a:schemeClr val="dk1"/>
+          </a:fontRef>
+        </p:style>
+        <p:txBody>
+          <a:bodyPr rtlCol="0" anchor="ctr"/>
+          <a:lstStyle/>
+          <a:p>
+            <a:pPr algn="ctr"/>
+            <a:endParaRPr lang="en-US"/>
+          </a:p>
+        </p:txBody>
+      </p:sp>
+      <p:sp>
+        <p:nvSpPr>
+          <p:cNvPr id="19" name="Oval 18">
+            <a:extLst>
+              <a:ext uri="{FF2B5EF4-FFF2-40B4-BE49-F238E27FC236}">
+                <a16:creationId xmlns:a16="http://schemas.microsoft.com/office/drawing/2014/main" id="{44B4C1E2-D9CC-0498-864B-CED86C158CCA}"/>
+              </a:ext>
+            </a:extLst>
+          </p:cNvPr>
+          <p:cNvSpPr/>
+          <p:nvPr/>
+        </p:nvSpPr>
+        <p:spPr>
+          <a:xfrm>
+            <a:off x="8229600" y="5740399"/>
+            <a:ext cx="424615" cy="419100"/>
+          </a:xfrm>
+          <a:prstGeom prst="ellipse">
+            <a:avLst/>
+          </a:prstGeom>
+          <a:solidFill>
+            <a:schemeClr val="bg1"/>
+          </a:solidFill>
+        </p:spPr>
+        <p:style>
+          <a:lnRef idx="2">
+            <a:schemeClr val="accent6"/>
+          </a:lnRef>
+          <a:fillRef idx="1">
+            <a:schemeClr val="lt1"/>
+          </a:fillRef>
+          <a:effectRef idx="0">
+            <a:schemeClr val="accent6"/>
+          </a:effectRef>
+          <a:fontRef idx="minor">
+            <a:schemeClr val="dk1"/>
+          </a:fontRef>
+        </p:style>
+        <p:txBody>
+          <a:bodyPr rtlCol="0" anchor="ctr"/>
+          <a:lstStyle/>
+          <a:p>
+            <a:pPr algn="ctr"/>
+            <a:endParaRPr lang="en-US"/>
+          </a:p>
+        </p:txBody>
+      </p:sp>
+      <p:grpSp>
+        <p:nvGrpSpPr>
+          <p:cNvPr id="36" name="Group 35">
+            <a:extLst>
+              <a:ext uri="{FF2B5EF4-FFF2-40B4-BE49-F238E27FC236}">
+                <a16:creationId xmlns:a16="http://schemas.microsoft.com/office/drawing/2014/main" id="{5760467C-D559-B545-7074-33768C0C3FC6}"/>
+              </a:ext>
+            </a:extLst>
+          </p:cNvPr>
+          <p:cNvGrpSpPr/>
+          <p:nvPr/>
+        </p:nvGrpSpPr>
+        <p:grpSpPr>
+          <a:xfrm rot="5400000">
+            <a:off x="380794" y="3447865"/>
+            <a:ext cx="4110218" cy="322350"/>
+            <a:chOff x="1745415" y="2121182"/>
+            <a:chExt cx="5477863" cy="431519"/>
+          </a:xfrm>
+        </p:grpSpPr>
+        <p:sp>
+          <p:nvSpPr>
+            <p:cNvPr id="28" name="Oval 27">
+              <a:extLst>
+                <a:ext uri="{FF2B5EF4-FFF2-40B4-BE49-F238E27FC236}">
+                  <a16:creationId xmlns:a16="http://schemas.microsoft.com/office/drawing/2014/main" id="{7A74ECBD-88F6-755E-6976-8A3651700ABA}"/>
+                </a:ext>
+              </a:extLst>
+            </p:cNvPr>
+            <p:cNvSpPr/>
+            <p:nvPr/>
+          </p:nvSpPr>
+          <p:spPr>
+            <a:xfrm>
+              <a:off x="1745415" y="2133601"/>
+              <a:ext cx="424615" cy="419100"/>
+            </a:xfrm>
+            <a:prstGeom prst="ellipse">
+              <a:avLst/>
+            </a:prstGeom>
+          </p:spPr>
+          <p:style>
+            <a:lnRef idx="2">
+              <a:schemeClr val="accent6"/>
+            </a:lnRef>
+            <a:fillRef idx="1">
+              <a:schemeClr val="lt1"/>
+            </a:fillRef>
+            <a:effectRef idx="0">
+              <a:schemeClr val="accent6"/>
+            </a:effectRef>
+            <a:fontRef idx="minor">
+              <a:schemeClr val="dk1"/>
+            </a:fontRef>
+          </p:style>
+          <p:txBody>
+            <a:bodyPr rtlCol="0" anchor="ctr"/>
+            <a:lstStyle/>
+            <a:p>
+              <a:pPr algn="ctr"/>
+              <a:endParaRPr lang="en-US"/>
+            </a:p>
+          </p:txBody>
+        </p:sp>
+        <p:sp>
+          <p:nvSpPr>
+            <p:cNvPr id="29" name="Oval 28">
+              <a:extLst>
+                <a:ext uri="{FF2B5EF4-FFF2-40B4-BE49-F238E27FC236}">
+                  <a16:creationId xmlns:a16="http://schemas.microsoft.com/office/drawing/2014/main" id="{707622B6-CEFA-3DA2-22B0-8700F7477BCF}"/>
+                </a:ext>
+              </a:extLst>
+            </p:cNvPr>
+            <p:cNvSpPr/>
+            <p:nvPr/>
+          </p:nvSpPr>
+          <p:spPr>
+            <a:xfrm>
+              <a:off x="2456615" y="2133601"/>
+              <a:ext cx="424615" cy="419100"/>
+            </a:xfrm>
+            <a:prstGeom prst="ellipse">
+              <a:avLst/>
+            </a:prstGeom>
+          </p:spPr>
+          <p:style>
+            <a:lnRef idx="2">
+              <a:schemeClr val="accent6"/>
+            </a:lnRef>
+            <a:fillRef idx="1">
+              <a:schemeClr val="lt1"/>
+            </a:fillRef>
+            <a:effectRef idx="0">
+              <a:schemeClr val="accent6"/>
+            </a:effectRef>
+            <a:fontRef idx="minor">
+              <a:schemeClr val="dk1"/>
+            </a:fontRef>
+          </p:style>
+          <p:txBody>
+            <a:bodyPr rtlCol="0" anchor="ctr"/>
+            <a:lstStyle/>
+            <a:p>
+              <a:pPr algn="ctr"/>
+              <a:endParaRPr lang="en-US"/>
+            </a:p>
+          </p:txBody>
+        </p:sp>
+        <p:sp>
+          <p:nvSpPr>
+            <p:cNvPr id="30" name="Oval 29">
+              <a:extLst>
+                <a:ext uri="{FF2B5EF4-FFF2-40B4-BE49-F238E27FC236}">
+                  <a16:creationId xmlns:a16="http://schemas.microsoft.com/office/drawing/2014/main" id="{A74B2BDF-84BB-D8D8-6D99-4D7376F5B348}"/>
+                </a:ext>
+              </a:extLst>
+            </p:cNvPr>
+            <p:cNvSpPr/>
+            <p:nvPr/>
+          </p:nvSpPr>
+          <p:spPr>
+            <a:xfrm>
+              <a:off x="3167815" y="2133601"/>
+              <a:ext cx="424615" cy="419100"/>
+            </a:xfrm>
+            <a:prstGeom prst="ellipse">
+              <a:avLst/>
+            </a:prstGeom>
+          </p:spPr>
+          <p:style>
+            <a:lnRef idx="2">
+              <a:schemeClr val="accent6"/>
+            </a:lnRef>
+            <a:fillRef idx="1">
+              <a:schemeClr val="lt1"/>
+            </a:fillRef>
+            <a:effectRef idx="0">
+              <a:schemeClr val="accent6"/>
+            </a:effectRef>
+            <a:fontRef idx="minor">
+              <a:schemeClr val="dk1"/>
+            </a:fontRef>
+          </p:style>
+          <p:txBody>
+            <a:bodyPr rtlCol="0" anchor="ctr"/>
+            <a:lstStyle/>
+            <a:p>
+              <a:pPr algn="ctr"/>
+              <a:endParaRPr lang="en-US"/>
+            </a:p>
+          </p:txBody>
+        </p:sp>
+        <p:sp>
+          <p:nvSpPr>
+            <p:cNvPr id="31" name="Oval 30">
+              <a:extLst>
+                <a:ext uri="{FF2B5EF4-FFF2-40B4-BE49-F238E27FC236}">
+                  <a16:creationId xmlns:a16="http://schemas.microsoft.com/office/drawing/2014/main" id="{6C057761-3660-06BB-E389-0E399DCF2A1A}"/>
+                </a:ext>
+              </a:extLst>
+            </p:cNvPr>
+            <p:cNvSpPr/>
+            <p:nvPr/>
+          </p:nvSpPr>
+          <p:spPr>
+            <a:xfrm>
+              <a:off x="3879015" y="2133601"/>
+              <a:ext cx="424615" cy="419100"/>
+            </a:xfrm>
+            <a:prstGeom prst="ellipse">
+              <a:avLst/>
+            </a:prstGeom>
+          </p:spPr>
+          <p:style>
+            <a:lnRef idx="2">
+              <a:schemeClr val="accent6"/>
+            </a:lnRef>
+            <a:fillRef idx="1">
+              <a:schemeClr val="lt1"/>
+            </a:fillRef>
+            <a:effectRef idx="0">
+              <a:schemeClr val="accent6"/>
+            </a:effectRef>
+            <a:fontRef idx="minor">
+              <a:schemeClr val="dk1"/>
+            </a:fontRef>
+          </p:style>
+          <p:txBody>
+            <a:bodyPr rtlCol="0" anchor="ctr"/>
+            <a:lstStyle/>
+            <a:p>
+              <a:pPr algn="ctr"/>
+              <a:endParaRPr lang="en-US"/>
+            </a:p>
+          </p:txBody>
+        </p:sp>
+        <p:sp>
+          <p:nvSpPr>
+            <p:cNvPr id="32" name="Oval 31">
+              <a:extLst>
+                <a:ext uri="{FF2B5EF4-FFF2-40B4-BE49-F238E27FC236}">
+                  <a16:creationId xmlns:a16="http://schemas.microsoft.com/office/drawing/2014/main" id="{6D150CBF-C35E-3C71-FB2C-F17F8C63AFE1}"/>
+                </a:ext>
+              </a:extLst>
+            </p:cNvPr>
+            <p:cNvSpPr/>
+            <p:nvPr/>
+          </p:nvSpPr>
+          <p:spPr>
+            <a:xfrm>
+              <a:off x="4590215" y="2133601"/>
+              <a:ext cx="424615" cy="419100"/>
+            </a:xfrm>
+            <a:prstGeom prst="ellipse">
+              <a:avLst/>
+            </a:prstGeom>
+          </p:spPr>
+          <p:style>
+            <a:lnRef idx="2">
+              <a:schemeClr val="accent6"/>
+            </a:lnRef>
+            <a:fillRef idx="1">
+              <a:schemeClr val="lt1"/>
+            </a:fillRef>
+            <a:effectRef idx="0">
+              <a:schemeClr val="accent6"/>
+            </a:effectRef>
+            <a:fontRef idx="minor">
+              <a:schemeClr val="dk1"/>
+            </a:fontRef>
+          </p:style>
+          <p:txBody>
+            <a:bodyPr rtlCol="0" anchor="ctr"/>
+            <a:lstStyle/>
+            <a:p>
+              <a:pPr algn="ctr"/>
+              <a:endParaRPr lang="en-US"/>
+            </a:p>
+          </p:txBody>
+        </p:sp>
+        <p:sp>
+          <p:nvSpPr>
+            <p:cNvPr id="33" name="Oval 32">
+              <a:extLst>
+                <a:ext uri="{FF2B5EF4-FFF2-40B4-BE49-F238E27FC236}">
+                  <a16:creationId xmlns:a16="http://schemas.microsoft.com/office/drawing/2014/main" id="{639C472E-A3C0-86FE-0C05-89E16950CAB7}"/>
+                </a:ext>
+              </a:extLst>
+            </p:cNvPr>
+            <p:cNvSpPr/>
+            <p:nvPr/>
+          </p:nvSpPr>
+          <p:spPr>
+            <a:xfrm>
+              <a:off x="5301415" y="2133601"/>
+              <a:ext cx="424615" cy="419100"/>
+            </a:xfrm>
+            <a:prstGeom prst="ellipse">
+              <a:avLst/>
+            </a:prstGeom>
+          </p:spPr>
+          <p:style>
+            <a:lnRef idx="2">
+              <a:schemeClr val="accent6"/>
+            </a:lnRef>
+            <a:fillRef idx="1">
+              <a:schemeClr val="lt1"/>
+            </a:fillRef>
+            <a:effectRef idx="0">
+              <a:schemeClr val="accent6"/>
+            </a:effectRef>
+            <a:fontRef idx="minor">
+              <a:schemeClr val="dk1"/>
+            </a:fontRef>
+          </p:style>
+          <p:txBody>
+            <a:bodyPr rtlCol="0" anchor="ctr"/>
+            <a:lstStyle/>
+            <a:p>
+              <a:pPr algn="ctr"/>
+              <a:endParaRPr lang="en-US"/>
+            </a:p>
+          </p:txBody>
+        </p:sp>
+        <p:sp>
+          <p:nvSpPr>
+            <p:cNvPr id="34" name="Oval 33">
+              <a:extLst>
+                <a:ext uri="{FF2B5EF4-FFF2-40B4-BE49-F238E27FC236}">
+                  <a16:creationId xmlns:a16="http://schemas.microsoft.com/office/drawing/2014/main" id="{D65CC981-5A13-BA7A-A498-000EBCC09DB4}"/>
+                </a:ext>
+              </a:extLst>
+            </p:cNvPr>
+            <p:cNvSpPr/>
+            <p:nvPr/>
+          </p:nvSpPr>
+          <p:spPr>
+            <a:xfrm>
+              <a:off x="6798664" y="2121182"/>
+              <a:ext cx="424614" cy="419100"/>
+            </a:xfrm>
+            <a:prstGeom prst="ellipse">
+              <a:avLst/>
+            </a:prstGeom>
+            <a:solidFill>
+              <a:schemeClr val="tx1"/>
+            </a:solidFill>
+            <a:ln>
+              <a:solidFill>
+                <a:schemeClr val="accent6"/>
+              </a:solidFill>
+            </a:ln>
+          </p:spPr>
+          <p:style>
+            <a:lnRef idx="2">
+              <a:schemeClr val="accent6"/>
+            </a:lnRef>
+            <a:fillRef idx="1">
+              <a:schemeClr val="lt1"/>
+            </a:fillRef>
+            <a:effectRef idx="0">
+              <a:schemeClr val="accent6"/>
+            </a:effectRef>
+            <a:fontRef idx="minor">
+              <a:schemeClr val="dk1"/>
+            </a:fontRef>
+          </p:style>
+          <p:txBody>
+            <a:bodyPr rtlCol="0" anchor="ctr"/>
+            <a:lstStyle/>
+            <a:p>
+              <a:pPr algn="ctr"/>
+              <a:endParaRPr lang="en-US" dirty="0"/>
+            </a:p>
+          </p:txBody>
+        </p:sp>
+        <p:sp>
+          <p:nvSpPr>
+            <p:cNvPr id="35" name="Oval 34">
+              <a:extLst>
+                <a:ext uri="{FF2B5EF4-FFF2-40B4-BE49-F238E27FC236}">
+                  <a16:creationId xmlns:a16="http://schemas.microsoft.com/office/drawing/2014/main" id="{B762D3C5-E6B4-B8CB-1610-492CF430F324}"/>
+                </a:ext>
+              </a:extLst>
+            </p:cNvPr>
+            <p:cNvSpPr/>
+            <p:nvPr/>
+          </p:nvSpPr>
+          <p:spPr>
+            <a:xfrm>
+              <a:off x="6012615" y="2133601"/>
+              <a:ext cx="424615" cy="419100"/>
+            </a:xfrm>
+            <a:prstGeom prst="ellipse">
+              <a:avLst/>
+            </a:prstGeom>
+            <a:noFill/>
+          </p:spPr>
+          <p:style>
+            <a:lnRef idx="2">
+              <a:schemeClr val="accent6"/>
+            </a:lnRef>
+            <a:fillRef idx="1">
+              <a:schemeClr val="lt1"/>
+            </a:fillRef>
+            <a:effectRef idx="0">
+              <a:schemeClr val="accent6"/>
+            </a:effectRef>
+            <a:fontRef idx="minor">
+              <a:schemeClr val="dk1"/>
+            </a:fontRef>
+          </p:style>
+          <p:txBody>
+            <a:bodyPr rtlCol="0" anchor="ctr"/>
+            <a:lstStyle/>
+            <a:p>
+              <a:pPr algn="ctr"/>
+              <a:endParaRPr lang="en-US"/>
+            </a:p>
+          </p:txBody>
+        </p:sp>
+      </p:grpSp>
+      <p:grpSp>
+        <p:nvGrpSpPr>
+          <p:cNvPr id="37" name="Group 36">
+            <a:extLst>
+              <a:ext uri="{FF2B5EF4-FFF2-40B4-BE49-F238E27FC236}">
+                <a16:creationId xmlns:a16="http://schemas.microsoft.com/office/drawing/2014/main" id="{AF9BEA1A-2D9B-19FF-50DA-A93A2A095E4E}"/>
+              </a:ext>
+            </a:extLst>
+          </p:cNvPr>
+          <p:cNvGrpSpPr/>
+          <p:nvPr/>
+        </p:nvGrpSpPr>
+        <p:grpSpPr>
+          <a:xfrm rot="5400000">
+            <a:off x="7235407" y="3218493"/>
+            <a:ext cx="4054057" cy="313073"/>
+            <a:chOff x="1034215" y="2133601"/>
+            <a:chExt cx="5403015" cy="419100"/>
+          </a:xfrm>
+        </p:grpSpPr>
+        <p:sp>
+          <p:nvSpPr>
+            <p:cNvPr id="38" name="Oval 37">
+              <a:extLst>
+                <a:ext uri="{FF2B5EF4-FFF2-40B4-BE49-F238E27FC236}">
+                  <a16:creationId xmlns:a16="http://schemas.microsoft.com/office/drawing/2014/main" id="{C473BAC1-031E-C750-CF77-DB8D4DC4C79C}"/>
+                </a:ext>
+              </a:extLst>
+            </p:cNvPr>
+            <p:cNvSpPr/>
+            <p:nvPr/>
+          </p:nvSpPr>
+          <p:spPr>
+            <a:xfrm>
+              <a:off x="1745415" y="2133601"/>
+              <a:ext cx="424615" cy="419100"/>
+            </a:xfrm>
+            <a:prstGeom prst="ellipse">
+              <a:avLst/>
+            </a:prstGeom>
+          </p:spPr>
+          <p:style>
+            <a:lnRef idx="2">
+              <a:schemeClr val="accent6"/>
+            </a:lnRef>
+            <a:fillRef idx="1">
+              <a:schemeClr val="lt1"/>
+            </a:fillRef>
+            <a:effectRef idx="0">
+              <a:schemeClr val="accent6"/>
+            </a:effectRef>
+            <a:fontRef idx="minor">
+              <a:schemeClr val="dk1"/>
+            </a:fontRef>
+          </p:style>
+          <p:txBody>
+            <a:bodyPr rtlCol="0" anchor="ctr"/>
+            <a:lstStyle/>
+            <a:p>
+              <a:pPr algn="ctr"/>
+              <a:endParaRPr lang="en-US"/>
+            </a:p>
+          </p:txBody>
+        </p:sp>
+        <p:sp>
+          <p:nvSpPr>
+            <p:cNvPr id="39" name="Oval 38">
+              <a:extLst>
+                <a:ext uri="{FF2B5EF4-FFF2-40B4-BE49-F238E27FC236}">
+                  <a16:creationId xmlns:a16="http://schemas.microsoft.com/office/drawing/2014/main" id="{60ABCA4B-08EE-A96C-AE34-261CCCEEC901}"/>
+                </a:ext>
+              </a:extLst>
+            </p:cNvPr>
+            <p:cNvSpPr/>
+            <p:nvPr/>
+          </p:nvSpPr>
+          <p:spPr>
+            <a:xfrm>
+              <a:off x="2456615" y="2133601"/>
+              <a:ext cx="424615" cy="419100"/>
+            </a:xfrm>
+            <a:prstGeom prst="ellipse">
+              <a:avLst/>
+            </a:prstGeom>
+          </p:spPr>
+          <p:style>
+            <a:lnRef idx="2">
+              <a:schemeClr val="accent6"/>
+            </a:lnRef>
+            <a:fillRef idx="1">
+              <a:schemeClr val="lt1"/>
+            </a:fillRef>
+            <a:effectRef idx="0">
+              <a:schemeClr val="accent6"/>
+            </a:effectRef>
+            <a:fontRef idx="minor">
+              <a:schemeClr val="dk1"/>
+            </a:fontRef>
+          </p:style>
+          <p:txBody>
+            <a:bodyPr rtlCol="0" anchor="ctr"/>
+            <a:lstStyle/>
+            <a:p>
+              <a:pPr algn="ctr"/>
+              <a:endParaRPr lang="en-US"/>
+            </a:p>
+          </p:txBody>
+        </p:sp>
+        <p:sp>
+          <p:nvSpPr>
+            <p:cNvPr id="40" name="Oval 39">
+              <a:extLst>
+                <a:ext uri="{FF2B5EF4-FFF2-40B4-BE49-F238E27FC236}">
+                  <a16:creationId xmlns:a16="http://schemas.microsoft.com/office/drawing/2014/main" id="{3511F79F-6FCC-5ABE-5623-56F8EDD86FE4}"/>
+                </a:ext>
+              </a:extLst>
+            </p:cNvPr>
+            <p:cNvSpPr/>
+            <p:nvPr/>
+          </p:nvSpPr>
+          <p:spPr>
+            <a:xfrm>
+              <a:off x="3167815" y="2133601"/>
+              <a:ext cx="424615" cy="419100"/>
+            </a:xfrm>
+            <a:prstGeom prst="ellipse">
+              <a:avLst/>
+            </a:prstGeom>
+          </p:spPr>
+          <p:style>
+            <a:lnRef idx="2">
+              <a:schemeClr val="accent6"/>
+            </a:lnRef>
+            <a:fillRef idx="1">
+              <a:schemeClr val="lt1"/>
+            </a:fillRef>
+            <a:effectRef idx="0">
+              <a:schemeClr val="accent6"/>
+            </a:effectRef>
+            <a:fontRef idx="minor">
+              <a:schemeClr val="dk1"/>
+            </a:fontRef>
+          </p:style>
+          <p:txBody>
+            <a:bodyPr rtlCol="0" anchor="ctr"/>
+            <a:lstStyle/>
+            <a:p>
+              <a:pPr algn="ctr"/>
+              <a:endParaRPr lang="en-US"/>
+            </a:p>
+          </p:txBody>
+        </p:sp>
+        <p:sp>
+          <p:nvSpPr>
+            <p:cNvPr id="41" name="Oval 40">
+              <a:extLst>
+                <a:ext uri="{FF2B5EF4-FFF2-40B4-BE49-F238E27FC236}">
+                  <a16:creationId xmlns:a16="http://schemas.microsoft.com/office/drawing/2014/main" id="{32E1C178-8C06-7D3E-58F7-E978C74642F5}"/>
+                </a:ext>
+              </a:extLst>
+            </p:cNvPr>
+            <p:cNvSpPr/>
+            <p:nvPr/>
+          </p:nvSpPr>
+          <p:spPr>
+            <a:xfrm>
+              <a:off x="3879015" y="2133601"/>
+              <a:ext cx="424615" cy="419100"/>
+            </a:xfrm>
+            <a:prstGeom prst="ellipse">
+              <a:avLst/>
+            </a:prstGeom>
+          </p:spPr>
+          <p:style>
+            <a:lnRef idx="2">
+              <a:schemeClr val="accent6"/>
+            </a:lnRef>
+            <a:fillRef idx="1">
+              <a:schemeClr val="lt1"/>
+            </a:fillRef>
+            <a:effectRef idx="0">
+              <a:schemeClr val="accent6"/>
+            </a:effectRef>
+            <a:fontRef idx="minor">
+              <a:schemeClr val="dk1"/>
+            </a:fontRef>
+          </p:style>
+          <p:txBody>
+            <a:bodyPr rtlCol="0" anchor="ctr"/>
+            <a:lstStyle/>
+            <a:p>
+              <a:pPr algn="ctr"/>
+              <a:endParaRPr lang="en-US"/>
+            </a:p>
+          </p:txBody>
+        </p:sp>
+        <p:sp>
+          <p:nvSpPr>
+            <p:cNvPr id="42" name="Oval 41">
+              <a:extLst>
+                <a:ext uri="{FF2B5EF4-FFF2-40B4-BE49-F238E27FC236}">
+                  <a16:creationId xmlns:a16="http://schemas.microsoft.com/office/drawing/2014/main" id="{3EB900C5-FF74-F640-9C8A-9219399A8F26}"/>
+                </a:ext>
+              </a:extLst>
+            </p:cNvPr>
+            <p:cNvSpPr/>
+            <p:nvPr/>
+          </p:nvSpPr>
+          <p:spPr>
+            <a:xfrm>
+              <a:off x="4590215" y="2133601"/>
+              <a:ext cx="424615" cy="419100"/>
+            </a:xfrm>
+            <a:prstGeom prst="ellipse">
+              <a:avLst/>
+            </a:prstGeom>
+          </p:spPr>
+          <p:style>
+            <a:lnRef idx="2">
+              <a:schemeClr val="accent6"/>
+            </a:lnRef>
+            <a:fillRef idx="1">
+              <a:schemeClr val="lt1"/>
+            </a:fillRef>
+            <a:effectRef idx="0">
+              <a:schemeClr val="accent6"/>
+            </a:effectRef>
+            <a:fontRef idx="minor">
+              <a:schemeClr val="dk1"/>
+            </a:fontRef>
+          </p:style>
+          <p:txBody>
+            <a:bodyPr rtlCol="0" anchor="ctr"/>
+            <a:lstStyle/>
+            <a:p>
+              <a:pPr algn="ctr"/>
+              <a:endParaRPr lang="en-US"/>
+            </a:p>
+          </p:txBody>
+        </p:sp>
+        <p:sp>
+          <p:nvSpPr>
+            <p:cNvPr id="43" name="Oval 42">
+              <a:extLst>
+                <a:ext uri="{FF2B5EF4-FFF2-40B4-BE49-F238E27FC236}">
+                  <a16:creationId xmlns:a16="http://schemas.microsoft.com/office/drawing/2014/main" id="{1C005743-A8AF-DA71-CB6A-C070273871ED}"/>
+                </a:ext>
+              </a:extLst>
+            </p:cNvPr>
+            <p:cNvSpPr/>
+            <p:nvPr/>
+          </p:nvSpPr>
+          <p:spPr>
+            <a:xfrm>
+              <a:off x="5301415" y="2133601"/>
+              <a:ext cx="424615" cy="419100"/>
+            </a:xfrm>
+            <a:prstGeom prst="ellipse">
+              <a:avLst/>
+            </a:prstGeom>
+          </p:spPr>
+          <p:style>
+            <a:lnRef idx="2">
+              <a:schemeClr val="accent6"/>
+            </a:lnRef>
+            <a:fillRef idx="1">
+              <a:schemeClr val="lt1"/>
+            </a:fillRef>
+            <a:effectRef idx="0">
+              <a:schemeClr val="accent6"/>
+            </a:effectRef>
+            <a:fontRef idx="minor">
+              <a:schemeClr val="dk1"/>
+            </a:fontRef>
+          </p:style>
+          <p:txBody>
+            <a:bodyPr rtlCol="0" anchor="ctr"/>
+            <a:lstStyle/>
+            <a:p>
+              <a:pPr algn="ctr"/>
+              <a:endParaRPr lang="en-US"/>
+            </a:p>
+          </p:txBody>
+        </p:sp>
+        <p:sp>
+          <p:nvSpPr>
+            <p:cNvPr id="44" name="Oval 43">
+              <a:extLst>
+                <a:ext uri="{FF2B5EF4-FFF2-40B4-BE49-F238E27FC236}">
+                  <a16:creationId xmlns:a16="http://schemas.microsoft.com/office/drawing/2014/main" id="{E292EB44-8C5B-DE2D-9B48-A00C572F987B}"/>
+                </a:ext>
+              </a:extLst>
+            </p:cNvPr>
+            <p:cNvSpPr/>
+            <p:nvPr/>
+          </p:nvSpPr>
+          <p:spPr>
+            <a:xfrm>
+              <a:off x="1034215" y="2133601"/>
+              <a:ext cx="424615" cy="419100"/>
+            </a:xfrm>
+            <a:prstGeom prst="ellipse">
+              <a:avLst/>
+            </a:prstGeom>
+          </p:spPr>
+          <p:style>
+            <a:lnRef idx="2">
+              <a:schemeClr val="accent6"/>
+            </a:lnRef>
+            <a:fillRef idx="1">
+              <a:schemeClr val="lt1"/>
+            </a:fillRef>
+            <a:effectRef idx="0">
+              <a:schemeClr val="accent6"/>
+            </a:effectRef>
+            <a:fontRef idx="minor">
+              <a:schemeClr val="dk1"/>
+            </a:fontRef>
+          </p:style>
+          <p:txBody>
+            <a:bodyPr rtlCol="0" anchor="ctr"/>
+            <a:lstStyle/>
+            <a:p>
+              <a:pPr algn="ctr"/>
+              <a:endParaRPr lang="en-US"/>
+            </a:p>
+          </p:txBody>
+        </p:sp>
+        <p:sp>
+          <p:nvSpPr>
+            <p:cNvPr id="45" name="Oval 44">
+              <a:extLst>
+                <a:ext uri="{FF2B5EF4-FFF2-40B4-BE49-F238E27FC236}">
+                  <a16:creationId xmlns:a16="http://schemas.microsoft.com/office/drawing/2014/main" id="{EEEF0E76-D620-8DB3-A0BF-79BD1205B04C}"/>
+                </a:ext>
+              </a:extLst>
+            </p:cNvPr>
+            <p:cNvSpPr/>
+            <p:nvPr/>
+          </p:nvSpPr>
+          <p:spPr>
+            <a:xfrm>
+              <a:off x="6012615" y="2133601"/>
+              <a:ext cx="424615" cy="419100"/>
+            </a:xfrm>
+            <a:prstGeom prst="ellipse">
+              <a:avLst/>
+            </a:prstGeom>
+            <a:solidFill>
+              <a:schemeClr val="tx1"/>
+            </a:solidFill>
+          </p:spPr>
+          <p:style>
+            <a:lnRef idx="2">
+              <a:schemeClr val="accent6"/>
+            </a:lnRef>
+            <a:fillRef idx="1">
+              <a:schemeClr val="lt1"/>
+            </a:fillRef>
+            <a:effectRef idx="0">
+              <a:schemeClr val="accent6"/>
+            </a:effectRef>
+            <a:fontRef idx="minor">
+              <a:schemeClr val="dk1"/>
+            </a:fontRef>
+          </p:style>
+          <p:txBody>
+            <a:bodyPr rtlCol="0" anchor="ctr"/>
+            <a:lstStyle/>
+            <a:p>
+              <a:pPr algn="ctr"/>
+              <a:endParaRPr lang="en-US"/>
+            </a:p>
+          </p:txBody>
+        </p:sp>
+      </p:grpSp>
+      <p:sp>
+        <p:nvSpPr>
+          <p:cNvPr id="46" name="TextBox 45">
+            <a:extLst>
+              <a:ext uri="{FF2B5EF4-FFF2-40B4-BE49-F238E27FC236}">
+                <a16:creationId xmlns:a16="http://schemas.microsoft.com/office/drawing/2014/main" id="{39EF487A-CDF5-E9AC-9086-B98F0D6012DE}"/>
+              </a:ext>
+            </a:extLst>
+          </p:cNvPr>
+          <p:cNvSpPr txBox="1"/>
+          <p:nvPr/>
+        </p:nvSpPr>
+        <p:spPr>
+          <a:xfrm>
+            <a:off x="3173886" y="261758"/>
+            <a:ext cx="6614780" cy="646331"/>
+          </a:xfrm>
+          <a:prstGeom prst="rect">
+            <a:avLst/>
+          </a:prstGeom>
+          <a:noFill/>
+        </p:spPr>
+        <p:txBody>
+          <a:bodyPr wrap="square" rtlCol="0">
+            <a:spAutoFit/>
+          </a:bodyPr>
+          <a:lstStyle/>
+          <a:p>
+            <a:r>
+              <a:rPr lang="en-US" dirty="0"/>
+              <a:t>B4          2           A2          4           B5	6          18        NA       		 </a:t>
+            </a:r>
+          </a:p>
+        </p:txBody>
+      </p:sp>
+      <p:sp>
+        <p:nvSpPr>
+          <p:cNvPr id="47" name="TextBox 46">
+            <a:extLst>
+              <a:ext uri="{FF2B5EF4-FFF2-40B4-BE49-F238E27FC236}">
+                <a16:creationId xmlns:a16="http://schemas.microsoft.com/office/drawing/2014/main" id="{D4F674BC-E4B1-2231-C251-65A38583C2AA}"/>
+              </a:ext>
+            </a:extLst>
+          </p:cNvPr>
+          <p:cNvSpPr txBox="1"/>
+          <p:nvPr/>
+        </p:nvSpPr>
+        <p:spPr>
+          <a:xfrm>
+            <a:off x="3270690" y="6155416"/>
+            <a:ext cx="6614780" cy="646331"/>
+          </a:xfrm>
+          <a:prstGeom prst="rect">
+            <a:avLst/>
+          </a:prstGeom>
+          <a:noFill/>
+        </p:spPr>
+        <p:txBody>
+          <a:bodyPr wrap="square" rtlCol="0">
+            <a:spAutoFit/>
+          </a:bodyPr>
+          <a:lstStyle/>
+          <a:p>
+            <a:r>
+              <a:rPr lang="en-US" dirty="0"/>
+              <a:t>B7           8                       10                      11         12          A3              		 </a:t>
+            </a:r>
+          </a:p>
+        </p:txBody>
+      </p:sp>
+      <p:sp>
+        <p:nvSpPr>
+          <p:cNvPr id="53" name="TextBox 52">
+            <a:extLst>
+              <a:ext uri="{FF2B5EF4-FFF2-40B4-BE49-F238E27FC236}">
+                <a16:creationId xmlns:a16="http://schemas.microsoft.com/office/drawing/2014/main" id="{CE63DA17-8C94-3B07-5F6C-53B80A905DAB}"/>
+              </a:ext>
+            </a:extLst>
+          </p:cNvPr>
+          <p:cNvSpPr txBox="1"/>
+          <p:nvPr/>
+        </p:nvSpPr>
+        <p:spPr>
+          <a:xfrm>
+            <a:off x="9535072" y="1264082"/>
+            <a:ext cx="561659" cy="4524315"/>
+          </a:xfrm>
+          <a:prstGeom prst="rect">
+            <a:avLst/>
+          </a:prstGeom>
+          <a:noFill/>
+        </p:spPr>
+        <p:txBody>
+          <a:bodyPr wrap="square" rtlCol="0">
+            <a:spAutoFit/>
+          </a:bodyPr>
+          <a:lstStyle/>
+          <a:p>
+            <a:r>
+              <a:rPr lang="en-US" dirty="0"/>
+              <a:t>B3</a:t>
+            </a:r>
+          </a:p>
+          <a:p>
+            <a:endParaRPr lang="en-US" dirty="0"/>
+          </a:p>
+          <a:p>
+            <a:r>
+              <a:rPr lang="en-US" dirty="0"/>
+              <a:t>23</a:t>
+            </a:r>
+          </a:p>
+          <a:p>
+            <a:endParaRPr lang="en-US" dirty="0"/>
+          </a:p>
+          <a:p>
+            <a:r>
+              <a:rPr lang="en-US" dirty="0"/>
+              <a:t>9</a:t>
+            </a:r>
+          </a:p>
+          <a:p>
+            <a:endParaRPr lang="en-US" dirty="0"/>
+          </a:p>
+          <a:p>
+            <a:r>
+              <a:rPr lang="en-US" dirty="0"/>
+              <a:t>B6</a:t>
+            </a:r>
+          </a:p>
+          <a:p>
+            <a:endParaRPr lang="en-US" dirty="0"/>
+          </a:p>
+          <a:p>
+            <a:r>
+              <a:rPr lang="en-US" dirty="0"/>
+              <a:t>21</a:t>
+            </a:r>
+          </a:p>
+          <a:p>
+            <a:endParaRPr lang="en-US" dirty="0"/>
+          </a:p>
+          <a:p>
+            <a:r>
+              <a:rPr lang="en-US" dirty="0"/>
+              <a:t>20</a:t>
+            </a:r>
+          </a:p>
+          <a:p>
+            <a:endParaRPr lang="en-US" dirty="0"/>
+          </a:p>
+          <a:p>
+            <a:r>
+              <a:rPr lang="en-US" dirty="0"/>
+              <a:t>7</a:t>
+            </a:r>
+          </a:p>
+          <a:p>
+            <a:endParaRPr lang="en-US" dirty="0"/>
+          </a:p>
+          <a:p>
+            <a:r>
+              <a:rPr lang="en-US" dirty="0"/>
+              <a:t>NA</a:t>
+            </a:r>
+          </a:p>
+          <a:p>
+            <a:endParaRPr lang="en-US" dirty="0"/>
+          </a:p>
+        </p:txBody>
+      </p:sp>
+      <p:sp>
+        <p:nvSpPr>
+          <p:cNvPr id="3" name="TextBox 2">
+            <a:extLst>
+              <a:ext uri="{FF2B5EF4-FFF2-40B4-BE49-F238E27FC236}">
+                <a16:creationId xmlns:a16="http://schemas.microsoft.com/office/drawing/2014/main" id="{2640E348-46AB-80E3-B237-D27A81971E62}"/>
+              </a:ext>
+            </a:extLst>
+          </p:cNvPr>
+          <p:cNvSpPr txBox="1"/>
+          <p:nvPr/>
+        </p:nvSpPr>
+        <p:spPr>
+          <a:xfrm>
+            <a:off x="3975875" y="2444561"/>
+            <a:ext cx="1187574" cy="369332"/>
+          </a:xfrm>
+          <a:prstGeom prst="rect">
+            <a:avLst/>
+          </a:prstGeom>
+          <a:noFill/>
+        </p:spPr>
+        <p:txBody>
+          <a:bodyPr wrap="square" rtlCol="0">
+            <a:spAutoFit/>
+          </a:bodyPr>
+          <a:lstStyle/>
+          <a:p>
+            <a:r>
+              <a:rPr lang="en-US" dirty="0"/>
+              <a:t>14, 15</a:t>
+            </a:r>
+          </a:p>
+        </p:txBody>
+      </p:sp>
+      <p:sp>
+        <p:nvSpPr>
+          <p:cNvPr id="20" name="Rectangle 19">
+            <a:extLst>
+              <a:ext uri="{FF2B5EF4-FFF2-40B4-BE49-F238E27FC236}">
+                <a16:creationId xmlns:a16="http://schemas.microsoft.com/office/drawing/2014/main" id="{4106E4AE-97E4-EF69-643F-776B06B9F9DF}"/>
+              </a:ext>
+            </a:extLst>
+          </p:cNvPr>
+          <p:cNvSpPr/>
+          <p:nvPr/>
+        </p:nvSpPr>
+        <p:spPr>
+          <a:xfrm>
+            <a:off x="4298115" y="3267513"/>
+            <a:ext cx="1086685" cy="927249"/>
+          </a:xfrm>
+          <a:prstGeom prst="rect">
+            <a:avLst/>
+          </a:prstGeom>
+          <a:ln>
+            <a:solidFill>
+              <a:schemeClr val="tx1"/>
+            </a:solidFill>
+          </a:ln>
+        </p:spPr>
+        <p:style>
+          <a:lnRef idx="2">
+            <a:schemeClr val="accent6"/>
+          </a:lnRef>
+          <a:fillRef idx="1">
+            <a:schemeClr val="lt1"/>
+          </a:fillRef>
+          <a:effectRef idx="0">
+            <a:schemeClr val="accent6"/>
+          </a:effectRef>
+          <a:fontRef idx="minor">
+            <a:schemeClr val="dk1"/>
+          </a:fontRef>
+        </p:style>
+        <p:txBody>
+          <a:bodyPr rtlCol="0" anchor="ctr"/>
+          <a:lstStyle/>
+          <a:p>
+            <a:pPr algn="ctr"/>
+            <a:endParaRPr lang="en-US"/>
+          </a:p>
+        </p:txBody>
+      </p:sp>
+      <p:cxnSp>
+        <p:nvCxnSpPr>
+          <p:cNvPr id="22" name="Straight Connector 21">
+            <a:extLst>
+              <a:ext uri="{FF2B5EF4-FFF2-40B4-BE49-F238E27FC236}">
+                <a16:creationId xmlns:a16="http://schemas.microsoft.com/office/drawing/2014/main" id="{F883A2AC-E74D-9695-0209-4B1391A9BF60}"/>
+              </a:ext>
+            </a:extLst>
+          </p:cNvPr>
+          <p:cNvCxnSpPr/>
+          <p:nvPr/>
+        </p:nvCxnSpPr>
+        <p:spPr>
+          <a:xfrm flipV="1">
+            <a:off x="4298115" y="2822626"/>
+            <a:ext cx="0" cy="444887"/>
+          </a:xfrm>
+          <a:prstGeom prst="line">
+            <a:avLst/>
+          </a:prstGeom>
+        </p:spPr>
+        <p:style>
+          <a:lnRef idx="1">
+            <a:schemeClr val="dk1"/>
+          </a:lnRef>
+          <a:fillRef idx="0">
+            <a:schemeClr val="dk1"/>
+          </a:fillRef>
+          <a:effectRef idx="0">
+            <a:schemeClr val="dk1"/>
+          </a:effectRef>
+          <a:fontRef idx="minor">
+            <a:schemeClr val="tx1"/>
+          </a:fontRef>
+        </p:style>
+      </p:cxnSp>
+      <p:cxnSp>
+        <p:nvCxnSpPr>
+          <p:cNvPr id="23" name="Straight Connector 22">
+            <a:extLst>
+              <a:ext uri="{FF2B5EF4-FFF2-40B4-BE49-F238E27FC236}">
+                <a16:creationId xmlns:a16="http://schemas.microsoft.com/office/drawing/2014/main" id="{85ED3BBC-1C09-4990-59C1-652C6AEC6D13}"/>
+              </a:ext>
+            </a:extLst>
+          </p:cNvPr>
+          <p:cNvCxnSpPr/>
+          <p:nvPr/>
+        </p:nvCxnSpPr>
+        <p:spPr>
+          <a:xfrm flipV="1">
+            <a:off x="5384800" y="2815216"/>
+            <a:ext cx="0" cy="444887"/>
+          </a:xfrm>
+          <a:prstGeom prst="line">
+            <a:avLst/>
+          </a:prstGeom>
+        </p:spPr>
+        <p:style>
+          <a:lnRef idx="1">
+            <a:schemeClr val="dk1"/>
+          </a:lnRef>
+          <a:fillRef idx="0">
+            <a:schemeClr val="dk1"/>
+          </a:fillRef>
+          <a:effectRef idx="0">
+            <a:schemeClr val="dk1"/>
+          </a:effectRef>
+          <a:fontRef idx="minor">
+            <a:schemeClr val="tx1"/>
+          </a:fontRef>
+        </p:style>
+      </p:cxnSp>
+      <p:sp>
+        <p:nvSpPr>
+          <p:cNvPr id="25" name="TextBox 24">
+            <a:extLst>
+              <a:ext uri="{FF2B5EF4-FFF2-40B4-BE49-F238E27FC236}">
+                <a16:creationId xmlns:a16="http://schemas.microsoft.com/office/drawing/2014/main" id="{E3555EBC-A120-F415-9C06-6CD78FB2D943}"/>
+              </a:ext>
+            </a:extLst>
+          </p:cNvPr>
+          <p:cNvSpPr txBox="1"/>
+          <p:nvPr/>
+        </p:nvSpPr>
+        <p:spPr>
+          <a:xfrm>
+            <a:off x="4992170" y="2464454"/>
+            <a:ext cx="1187574" cy="369332"/>
+          </a:xfrm>
+          <a:prstGeom prst="rect">
+            <a:avLst/>
+          </a:prstGeom>
+          <a:noFill/>
+        </p:spPr>
+        <p:txBody>
+          <a:bodyPr wrap="square" rtlCol="0">
+            <a:spAutoFit/>
+          </a:bodyPr>
+          <a:lstStyle/>
+          <a:p>
+            <a:r>
+              <a:rPr lang="en-US" dirty="0"/>
+              <a:t>16,17</a:t>
+            </a:r>
+          </a:p>
+        </p:txBody>
+      </p:sp>
+      <p:cxnSp>
+        <p:nvCxnSpPr>
+          <p:cNvPr id="26" name="Straight Connector 25">
+            <a:extLst>
+              <a:ext uri="{FF2B5EF4-FFF2-40B4-BE49-F238E27FC236}">
+                <a16:creationId xmlns:a16="http://schemas.microsoft.com/office/drawing/2014/main" id="{9B3E83A8-5FC4-C4FF-772A-EEFE77339876}"/>
+              </a:ext>
+            </a:extLst>
+          </p:cNvPr>
+          <p:cNvCxnSpPr>
+            <a:cxnSpLocks/>
+          </p:cNvCxnSpPr>
+          <p:nvPr/>
+        </p:nvCxnSpPr>
+        <p:spPr>
+          <a:xfrm flipV="1">
+            <a:off x="6257507" y="2936776"/>
+            <a:ext cx="0" cy="730471"/>
+          </a:xfrm>
+          <a:prstGeom prst="line">
+            <a:avLst/>
+          </a:prstGeom>
+        </p:spPr>
+        <p:style>
+          <a:lnRef idx="1">
+            <a:schemeClr val="dk1"/>
+          </a:lnRef>
+          <a:fillRef idx="0">
+            <a:schemeClr val="dk1"/>
+          </a:fillRef>
+          <a:effectRef idx="0">
+            <a:schemeClr val="dk1"/>
+          </a:effectRef>
+          <a:fontRef idx="minor">
+            <a:schemeClr val="tx1"/>
+          </a:fontRef>
+        </p:style>
+      </p:cxnSp>
+      <p:cxnSp>
+        <p:nvCxnSpPr>
+          <p:cNvPr id="48" name="Straight Connector 47">
+            <a:extLst>
+              <a:ext uri="{FF2B5EF4-FFF2-40B4-BE49-F238E27FC236}">
+                <a16:creationId xmlns:a16="http://schemas.microsoft.com/office/drawing/2014/main" id="{B42975B2-9B48-0744-D107-F59516D70D0B}"/>
+              </a:ext>
+            </a:extLst>
+          </p:cNvPr>
+          <p:cNvCxnSpPr>
+            <a:cxnSpLocks/>
+          </p:cNvCxnSpPr>
+          <p:nvPr/>
+        </p:nvCxnSpPr>
+        <p:spPr>
+          <a:xfrm flipV="1">
+            <a:off x="7556500" y="2920267"/>
+            <a:ext cx="0" cy="730471"/>
+          </a:xfrm>
+          <a:prstGeom prst="line">
+            <a:avLst/>
+          </a:prstGeom>
+        </p:spPr>
+        <p:style>
+          <a:lnRef idx="1">
+            <a:schemeClr val="dk1"/>
+          </a:lnRef>
+          <a:fillRef idx="0">
+            <a:schemeClr val="dk1"/>
+          </a:fillRef>
+          <a:effectRef idx="0">
+            <a:schemeClr val="dk1"/>
+          </a:effectRef>
+          <a:fontRef idx="minor">
+            <a:schemeClr val="tx1"/>
+          </a:fontRef>
+        </p:style>
+      </p:cxnSp>
+      <p:cxnSp>
+        <p:nvCxnSpPr>
+          <p:cNvPr id="63" name="Straight Connector 62">
+            <a:extLst>
+              <a:ext uri="{FF2B5EF4-FFF2-40B4-BE49-F238E27FC236}">
+                <a16:creationId xmlns:a16="http://schemas.microsoft.com/office/drawing/2014/main" id="{1EBDBF6A-0975-C245-5766-FC5E5032B2DF}"/>
+              </a:ext>
+            </a:extLst>
+          </p:cNvPr>
+          <p:cNvCxnSpPr>
+            <a:cxnSpLocks/>
+          </p:cNvCxnSpPr>
+          <p:nvPr/>
+        </p:nvCxnSpPr>
+        <p:spPr>
+          <a:xfrm>
+            <a:off x="6257507" y="3654224"/>
+            <a:ext cx="1307382" cy="0"/>
+          </a:xfrm>
+          <a:prstGeom prst="line">
+            <a:avLst/>
+          </a:prstGeom>
+        </p:spPr>
+        <p:style>
+          <a:lnRef idx="1">
+            <a:schemeClr val="dk1"/>
+          </a:lnRef>
+          <a:fillRef idx="0">
+            <a:schemeClr val="dk1"/>
+          </a:fillRef>
+          <a:effectRef idx="0">
+            <a:schemeClr val="dk1"/>
+          </a:effectRef>
+          <a:fontRef idx="minor">
+            <a:schemeClr val="tx1"/>
+          </a:fontRef>
+        </p:style>
+      </p:cxnSp>
+      <p:cxnSp>
+        <p:nvCxnSpPr>
+          <p:cNvPr id="66" name="Straight Connector 65">
+            <a:extLst>
+              <a:ext uri="{FF2B5EF4-FFF2-40B4-BE49-F238E27FC236}">
+                <a16:creationId xmlns:a16="http://schemas.microsoft.com/office/drawing/2014/main" id="{BCC9788B-B034-12C9-924B-2292BB9129E2}"/>
+              </a:ext>
+            </a:extLst>
+          </p:cNvPr>
+          <p:cNvCxnSpPr>
+            <a:cxnSpLocks/>
+          </p:cNvCxnSpPr>
+          <p:nvPr/>
+        </p:nvCxnSpPr>
+        <p:spPr>
+          <a:xfrm>
+            <a:off x="6219407" y="4104933"/>
+            <a:ext cx="1307382" cy="0"/>
+          </a:xfrm>
+          <a:prstGeom prst="line">
+            <a:avLst/>
+          </a:prstGeom>
+        </p:spPr>
+        <p:style>
+          <a:lnRef idx="1">
+            <a:schemeClr val="dk1"/>
+          </a:lnRef>
+          <a:fillRef idx="0">
+            <a:schemeClr val="dk1"/>
+          </a:fillRef>
+          <a:effectRef idx="0">
+            <a:schemeClr val="dk1"/>
+          </a:effectRef>
+          <a:fontRef idx="minor">
+            <a:schemeClr val="tx1"/>
+          </a:fontRef>
+        </p:style>
+      </p:cxnSp>
+      <p:sp>
+        <p:nvSpPr>
+          <p:cNvPr id="68" name="TextBox 67">
+            <a:extLst>
+              <a:ext uri="{FF2B5EF4-FFF2-40B4-BE49-F238E27FC236}">
+                <a16:creationId xmlns:a16="http://schemas.microsoft.com/office/drawing/2014/main" id="{14DF8ED9-4F9A-58E2-E62A-1AB24D1CF65C}"/>
+              </a:ext>
+            </a:extLst>
+          </p:cNvPr>
+          <p:cNvSpPr txBox="1"/>
+          <p:nvPr/>
+        </p:nvSpPr>
+        <p:spPr>
+          <a:xfrm>
+            <a:off x="6133374" y="2517108"/>
+            <a:ext cx="508248" cy="369332"/>
+          </a:xfrm>
+          <a:prstGeom prst="rect">
+            <a:avLst/>
+          </a:prstGeom>
+          <a:noFill/>
+        </p:spPr>
+        <p:txBody>
+          <a:bodyPr wrap="square" rtlCol="0">
+            <a:spAutoFit/>
+          </a:bodyPr>
+          <a:lstStyle/>
+          <a:p>
+            <a:r>
+              <a:rPr lang="en-US" dirty="0"/>
+              <a:t>24</a:t>
+            </a:r>
+          </a:p>
+        </p:txBody>
+      </p:sp>
+      <p:sp>
+        <p:nvSpPr>
+          <p:cNvPr id="69" name="TextBox 68">
+            <a:extLst>
+              <a:ext uri="{FF2B5EF4-FFF2-40B4-BE49-F238E27FC236}">
+                <a16:creationId xmlns:a16="http://schemas.microsoft.com/office/drawing/2014/main" id="{4FF6C002-878F-ADD5-8352-5A17D95F8971}"/>
+              </a:ext>
+            </a:extLst>
+          </p:cNvPr>
+          <p:cNvSpPr txBox="1"/>
+          <p:nvPr/>
+        </p:nvSpPr>
+        <p:spPr>
+          <a:xfrm>
+            <a:off x="7398711" y="2517108"/>
+            <a:ext cx="508247" cy="369332"/>
+          </a:xfrm>
+          <a:prstGeom prst="rect">
+            <a:avLst/>
+          </a:prstGeom>
+          <a:noFill/>
+        </p:spPr>
+        <p:txBody>
+          <a:bodyPr wrap="square" rtlCol="0">
+            <a:spAutoFit/>
+          </a:bodyPr>
+          <a:lstStyle/>
+          <a:p>
+            <a:r>
+              <a:rPr lang="en-US" dirty="0"/>
+              <a:t>13</a:t>
+            </a:r>
+          </a:p>
+        </p:txBody>
+      </p:sp>
+      <p:sp>
+        <p:nvSpPr>
+          <p:cNvPr id="77" name="TextBox 76">
+            <a:extLst>
+              <a:ext uri="{FF2B5EF4-FFF2-40B4-BE49-F238E27FC236}">
+                <a16:creationId xmlns:a16="http://schemas.microsoft.com/office/drawing/2014/main" id="{E3E100B0-BF43-1233-BD84-0831959A57AA}"/>
+              </a:ext>
+            </a:extLst>
+          </p:cNvPr>
+          <p:cNvSpPr txBox="1"/>
+          <p:nvPr/>
+        </p:nvSpPr>
+        <p:spPr>
+          <a:xfrm>
+            <a:off x="1359684" y="971562"/>
+            <a:ext cx="889960" cy="4801314"/>
+          </a:xfrm>
+          <a:prstGeom prst="rect">
+            <a:avLst/>
+          </a:prstGeom>
+          <a:noFill/>
+        </p:spPr>
+        <p:txBody>
+          <a:bodyPr wrap="square" rtlCol="0">
+            <a:spAutoFit/>
+          </a:bodyPr>
+          <a:lstStyle/>
+          <a:p>
+            <a:pPr algn="r"/>
+            <a:endParaRPr lang="en-US" dirty="0"/>
+          </a:p>
+          <a:p>
+            <a:pPr algn="r"/>
+            <a:endParaRPr lang="en-US" dirty="0"/>
+          </a:p>
+          <a:p>
+            <a:pPr algn="r"/>
+            <a:r>
+              <a:rPr lang="en-US" dirty="0"/>
+              <a:t>B1</a:t>
+            </a:r>
+          </a:p>
+          <a:p>
+            <a:pPr algn="r"/>
+            <a:endParaRPr lang="en-US" dirty="0"/>
+          </a:p>
+          <a:p>
+            <a:pPr algn="r"/>
+            <a:r>
+              <a:rPr lang="en-US" dirty="0"/>
+              <a:t>19</a:t>
+            </a:r>
+          </a:p>
+          <a:p>
+            <a:pPr algn="r"/>
+            <a:endParaRPr lang="en-US" dirty="0"/>
+          </a:p>
+          <a:p>
+            <a:pPr algn="r"/>
+            <a:r>
+              <a:rPr lang="en-US" dirty="0"/>
+              <a:t>5</a:t>
+            </a:r>
+          </a:p>
+          <a:p>
+            <a:pPr algn="r"/>
+            <a:endParaRPr lang="en-US" dirty="0"/>
+          </a:p>
+          <a:p>
+            <a:pPr algn="r"/>
+            <a:r>
+              <a:rPr lang="en-US" dirty="0"/>
+              <a:t>B2</a:t>
+            </a:r>
+          </a:p>
+          <a:p>
+            <a:pPr algn="r"/>
+            <a:endParaRPr lang="en-US" dirty="0"/>
+          </a:p>
+          <a:p>
+            <a:pPr algn="r"/>
+            <a:r>
+              <a:rPr lang="en-US" dirty="0"/>
+              <a:t>3</a:t>
+            </a:r>
+          </a:p>
+          <a:p>
+            <a:pPr algn="r"/>
+            <a:endParaRPr lang="en-US" dirty="0"/>
+          </a:p>
+          <a:p>
+            <a:pPr algn="r"/>
+            <a:r>
+              <a:rPr lang="en-US" dirty="0"/>
+              <a:t>A1</a:t>
+            </a:r>
+          </a:p>
+          <a:p>
+            <a:pPr algn="r"/>
+            <a:endParaRPr lang="en-US" dirty="0"/>
+          </a:p>
+          <a:p>
+            <a:pPr algn="r"/>
+            <a:r>
+              <a:rPr lang="en-US" dirty="0"/>
+              <a:t>1</a:t>
+            </a:r>
+          </a:p>
+          <a:p>
+            <a:pPr algn="r"/>
+            <a:endParaRPr lang="en-US" dirty="0"/>
+          </a:p>
+          <a:p>
+            <a:pPr algn="r"/>
+            <a:r>
+              <a:rPr lang="en-US" dirty="0"/>
+              <a:t>NA</a:t>
+            </a:r>
+            <a:r>
+              <a:rPr lang="en-US" dirty="0">
+                <a:highlight>
+                  <a:srgbClr val="FFFF00"/>
+                </a:highlight>
+              </a:rPr>
+              <a:t> </a:t>
+            </a:r>
+          </a:p>
+        </p:txBody>
+      </p:sp>
+      <p:sp>
+        <p:nvSpPr>
+          <p:cNvPr id="73" name="TextBox 72">
+            <a:extLst>
+              <a:ext uri="{FF2B5EF4-FFF2-40B4-BE49-F238E27FC236}">
+                <a16:creationId xmlns:a16="http://schemas.microsoft.com/office/drawing/2014/main" id="{A3D1D1C5-F2E9-16BD-AB32-8CC13A683DF0}"/>
+              </a:ext>
+            </a:extLst>
+          </p:cNvPr>
+          <p:cNvSpPr txBox="1"/>
+          <p:nvPr/>
+        </p:nvSpPr>
+        <p:spPr>
+          <a:xfrm>
+            <a:off x="6695113" y="4065755"/>
+            <a:ext cx="1583137" cy="369332"/>
+          </a:xfrm>
+          <a:prstGeom prst="rect">
+            <a:avLst/>
+          </a:prstGeom>
+          <a:noFill/>
+        </p:spPr>
+        <p:txBody>
+          <a:bodyPr wrap="square" rtlCol="0">
+            <a:spAutoFit/>
+          </a:bodyPr>
+          <a:lstStyle/>
+          <a:p>
+            <a:r>
+              <a:rPr lang="en-US" dirty="0"/>
+              <a:t>22</a:t>
+            </a:r>
+          </a:p>
+        </p:txBody>
+      </p:sp>
+      <p:sp>
+        <p:nvSpPr>
+          <p:cNvPr id="51" name="TextBox 50">
+            <a:extLst>
+              <a:ext uri="{FF2B5EF4-FFF2-40B4-BE49-F238E27FC236}">
+                <a16:creationId xmlns:a16="http://schemas.microsoft.com/office/drawing/2014/main" id="{CFDE25A5-EB01-55A0-1998-686104AD72E8}"/>
+              </a:ext>
+            </a:extLst>
+          </p:cNvPr>
+          <p:cNvSpPr txBox="1"/>
+          <p:nvPr/>
+        </p:nvSpPr>
+        <p:spPr>
+          <a:xfrm>
+            <a:off x="6573517" y="1410279"/>
+            <a:ext cx="2080698" cy="323165"/>
+          </a:xfrm>
+          <a:prstGeom prst="rect">
+            <a:avLst/>
+          </a:prstGeom>
+          <a:noFill/>
+        </p:spPr>
+        <p:txBody>
+          <a:bodyPr wrap="none" rtlCol="0">
+            <a:spAutoFit/>
+          </a:bodyPr>
+          <a:lstStyle/>
+          <a:p>
+            <a:r>
+              <a:rPr lang="en-US" sz="1500" dirty="0"/>
+              <a:t>*looking down at device</a:t>
+            </a:r>
+          </a:p>
+        </p:txBody>
+      </p:sp>
+    </p:spTree>
+    <p:extLst>
+      <p:ext uri="{BB962C8B-B14F-4D97-AF65-F5344CB8AC3E}">
+        <p14:creationId xmlns:p14="http://schemas.microsoft.com/office/powerpoint/2010/main" val="2464642376"/>
       </p:ext>
     </p:extLst>
   </p:cSld>

--- a/matlabMeas/TiffanyMeasurementFunctions/IDC/ConnectionLayout.pptx
+++ b/matlabMeas/TiffanyMeasurementFunctions/IDC/ConnectionLayout.pptx
@@ -4,6 +4,9 @@
   <p:sldMasterIdLst>
     <p:sldMasterId id="2147483648" r:id="rId1"/>
   </p:sldMasterIdLst>
+  <p:notesMasterIdLst>
+    <p:notesMasterId r:id="rId19"/>
+  </p:notesMasterIdLst>
   <p:sldIdLst>
     <p:sldId id="258" r:id="rId2"/>
     <p:sldId id="259" r:id="rId3"/>
@@ -20,6 +23,8 @@
     <p:sldId id="263" r:id="rId14"/>
     <p:sldId id="262" r:id="rId15"/>
     <p:sldId id="283" r:id="rId16"/>
+    <p:sldId id="261" r:id="rId17"/>
+    <p:sldId id="340" r:id="rId18"/>
   </p:sldIdLst>
   <p:sldSz cx="12192000" cy="6858000"/>
   <p:notesSz cx="7023100" cy="9309100"/>
@@ -126,6 +131,439 @@
 </p:presentation>
 </file>
 
+<file path=ppt/notesMasters/notesMaster1.xml><?xml version="1.0" encoding="utf-8"?>
+<p:notesMaster xmlns:a="http://schemas.openxmlformats.org/drawingml/2006/main" xmlns:r="http://schemas.openxmlformats.org/officeDocument/2006/relationships" xmlns:p="http://schemas.openxmlformats.org/presentationml/2006/main">
+  <p:cSld>
+    <p:bg>
+      <p:bgRef idx="1001">
+        <a:schemeClr val="bg1"/>
+      </p:bgRef>
+    </p:bg>
+    <p:spTree>
+      <p:nvGrpSpPr>
+        <p:cNvPr id="1" name=""/>
+        <p:cNvGrpSpPr/>
+        <p:nvPr/>
+      </p:nvGrpSpPr>
+      <p:grpSpPr>
+        <a:xfrm>
+          <a:off x="0" y="0"/>
+          <a:ext cx="0" cy="0"/>
+          <a:chOff x="0" y="0"/>
+          <a:chExt cx="0" cy="0"/>
+        </a:xfrm>
+      </p:grpSpPr>
+      <p:sp>
+        <p:nvSpPr>
+          <p:cNvPr id="2" name="Header Placeholder 1"/>
+          <p:cNvSpPr>
+            <a:spLocks noGrp="1"/>
+          </p:cNvSpPr>
+          <p:nvPr>
+            <p:ph type="hdr" sz="quarter"/>
+          </p:nvPr>
+        </p:nvSpPr>
+        <p:spPr>
+          <a:xfrm>
+            <a:off x="0" y="0"/>
+            <a:ext cx="3043238" cy="466725"/>
+          </a:xfrm>
+          <a:prstGeom prst="rect">
+            <a:avLst/>
+          </a:prstGeom>
+        </p:spPr>
+        <p:txBody>
+          <a:bodyPr vert="horz" lIns="91440" tIns="45720" rIns="91440" bIns="45720" rtlCol="0"/>
+          <a:lstStyle>
+            <a:lvl1pPr algn="l">
+              <a:defRPr sz="1200"/>
+            </a:lvl1pPr>
+          </a:lstStyle>
+          <a:p>
+            <a:endParaRPr lang="en-US"/>
+          </a:p>
+        </p:txBody>
+      </p:sp>
+      <p:sp>
+        <p:nvSpPr>
+          <p:cNvPr id="3" name="Date Placeholder 2"/>
+          <p:cNvSpPr>
+            <a:spLocks noGrp="1"/>
+          </p:cNvSpPr>
+          <p:nvPr>
+            <p:ph type="dt" idx="1"/>
+          </p:nvPr>
+        </p:nvSpPr>
+        <p:spPr>
+          <a:xfrm>
+            <a:off x="3978275" y="0"/>
+            <a:ext cx="3043238" cy="466725"/>
+          </a:xfrm>
+          <a:prstGeom prst="rect">
+            <a:avLst/>
+          </a:prstGeom>
+        </p:spPr>
+        <p:txBody>
+          <a:bodyPr vert="horz" lIns="91440" tIns="45720" rIns="91440" bIns="45720" rtlCol="0"/>
+          <a:lstStyle>
+            <a:lvl1pPr algn="r">
+              <a:defRPr sz="1200"/>
+            </a:lvl1pPr>
+          </a:lstStyle>
+          <a:p>
+            <a:fld id="{A91D9D04-2AAC-4080-8E46-26D19F7AE48B}" type="datetimeFigureOut">
+              <a:rPr lang="en-US" smtClean="0"/>
+              <a:t>4/23/2024</a:t>
+            </a:fld>
+            <a:endParaRPr lang="en-US"/>
+          </a:p>
+        </p:txBody>
+      </p:sp>
+      <p:sp>
+        <p:nvSpPr>
+          <p:cNvPr id="4" name="Slide Image Placeholder 3"/>
+          <p:cNvSpPr>
+            <a:spLocks noGrp="1" noRot="1" noChangeAspect="1"/>
+          </p:cNvSpPr>
+          <p:nvPr>
+            <p:ph type="sldImg" idx="2"/>
+          </p:nvPr>
+        </p:nvSpPr>
+        <p:spPr>
+          <a:xfrm>
+            <a:off x="719138" y="1163638"/>
+            <a:ext cx="5584825" cy="3141662"/>
+          </a:xfrm>
+          <a:prstGeom prst="rect">
+            <a:avLst/>
+          </a:prstGeom>
+          <a:noFill/>
+          <a:ln w="12700">
+            <a:solidFill>
+              <a:prstClr val="black"/>
+            </a:solidFill>
+          </a:ln>
+        </p:spPr>
+        <p:txBody>
+          <a:bodyPr vert="horz" lIns="91440" tIns="45720" rIns="91440" bIns="45720" rtlCol="0" anchor="ctr"/>
+          <a:lstStyle/>
+          <a:p>
+            <a:endParaRPr lang="en-US"/>
+          </a:p>
+        </p:txBody>
+      </p:sp>
+      <p:sp>
+        <p:nvSpPr>
+          <p:cNvPr id="5" name="Notes Placeholder 4"/>
+          <p:cNvSpPr>
+            <a:spLocks noGrp="1"/>
+          </p:cNvSpPr>
+          <p:nvPr>
+            <p:ph type="body" sz="quarter" idx="3"/>
+          </p:nvPr>
+        </p:nvSpPr>
+        <p:spPr>
+          <a:xfrm>
+            <a:off x="701675" y="4479925"/>
+            <a:ext cx="5619750" cy="3665538"/>
+          </a:xfrm>
+          <a:prstGeom prst="rect">
+            <a:avLst/>
+          </a:prstGeom>
+        </p:spPr>
+        <p:txBody>
+          <a:bodyPr vert="horz" lIns="91440" tIns="45720" rIns="91440" bIns="45720" rtlCol="0"/>
+          <a:lstStyle/>
+          <a:p>
+            <a:pPr lvl="0"/>
+            <a:r>
+              <a:rPr lang="en-US"/>
+              <a:t>Click to edit Master text styles</a:t>
+            </a:r>
+          </a:p>
+          <a:p>
+            <a:pPr lvl="1"/>
+            <a:r>
+              <a:rPr lang="en-US"/>
+              <a:t>Second level</a:t>
+            </a:r>
+          </a:p>
+          <a:p>
+            <a:pPr lvl="2"/>
+            <a:r>
+              <a:rPr lang="en-US"/>
+              <a:t>Third level</a:t>
+            </a:r>
+          </a:p>
+          <a:p>
+            <a:pPr lvl="3"/>
+            <a:r>
+              <a:rPr lang="en-US"/>
+              <a:t>Fourth level</a:t>
+            </a:r>
+          </a:p>
+          <a:p>
+            <a:pPr lvl="4"/>
+            <a:r>
+              <a:rPr lang="en-US"/>
+              <a:t>Fifth level</a:t>
+            </a:r>
+          </a:p>
+        </p:txBody>
+      </p:sp>
+      <p:sp>
+        <p:nvSpPr>
+          <p:cNvPr id="6" name="Footer Placeholder 5"/>
+          <p:cNvSpPr>
+            <a:spLocks noGrp="1"/>
+          </p:cNvSpPr>
+          <p:nvPr>
+            <p:ph type="ftr" sz="quarter" idx="4"/>
+          </p:nvPr>
+        </p:nvSpPr>
+        <p:spPr>
+          <a:xfrm>
+            <a:off x="0" y="8842375"/>
+            <a:ext cx="3043238" cy="466725"/>
+          </a:xfrm>
+          <a:prstGeom prst="rect">
+            <a:avLst/>
+          </a:prstGeom>
+        </p:spPr>
+        <p:txBody>
+          <a:bodyPr vert="horz" lIns="91440" tIns="45720" rIns="91440" bIns="45720" rtlCol="0" anchor="b"/>
+          <a:lstStyle>
+            <a:lvl1pPr algn="l">
+              <a:defRPr sz="1200"/>
+            </a:lvl1pPr>
+          </a:lstStyle>
+          <a:p>
+            <a:endParaRPr lang="en-US"/>
+          </a:p>
+        </p:txBody>
+      </p:sp>
+      <p:sp>
+        <p:nvSpPr>
+          <p:cNvPr id="7" name="Slide Number Placeholder 6"/>
+          <p:cNvSpPr>
+            <a:spLocks noGrp="1"/>
+          </p:cNvSpPr>
+          <p:nvPr>
+            <p:ph type="sldNum" sz="quarter" idx="5"/>
+          </p:nvPr>
+        </p:nvSpPr>
+        <p:spPr>
+          <a:xfrm>
+            <a:off x="3978275" y="8842375"/>
+            <a:ext cx="3043238" cy="466725"/>
+          </a:xfrm>
+          <a:prstGeom prst="rect">
+            <a:avLst/>
+          </a:prstGeom>
+        </p:spPr>
+        <p:txBody>
+          <a:bodyPr vert="horz" lIns="91440" tIns="45720" rIns="91440" bIns="45720" rtlCol="0" anchor="b"/>
+          <a:lstStyle>
+            <a:lvl1pPr algn="r">
+              <a:defRPr sz="1200"/>
+            </a:lvl1pPr>
+          </a:lstStyle>
+          <a:p>
+            <a:fld id="{A1EFA168-6E19-47DE-B0F2-A5A8C9821DFA}" type="slidenum">
+              <a:rPr lang="en-US" smtClean="0"/>
+              <a:t>‹#›</a:t>
+            </a:fld>
+            <a:endParaRPr lang="en-US"/>
+          </a:p>
+        </p:txBody>
+      </p:sp>
+    </p:spTree>
+    <p:extLst>
+      <p:ext uri="{BB962C8B-B14F-4D97-AF65-F5344CB8AC3E}">
+        <p14:creationId xmlns:p14="http://schemas.microsoft.com/office/powerpoint/2010/main" val="3299847169"/>
+      </p:ext>
+    </p:extLst>
+  </p:cSld>
+  <p:clrMap bg1="lt1" tx1="dk1" bg2="lt2" tx2="dk2" accent1="accent1" accent2="accent2" accent3="accent3" accent4="accent4" accent5="accent5" accent6="accent6" hlink="hlink" folHlink="folHlink"/>
+  <p:notesStyle>
+    <a:lvl1pPr marL="0" algn="l" defTabSz="914400" rtl="0" eaLnBrk="1" latinLnBrk="0" hangingPunct="1">
+      <a:defRPr sz="1200" kern="1200">
+        <a:solidFill>
+          <a:schemeClr val="tx1"/>
+        </a:solidFill>
+        <a:latin typeface="+mn-lt"/>
+        <a:ea typeface="+mn-ea"/>
+        <a:cs typeface="+mn-cs"/>
+      </a:defRPr>
+    </a:lvl1pPr>
+    <a:lvl2pPr marL="457200" algn="l" defTabSz="914400" rtl="0" eaLnBrk="1" latinLnBrk="0" hangingPunct="1">
+      <a:defRPr sz="1200" kern="1200">
+        <a:solidFill>
+          <a:schemeClr val="tx1"/>
+        </a:solidFill>
+        <a:latin typeface="+mn-lt"/>
+        <a:ea typeface="+mn-ea"/>
+        <a:cs typeface="+mn-cs"/>
+      </a:defRPr>
+    </a:lvl2pPr>
+    <a:lvl3pPr marL="914400" algn="l" defTabSz="914400" rtl="0" eaLnBrk="1" latinLnBrk="0" hangingPunct="1">
+      <a:defRPr sz="1200" kern="1200">
+        <a:solidFill>
+          <a:schemeClr val="tx1"/>
+        </a:solidFill>
+        <a:latin typeface="+mn-lt"/>
+        <a:ea typeface="+mn-ea"/>
+        <a:cs typeface="+mn-cs"/>
+      </a:defRPr>
+    </a:lvl3pPr>
+    <a:lvl4pPr marL="1371600" algn="l" defTabSz="914400" rtl="0" eaLnBrk="1" latinLnBrk="0" hangingPunct="1">
+      <a:defRPr sz="1200" kern="1200">
+        <a:solidFill>
+          <a:schemeClr val="tx1"/>
+        </a:solidFill>
+        <a:latin typeface="+mn-lt"/>
+        <a:ea typeface="+mn-ea"/>
+        <a:cs typeface="+mn-cs"/>
+      </a:defRPr>
+    </a:lvl4pPr>
+    <a:lvl5pPr marL="1828800" algn="l" defTabSz="914400" rtl="0" eaLnBrk="1" latinLnBrk="0" hangingPunct="1">
+      <a:defRPr sz="1200" kern="1200">
+        <a:solidFill>
+          <a:schemeClr val="tx1"/>
+        </a:solidFill>
+        <a:latin typeface="+mn-lt"/>
+        <a:ea typeface="+mn-ea"/>
+        <a:cs typeface="+mn-cs"/>
+      </a:defRPr>
+    </a:lvl5pPr>
+    <a:lvl6pPr marL="2286000" algn="l" defTabSz="914400" rtl="0" eaLnBrk="1" latinLnBrk="0" hangingPunct="1">
+      <a:defRPr sz="1200" kern="1200">
+        <a:solidFill>
+          <a:schemeClr val="tx1"/>
+        </a:solidFill>
+        <a:latin typeface="+mn-lt"/>
+        <a:ea typeface="+mn-ea"/>
+        <a:cs typeface="+mn-cs"/>
+      </a:defRPr>
+    </a:lvl6pPr>
+    <a:lvl7pPr marL="2743200" algn="l" defTabSz="914400" rtl="0" eaLnBrk="1" latinLnBrk="0" hangingPunct="1">
+      <a:defRPr sz="1200" kern="1200">
+        <a:solidFill>
+          <a:schemeClr val="tx1"/>
+        </a:solidFill>
+        <a:latin typeface="+mn-lt"/>
+        <a:ea typeface="+mn-ea"/>
+        <a:cs typeface="+mn-cs"/>
+      </a:defRPr>
+    </a:lvl7pPr>
+    <a:lvl8pPr marL="3200400" algn="l" defTabSz="914400" rtl="0" eaLnBrk="1" latinLnBrk="0" hangingPunct="1">
+      <a:defRPr sz="1200" kern="1200">
+        <a:solidFill>
+          <a:schemeClr val="tx1"/>
+        </a:solidFill>
+        <a:latin typeface="+mn-lt"/>
+        <a:ea typeface="+mn-ea"/>
+        <a:cs typeface="+mn-cs"/>
+      </a:defRPr>
+    </a:lvl8pPr>
+    <a:lvl9pPr marL="3657600" algn="l" defTabSz="914400" rtl="0" eaLnBrk="1" latinLnBrk="0" hangingPunct="1">
+      <a:defRPr sz="1200" kern="1200">
+        <a:solidFill>
+          <a:schemeClr val="tx1"/>
+        </a:solidFill>
+        <a:latin typeface="+mn-lt"/>
+        <a:ea typeface="+mn-ea"/>
+        <a:cs typeface="+mn-cs"/>
+      </a:defRPr>
+    </a:lvl9pPr>
+  </p:notesStyle>
+</p:notesMaster>
+</file>
+
+<file path=ppt/notesSlides/notesSlide1.xml><?xml version="1.0" encoding="utf-8"?>
+<p:notes xmlns:a="http://schemas.openxmlformats.org/drawingml/2006/main" xmlns:r="http://schemas.openxmlformats.org/officeDocument/2006/relationships" xmlns:p="http://schemas.openxmlformats.org/presentationml/2006/main">
+  <p:cSld>
+    <p:spTree>
+      <p:nvGrpSpPr>
+        <p:cNvPr id="1" name=""/>
+        <p:cNvGrpSpPr/>
+        <p:nvPr/>
+      </p:nvGrpSpPr>
+      <p:grpSpPr>
+        <a:xfrm>
+          <a:off x="0" y="0"/>
+          <a:ext cx="0" cy="0"/>
+          <a:chOff x="0" y="0"/>
+          <a:chExt cx="0" cy="0"/>
+        </a:xfrm>
+      </p:grpSpPr>
+      <p:sp>
+        <p:nvSpPr>
+          <p:cNvPr id="2" name="Slide Image Placeholder 1"/>
+          <p:cNvSpPr>
+            <a:spLocks noGrp="1" noRot="1" noChangeAspect="1"/>
+          </p:cNvSpPr>
+          <p:nvPr>
+            <p:ph type="sldImg"/>
+          </p:nvPr>
+        </p:nvSpPr>
+        <p:spPr/>
+      </p:sp>
+      <p:sp>
+        <p:nvSpPr>
+          <p:cNvPr id="3" name="Notes Placeholder 2"/>
+          <p:cNvSpPr>
+            <a:spLocks noGrp="1"/>
+          </p:cNvSpPr>
+          <p:nvPr>
+            <p:ph type="body" idx="1"/>
+          </p:nvPr>
+        </p:nvSpPr>
+        <p:spPr/>
+        <p:txBody>
+          <a:bodyPr/>
+          <a:lstStyle/>
+          <a:p>
+            <a:endParaRPr lang="en-US" dirty="0"/>
+          </a:p>
+        </p:txBody>
+      </p:sp>
+      <p:sp>
+        <p:nvSpPr>
+          <p:cNvPr id="4" name="Slide Number Placeholder 3"/>
+          <p:cNvSpPr>
+            <a:spLocks noGrp="1"/>
+          </p:cNvSpPr>
+          <p:nvPr>
+            <p:ph type="sldNum" sz="quarter" idx="5"/>
+          </p:nvPr>
+        </p:nvSpPr>
+        <p:spPr/>
+        <p:txBody>
+          <a:bodyPr/>
+          <a:lstStyle/>
+          <a:p>
+            <a:fld id="{B46F1BCA-C42A-47DA-92DB-4F950B15F7FE}" type="slidenum">
+              <a:rPr lang="en-US" smtClean="0"/>
+              <a:t>16</a:t>
+            </a:fld>
+            <a:endParaRPr lang="en-US"/>
+          </a:p>
+        </p:txBody>
+      </p:sp>
+    </p:spTree>
+    <p:extLst>
+      <p:ext uri="{BB962C8B-B14F-4D97-AF65-F5344CB8AC3E}">
+        <p14:creationId xmlns:p14="http://schemas.microsoft.com/office/powerpoint/2010/main" val="1169719449"/>
+      </p:ext>
+    </p:extLst>
+  </p:cSld>
+  <p:clrMapOvr>
+    <a:masterClrMapping/>
+  </p:clrMapOvr>
+</p:notes>
+</file>
+
 <file path=ppt/slideLayouts/slideLayout1.xml><?xml version="1.0" encoding="utf-8"?>
 <p:sldLayout xmlns:a="http://schemas.openxmlformats.org/drawingml/2006/main" xmlns:r="http://schemas.openxmlformats.org/officeDocument/2006/relationships" xmlns:p="http://schemas.openxmlformats.org/presentationml/2006/main" type="title" preserve="1">
   <p:cSld name="Title Slide">
@@ -273,7 +711,7 @@
           <a:p>
             <a:fld id="{47ABD26D-D221-4902-BE5F-0AA58C118E78}" type="datetimeFigureOut">
               <a:rPr lang="en-US" smtClean="0"/>
-              <a:t>2/28/2024</a:t>
+              <a:t>4/23/2024</a:t>
             </a:fld>
             <a:endParaRPr lang="en-US"/>
           </a:p>
@@ -471,7 +909,7 @@
           <a:p>
             <a:fld id="{47ABD26D-D221-4902-BE5F-0AA58C118E78}" type="datetimeFigureOut">
               <a:rPr lang="en-US" smtClean="0"/>
-              <a:t>2/28/2024</a:t>
+              <a:t>4/23/2024</a:t>
             </a:fld>
             <a:endParaRPr lang="en-US"/>
           </a:p>
@@ -679,7 +1117,7 @@
           <a:p>
             <a:fld id="{47ABD26D-D221-4902-BE5F-0AA58C118E78}" type="datetimeFigureOut">
               <a:rPr lang="en-US" smtClean="0"/>
-              <a:t>2/28/2024</a:t>
+              <a:t>4/23/2024</a:t>
             </a:fld>
             <a:endParaRPr lang="en-US"/>
           </a:p>
@@ -877,7 +1315,7 @@
           <a:p>
             <a:fld id="{47ABD26D-D221-4902-BE5F-0AA58C118E78}" type="datetimeFigureOut">
               <a:rPr lang="en-US" smtClean="0"/>
-              <a:t>2/28/2024</a:t>
+              <a:t>4/23/2024</a:t>
             </a:fld>
             <a:endParaRPr lang="en-US"/>
           </a:p>
@@ -1152,7 +1590,7 @@
           <a:p>
             <a:fld id="{47ABD26D-D221-4902-BE5F-0AA58C118E78}" type="datetimeFigureOut">
               <a:rPr lang="en-US" smtClean="0"/>
-              <a:t>2/28/2024</a:t>
+              <a:t>4/23/2024</a:t>
             </a:fld>
             <a:endParaRPr lang="en-US"/>
           </a:p>
@@ -1417,7 +1855,7 @@
           <a:p>
             <a:fld id="{47ABD26D-D221-4902-BE5F-0AA58C118E78}" type="datetimeFigureOut">
               <a:rPr lang="en-US" smtClean="0"/>
-              <a:t>2/28/2024</a:t>
+              <a:t>4/23/2024</a:t>
             </a:fld>
             <a:endParaRPr lang="en-US"/>
           </a:p>
@@ -1829,7 +2267,7 @@
           <a:p>
             <a:fld id="{47ABD26D-D221-4902-BE5F-0AA58C118E78}" type="datetimeFigureOut">
               <a:rPr lang="en-US" smtClean="0"/>
-              <a:t>2/28/2024</a:t>
+              <a:t>4/23/2024</a:t>
             </a:fld>
             <a:endParaRPr lang="en-US"/>
           </a:p>
@@ -1970,7 +2408,7 @@
           <a:p>
             <a:fld id="{47ABD26D-D221-4902-BE5F-0AA58C118E78}" type="datetimeFigureOut">
               <a:rPr lang="en-US" smtClean="0"/>
-              <a:t>2/28/2024</a:t>
+              <a:t>4/23/2024</a:t>
             </a:fld>
             <a:endParaRPr lang="en-US"/>
           </a:p>
@@ -2083,7 +2521,7 @@
           <a:p>
             <a:fld id="{47ABD26D-D221-4902-BE5F-0AA58C118E78}" type="datetimeFigureOut">
               <a:rPr lang="en-US" smtClean="0"/>
-              <a:t>2/28/2024</a:t>
+              <a:t>4/23/2024</a:t>
             </a:fld>
             <a:endParaRPr lang="en-US"/>
           </a:p>
@@ -2394,7 +2832,7 @@
           <a:p>
             <a:fld id="{47ABD26D-D221-4902-BE5F-0AA58C118E78}" type="datetimeFigureOut">
               <a:rPr lang="en-US" smtClean="0"/>
-              <a:t>2/28/2024</a:t>
+              <a:t>4/23/2024</a:t>
             </a:fld>
             <a:endParaRPr lang="en-US"/>
           </a:p>
@@ -2682,7 +3120,7 @@
           <a:p>
             <a:fld id="{47ABD26D-D221-4902-BE5F-0AA58C118E78}" type="datetimeFigureOut">
               <a:rPr lang="en-US" smtClean="0"/>
-              <a:t>2/28/2024</a:t>
+              <a:t>4/23/2024</a:t>
             </a:fld>
             <a:endParaRPr lang="en-US"/>
           </a:p>
@@ -2923,7 +3361,7 @@
           <a:p>
             <a:fld id="{47ABD26D-D221-4902-BE5F-0AA58C118E78}" type="datetimeFigureOut">
               <a:rPr lang="en-US" smtClean="0"/>
-              <a:t>2/28/2024</a:t>
+              <a:t>4/23/2024</a:t>
             </a:fld>
             <a:endParaRPr lang="en-US"/>
           </a:p>
@@ -9124,13 +9562,7 @@
   <p:cSld>
     <p:spTree>
       <p:nvGrpSpPr>
-        <p:cNvPr id="1" name="">
-          <a:extLst>
-            <a:ext uri="{FF2B5EF4-FFF2-40B4-BE49-F238E27FC236}">
-              <a16:creationId xmlns:a16="http://schemas.microsoft.com/office/drawing/2014/main" id="{6D953891-4643-08AD-7385-F90A773BC0DC}"/>
-            </a:ext>
-          </a:extLst>
-        </p:cNvPr>
+        <p:cNvPr id="1" name=""/>
         <p:cNvGrpSpPr/>
         <p:nvPr/>
       </p:nvGrpSpPr>
@@ -9144,739 +9576,126 @@
       </p:grpSpPr>
       <p:sp>
         <p:nvSpPr>
-          <p:cNvPr id="4" name="Oval 3">
-            <a:extLst>
-              <a:ext uri="{FF2B5EF4-FFF2-40B4-BE49-F238E27FC236}">
-                <a16:creationId xmlns:a16="http://schemas.microsoft.com/office/drawing/2014/main" id="{2C7DE2D6-4BA5-BCFE-16A8-366D902C2F23}"/>
-              </a:ext>
-            </a:extLst>
-          </p:cNvPr>
-          <p:cNvSpPr/>
-          <p:nvPr/>
-        </p:nvSpPr>
-        <p:spPr>
-          <a:xfrm>
-            <a:off x="3873500" y="571501"/>
-            <a:ext cx="424615" cy="419100"/>
-          </a:xfrm>
-          <a:prstGeom prst="ellipse">
-            <a:avLst/>
-          </a:prstGeom>
-        </p:spPr>
-        <p:style>
-          <a:lnRef idx="2">
-            <a:schemeClr val="accent6"/>
-          </a:lnRef>
-          <a:fillRef idx="1">
-            <a:schemeClr val="lt1"/>
-          </a:fillRef>
-          <a:effectRef idx="0">
-            <a:schemeClr val="accent6"/>
-          </a:effectRef>
-          <a:fontRef idx="minor">
-            <a:schemeClr val="dk1"/>
-          </a:fontRef>
-        </p:style>
-        <p:txBody>
-          <a:bodyPr rtlCol="0" anchor="ctr"/>
-          <a:lstStyle/>
-          <a:p>
-            <a:pPr algn="ctr"/>
-            <a:endParaRPr lang="en-US"/>
-          </a:p>
-        </p:txBody>
-      </p:sp>
-      <p:sp>
-        <p:nvSpPr>
-          <p:cNvPr id="5" name="Oval 4">
-            <a:extLst>
-              <a:ext uri="{FF2B5EF4-FFF2-40B4-BE49-F238E27FC236}">
-                <a16:creationId xmlns:a16="http://schemas.microsoft.com/office/drawing/2014/main" id="{D89D39B3-95D5-6F18-A689-055EA895F9D2}"/>
-              </a:ext>
-            </a:extLst>
-          </p:cNvPr>
-          <p:cNvSpPr/>
-          <p:nvPr/>
-        </p:nvSpPr>
-        <p:spPr>
-          <a:xfrm>
-            <a:off x="4584700" y="571501"/>
-            <a:ext cx="424615" cy="419100"/>
-          </a:xfrm>
-          <a:prstGeom prst="ellipse">
-            <a:avLst/>
-          </a:prstGeom>
-        </p:spPr>
-        <p:style>
-          <a:lnRef idx="2">
-            <a:schemeClr val="accent6"/>
-          </a:lnRef>
-          <a:fillRef idx="1">
-            <a:schemeClr val="lt1"/>
-          </a:fillRef>
-          <a:effectRef idx="0">
-            <a:schemeClr val="accent6"/>
-          </a:effectRef>
-          <a:fontRef idx="minor">
-            <a:schemeClr val="dk1"/>
-          </a:fontRef>
-        </p:style>
-        <p:txBody>
-          <a:bodyPr rtlCol="0" anchor="ctr"/>
-          <a:lstStyle/>
-          <a:p>
-            <a:pPr algn="ctr"/>
-            <a:endParaRPr lang="en-US"/>
-          </a:p>
-        </p:txBody>
-      </p:sp>
-      <p:sp>
-        <p:nvSpPr>
-          <p:cNvPr id="6" name="Oval 5">
-            <a:extLst>
-              <a:ext uri="{FF2B5EF4-FFF2-40B4-BE49-F238E27FC236}">
-                <a16:creationId xmlns:a16="http://schemas.microsoft.com/office/drawing/2014/main" id="{C34FFDFF-A056-B786-ABF1-A1A3DD26FAC1}"/>
-              </a:ext>
-            </a:extLst>
-          </p:cNvPr>
-          <p:cNvSpPr/>
-          <p:nvPr/>
-        </p:nvSpPr>
-        <p:spPr>
-          <a:xfrm>
-            <a:off x="5295900" y="571501"/>
-            <a:ext cx="424615" cy="419100"/>
-          </a:xfrm>
-          <a:prstGeom prst="ellipse">
-            <a:avLst/>
-          </a:prstGeom>
-          <a:solidFill>
-            <a:schemeClr val="bg1"/>
-          </a:solidFill>
-          <a:ln>
-            <a:solidFill>
-              <a:schemeClr val="accent6"/>
-            </a:solidFill>
-          </a:ln>
-        </p:spPr>
-        <p:style>
-          <a:lnRef idx="2">
-            <a:schemeClr val="dk1">
-              <a:shade val="50000"/>
-            </a:schemeClr>
-          </a:lnRef>
-          <a:fillRef idx="1">
-            <a:schemeClr val="dk1"/>
-          </a:fillRef>
-          <a:effectRef idx="0">
-            <a:schemeClr val="dk1"/>
-          </a:effectRef>
-          <a:fontRef idx="minor">
-            <a:schemeClr val="lt1"/>
-          </a:fontRef>
-        </p:style>
-        <p:txBody>
-          <a:bodyPr rtlCol="0" anchor="ctr"/>
-          <a:lstStyle/>
-          <a:p>
-            <a:pPr algn="ctr"/>
-            <a:endParaRPr lang="en-US"/>
-          </a:p>
-        </p:txBody>
-      </p:sp>
-      <p:sp>
-        <p:nvSpPr>
-          <p:cNvPr id="7" name="Oval 6">
-            <a:extLst>
-              <a:ext uri="{FF2B5EF4-FFF2-40B4-BE49-F238E27FC236}">
-                <a16:creationId xmlns:a16="http://schemas.microsoft.com/office/drawing/2014/main" id="{3E70E1E2-4DCC-C555-B023-C92EBDAE3087}"/>
-              </a:ext>
-            </a:extLst>
-          </p:cNvPr>
-          <p:cNvSpPr/>
-          <p:nvPr/>
-        </p:nvSpPr>
-        <p:spPr>
-          <a:xfrm>
-            <a:off x="6007100" y="571501"/>
-            <a:ext cx="424615" cy="419100"/>
-          </a:xfrm>
-          <a:prstGeom prst="ellipse">
-            <a:avLst/>
-          </a:prstGeom>
-        </p:spPr>
-        <p:style>
-          <a:lnRef idx="2">
-            <a:schemeClr val="accent6"/>
-          </a:lnRef>
-          <a:fillRef idx="1">
-            <a:schemeClr val="lt1"/>
-          </a:fillRef>
-          <a:effectRef idx="0">
-            <a:schemeClr val="accent6"/>
-          </a:effectRef>
-          <a:fontRef idx="minor">
-            <a:schemeClr val="dk1"/>
-          </a:fontRef>
-        </p:style>
-        <p:txBody>
-          <a:bodyPr rtlCol="0" anchor="ctr"/>
-          <a:lstStyle/>
-          <a:p>
-            <a:pPr algn="ctr"/>
-            <a:endParaRPr lang="en-US"/>
-          </a:p>
-        </p:txBody>
-      </p:sp>
-      <p:sp>
-        <p:nvSpPr>
-          <p:cNvPr id="8" name="Oval 7">
-            <a:extLst>
-              <a:ext uri="{FF2B5EF4-FFF2-40B4-BE49-F238E27FC236}">
-                <a16:creationId xmlns:a16="http://schemas.microsoft.com/office/drawing/2014/main" id="{F966F1A3-4877-DD20-E7A9-CCDBD497E19A}"/>
-              </a:ext>
-            </a:extLst>
-          </p:cNvPr>
-          <p:cNvSpPr/>
-          <p:nvPr/>
-        </p:nvSpPr>
-        <p:spPr>
-          <a:xfrm>
-            <a:off x="6718300" y="571501"/>
-            <a:ext cx="424615" cy="419100"/>
-          </a:xfrm>
-          <a:prstGeom prst="ellipse">
-            <a:avLst/>
-          </a:prstGeom>
-        </p:spPr>
-        <p:style>
-          <a:lnRef idx="2">
-            <a:schemeClr val="accent6"/>
-          </a:lnRef>
-          <a:fillRef idx="1">
-            <a:schemeClr val="lt1"/>
-          </a:fillRef>
-          <a:effectRef idx="0">
-            <a:schemeClr val="accent6"/>
-          </a:effectRef>
-          <a:fontRef idx="minor">
-            <a:schemeClr val="dk1"/>
-          </a:fontRef>
-        </p:style>
-        <p:txBody>
-          <a:bodyPr rtlCol="0" anchor="ctr"/>
-          <a:lstStyle/>
-          <a:p>
-            <a:pPr algn="ctr"/>
-            <a:endParaRPr lang="en-US"/>
-          </a:p>
-        </p:txBody>
-      </p:sp>
-      <p:sp>
-        <p:nvSpPr>
-          <p:cNvPr id="9" name="Oval 8">
-            <a:extLst>
-              <a:ext uri="{FF2B5EF4-FFF2-40B4-BE49-F238E27FC236}">
-                <a16:creationId xmlns:a16="http://schemas.microsoft.com/office/drawing/2014/main" id="{C42526ED-4519-F60B-801A-8CE8C5D73D4C}"/>
-              </a:ext>
-            </a:extLst>
-          </p:cNvPr>
-          <p:cNvSpPr/>
-          <p:nvPr/>
-        </p:nvSpPr>
-        <p:spPr>
-          <a:xfrm>
-            <a:off x="7429500" y="571501"/>
-            <a:ext cx="424615" cy="419100"/>
-          </a:xfrm>
-          <a:prstGeom prst="ellipse">
-            <a:avLst/>
-          </a:prstGeom>
-        </p:spPr>
-        <p:style>
-          <a:lnRef idx="2">
-            <a:schemeClr val="accent6"/>
-          </a:lnRef>
-          <a:fillRef idx="1">
-            <a:schemeClr val="lt1"/>
-          </a:fillRef>
-          <a:effectRef idx="0">
-            <a:schemeClr val="accent6"/>
-          </a:effectRef>
-          <a:fontRef idx="minor">
-            <a:schemeClr val="dk1"/>
-          </a:fontRef>
-        </p:style>
-        <p:txBody>
-          <a:bodyPr rtlCol="0" anchor="ctr"/>
-          <a:lstStyle/>
-          <a:p>
-            <a:pPr algn="ctr"/>
-            <a:endParaRPr lang="en-US"/>
-          </a:p>
-        </p:txBody>
-      </p:sp>
-      <p:sp>
-        <p:nvSpPr>
-          <p:cNvPr id="10" name="Oval 9">
-            <a:extLst>
-              <a:ext uri="{FF2B5EF4-FFF2-40B4-BE49-F238E27FC236}">
-                <a16:creationId xmlns:a16="http://schemas.microsoft.com/office/drawing/2014/main" id="{D1F9359A-74E5-23E9-B9BA-10C1AF29586B}"/>
-              </a:ext>
-            </a:extLst>
-          </p:cNvPr>
-          <p:cNvSpPr/>
-          <p:nvPr/>
-        </p:nvSpPr>
-        <p:spPr>
-          <a:xfrm>
-            <a:off x="3162300" y="571501"/>
-            <a:ext cx="424615" cy="419100"/>
-          </a:xfrm>
-          <a:prstGeom prst="ellipse">
-            <a:avLst/>
-          </a:prstGeom>
-        </p:spPr>
-        <p:style>
-          <a:lnRef idx="2">
-            <a:schemeClr val="accent6"/>
-          </a:lnRef>
-          <a:fillRef idx="1">
-            <a:schemeClr val="lt1"/>
-          </a:fillRef>
-          <a:effectRef idx="0">
-            <a:schemeClr val="accent6"/>
-          </a:effectRef>
-          <a:fontRef idx="minor">
-            <a:schemeClr val="dk1"/>
-          </a:fontRef>
-        </p:style>
-        <p:txBody>
-          <a:bodyPr rtlCol="0" anchor="ctr"/>
-          <a:lstStyle/>
-          <a:p>
-            <a:pPr algn="ctr"/>
-            <a:endParaRPr lang="en-US"/>
-          </a:p>
-        </p:txBody>
-      </p:sp>
-      <p:sp>
-        <p:nvSpPr>
-          <p:cNvPr id="11" name="Oval 10">
-            <a:extLst>
-              <a:ext uri="{FF2B5EF4-FFF2-40B4-BE49-F238E27FC236}">
-                <a16:creationId xmlns:a16="http://schemas.microsoft.com/office/drawing/2014/main" id="{E1740174-1AE7-F204-B256-78A5F2F629B8}"/>
-              </a:ext>
-            </a:extLst>
-          </p:cNvPr>
-          <p:cNvSpPr/>
-          <p:nvPr/>
-        </p:nvSpPr>
-        <p:spPr>
-          <a:xfrm>
-            <a:off x="8140700" y="571501"/>
-            <a:ext cx="424615" cy="419100"/>
-          </a:xfrm>
-          <a:prstGeom prst="ellipse">
-            <a:avLst/>
-          </a:prstGeom>
-          <a:solidFill>
-            <a:schemeClr val="tx1"/>
-          </a:solidFill>
-        </p:spPr>
-        <p:style>
-          <a:lnRef idx="2">
-            <a:schemeClr val="accent6"/>
-          </a:lnRef>
-          <a:fillRef idx="1">
-            <a:schemeClr val="lt1"/>
-          </a:fillRef>
-          <a:effectRef idx="0">
-            <a:schemeClr val="accent6"/>
-          </a:effectRef>
-          <a:fontRef idx="minor">
-            <a:schemeClr val="dk1"/>
-          </a:fontRef>
-        </p:style>
-        <p:txBody>
-          <a:bodyPr rtlCol="0" anchor="ctr"/>
-          <a:lstStyle/>
-          <a:p>
-            <a:pPr algn="ctr"/>
-            <a:endParaRPr lang="en-US"/>
-          </a:p>
-        </p:txBody>
-      </p:sp>
-      <p:sp>
-        <p:nvSpPr>
-          <p:cNvPr id="12" name="Oval 11">
-            <a:extLst>
-              <a:ext uri="{FF2B5EF4-FFF2-40B4-BE49-F238E27FC236}">
-                <a16:creationId xmlns:a16="http://schemas.microsoft.com/office/drawing/2014/main" id="{9A2F4E9C-398B-7C4A-95BF-8A651FC2AF5A}"/>
-              </a:ext>
-            </a:extLst>
-          </p:cNvPr>
-          <p:cNvSpPr/>
-          <p:nvPr/>
-        </p:nvSpPr>
-        <p:spPr>
-          <a:xfrm>
-            <a:off x="3962400" y="5740399"/>
-            <a:ext cx="424615" cy="419100"/>
-          </a:xfrm>
-          <a:prstGeom prst="ellipse">
-            <a:avLst/>
-          </a:prstGeom>
-        </p:spPr>
-        <p:style>
-          <a:lnRef idx="2">
-            <a:schemeClr val="accent6"/>
-          </a:lnRef>
-          <a:fillRef idx="1">
-            <a:schemeClr val="lt1"/>
-          </a:fillRef>
-          <a:effectRef idx="0">
-            <a:schemeClr val="accent6"/>
-          </a:effectRef>
-          <a:fontRef idx="minor">
-            <a:schemeClr val="dk1"/>
-          </a:fontRef>
-        </p:style>
-        <p:txBody>
-          <a:bodyPr rtlCol="0" anchor="ctr"/>
-          <a:lstStyle/>
-          <a:p>
-            <a:pPr algn="ctr"/>
-            <a:endParaRPr lang="en-US"/>
-          </a:p>
-        </p:txBody>
-      </p:sp>
-      <p:sp>
-        <p:nvSpPr>
-          <p:cNvPr id="13" name="Oval 12">
-            <a:extLst>
-              <a:ext uri="{FF2B5EF4-FFF2-40B4-BE49-F238E27FC236}">
-                <a16:creationId xmlns:a16="http://schemas.microsoft.com/office/drawing/2014/main" id="{475FD3CE-617C-C870-60FC-51AC9FC8F149}"/>
-              </a:ext>
-            </a:extLst>
-          </p:cNvPr>
-          <p:cNvSpPr/>
-          <p:nvPr/>
-        </p:nvSpPr>
-        <p:spPr>
-          <a:xfrm>
-            <a:off x="4673600" y="5740399"/>
-            <a:ext cx="424615" cy="419100"/>
-          </a:xfrm>
-          <a:prstGeom prst="ellipse">
-            <a:avLst/>
-          </a:prstGeom>
-          <a:solidFill>
-            <a:schemeClr val="tx1"/>
-          </a:solidFill>
-        </p:spPr>
-        <p:style>
-          <a:lnRef idx="2">
-            <a:schemeClr val="accent6"/>
-          </a:lnRef>
-          <a:fillRef idx="1">
-            <a:schemeClr val="lt1"/>
-          </a:fillRef>
-          <a:effectRef idx="0">
-            <a:schemeClr val="accent6"/>
-          </a:effectRef>
-          <a:fontRef idx="minor">
-            <a:schemeClr val="dk1"/>
-          </a:fontRef>
-        </p:style>
-        <p:txBody>
-          <a:bodyPr rtlCol="0" anchor="ctr"/>
-          <a:lstStyle/>
-          <a:p>
-            <a:pPr algn="ctr"/>
-            <a:endParaRPr lang="en-US"/>
-          </a:p>
-        </p:txBody>
-      </p:sp>
-      <p:sp>
-        <p:nvSpPr>
-          <p:cNvPr id="14" name="Oval 13">
-            <a:extLst>
-              <a:ext uri="{FF2B5EF4-FFF2-40B4-BE49-F238E27FC236}">
-                <a16:creationId xmlns:a16="http://schemas.microsoft.com/office/drawing/2014/main" id="{2D04A23F-B15E-3A5F-1586-198A51B45B9F}"/>
-              </a:ext>
-            </a:extLst>
-          </p:cNvPr>
-          <p:cNvSpPr/>
-          <p:nvPr/>
-        </p:nvSpPr>
-        <p:spPr>
-          <a:xfrm>
-            <a:off x="5384800" y="5740399"/>
-            <a:ext cx="424615" cy="419100"/>
-          </a:xfrm>
-          <a:prstGeom prst="ellipse">
-            <a:avLst/>
-          </a:prstGeom>
-          <a:solidFill>
-            <a:schemeClr val="bg1"/>
-          </a:solidFill>
-        </p:spPr>
-        <p:style>
-          <a:lnRef idx="2">
-            <a:schemeClr val="accent6"/>
-          </a:lnRef>
-          <a:fillRef idx="1">
-            <a:schemeClr val="lt1"/>
-          </a:fillRef>
-          <a:effectRef idx="0">
-            <a:schemeClr val="accent6"/>
-          </a:effectRef>
-          <a:fontRef idx="minor">
-            <a:schemeClr val="dk1"/>
-          </a:fontRef>
-        </p:style>
-        <p:txBody>
-          <a:bodyPr rtlCol="0" anchor="ctr"/>
-          <a:lstStyle/>
-          <a:p>
-            <a:pPr algn="ctr"/>
-            <a:endParaRPr lang="en-US"/>
-          </a:p>
-        </p:txBody>
-      </p:sp>
-      <p:sp>
-        <p:nvSpPr>
-          <p:cNvPr id="15" name="Oval 14">
-            <a:extLst>
-              <a:ext uri="{FF2B5EF4-FFF2-40B4-BE49-F238E27FC236}">
-                <a16:creationId xmlns:a16="http://schemas.microsoft.com/office/drawing/2014/main" id="{6988D7B2-310F-7D39-5F64-7C6F57EBE55C}"/>
-              </a:ext>
-            </a:extLst>
-          </p:cNvPr>
-          <p:cNvSpPr/>
-          <p:nvPr/>
-        </p:nvSpPr>
-        <p:spPr>
-          <a:xfrm>
-            <a:off x="6096000" y="5740399"/>
-            <a:ext cx="424615" cy="419100"/>
-          </a:xfrm>
-          <a:prstGeom prst="ellipse">
-            <a:avLst/>
-          </a:prstGeom>
-          <a:solidFill>
-            <a:schemeClr val="tx1"/>
-          </a:solidFill>
-        </p:spPr>
-        <p:style>
-          <a:lnRef idx="2">
-            <a:schemeClr val="accent6"/>
-          </a:lnRef>
-          <a:fillRef idx="1">
-            <a:schemeClr val="lt1"/>
-          </a:fillRef>
-          <a:effectRef idx="0">
-            <a:schemeClr val="accent6"/>
-          </a:effectRef>
-          <a:fontRef idx="minor">
-            <a:schemeClr val="dk1"/>
-          </a:fontRef>
-        </p:style>
-        <p:txBody>
-          <a:bodyPr rtlCol="0" anchor="ctr"/>
-          <a:lstStyle/>
-          <a:p>
-            <a:pPr algn="ctr"/>
-            <a:endParaRPr lang="en-US"/>
-          </a:p>
-        </p:txBody>
-      </p:sp>
-      <p:sp>
-        <p:nvSpPr>
-          <p:cNvPr id="16" name="Oval 15">
-            <a:extLst>
-              <a:ext uri="{FF2B5EF4-FFF2-40B4-BE49-F238E27FC236}">
-                <a16:creationId xmlns:a16="http://schemas.microsoft.com/office/drawing/2014/main" id="{DFE57E28-D59C-A643-A976-E0FA239BF14C}"/>
-              </a:ext>
-            </a:extLst>
-          </p:cNvPr>
-          <p:cNvSpPr/>
-          <p:nvPr/>
-        </p:nvSpPr>
-        <p:spPr>
-          <a:xfrm>
-            <a:off x="6807200" y="5740399"/>
-            <a:ext cx="424615" cy="419100"/>
-          </a:xfrm>
-          <a:prstGeom prst="ellipse">
-            <a:avLst/>
-          </a:prstGeom>
-        </p:spPr>
-        <p:style>
-          <a:lnRef idx="2">
-            <a:schemeClr val="accent6"/>
-          </a:lnRef>
-          <a:fillRef idx="1">
-            <a:schemeClr val="lt1"/>
-          </a:fillRef>
-          <a:effectRef idx="0">
-            <a:schemeClr val="accent6"/>
-          </a:effectRef>
-          <a:fontRef idx="minor">
-            <a:schemeClr val="dk1"/>
-          </a:fontRef>
-        </p:style>
-        <p:txBody>
-          <a:bodyPr rtlCol="0" anchor="ctr"/>
-          <a:lstStyle/>
-          <a:p>
-            <a:pPr algn="ctr"/>
-            <a:endParaRPr lang="en-US"/>
-          </a:p>
-        </p:txBody>
-      </p:sp>
-      <p:sp>
-        <p:nvSpPr>
-          <p:cNvPr id="17" name="Oval 16">
-            <a:extLst>
-              <a:ext uri="{FF2B5EF4-FFF2-40B4-BE49-F238E27FC236}">
-                <a16:creationId xmlns:a16="http://schemas.microsoft.com/office/drawing/2014/main" id="{3F1E745C-9544-9034-EB3E-051199A7B9E1}"/>
-              </a:ext>
-            </a:extLst>
-          </p:cNvPr>
-          <p:cNvSpPr/>
-          <p:nvPr/>
-        </p:nvSpPr>
-        <p:spPr>
-          <a:xfrm>
-            <a:off x="7518400" y="5740399"/>
-            <a:ext cx="424615" cy="419100"/>
-          </a:xfrm>
-          <a:prstGeom prst="ellipse">
-            <a:avLst/>
-          </a:prstGeom>
-        </p:spPr>
-        <p:style>
-          <a:lnRef idx="2">
-            <a:schemeClr val="accent6"/>
-          </a:lnRef>
-          <a:fillRef idx="1">
-            <a:schemeClr val="lt1"/>
-          </a:fillRef>
-          <a:effectRef idx="0">
-            <a:schemeClr val="accent6"/>
-          </a:effectRef>
-          <a:fontRef idx="minor">
-            <a:schemeClr val="dk1"/>
-          </a:fontRef>
-        </p:style>
-        <p:txBody>
-          <a:bodyPr rtlCol="0" anchor="ctr"/>
-          <a:lstStyle/>
-          <a:p>
-            <a:pPr algn="ctr"/>
-            <a:endParaRPr lang="en-US"/>
-          </a:p>
-        </p:txBody>
-      </p:sp>
-      <p:sp>
-        <p:nvSpPr>
-          <p:cNvPr id="18" name="Oval 17">
-            <a:extLst>
-              <a:ext uri="{FF2B5EF4-FFF2-40B4-BE49-F238E27FC236}">
-                <a16:creationId xmlns:a16="http://schemas.microsoft.com/office/drawing/2014/main" id="{7A5641C5-D16E-A198-340B-C603EF16F1EE}"/>
-              </a:ext>
-            </a:extLst>
-          </p:cNvPr>
-          <p:cNvSpPr/>
-          <p:nvPr/>
-        </p:nvSpPr>
-        <p:spPr>
-          <a:xfrm>
-            <a:off x="3251200" y="5740399"/>
-            <a:ext cx="424615" cy="419100"/>
-          </a:xfrm>
-          <a:prstGeom prst="ellipse">
-            <a:avLst/>
-          </a:prstGeom>
-        </p:spPr>
-        <p:style>
-          <a:lnRef idx="2">
-            <a:schemeClr val="accent6"/>
-          </a:lnRef>
-          <a:fillRef idx="1">
-            <a:schemeClr val="lt1"/>
-          </a:fillRef>
-          <a:effectRef idx="0">
-            <a:schemeClr val="accent6"/>
-          </a:effectRef>
-          <a:fontRef idx="minor">
-            <a:schemeClr val="dk1"/>
-          </a:fontRef>
-        </p:style>
-        <p:txBody>
-          <a:bodyPr rtlCol="0" anchor="ctr"/>
-          <a:lstStyle/>
-          <a:p>
-            <a:pPr algn="ctr"/>
-            <a:endParaRPr lang="en-US"/>
-          </a:p>
-        </p:txBody>
-      </p:sp>
-      <p:sp>
-        <p:nvSpPr>
-          <p:cNvPr id="19" name="Oval 18">
-            <a:extLst>
-              <a:ext uri="{FF2B5EF4-FFF2-40B4-BE49-F238E27FC236}">
-                <a16:creationId xmlns:a16="http://schemas.microsoft.com/office/drawing/2014/main" id="{44B4C1E2-D9CC-0498-864B-CED86C158CCA}"/>
-              </a:ext>
-            </a:extLst>
-          </p:cNvPr>
-          <p:cNvSpPr/>
-          <p:nvPr/>
-        </p:nvSpPr>
-        <p:spPr>
-          <a:xfrm>
-            <a:off x="8229600" y="5740399"/>
-            <a:ext cx="424615" cy="419100"/>
-          </a:xfrm>
-          <a:prstGeom prst="ellipse">
-            <a:avLst/>
-          </a:prstGeom>
-          <a:solidFill>
-            <a:schemeClr val="bg1"/>
-          </a:solidFill>
-        </p:spPr>
-        <p:style>
-          <a:lnRef idx="2">
-            <a:schemeClr val="accent6"/>
-          </a:lnRef>
-          <a:fillRef idx="1">
-            <a:schemeClr val="lt1"/>
-          </a:fillRef>
-          <a:effectRef idx="0">
-            <a:schemeClr val="accent6"/>
-          </a:effectRef>
-          <a:fontRef idx="minor">
-            <a:schemeClr val="dk1"/>
-          </a:fontRef>
-        </p:style>
-        <p:txBody>
-          <a:bodyPr rtlCol="0" anchor="ctr"/>
-          <a:lstStyle/>
-          <a:p>
-            <a:pPr algn="ctr"/>
-            <a:endParaRPr lang="en-US"/>
-          </a:p>
-        </p:txBody>
-      </p:sp>
+          <p:cNvPr id="4" name="Title 3">
+            <a:extLst>
+              <a:ext uri="{FF2B5EF4-FFF2-40B4-BE49-F238E27FC236}">
+                <a16:creationId xmlns:a16="http://schemas.microsoft.com/office/drawing/2014/main" id="{AB7B7FEE-3F34-B06E-E1C5-47B672A4D20A}"/>
+              </a:ext>
+            </a:extLst>
+          </p:cNvPr>
+          <p:cNvSpPr>
+            <a:spLocks noGrp="1"/>
+          </p:cNvSpPr>
+          <p:nvPr>
+            <p:ph type="ctrTitle"/>
+          </p:nvPr>
+        </p:nvSpPr>
+        <p:spPr/>
+        <p:txBody>
+          <a:bodyPr/>
+          <a:lstStyle/>
+          <a:p>
+            <a:r>
+              <a:rPr lang="en-US" dirty="0"/>
+              <a:t>New RF cell</a:t>
+            </a:r>
+          </a:p>
+        </p:txBody>
+      </p:sp>
+      <p:sp>
+        <p:nvSpPr>
+          <p:cNvPr id="5" name="Subtitle 4">
+            <a:extLst>
+              <a:ext uri="{FF2B5EF4-FFF2-40B4-BE49-F238E27FC236}">
+                <a16:creationId xmlns:a16="http://schemas.microsoft.com/office/drawing/2014/main" id="{3B042670-AB06-8BB5-D3E2-03D2096F0AD2}"/>
+              </a:ext>
+            </a:extLst>
+          </p:cNvPr>
+          <p:cNvSpPr>
+            <a:spLocks noGrp="1"/>
+          </p:cNvSpPr>
+          <p:nvPr>
+            <p:ph type="subTitle" idx="1"/>
+          </p:nvPr>
+        </p:nvSpPr>
+        <p:spPr/>
+        <p:txBody>
+          <a:bodyPr/>
+          <a:lstStyle/>
+          <a:p>
+            <a:r>
+              <a:rPr lang="en-US" dirty="0"/>
+              <a:t>4/23/24</a:t>
+            </a:r>
+          </a:p>
+        </p:txBody>
+      </p:sp>
+    </p:spTree>
+    <p:extLst>
+      <p:ext uri="{BB962C8B-B14F-4D97-AF65-F5344CB8AC3E}">
+        <p14:creationId xmlns:p14="http://schemas.microsoft.com/office/powerpoint/2010/main" val="2557310625"/>
+      </p:ext>
+    </p:extLst>
+  </p:cSld>
+  <p:clrMapOvr>
+    <a:masterClrMapping/>
+  </p:clrMapOvr>
+</p:sld>
+</file>
+
+<file path=ppt/slides/slide16.xml><?xml version="1.0" encoding="utf-8"?>
+<p:sld xmlns:a="http://schemas.openxmlformats.org/drawingml/2006/main" xmlns:r="http://schemas.openxmlformats.org/officeDocument/2006/relationships" xmlns:p="http://schemas.openxmlformats.org/presentationml/2006/main">
+  <p:cSld>
+    <p:spTree>
+      <p:nvGrpSpPr>
+        <p:cNvPr id="1" name=""/>
+        <p:cNvGrpSpPr/>
+        <p:nvPr/>
+      </p:nvGrpSpPr>
+      <p:grpSpPr>
+        <a:xfrm>
+          <a:off x="0" y="0"/>
+          <a:ext cx="0" cy="0"/>
+          <a:chOff x="0" y="0"/>
+          <a:chExt cx="0" cy="0"/>
+        </a:xfrm>
+      </p:grpSpPr>
+      <p:pic>
+        <p:nvPicPr>
+          <p:cNvPr id="80" name="Picture 79">
+            <a:extLst>
+              <a:ext uri="{FF2B5EF4-FFF2-40B4-BE49-F238E27FC236}">
+                <a16:creationId xmlns:a16="http://schemas.microsoft.com/office/drawing/2014/main" id="{3D17134E-6B52-5DCD-6CE2-E2B2C16232FD}"/>
+              </a:ext>
+            </a:extLst>
+          </p:cNvPr>
+          <p:cNvPicPr>
+            <a:picLocks noChangeAspect="1"/>
+          </p:cNvPicPr>
+          <p:nvPr/>
+        </p:nvPicPr>
+        <p:blipFill>
+          <a:blip r:embed="rId3"/>
+          <a:stretch>
+            <a:fillRect/>
+          </a:stretch>
+        </p:blipFill>
+        <p:spPr>
+          <a:xfrm rot="10800000">
+            <a:off x="3940481" y="1795922"/>
+            <a:ext cx="4103857" cy="2999585"/>
+          </a:xfrm>
+          <a:prstGeom prst="rect">
+            <a:avLst/>
+          </a:prstGeom>
+        </p:spPr>
+      </p:pic>
       <p:grpSp>
         <p:nvGrpSpPr>
-          <p:cNvPr id="36" name="Group 35">
-            <a:extLst>
-              <a:ext uri="{FF2B5EF4-FFF2-40B4-BE49-F238E27FC236}">
-                <a16:creationId xmlns:a16="http://schemas.microsoft.com/office/drawing/2014/main" id="{5760467C-D559-B545-7074-33768C0C3FC6}"/>
+          <p:cNvPr id="13" name="Group 12">
+            <a:extLst>
+              <a:ext uri="{FF2B5EF4-FFF2-40B4-BE49-F238E27FC236}">
+                <a16:creationId xmlns:a16="http://schemas.microsoft.com/office/drawing/2014/main" id="{7A138D50-90B6-63E0-BC24-E5BAA3D30515}"/>
               </a:ext>
             </a:extLst>
           </p:cNvPr>
@@ -9884,19 +9703,19 @@
           <p:nvPr/>
         </p:nvGrpSpPr>
         <p:grpSpPr>
-          <a:xfrm rot="5400000">
-            <a:off x="380794" y="3447865"/>
-            <a:ext cx="4110218" cy="322350"/>
-            <a:chOff x="1745415" y="2121182"/>
-            <a:chExt cx="5477863" cy="431519"/>
+          <a:xfrm>
+            <a:off x="3248296" y="533693"/>
+            <a:ext cx="5695408" cy="365760"/>
+            <a:chOff x="2569029" y="452846"/>
+            <a:chExt cx="5695408" cy="365760"/>
           </a:xfrm>
         </p:grpSpPr>
         <p:sp>
           <p:nvSpPr>
-            <p:cNvPr id="28" name="Oval 27">
+            <p:cNvPr id="4" name="Rectangle 3">
               <a:extLst>
                 <a:ext uri="{FF2B5EF4-FFF2-40B4-BE49-F238E27FC236}">
-                  <a16:creationId xmlns:a16="http://schemas.microsoft.com/office/drawing/2014/main" id="{7A74ECBD-88F6-755E-6976-8A3651700ABA}"/>
+                  <a16:creationId xmlns:a16="http://schemas.microsoft.com/office/drawing/2014/main" id="{89DF28E1-9904-428C-C8A5-DDFBA857DEDA}"/>
                 </a:ext>
               </a:extLst>
             </p:cNvPr>
@@ -9905,25 +9724,27 @@
           </p:nvSpPr>
           <p:spPr>
             <a:xfrm>
-              <a:off x="1745415" y="2133601"/>
-              <a:ext cx="424615" cy="419100"/>
+              <a:off x="2569029" y="452846"/>
+              <a:ext cx="435428" cy="365760"/>
             </a:xfrm>
-            <a:prstGeom prst="ellipse">
+            <a:prstGeom prst="rect">
               <a:avLst/>
             </a:prstGeom>
           </p:spPr>
           <p:style>
             <a:lnRef idx="2">
-              <a:schemeClr val="accent6"/>
+              <a:schemeClr val="accent1">
+                <a:shade val="15000"/>
+              </a:schemeClr>
             </a:lnRef>
             <a:fillRef idx="1">
-              <a:schemeClr val="lt1"/>
+              <a:schemeClr val="accent1"/>
             </a:fillRef>
             <a:effectRef idx="0">
-              <a:schemeClr val="accent6"/>
+              <a:schemeClr val="accent1"/>
             </a:effectRef>
             <a:fontRef idx="minor">
-              <a:schemeClr val="dk1"/>
+              <a:schemeClr val="lt1"/>
             </a:fontRef>
           </p:style>
           <p:txBody>
@@ -9937,10 +9758,10 @@
         </p:sp>
         <p:sp>
           <p:nvSpPr>
-            <p:cNvPr id="29" name="Oval 28">
+            <p:cNvPr id="5" name="Rectangle 4">
               <a:extLst>
                 <a:ext uri="{FF2B5EF4-FFF2-40B4-BE49-F238E27FC236}">
-                  <a16:creationId xmlns:a16="http://schemas.microsoft.com/office/drawing/2014/main" id="{707622B6-CEFA-3DA2-22B0-8700F7477BCF}"/>
+                  <a16:creationId xmlns:a16="http://schemas.microsoft.com/office/drawing/2014/main" id="{3894A2DE-0092-94EC-4BFA-3C6869709ED6}"/>
                 </a:ext>
               </a:extLst>
             </p:cNvPr>
@@ -9949,25 +9770,27 @@
           </p:nvSpPr>
           <p:spPr>
             <a:xfrm>
-              <a:off x="2456615" y="2133601"/>
-              <a:ext cx="424615" cy="419100"/>
+              <a:off x="3078480" y="452846"/>
+              <a:ext cx="435428" cy="365760"/>
             </a:xfrm>
-            <a:prstGeom prst="ellipse">
+            <a:prstGeom prst="rect">
               <a:avLst/>
             </a:prstGeom>
           </p:spPr>
           <p:style>
             <a:lnRef idx="2">
-              <a:schemeClr val="accent6"/>
+              <a:schemeClr val="accent1">
+                <a:shade val="15000"/>
+              </a:schemeClr>
             </a:lnRef>
             <a:fillRef idx="1">
-              <a:schemeClr val="lt1"/>
+              <a:schemeClr val="accent1"/>
             </a:fillRef>
             <a:effectRef idx="0">
-              <a:schemeClr val="accent6"/>
+              <a:schemeClr val="accent1"/>
             </a:effectRef>
             <a:fontRef idx="minor">
-              <a:schemeClr val="dk1"/>
+              <a:schemeClr val="lt1"/>
             </a:fontRef>
           </p:style>
           <p:txBody>
@@ -9981,10 +9804,10 @@
         </p:sp>
         <p:sp>
           <p:nvSpPr>
-            <p:cNvPr id="30" name="Oval 29">
+            <p:cNvPr id="6" name="Rectangle 5">
               <a:extLst>
                 <a:ext uri="{FF2B5EF4-FFF2-40B4-BE49-F238E27FC236}">
-                  <a16:creationId xmlns:a16="http://schemas.microsoft.com/office/drawing/2014/main" id="{A74B2BDF-84BB-D8D8-6D99-4D7376F5B348}"/>
+                  <a16:creationId xmlns:a16="http://schemas.microsoft.com/office/drawing/2014/main" id="{449B8A4E-1CB2-D44E-3932-082CD8B33F31}"/>
                 </a:ext>
               </a:extLst>
             </p:cNvPr>
@@ -9993,25 +9816,73 @@
           </p:nvSpPr>
           <p:spPr>
             <a:xfrm>
-              <a:off x="3167815" y="2133601"/>
-              <a:ext cx="424615" cy="419100"/>
+              <a:off x="3709851" y="452846"/>
+              <a:ext cx="435428" cy="365760"/>
             </a:xfrm>
-            <a:prstGeom prst="ellipse">
+            <a:prstGeom prst="rect">
               <a:avLst/>
             </a:prstGeom>
           </p:spPr>
           <p:style>
             <a:lnRef idx="2">
-              <a:schemeClr val="accent6"/>
+              <a:schemeClr val="accent1">
+                <a:shade val="15000"/>
+              </a:schemeClr>
             </a:lnRef>
             <a:fillRef idx="1">
-              <a:schemeClr val="lt1"/>
+              <a:schemeClr val="accent1"/>
             </a:fillRef>
             <a:effectRef idx="0">
-              <a:schemeClr val="accent6"/>
+              <a:schemeClr val="accent1"/>
             </a:effectRef>
             <a:fontRef idx="minor">
-              <a:schemeClr val="dk1"/>
+              <a:schemeClr val="lt1"/>
+            </a:fontRef>
+          </p:style>
+          <p:txBody>
+            <a:bodyPr rtlCol="0" anchor="ctr"/>
+            <a:lstStyle/>
+            <a:p>
+              <a:pPr algn="ctr"/>
+              <a:endParaRPr lang="en-US" dirty="0"/>
+            </a:p>
+          </p:txBody>
+        </p:sp>
+        <p:sp>
+          <p:nvSpPr>
+            <p:cNvPr id="7" name="Rectangle 6">
+              <a:extLst>
+                <a:ext uri="{FF2B5EF4-FFF2-40B4-BE49-F238E27FC236}">
+                  <a16:creationId xmlns:a16="http://schemas.microsoft.com/office/drawing/2014/main" id="{45AC721D-79A8-BBB8-43EC-C0D92814FDED}"/>
+                </a:ext>
+              </a:extLst>
+            </p:cNvPr>
+            <p:cNvSpPr/>
+            <p:nvPr/>
+          </p:nvSpPr>
+          <p:spPr>
+            <a:xfrm>
+              <a:off x="4402181" y="452846"/>
+              <a:ext cx="435428" cy="365760"/>
+            </a:xfrm>
+            <a:prstGeom prst="rect">
+              <a:avLst/>
+            </a:prstGeom>
+          </p:spPr>
+          <p:style>
+            <a:lnRef idx="2">
+              <a:schemeClr val="accent1">
+                <a:shade val="15000"/>
+              </a:schemeClr>
+            </a:lnRef>
+            <a:fillRef idx="1">
+              <a:schemeClr val="accent1"/>
+            </a:fillRef>
+            <a:effectRef idx="0">
+              <a:schemeClr val="accent1"/>
+            </a:effectRef>
+            <a:fontRef idx="minor">
+              <a:schemeClr val="lt1"/>
             </a:fontRef>
           </p:style>
           <p:txBody>
@@ -10025,10 +9896,10 @@
         </p:sp>
         <p:sp>
           <p:nvSpPr>
-            <p:cNvPr id="31" name="Oval 30">
+            <p:cNvPr id="8" name="Rectangle 7">
               <a:extLst>
                 <a:ext uri="{FF2B5EF4-FFF2-40B4-BE49-F238E27FC236}">
-                  <a16:creationId xmlns:a16="http://schemas.microsoft.com/office/drawing/2014/main" id="{6C057761-3660-06BB-E389-0E399DCF2A1A}"/>
+                  <a16:creationId xmlns:a16="http://schemas.microsoft.com/office/drawing/2014/main" id="{076818AC-312A-8B3D-4B67-688A0AE2FCC1}"/>
                 </a:ext>
               </a:extLst>
             </p:cNvPr>
@@ -10037,25 +9908,73 @@
           </p:nvSpPr>
           <p:spPr>
             <a:xfrm>
-              <a:off x="3879015" y="2133601"/>
-              <a:ext cx="424615" cy="419100"/>
+              <a:off x="5124989" y="452846"/>
+              <a:ext cx="435428" cy="365760"/>
             </a:xfrm>
-            <a:prstGeom prst="ellipse">
+            <a:prstGeom prst="rect">
               <a:avLst/>
             </a:prstGeom>
           </p:spPr>
           <p:style>
             <a:lnRef idx="2">
-              <a:schemeClr val="accent6"/>
+              <a:schemeClr val="accent1">
+                <a:shade val="15000"/>
+              </a:schemeClr>
             </a:lnRef>
             <a:fillRef idx="1">
-              <a:schemeClr val="lt1"/>
+              <a:schemeClr val="accent1"/>
             </a:fillRef>
             <a:effectRef idx="0">
-              <a:schemeClr val="accent6"/>
+              <a:schemeClr val="accent1"/>
             </a:effectRef>
             <a:fontRef idx="minor">
-              <a:schemeClr val="dk1"/>
+              <a:schemeClr val="lt1"/>
+            </a:fontRef>
+          </p:style>
+          <p:txBody>
+            <a:bodyPr rtlCol="0" anchor="ctr"/>
+            <a:lstStyle/>
+            <a:p>
+              <a:pPr algn="ctr"/>
+              <a:endParaRPr lang="en-US" dirty="0"/>
+            </a:p>
+          </p:txBody>
+        </p:sp>
+        <p:sp>
+          <p:nvSpPr>
+            <p:cNvPr id="9" name="Rectangle 8">
+              <a:extLst>
+                <a:ext uri="{FF2B5EF4-FFF2-40B4-BE49-F238E27FC236}">
+                  <a16:creationId xmlns:a16="http://schemas.microsoft.com/office/drawing/2014/main" id="{3FD2FF8F-9218-C0A3-FC7E-E8F919F7B42B}"/>
+                </a:ext>
+              </a:extLst>
+            </p:cNvPr>
+            <p:cNvSpPr/>
+            <p:nvPr/>
+          </p:nvSpPr>
+          <p:spPr>
+            <a:xfrm>
+              <a:off x="5808603" y="452846"/>
+              <a:ext cx="435428" cy="365760"/>
+            </a:xfrm>
+            <a:prstGeom prst="rect">
+              <a:avLst/>
+            </a:prstGeom>
+          </p:spPr>
+          <p:style>
+            <a:lnRef idx="2">
+              <a:schemeClr val="accent1">
+                <a:shade val="15000"/>
+              </a:schemeClr>
+            </a:lnRef>
+            <a:fillRef idx="1">
+              <a:schemeClr val="accent1"/>
+            </a:fillRef>
+            <a:effectRef idx="0">
+              <a:schemeClr val="accent1"/>
+            </a:effectRef>
+            <a:fontRef idx="minor">
+              <a:schemeClr val="lt1"/>
             </a:fontRef>
           </p:style>
           <p:txBody>
@@ -10069,10 +9988,10 @@
         </p:sp>
         <p:sp>
           <p:nvSpPr>
-            <p:cNvPr id="32" name="Oval 31">
+            <p:cNvPr id="10" name="Rectangle 9">
               <a:extLst>
                 <a:ext uri="{FF2B5EF4-FFF2-40B4-BE49-F238E27FC236}">
-                  <a16:creationId xmlns:a16="http://schemas.microsoft.com/office/drawing/2014/main" id="{6D150CBF-C35E-3C71-FB2C-F17F8C63AFE1}"/>
+                  <a16:creationId xmlns:a16="http://schemas.microsoft.com/office/drawing/2014/main" id="{8BB7811C-3BA5-BC9D-5363-B0EF84172DCD}"/>
                 </a:ext>
               </a:extLst>
             </p:cNvPr>
@@ -10081,25 +10000,27 @@
           </p:nvSpPr>
           <p:spPr>
             <a:xfrm>
-              <a:off x="4590215" y="2133601"/>
-              <a:ext cx="424615" cy="419100"/>
+              <a:off x="6492217" y="452846"/>
+              <a:ext cx="435428" cy="365760"/>
             </a:xfrm>
-            <a:prstGeom prst="ellipse">
+            <a:prstGeom prst="rect">
               <a:avLst/>
             </a:prstGeom>
           </p:spPr>
           <p:style>
             <a:lnRef idx="2">
-              <a:schemeClr val="accent6"/>
+              <a:schemeClr val="accent1">
+                <a:shade val="15000"/>
+              </a:schemeClr>
             </a:lnRef>
             <a:fillRef idx="1">
-              <a:schemeClr val="lt1"/>
+              <a:schemeClr val="accent1"/>
             </a:fillRef>
             <a:effectRef idx="0">
-              <a:schemeClr val="accent6"/>
+              <a:schemeClr val="accent1"/>
             </a:effectRef>
             <a:fontRef idx="minor">
-              <a:schemeClr val="dk1"/>
+              <a:schemeClr val="lt1"/>
             </a:fontRef>
           </p:style>
           <p:txBody>
@@ -10113,10 +10034,10 @@
         </p:sp>
         <p:sp>
           <p:nvSpPr>
-            <p:cNvPr id="33" name="Oval 32">
+            <p:cNvPr id="11" name="Rectangle 10">
               <a:extLst>
                 <a:ext uri="{FF2B5EF4-FFF2-40B4-BE49-F238E27FC236}">
-                  <a16:creationId xmlns:a16="http://schemas.microsoft.com/office/drawing/2014/main" id="{639C472E-A3C0-86FE-0C05-89E16950CAB7}"/>
+                  <a16:creationId xmlns:a16="http://schemas.microsoft.com/office/drawing/2014/main" id="{19ED3342-C2AF-6B17-20F3-2A349F262974}"/>
                 </a:ext>
               </a:extLst>
             </p:cNvPr>
@@ -10125,25 +10046,27 @@
           </p:nvSpPr>
           <p:spPr>
             <a:xfrm>
-              <a:off x="5301415" y="2133601"/>
-              <a:ext cx="424615" cy="419100"/>
+              <a:off x="7136679" y="452846"/>
+              <a:ext cx="435428" cy="365760"/>
             </a:xfrm>
-            <a:prstGeom prst="ellipse">
+            <a:prstGeom prst="rect">
               <a:avLst/>
             </a:prstGeom>
           </p:spPr>
           <p:style>
             <a:lnRef idx="2">
-              <a:schemeClr val="accent6"/>
+              <a:schemeClr val="accent1">
+                <a:shade val="15000"/>
+              </a:schemeClr>
             </a:lnRef>
             <a:fillRef idx="1">
-              <a:schemeClr val="lt1"/>
+              <a:schemeClr val="accent1"/>
             </a:fillRef>
             <a:effectRef idx="0">
-              <a:schemeClr val="accent6"/>
+              <a:schemeClr val="accent1"/>
             </a:effectRef>
             <a:fontRef idx="minor">
-              <a:schemeClr val="dk1"/>
+              <a:schemeClr val="lt1"/>
             </a:fontRef>
           </p:style>
           <p:txBody>
@@ -10157,10 +10080,10 @@
         </p:sp>
         <p:sp>
           <p:nvSpPr>
-            <p:cNvPr id="34" name="Oval 33">
+            <p:cNvPr id="12" name="Rectangle 11">
               <a:extLst>
                 <a:ext uri="{FF2B5EF4-FFF2-40B4-BE49-F238E27FC236}">
-                  <a16:creationId xmlns:a16="http://schemas.microsoft.com/office/drawing/2014/main" id="{D65CC981-5A13-BA7A-A498-000EBCC09DB4}"/>
+                  <a16:creationId xmlns:a16="http://schemas.microsoft.com/office/drawing/2014/main" id="{74AC20D1-C42C-9853-994E-A8CF46494ECD}"/>
                 </a:ext>
               </a:extLst>
             </p:cNvPr>
@@ -10169,78 +10092,27 @@
           </p:nvSpPr>
           <p:spPr>
             <a:xfrm>
-              <a:off x="6798664" y="2121182"/>
-              <a:ext cx="424614" cy="419100"/>
+              <a:off x="7829009" y="452846"/>
+              <a:ext cx="435428" cy="365760"/>
             </a:xfrm>
-            <a:prstGeom prst="ellipse">
+            <a:prstGeom prst="rect">
               <a:avLst/>
             </a:prstGeom>
-            <a:solidFill>
-              <a:schemeClr val="tx1"/>
-            </a:solidFill>
-            <a:ln>
-              <a:solidFill>
-                <a:schemeClr val="accent6"/>
-              </a:solidFill>
-            </a:ln>
           </p:spPr>
           <p:style>
             <a:lnRef idx="2">
-              <a:schemeClr val="accent6"/>
+              <a:schemeClr val="accent1">
+                <a:shade val="15000"/>
+              </a:schemeClr>
             </a:lnRef>
             <a:fillRef idx="1">
-              <a:schemeClr val="lt1"/>
+              <a:schemeClr val="accent1"/>
             </a:fillRef>
             <a:effectRef idx="0">
-              <a:schemeClr val="accent6"/>
+              <a:schemeClr val="accent1"/>
             </a:effectRef>
             <a:fontRef idx="minor">
-              <a:schemeClr val="dk1"/>
-            </a:fontRef>
-          </p:style>
-          <p:txBody>
-            <a:bodyPr rtlCol="0" anchor="ctr"/>
-            <a:lstStyle/>
-            <a:p>
-              <a:pPr algn="ctr"/>
-              <a:endParaRPr lang="en-US" dirty="0"/>
-            </a:p>
-          </p:txBody>
-        </p:sp>
-        <p:sp>
-          <p:nvSpPr>
-            <p:cNvPr id="35" name="Oval 34">
-              <a:extLst>
-                <a:ext uri="{FF2B5EF4-FFF2-40B4-BE49-F238E27FC236}">
-                  <a16:creationId xmlns:a16="http://schemas.microsoft.com/office/drawing/2014/main" id="{B762D3C5-E6B4-B8CB-1610-492CF430F324}"/>
-                </a:ext>
-              </a:extLst>
-            </p:cNvPr>
-            <p:cNvSpPr/>
-            <p:nvPr/>
-          </p:nvSpPr>
-          <p:spPr>
-            <a:xfrm>
-              <a:off x="6012615" y="2133601"/>
-              <a:ext cx="424615" cy="419100"/>
-            </a:xfrm>
-            <a:prstGeom prst="ellipse">
-              <a:avLst/>
-            </a:prstGeom>
-            <a:noFill/>
-          </p:spPr>
-          <p:style>
-            <a:lnRef idx="2">
-              <a:schemeClr val="accent6"/>
-            </a:lnRef>
-            <a:fillRef idx="1">
               <a:schemeClr val="lt1"/>
-            </a:fillRef>
-            <a:effectRef idx="0">
-              <a:schemeClr val="accent6"/>
-            </a:effectRef>
-            <a:fontRef idx="minor">
-              <a:schemeClr val="dk1"/>
             </a:fontRef>
           </p:style>
           <p:txBody>
@@ -10255,10 +10127,10 @@
       </p:grpSp>
       <p:grpSp>
         <p:nvGrpSpPr>
-          <p:cNvPr id="37" name="Group 36">
-            <a:extLst>
-              <a:ext uri="{FF2B5EF4-FFF2-40B4-BE49-F238E27FC236}">
-                <a16:creationId xmlns:a16="http://schemas.microsoft.com/office/drawing/2014/main" id="{AF9BEA1A-2D9B-19FF-50DA-A93A2A095E4E}"/>
+          <p:cNvPr id="14" name="Group 13">
+            <a:extLst>
+              <a:ext uri="{FF2B5EF4-FFF2-40B4-BE49-F238E27FC236}">
+                <a16:creationId xmlns:a16="http://schemas.microsoft.com/office/drawing/2014/main" id="{614851D4-70CE-F3B7-A7DD-8C85B456EA93}"/>
               </a:ext>
             </a:extLst>
           </p:cNvPr>
@@ -10266,19 +10138,19 @@
           <p:nvPr/>
         </p:nvGrpSpPr>
         <p:grpSpPr>
-          <a:xfrm rot="5400000">
-            <a:off x="7235407" y="3218493"/>
-            <a:ext cx="4054057" cy="313073"/>
-            <a:chOff x="1034215" y="2133601"/>
-            <a:chExt cx="5403015" cy="419100"/>
+          <a:xfrm rot="16200000">
+            <a:off x="52257" y="3198517"/>
+            <a:ext cx="5695408" cy="365760"/>
+            <a:chOff x="2569029" y="452846"/>
+            <a:chExt cx="5695408" cy="365760"/>
           </a:xfrm>
         </p:grpSpPr>
         <p:sp>
           <p:nvSpPr>
-            <p:cNvPr id="38" name="Oval 37">
+            <p:cNvPr id="15" name="Rectangle 14">
               <a:extLst>
                 <a:ext uri="{FF2B5EF4-FFF2-40B4-BE49-F238E27FC236}">
-                  <a16:creationId xmlns:a16="http://schemas.microsoft.com/office/drawing/2014/main" id="{C473BAC1-031E-C750-CF77-DB8D4DC4C79C}"/>
+                  <a16:creationId xmlns:a16="http://schemas.microsoft.com/office/drawing/2014/main" id="{2EB916F8-59F5-D79A-DF8D-E8B6F53228D6}"/>
                 </a:ext>
               </a:extLst>
             </p:cNvPr>
@@ -10287,25 +10159,27 @@
           </p:nvSpPr>
           <p:spPr>
             <a:xfrm>
-              <a:off x="1745415" y="2133601"/>
-              <a:ext cx="424615" cy="419100"/>
+              <a:off x="2569029" y="452846"/>
+              <a:ext cx="435428" cy="365760"/>
             </a:xfrm>
-            <a:prstGeom prst="ellipse">
+            <a:prstGeom prst="rect">
               <a:avLst/>
             </a:prstGeom>
           </p:spPr>
           <p:style>
             <a:lnRef idx="2">
-              <a:schemeClr val="accent6"/>
+              <a:schemeClr val="accent1">
+                <a:shade val="15000"/>
+              </a:schemeClr>
             </a:lnRef>
             <a:fillRef idx="1">
-              <a:schemeClr val="lt1"/>
+              <a:schemeClr val="accent1"/>
             </a:fillRef>
             <a:effectRef idx="0">
-              <a:schemeClr val="accent6"/>
+              <a:schemeClr val="accent1"/>
             </a:effectRef>
             <a:fontRef idx="minor">
-              <a:schemeClr val="dk1"/>
+              <a:schemeClr val="lt1"/>
             </a:fontRef>
           </p:style>
           <p:txBody>
@@ -10319,10 +10193,10 @@
         </p:sp>
         <p:sp>
           <p:nvSpPr>
-            <p:cNvPr id="39" name="Oval 38">
+            <p:cNvPr id="16" name="Rectangle 15">
               <a:extLst>
                 <a:ext uri="{FF2B5EF4-FFF2-40B4-BE49-F238E27FC236}">
-                  <a16:creationId xmlns:a16="http://schemas.microsoft.com/office/drawing/2014/main" id="{60ABCA4B-08EE-A96C-AE34-261CCCEEC901}"/>
+                  <a16:creationId xmlns:a16="http://schemas.microsoft.com/office/drawing/2014/main" id="{29FC9102-62B1-A5A1-1E11-67580B330770}"/>
                 </a:ext>
               </a:extLst>
             </p:cNvPr>
@@ -10331,25 +10205,27 @@
           </p:nvSpPr>
           <p:spPr>
             <a:xfrm>
-              <a:off x="2456615" y="2133601"/>
-              <a:ext cx="424615" cy="419100"/>
+              <a:off x="3078480" y="452846"/>
+              <a:ext cx="435428" cy="365760"/>
             </a:xfrm>
-            <a:prstGeom prst="ellipse">
+            <a:prstGeom prst="rect">
               <a:avLst/>
             </a:prstGeom>
           </p:spPr>
           <p:style>
             <a:lnRef idx="2">
-              <a:schemeClr val="accent6"/>
+              <a:schemeClr val="accent1">
+                <a:shade val="15000"/>
+              </a:schemeClr>
             </a:lnRef>
             <a:fillRef idx="1">
-              <a:schemeClr val="lt1"/>
+              <a:schemeClr val="accent1"/>
             </a:fillRef>
             <a:effectRef idx="0">
-              <a:schemeClr val="accent6"/>
+              <a:schemeClr val="accent1"/>
             </a:effectRef>
             <a:fontRef idx="minor">
-              <a:schemeClr val="dk1"/>
+              <a:schemeClr val="lt1"/>
             </a:fontRef>
           </p:style>
           <p:txBody>
@@ -10363,10 +10239,10 @@
         </p:sp>
         <p:sp>
           <p:nvSpPr>
-            <p:cNvPr id="40" name="Oval 39">
+            <p:cNvPr id="17" name="Rectangle 16">
               <a:extLst>
                 <a:ext uri="{FF2B5EF4-FFF2-40B4-BE49-F238E27FC236}">
-                  <a16:creationId xmlns:a16="http://schemas.microsoft.com/office/drawing/2014/main" id="{3511F79F-6FCC-5ABE-5623-56F8EDD86FE4}"/>
+                  <a16:creationId xmlns:a16="http://schemas.microsoft.com/office/drawing/2014/main" id="{3639AE18-915B-0C50-AAE8-DBDB56708CE2}"/>
                 </a:ext>
               </a:extLst>
             </p:cNvPr>
@@ -10375,25 +10251,27 @@
           </p:nvSpPr>
           <p:spPr>
             <a:xfrm>
-              <a:off x="3167815" y="2133601"/>
-              <a:ext cx="424615" cy="419100"/>
+              <a:off x="3709851" y="452846"/>
+              <a:ext cx="435428" cy="365760"/>
             </a:xfrm>
-            <a:prstGeom prst="ellipse">
+            <a:prstGeom prst="rect">
               <a:avLst/>
             </a:prstGeom>
           </p:spPr>
           <p:style>
             <a:lnRef idx="2">
-              <a:schemeClr val="accent6"/>
+              <a:schemeClr val="accent1">
+                <a:shade val="15000"/>
+              </a:schemeClr>
             </a:lnRef>
             <a:fillRef idx="1">
-              <a:schemeClr val="lt1"/>
+              <a:schemeClr val="accent1"/>
             </a:fillRef>
             <a:effectRef idx="0">
-              <a:schemeClr val="accent6"/>
+              <a:schemeClr val="accent1"/>
             </a:effectRef>
             <a:fontRef idx="minor">
-              <a:schemeClr val="dk1"/>
+              <a:schemeClr val="lt1"/>
             </a:fontRef>
           </p:style>
           <p:txBody>
@@ -10407,10 +10285,10 @@
         </p:sp>
         <p:sp>
           <p:nvSpPr>
-            <p:cNvPr id="41" name="Oval 40">
+            <p:cNvPr id="18" name="Rectangle 17">
               <a:extLst>
                 <a:ext uri="{FF2B5EF4-FFF2-40B4-BE49-F238E27FC236}">
-                  <a16:creationId xmlns:a16="http://schemas.microsoft.com/office/drawing/2014/main" id="{32E1C178-8C06-7D3E-58F7-E978C74642F5}"/>
+                  <a16:creationId xmlns:a16="http://schemas.microsoft.com/office/drawing/2014/main" id="{0DFF7FBB-B878-9FC9-1593-9647A00CDC15}"/>
                 </a:ext>
               </a:extLst>
             </p:cNvPr>
@@ -10419,25 +10297,27 @@
           </p:nvSpPr>
           <p:spPr>
             <a:xfrm>
-              <a:off x="3879015" y="2133601"/>
-              <a:ext cx="424615" cy="419100"/>
+              <a:off x="4402181" y="452846"/>
+              <a:ext cx="435428" cy="365760"/>
             </a:xfrm>
-            <a:prstGeom prst="ellipse">
+            <a:prstGeom prst="rect">
               <a:avLst/>
             </a:prstGeom>
           </p:spPr>
           <p:style>
             <a:lnRef idx="2">
-              <a:schemeClr val="accent6"/>
+              <a:schemeClr val="accent1">
+                <a:shade val="15000"/>
+              </a:schemeClr>
             </a:lnRef>
             <a:fillRef idx="1">
-              <a:schemeClr val="lt1"/>
+              <a:schemeClr val="accent1"/>
             </a:fillRef>
             <a:effectRef idx="0">
-              <a:schemeClr val="accent6"/>
+              <a:schemeClr val="accent1"/>
             </a:effectRef>
             <a:fontRef idx="minor">
-              <a:schemeClr val="dk1"/>
+              <a:schemeClr val="lt1"/>
             </a:fontRef>
           </p:style>
           <p:txBody>
@@ -10451,10 +10331,10 @@
         </p:sp>
         <p:sp>
           <p:nvSpPr>
-            <p:cNvPr id="42" name="Oval 41">
+            <p:cNvPr id="19" name="Rectangle 18">
               <a:extLst>
                 <a:ext uri="{FF2B5EF4-FFF2-40B4-BE49-F238E27FC236}">
-                  <a16:creationId xmlns:a16="http://schemas.microsoft.com/office/drawing/2014/main" id="{3EB900C5-FF74-F640-9C8A-9219399A8F26}"/>
+                  <a16:creationId xmlns:a16="http://schemas.microsoft.com/office/drawing/2014/main" id="{640FAA0A-58E2-5889-F950-732CD4EA269B}"/>
                 </a:ext>
               </a:extLst>
             </p:cNvPr>
@@ -10463,25 +10343,27 @@
           </p:nvSpPr>
           <p:spPr>
             <a:xfrm>
-              <a:off x="4590215" y="2133601"/>
-              <a:ext cx="424615" cy="419100"/>
+              <a:off x="5124989" y="452846"/>
+              <a:ext cx="435428" cy="365760"/>
             </a:xfrm>
-            <a:prstGeom prst="ellipse">
+            <a:prstGeom prst="rect">
               <a:avLst/>
             </a:prstGeom>
           </p:spPr>
           <p:style>
             <a:lnRef idx="2">
-              <a:schemeClr val="accent6"/>
+              <a:schemeClr val="accent1">
+                <a:shade val="15000"/>
+              </a:schemeClr>
             </a:lnRef>
             <a:fillRef idx="1">
-              <a:schemeClr val="lt1"/>
+              <a:schemeClr val="accent1"/>
             </a:fillRef>
             <a:effectRef idx="0">
-              <a:schemeClr val="accent6"/>
+              <a:schemeClr val="accent1"/>
             </a:effectRef>
             <a:fontRef idx="minor">
-              <a:schemeClr val="dk1"/>
+              <a:schemeClr val="lt1"/>
             </a:fontRef>
           </p:style>
           <p:txBody>
@@ -10495,10 +10377,10 @@
         </p:sp>
         <p:sp>
           <p:nvSpPr>
-            <p:cNvPr id="43" name="Oval 42">
+            <p:cNvPr id="20" name="Rectangle 19">
               <a:extLst>
                 <a:ext uri="{FF2B5EF4-FFF2-40B4-BE49-F238E27FC236}">
-                  <a16:creationId xmlns:a16="http://schemas.microsoft.com/office/drawing/2014/main" id="{1C005743-A8AF-DA71-CB6A-C070273871ED}"/>
+                  <a16:creationId xmlns:a16="http://schemas.microsoft.com/office/drawing/2014/main" id="{49D78EAB-A06A-B648-4A31-EEF80FD016F8}"/>
                 </a:ext>
               </a:extLst>
             </p:cNvPr>
@@ -10507,25 +10389,27 @@
           </p:nvSpPr>
           <p:spPr>
             <a:xfrm>
-              <a:off x="5301415" y="2133601"/>
-              <a:ext cx="424615" cy="419100"/>
+              <a:off x="5808603" y="452846"/>
+              <a:ext cx="435428" cy="365760"/>
             </a:xfrm>
-            <a:prstGeom prst="ellipse">
+            <a:prstGeom prst="rect">
               <a:avLst/>
             </a:prstGeom>
           </p:spPr>
           <p:style>
             <a:lnRef idx="2">
-              <a:schemeClr val="accent6"/>
+              <a:schemeClr val="accent1">
+                <a:shade val="15000"/>
+              </a:schemeClr>
             </a:lnRef>
             <a:fillRef idx="1">
-              <a:schemeClr val="lt1"/>
+              <a:schemeClr val="accent1"/>
             </a:fillRef>
             <a:effectRef idx="0">
-              <a:schemeClr val="accent6"/>
+              <a:schemeClr val="accent1"/>
             </a:effectRef>
             <a:fontRef idx="minor">
-              <a:schemeClr val="dk1"/>
+              <a:schemeClr val="lt1"/>
             </a:fontRef>
           </p:style>
           <p:txBody>
@@ -10539,10 +10423,10 @@
         </p:sp>
         <p:sp>
           <p:nvSpPr>
-            <p:cNvPr id="44" name="Oval 43">
+            <p:cNvPr id="21" name="Rectangle 20">
               <a:extLst>
                 <a:ext uri="{FF2B5EF4-FFF2-40B4-BE49-F238E27FC236}">
-                  <a16:creationId xmlns:a16="http://schemas.microsoft.com/office/drawing/2014/main" id="{E292EB44-8C5B-DE2D-9B48-A00C572F987B}"/>
+                  <a16:creationId xmlns:a16="http://schemas.microsoft.com/office/drawing/2014/main" id="{B91334AF-4F37-4236-9782-D11E4C0A3DE3}"/>
                 </a:ext>
               </a:extLst>
             </p:cNvPr>
@@ -10551,25 +10435,27 @@
           </p:nvSpPr>
           <p:spPr>
             <a:xfrm>
-              <a:off x="1034215" y="2133601"/>
-              <a:ext cx="424615" cy="419100"/>
+              <a:off x="6492217" y="452846"/>
+              <a:ext cx="435428" cy="365760"/>
             </a:xfrm>
-            <a:prstGeom prst="ellipse">
+            <a:prstGeom prst="rect">
               <a:avLst/>
             </a:prstGeom>
           </p:spPr>
           <p:style>
             <a:lnRef idx="2">
-              <a:schemeClr val="accent6"/>
+              <a:schemeClr val="accent1">
+                <a:shade val="15000"/>
+              </a:schemeClr>
             </a:lnRef>
             <a:fillRef idx="1">
-              <a:schemeClr val="lt1"/>
+              <a:schemeClr val="accent1"/>
             </a:fillRef>
             <a:effectRef idx="0">
-              <a:schemeClr val="accent6"/>
+              <a:schemeClr val="accent1"/>
             </a:effectRef>
             <a:fontRef idx="minor">
-              <a:schemeClr val="dk1"/>
+              <a:schemeClr val="lt1"/>
             </a:fontRef>
           </p:style>
           <p:txBody>
@@ -10583,10 +10469,10 @@
         </p:sp>
         <p:sp>
           <p:nvSpPr>
-            <p:cNvPr id="45" name="Oval 44">
+            <p:cNvPr id="22" name="Rectangle 21">
               <a:extLst>
                 <a:ext uri="{FF2B5EF4-FFF2-40B4-BE49-F238E27FC236}">
-                  <a16:creationId xmlns:a16="http://schemas.microsoft.com/office/drawing/2014/main" id="{EEEF0E76-D620-8DB3-A0BF-79BD1205B04C}"/>
+                  <a16:creationId xmlns:a16="http://schemas.microsoft.com/office/drawing/2014/main" id="{73724187-F4F7-3A2F-197E-52B5A79BAC60}"/>
                 </a:ext>
               </a:extLst>
             </p:cNvPr>
@@ -10595,28 +10481,73 @@
           </p:nvSpPr>
           <p:spPr>
             <a:xfrm>
-              <a:off x="6012615" y="2133601"/>
-              <a:ext cx="424615" cy="419100"/>
+              <a:off x="7136679" y="452846"/>
+              <a:ext cx="435428" cy="365760"/>
             </a:xfrm>
-            <a:prstGeom prst="ellipse">
+            <a:prstGeom prst="rect">
               <a:avLst/>
             </a:prstGeom>
-            <a:solidFill>
-              <a:schemeClr val="tx1"/>
-            </a:solidFill>
           </p:spPr>
           <p:style>
             <a:lnRef idx="2">
-              <a:schemeClr val="accent6"/>
+              <a:schemeClr val="accent1">
+                <a:shade val="15000"/>
+              </a:schemeClr>
             </a:lnRef>
             <a:fillRef idx="1">
-              <a:schemeClr val="lt1"/>
+              <a:schemeClr val="accent1"/>
             </a:fillRef>
             <a:effectRef idx="0">
-              <a:schemeClr val="accent6"/>
+              <a:schemeClr val="accent1"/>
             </a:effectRef>
             <a:fontRef idx="minor">
-              <a:schemeClr val="dk1"/>
+              <a:schemeClr val="lt1"/>
+            </a:fontRef>
+          </p:style>
+          <p:txBody>
+            <a:bodyPr rtlCol="0" anchor="ctr"/>
+            <a:lstStyle/>
+            <a:p>
+              <a:pPr algn="ctr"/>
+              <a:endParaRPr lang="en-US" dirty="0"/>
+            </a:p>
+          </p:txBody>
+        </p:sp>
+        <p:sp>
+          <p:nvSpPr>
+            <p:cNvPr id="23" name="Rectangle 22">
+              <a:extLst>
+                <a:ext uri="{FF2B5EF4-FFF2-40B4-BE49-F238E27FC236}">
+                  <a16:creationId xmlns:a16="http://schemas.microsoft.com/office/drawing/2014/main" id="{6FB21298-F1B9-9C1B-A19E-374516D31008}"/>
+                </a:ext>
+              </a:extLst>
+            </p:cNvPr>
+            <p:cNvSpPr/>
+            <p:nvPr/>
+          </p:nvSpPr>
+          <p:spPr>
+            <a:xfrm>
+              <a:off x="7829009" y="452846"/>
+              <a:ext cx="435428" cy="365760"/>
+            </a:xfrm>
+            <a:prstGeom prst="rect">
+              <a:avLst/>
+            </a:prstGeom>
+          </p:spPr>
+          <p:style>
+            <a:lnRef idx="2">
+              <a:schemeClr val="accent1">
+                <a:shade val="15000"/>
+              </a:schemeClr>
+            </a:lnRef>
+            <a:fillRef idx="1">
+              <a:schemeClr val="accent1"/>
+            </a:fillRef>
+            <a:effectRef idx="0">
+              <a:schemeClr val="accent1"/>
+            </a:effectRef>
+            <a:fontRef idx="minor">
+              <a:schemeClr val="lt1"/>
             </a:fontRef>
           </p:style>
           <p:txBody>
@@ -10629,12 +10560,952 @@
           </p:txBody>
         </p:sp>
       </p:grpSp>
+      <p:grpSp>
+        <p:nvGrpSpPr>
+          <p:cNvPr id="24" name="Group 23">
+            <a:extLst>
+              <a:ext uri="{FF2B5EF4-FFF2-40B4-BE49-F238E27FC236}">
+                <a16:creationId xmlns:a16="http://schemas.microsoft.com/office/drawing/2014/main" id="{A43107A1-6320-1262-1C6E-379C74DA2851}"/>
+              </a:ext>
+            </a:extLst>
+          </p:cNvPr>
+          <p:cNvGrpSpPr/>
+          <p:nvPr/>
+        </p:nvGrpSpPr>
+        <p:grpSpPr>
+          <a:xfrm>
+            <a:off x="3174266" y="5862042"/>
+            <a:ext cx="5695408" cy="365760"/>
+            <a:chOff x="2569029" y="452846"/>
+            <a:chExt cx="5695408" cy="365760"/>
+          </a:xfrm>
+        </p:grpSpPr>
+        <p:sp>
+          <p:nvSpPr>
+            <p:cNvPr id="25" name="Rectangle 24">
+              <a:extLst>
+                <a:ext uri="{FF2B5EF4-FFF2-40B4-BE49-F238E27FC236}">
+                  <a16:creationId xmlns:a16="http://schemas.microsoft.com/office/drawing/2014/main" id="{AC48DBE0-98AA-828B-EB93-71866856C09D}"/>
+                </a:ext>
+              </a:extLst>
+            </p:cNvPr>
+            <p:cNvSpPr/>
+            <p:nvPr/>
+          </p:nvSpPr>
+          <p:spPr>
+            <a:xfrm>
+              <a:off x="2569029" y="452846"/>
+              <a:ext cx="435428" cy="365760"/>
+            </a:xfrm>
+            <a:prstGeom prst="rect">
+              <a:avLst/>
+            </a:prstGeom>
+          </p:spPr>
+          <p:style>
+            <a:lnRef idx="2">
+              <a:schemeClr val="accent1">
+                <a:shade val="15000"/>
+              </a:schemeClr>
+            </a:lnRef>
+            <a:fillRef idx="1">
+              <a:schemeClr val="accent1"/>
+            </a:fillRef>
+            <a:effectRef idx="0">
+              <a:schemeClr val="accent1"/>
+            </a:effectRef>
+            <a:fontRef idx="minor">
+              <a:schemeClr val="lt1"/>
+            </a:fontRef>
+          </p:style>
+          <p:txBody>
+            <a:bodyPr rtlCol="0" anchor="ctr"/>
+            <a:lstStyle/>
+            <a:p>
+              <a:pPr algn="ctr"/>
+              <a:endParaRPr lang="en-US"/>
+            </a:p>
+          </p:txBody>
+        </p:sp>
+        <p:sp>
+          <p:nvSpPr>
+            <p:cNvPr id="26" name="Rectangle 25">
+              <a:extLst>
+                <a:ext uri="{FF2B5EF4-FFF2-40B4-BE49-F238E27FC236}">
+                  <a16:creationId xmlns:a16="http://schemas.microsoft.com/office/drawing/2014/main" id="{8724BD6B-4933-E3CA-1486-9084C8692F10}"/>
+                </a:ext>
+              </a:extLst>
+            </p:cNvPr>
+            <p:cNvSpPr/>
+            <p:nvPr/>
+          </p:nvSpPr>
+          <p:spPr>
+            <a:xfrm>
+              <a:off x="3078480" y="452846"/>
+              <a:ext cx="435428" cy="365760"/>
+            </a:xfrm>
+            <a:prstGeom prst="rect">
+              <a:avLst/>
+            </a:prstGeom>
+          </p:spPr>
+          <p:style>
+            <a:lnRef idx="2">
+              <a:schemeClr val="accent1">
+                <a:shade val="15000"/>
+              </a:schemeClr>
+            </a:lnRef>
+            <a:fillRef idx="1">
+              <a:schemeClr val="accent1"/>
+            </a:fillRef>
+            <a:effectRef idx="0">
+              <a:schemeClr val="accent1"/>
+            </a:effectRef>
+            <a:fontRef idx="minor">
+              <a:schemeClr val="lt1"/>
+            </a:fontRef>
+          </p:style>
+          <p:txBody>
+            <a:bodyPr rtlCol="0" anchor="ctr"/>
+            <a:lstStyle/>
+            <a:p>
+              <a:pPr algn="ctr"/>
+              <a:endParaRPr lang="en-US"/>
+            </a:p>
+          </p:txBody>
+        </p:sp>
+        <p:sp>
+          <p:nvSpPr>
+            <p:cNvPr id="27" name="Rectangle 26">
+              <a:extLst>
+                <a:ext uri="{FF2B5EF4-FFF2-40B4-BE49-F238E27FC236}">
+                  <a16:creationId xmlns:a16="http://schemas.microsoft.com/office/drawing/2014/main" id="{E3135341-DDA3-F124-3F26-BE18884D4BF1}"/>
+                </a:ext>
+              </a:extLst>
+            </p:cNvPr>
+            <p:cNvSpPr/>
+            <p:nvPr/>
+          </p:nvSpPr>
+          <p:spPr>
+            <a:xfrm>
+              <a:off x="3709851" y="452846"/>
+              <a:ext cx="435428" cy="365760"/>
+            </a:xfrm>
+            <a:prstGeom prst="rect">
+              <a:avLst/>
+            </a:prstGeom>
+          </p:spPr>
+          <p:style>
+            <a:lnRef idx="2">
+              <a:schemeClr val="accent1">
+                <a:shade val="15000"/>
+              </a:schemeClr>
+            </a:lnRef>
+            <a:fillRef idx="1">
+              <a:schemeClr val="accent1"/>
+            </a:fillRef>
+            <a:effectRef idx="0">
+              <a:schemeClr val="accent1"/>
+            </a:effectRef>
+            <a:fontRef idx="minor">
+              <a:schemeClr val="lt1"/>
+            </a:fontRef>
+          </p:style>
+          <p:txBody>
+            <a:bodyPr rtlCol="0" anchor="ctr"/>
+            <a:lstStyle/>
+            <a:p>
+              <a:pPr algn="ctr"/>
+              <a:endParaRPr lang="en-US"/>
+            </a:p>
+          </p:txBody>
+        </p:sp>
+        <p:sp>
+          <p:nvSpPr>
+            <p:cNvPr id="28" name="Rectangle 27">
+              <a:extLst>
+                <a:ext uri="{FF2B5EF4-FFF2-40B4-BE49-F238E27FC236}">
+                  <a16:creationId xmlns:a16="http://schemas.microsoft.com/office/drawing/2014/main" id="{0623AE0B-DA8B-F542-371A-E455A85709FB}"/>
+                </a:ext>
+              </a:extLst>
+            </p:cNvPr>
+            <p:cNvSpPr/>
+            <p:nvPr/>
+          </p:nvSpPr>
+          <p:spPr>
+            <a:xfrm>
+              <a:off x="4402181" y="452846"/>
+              <a:ext cx="435428" cy="365760"/>
+            </a:xfrm>
+            <a:prstGeom prst="rect">
+              <a:avLst/>
+            </a:prstGeom>
+          </p:spPr>
+          <p:style>
+            <a:lnRef idx="2">
+              <a:schemeClr val="accent1">
+                <a:shade val="15000"/>
+              </a:schemeClr>
+            </a:lnRef>
+            <a:fillRef idx="1">
+              <a:schemeClr val="accent1"/>
+            </a:fillRef>
+            <a:effectRef idx="0">
+              <a:schemeClr val="accent1"/>
+            </a:effectRef>
+            <a:fontRef idx="minor">
+              <a:schemeClr val="lt1"/>
+            </a:fontRef>
+          </p:style>
+          <p:txBody>
+            <a:bodyPr rtlCol="0" anchor="ctr"/>
+            <a:lstStyle/>
+            <a:p>
+              <a:pPr algn="ctr"/>
+              <a:endParaRPr lang="en-US"/>
+            </a:p>
+          </p:txBody>
+        </p:sp>
+        <p:sp>
+          <p:nvSpPr>
+            <p:cNvPr id="29" name="Rectangle 28">
+              <a:extLst>
+                <a:ext uri="{FF2B5EF4-FFF2-40B4-BE49-F238E27FC236}">
+                  <a16:creationId xmlns:a16="http://schemas.microsoft.com/office/drawing/2014/main" id="{0639E21C-DF90-03D5-A33A-5312737F7E39}"/>
+                </a:ext>
+              </a:extLst>
+            </p:cNvPr>
+            <p:cNvSpPr/>
+            <p:nvPr/>
+          </p:nvSpPr>
+          <p:spPr>
+            <a:xfrm>
+              <a:off x="5124989" y="452846"/>
+              <a:ext cx="435428" cy="365760"/>
+            </a:xfrm>
+            <a:prstGeom prst="rect">
+              <a:avLst/>
+            </a:prstGeom>
+          </p:spPr>
+          <p:style>
+            <a:lnRef idx="2">
+              <a:schemeClr val="accent1">
+                <a:shade val="15000"/>
+              </a:schemeClr>
+            </a:lnRef>
+            <a:fillRef idx="1">
+              <a:schemeClr val="accent1"/>
+            </a:fillRef>
+            <a:effectRef idx="0">
+              <a:schemeClr val="accent1"/>
+            </a:effectRef>
+            <a:fontRef idx="minor">
+              <a:schemeClr val="lt1"/>
+            </a:fontRef>
+          </p:style>
+          <p:txBody>
+            <a:bodyPr rtlCol="0" anchor="ctr"/>
+            <a:lstStyle/>
+            <a:p>
+              <a:pPr algn="ctr"/>
+              <a:endParaRPr lang="en-US"/>
+            </a:p>
+          </p:txBody>
+        </p:sp>
+        <p:sp>
+          <p:nvSpPr>
+            <p:cNvPr id="30" name="Rectangle 29">
+              <a:extLst>
+                <a:ext uri="{FF2B5EF4-FFF2-40B4-BE49-F238E27FC236}">
+                  <a16:creationId xmlns:a16="http://schemas.microsoft.com/office/drawing/2014/main" id="{2E30F527-8A90-CFBA-F097-EF33CCF8A730}"/>
+                </a:ext>
+              </a:extLst>
+            </p:cNvPr>
+            <p:cNvSpPr/>
+            <p:nvPr/>
+          </p:nvSpPr>
+          <p:spPr>
+            <a:xfrm>
+              <a:off x="5808603" y="452846"/>
+              <a:ext cx="435428" cy="365760"/>
+            </a:xfrm>
+            <a:prstGeom prst="rect">
+              <a:avLst/>
+            </a:prstGeom>
+          </p:spPr>
+          <p:style>
+            <a:lnRef idx="2">
+              <a:schemeClr val="accent1">
+                <a:shade val="15000"/>
+              </a:schemeClr>
+            </a:lnRef>
+            <a:fillRef idx="1">
+              <a:schemeClr val="accent1"/>
+            </a:fillRef>
+            <a:effectRef idx="0">
+              <a:schemeClr val="accent1"/>
+            </a:effectRef>
+            <a:fontRef idx="minor">
+              <a:schemeClr val="lt1"/>
+            </a:fontRef>
+          </p:style>
+          <p:txBody>
+            <a:bodyPr rtlCol="0" anchor="ctr"/>
+            <a:lstStyle/>
+            <a:p>
+              <a:pPr algn="ctr"/>
+              <a:endParaRPr lang="en-US"/>
+            </a:p>
+          </p:txBody>
+        </p:sp>
+        <p:sp>
+          <p:nvSpPr>
+            <p:cNvPr id="31" name="Rectangle 30">
+              <a:extLst>
+                <a:ext uri="{FF2B5EF4-FFF2-40B4-BE49-F238E27FC236}">
+                  <a16:creationId xmlns:a16="http://schemas.microsoft.com/office/drawing/2014/main" id="{ADA8A304-AAC6-3E93-CD6D-E97EF66CC7A2}"/>
+                </a:ext>
+              </a:extLst>
+            </p:cNvPr>
+            <p:cNvSpPr/>
+            <p:nvPr/>
+          </p:nvSpPr>
+          <p:spPr>
+            <a:xfrm>
+              <a:off x="6492217" y="452846"/>
+              <a:ext cx="435428" cy="365760"/>
+            </a:xfrm>
+            <a:prstGeom prst="rect">
+              <a:avLst/>
+            </a:prstGeom>
+          </p:spPr>
+          <p:style>
+            <a:lnRef idx="2">
+              <a:schemeClr val="accent1">
+                <a:shade val="15000"/>
+              </a:schemeClr>
+            </a:lnRef>
+            <a:fillRef idx="1">
+              <a:schemeClr val="accent1"/>
+            </a:fillRef>
+            <a:effectRef idx="0">
+              <a:schemeClr val="accent1"/>
+            </a:effectRef>
+            <a:fontRef idx="minor">
+              <a:schemeClr val="lt1"/>
+            </a:fontRef>
+          </p:style>
+          <p:txBody>
+            <a:bodyPr rtlCol="0" anchor="ctr"/>
+            <a:lstStyle/>
+            <a:p>
+              <a:pPr algn="ctr"/>
+              <a:endParaRPr lang="en-US"/>
+            </a:p>
+          </p:txBody>
+        </p:sp>
+        <p:sp>
+          <p:nvSpPr>
+            <p:cNvPr id="32" name="Rectangle 31">
+              <a:extLst>
+                <a:ext uri="{FF2B5EF4-FFF2-40B4-BE49-F238E27FC236}">
+                  <a16:creationId xmlns:a16="http://schemas.microsoft.com/office/drawing/2014/main" id="{E17EC18B-0551-DC34-1983-2E808A1D28E7}"/>
+                </a:ext>
+              </a:extLst>
+            </p:cNvPr>
+            <p:cNvSpPr/>
+            <p:nvPr/>
+          </p:nvSpPr>
+          <p:spPr>
+            <a:xfrm>
+              <a:off x="7136679" y="452846"/>
+              <a:ext cx="435428" cy="365760"/>
+            </a:xfrm>
+            <a:prstGeom prst="rect">
+              <a:avLst/>
+            </a:prstGeom>
+          </p:spPr>
+          <p:style>
+            <a:lnRef idx="2">
+              <a:schemeClr val="accent1">
+                <a:shade val="15000"/>
+              </a:schemeClr>
+            </a:lnRef>
+            <a:fillRef idx="1">
+              <a:schemeClr val="accent1"/>
+            </a:fillRef>
+            <a:effectRef idx="0">
+              <a:schemeClr val="accent1"/>
+            </a:effectRef>
+            <a:fontRef idx="minor">
+              <a:schemeClr val="lt1"/>
+            </a:fontRef>
+          </p:style>
+          <p:txBody>
+            <a:bodyPr rtlCol="0" anchor="ctr"/>
+            <a:lstStyle/>
+            <a:p>
+              <a:pPr algn="ctr"/>
+              <a:endParaRPr lang="en-US"/>
+            </a:p>
+          </p:txBody>
+        </p:sp>
+        <p:sp>
+          <p:nvSpPr>
+            <p:cNvPr id="33" name="Rectangle 32">
+              <a:extLst>
+                <a:ext uri="{FF2B5EF4-FFF2-40B4-BE49-F238E27FC236}">
+                  <a16:creationId xmlns:a16="http://schemas.microsoft.com/office/drawing/2014/main" id="{31B83DBD-07D7-1C56-E65C-27E990CF4BD5}"/>
+                </a:ext>
+              </a:extLst>
+            </p:cNvPr>
+            <p:cNvSpPr/>
+            <p:nvPr/>
+          </p:nvSpPr>
+          <p:spPr>
+            <a:xfrm>
+              <a:off x="7829009" y="452846"/>
+              <a:ext cx="435428" cy="365760"/>
+            </a:xfrm>
+            <a:prstGeom prst="rect">
+              <a:avLst/>
+            </a:prstGeom>
+          </p:spPr>
+          <p:style>
+            <a:lnRef idx="2">
+              <a:schemeClr val="accent1">
+                <a:shade val="15000"/>
+              </a:schemeClr>
+            </a:lnRef>
+            <a:fillRef idx="1">
+              <a:schemeClr val="accent1"/>
+            </a:fillRef>
+            <a:effectRef idx="0">
+              <a:schemeClr val="accent1"/>
+            </a:effectRef>
+            <a:fontRef idx="minor">
+              <a:schemeClr val="lt1"/>
+            </a:fontRef>
+          </p:style>
+          <p:txBody>
+            <a:bodyPr rtlCol="0" anchor="ctr"/>
+            <a:lstStyle/>
+            <a:p>
+              <a:pPr algn="ctr"/>
+              <a:endParaRPr lang="en-US"/>
+            </a:p>
+          </p:txBody>
+        </p:sp>
+      </p:grpSp>
+      <p:grpSp>
+        <p:nvGrpSpPr>
+          <p:cNvPr id="34" name="Group 33">
+            <a:extLst>
+              <a:ext uri="{FF2B5EF4-FFF2-40B4-BE49-F238E27FC236}">
+                <a16:creationId xmlns:a16="http://schemas.microsoft.com/office/drawing/2014/main" id="{E3C2E82F-E10D-32FE-B350-E947D23F63E3}"/>
+              </a:ext>
+            </a:extLst>
+          </p:cNvPr>
+          <p:cNvGrpSpPr/>
+          <p:nvPr/>
+        </p:nvGrpSpPr>
+        <p:grpSpPr>
+          <a:xfrm rot="16200000">
+            <a:off x="6378834" y="3198517"/>
+            <a:ext cx="5695408" cy="365760"/>
+            <a:chOff x="2569029" y="452846"/>
+            <a:chExt cx="5695408" cy="365760"/>
+          </a:xfrm>
+        </p:grpSpPr>
+        <p:sp>
+          <p:nvSpPr>
+            <p:cNvPr id="35" name="Rectangle 34">
+              <a:extLst>
+                <a:ext uri="{FF2B5EF4-FFF2-40B4-BE49-F238E27FC236}">
+                  <a16:creationId xmlns:a16="http://schemas.microsoft.com/office/drawing/2014/main" id="{8FEBF996-AE7A-5678-A647-4156F50349BF}"/>
+                </a:ext>
+              </a:extLst>
+            </p:cNvPr>
+            <p:cNvSpPr/>
+            <p:nvPr/>
+          </p:nvSpPr>
+          <p:spPr>
+            <a:xfrm>
+              <a:off x="2569029" y="452846"/>
+              <a:ext cx="435428" cy="365760"/>
+            </a:xfrm>
+            <a:prstGeom prst="rect">
+              <a:avLst/>
+            </a:prstGeom>
+          </p:spPr>
+          <p:style>
+            <a:lnRef idx="2">
+              <a:schemeClr val="accent1">
+                <a:shade val="15000"/>
+              </a:schemeClr>
+            </a:lnRef>
+            <a:fillRef idx="1">
+              <a:schemeClr val="accent1"/>
+            </a:fillRef>
+            <a:effectRef idx="0">
+              <a:schemeClr val="accent1"/>
+            </a:effectRef>
+            <a:fontRef idx="minor">
+              <a:schemeClr val="lt1"/>
+            </a:fontRef>
+          </p:style>
+          <p:txBody>
+            <a:bodyPr rtlCol="0" anchor="ctr"/>
+            <a:lstStyle/>
+            <a:p>
+              <a:pPr algn="ctr"/>
+              <a:endParaRPr lang="en-US"/>
+            </a:p>
+          </p:txBody>
+        </p:sp>
+        <p:sp>
+          <p:nvSpPr>
+            <p:cNvPr id="36" name="Rectangle 35">
+              <a:extLst>
+                <a:ext uri="{FF2B5EF4-FFF2-40B4-BE49-F238E27FC236}">
+                  <a16:creationId xmlns:a16="http://schemas.microsoft.com/office/drawing/2014/main" id="{019EAA3E-AF04-F08F-7D36-C9BE6A0A1EEA}"/>
+                </a:ext>
+              </a:extLst>
+            </p:cNvPr>
+            <p:cNvSpPr/>
+            <p:nvPr/>
+          </p:nvSpPr>
+          <p:spPr>
+            <a:xfrm>
+              <a:off x="3078480" y="452846"/>
+              <a:ext cx="435428" cy="365760"/>
+            </a:xfrm>
+            <a:prstGeom prst="rect">
+              <a:avLst/>
+            </a:prstGeom>
+          </p:spPr>
+          <p:style>
+            <a:lnRef idx="2">
+              <a:schemeClr val="accent1">
+                <a:shade val="15000"/>
+              </a:schemeClr>
+            </a:lnRef>
+            <a:fillRef idx="1">
+              <a:schemeClr val="accent1"/>
+            </a:fillRef>
+            <a:effectRef idx="0">
+              <a:schemeClr val="accent1"/>
+            </a:effectRef>
+            <a:fontRef idx="minor">
+              <a:schemeClr val="lt1"/>
+            </a:fontRef>
+          </p:style>
+          <p:txBody>
+            <a:bodyPr rtlCol="0" anchor="ctr"/>
+            <a:lstStyle/>
+            <a:p>
+              <a:pPr algn="ctr"/>
+              <a:endParaRPr lang="en-US"/>
+            </a:p>
+          </p:txBody>
+        </p:sp>
+        <p:sp>
+          <p:nvSpPr>
+            <p:cNvPr id="37" name="Rectangle 36">
+              <a:extLst>
+                <a:ext uri="{FF2B5EF4-FFF2-40B4-BE49-F238E27FC236}">
+                  <a16:creationId xmlns:a16="http://schemas.microsoft.com/office/drawing/2014/main" id="{0208776B-9193-5506-9E8B-477F5DA49968}"/>
+                </a:ext>
+              </a:extLst>
+            </p:cNvPr>
+            <p:cNvSpPr/>
+            <p:nvPr/>
+          </p:nvSpPr>
+          <p:spPr>
+            <a:xfrm>
+              <a:off x="3709851" y="452846"/>
+              <a:ext cx="435428" cy="365760"/>
+            </a:xfrm>
+            <a:prstGeom prst="rect">
+              <a:avLst/>
+            </a:prstGeom>
+          </p:spPr>
+          <p:style>
+            <a:lnRef idx="2">
+              <a:schemeClr val="accent1">
+                <a:shade val="15000"/>
+              </a:schemeClr>
+            </a:lnRef>
+            <a:fillRef idx="1">
+              <a:schemeClr val="accent1"/>
+            </a:fillRef>
+            <a:effectRef idx="0">
+              <a:schemeClr val="accent1"/>
+            </a:effectRef>
+            <a:fontRef idx="minor">
+              <a:schemeClr val="lt1"/>
+            </a:fontRef>
+          </p:style>
+          <p:txBody>
+            <a:bodyPr rtlCol="0" anchor="ctr"/>
+            <a:lstStyle/>
+            <a:p>
+              <a:pPr algn="ctr"/>
+              <a:endParaRPr lang="en-US"/>
+            </a:p>
+          </p:txBody>
+        </p:sp>
+        <p:sp>
+          <p:nvSpPr>
+            <p:cNvPr id="38" name="Rectangle 37">
+              <a:extLst>
+                <a:ext uri="{FF2B5EF4-FFF2-40B4-BE49-F238E27FC236}">
+                  <a16:creationId xmlns:a16="http://schemas.microsoft.com/office/drawing/2014/main" id="{59D31415-E2C6-56B1-27E9-25874D1FE9B8}"/>
+                </a:ext>
+              </a:extLst>
+            </p:cNvPr>
+            <p:cNvSpPr/>
+            <p:nvPr/>
+          </p:nvSpPr>
+          <p:spPr>
+            <a:xfrm>
+              <a:off x="4402181" y="452846"/>
+              <a:ext cx="435428" cy="365760"/>
+            </a:xfrm>
+            <a:prstGeom prst="rect">
+              <a:avLst/>
+            </a:prstGeom>
+          </p:spPr>
+          <p:style>
+            <a:lnRef idx="2">
+              <a:schemeClr val="accent1">
+                <a:shade val="15000"/>
+              </a:schemeClr>
+            </a:lnRef>
+            <a:fillRef idx="1">
+              <a:schemeClr val="accent1"/>
+            </a:fillRef>
+            <a:effectRef idx="0">
+              <a:schemeClr val="accent1"/>
+            </a:effectRef>
+            <a:fontRef idx="minor">
+              <a:schemeClr val="lt1"/>
+            </a:fontRef>
+          </p:style>
+          <p:txBody>
+            <a:bodyPr rtlCol="0" anchor="ctr"/>
+            <a:lstStyle/>
+            <a:p>
+              <a:pPr algn="ctr"/>
+              <a:endParaRPr lang="en-US"/>
+            </a:p>
+          </p:txBody>
+        </p:sp>
+        <p:sp>
+          <p:nvSpPr>
+            <p:cNvPr id="39" name="Rectangle 38">
+              <a:extLst>
+                <a:ext uri="{FF2B5EF4-FFF2-40B4-BE49-F238E27FC236}">
+                  <a16:creationId xmlns:a16="http://schemas.microsoft.com/office/drawing/2014/main" id="{EF194F5D-821A-44D8-7E93-E50624EA2B76}"/>
+                </a:ext>
+              </a:extLst>
+            </p:cNvPr>
+            <p:cNvSpPr/>
+            <p:nvPr/>
+          </p:nvSpPr>
+          <p:spPr>
+            <a:xfrm>
+              <a:off x="5124989" y="452846"/>
+              <a:ext cx="435428" cy="365760"/>
+            </a:xfrm>
+            <a:prstGeom prst="rect">
+              <a:avLst/>
+            </a:prstGeom>
+          </p:spPr>
+          <p:style>
+            <a:lnRef idx="2">
+              <a:schemeClr val="accent1">
+                <a:shade val="15000"/>
+              </a:schemeClr>
+            </a:lnRef>
+            <a:fillRef idx="1">
+              <a:schemeClr val="accent1"/>
+            </a:fillRef>
+            <a:effectRef idx="0">
+              <a:schemeClr val="accent1"/>
+            </a:effectRef>
+            <a:fontRef idx="minor">
+              <a:schemeClr val="lt1"/>
+            </a:fontRef>
+          </p:style>
+          <p:txBody>
+            <a:bodyPr rtlCol="0" anchor="ctr"/>
+            <a:lstStyle/>
+            <a:p>
+              <a:pPr algn="ctr"/>
+              <a:endParaRPr lang="en-US"/>
+            </a:p>
+          </p:txBody>
+        </p:sp>
+        <p:sp>
+          <p:nvSpPr>
+            <p:cNvPr id="40" name="Rectangle 39">
+              <a:extLst>
+                <a:ext uri="{FF2B5EF4-FFF2-40B4-BE49-F238E27FC236}">
+                  <a16:creationId xmlns:a16="http://schemas.microsoft.com/office/drawing/2014/main" id="{E6792868-E876-4521-4E25-198D5C34DD8E}"/>
+                </a:ext>
+              </a:extLst>
+            </p:cNvPr>
+            <p:cNvSpPr/>
+            <p:nvPr/>
+          </p:nvSpPr>
+          <p:spPr>
+            <a:xfrm>
+              <a:off x="5808603" y="452846"/>
+              <a:ext cx="435428" cy="365760"/>
+            </a:xfrm>
+            <a:prstGeom prst="rect">
+              <a:avLst/>
+            </a:prstGeom>
+          </p:spPr>
+          <p:style>
+            <a:lnRef idx="2">
+              <a:schemeClr val="accent1">
+                <a:shade val="15000"/>
+              </a:schemeClr>
+            </a:lnRef>
+            <a:fillRef idx="1">
+              <a:schemeClr val="accent1"/>
+            </a:fillRef>
+            <a:effectRef idx="0">
+              <a:schemeClr val="accent1"/>
+            </a:effectRef>
+            <a:fontRef idx="minor">
+              <a:schemeClr val="lt1"/>
+            </a:fontRef>
+          </p:style>
+          <p:txBody>
+            <a:bodyPr rtlCol="0" anchor="ctr"/>
+            <a:lstStyle/>
+            <a:p>
+              <a:pPr algn="ctr"/>
+              <a:endParaRPr lang="en-US"/>
+            </a:p>
+          </p:txBody>
+        </p:sp>
+        <p:sp>
+          <p:nvSpPr>
+            <p:cNvPr id="41" name="Rectangle 40">
+              <a:extLst>
+                <a:ext uri="{FF2B5EF4-FFF2-40B4-BE49-F238E27FC236}">
+                  <a16:creationId xmlns:a16="http://schemas.microsoft.com/office/drawing/2014/main" id="{7BBDFF87-A95F-559B-9828-10BBD1BA7F96}"/>
+                </a:ext>
+              </a:extLst>
+            </p:cNvPr>
+            <p:cNvSpPr/>
+            <p:nvPr/>
+          </p:nvSpPr>
+          <p:spPr>
+            <a:xfrm>
+              <a:off x="6492217" y="452846"/>
+              <a:ext cx="435428" cy="365760"/>
+            </a:xfrm>
+            <a:prstGeom prst="rect">
+              <a:avLst/>
+            </a:prstGeom>
+          </p:spPr>
+          <p:style>
+            <a:lnRef idx="2">
+              <a:schemeClr val="accent1">
+                <a:shade val="15000"/>
+              </a:schemeClr>
+            </a:lnRef>
+            <a:fillRef idx="1">
+              <a:schemeClr val="accent1"/>
+            </a:fillRef>
+            <a:effectRef idx="0">
+              <a:schemeClr val="accent1"/>
+            </a:effectRef>
+            <a:fontRef idx="minor">
+              <a:schemeClr val="lt1"/>
+            </a:fontRef>
+          </p:style>
+          <p:txBody>
+            <a:bodyPr rtlCol="0" anchor="ctr"/>
+            <a:lstStyle/>
+            <a:p>
+              <a:pPr algn="ctr"/>
+              <a:endParaRPr lang="en-US"/>
+            </a:p>
+          </p:txBody>
+        </p:sp>
+        <p:sp>
+          <p:nvSpPr>
+            <p:cNvPr id="42" name="Rectangle 41">
+              <a:extLst>
+                <a:ext uri="{FF2B5EF4-FFF2-40B4-BE49-F238E27FC236}">
+                  <a16:creationId xmlns:a16="http://schemas.microsoft.com/office/drawing/2014/main" id="{E78C6C9D-65D9-3186-3EB6-4D79FD92A1B8}"/>
+                </a:ext>
+              </a:extLst>
+            </p:cNvPr>
+            <p:cNvSpPr/>
+            <p:nvPr/>
+          </p:nvSpPr>
+          <p:spPr>
+            <a:xfrm>
+              <a:off x="7136679" y="452846"/>
+              <a:ext cx="435428" cy="365760"/>
+            </a:xfrm>
+            <a:prstGeom prst="rect">
+              <a:avLst/>
+            </a:prstGeom>
+          </p:spPr>
+          <p:style>
+            <a:lnRef idx="2">
+              <a:schemeClr val="accent1">
+                <a:shade val="15000"/>
+              </a:schemeClr>
+            </a:lnRef>
+            <a:fillRef idx="1">
+              <a:schemeClr val="accent1"/>
+            </a:fillRef>
+            <a:effectRef idx="0">
+              <a:schemeClr val="accent1"/>
+            </a:effectRef>
+            <a:fontRef idx="minor">
+              <a:schemeClr val="lt1"/>
+            </a:fontRef>
+          </p:style>
+          <p:txBody>
+            <a:bodyPr rtlCol="0" anchor="ctr"/>
+            <a:lstStyle/>
+            <a:p>
+              <a:pPr algn="ctr"/>
+              <a:endParaRPr lang="en-US"/>
+            </a:p>
+          </p:txBody>
+        </p:sp>
+        <p:sp>
+          <p:nvSpPr>
+            <p:cNvPr id="43" name="Rectangle 42">
+              <a:extLst>
+                <a:ext uri="{FF2B5EF4-FFF2-40B4-BE49-F238E27FC236}">
+                  <a16:creationId xmlns:a16="http://schemas.microsoft.com/office/drawing/2014/main" id="{17EA5D5A-4E8E-71E3-EAED-5330C98F2395}"/>
+                </a:ext>
+              </a:extLst>
+            </p:cNvPr>
+            <p:cNvSpPr/>
+            <p:nvPr/>
+          </p:nvSpPr>
+          <p:spPr>
+            <a:xfrm>
+              <a:off x="7829009" y="452846"/>
+              <a:ext cx="435428" cy="365760"/>
+            </a:xfrm>
+            <a:prstGeom prst="rect">
+              <a:avLst/>
+            </a:prstGeom>
+          </p:spPr>
+          <p:style>
+            <a:lnRef idx="2">
+              <a:schemeClr val="accent1">
+                <a:shade val="15000"/>
+              </a:schemeClr>
+            </a:lnRef>
+            <a:fillRef idx="1">
+              <a:schemeClr val="accent1"/>
+            </a:fillRef>
+            <a:effectRef idx="0">
+              <a:schemeClr val="accent1"/>
+            </a:effectRef>
+            <a:fontRef idx="minor">
+              <a:schemeClr val="lt1"/>
+            </a:fontRef>
+          </p:style>
+          <p:txBody>
+            <a:bodyPr rtlCol="0" anchor="ctr"/>
+            <a:lstStyle/>
+            <a:p>
+              <a:pPr algn="ctr"/>
+              <a:endParaRPr lang="en-US"/>
+            </a:p>
+          </p:txBody>
+        </p:sp>
+      </p:grpSp>
+      <p:sp>
+        <p:nvSpPr>
+          <p:cNvPr id="44" name="TextBox 43">
+            <a:extLst>
+              <a:ext uri="{FF2B5EF4-FFF2-40B4-BE49-F238E27FC236}">
+                <a16:creationId xmlns:a16="http://schemas.microsoft.com/office/drawing/2014/main" id="{AE3FE940-7FC6-9238-5B6A-AD5465822985}"/>
+              </a:ext>
+            </a:extLst>
+          </p:cNvPr>
+          <p:cNvSpPr txBox="1"/>
+          <p:nvPr/>
+        </p:nvSpPr>
+        <p:spPr>
+          <a:xfrm>
+            <a:off x="3230208" y="166573"/>
+            <a:ext cx="471604" cy="369332"/>
+          </a:xfrm>
+          <a:prstGeom prst="rect">
+            <a:avLst/>
+          </a:prstGeom>
+          <a:noFill/>
+        </p:spPr>
+        <p:txBody>
+          <a:bodyPr wrap="none" rtlCol="0">
+            <a:spAutoFit/>
+          </a:bodyPr>
+          <a:lstStyle/>
+          <a:p>
+            <a:r>
+              <a:rPr lang="en-US" dirty="0"/>
+              <a:t>H1</a:t>
+            </a:r>
+          </a:p>
+        </p:txBody>
+      </p:sp>
+      <p:sp>
+        <p:nvSpPr>
+          <p:cNvPr id="45" name="TextBox 44">
+            <a:extLst>
+              <a:ext uri="{FF2B5EF4-FFF2-40B4-BE49-F238E27FC236}">
+                <a16:creationId xmlns:a16="http://schemas.microsoft.com/office/drawing/2014/main" id="{DC8B76B6-0332-C4D2-C7AF-FC85DF88FF46}"/>
+              </a:ext>
+            </a:extLst>
+          </p:cNvPr>
+          <p:cNvSpPr txBox="1"/>
+          <p:nvPr/>
+        </p:nvSpPr>
+        <p:spPr>
+          <a:xfrm>
+            <a:off x="8522077" y="166573"/>
+            <a:ext cx="471604" cy="369332"/>
+          </a:xfrm>
+          <a:prstGeom prst="rect">
+            <a:avLst/>
+          </a:prstGeom>
+          <a:noFill/>
+        </p:spPr>
+        <p:txBody>
+          <a:bodyPr wrap="none" rtlCol="0">
+            <a:spAutoFit/>
+          </a:bodyPr>
+          <a:lstStyle/>
+          <a:p>
+            <a:r>
+              <a:rPr lang="en-US" dirty="0"/>
+              <a:t>H2</a:t>
+            </a:r>
+          </a:p>
+        </p:txBody>
+      </p:sp>
       <p:sp>
         <p:nvSpPr>
           <p:cNvPr id="46" name="TextBox 45">
             <a:extLst>
               <a:ext uri="{FF2B5EF4-FFF2-40B4-BE49-F238E27FC236}">
-                <a16:creationId xmlns:a16="http://schemas.microsoft.com/office/drawing/2014/main" id="{39EF487A-CDF5-E9AC-9086-B98F0D6012DE}"/>
+                <a16:creationId xmlns:a16="http://schemas.microsoft.com/office/drawing/2014/main" id="{5D6CC149-F890-C96D-4CDE-6C3BBCD5811C}"/>
               </a:ext>
             </a:extLst>
           </p:cNvPr>
@@ -10643,8 +11514,848 @@
         </p:nvSpPr>
         <p:spPr>
           <a:xfrm>
-            <a:off x="3173886" y="261758"/>
-            <a:ext cx="6614780" cy="646331"/>
+            <a:off x="4274919" y="166573"/>
+            <a:ext cx="712631" cy="369332"/>
+          </a:xfrm>
+          <a:prstGeom prst="rect">
+            <a:avLst/>
+          </a:prstGeom>
+          <a:noFill/>
+        </p:spPr>
+        <p:txBody>
+          <a:bodyPr wrap="none" rtlCol="0">
+            <a:spAutoFit/>
+          </a:bodyPr>
+          <a:lstStyle/>
+          <a:p>
+            <a:r>
+              <a:rPr lang="en-US" dirty="0"/>
+              <a:t>HBT1</a:t>
+            </a:r>
+          </a:p>
+        </p:txBody>
+      </p:sp>
+      <p:sp>
+        <p:nvSpPr>
+          <p:cNvPr id="47" name="TextBox 46">
+            <a:extLst>
+              <a:ext uri="{FF2B5EF4-FFF2-40B4-BE49-F238E27FC236}">
+                <a16:creationId xmlns:a16="http://schemas.microsoft.com/office/drawing/2014/main" id="{364530F2-9C83-37FA-C72A-1F75439E00BE}"/>
+              </a:ext>
+            </a:extLst>
+          </p:cNvPr>
+          <p:cNvSpPr txBox="1"/>
+          <p:nvPr/>
+        </p:nvSpPr>
+        <p:spPr>
+          <a:xfrm>
+            <a:off x="5675553" y="164361"/>
+            <a:ext cx="712631" cy="369332"/>
+          </a:xfrm>
+          <a:prstGeom prst="rect">
+            <a:avLst/>
+          </a:prstGeom>
+          <a:noFill/>
+        </p:spPr>
+        <p:txBody>
+          <a:bodyPr wrap="none" rtlCol="0">
+            <a:spAutoFit/>
+          </a:bodyPr>
+          <a:lstStyle/>
+          <a:p>
+            <a:r>
+              <a:rPr lang="en-US" dirty="0"/>
+              <a:t>HBT2</a:t>
+            </a:r>
+          </a:p>
+        </p:txBody>
+      </p:sp>
+      <p:sp>
+        <p:nvSpPr>
+          <p:cNvPr id="48" name="TextBox 47">
+            <a:extLst>
+              <a:ext uri="{FF2B5EF4-FFF2-40B4-BE49-F238E27FC236}">
+                <a16:creationId xmlns:a16="http://schemas.microsoft.com/office/drawing/2014/main" id="{F5867226-88ED-F02F-226C-C991AADFFDB7}"/>
+              </a:ext>
+            </a:extLst>
+          </p:cNvPr>
+          <p:cNvSpPr txBox="1"/>
+          <p:nvPr/>
+        </p:nvSpPr>
+        <p:spPr>
+          <a:xfrm>
+            <a:off x="3713250" y="169696"/>
+            <a:ext cx="503664" cy="369332"/>
+          </a:xfrm>
+          <a:prstGeom prst="rect">
+            <a:avLst/>
+          </a:prstGeom>
+          <a:noFill/>
+        </p:spPr>
+        <p:txBody>
+          <a:bodyPr wrap="none" rtlCol="0">
+            <a:spAutoFit/>
+          </a:bodyPr>
+          <a:lstStyle/>
+          <a:p>
+            <a:r>
+              <a:rPr lang="en-US" dirty="0"/>
+              <a:t>DC</a:t>
+            </a:r>
+          </a:p>
+        </p:txBody>
+      </p:sp>
+      <p:sp>
+        <p:nvSpPr>
+          <p:cNvPr id="49" name="TextBox 48">
+            <a:extLst>
+              <a:ext uri="{FF2B5EF4-FFF2-40B4-BE49-F238E27FC236}">
+                <a16:creationId xmlns:a16="http://schemas.microsoft.com/office/drawing/2014/main" id="{00316D88-B33D-46FA-DE16-B61BE5637BF2}"/>
+              </a:ext>
+            </a:extLst>
+          </p:cNvPr>
+          <p:cNvSpPr txBox="1"/>
+          <p:nvPr/>
+        </p:nvSpPr>
+        <p:spPr>
+          <a:xfrm>
+            <a:off x="4992507" y="164361"/>
+            <a:ext cx="613309" cy="369332"/>
+          </a:xfrm>
+          <a:prstGeom prst="rect">
+            <a:avLst/>
+          </a:prstGeom>
+          <a:noFill/>
+        </p:spPr>
+        <p:txBody>
+          <a:bodyPr wrap="none" rtlCol="0">
+            <a:spAutoFit/>
+          </a:bodyPr>
+          <a:lstStyle/>
+          <a:p>
+            <a:r>
+              <a:rPr lang="en-US" dirty="0"/>
+              <a:t>Fast</a:t>
+            </a:r>
+          </a:p>
+        </p:txBody>
+      </p:sp>
+      <p:sp>
+        <p:nvSpPr>
+          <p:cNvPr id="50" name="TextBox 49">
+            <a:extLst>
+              <a:ext uri="{FF2B5EF4-FFF2-40B4-BE49-F238E27FC236}">
+                <a16:creationId xmlns:a16="http://schemas.microsoft.com/office/drawing/2014/main" id="{D8A83EE3-F655-5BCC-9096-06B4377625F7}"/>
+              </a:ext>
+            </a:extLst>
+          </p:cNvPr>
+          <p:cNvSpPr txBox="1"/>
+          <p:nvPr/>
+        </p:nvSpPr>
+        <p:spPr>
+          <a:xfrm>
+            <a:off x="7067285" y="195336"/>
+            <a:ext cx="613309" cy="369332"/>
+          </a:xfrm>
+          <a:prstGeom prst="rect">
+            <a:avLst/>
+          </a:prstGeom>
+          <a:noFill/>
+        </p:spPr>
+        <p:txBody>
+          <a:bodyPr wrap="none" rtlCol="0">
+            <a:spAutoFit/>
+          </a:bodyPr>
+          <a:lstStyle/>
+          <a:p>
+            <a:r>
+              <a:rPr lang="en-US" dirty="0"/>
+              <a:t>Fast</a:t>
+            </a:r>
+          </a:p>
+        </p:txBody>
+      </p:sp>
+      <p:sp>
+        <p:nvSpPr>
+          <p:cNvPr id="51" name="TextBox 50">
+            <a:extLst>
+              <a:ext uri="{FF2B5EF4-FFF2-40B4-BE49-F238E27FC236}">
+                <a16:creationId xmlns:a16="http://schemas.microsoft.com/office/drawing/2014/main" id="{21EE77C8-7C75-82F9-724F-FFAF86F45197}"/>
+              </a:ext>
+            </a:extLst>
+          </p:cNvPr>
+          <p:cNvSpPr txBox="1"/>
+          <p:nvPr/>
+        </p:nvSpPr>
+        <p:spPr>
+          <a:xfrm>
+            <a:off x="7727792" y="164361"/>
+            <a:ext cx="503664" cy="369332"/>
+          </a:xfrm>
+          <a:prstGeom prst="rect">
+            <a:avLst/>
+          </a:prstGeom>
+          <a:noFill/>
+        </p:spPr>
+        <p:txBody>
+          <a:bodyPr wrap="none" rtlCol="0">
+            <a:spAutoFit/>
+          </a:bodyPr>
+          <a:lstStyle/>
+          <a:p>
+            <a:r>
+              <a:rPr lang="en-US" dirty="0"/>
+              <a:t>DC</a:t>
+            </a:r>
+          </a:p>
+        </p:txBody>
+      </p:sp>
+      <p:sp>
+        <p:nvSpPr>
+          <p:cNvPr id="52" name="TextBox 51">
+            <a:extLst>
+              <a:ext uri="{FF2B5EF4-FFF2-40B4-BE49-F238E27FC236}">
+                <a16:creationId xmlns:a16="http://schemas.microsoft.com/office/drawing/2014/main" id="{00AFD0FE-A791-ABF1-6CB5-5047F710AD49}"/>
+              </a:ext>
+            </a:extLst>
+          </p:cNvPr>
+          <p:cNvSpPr txBox="1"/>
+          <p:nvPr/>
+        </p:nvSpPr>
+        <p:spPr>
+          <a:xfrm>
+            <a:off x="9398471" y="555053"/>
+            <a:ext cx="613309" cy="369332"/>
+          </a:xfrm>
+          <a:prstGeom prst="rect">
+            <a:avLst/>
+          </a:prstGeom>
+          <a:noFill/>
+        </p:spPr>
+        <p:txBody>
+          <a:bodyPr wrap="none" rtlCol="0">
+            <a:spAutoFit/>
+          </a:bodyPr>
+          <a:lstStyle/>
+          <a:p>
+            <a:r>
+              <a:rPr lang="en-US" dirty="0"/>
+              <a:t>Fast</a:t>
+            </a:r>
+          </a:p>
+        </p:txBody>
+      </p:sp>
+      <p:sp>
+        <p:nvSpPr>
+          <p:cNvPr id="53" name="TextBox 52">
+            <a:extLst>
+              <a:ext uri="{FF2B5EF4-FFF2-40B4-BE49-F238E27FC236}">
+                <a16:creationId xmlns:a16="http://schemas.microsoft.com/office/drawing/2014/main" id="{AD61F1A1-C0FA-955B-794D-AFD75D8FC60A}"/>
+              </a:ext>
+            </a:extLst>
+          </p:cNvPr>
+          <p:cNvSpPr txBox="1"/>
+          <p:nvPr/>
+        </p:nvSpPr>
+        <p:spPr>
+          <a:xfrm>
+            <a:off x="9398470" y="1849887"/>
+            <a:ext cx="613309" cy="369332"/>
+          </a:xfrm>
+          <a:prstGeom prst="rect">
+            <a:avLst/>
+          </a:prstGeom>
+          <a:noFill/>
+        </p:spPr>
+        <p:txBody>
+          <a:bodyPr wrap="none" rtlCol="0">
+            <a:spAutoFit/>
+          </a:bodyPr>
+          <a:lstStyle/>
+          <a:p>
+            <a:r>
+              <a:rPr lang="en-US" dirty="0"/>
+              <a:t>Fast</a:t>
+            </a:r>
+          </a:p>
+        </p:txBody>
+      </p:sp>
+      <p:sp>
+        <p:nvSpPr>
+          <p:cNvPr id="54" name="TextBox 53">
+            <a:extLst>
+              <a:ext uri="{FF2B5EF4-FFF2-40B4-BE49-F238E27FC236}">
+                <a16:creationId xmlns:a16="http://schemas.microsoft.com/office/drawing/2014/main" id="{3BE90DA9-2893-5826-A2C8-48F63E956062}"/>
+              </a:ext>
+            </a:extLst>
+          </p:cNvPr>
+          <p:cNvSpPr txBox="1"/>
+          <p:nvPr/>
+        </p:nvSpPr>
+        <p:spPr>
+          <a:xfrm>
+            <a:off x="9409418" y="2590701"/>
+            <a:ext cx="503664" cy="369332"/>
+          </a:xfrm>
+          <a:prstGeom prst="rect">
+            <a:avLst/>
+          </a:prstGeom>
+          <a:noFill/>
+        </p:spPr>
+        <p:txBody>
+          <a:bodyPr wrap="none" rtlCol="0">
+            <a:spAutoFit/>
+          </a:bodyPr>
+          <a:lstStyle/>
+          <a:p>
+            <a:r>
+              <a:rPr lang="en-US" dirty="0"/>
+              <a:t>DC</a:t>
+            </a:r>
+          </a:p>
+        </p:txBody>
+      </p:sp>
+      <p:sp>
+        <p:nvSpPr>
+          <p:cNvPr id="55" name="TextBox 54">
+            <a:extLst>
+              <a:ext uri="{FF2B5EF4-FFF2-40B4-BE49-F238E27FC236}">
+                <a16:creationId xmlns:a16="http://schemas.microsoft.com/office/drawing/2014/main" id="{A5A415EF-F76B-13E3-6FA7-BF783BF5D808}"/>
+              </a:ext>
+            </a:extLst>
+          </p:cNvPr>
+          <p:cNvSpPr txBox="1"/>
+          <p:nvPr/>
+        </p:nvSpPr>
+        <p:spPr>
+          <a:xfrm>
+            <a:off x="9354595" y="4026069"/>
+            <a:ext cx="613309" cy="369332"/>
+          </a:xfrm>
+          <a:prstGeom prst="rect">
+            <a:avLst/>
+          </a:prstGeom>
+          <a:noFill/>
+        </p:spPr>
+        <p:txBody>
+          <a:bodyPr wrap="none" rtlCol="0">
+            <a:spAutoFit/>
+          </a:bodyPr>
+          <a:lstStyle/>
+          <a:p>
+            <a:r>
+              <a:rPr lang="en-US" dirty="0"/>
+              <a:t>Fast</a:t>
+            </a:r>
+          </a:p>
+        </p:txBody>
+      </p:sp>
+      <p:sp>
+        <p:nvSpPr>
+          <p:cNvPr id="58" name="TextBox 57">
+            <a:extLst>
+              <a:ext uri="{FF2B5EF4-FFF2-40B4-BE49-F238E27FC236}">
+                <a16:creationId xmlns:a16="http://schemas.microsoft.com/office/drawing/2014/main" id="{2187D371-636C-A48D-483F-35ED45220BE9}"/>
+              </a:ext>
+            </a:extLst>
+          </p:cNvPr>
+          <p:cNvSpPr txBox="1"/>
+          <p:nvPr/>
+        </p:nvSpPr>
+        <p:spPr>
+          <a:xfrm>
+            <a:off x="9381465" y="5832919"/>
+            <a:ext cx="613309" cy="369332"/>
+          </a:xfrm>
+          <a:prstGeom prst="rect">
+            <a:avLst/>
+          </a:prstGeom>
+          <a:noFill/>
+        </p:spPr>
+        <p:txBody>
+          <a:bodyPr wrap="none" rtlCol="0">
+            <a:spAutoFit/>
+          </a:bodyPr>
+          <a:lstStyle/>
+          <a:p>
+            <a:r>
+              <a:rPr lang="en-US" dirty="0"/>
+              <a:t>Fast</a:t>
+            </a:r>
+          </a:p>
+        </p:txBody>
+      </p:sp>
+      <p:sp>
+        <p:nvSpPr>
+          <p:cNvPr id="59" name="TextBox 58">
+            <a:extLst>
+              <a:ext uri="{FF2B5EF4-FFF2-40B4-BE49-F238E27FC236}">
+                <a16:creationId xmlns:a16="http://schemas.microsoft.com/office/drawing/2014/main" id="{3EACAEA7-FDDA-97FC-7833-9D918214C23A}"/>
+              </a:ext>
+            </a:extLst>
+          </p:cNvPr>
+          <p:cNvSpPr txBox="1"/>
+          <p:nvPr/>
+        </p:nvSpPr>
+        <p:spPr>
+          <a:xfrm>
+            <a:off x="9381465" y="4705582"/>
+            <a:ext cx="503664" cy="369332"/>
+          </a:xfrm>
+          <a:prstGeom prst="rect">
+            <a:avLst/>
+          </a:prstGeom>
+          <a:noFill/>
+        </p:spPr>
+        <p:txBody>
+          <a:bodyPr wrap="none" rtlCol="0">
+            <a:spAutoFit/>
+          </a:bodyPr>
+          <a:lstStyle/>
+          <a:p>
+            <a:r>
+              <a:rPr lang="en-US" dirty="0"/>
+              <a:t>DC</a:t>
+            </a:r>
+          </a:p>
+        </p:txBody>
+      </p:sp>
+      <p:sp>
+        <p:nvSpPr>
+          <p:cNvPr id="60" name="TextBox 59">
+            <a:extLst>
+              <a:ext uri="{FF2B5EF4-FFF2-40B4-BE49-F238E27FC236}">
+                <a16:creationId xmlns:a16="http://schemas.microsoft.com/office/drawing/2014/main" id="{FD2BA67B-2581-7E7A-D60C-C3B1E148D400}"/>
+              </a:ext>
+            </a:extLst>
+          </p:cNvPr>
+          <p:cNvSpPr txBox="1"/>
+          <p:nvPr/>
+        </p:nvSpPr>
+        <p:spPr>
+          <a:xfrm>
+            <a:off x="2096908" y="1211970"/>
+            <a:ext cx="613309" cy="369332"/>
+          </a:xfrm>
+          <a:prstGeom prst="rect">
+            <a:avLst/>
+          </a:prstGeom>
+          <a:noFill/>
+        </p:spPr>
+        <p:txBody>
+          <a:bodyPr wrap="none" rtlCol="0">
+            <a:spAutoFit/>
+          </a:bodyPr>
+          <a:lstStyle/>
+          <a:p>
+            <a:r>
+              <a:rPr lang="en-US" dirty="0"/>
+              <a:t>Fast</a:t>
+            </a:r>
+          </a:p>
+        </p:txBody>
+      </p:sp>
+      <p:sp>
+        <p:nvSpPr>
+          <p:cNvPr id="61" name="TextBox 60">
+            <a:extLst>
+              <a:ext uri="{FF2B5EF4-FFF2-40B4-BE49-F238E27FC236}">
+                <a16:creationId xmlns:a16="http://schemas.microsoft.com/office/drawing/2014/main" id="{3025A748-7F44-FF7E-FCDA-9B77C5DA43BB}"/>
+              </a:ext>
+            </a:extLst>
+          </p:cNvPr>
+          <p:cNvSpPr txBox="1"/>
+          <p:nvPr/>
+        </p:nvSpPr>
+        <p:spPr>
+          <a:xfrm>
+            <a:off x="2096907" y="1903532"/>
+            <a:ext cx="613309" cy="369332"/>
+          </a:xfrm>
+          <a:prstGeom prst="rect">
+            <a:avLst/>
+          </a:prstGeom>
+          <a:noFill/>
+        </p:spPr>
+        <p:txBody>
+          <a:bodyPr wrap="none" rtlCol="0">
+            <a:spAutoFit/>
+          </a:bodyPr>
+          <a:lstStyle/>
+          <a:p>
+            <a:r>
+              <a:rPr lang="en-US" dirty="0"/>
+              <a:t>Fast</a:t>
+            </a:r>
+          </a:p>
+        </p:txBody>
+      </p:sp>
+      <p:sp>
+        <p:nvSpPr>
+          <p:cNvPr id="62" name="TextBox 61">
+            <a:extLst>
+              <a:ext uri="{FF2B5EF4-FFF2-40B4-BE49-F238E27FC236}">
+                <a16:creationId xmlns:a16="http://schemas.microsoft.com/office/drawing/2014/main" id="{D5378449-9827-6CB9-F076-FBDA5C9DA7A0}"/>
+              </a:ext>
+            </a:extLst>
+          </p:cNvPr>
+          <p:cNvSpPr txBox="1"/>
+          <p:nvPr/>
+        </p:nvSpPr>
+        <p:spPr>
+          <a:xfrm>
+            <a:off x="2096906" y="3959540"/>
+            <a:ext cx="613309" cy="369332"/>
+          </a:xfrm>
+          <a:prstGeom prst="rect">
+            <a:avLst/>
+          </a:prstGeom>
+          <a:noFill/>
+        </p:spPr>
+        <p:txBody>
+          <a:bodyPr wrap="none" rtlCol="0">
+            <a:spAutoFit/>
+          </a:bodyPr>
+          <a:lstStyle/>
+          <a:p>
+            <a:r>
+              <a:rPr lang="en-US" dirty="0"/>
+              <a:t>Fast</a:t>
+            </a:r>
+          </a:p>
+        </p:txBody>
+      </p:sp>
+      <p:sp>
+        <p:nvSpPr>
+          <p:cNvPr id="64" name="TextBox 63">
+            <a:extLst>
+              <a:ext uri="{FF2B5EF4-FFF2-40B4-BE49-F238E27FC236}">
+                <a16:creationId xmlns:a16="http://schemas.microsoft.com/office/drawing/2014/main" id="{88A17844-990A-70E7-5D04-99745F79AD80}"/>
+              </a:ext>
+            </a:extLst>
+          </p:cNvPr>
+          <p:cNvSpPr txBox="1"/>
+          <p:nvPr/>
+        </p:nvSpPr>
+        <p:spPr>
+          <a:xfrm>
+            <a:off x="2096906" y="3276125"/>
+            <a:ext cx="503664" cy="369332"/>
+          </a:xfrm>
+          <a:prstGeom prst="rect">
+            <a:avLst/>
+          </a:prstGeom>
+          <a:noFill/>
+        </p:spPr>
+        <p:txBody>
+          <a:bodyPr wrap="none" rtlCol="0">
+            <a:spAutoFit/>
+          </a:bodyPr>
+          <a:lstStyle/>
+          <a:p>
+            <a:r>
+              <a:rPr lang="en-US" dirty="0"/>
+              <a:t>DC</a:t>
+            </a:r>
+          </a:p>
+        </p:txBody>
+      </p:sp>
+      <p:sp>
+        <p:nvSpPr>
+          <p:cNvPr id="65" name="TextBox 64">
+            <a:extLst>
+              <a:ext uri="{FF2B5EF4-FFF2-40B4-BE49-F238E27FC236}">
+                <a16:creationId xmlns:a16="http://schemas.microsoft.com/office/drawing/2014/main" id="{2BC1A158-F9DA-2F16-46F0-EFAE8EFB0D70}"/>
+              </a:ext>
+            </a:extLst>
+          </p:cNvPr>
+          <p:cNvSpPr txBox="1"/>
+          <p:nvPr/>
+        </p:nvSpPr>
+        <p:spPr>
+          <a:xfrm>
+            <a:off x="2151728" y="5332133"/>
+            <a:ext cx="503664" cy="369332"/>
+          </a:xfrm>
+          <a:prstGeom prst="rect">
+            <a:avLst/>
+          </a:prstGeom>
+          <a:noFill/>
+        </p:spPr>
+        <p:txBody>
+          <a:bodyPr wrap="none" rtlCol="0">
+            <a:spAutoFit/>
+          </a:bodyPr>
+          <a:lstStyle/>
+          <a:p>
+            <a:r>
+              <a:rPr lang="en-US" dirty="0"/>
+              <a:t>DC</a:t>
+            </a:r>
+          </a:p>
+        </p:txBody>
+      </p:sp>
+      <p:sp>
+        <p:nvSpPr>
+          <p:cNvPr id="66" name="TextBox 65">
+            <a:extLst>
+              <a:ext uri="{FF2B5EF4-FFF2-40B4-BE49-F238E27FC236}">
+                <a16:creationId xmlns:a16="http://schemas.microsoft.com/office/drawing/2014/main" id="{C605AB20-56A5-6F6F-6EDF-6CDA6C1D62AB}"/>
+              </a:ext>
+            </a:extLst>
+          </p:cNvPr>
+          <p:cNvSpPr txBox="1"/>
+          <p:nvPr/>
+        </p:nvSpPr>
+        <p:spPr>
+          <a:xfrm>
+            <a:off x="2123046" y="5906874"/>
+            <a:ext cx="613309" cy="369332"/>
+          </a:xfrm>
+          <a:prstGeom prst="rect">
+            <a:avLst/>
+          </a:prstGeom>
+          <a:noFill/>
+        </p:spPr>
+        <p:txBody>
+          <a:bodyPr wrap="none" rtlCol="0">
+            <a:spAutoFit/>
+          </a:bodyPr>
+          <a:lstStyle/>
+          <a:p>
+            <a:r>
+              <a:rPr lang="en-US" dirty="0"/>
+              <a:t>Fast</a:t>
+            </a:r>
+          </a:p>
+        </p:txBody>
+      </p:sp>
+      <p:sp>
+        <p:nvSpPr>
+          <p:cNvPr id="67" name="TextBox 66">
+            <a:extLst>
+              <a:ext uri="{FF2B5EF4-FFF2-40B4-BE49-F238E27FC236}">
+                <a16:creationId xmlns:a16="http://schemas.microsoft.com/office/drawing/2014/main" id="{A58F34EF-53BE-E769-2893-53E1C1550AC1}"/>
+              </a:ext>
+            </a:extLst>
+          </p:cNvPr>
+          <p:cNvSpPr txBox="1"/>
+          <p:nvPr/>
+        </p:nvSpPr>
+        <p:spPr>
+          <a:xfrm>
+            <a:off x="3649599" y="5552202"/>
+            <a:ext cx="503664" cy="369332"/>
+          </a:xfrm>
+          <a:prstGeom prst="rect">
+            <a:avLst/>
+          </a:prstGeom>
+          <a:noFill/>
+        </p:spPr>
+        <p:txBody>
+          <a:bodyPr wrap="none" rtlCol="0">
+            <a:spAutoFit/>
+          </a:bodyPr>
+          <a:lstStyle/>
+          <a:p>
+            <a:r>
+              <a:rPr lang="en-US" dirty="0"/>
+              <a:t>DC</a:t>
+            </a:r>
+          </a:p>
+        </p:txBody>
+      </p:sp>
+      <p:sp>
+        <p:nvSpPr>
+          <p:cNvPr id="68" name="TextBox 67">
+            <a:extLst>
+              <a:ext uri="{FF2B5EF4-FFF2-40B4-BE49-F238E27FC236}">
+                <a16:creationId xmlns:a16="http://schemas.microsoft.com/office/drawing/2014/main" id="{F687975B-B077-2688-BD3B-6E721FCFE3E8}"/>
+              </a:ext>
+            </a:extLst>
+          </p:cNvPr>
+          <p:cNvSpPr txBox="1"/>
+          <p:nvPr/>
+        </p:nvSpPr>
+        <p:spPr>
+          <a:xfrm>
+            <a:off x="4280970" y="5550559"/>
+            <a:ext cx="503664" cy="369332"/>
+          </a:xfrm>
+          <a:prstGeom prst="rect">
+            <a:avLst/>
+          </a:prstGeom>
+          <a:noFill/>
+        </p:spPr>
+        <p:txBody>
+          <a:bodyPr wrap="none" rtlCol="0">
+            <a:spAutoFit/>
+          </a:bodyPr>
+          <a:lstStyle/>
+          <a:p>
+            <a:r>
+              <a:rPr lang="en-US" dirty="0"/>
+              <a:t>DC</a:t>
+            </a:r>
+          </a:p>
+        </p:txBody>
+      </p:sp>
+      <p:sp>
+        <p:nvSpPr>
+          <p:cNvPr id="69" name="TextBox 68">
+            <a:extLst>
+              <a:ext uri="{FF2B5EF4-FFF2-40B4-BE49-F238E27FC236}">
+                <a16:creationId xmlns:a16="http://schemas.microsoft.com/office/drawing/2014/main" id="{65A0AEA3-F811-AF35-5816-9A611DE4E37B}"/>
+              </a:ext>
+            </a:extLst>
+          </p:cNvPr>
+          <p:cNvSpPr txBox="1"/>
+          <p:nvPr/>
+        </p:nvSpPr>
+        <p:spPr>
+          <a:xfrm>
+            <a:off x="5689678" y="5542002"/>
+            <a:ext cx="503664" cy="369332"/>
+          </a:xfrm>
+          <a:prstGeom prst="rect">
+            <a:avLst/>
+          </a:prstGeom>
+          <a:noFill/>
+        </p:spPr>
+        <p:txBody>
+          <a:bodyPr wrap="none" rtlCol="0">
+            <a:spAutoFit/>
+          </a:bodyPr>
+          <a:lstStyle/>
+          <a:p>
+            <a:r>
+              <a:rPr lang="en-US" dirty="0"/>
+              <a:t>DC</a:t>
+            </a:r>
+          </a:p>
+        </p:txBody>
+      </p:sp>
+      <p:sp>
+        <p:nvSpPr>
+          <p:cNvPr id="70" name="TextBox 69">
+            <a:extLst>
+              <a:ext uri="{FF2B5EF4-FFF2-40B4-BE49-F238E27FC236}">
+                <a16:creationId xmlns:a16="http://schemas.microsoft.com/office/drawing/2014/main" id="{2D492459-517D-9E00-7520-2A0CB42D38F7}"/>
+              </a:ext>
+            </a:extLst>
+          </p:cNvPr>
+          <p:cNvSpPr txBox="1"/>
+          <p:nvPr/>
+        </p:nvSpPr>
+        <p:spPr>
+          <a:xfrm>
+            <a:off x="6379722" y="5541034"/>
+            <a:ext cx="503664" cy="369332"/>
+          </a:xfrm>
+          <a:prstGeom prst="rect">
+            <a:avLst/>
+          </a:prstGeom>
+          <a:noFill/>
+        </p:spPr>
+        <p:txBody>
+          <a:bodyPr wrap="none" rtlCol="0">
+            <a:spAutoFit/>
+          </a:bodyPr>
+          <a:lstStyle/>
+          <a:p>
+            <a:r>
+              <a:rPr lang="en-US" dirty="0"/>
+              <a:t>DC</a:t>
+            </a:r>
+          </a:p>
+        </p:txBody>
+      </p:sp>
+      <p:sp>
+        <p:nvSpPr>
+          <p:cNvPr id="71" name="TextBox 70">
+            <a:extLst>
+              <a:ext uri="{FF2B5EF4-FFF2-40B4-BE49-F238E27FC236}">
+                <a16:creationId xmlns:a16="http://schemas.microsoft.com/office/drawing/2014/main" id="{85714EC7-6A10-32F1-7B4F-9B1F2B4C14A5}"/>
+              </a:ext>
+            </a:extLst>
+          </p:cNvPr>
+          <p:cNvSpPr txBox="1"/>
+          <p:nvPr/>
+        </p:nvSpPr>
+        <p:spPr>
+          <a:xfrm>
+            <a:off x="7717553" y="5563870"/>
+            <a:ext cx="503664" cy="369332"/>
+          </a:xfrm>
+          <a:prstGeom prst="rect">
+            <a:avLst/>
+          </a:prstGeom>
+          <a:noFill/>
+        </p:spPr>
+        <p:txBody>
+          <a:bodyPr wrap="none" rtlCol="0">
+            <a:spAutoFit/>
+          </a:bodyPr>
+          <a:lstStyle/>
+          <a:p>
+            <a:r>
+              <a:rPr lang="en-US" dirty="0"/>
+              <a:t>DC</a:t>
+            </a:r>
+          </a:p>
+        </p:txBody>
+      </p:sp>
+      <p:sp>
+        <p:nvSpPr>
+          <p:cNvPr id="72" name="TextBox 71">
+            <a:extLst>
+              <a:ext uri="{FF2B5EF4-FFF2-40B4-BE49-F238E27FC236}">
+                <a16:creationId xmlns:a16="http://schemas.microsoft.com/office/drawing/2014/main" id="{75B7FEF4-5279-B10D-C27B-67B672A4722C}"/>
+              </a:ext>
+            </a:extLst>
+          </p:cNvPr>
+          <p:cNvSpPr txBox="1"/>
+          <p:nvPr/>
+        </p:nvSpPr>
+        <p:spPr>
+          <a:xfrm>
+            <a:off x="8407597" y="5563870"/>
+            <a:ext cx="503664" cy="369332"/>
+          </a:xfrm>
+          <a:prstGeom prst="rect">
+            <a:avLst/>
+          </a:prstGeom>
+          <a:noFill/>
+        </p:spPr>
+        <p:txBody>
+          <a:bodyPr wrap="none" rtlCol="0">
+            <a:spAutoFit/>
+          </a:bodyPr>
+          <a:lstStyle/>
+          <a:p>
+            <a:r>
+              <a:rPr lang="en-US" dirty="0"/>
+              <a:t>DC</a:t>
+            </a:r>
+          </a:p>
+        </p:txBody>
+      </p:sp>
+      <p:sp>
+        <p:nvSpPr>
+          <p:cNvPr id="76" name="TextBox 75">
+            <a:extLst>
+              <a:ext uri="{FF2B5EF4-FFF2-40B4-BE49-F238E27FC236}">
+                <a16:creationId xmlns:a16="http://schemas.microsoft.com/office/drawing/2014/main" id="{B5E33E72-E001-95C6-66BD-A1C5FAAEEAF1}"/>
+              </a:ext>
+            </a:extLst>
+          </p:cNvPr>
+          <p:cNvSpPr txBox="1"/>
+          <p:nvPr/>
+        </p:nvSpPr>
+        <p:spPr>
+          <a:xfrm>
+            <a:off x="-154237" y="669506"/>
+            <a:ext cx="2367653" cy="5663089"/>
           </a:xfrm>
           <a:prstGeom prst="rect">
             <a:avLst/>
@@ -10657,19 +12368,213 @@
           </a:bodyPr>
           <a:lstStyle/>
           <a:p>
-            <a:r>
-              <a:rPr lang="en-US" dirty="0"/>
-              <a:t>B4          2           A2          4           B5	6          18        NA       		 </a:t>
-            </a:r>
-          </a:p>
-        </p:txBody>
-      </p:sp>
-      <p:sp>
-        <p:nvSpPr>
-          <p:cNvPr id="47" name="TextBox 46">
-            <a:extLst>
-              <a:ext uri="{FF2B5EF4-FFF2-40B4-BE49-F238E27FC236}">
-                <a16:creationId xmlns:a16="http://schemas.microsoft.com/office/drawing/2014/main" id="{D4F674BC-E4B1-2231-C251-65A38583C2AA}"/>
+            <a:endParaRPr lang="en-US" dirty="0"/>
+          </a:p>
+          <a:p>
+            <a:endParaRPr lang="en-US" dirty="0"/>
+          </a:p>
+          <a:p>
+            <a:pPr algn="r"/>
+            <a:r>
+              <a:rPr lang="en-US" dirty="0">
+                <a:solidFill>
+                  <a:srgbClr val="FF0000"/>
+                </a:solidFill>
+              </a:rPr>
+              <a:t>Door in </a:t>
+            </a:r>
+            <a:r>
+              <a:rPr lang="en-US" sz="1000" dirty="0">
+                <a:solidFill>
+                  <a:srgbClr val="FF0000"/>
+                </a:solidFill>
+              </a:rPr>
+              <a:t>(AC=cx 4,DC=14)</a:t>
+            </a:r>
+          </a:p>
+          <a:p>
+            <a:pPr algn="r"/>
+            <a:endParaRPr lang="en-US" dirty="0">
+              <a:solidFill>
+                <a:srgbClr val="FF0000"/>
+              </a:solidFill>
+            </a:endParaRPr>
+          </a:p>
+          <a:p>
+            <a:pPr algn="r"/>
+            <a:endParaRPr lang="en-US" sz="1000" dirty="0">
+              <a:solidFill>
+                <a:srgbClr val="FF0000"/>
+              </a:solidFill>
+            </a:endParaRPr>
+          </a:p>
+          <a:p>
+            <a:pPr algn="r"/>
+            <a:r>
+              <a:rPr lang="en-US" dirty="0">
+                <a:solidFill>
+                  <a:srgbClr val="FF0000"/>
+                </a:solidFill>
+              </a:rPr>
+              <a:t>STI </a:t>
+            </a:r>
+            <a:r>
+              <a:rPr lang="en-US" sz="1000" dirty="0">
+                <a:solidFill>
+                  <a:srgbClr val="FF0000"/>
+                </a:solidFill>
+              </a:rPr>
+              <a:t>(AC =cx 3, DC = 2)</a:t>
+            </a:r>
+          </a:p>
+          <a:p>
+            <a:pPr algn="r"/>
+            <a:endParaRPr lang="en-US" dirty="0">
+              <a:solidFill>
+                <a:srgbClr val="FF0000"/>
+              </a:solidFill>
+            </a:endParaRPr>
+          </a:p>
+          <a:p>
+            <a:pPr algn="r"/>
+            <a:endParaRPr lang="en-US" dirty="0">
+              <a:solidFill>
+                <a:srgbClr val="FF0000"/>
+              </a:solidFill>
+            </a:endParaRPr>
+          </a:p>
+          <a:p>
+            <a:pPr algn="r"/>
+            <a:endParaRPr lang="en-US" dirty="0">
+              <a:solidFill>
+                <a:srgbClr val="FF0000"/>
+              </a:solidFill>
+            </a:endParaRPr>
+          </a:p>
+          <a:p>
+            <a:pPr algn="r"/>
+            <a:endParaRPr lang="en-US" dirty="0">
+              <a:solidFill>
+                <a:srgbClr val="FF0000"/>
+              </a:solidFill>
+            </a:endParaRPr>
+          </a:p>
+          <a:p>
+            <a:pPr algn="r"/>
+            <a:r>
+              <a:rPr lang="en-US" dirty="0">
+                <a:solidFill>
+                  <a:srgbClr val="FF0000"/>
+                </a:solidFill>
+              </a:rPr>
+              <a:t>STM (4)</a:t>
+            </a:r>
+          </a:p>
+          <a:p>
+            <a:pPr algn="r"/>
+            <a:endParaRPr lang="en-US" sz="2600" dirty="0">
+              <a:solidFill>
+                <a:srgbClr val="FF0000"/>
+              </a:solidFill>
+            </a:endParaRPr>
+          </a:p>
+          <a:p>
+            <a:pPr algn="r"/>
+            <a:r>
+              <a:rPr lang="en-US" dirty="0">
+                <a:solidFill>
+                  <a:srgbClr val="FF0000"/>
+                </a:solidFill>
+              </a:rPr>
+              <a:t>STO </a:t>
+            </a:r>
+            <a:r>
+              <a:rPr lang="en-US" sz="1000" dirty="0">
+                <a:solidFill>
+                  <a:srgbClr val="FF0000"/>
+                </a:solidFill>
+              </a:rPr>
+              <a:t>(AC =cx 5, DC= 15)</a:t>
+            </a:r>
+          </a:p>
+          <a:p>
+            <a:pPr algn="r"/>
+            <a:endParaRPr lang="en-US" sz="1000" dirty="0">
+              <a:solidFill>
+                <a:srgbClr val="FF0000"/>
+              </a:solidFill>
+            </a:endParaRPr>
+          </a:p>
+          <a:p>
+            <a:pPr algn="r"/>
+            <a:endParaRPr lang="en-US" dirty="0">
+              <a:solidFill>
+                <a:srgbClr val="FF0000"/>
+              </a:solidFill>
+            </a:endParaRPr>
+          </a:p>
+          <a:p>
+            <a:pPr algn="r"/>
+            <a:endParaRPr lang="en-US" dirty="0">
+              <a:solidFill>
+                <a:srgbClr val="FF0000"/>
+              </a:solidFill>
+            </a:endParaRPr>
+          </a:p>
+          <a:p>
+            <a:pPr algn="r"/>
+            <a:endParaRPr lang="en-US" dirty="0">
+              <a:solidFill>
+                <a:srgbClr val="FF0000"/>
+              </a:solidFill>
+            </a:endParaRPr>
+          </a:p>
+          <a:p>
+            <a:pPr algn="r"/>
+            <a:r>
+              <a:rPr lang="en-US" dirty="0">
+                <a:solidFill>
+                  <a:srgbClr val="FF0000"/>
+                </a:solidFill>
+              </a:rPr>
+              <a:t>TOP (17)</a:t>
+            </a:r>
+          </a:p>
+          <a:p>
+            <a:pPr algn="r"/>
+            <a:endParaRPr lang="en-US" dirty="0">
+              <a:solidFill>
+                <a:srgbClr val="FF0000"/>
+              </a:solidFill>
+            </a:endParaRPr>
+          </a:p>
+          <a:p>
+            <a:pPr algn="r"/>
+            <a:r>
+              <a:rPr lang="en-US" dirty="0">
+                <a:solidFill>
+                  <a:srgbClr val="FF0000"/>
+                </a:solidFill>
+              </a:rPr>
+              <a:t>TWIDDLE </a:t>
+            </a:r>
+            <a:r>
+              <a:rPr lang="en-US" sz="1000" dirty="0">
+                <a:solidFill>
+                  <a:srgbClr val="FF0000"/>
+                </a:solidFill>
+              </a:rPr>
+              <a:t>(AC=cx 6, DC = 5)</a:t>
+            </a:r>
+          </a:p>
+        </p:txBody>
+      </p:sp>
+      <p:sp>
+        <p:nvSpPr>
+          <p:cNvPr id="77" name="TextBox 76">
+            <a:extLst>
+              <a:ext uri="{FF2B5EF4-FFF2-40B4-BE49-F238E27FC236}">
+                <a16:creationId xmlns:a16="http://schemas.microsoft.com/office/drawing/2014/main" id="{93BE70F2-27BE-0A7B-6C81-799837D31DAC}"/>
               </a:ext>
             </a:extLst>
           </p:cNvPr>
@@ -10678,8 +12583,8 @@
         </p:nvSpPr>
         <p:spPr>
           <a:xfrm>
-            <a:off x="3270690" y="6155416"/>
-            <a:ext cx="6614780" cy="646331"/>
+            <a:off x="9934659" y="15942"/>
+            <a:ext cx="2099397" cy="6201698"/>
           </a:xfrm>
           <a:prstGeom prst="rect">
             <a:avLst/>
@@ -10692,19 +12597,209 @@
           </a:bodyPr>
           <a:lstStyle/>
           <a:p>
-            <a:r>
-              <a:rPr lang="en-US" dirty="0"/>
-              <a:t>B7           8                       10                      11         12          A3              		 </a:t>
-            </a:r>
-          </a:p>
-        </p:txBody>
-      </p:sp>
-      <p:sp>
-        <p:nvSpPr>
-          <p:cNvPr id="53" name="TextBox 52">
-            <a:extLst>
-              <a:ext uri="{FF2B5EF4-FFF2-40B4-BE49-F238E27FC236}">
-                <a16:creationId xmlns:a16="http://schemas.microsoft.com/office/drawing/2014/main" id="{CE63DA17-8C94-3B07-5F6C-53B80A905DAB}"/>
+            <a:endParaRPr lang="en-US" dirty="0"/>
+          </a:p>
+          <a:p>
+            <a:endParaRPr lang="en-US" dirty="0"/>
+          </a:p>
+          <a:p>
+            <a:r>
+              <a:rPr lang="en-US" dirty="0">
+                <a:solidFill>
+                  <a:srgbClr val="FF0000"/>
+                </a:solidFill>
+              </a:rPr>
+              <a:t>Door in </a:t>
+            </a:r>
+            <a:r>
+              <a:rPr lang="en-US" sz="1000" dirty="0">
+                <a:solidFill>
+                  <a:srgbClr val="FF0000"/>
+                </a:solidFill>
+              </a:rPr>
+              <a:t>(AC=cx 10, DC=11)</a:t>
+            </a:r>
+          </a:p>
+          <a:p>
+            <a:endParaRPr lang="en-US" dirty="0">
+              <a:solidFill>
+                <a:srgbClr val="FF0000"/>
+              </a:solidFill>
+            </a:endParaRPr>
+          </a:p>
+          <a:p>
+            <a:endParaRPr lang="en-US" dirty="0">
+              <a:solidFill>
+                <a:srgbClr val="FF0000"/>
+              </a:solidFill>
+            </a:endParaRPr>
+          </a:p>
+          <a:p>
+            <a:endParaRPr lang="en-US" dirty="0">
+              <a:solidFill>
+                <a:srgbClr val="FF0000"/>
+              </a:solidFill>
+            </a:endParaRPr>
+          </a:p>
+          <a:p>
+            <a:endParaRPr lang="en-US" sz="1300" dirty="0">
+              <a:solidFill>
+                <a:srgbClr val="FF0000"/>
+              </a:solidFill>
+            </a:endParaRPr>
+          </a:p>
+          <a:p>
+            <a:r>
+              <a:rPr lang="en-US" dirty="0">
+                <a:solidFill>
+                  <a:srgbClr val="FF0000"/>
+                </a:solidFill>
+              </a:rPr>
+              <a:t>STI </a:t>
+            </a:r>
+            <a:r>
+              <a:rPr lang="en-US" sz="1000" dirty="0">
+                <a:solidFill>
+                  <a:srgbClr val="FF0000"/>
+                </a:solidFill>
+              </a:rPr>
+              <a:t>(AC=cx 9,DC=24)</a:t>
+            </a:r>
+          </a:p>
+          <a:p>
+            <a:endParaRPr lang="en-US" dirty="0">
+              <a:solidFill>
+                <a:srgbClr val="FF0000"/>
+              </a:solidFill>
+            </a:endParaRPr>
+          </a:p>
+          <a:p>
+            <a:endParaRPr lang="en-US" sz="1000" dirty="0">
+              <a:solidFill>
+                <a:srgbClr val="FF0000"/>
+              </a:solidFill>
+            </a:endParaRPr>
+          </a:p>
+          <a:p>
+            <a:r>
+              <a:rPr lang="en-US" dirty="0">
+                <a:solidFill>
+                  <a:srgbClr val="FF0000"/>
+                </a:solidFill>
+              </a:rPr>
+              <a:t>STM (10)</a:t>
+            </a:r>
+          </a:p>
+          <a:p>
+            <a:endParaRPr lang="en-US" dirty="0">
+              <a:solidFill>
+                <a:srgbClr val="FF0000"/>
+              </a:solidFill>
+            </a:endParaRPr>
+          </a:p>
+          <a:p>
+            <a:endParaRPr lang="en-US" dirty="0">
+              <a:solidFill>
+                <a:srgbClr val="FF0000"/>
+              </a:solidFill>
+            </a:endParaRPr>
+          </a:p>
+          <a:p>
+            <a:endParaRPr lang="en-US" dirty="0">
+              <a:solidFill>
+                <a:srgbClr val="FF0000"/>
+              </a:solidFill>
+            </a:endParaRPr>
+          </a:p>
+          <a:p>
+            <a:endParaRPr lang="en-US" sz="2300" dirty="0">
+              <a:solidFill>
+                <a:srgbClr val="FF0000"/>
+              </a:solidFill>
+            </a:endParaRPr>
+          </a:p>
+          <a:p>
+            <a:r>
+              <a:rPr lang="en-US" dirty="0">
+                <a:solidFill>
+                  <a:srgbClr val="FF0000"/>
+                </a:solidFill>
+              </a:rPr>
+              <a:t>STO </a:t>
+            </a:r>
+            <a:r>
+              <a:rPr lang="en-US" sz="1000" dirty="0">
+                <a:solidFill>
+                  <a:srgbClr val="FF0000"/>
+                </a:solidFill>
+              </a:rPr>
+              <a:t>(AC=cx 7,DC = 22)</a:t>
+            </a:r>
+          </a:p>
+          <a:p>
+            <a:endParaRPr lang="en-US" sz="2700" dirty="0">
+              <a:solidFill>
+                <a:srgbClr val="FF0000"/>
+              </a:solidFill>
+            </a:endParaRPr>
+          </a:p>
+          <a:p>
+            <a:r>
+              <a:rPr lang="en-US" dirty="0">
+                <a:solidFill>
+                  <a:srgbClr val="FF0000"/>
+                </a:solidFill>
+              </a:rPr>
+              <a:t>TOP (9)</a:t>
+            </a:r>
+          </a:p>
+          <a:p>
+            <a:endParaRPr lang="en-US" dirty="0">
+              <a:solidFill>
+                <a:srgbClr val="FF0000"/>
+              </a:solidFill>
+            </a:endParaRPr>
+          </a:p>
+          <a:p>
+            <a:endParaRPr lang="en-US" dirty="0">
+              <a:solidFill>
+                <a:srgbClr val="FF0000"/>
+              </a:solidFill>
+            </a:endParaRPr>
+          </a:p>
+          <a:p>
+            <a:endParaRPr lang="en-US" dirty="0">
+              <a:solidFill>
+                <a:srgbClr val="FF0000"/>
+              </a:solidFill>
+            </a:endParaRPr>
+          </a:p>
+          <a:p>
+            <a:r>
+              <a:rPr lang="en-US" dirty="0">
+                <a:solidFill>
+                  <a:srgbClr val="FF0000"/>
+                </a:solidFill>
+              </a:rPr>
+              <a:t>TWIDDLE </a:t>
+            </a:r>
+            <a:r>
+              <a:rPr lang="en-US" sz="1000" dirty="0">
+                <a:solidFill>
+                  <a:srgbClr val="FF0000"/>
+                </a:solidFill>
+              </a:rPr>
+              <a:t>(AC=cx 8,DC=21)</a:t>
+            </a:r>
+          </a:p>
+        </p:txBody>
+      </p:sp>
+      <p:sp>
+        <p:nvSpPr>
+          <p:cNvPr id="78" name="TextBox 77">
+            <a:extLst>
+              <a:ext uri="{FF2B5EF4-FFF2-40B4-BE49-F238E27FC236}">
+                <a16:creationId xmlns:a16="http://schemas.microsoft.com/office/drawing/2014/main" id="{FD715C11-B41B-B4C6-E789-8AD7C64F8123}"/>
               </a:ext>
             </a:extLst>
           </p:cNvPr>
@@ -10713,8 +12808,8 @@
         </p:nvSpPr>
         <p:spPr>
           <a:xfrm>
-            <a:off x="9535072" y="1264082"/>
-            <a:ext cx="561659" cy="4524315"/>
+            <a:off x="2903723" y="915841"/>
+            <a:ext cx="6297428" cy="738664"/>
           </a:xfrm>
           <a:prstGeom prst="rect">
             <a:avLst/>
@@ -10729,83 +12824,70 @@
           <a:p>
             <a:r>
               <a:rPr lang="en-US" dirty="0"/>
-              <a:t>B3</a:t>
-            </a:r>
-          </a:p>
-          <a:p>
-            <a:endParaRPr lang="en-US" dirty="0"/>
-          </a:p>
-          <a:p>
+              <a:t>   </a:t>
+            </a:r>
+            <a:r>
+              <a:rPr lang="en-US" sz="1500" dirty="0">
+                <a:solidFill>
+                  <a:srgbClr val="FF0000"/>
+                </a:solidFill>
+              </a:rPr>
+              <a:t>SENSE</a:t>
+            </a:r>
             <a:r>
               <a:rPr lang="en-US" dirty="0"/>
-              <a:t>23</a:t>
-            </a:r>
-          </a:p>
-          <a:p>
-            <a:endParaRPr lang="en-US" dirty="0"/>
-          </a:p>
-          <a:p>
+              <a:t>  </a:t>
+            </a:r>
+            <a:r>
+              <a:rPr lang="en-US" dirty="0">
+                <a:solidFill>
+                  <a:srgbClr val="FF0000"/>
+                </a:solidFill>
+              </a:rPr>
+              <a:t>TFC</a:t>
+            </a:r>
             <a:r>
               <a:rPr lang="en-US" dirty="0"/>
-              <a:t>9</a:t>
-            </a:r>
-          </a:p>
-          <a:p>
-            <a:endParaRPr lang="en-US" dirty="0"/>
-          </a:p>
-          <a:p>
-            <a:r>
-              <a:rPr lang="en-US" dirty="0"/>
-              <a:t>B6</a:t>
-            </a:r>
-          </a:p>
-          <a:p>
-            <a:endParaRPr lang="en-US" dirty="0"/>
-          </a:p>
-          <a:p>
-            <a:r>
-              <a:rPr lang="en-US" dirty="0"/>
-              <a:t>21</a:t>
-            </a:r>
-          </a:p>
-          <a:p>
-            <a:endParaRPr lang="en-US" dirty="0"/>
-          </a:p>
-          <a:p>
-            <a:r>
-              <a:rPr lang="en-US" dirty="0"/>
-              <a:t>20</a:t>
-            </a:r>
-          </a:p>
-          <a:p>
-            <a:endParaRPr lang="en-US" dirty="0"/>
-          </a:p>
-          <a:p>
-            <a:r>
-              <a:rPr lang="en-US" dirty="0"/>
-              <a:t>7</a:t>
-            </a:r>
-          </a:p>
-          <a:p>
-            <a:endParaRPr lang="en-US" dirty="0"/>
-          </a:p>
-          <a:p>
-            <a:r>
-              <a:rPr lang="en-US" dirty="0"/>
-              <a:t>NA</a:t>
-            </a:r>
-          </a:p>
-          <a:p>
-            <a:endParaRPr lang="en-US" dirty="0"/>
-          </a:p>
-        </p:txBody>
-      </p:sp>
-      <p:sp>
-        <p:nvSpPr>
-          <p:cNvPr id="3" name="TextBox 2">
-            <a:extLst>
-              <a:ext uri="{FF2B5EF4-FFF2-40B4-BE49-F238E27FC236}">
-                <a16:creationId xmlns:a16="http://schemas.microsoft.com/office/drawing/2014/main" id="{2640E348-46AB-80E3-B237-D27A81971E62}"/>
+              <a:t>                     </a:t>
+            </a:r>
+            <a:r>
+              <a:rPr lang="en-US" dirty="0">
+                <a:solidFill>
+                  <a:srgbClr val="FF0000"/>
+                </a:solidFill>
+              </a:rPr>
+              <a:t>IDC-                                   IDC+   TFE   Sense</a:t>
+            </a:r>
+          </a:p>
+          <a:p>
+            <a:r>
+              <a:rPr lang="en-US" sz="1200" dirty="0">
+                <a:solidFill>
+                  <a:srgbClr val="FF0000"/>
+                </a:solidFill>
+              </a:rPr>
+              <a:t>        (cx2)        (16)                     (AC=cx 1,DC=1)                        (AC=cx 12, DC=13)       (23)      (cx 11)</a:t>
+            </a:r>
+          </a:p>
+          <a:p>
+            <a:r>
+              <a:rPr lang="en-US" sz="1200" dirty="0">
+                <a:solidFill>
+                  <a:srgbClr val="FF0000"/>
+                </a:solidFill>
+              </a:rPr>
+              <a:t>      20M=3 					                        20M=12</a:t>
+            </a:r>
+            <a:endParaRPr lang="en-US" sz="1200" dirty="0"/>
+          </a:p>
+        </p:txBody>
+      </p:sp>
+      <p:sp>
+        <p:nvSpPr>
+          <p:cNvPr id="79" name="TextBox 78">
+            <a:extLst>
+              <a:ext uri="{FF2B5EF4-FFF2-40B4-BE49-F238E27FC236}">
+                <a16:creationId xmlns:a16="http://schemas.microsoft.com/office/drawing/2014/main" id="{09A54582-4203-405E-552B-90F347A3E445}"/>
               </a:ext>
             </a:extLst>
           </p:cNvPr>
@@ -10814,8 +12896,8 @@
         </p:nvSpPr>
         <p:spPr>
           <a:xfrm>
-            <a:off x="3975875" y="2444561"/>
-            <a:ext cx="1187574" cy="369332"/>
+            <a:off x="3315780" y="6202918"/>
+            <a:ext cx="6077027" cy="553998"/>
           </a:xfrm>
           <a:prstGeom prst="rect">
             <a:avLst/>
@@ -10830,138 +12912,60 @@
           <a:p>
             <a:r>
               <a:rPr lang="en-US" dirty="0"/>
-              <a:t>14, 15</a:t>
-            </a:r>
-          </a:p>
-        </p:txBody>
-      </p:sp>
-      <p:sp>
-        <p:nvSpPr>
-          <p:cNvPr id="20" name="Rectangle 19">
-            <a:extLst>
-              <a:ext uri="{FF2B5EF4-FFF2-40B4-BE49-F238E27FC236}">
-                <a16:creationId xmlns:a16="http://schemas.microsoft.com/office/drawing/2014/main" id="{4106E4AE-97E4-EF69-643F-776B06B9F9DF}"/>
-              </a:ext>
-            </a:extLst>
-          </p:cNvPr>
-          <p:cNvSpPr/>
-          <p:nvPr/>
-        </p:nvSpPr>
-        <p:spPr>
-          <a:xfrm>
-            <a:off x="4298115" y="3267513"/>
-            <a:ext cx="1086685" cy="927249"/>
-          </a:xfrm>
-          <a:prstGeom prst="rect">
-            <a:avLst/>
-          </a:prstGeom>
-          <a:ln>
-            <a:solidFill>
-              <a:schemeClr val="tx1"/>
-            </a:solidFill>
-          </a:ln>
-        </p:spPr>
-        <p:style>
-          <a:lnRef idx="2">
-            <a:schemeClr val="accent6"/>
-          </a:lnRef>
-          <a:fillRef idx="1">
-            <a:schemeClr val="lt1"/>
-          </a:fillRef>
-          <a:effectRef idx="0">
-            <a:schemeClr val="accent6"/>
-          </a:effectRef>
-          <a:fontRef idx="minor">
-            <a:schemeClr val="dk1"/>
-          </a:fontRef>
-        </p:style>
-        <p:txBody>
-          <a:bodyPr rtlCol="0" anchor="ctr"/>
-          <a:lstStyle/>
-          <a:p>
-            <a:pPr algn="ctr"/>
-            <a:endParaRPr lang="en-US"/>
-          </a:p>
-        </p:txBody>
-      </p:sp>
-      <p:cxnSp>
-        <p:nvCxnSpPr>
-          <p:cNvPr id="22" name="Straight Connector 21">
-            <a:extLst>
-              <a:ext uri="{FF2B5EF4-FFF2-40B4-BE49-F238E27FC236}">
-                <a16:creationId xmlns:a16="http://schemas.microsoft.com/office/drawing/2014/main" id="{F883A2AC-E74D-9695-0209-4B1391A9BF60}"/>
-              </a:ext>
-            </a:extLst>
-          </p:cNvPr>
-          <p:cNvCxnSpPr/>
-          <p:nvPr/>
-        </p:nvCxnSpPr>
-        <p:spPr>
-          <a:xfrm flipV="1">
-            <a:off x="4298115" y="2822626"/>
-            <a:ext cx="0" cy="444887"/>
-          </a:xfrm>
-          <a:prstGeom prst="line">
-            <a:avLst/>
-          </a:prstGeom>
-        </p:spPr>
-        <p:style>
-          <a:lnRef idx="1">
-            <a:schemeClr val="dk1"/>
-          </a:lnRef>
-          <a:fillRef idx="0">
-            <a:schemeClr val="dk1"/>
-          </a:fillRef>
-          <a:effectRef idx="0">
-            <a:schemeClr val="dk1"/>
-          </a:effectRef>
-          <a:fontRef idx="minor">
-            <a:schemeClr val="tx1"/>
-          </a:fontRef>
-        </p:style>
-      </p:cxnSp>
-      <p:cxnSp>
-        <p:nvCxnSpPr>
-          <p:cNvPr id="23" name="Straight Connector 22">
-            <a:extLst>
-              <a:ext uri="{FF2B5EF4-FFF2-40B4-BE49-F238E27FC236}">
-                <a16:creationId xmlns:a16="http://schemas.microsoft.com/office/drawing/2014/main" id="{85ED3BBC-1C09-4990-59C1-652C6AEC6D13}"/>
-              </a:ext>
-            </a:extLst>
-          </p:cNvPr>
-          <p:cNvCxnSpPr/>
-          <p:nvPr/>
-        </p:nvCxnSpPr>
-        <p:spPr>
-          <a:xfrm flipV="1">
-            <a:off x="5384800" y="2815216"/>
-            <a:ext cx="0" cy="444887"/>
-          </a:xfrm>
-          <a:prstGeom prst="line">
-            <a:avLst/>
-          </a:prstGeom>
-        </p:spPr>
-        <p:style>
-          <a:lnRef idx="1">
-            <a:schemeClr val="dk1"/>
-          </a:lnRef>
-          <a:fillRef idx="0">
-            <a:schemeClr val="dk1"/>
-          </a:fillRef>
-          <a:effectRef idx="0">
-            <a:schemeClr val="dk1"/>
-          </a:effectRef>
-          <a:fontRef idx="minor">
-            <a:schemeClr val="tx1"/>
-          </a:fontRef>
-        </p:style>
-      </p:cxnSp>
-      <p:sp>
-        <p:nvSpPr>
-          <p:cNvPr id="25" name="TextBox 24">
-            <a:extLst>
-              <a:ext uri="{FF2B5EF4-FFF2-40B4-BE49-F238E27FC236}">
-                <a16:creationId xmlns:a16="http://schemas.microsoft.com/office/drawing/2014/main" id="{E3555EBC-A120-F415-9C06-6CD78FB2D943}"/>
+              <a:t>   </a:t>
+            </a:r>
+            <a:r>
+              <a:rPr lang="en-US" sz="1500" dirty="0">
+                <a:solidFill>
+                  <a:srgbClr val="FF0000"/>
+                </a:solidFill>
+              </a:rPr>
+              <a:t>Door out</a:t>
+            </a:r>
+            <a:r>
+              <a:rPr lang="en-US" dirty="0"/>
+              <a:t>  </a:t>
+            </a:r>
+            <a:r>
+              <a:rPr lang="en-US" dirty="0">
+                <a:solidFill>
+                  <a:srgbClr val="FF0000"/>
+                </a:solidFill>
+              </a:rPr>
+              <a:t>TFC</a:t>
+            </a:r>
+            <a:r>
+              <a:rPr lang="en-US" dirty="0"/>
+              <a:t>                     </a:t>
+            </a:r>
+            <a:r>
+              <a:rPr lang="en-US" dirty="0">
+                <a:solidFill>
+                  <a:srgbClr val="FF0000"/>
+                </a:solidFill>
+              </a:rPr>
+              <a:t>IDC-     IDC+                    TFE   Door out</a:t>
+            </a:r>
+          </a:p>
+          <a:p>
+            <a:r>
+              <a:rPr lang="en-US" sz="1200" dirty="0">
+                <a:solidFill>
+                  <a:srgbClr val="FF0000"/>
+                </a:solidFill>
+              </a:rPr>
+              <a:t>            (18)          (6)                                    (19)             (20)                                    (7)                (8)</a:t>
+            </a:r>
+            <a:endParaRPr lang="en-US" sz="1200" dirty="0"/>
+          </a:p>
+        </p:txBody>
+      </p:sp>
+      <p:sp>
+        <p:nvSpPr>
+          <p:cNvPr id="81" name="TextBox 80">
+            <a:extLst>
+              <a:ext uri="{FF2B5EF4-FFF2-40B4-BE49-F238E27FC236}">
+                <a16:creationId xmlns:a16="http://schemas.microsoft.com/office/drawing/2014/main" id="{F963FA95-8355-16F1-14DE-B2722BAB6C86}"/>
               </a:ext>
             </a:extLst>
           </p:cNvPr>
@@ -10970,8 +12974,8 @@
         </p:nvSpPr>
         <p:spPr>
           <a:xfrm>
-            <a:off x="4992170" y="2464454"/>
-            <a:ext cx="1187574" cy="369332"/>
+            <a:off x="3069487" y="-92541"/>
+            <a:ext cx="3510117" cy="369332"/>
           </a:xfrm>
           <a:prstGeom prst="rect">
             <a:avLst/>
@@ -10985,170 +12989,22 @@
           <a:lstStyle/>
           <a:p>
             <a:r>
-              <a:rPr lang="en-US" dirty="0"/>
-              <a:t>16,17</a:t>
-            </a:r>
-          </a:p>
-        </p:txBody>
-      </p:sp>
-      <p:cxnSp>
-        <p:nvCxnSpPr>
-          <p:cNvPr id="26" name="Straight Connector 25">
-            <a:extLst>
-              <a:ext uri="{FF2B5EF4-FFF2-40B4-BE49-F238E27FC236}">
-                <a16:creationId xmlns:a16="http://schemas.microsoft.com/office/drawing/2014/main" id="{9B3E83A8-5FC4-C4FF-772A-EEFE77339876}"/>
-              </a:ext>
-            </a:extLst>
-          </p:cNvPr>
-          <p:cNvCxnSpPr>
-            <a:cxnSpLocks/>
-          </p:cNvCxnSpPr>
-          <p:nvPr/>
-        </p:nvCxnSpPr>
-        <p:spPr>
-          <a:xfrm flipV="1">
-            <a:off x="6257507" y="2936776"/>
-            <a:ext cx="0" cy="730471"/>
-          </a:xfrm>
-          <a:prstGeom prst="line">
-            <a:avLst/>
-          </a:prstGeom>
-        </p:spPr>
-        <p:style>
-          <a:lnRef idx="1">
-            <a:schemeClr val="dk1"/>
-          </a:lnRef>
-          <a:fillRef idx="0">
-            <a:schemeClr val="dk1"/>
-          </a:fillRef>
-          <a:effectRef idx="0">
-            <a:schemeClr val="dk1"/>
-          </a:effectRef>
-          <a:fontRef idx="minor">
-            <a:schemeClr val="tx1"/>
-          </a:fontRef>
-        </p:style>
-      </p:cxnSp>
-      <p:cxnSp>
-        <p:nvCxnSpPr>
-          <p:cNvPr id="48" name="Straight Connector 47">
-            <a:extLst>
-              <a:ext uri="{FF2B5EF4-FFF2-40B4-BE49-F238E27FC236}">
-                <a16:creationId xmlns:a16="http://schemas.microsoft.com/office/drawing/2014/main" id="{B42975B2-9B48-0744-D107-F59516D70D0B}"/>
-              </a:ext>
-            </a:extLst>
-          </p:cNvPr>
-          <p:cNvCxnSpPr>
-            <a:cxnSpLocks/>
-          </p:cNvCxnSpPr>
-          <p:nvPr/>
-        </p:nvCxnSpPr>
-        <p:spPr>
-          <a:xfrm flipV="1">
-            <a:off x="7556500" y="2920267"/>
-            <a:ext cx="0" cy="730471"/>
-          </a:xfrm>
-          <a:prstGeom prst="line">
-            <a:avLst/>
-          </a:prstGeom>
-        </p:spPr>
-        <p:style>
-          <a:lnRef idx="1">
-            <a:schemeClr val="dk1"/>
-          </a:lnRef>
-          <a:fillRef idx="0">
-            <a:schemeClr val="dk1"/>
-          </a:fillRef>
-          <a:effectRef idx="0">
-            <a:schemeClr val="dk1"/>
-          </a:effectRef>
-          <a:fontRef idx="minor">
-            <a:schemeClr val="tx1"/>
-          </a:fontRef>
-        </p:style>
-      </p:cxnSp>
-      <p:cxnSp>
-        <p:nvCxnSpPr>
-          <p:cNvPr id="63" name="Straight Connector 62">
-            <a:extLst>
-              <a:ext uri="{FF2B5EF4-FFF2-40B4-BE49-F238E27FC236}">
-                <a16:creationId xmlns:a16="http://schemas.microsoft.com/office/drawing/2014/main" id="{1EBDBF6A-0975-C245-5766-FC5E5032B2DF}"/>
-              </a:ext>
-            </a:extLst>
-          </p:cNvPr>
-          <p:cNvCxnSpPr>
-            <a:cxnSpLocks/>
-          </p:cNvCxnSpPr>
-          <p:nvPr/>
-        </p:nvCxnSpPr>
-        <p:spPr>
-          <a:xfrm>
-            <a:off x="6257507" y="3654224"/>
-            <a:ext cx="1307382" cy="0"/>
-          </a:xfrm>
-          <a:prstGeom prst="line">
-            <a:avLst/>
-          </a:prstGeom>
-        </p:spPr>
-        <p:style>
-          <a:lnRef idx="1">
-            <a:schemeClr val="dk1"/>
-          </a:lnRef>
-          <a:fillRef idx="0">
-            <a:schemeClr val="dk1"/>
-          </a:fillRef>
-          <a:effectRef idx="0">
-            <a:schemeClr val="dk1"/>
-          </a:effectRef>
-          <a:fontRef idx="minor">
-            <a:schemeClr val="tx1"/>
-          </a:fontRef>
-        </p:style>
-      </p:cxnSp>
-      <p:cxnSp>
-        <p:nvCxnSpPr>
-          <p:cNvPr id="66" name="Straight Connector 65">
-            <a:extLst>
-              <a:ext uri="{FF2B5EF4-FFF2-40B4-BE49-F238E27FC236}">
-                <a16:creationId xmlns:a16="http://schemas.microsoft.com/office/drawing/2014/main" id="{BCC9788B-B034-12C9-924B-2292BB9129E2}"/>
-              </a:ext>
-            </a:extLst>
-          </p:cNvPr>
-          <p:cNvCxnSpPr>
-            <a:cxnSpLocks/>
-          </p:cNvCxnSpPr>
-          <p:nvPr/>
-        </p:nvCxnSpPr>
-        <p:spPr>
-          <a:xfrm>
-            <a:off x="6219407" y="4104933"/>
-            <a:ext cx="1307382" cy="0"/>
-          </a:xfrm>
-          <a:prstGeom prst="line">
-            <a:avLst/>
-          </a:prstGeom>
-        </p:spPr>
-        <p:style>
-          <a:lnRef idx="1">
-            <a:schemeClr val="dk1"/>
-          </a:lnRef>
-          <a:fillRef idx="0">
-            <a:schemeClr val="dk1"/>
-          </a:fillRef>
-          <a:effectRef idx="0">
-            <a:schemeClr val="dk1"/>
-          </a:effectRef>
-          <a:fontRef idx="minor">
-            <a:schemeClr val="tx1"/>
-          </a:fontRef>
-        </p:style>
-      </p:cxnSp>
-      <p:sp>
-        <p:nvSpPr>
-          <p:cNvPr id="68" name="TextBox 67">
-            <a:extLst>
-              <a:ext uri="{FF2B5EF4-FFF2-40B4-BE49-F238E27FC236}">
-                <a16:creationId xmlns:a16="http://schemas.microsoft.com/office/drawing/2014/main" id="{14DF8ED9-4F9A-58E2-E62A-1AB24D1CF65C}"/>
+              <a:rPr lang="en-US" dirty="0">
+                <a:solidFill>
+                  <a:srgbClr val="FF0000"/>
+                </a:solidFill>
+              </a:rPr>
+              <a:t>	       sp7	               sp20</a:t>
+            </a:r>
+          </a:p>
+        </p:txBody>
+      </p:sp>
+      <p:sp>
+        <p:nvSpPr>
+          <p:cNvPr id="2" name="TextBox 1">
+            <a:extLst>
+              <a:ext uri="{FF2B5EF4-FFF2-40B4-BE49-F238E27FC236}">
+                <a16:creationId xmlns:a16="http://schemas.microsoft.com/office/drawing/2014/main" id="{CFE4B8F9-C09E-5E6A-26EE-6D2608A7F551}"/>
               </a:ext>
             </a:extLst>
           </p:cNvPr>
@@ -11157,8 +13013,8 @@
         </p:nvSpPr>
         <p:spPr>
           <a:xfrm>
-            <a:off x="6133374" y="2517108"/>
-            <a:ext cx="508248" cy="369332"/>
+            <a:off x="10055444" y="192452"/>
+            <a:ext cx="1228367" cy="477054"/>
           </a:xfrm>
           <a:prstGeom prst="rect">
             <a:avLst/>
@@ -11172,18 +13028,18 @@
           <a:lstStyle/>
           <a:p>
             <a:r>
-              <a:rPr lang="en-US" dirty="0"/>
-              <a:t>24</a:t>
-            </a:r>
-          </a:p>
-        </p:txBody>
-      </p:sp>
-      <p:sp>
-        <p:nvSpPr>
-          <p:cNvPr id="69" name="TextBox 68">
-            <a:extLst>
-              <a:ext uri="{FF2B5EF4-FFF2-40B4-BE49-F238E27FC236}">
-                <a16:creationId xmlns:a16="http://schemas.microsoft.com/office/drawing/2014/main" id="{4FF6C002-878F-ADD5-8352-5A17D95F8971}"/>
+              <a:rPr lang="en-US" sz="2500" b="1" dirty="0"/>
+              <a:t>Emitter </a:t>
+            </a:r>
+          </a:p>
+        </p:txBody>
+      </p:sp>
+      <p:sp>
+        <p:nvSpPr>
+          <p:cNvPr id="3" name="TextBox 2">
+            <a:extLst>
+              <a:ext uri="{FF2B5EF4-FFF2-40B4-BE49-F238E27FC236}">
+                <a16:creationId xmlns:a16="http://schemas.microsoft.com/office/drawing/2014/main" id="{4D2EE574-DBCB-229D-79E3-CA3AAB5D5A0A}"/>
               </a:ext>
             </a:extLst>
           </p:cNvPr>
@@ -11192,8 +13048,8 @@
         </p:nvSpPr>
         <p:spPr>
           <a:xfrm>
-            <a:off x="7398711" y="2517108"/>
-            <a:ext cx="508247" cy="369332"/>
+            <a:off x="824150" y="343482"/>
+            <a:ext cx="1707196" cy="477054"/>
           </a:xfrm>
           <a:prstGeom prst="rect">
             <a:avLst/>
@@ -11207,18 +13063,18 @@
           <a:lstStyle/>
           <a:p>
             <a:r>
-              <a:rPr lang="en-US" dirty="0"/>
-              <a:t>13</a:t>
-            </a:r>
-          </a:p>
-        </p:txBody>
-      </p:sp>
-      <p:sp>
-        <p:nvSpPr>
-          <p:cNvPr id="77" name="TextBox 76">
-            <a:extLst>
-              <a:ext uri="{FF2B5EF4-FFF2-40B4-BE49-F238E27FC236}">
-                <a16:creationId xmlns:a16="http://schemas.microsoft.com/office/drawing/2014/main" id="{E3E100B0-BF43-1233-BD84-0831959A57AA}"/>
+              <a:rPr lang="en-US" sz="2500" b="1" dirty="0"/>
+              <a:t>Collector </a:t>
+            </a:r>
+          </a:p>
+        </p:txBody>
+      </p:sp>
+      <p:sp>
+        <p:nvSpPr>
+          <p:cNvPr id="56" name="TextBox 55">
+            <a:extLst>
+              <a:ext uri="{FF2B5EF4-FFF2-40B4-BE49-F238E27FC236}">
+                <a16:creationId xmlns:a16="http://schemas.microsoft.com/office/drawing/2014/main" id="{B21E02C0-AC60-DF2B-6671-5E10C29EC080}"/>
               </a:ext>
             </a:extLst>
           </p:cNvPr>
@@ -11227,8 +13083,73 @@
         </p:nvSpPr>
         <p:spPr>
           <a:xfrm>
-            <a:off x="1359684" y="971562"/>
-            <a:ext cx="889960" cy="4801314"/>
+            <a:off x="10121777" y="-68478"/>
+            <a:ext cx="2080698" cy="323165"/>
+          </a:xfrm>
+          <a:prstGeom prst="rect">
+            <a:avLst/>
+          </a:prstGeom>
+          <a:noFill/>
+        </p:spPr>
+        <p:txBody>
+          <a:bodyPr wrap="none" rtlCol="0">
+            <a:spAutoFit/>
+          </a:bodyPr>
+          <a:lstStyle/>
+          <a:p>
+            <a:r>
+              <a:rPr lang="en-US" sz="1500" dirty="0"/>
+              <a:t>*looking down at device</a:t>
+            </a:r>
+          </a:p>
+        </p:txBody>
+      </p:sp>
+    </p:spTree>
+    <p:extLst>
+      <p:ext uri="{BB962C8B-B14F-4D97-AF65-F5344CB8AC3E}">
+        <p14:creationId xmlns:p14="http://schemas.microsoft.com/office/powerpoint/2010/main" val="2414326324"/>
+      </p:ext>
+    </p:extLst>
+  </p:cSld>
+  <p:clrMapOvr>
+    <a:masterClrMapping/>
+  </p:clrMapOvr>
+</p:sld>
+</file>
+
+<file path=ppt/slides/slide17.xml><?xml version="1.0" encoding="utf-8"?>
+<p:sld xmlns:a="http://schemas.openxmlformats.org/drawingml/2006/main" xmlns:r="http://schemas.openxmlformats.org/officeDocument/2006/relationships" xmlns:p="http://schemas.openxmlformats.org/presentationml/2006/main">
+  <p:cSld>
+    <p:spTree>
+      <p:nvGrpSpPr>
+        <p:cNvPr id="1" name=""/>
+        <p:cNvGrpSpPr/>
+        <p:nvPr/>
+      </p:nvGrpSpPr>
+      <p:grpSpPr>
+        <a:xfrm>
+          <a:off x="0" y="0"/>
+          <a:ext cx="0" cy="0"/>
+          <a:chOff x="0" y="0"/>
+          <a:chExt cx="0" cy="0"/>
+        </a:xfrm>
+      </p:grpSpPr>
+      <p:sp>
+        <p:nvSpPr>
+          <p:cNvPr id="4" name="TextBox 3">
+            <a:extLst>
+              <a:ext uri="{FF2B5EF4-FFF2-40B4-BE49-F238E27FC236}">
+                <a16:creationId xmlns:a16="http://schemas.microsoft.com/office/drawing/2014/main" id="{C3CBB6F8-BCD2-F87E-9791-517575C4A6D4}"/>
+              </a:ext>
+            </a:extLst>
+          </p:cNvPr>
+          <p:cNvSpPr txBox="1"/>
+          <p:nvPr/>
+        </p:nvSpPr>
+        <p:spPr>
+          <a:xfrm>
+            <a:off x="824149" y="1609717"/>
+            <a:ext cx="2860531" cy="2862322"/>
           </a:xfrm>
           <a:prstGeom prst="rect">
             <a:avLst/>
@@ -11241,113 +13162,80 @@
           </a:bodyPr>
           <a:lstStyle/>
           <a:p>
-            <a:pPr algn="r"/>
+            <a:r>
+              <a:rPr lang="en-US" b="1" dirty="0"/>
+              <a:t>Sense 1 (left, collector)</a:t>
+            </a:r>
+          </a:p>
+          <a:p>
             <a:endParaRPr lang="en-US" dirty="0"/>
           </a:p>
           <a:p>
-            <a:pPr algn="r"/>
+            <a:r>
+              <a:rPr lang="en-US" dirty="0"/>
+              <a:t>Current in         = supply 23</a:t>
+            </a:r>
+          </a:p>
+          <a:p>
+            <a:r>
+              <a:rPr lang="en-US" dirty="0" err="1"/>
+              <a:t>Vcc</a:t>
+            </a:r>
+            <a:r>
+              <a:rPr lang="en-US" dirty="0"/>
+              <a:t> amplifier    = supply 7 </a:t>
+            </a:r>
+          </a:p>
+          <a:p>
+            <a:r>
+              <a:rPr lang="en-US" dirty="0" err="1"/>
+              <a:t>Vbb</a:t>
+            </a:r>
+            <a:r>
+              <a:rPr lang="en-US" dirty="0"/>
+              <a:t> amplifier   = supply 24 </a:t>
+            </a:r>
+          </a:p>
+          <a:p>
+            <a:r>
+              <a:rPr lang="en-US" dirty="0" err="1"/>
+              <a:t>Vcc</a:t>
+            </a:r>
+            <a:r>
+              <a:rPr lang="en-US" dirty="0"/>
+              <a:t> follower      = supply 13</a:t>
+            </a:r>
+          </a:p>
+          <a:p>
             <a:endParaRPr lang="en-US" dirty="0"/>
           </a:p>
           <a:p>
-            <a:pPr algn="r"/>
+            <a:r>
+              <a:rPr lang="en-US" dirty="0" err="1"/>
+              <a:t>Vout</a:t>
+            </a:r>
             <a:r>
               <a:rPr lang="en-US" dirty="0"/>
-              <a:t>B1</a:t>
-            </a:r>
-          </a:p>
-          <a:p>
-            <a:pPr algn="r"/>
+              <a:t>     = coax 1</a:t>
+            </a:r>
+          </a:p>
+          <a:p>
+            <a:r>
+              <a:rPr lang="en-US" dirty="0"/>
+              <a:t>20Meg = 3</a:t>
+            </a:r>
+          </a:p>
+          <a:p>
             <a:endParaRPr lang="en-US" dirty="0"/>
           </a:p>
-          <a:p>
-            <a:pPr algn="r"/>
-            <a:r>
-              <a:rPr lang="en-US" dirty="0"/>
-              <a:t>19</a:t>
-            </a:r>
-          </a:p>
-          <a:p>
-            <a:pPr algn="r"/>
-            <a:endParaRPr lang="en-US" dirty="0"/>
-          </a:p>
-          <a:p>
-            <a:pPr algn="r"/>
-            <a:r>
-              <a:rPr lang="en-US" dirty="0"/>
-              <a:t>5</a:t>
-            </a:r>
-          </a:p>
-          <a:p>
-            <a:pPr algn="r"/>
-            <a:endParaRPr lang="en-US" dirty="0"/>
-          </a:p>
-          <a:p>
-            <a:pPr algn="r"/>
-            <a:r>
-              <a:rPr lang="en-US" dirty="0"/>
-              <a:t>B2</a:t>
-            </a:r>
-          </a:p>
-          <a:p>
-            <a:pPr algn="r"/>
-            <a:endParaRPr lang="en-US" dirty="0"/>
-          </a:p>
-          <a:p>
-            <a:pPr algn="r"/>
-            <a:r>
-              <a:rPr lang="en-US" dirty="0"/>
-              <a:t>3</a:t>
-            </a:r>
-          </a:p>
-          <a:p>
-            <a:pPr algn="r"/>
-            <a:endParaRPr lang="en-US" dirty="0"/>
-          </a:p>
-          <a:p>
-            <a:pPr algn="r"/>
-            <a:r>
-              <a:rPr lang="en-US" dirty="0"/>
-              <a:t>A1</a:t>
-            </a:r>
-          </a:p>
-          <a:p>
-            <a:pPr algn="r"/>
-            <a:endParaRPr lang="en-US" dirty="0"/>
-          </a:p>
-          <a:p>
-            <a:pPr algn="r"/>
-            <a:r>
-              <a:rPr lang="en-US" dirty="0"/>
-              <a:t>1</a:t>
-            </a:r>
-          </a:p>
-          <a:p>
-            <a:pPr algn="r"/>
-            <a:endParaRPr lang="en-US" dirty="0"/>
-          </a:p>
-          <a:p>
-            <a:pPr algn="r"/>
-            <a:r>
-              <a:rPr lang="en-US" dirty="0"/>
-              <a:t>NA</a:t>
-            </a:r>
-            <a:r>
-              <a:rPr lang="en-US" dirty="0">
-                <a:highlight>
-                  <a:srgbClr val="FFFF00"/>
-                </a:highlight>
-              </a:rPr>
-              <a:t> </a:t>
-            </a:r>
-          </a:p>
-        </p:txBody>
-      </p:sp>
-      <p:sp>
-        <p:nvSpPr>
-          <p:cNvPr id="73" name="TextBox 72">
-            <a:extLst>
-              <a:ext uri="{FF2B5EF4-FFF2-40B4-BE49-F238E27FC236}">
-                <a16:creationId xmlns:a16="http://schemas.microsoft.com/office/drawing/2014/main" id="{A3D1D1C5-F2E9-16BD-AB32-8CC13A683DF0}"/>
+        </p:txBody>
+      </p:sp>
+      <p:sp>
+        <p:nvSpPr>
+          <p:cNvPr id="5" name="TextBox 4">
+            <a:extLst>
+              <a:ext uri="{FF2B5EF4-FFF2-40B4-BE49-F238E27FC236}">
+                <a16:creationId xmlns:a16="http://schemas.microsoft.com/office/drawing/2014/main" id="{371D41DE-9742-643B-0BFF-E8BBE2DD6581}"/>
               </a:ext>
             </a:extLst>
           </p:cNvPr>
@@ -11356,8 +13244,8 @@
         </p:nvSpPr>
         <p:spPr>
           <a:xfrm>
-            <a:off x="6695113" y="4065755"/>
-            <a:ext cx="1583137" cy="369332"/>
+            <a:off x="3807240" y="1517438"/>
+            <a:ext cx="2945898" cy="2585323"/>
           </a:xfrm>
           <a:prstGeom prst="rect">
             <a:avLst/>
@@ -11371,18 +13259,76 @@
           <a:lstStyle/>
           <a:p>
             <a:r>
+              <a:rPr lang="en-US" b="1" dirty="0"/>
+              <a:t>Sense  2 (right, emitter)</a:t>
+            </a:r>
+          </a:p>
+          <a:p>
+            <a:endParaRPr lang="en-US" dirty="0"/>
+          </a:p>
+          <a:p>
+            <a:r>
               <a:rPr lang="en-US" dirty="0"/>
-              <a:t>22</a:t>
-            </a:r>
-          </a:p>
-        </p:txBody>
-      </p:sp>
-      <p:sp>
-        <p:nvSpPr>
-          <p:cNvPr id="51" name="TextBox 50">
-            <a:extLst>
-              <a:ext uri="{FF2B5EF4-FFF2-40B4-BE49-F238E27FC236}">
-                <a16:creationId xmlns:a16="http://schemas.microsoft.com/office/drawing/2014/main" id="{CFDE25A5-EB01-55A0-1998-686104AD72E8}"/>
+              <a:t>Current in         = supply 16</a:t>
+            </a:r>
+          </a:p>
+          <a:p>
+            <a:r>
+              <a:rPr lang="en-US" dirty="0" err="1"/>
+              <a:t>Vcc</a:t>
+            </a:r>
+            <a:r>
+              <a:rPr lang="en-US" dirty="0"/>
+              <a:t> amplifier    = supply 20</a:t>
+            </a:r>
+          </a:p>
+          <a:p>
+            <a:r>
+              <a:rPr lang="en-US" dirty="0" err="1"/>
+              <a:t>Vbb</a:t>
+            </a:r>
+            <a:r>
+              <a:rPr lang="en-US" dirty="0"/>
+              <a:t> amplifier   = supply 15  </a:t>
+            </a:r>
+          </a:p>
+          <a:p>
+            <a:r>
+              <a:rPr lang="en-US" dirty="0" err="1"/>
+              <a:t>Vcc</a:t>
+            </a:r>
+            <a:r>
+              <a:rPr lang="en-US" dirty="0"/>
+              <a:t> follower     = supply 14</a:t>
+            </a:r>
+          </a:p>
+          <a:p>
+            <a:endParaRPr lang="en-US" dirty="0"/>
+          </a:p>
+          <a:p>
+            <a:r>
+              <a:rPr lang="en-US" dirty="0" err="1"/>
+              <a:t>Vout</a:t>
+            </a:r>
+            <a:r>
+              <a:rPr lang="en-US" dirty="0"/>
+              <a:t>     =  coax 10</a:t>
+            </a:r>
+          </a:p>
+          <a:p>
+            <a:r>
+              <a:rPr lang="en-US" dirty="0"/>
+              <a:t>20Meg = 12</a:t>
+            </a:r>
+          </a:p>
+        </p:txBody>
+      </p:sp>
+      <p:sp>
+        <p:nvSpPr>
+          <p:cNvPr id="2" name="TextBox 1">
+            <a:extLst>
+              <a:ext uri="{FF2B5EF4-FFF2-40B4-BE49-F238E27FC236}">
+                <a16:creationId xmlns:a16="http://schemas.microsoft.com/office/drawing/2014/main" id="{342F9BF1-2FFF-B476-B630-5BBFD7F9E81A}"/>
               </a:ext>
             </a:extLst>
           </p:cNvPr>
@@ -11391,8 +13337,8 @@
         </p:nvSpPr>
         <p:spPr>
           <a:xfrm>
-            <a:off x="6573517" y="1410279"/>
-            <a:ext cx="2080698" cy="323165"/>
+            <a:off x="824149" y="343482"/>
+            <a:ext cx="3955055" cy="477054"/>
           </a:xfrm>
           <a:prstGeom prst="rect">
             <a:avLst/>
@@ -11400,14 +13346,14 @@
           <a:noFill/>
         </p:spPr>
         <p:txBody>
-          <a:bodyPr wrap="none" rtlCol="0">
+          <a:bodyPr wrap="square" rtlCol="0">
             <a:spAutoFit/>
           </a:bodyPr>
           <a:lstStyle/>
           <a:p>
             <a:r>
-              <a:rPr lang="en-US" sz="1500" dirty="0"/>
-              <a:t>*looking down at device</a:t>
+              <a:rPr lang="en-US" sz="2500" b="1" dirty="0"/>
+              <a:t>Pinout for amplifiers </a:t>
             </a:r>
           </a:p>
         </p:txBody>
@@ -11415,7 +13361,7 @@
     </p:spTree>
     <p:extLst>
       <p:ext uri="{BB962C8B-B14F-4D97-AF65-F5344CB8AC3E}">
-        <p14:creationId xmlns:p14="http://schemas.microsoft.com/office/powerpoint/2010/main" val="2464642376"/>
+        <p14:creationId xmlns:p14="http://schemas.microsoft.com/office/powerpoint/2010/main" val="1269945162"/>
       </p:ext>
     </p:extLst>
   </p:cSld>
@@ -32535,4 +34481,319 @@
     </a:ext>
   </a:extLst>
 </a:theme>
+</file>
+
+<file path=ppt/theme/theme2.xml><?xml version="1.0" encoding="utf-8"?>
+<a:theme xmlns:a="http://schemas.openxmlformats.org/drawingml/2006/main" name="Office Theme">
+  <a:themeElements>
+    <a:clrScheme name="Office">
+      <a:dk1>
+        <a:sysClr val="windowText" lastClr="000000"/>
+      </a:dk1>
+      <a:lt1>
+        <a:sysClr val="window" lastClr="FFFFFF"/>
+      </a:lt1>
+      <a:dk2>
+        <a:srgbClr val="0E2841"/>
+      </a:dk2>
+      <a:lt2>
+        <a:srgbClr val="E8E8E8"/>
+      </a:lt2>
+      <a:accent1>
+        <a:srgbClr val="156082"/>
+      </a:accent1>
+      <a:accent2>
+        <a:srgbClr val="E97132"/>
+      </a:accent2>
+      <a:accent3>
+        <a:srgbClr val="196B24"/>
+      </a:accent3>
+      <a:accent4>
+        <a:srgbClr val="0F9ED5"/>
+      </a:accent4>
+      <a:accent5>
+        <a:srgbClr val="A02B93"/>
+      </a:accent5>
+      <a:accent6>
+        <a:srgbClr val="4EA72E"/>
+      </a:accent6>
+      <a:hlink>
+        <a:srgbClr val="467886"/>
+      </a:hlink>
+      <a:folHlink>
+        <a:srgbClr val="96607D"/>
+      </a:folHlink>
+    </a:clrScheme>
+    <a:fontScheme name="Office">
+      <a:majorFont>
+        <a:latin typeface="Aptos Display" panose="02110004020202020204"/>
+        <a:ea typeface=""/>
+        <a:cs typeface=""/>
+        <a:font script="Jpan" typeface="游ゴシック Light"/>
+        <a:font script="Hang" typeface="맑은 고딕"/>
+        <a:font script="Hans" typeface="等线 Light"/>
+        <a:font script="Hant" typeface="新細明體"/>
+        <a:font script="Arab" typeface="Times New Roman"/>
+        <a:font script="Hebr" typeface="Times New Roman"/>
+        <a:font script="Thai" typeface="Angsana New"/>
+        <a:font script="Ethi" typeface="Nyala"/>
+        <a:font script="Beng" typeface="Vrinda"/>
+        <a:font script="Gujr" typeface="Shruti"/>
+        <a:font script="Khmr" typeface="MoolBoran"/>
+        <a:font script="Knda" typeface="Tunga"/>
+        <a:font script="Guru" typeface="Raavi"/>
+        <a:font script="Cans" typeface="Euphemia"/>
+        <a:font script="Cher" typeface="Plantagenet Cherokee"/>
+        <a:font script="Yiii" typeface="Microsoft Yi Baiti"/>
+        <a:font script="Tibt" typeface="Microsoft Himalaya"/>
+        <a:font script="Thaa" typeface="MV Boli"/>
+        <a:font script="Deva" typeface="Mangal"/>
+        <a:font script="Telu" typeface="Gautami"/>
+        <a:font script="Taml" typeface="Latha"/>
+        <a:font script="Syrc" typeface="Estrangelo Edessa"/>
+        <a:font script="Orya" typeface="Kalinga"/>
+        <a:font script="Mlym" typeface="Kartika"/>
+        <a:font script="Laoo" typeface="DokChampa"/>
+        <a:font script="Sinh" typeface="Iskoola Pota"/>
+        <a:font script="Mong" typeface="Mongolian Baiti"/>
+        <a:font script="Viet" typeface="Times New Roman"/>
+        <a:font script="Uigh" typeface="Microsoft Uighur"/>
+        <a:font script="Geor" typeface="Sylfaen"/>
+        <a:font script="Armn" typeface="Arial"/>
+        <a:font script="Bugi" typeface="Leelawadee UI"/>
+        <a:font script="Bopo" typeface="Microsoft JhengHei"/>
+        <a:font script="Java" typeface="Javanese Text"/>
+        <a:font script="Lisu" typeface="Segoe UI"/>
+        <a:font script="Mymr" typeface="Myanmar Text"/>
+        <a:font script="Nkoo" typeface="Ebrima"/>
+        <a:font script="Olck" typeface="Nirmala UI"/>
+        <a:font script="Osma" typeface="Ebrima"/>
+        <a:font script="Phag" typeface="Phagspa"/>
+        <a:font script="Syrn" typeface="Estrangelo Edessa"/>
+        <a:font script="Syrj" typeface="Estrangelo Edessa"/>
+        <a:font script="Syre" typeface="Estrangelo Edessa"/>
+        <a:font script="Sora" typeface="Nirmala UI"/>
+        <a:font script="Tale" typeface="Microsoft Tai Le"/>
+        <a:font script="Talu" typeface="Microsoft New Tai Lue"/>
+        <a:font script="Tfng" typeface="Ebrima"/>
+      </a:majorFont>
+      <a:minorFont>
+        <a:latin typeface="Aptos" panose="02110004020202020204"/>
+        <a:ea typeface=""/>
+        <a:cs typeface=""/>
+        <a:font script="Jpan" typeface="游ゴシック"/>
+        <a:font script="Hang" typeface="맑은 고딕"/>
+        <a:font script="Hans" typeface="等线"/>
+        <a:font script="Hant" typeface="新細明體"/>
+        <a:font script="Arab" typeface="Arial"/>
+        <a:font script="Hebr" typeface="Arial"/>
+        <a:font script="Thai" typeface="Cordia New"/>
+        <a:font script="Ethi" typeface="Nyala"/>
+        <a:font script="Beng" typeface="Vrinda"/>
+        <a:font script="Gujr" typeface="Shruti"/>
+        <a:font script="Khmr" typeface="DaunPenh"/>
+        <a:font script="Knda" typeface="Tunga"/>
+        <a:font script="Guru" typeface="Raavi"/>
+        <a:font script="Cans" typeface="Euphemia"/>
+        <a:font script="Cher" typeface="Plantagenet Cherokee"/>
+        <a:font script="Yiii" typeface="Microsoft Yi Baiti"/>
+        <a:font script="Tibt" typeface="Microsoft Himalaya"/>
+        <a:font script="Thaa" typeface="MV Boli"/>
+        <a:font script="Deva" typeface="Mangal"/>
+        <a:font script="Telu" typeface="Gautami"/>
+        <a:font script="Taml" typeface="Latha"/>
+        <a:font script="Syrc" typeface="Estrangelo Edessa"/>
+        <a:font script="Orya" typeface="Kalinga"/>
+        <a:font script="Mlym" typeface="Kartika"/>
+        <a:font script="Laoo" typeface="DokChampa"/>
+        <a:font script="Sinh" typeface="Iskoola Pota"/>
+        <a:font script="Mong" typeface="Mongolian Baiti"/>
+        <a:font script="Viet" typeface="Arial"/>
+        <a:font script="Uigh" typeface="Microsoft Uighur"/>
+        <a:font script="Geor" typeface="Sylfaen"/>
+        <a:font script="Armn" typeface="Arial"/>
+        <a:font script="Bugi" typeface="Leelawadee UI"/>
+        <a:font script="Bopo" typeface="Microsoft JhengHei"/>
+        <a:font script="Java" typeface="Javanese Text"/>
+        <a:font script="Lisu" typeface="Segoe UI"/>
+        <a:font script="Mymr" typeface="Myanmar Text"/>
+        <a:font script="Nkoo" typeface="Ebrima"/>
+        <a:font script="Olck" typeface="Nirmala UI"/>
+        <a:font script="Osma" typeface="Ebrima"/>
+        <a:font script="Phag" typeface="Phagspa"/>
+        <a:font script="Syrn" typeface="Estrangelo Edessa"/>
+        <a:font script="Syrj" typeface="Estrangelo Edessa"/>
+        <a:font script="Syre" typeface="Estrangelo Edessa"/>
+        <a:font script="Sora" typeface="Nirmala UI"/>
+        <a:font script="Tale" typeface="Microsoft Tai Le"/>
+        <a:font script="Talu" typeface="Microsoft New Tai Lue"/>
+        <a:font script="Tfng" typeface="Ebrima"/>
+      </a:minorFont>
+    </a:fontScheme>
+    <a:fmtScheme name="Office">
+      <a:fillStyleLst>
+        <a:solidFill>
+          <a:schemeClr val="phClr"/>
+        </a:solidFill>
+        <a:gradFill rotWithShape="1">
+          <a:gsLst>
+            <a:gs pos="0">
+              <a:schemeClr val="phClr">
+                <a:lumMod val="110000"/>
+                <a:satMod val="105000"/>
+                <a:tint val="67000"/>
+              </a:schemeClr>
+            </a:gs>
+            <a:gs pos="50000">
+              <a:schemeClr val="phClr">
+                <a:lumMod val="105000"/>
+                <a:satMod val="103000"/>
+                <a:tint val="73000"/>
+              </a:schemeClr>
+            </a:gs>
+            <a:gs pos="100000">
+              <a:schemeClr val="phClr">
+                <a:lumMod val="105000"/>
+                <a:satMod val="109000"/>
+                <a:tint val="81000"/>
+              </a:schemeClr>
+            </a:gs>
+          </a:gsLst>
+          <a:lin ang="5400000" scaled="0"/>
+        </a:gradFill>
+        <a:gradFill rotWithShape="1">
+          <a:gsLst>
+            <a:gs pos="0">
+              <a:schemeClr val="phClr">
+                <a:satMod val="103000"/>
+                <a:lumMod val="102000"/>
+                <a:tint val="94000"/>
+              </a:schemeClr>
+            </a:gs>
+            <a:gs pos="50000">
+              <a:schemeClr val="phClr">
+                <a:satMod val="110000"/>
+                <a:lumMod val="100000"/>
+                <a:shade val="100000"/>
+              </a:schemeClr>
+            </a:gs>
+            <a:gs pos="100000">
+              <a:schemeClr val="phClr">
+                <a:lumMod val="99000"/>
+                <a:satMod val="120000"/>
+                <a:shade val="78000"/>
+              </a:schemeClr>
+            </a:gs>
+          </a:gsLst>
+          <a:lin ang="5400000" scaled="0"/>
+        </a:gradFill>
+      </a:fillStyleLst>
+      <a:lnStyleLst>
+        <a:ln w="12700" cap="flat" cmpd="sng" algn="ctr">
+          <a:solidFill>
+            <a:schemeClr val="phClr"/>
+          </a:solidFill>
+          <a:prstDash val="solid"/>
+          <a:miter lim="800000"/>
+        </a:ln>
+        <a:ln w="19050" cap="flat" cmpd="sng" algn="ctr">
+          <a:solidFill>
+            <a:schemeClr val="phClr"/>
+          </a:solidFill>
+          <a:prstDash val="solid"/>
+          <a:miter lim="800000"/>
+        </a:ln>
+        <a:ln w="25400" cap="flat" cmpd="sng" algn="ctr">
+          <a:solidFill>
+            <a:schemeClr val="phClr"/>
+          </a:solidFill>
+          <a:prstDash val="solid"/>
+          <a:miter lim="800000"/>
+        </a:ln>
+      </a:lnStyleLst>
+      <a:effectStyleLst>
+        <a:effectStyle>
+          <a:effectLst/>
+        </a:effectStyle>
+        <a:effectStyle>
+          <a:effectLst/>
+        </a:effectStyle>
+        <a:effectStyle>
+          <a:effectLst>
+            <a:outerShdw blurRad="57150" dist="19050" dir="5400000" algn="ctr" rotWithShape="0">
+              <a:srgbClr val="000000">
+                <a:alpha val="63000"/>
+              </a:srgbClr>
+            </a:outerShdw>
+          </a:effectLst>
+        </a:effectStyle>
+      </a:effectStyleLst>
+      <a:bgFillStyleLst>
+        <a:solidFill>
+          <a:schemeClr val="phClr"/>
+        </a:solidFill>
+        <a:solidFill>
+          <a:schemeClr val="phClr">
+            <a:tint val="95000"/>
+            <a:satMod val="170000"/>
+          </a:schemeClr>
+        </a:solidFill>
+        <a:gradFill rotWithShape="1">
+          <a:gsLst>
+            <a:gs pos="0">
+              <a:schemeClr val="phClr">
+                <a:tint val="93000"/>
+                <a:satMod val="150000"/>
+                <a:shade val="98000"/>
+                <a:lumMod val="102000"/>
+              </a:schemeClr>
+            </a:gs>
+            <a:gs pos="50000">
+              <a:schemeClr val="phClr">
+                <a:tint val="98000"/>
+                <a:satMod val="130000"/>
+                <a:shade val="90000"/>
+                <a:lumMod val="103000"/>
+              </a:schemeClr>
+            </a:gs>
+            <a:gs pos="100000">
+              <a:schemeClr val="phClr">
+                <a:shade val="63000"/>
+                <a:satMod val="120000"/>
+              </a:schemeClr>
+            </a:gs>
+          </a:gsLst>
+          <a:lin ang="5400000" scaled="0"/>
+        </a:gradFill>
+      </a:bgFillStyleLst>
+    </a:fmtScheme>
+  </a:themeElements>
+  <a:objectDefaults>
+    <a:lnDef>
+      <a:spPr/>
+      <a:bodyPr/>
+      <a:lstStyle/>
+      <a:style>
+        <a:lnRef idx="2">
+          <a:schemeClr val="accent1"/>
+        </a:lnRef>
+        <a:fillRef idx="0">
+          <a:schemeClr val="accent1"/>
+        </a:fillRef>
+        <a:effectRef idx="1">
+          <a:schemeClr val="accent1"/>
+        </a:effectRef>
+        <a:fontRef idx="minor">
+          <a:schemeClr val="tx1"/>
+        </a:fontRef>
+      </a:style>
+    </a:lnDef>
+  </a:objectDefaults>
+  <a:extraClrSchemeLst/>
+  <a:extLst>
+    <a:ext uri="{05A4C25C-085E-4340-85A3-A5531E510DB2}">
+      <thm15:themeFamily xmlns:thm15="http://schemas.microsoft.com/office/thememl/2012/main" name="Office Theme" id="{2E142A2C-CD16-42D6-873A-C26D2A0506FA}" vid="{1BDDFF52-6CD6-40A5-AB3C-68EB2F1E4D0A}"/>
+    </a:ext>
+  </a:extLst>
+</a:theme>
 </file>